--- a/progress12.pptx
+++ b/progress12.pptx
@@ -13,15 +13,15 @@
   <p:sldIdLst>
     <p:sldId id="287" r:id="rId2"/>
     <p:sldId id="323" r:id="rId3"/>
-    <p:sldId id="375" r:id="rId4"/>
-    <p:sldId id="371" r:id="rId5"/>
-    <p:sldId id="349" r:id="rId6"/>
-    <p:sldId id="373" r:id="rId7"/>
-    <p:sldId id="372" r:id="rId8"/>
-    <p:sldId id="368" r:id="rId9"/>
-    <p:sldId id="369" r:id="rId10"/>
-    <p:sldId id="370" r:id="rId11"/>
-    <p:sldId id="374" r:id="rId12"/>
+    <p:sldId id="368" r:id="rId4"/>
+    <p:sldId id="349" r:id="rId5"/>
+    <p:sldId id="375" r:id="rId6"/>
+    <p:sldId id="376" r:id="rId7"/>
+    <p:sldId id="378" r:id="rId8"/>
+    <p:sldId id="379" r:id="rId9"/>
+    <p:sldId id="377" r:id="rId10"/>
+    <p:sldId id="373" r:id="rId11"/>
+    <p:sldId id="369" r:id="rId12"/>
     <p:sldId id="317" r:id="rId13"/>
     <p:sldId id="357" r:id="rId14"/>
   </p:sldIdLst>
@@ -219,7 +219,7 @@
           <a:p>
             <a:fld id="{202C1FBA-CF23-45CA-A289-03E32D160964}" type="datetimeFigureOut">
               <a:rPr lang="zh-CN" altLang="en-US" smtClean="0"/>
-              <a:t>2019/9/12</a:t>
+              <a:t>2019/9/14</a:t>
             </a:fld>
             <a:endParaRPr lang="zh-CN" altLang="en-US"/>
           </a:p>
@@ -384,7 +384,7 @@
           <a:p>
             <a:fld id="{6D966BD8-0FC1-456F-BDC6-7D0CA8E36566}" type="datetimeFigureOut">
               <a:rPr lang="zh-CN" altLang="en-US" smtClean="0"/>
-              <a:t>2019/9/12</a:t>
+              <a:t>2019/9/14</a:t>
             </a:fld>
             <a:endParaRPr lang="zh-CN" altLang="en-US"/>
           </a:p>
@@ -868,137 +868,63 @@
           <a:lstStyle/>
           <a:p>
             <a:r>
-              <a:rPr lang="en-US" altLang="zh-CN" sz="1200" kern="1200" dirty="0" smtClean="0">
-                <a:solidFill>
-                  <a:schemeClr val="tx1"/>
-                </a:solidFill>
-                <a:effectLst/>
-                <a:latin typeface="+mn-lt"/>
-                <a:ea typeface="+mn-ea"/>
-                <a:cs typeface="+mn-cs"/>
-              </a:rPr>
-              <a:t>In this simulation, 1</a:t>
-            </a:r>
-            <a:r>
-              <a:rPr lang="en-US" altLang="zh-CN" sz="1200" kern="1200" baseline="30000" dirty="0" smtClean="0">
-                <a:solidFill>
-                  <a:schemeClr val="tx1"/>
-                </a:solidFill>
-                <a:effectLst/>
-                <a:latin typeface="+mn-lt"/>
-                <a:ea typeface="+mn-ea"/>
-                <a:cs typeface="+mn-cs"/>
-              </a:rPr>
-              <a:t>st</a:t>
-            </a:r>
-            <a:r>
-              <a:rPr lang="en-US" altLang="zh-CN" sz="1200" kern="1200" dirty="0" smtClean="0">
-                <a:solidFill>
-                  <a:schemeClr val="tx1"/>
-                </a:solidFill>
-                <a:effectLst/>
-                <a:latin typeface="+mn-lt"/>
-                <a:ea typeface="+mn-ea"/>
-                <a:cs typeface="+mn-cs"/>
-              </a:rPr>
-              <a:t> ~ 50</a:t>
-            </a:r>
-            <a:r>
-              <a:rPr lang="en-US" altLang="zh-CN" sz="1200" kern="1200" baseline="30000" dirty="0" smtClean="0">
-                <a:solidFill>
-                  <a:schemeClr val="tx1"/>
-                </a:solidFill>
-                <a:effectLst/>
-                <a:latin typeface="+mn-lt"/>
-                <a:ea typeface="+mn-ea"/>
-                <a:cs typeface="+mn-cs"/>
-              </a:rPr>
-              <a:t>th</a:t>
-            </a:r>
-            <a:r>
-              <a:rPr lang="en-US" altLang="zh-CN" sz="1200" kern="1200" dirty="0" smtClean="0">
-                <a:solidFill>
-                  <a:schemeClr val="tx1"/>
-                </a:solidFill>
-                <a:effectLst/>
-                <a:latin typeface="+mn-lt"/>
-                <a:ea typeface="+mn-ea"/>
-                <a:cs typeface="+mn-cs"/>
-              </a:rPr>
-              <a:t> nodes according to ranked order are unchanged. </a:t>
-            </a:r>
-          </a:p>
-          <a:p>
-            <a:r>
-              <a:rPr lang="en-US" altLang="zh-CN" sz="1200" kern="1200" dirty="0" smtClean="0">
-                <a:solidFill>
-                  <a:schemeClr val="tx1"/>
-                </a:solidFill>
-                <a:effectLst/>
-                <a:latin typeface="+mn-lt"/>
-                <a:ea typeface="+mn-ea"/>
-                <a:cs typeface="+mn-cs"/>
-              </a:rPr>
-              <a:t>This simulation is not finished.</a:t>
-            </a:r>
-            <a:r>
-              <a:rPr lang="en-US" altLang="zh-CN" sz="1200" kern="1200" baseline="0" dirty="0" smtClean="0">
-                <a:solidFill>
-                  <a:schemeClr val="tx1"/>
-                </a:solidFill>
-                <a:effectLst/>
-                <a:latin typeface="+mn-lt"/>
-                <a:ea typeface="+mn-ea"/>
-                <a:cs typeface="+mn-cs"/>
-              </a:rPr>
-              <a:t> But eigenvector centrality is a little slow to change the state. </a:t>
-            </a:r>
-          </a:p>
-          <a:p>
-            <a:endParaRPr lang="en-US" altLang="zh-CN" sz="1200" kern="1200" baseline="0" dirty="0" smtClean="0">
-              <a:solidFill>
-                <a:schemeClr val="tx1"/>
-              </a:solidFill>
-              <a:effectLst/>
-              <a:latin typeface="+mn-lt"/>
-              <a:ea typeface="+mn-ea"/>
-              <a:cs typeface="+mn-cs"/>
-            </a:endParaRPr>
-          </a:p>
-          <a:p>
-            <a:r>
-              <a:rPr lang="en-US" altLang="zh-CN" sz="1200" kern="1200" dirty="0" smtClean="0">
-                <a:solidFill>
-                  <a:schemeClr val="tx1"/>
-                </a:solidFill>
-                <a:effectLst/>
-                <a:latin typeface="+mn-lt"/>
-                <a:ea typeface="+mn-ea"/>
-                <a:cs typeface="+mn-cs"/>
-              </a:rPr>
-              <a:t>It</a:t>
-            </a:r>
-            <a:r>
-              <a:rPr lang="en-US" altLang="zh-CN" sz="1200" kern="1200" baseline="0" dirty="0" smtClean="0">
-                <a:solidFill>
-                  <a:schemeClr val="tx1"/>
-                </a:solidFill>
-                <a:effectLst/>
-                <a:latin typeface="+mn-lt"/>
-                <a:ea typeface="+mn-ea"/>
-                <a:cs typeface="+mn-cs"/>
-              </a:rPr>
-              <a:t> need to do more simulation with changing layer and parameters. </a:t>
-            </a:r>
-            <a:endParaRPr lang="en-US" altLang="zh-CN" sz="1200" kern="1200" dirty="0" smtClean="0">
-              <a:solidFill>
-                <a:schemeClr val="tx1"/>
-              </a:solidFill>
-              <a:effectLst/>
-              <a:latin typeface="+mn-lt"/>
-              <a:ea typeface="+mn-ea"/>
-              <a:cs typeface="+mn-cs"/>
-            </a:endParaRPr>
+              <a:rPr lang="en-US" altLang="zh-CN" dirty="0" smtClean="0"/>
+              <a:t>I provide new</a:t>
+            </a:r>
+            <a:r>
+              <a:rPr lang="en-US" altLang="zh-CN" baseline="0" dirty="0" smtClean="0"/>
+              <a:t> index for measuring consensus. </a:t>
+            </a:r>
+          </a:p>
+          <a:p>
+            <a:endParaRPr lang="en-US" altLang="zh-CN" dirty="0" smtClean="0"/>
+          </a:p>
+          <a:p>
+            <a:r>
+              <a:rPr lang="en-US" altLang="zh-CN" dirty="0" smtClean="0"/>
+              <a:t>This</a:t>
+            </a:r>
+            <a:r>
+              <a:rPr lang="en-US" altLang="zh-CN" baseline="0" dirty="0" smtClean="0"/>
+              <a:t> is the consensus index.  KA means the number of nodes in layer A. K plus A represents the number of nodes with positive state in layer A. </a:t>
+            </a:r>
+          </a:p>
+          <a:p>
+            <a:endParaRPr lang="en-US" altLang="zh-CN" baseline="0" dirty="0" smtClean="0"/>
+          </a:p>
+          <a:p>
+            <a:r>
+              <a:rPr lang="en-US" altLang="zh-CN" baseline="0" dirty="0" smtClean="0"/>
+              <a:t>With CI, it could be measured how close the network state is to consensus. </a:t>
+            </a:r>
+          </a:p>
+          <a:p>
+            <a:endParaRPr lang="en-US" altLang="zh-CN" baseline="0" dirty="0" smtClean="0"/>
+          </a:p>
+          <a:p>
+            <a:r>
+              <a:rPr lang="en-US" altLang="zh-CN" baseline="0" dirty="0" smtClean="0"/>
+              <a:t>If Ci is close to 1, it means separated coexistence like  layer A has all positive states, but layer B has all negative states. </a:t>
+            </a:r>
+          </a:p>
+          <a:p>
+            <a:endParaRPr lang="en-US" altLang="zh-CN" baseline="0" dirty="0" smtClean="0"/>
+          </a:p>
+          <a:p>
+            <a:r>
+              <a:rPr lang="en-US" altLang="zh-CN" baseline="0" dirty="0" smtClean="0"/>
+              <a:t>If CI is close to 0, it means positive or negative consensus. </a:t>
+            </a:r>
+          </a:p>
+          <a:p>
+            <a:endParaRPr lang="en-US" altLang="zh-CN" baseline="0" dirty="0" smtClean="0"/>
+          </a:p>
+          <a:p>
+            <a:r>
+              <a:rPr lang="en-US" altLang="zh-CN" baseline="0" dirty="0" smtClean="0"/>
+              <a:t>And, if CI is close to 0.5, it means mixed coexistence. </a:t>
+            </a:r>
+            <a:endParaRPr lang="zh-CN" altLang="en-US" dirty="0"/>
           </a:p>
         </p:txBody>
       </p:sp>
@@ -1028,7 +954,7 @@
     </p:spTree>
     <p:extLst>
       <p:ext uri="{BB962C8B-B14F-4D97-AF65-F5344CB8AC3E}">
-        <p14:creationId xmlns:p14="http://schemas.microsoft.com/office/powerpoint/2010/main" val="2482793611"/>
+        <p14:creationId xmlns:p14="http://schemas.microsoft.com/office/powerpoint/2010/main" val="1701787324"/>
       </p:ext>
     </p:extLst>
   </p:cSld>
@@ -1082,7 +1008,23 @@
           <a:bodyPr/>
           <a:lstStyle/>
           <a:p>
-            <a:endParaRPr lang="zh-CN" altLang="en-US"/>
+            <a:r>
+              <a:rPr lang="en-US" altLang="zh-CN" dirty="0" smtClean="0"/>
+              <a:t>There are three branch points. In the first branch point, the results are divided according to whether order of nodes in layer B is sequential or simultaneous. </a:t>
+            </a:r>
+          </a:p>
+          <a:p>
+            <a:r>
+              <a:rPr lang="en-US" altLang="zh-CN" dirty="0" smtClean="0"/>
+              <a:t>In the second and third branch point, the results are divided according to whether order of edges in layer A is sequential or simultaneous. </a:t>
+            </a:r>
+          </a:p>
+          <a:p>
+            <a:r>
+              <a:rPr lang="en-US" altLang="zh-CN" dirty="0" smtClean="0"/>
+              <a:t>As the results, there are 4 categories such as fast positive consensus, slow positive consensus, coexistence and slow negative consensus. </a:t>
+            </a:r>
+            <a:endParaRPr lang="zh-CN" altLang="en-US" dirty="0"/>
           </a:p>
         </p:txBody>
       </p:sp>
@@ -1112,7 +1054,7 @@
     </p:spTree>
     <p:extLst>
       <p:ext uri="{BB962C8B-B14F-4D97-AF65-F5344CB8AC3E}">
-        <p14:creationId xmlns:p14="http://schemas.microsoft.com/office/powerpoint/2010/main" val="1237008752"/>
+        <p14:creationId xmlns:p14="http://schemas.microsoft.com/office/powerpoint/2010/main" val="1419760817"/>
       </p:ext>
     </p:extLst>
   </p:cSld>
@@ -1621,94 +1563,20 @@
           <a:lstStyle/>
           <a:p>
             <a:r>
-              <a:rPr lang="en-US" altLang="zh-CN" sz="1200" kern="1200" dirty="0" smtClean="0">
-                <a:solidFill>
-                  <a:schemeClr val="tx1"/>
-                </a:solidFill>
-                <a:effectLst/>
-                <a:latin typeface="+mn-lt"/>
-                <a:ea typeface="+mn-ea"/>
-                <a:cs typeface="+mn-cs"/>
-              </a:rPr>
-              <a:t>To find important nodes on two-layer networks, it is investigated which nodes have more influence on changing average states of network by unchanging the nodes states. </a:t>
-            </a:r>
-          </a:p>
-          <a:p>
-            <a:r>
-              <a:rPr lang="en-US" altLang="zh-CN" sz="1200" kern="1200" dirty="0" smtClean="0">
-                <a:solidFill>
-                  <a:schemeClr val="tx1"/>
-                </a:solidFill>
-                <a:effectLst/>
-                <a:latin typeface="+mn-lt"/>
-                <a:ea typeface="+mn-ea"/>
-                <a:cs typeface="+mn-cs"/>
-              </a:rPr>
-              <a:t>Method</a:t>
-            </a:r>
-            <a:r>
-              <a:rPr lang="en-US" altLang="zh-CN" sz="1200" kern="1200" baseline="0" dirty="0" smtClean="0">
-                <a:solidFill>
-                  <a:schemeClr val="tx1"/>
-                </a:solidFill>
-                <a:effectLst/>
-                <a:latin typeface="+mn-lt"/>
-                <a:ea typeface="+mn-ea"/>
-                <a:cs typeface="+mn-cs"/>
-              </a:rPr>
-              <a:t> is like this way. </a:t>
-            </a:r>
-          </a:p>
-          <a:p>
-            <a:r>
-              <a:rPr lang="en-US" altLang="zh-CN" sz="1200" kern="1200" dirty="0" smtClean="0">
-                <a:solidFill>
-                  <a:schemeClr val="tx1"/>
-                </a:solidFill>
-                <a:effectLst/>
-                <a:latin typeface="+mn-lt"/>
-                <a:ea typeface="+mn-ea"/>
-                <a:cs typeface="+mn-cs"/>
-              </a:rPr>
-              <a:t>all nodes are ranked by node centralities, and the ratio of unchanged nodes are increased according to ranked order, until the average states of network have different states. </a:t>
-            </a:r>
-          </a:p>
-          <a:p>
-            <a:r>
-              <a:rPr lang="en-US" altLang="zh-CN" sz="1200" kern="1200" dirty="0" smtClean="0">
-                <a:solidFill>
-                  <a:schemeClr val="tx1"/>
-                </a:solidFill>
-                <a:effectLst/>
-                <a:latin typeface="+mn-lt"/>
-                <a:ea typeface="+mn-ea"/>
-                <a:cs typeface="+mn-cs"/>
-              </a:rPr>
-              <a:t>When the ratio of unchanged nodes according to node centrality is the least, that centrality is the most influential property for interconnected network.</a:t>
-            </a:r>
-            <a:endParaRPr lang="zh-CN" altLang="zh-CN" sz="1200" kern="1200" dirty="0" smtClean="0">
-              <a:solidFill>
-                <a:schemeClr val="tx1"/>
-              </a:solidFill>
-              <a:effectLst/>
-              <a:latin typeface="+mn-lt"/>
-              <a:ea typeface="+mn-ea"/>
-              <a:cs typeface="+mn-cs"/>
-            </a:endParaRPr>
-          </a:p>
-          <a:p>
-            <a:r>
-              <a:rPr lang="en-US" altLang="zh-CN" sz="1200" kern="1200" dirty="0" smtClean="0">
-                <a:solidFill>
-                  <a:schemeClr val="tx1"/>
-                </a:solidFill>
-                <a:effectLst/>
-                <a:latin typeface="+mn-lt"/>
-                <a:ea typeface="+mn-ea"/>
-                <a:cs typeface="+mn-cs"/>
-              </a:rPr>
-              <a:t>As initial condition for finding key node in layer A, each layer is made of BA network with 2048 nodes and 1 external edge. Parameter values are like p=0.3, v=0.3. </a:t>
-            </a:r>
+              <a:rPr lang="en-US" altLang="zh-CN" dirty="0" smtClean="0"/>
+              <a:t>With CI, simulation</a:t>
+            </a:r>
+            <a:r>
+              <a:rPr lang="en-US" altLang="zh-CN" baseline="0" dirty="0" smtClean="0"/>
+              <a:t> results are researched like this figure. </a:t>
+            </a:r>
+          </a:p>
+          <a:p>
+            <a:r>
+              <a:rPr lang="en-US" altLang="zh-CN" baseline="0" dirty="0" smtClean="0"/>
+              <a:t>We can find out 3 branch points. The results are very clear to analyze.  </a:t>
+            </a:r>
+            <a:endParaRPr lang="zh-CN" altLang="en-US" dirty="0"/>
           </a:p>
         </p:txBody>
       </p:sp>
@@ -1738,7 +1606,7 @@
     </p:spTree>
     <p:extLst>
       <p:ext uri="{BB962C8B-B14F-4D97-AF65-F5344CB8AC3E}">
-        <p14:creationId xmlns:p14="http://schemas.microsoft.com/office/powerpoint/2010/main" val="944274066"/>
+        <p14:creationId xmlns:p14="http://schemas.microsoft.com/office/powerpoint/2010/main" val="2153490015"/>
       </p:ext>
     </p:extLst>
   </p:cSld>
@@ -1793,23 +1661,228 @@
           <a:lstStyle/>
           <a:p>
             <a:r>
-              <a:rPr lang="en-US" altLang="zh-CN" dirty="0" smtClean="0"/>
-              <a:t>This</a:t>
-            </a:r>
-            <a:r>
               <a:rPr lang="en-US" altLang="zh-CN" baseline="0" dirty="0" smtClean="0"/>
-              <a:t> is total simulation result of updating rules with Average State of two layers. </a:t>
+              <a:t>Analyzing updating rules</a:t>
+            </a:r>
+          </a:p>
+          <a:p>
+            <a:pPr marL="0" lvl="0" indent="0">
+              <a:spcBef>
+                <a:spcPts val="600"/>
+              </a:spcBef>
+              <a:buClr>
+                <a:srgbClr val="004098"/>
+              </a:buClr>
+              <a:buSzPct val="100000"/>
+              <a:buFont typeface="Calibri" panose="020F0502020204030204" pitchFamily="34" charset="0"/>
+              <a:buNone/>
+            </a:pPr>
+            <a:r>
+              <a:rPr lang="en-US" altLang="zh-CN" b="1" dirty="0" smtClean="0">
+                <a:solidFill>
+                  <a:srgbClr val="000000"/>
+                </a:solidFill>
+                <a:latin typeface="Arial" panose="020B0604020202020204" pitchFamily="34" charset="0"/>
+                <a:cs typeface="Arial" panose="020B0604020202020204" pitchFamily="34" charset="0"/>
+              </a:rPr>
+              <a:t>Orders between layers</a:t>
+            </a:r>
+          </a:p>
+          <a:p>
+            <a:pPr lvl="0">
+              <a:spcBef>
+                <a:spcPts val="600"/>
+              </a:spcBef>
+              <a:buClr>
+                <a:srgbClr val="004098"/>
+              </a:buClr>
+              <a:buSzPct val="100000"/>
+            </a:pPr>
+            <a:r>
+              <a:rPr lang="en-US" altLang="zh-CN" dirty="0" smtClean="0">
+                <a:solidFill>
+                  <a:srgbClr val="000000"/>
+                </a:solidFill>
+                <a:latin typeface="Arial" panose="020B0604020202020204" pitchFamily="34" charset="0"/>
+                <a:cs typeface="Arial" panose="020B0604020202020204" pitchFamily="34" charset="0"/>
+              </a:rPr>
+              <a:t>There is no difference between orders of layers, though there exists tiny consensus time gap. Regardless of  which layer works previously, simulation results are almost same.</a:t>
             </a:r>
           </a:p>
           <a:p>
             <a:endParaRPr lang="en-US" altLang="zh-CN" baseline="0" dirty="0" smtClean="0"/>
           </a:p>
           <a:p>
-            <a:r>
-              <a:rPr lang="en-US" altLang="zh-CN" baseline="0" dirty="0" smtClean="0"/>
-              <a:t>According to updating rules, Average states are different. But it is hard to classify the results.  So I try to use other index for measuring consensus. </a:t>
-            </a:r>
-            <a:endParaRPr lang="zh-CN" altLang="en-US" dirty="0"/>
+            <a:pPr marL="0" marR="0" lvl="0" indent="0" algn="l" defTabSz="914400" rtl="0" eaLnBrk="1" fontAlgn="auto" latinLnBrk="0" hangingPunct="1">
+              <a:lnSpc>
+                <a:spcPct val="100000"/>
+              </a:lnSpc>
+              <a:spcBef>
+                <a:spcPts val="0"/>
+              </a:spcBef>
+              <a:spcAft>
+                <a:spcPts val="0"/>
+              </a:spcAft>
+              <a:buClrTx/>
+              <a:buSzTx/>
+              <a:buFontTx/>
+              <a:buNone/>
+              <a:tabLst/>
+              <a:defRPr/>
+            </a:pPr>
+            <a:r>
+              <a:rPr lang="en-US" altLang="zh-CN" b="1" dirty="0" smtClean="0">
+                <a:solidFill>
+                  <a:srgbClr val="000000"/>
+                </a:solidFill>
+                <a:latin typeface="Arial" panose="020B0604020202020204" pitchFamily="34" charset="0"/>
+                <a:cs typeface="Arial" panose="020B0604020202020204" pitchFamily="34" charset="0"/>
+              </a:rPr>
+              <a:t>Orders between nodes</a:t>
+            </a:r>
+            <a:endParaRPr lang="en-US" altLang="zh-CN" baseline="0" dirty="0" smtClean="0"/>
+          </a:p>
+          <a:p>
+            <a:pPr lvl="0">
+              <a:spcBef>
+                <a:spcPts val="600"/>
+              </a:spcBef>
+              <a:buClr>
+                <a:srgbClr val="004098"/>
+              </a:buClr>
+              <a:buSzPct val="100000"/>
+            </a:pPr>
+            <a:r>
+              <a:rPr lang="en-US" altLang="zh-CN" dirty="0" smtClean="0">
+                <a:solidFill>
+                  <a:srgbClr val="000000"/>
+                </a:solidFill>
+                <a:latin typeface="Arial" panose="020B0604020202020204" pitchFamily="34" charset="0"/>
+                <a:cs typeface="Arial" panose="020B0604020202020204" pitchFamily="34" charset="0"/>
+              </a:rPr>
+              <a:t>Orders of nodes can be analyzed as communication methods or decision-making methods.</a:t>
+            </a:r>
+          </a:p>
+          <a:p>
+            <a:pPr lvl="0">
+              <a:spcBef>
+                <a:spcPts val="600"/>
+              </a:spcBef>
+              <a:buClr>
+                <a:srgbClr val="004098"/>
+              </a:buClr>
+              <a:buSzPct val="100000"/>
+            </a:pPr>
+            <a:r>
+              <a:rPr lang="en-US" altLang="zh-CN" dirty="0" smtClean="0">
+                <a:solidFill>
+                  <a:srgbClr val="000000"/>
+                </a:solidFill>
+                <a:latin typeface="Arial" panose="020B0604020202020204" pitchFamily="34" charset="0"/>
+                <a:cs typeface="Arial" panose="020B0604020202020204" pitchFamily="34" charset="0"/>
+              </a:rPr>
+              <a:t>In sequential order, nodes have enough time to observe how other nodes change and to affect their states. It seems to have discussion and conversation.   </a:t>
+            </a:r>
+          </a:p>
+          <a:p>
+            <a:pPr lvl="0">
+              <a:spcBef>
+                <a:spcPts val="600"/>
+              </a:spcBef>
+              <a:buClr>
+                <a:srgbClr val="004098"/>
+              </a:buClr>
+              <a:buSzPct val="100000"/>
+            </a:pPr>
+            <a:r>
+              <a:rPr lang="en-US" altLang="zh-CN" spc="-50" dirty="0" smtClean="0">
+                <a:solidFill>
+                  <a:srgbClr val="000000"/>
+                </a:solidFill>
+                <a:latin typeface="Arial" panose="020B0604020202020204" pitchFamily="34" charset="0"/>
+                <a:cs typeface="Arial" panose="020B0604020202020204" pitchFamily="34" charset="0"/>
+              </a:rPr>
+              <a:t>In simultaneous order, nodes don’t have enough time to observe how other nodes change and to affect their states. It seems to have a vote or election. </a:t>
+            </a:r>
+          </a:p>
+          <a:p>
+            <a:endParaRPr lang="en-US" altLang="zh-CN" baseline="0" dirty="0" smtClean="0"/>
+          </a:p>
+          <a:p>
+            <a:pPr marL="0" marR="0" lvl="0" indent="0" algn="l" defTabSz="914400" rtl="0" eaLnBrk="1" fontAlgn="auto" latinLnBrk="0" hangingPunct="1">
+              <a:lnSpc>
+                <a:spcPct val="100000"/>
+              </a:lnSpc>
+              <a:spcBef>
+                <a:spcPts val="0"/>
+              </a:spcBef>
+              <a:spcAft>
+                <a:spcPts val="0"/>
+              </a:spcAft>
+              <a:buClrTx/>
+              <a:buSzTx/>
+              <a:buFontTx/>
+              <a:buNone/>
+              <a:tabLst/>
+              <a:defRPr/>
+            </a:pPr>
+            <a:r>
+              <a:rPr lang="en-US" altLang="zh-CN" b="1" dirty="0" smtClean="0">
+                <a:solidFill>
+                  <a:srgbClr val="000000"/>
+                </a:solidFill>
+                <a:latin typeface="Arial" panose="020B0604020202020204" pitchFamily="34" charset="0"/>
+                <a:cs typeface="Arial" panose="020B0604020202020204" pitchFamily="34" charset="0"/>
+              </a:rPr>
+              <a:t>Orders between edges of each node in layer A</a:t>
+            </a:r>
+            <a:endParaRPr lang="en-US" altLang="zh-CN" baseline="0" dirty="0" smtClean="0"/>
+          </a:p>
+          <a:p>
+            <a:pPr lvl="0">
+              <a:spcBef>
+                <a:spcPts val="600"/>
+              </a:spcBef>
+              <a:buClr>
+                <a:srgbClr val="004098"/>
+              </a:buClr>
+              <a:buSzPct val="100000"/>
+            </a:pPr>
+            <a:r>
+              <a:rPr lang="en-US" altLang="zh-CN" dirty="0" smtClean="0">
+                <a:solidFill>
+                  <a:srgbClr val="000000"/>
+                </a:solidFill>
+                <a:latin typeface="Arial" panose="020B0604020202020204" pitchFamily="34" charset="0"/>
+                <a:cs typeface="Arial" panose="020B0604020202020204" pitchFamily="34" charset="0"/>
+              </a:rPr>
+              <a:t>Orders of edges can be analyzed as characteristics of nodes. In sequential order, nodes change their states whenever their edges are activated. We can call them rash nodes. </a:t>
+            </a:r>
+          </a:p>
+          <a:p>
+            <a:pPr lvl="0">
+              <a:spcBef>
+                <a:spcPts val="600"/>
+              </a:spcBef>
+              <a:buClr>
+                <a:srgbClr val="004098"/>
+              </a:buClr>
+              <a:buSzPct val="100000"/>
+            </a:pPr>
+            <a:r>
+              <a:rPr lang="en-US" altLang="zh-CN" dirty="0" smtClean="0">
+                <a:solidFill>
+                  <a:srgbClr val="000000"/>
+                </a:solidFill>
+                <a:latin typeface="Arial" panose="020B0604020202020204" pitchFamily="34" charset="0"/>
+                <a:cs typeface="Arial" panose="020B0604020202020204" pitchFamily="34" charset="0"/>
+              </a:rPr>
+              <a:t>But, in simultaneous order, after nodes consider all edges, they change their states. We can call them considerate nodes.  </a:t>
+            </a:r>
+            <a:endParaRPr lang="en-US" altLang="zh-CN" baseline="0" dirty="0" smtClean="0"/>
+          </a:p>
+          <a:p>
+            <a:endParaRPr lang="en-US" altLang="zh-CN" dirty="0" smtClean="0"/>
           </a:p>
         </p:txBody>
       </p:sp>
@@ -1839,7 +1912,7 @@
     </p:spTree>
     <p:extLst>
       <p:ext uri="{BB962C8B-B14F-4D97-AF65-F5344CB8AC3E}">
-        <p14:creationId xmlns:p14="http://schemas.microsoft.com/office/powerpoint/2010/main" val="4147812493"/>
+        <p14:creationId xmlns:p14="http://schemas.microsoft.com/office/powerpoint/2010/main" val="905285331"/>
       </p:ext>
     </p:extLst>
   </p:cSld>
@@ -1894,228 +1967,94 @@
           <a:lstStyle/>
           <a:p>
             <a:r>
-              <a:rPr lang="en-US" altLang="zh-CN" baseline="0" dirty="0" smtClean="0"/>
-              <a:t>Analyzing updating rules</a:t>
-            </a:r>
-          </a:p>
-          <a:p>
-            <a:pPr marL="0" lvl="0" indent="0">
-              <a:spcBef>
-                <a:spcPts val="600"/>
-              </a:spcBef>
-              <a:buClr>
-                <a:srgbClr val="004098"/>
-              </a:buClr>
-              <a:buSzPct val="100000"/>
-              <a:buFont typeface="Calibri" panose="020F0502020204030204" pitchFamily="34" charset="0"/>
-              <a:buNone/>
-            </a:pPr>
-            <a:r>
-              <a:rPr lang="en-US" altLang="zh-CN" b="1" dirty="0" smtClean="0">
-                <a:solidFill>
-                  <a:srgbClr val="000000"/>
-                </a:solidFill>
-                <a:latin typeface="Arial" panose="020B0604020202020204" pitchFamily="34" charset="0"/>
-                <a:cs typeface="Arial" panose="020B0604020202020204" pitchFamily="34" charset="0"/>
-              </a:rPr>
-              <a:t>Orders between layers</a:t>
-            </a:r>
-          </a:p>
-          <a:p>
-            <a:pPr lvl="0">
-              <a:spcBef>
-                <a:spcPts val="600"/>
-              </a:spcBef>
-              <a:buClr>
-                <a:srgbClr val="004098"/>
-              </a:buClr>
-              <a:buSzPct val="100000"/>
-            </a:pPr>
-            <a:r>
-              <a:rPr lang="en-US" altLang="zh-CN" dirty="0" smtClean="0">
-                <a:solidFill>
-                  <a:srgbClr val="000000"/>
-                </a:solidFill>
-                <a:latin typeface="Arial" panose="020B0604020202020204" pitchFamily="34" charset="0"/>
-                <a:cs typeface="Arial" panose="020B0604020202020204" pitchFamily="34" charset="0"/>
-              </a:rPr>
-              <a:t>There is no difference between orders of layers, though there exists tiny consensus time gap. Regardless of  which layer works previously, simulation results are almost same.</a:t>
-            </a:r>
-          </a:p>
-          <a:p>
-            <a:endParaRPr lang="en-US" altLang="zh-CN" baseline="0" dirty="0" smtClean="0"/>
-          </a:p>
-          <a:p>
-            <a:pPr marL="0" marR="0" lvl="0" indent="0" algn="l" defTabSz="914400" rtl="0" eaLnBrk="1" fontAlgn="auto" latinLnBrk="0" hangingPunct="1">
-              <a:lnSpc>
-                <a:spcPct val="100000"/>
-              </a:lnSpc>
-              <a:spcBef>
-                <a:spcPts val="0"/>
-              </a:spcBef>
-              <a:spcAft>
-                <a:spcPts val="0"/>
-              </a:spcAft>
-              <a:buClrTx/>
-              <a:buSzTx/>
-              <a:buFontTx/>
-              <a:buNone/>
-              <a:tabLst/>
-              <a:defRPr/>
-            </a:pPr>
-            <a:r>
-              <a:rPr lang="en-US" altLang="zh-CN" b="1" dirty="0" smtClean="0">
-                <a:solidFill>
-                  <a:srgbClr val="000000"/>
-                </a:solidFill>
-                <a:latin typeface="Arial" panose="020B0604020202020204" pitchFamily="34" charset="0"/>
-                <a:cs typeface="Arial" panose="020B0604020202020204" pitchFamily="34" charset="0"/>
-              </a:rPr>
-              <a:t>Orders between nodes</a:t>
-            </a:r>
-            <a:endParaRPr lang="en-US" altLang="zh-CN" baseline="0" dirty="0" smtClean="0"/>
-          </a:p>
-          <a:p>
-            <a:pPr lvl="0">
-              <a:spcBef>
-                <a:spcPts val="600"/>
-              </a:spcBef>
-              <a:buClr>
-                <a:srgbClr val="004098"/>
-              </a:buClr>
-              <a:buSzPct val="100000"/>
-            </a:pPr>
-            <a:r>
-              <a:rPr lang="en-US" altLang="zh-CN" dirty="0" smtClean="0">
-                <a:solidFill>
-                  <a:srgbClr val="000000"/>
-                </a:solidFill>
-                <a:latin typeface="Arial" panose="020B0604020202020204" pitchFamily="34" charset="0"/>
-                <a:cs typeface="Arial" panose="020B0604020202020204" pitchFamily="34" charset="0"/>
-              </a:rPr>
-              <a:t>Orders of nodes can be analyzed as communication methods or decision-making methods.</a:t>
-            </a:r>
-          </a:p>
-          <a:p>
-            <a:pPr lvl="0">
-              <a:spcBef>
-                <a:spcPts val="600"/>
-              </a:spcBef>
-              <a:buClr>
-                <a:srgbClr val="004098"/>
-              </a:buClr>
-              <a:buSzPct val="100000"/>
-            </a:pPr>
-            <a:r>
-              <a:rPr lang="en-US" altLang="zh-CN" dirty="0" smtClean="0">
-                <a:solidFill>
-                  <a:srgbClr val="000000"/>
-                </a:solidFill>
-                <a:latin typeface="Arial" panose="020B0604020202020204" pitchFamily="34" charset="0"/>
-                <a:cs typeface="Arial" panose="020B0604020202020204" pitchFamily="34" charset="0"/>
-              </a:rPr>
-              <a:t>In sequential order, nodes have enough time to observe how other nodes change and to affect their states. It seems to have discussion and conversation.   </a:t>
-            </a:r>
-          </a:p>
-          <a:p>
-            <a:pPr lvl="0">
-              <a:spcBef>
-                <a:spcPts val="600"/>
-              </a:spcBef>
-              <a:buClr>
-                <a:srgbClr val="004098"/>
-              </a:buClr>
-              <a:buSzPct val="100000"/>
-            </a:pPr>
-            <a:r>
-              <a:rPr lang="en-US" altLang="zh-CN" spc="-50" dirty="0" smtClean="0">
-                <a:solidFill>
-                  <a:srgbClr val="000000"/>
-                </a:solidFill>
-                <a:latin typeface="Arial" panose="020B0604020202020204" pitchFamily="34" charset="0"/>
-                <a:cs typeface="Arial" panose="020B0604020202020204" pitchFamily="34" charset="0"/>
-              </a:rPr>
-              <a:t>In simultaneous order, nodes don’t have enough time to observe how other nodes change and to affect their states. It seems to have a vote or election. </a:t>
-            </a:r>
-          </a:p>
-          <a:p>
-            <a:endParaRPr lang="en-US" altLang="zh-CN" baseline="0" dirty="0" smtClean="0"/>
-          </a:p>
-          <a:p>
-            <a:pPr marL="0" marR="0" lvl="0" indent="0" algn="l" defTabSz="914400" rtl="0" eaLnBrk="1" fontAlgn="auto" latinLnBrk="0" hangingPunct="1">
-              <a:lnSpc>
-                <a:spcPct val="100000"/>
-              </a:lnSpc>
-              <a:spcBef>
-                <a:spcPts val="0"/>
-              </a:spcBef>
-              <a:spcAft>
-                <a:spcPts val="0"/>
-              </a:spcAft>
-              <a:buClrTx/>
-              <a:buSzTx/>
-              <a:buFontTx/>
-              <a:buNone/>
-              <a:tabLst/>
-              <a:defRPr/>
-            </a:pPr>
-            <a:r>
-              <a:rPr lang="en-US" altLang="zh-CN" b="1" dirty="0" smtClean="0">
-                <a:solidFill>
-                  <a:srgbClr val="000000"/>
-                </a:solidFill>
-                <a:latin typeface="Arial" panose="020B0604020202020204" pitchFamily="34" charset="0"/>
-                <a:cs typeface="Arial" panose="020B0604020202020204" pitchFamily="34" charset="0"/>
-              </a:rPr>
-              <a:t>Orders between edges of each node in layer A</a:t>
-            </a:r>
-            <a:endParaRPr lang="en-US" altLang="zh-CN" baseline="0" dirty="0" smtClean="0"/>
-          </a:p>
-          <a:p>
-            <a:pPr lvl="0">
-              <a:spcBef>
-                <a:spcPts val="600"/>
-              </a:spcBef>
-              <a:buClr>
-                <a:srgbClr val="004098"/>
-              </a:buClr>
-              <a:buSzPct val="100000"/>
-            </a:pPr>
-            <a:r>
-              <a:rPr lang="en-US" altLang="zh-CN" dirty="0" smtClean="0">
-                <a:solidFill>
-                  <a:srgbClr val="000000"/>
-                </a:solidFill>
-                <a:latin typeface="Arial" panose="020B0604020202020204" pitchFamily="34" charset="0"/>
-                <a:cs typeface="Arial" panose="020B0604020202020204" pitchFamily="34" charset="0"/>
-              </a:rPr>
-              <a:t>Orders of edges can be analyzed as characteristics of nodes. In sequential order, nodes change their states whenever their edges are activated. We can call them rash nodes. </a:t>
-            </a:r>
-          </a:p>
-          <a:p>
-            <a:pPr lvl="0">
-              <a:spcBef>
-                <a:spcPts val="600"/>
-              </a:spcBef>
-              <a:buClr>
-                <a:srgbClr val="004098"/>
-              </a:buClr>
-              <a:buSzPct val="100000"/>
-            </a:pPr>
-            <a:r>
-              <a:rPr lang="en-US" altLang="zh-CN" dirty="0" smtClean="0">
-                <a:solidFill>
-                  <a:srgbClr val="000000"/>
-                </a:solidFill>
-                <a:latin typeface="Arial" panose="020B0604020202020204" pitchFamily="34" charset="0"/>
-                <a:cs typeface="Arial" panose="020B0604020202020204" pitchFamily="34" charset="0"/>
-              </a:rPr>
-              <a:t>But, in simultaneous order, after nodes consider all edges, they change their states. We can call them considerate nodes.  </a:t>
-            </a:r>
-            <a:endParaRPr lang="en-US" altLang="zh-CN" baseline="0" dirty="0" smtClean="0"/>
-          </a:p>
-          <a:p>
-            <a:endParaRPr lang="en-US" altLang="zh-CN" dirty="0" smtClean="0"/>
+              <a:rPr lang="en-US" altLang="zh-CN" sz="1200" kern="1200" dirty="0" smtClean="0">
+                <a:solidFill>
+                  <a:schemeClr val="tx1"/>
+                </a:solidFill>
+                <a:effectLst/>
+                <a:latin typeface="+mn-lt"/>
+                <a:ea typeface="+mn-ea"/>
+                <a:cs typeface="+mn-cs"/>
+              </a:rPr>
+              <a:t>To find important nodes on two-layer networks, it is investigated which nodes have more influence on changing average states of network by unchanging the nodes states. </a:t>
+            </a:r>
+          </a:p>
+          <a:p>
+            <a:r>
+              <a:rPr lang="en-US" altLang="zh-CN" sz="1200" kern="1200" dirty="0" smtClean="0">
+                <a:solidFill>
+                  <a:schemeClr val="tx1"/>
+                </a:solidFill>
+                <a:effectLst/>
+                <a:latin typeface="+mn-lt"/>
+                <a:ea typeface="+mn-ea"/>
+                <a:cs typeface="+mn-cs"/>
+              </a:rPr>
+              <a:t>Method</a:t>
+            </a:r>
+            <a:r>
+              <a:rPr lang="en-US" altLang="zh-CN" sz="1200" kern="1200" baseline="0" dirty="0" smtClean="0">
+                <a:solidFill>
+                  <a:schemeClr val="tx1"/>
+                </a:solidFill>
+                <a:effectLst/>
+                <a:latin typeface="+mn-lt"/>
+                <a:ea typeface="+mn-ea"/>
+                <a:cs typeface="+mn-cs"/>
+              </a:rPr>
+              <a:t> is like this way. </a:t>
+            </a:r>
+          </a:p>
+          <a:p>
+            <a:r>
+              <a:rPr lang="en-US" altLang="zh-CN" sz="1200" kern="1200" dirty="0" smtClean="0">
+                <a:solidFill>
+                  <a:schemeClr val="tx1"/>
+                </a:solidFill>
+                <a:effectLst/>
+                <a:latin typeface="+mn-lt"/>
+                <a:ea typeface="+mn-ea"/>
+                <a:cs typeface="+mn-cs"/>
+              </a:rPr>
+              <a:t>all nodes are ranked by node centralities, and the ratio of unchanged nodes are increased according to ranked order, until the average states of network have different states. </a:t>
+            </a:r>
+          </a:p>
+          <a:p>
+            <a:r>
+              <a:rPr lang="en-US" altLang="zh-CN" sz="1200" kern="1200" dirty="0" smtClean="0">
+                <a:solidFill>
+                  <a:schemeClr val="tx1"/>
+                </a:solidFill>
+                <a:effectLst/>
+                <a:latin typeface="+mn-lt"/>
+                <a:ea typeface="+mn-ea"/>
+                <a:cs typeface="+mn-cs"/>
+              </a:rPr>
+              <a:t>When the ratio of unchanged nodes according to node centrality is the least, that centrality is the most influential property for interconnected network.</a:t>
+            </a:r>
+            <a:endParaRPr lang="zh-CN" altLang="zh-CN" sz="1200" kern="1200" dirty="0" smtClean="0">
+              <a:solidFill>
+                <a:schemeClr val="tx1"/>
+              </a:solidFill>
+              <a:effectLst/>
+              <a:latin typeface="+mn-lt"/>
+              <a:ea typeface="+mn-ea"/>
+              <a:cs typeface="+mn-cs"/>
+            </a:endParaRPr>
+          </a:p>
+          <a:p>
+            <a:r>
+              <a:rPr lang="en-US" altLang="zh-CN" sz="1200" kern="1200" dirty="0" smtClean="0">
+                <a:solidFill>
+                  <a:schemeClr val="tx1"/>
+                </a:solidFill>
+                <a:effectLst/>
+                <a:latin typeface="+mn-lt"/>
+                <a:ea typeface="+mn-ea"/>
+                <a:cs typeface="+mn-cs"/>
+              </a:rPr>
+              <a:t>As initial condition for finding key node in layer A, each layer is made of BA network with 2048 nodes and 1 external edge. Parameter values are like p=0.3, v=0.3. </a:t>
+            </a:r>
           </a:p>
         </p:txBody>
       </p:sp>
@@ -2145,7 +2084,7 @@
     </p:spTree>
     <p:extLst>
       <p:ext uri="{BB962C8B-B14F-4D97-AF65-F5344CB8AC3E}">
-        <p14:creationId xmlns:p14="http://schemas.microsoft.com/office/powerpoint/2010/main" val="905285331"/>
+        <p14:creationId xmlns:p14="http://schemas.microsoft.com/office/powerpoint/2010/main" val="944274066"/>
       </p:ext>
     </p:extLst>
   </p:cSld>
@@ -2201,60 +2140,17 @@
           <a:p>
             <a:r>
               <a:rPr lang="en-US" altLang="zh-CN" dirty="0" smtClean="0"/>
-              <a:t>I provide new</a:t>
+              <a:t>With CI, simulation</a:t>
             </a:r>
             <a:r>
               <a:rPr lang="en-US" altLang="zh-CN" baseline="0" dirty="0" smtClean="0"/>
-              <a:t> index for measuring consensus. </a:t>
-            </a:r>
-          </a:p>
-          <a:p>
-            <a:endParaRPr lang="en-US" altLang="zh-CN" dirty="0" smtClean="0"/>
-          </a:p>
-          <a:p>
-            <a:r>
-              <a:rPr lang="en-US" altLang="zh-CN" dirty="0" smtClean="0"/>
-              <a:t>This</a:t>
-            </a:r>
+              <a:t> results are researched like this figure. </a:t>
+            </a:r>
+          </a:p>
+          <a:p>
             <a:r>
               <a:rPr lang="en-US" altLang="zh-CN" baseline="0" dirty="0" smtClean="0"/>
-              <a:t> is the consensus index.  KA means the number of nodes in layer A. K plus A represents the number of nodes with positive state in layer A. </a:t>
-            </a:r>
-          </a:p>
-          <a:p>
-            <a:endParaRPr lang="en-US" altLang="zh-CN" baseline="0" dirty="0" smtClean="0"/>
-          </a:p>
-          <a:p>
-            <a:r>
-              <a:rPr lang="en-US" altLang="zh-CN" baseline="0" dirty="0" smtClean="0"/>
-              <a:t>With CI, it could be measured how close the network state is to consensus. </a:t>
-            </a:r>
-          </a:p>
-          <a:p>
-            <a:endParaRPr lang="en-US" altLang="zh-CN" baseline="0" dirty="0" smtClean="0"/>
-          </a:p>
-          <a:p>
-            <a:r>
-              <a:rPr lang="en-US" altLang="zh-CN" baseline="0" dirty="0" smtClean="0"/>
-              <a:t>If Ci is close to 1, it means separated coexistence like  layer A has all positive states, but layer B has all negative states. </a:t>
-            </a:r>
-          </a:p>
-          <a:p>
-            <a:endParaRPr lang="en-US" altLang="zh-CN" baseline="0" dirty="0" smtClean="0"/>
-          </a:p>
-          <a:p>
-            <a:r>
-              <a:rPr lang="en-US" altLang="zh-CN" baseline="0" dirty="0" smtClean="0"/>
-              <a:t>If CI is close to 0, it means positive or negative consensus. </a:t>
-            </a:r>
-          </a:p>
-          <a:p>
-            <a:endParaRPr lang="en-US" altLang="zh-CN" baseline="0" dirty="0" smtClean="0"/>
-          </a:p>
-          <a:p>
-            <a:r>
-              <a:rPr lang="en-US" altLang="zh-CN" baseline="0" dirty="0" smtClean="0"/>
-              <a:t>And, if CI is close to 0.5, it means mixed coexistence. </a:t>
+              <a:t>We can find out 3 branch points. The results are very clear to analyze.  </a:t>
             </a:r>
             <a:endParaRPr lang="zh-CN" altLang="en-US" dirty="0"/>
           </a:p>
@@ -2286,7 +2182,7 @@
     </p:spTree>
     <p:extLst>
       <p:ext uri="{BB962C8B-B14F-4D97-AF65-F5344CB8AC3E}">
-        <p14:creationId xmlns:p14="http://schemas.microsoft.com/office/powerpoint/2010/main" val="1701787324"/>
+        <p14:creationId xmlns:p14="http://schemas.microsoft.com/office/powerpoint/2010/main" val="1770612127"/>
       </p:ext>
     </p:extLst>
   </p:cSld>
@@ -2342,11 +2238,17 @@
           <a:p>
             <a:r>
               <a:rPr lang="en-US" altLang="zh-CN" dirty="0" smtClean="0"/>
-              <a:t>This figure</a:t>
+              <a:t>With CI, simulation</a:t>
             </a:r>
             <a:r>
               <a:rPr lang="en-US" altLang="zh-CN" baseline="0" dirty="0" smtClean="0"/>
-              <a:t> is CI values according to All K plus A and K plus B.  Same orientation in two layers makes CI 0. Opposite orientation between two layers makes CI 1. And Mixed orientation in two layers makes CI close to 0.5. </a:t>
+              <a:t> results are researched like this figure. </a:t>
+            </a:r>
+          </a:p>
+          <a:p>
+            <a:r>
+              <a:rPr lang="en-US" altLang="zh-CN" baseline="0" dirty="0" smtClean="0"/>
+              <a:t>We can find out 3 branch points. The results are very clear to analyze.  </a:t>
             </a:r>
             <a:endParaRPr lang="zh-CN" altLang="en-US" dirty="0"/>
           </a:p>
@@ -2378,7 +2280,7 @@
     </p:spTree>
     <p:extLst>
       <p:ext uri="{BB962C8B-B14F-4D97-AF65-F5344CB8AC3E}">
-        <p14:creationId xmlns:p14="http://schemas.microsoft.com/office/powerpoint/2010/main" val="3052972446"/>
+        <p14:creationId xmlns:p14="http://schemas.microsoft.com/office/powerpoint/2010/main" val="2989325012"/>
       </p:ext>
     </p:extLst>
   </p:cSld>
@@ -2476,7 +2378,7 @@
     </p:spTree>
     <p:extLst>
       <p:ext uri="{BB962C8B-B14F-4D97-AF65-F5344CB8AC3E}">
-        <p14:creationId xmlns:p14="http://schemas.microsoft.com/office/powerpoint/2010/main" val="2153490015"/>
+        <p14:creationId xmlns:p14="http://schemas.microsoft.com/office/powerpoint/2010/main" val="653486884"/>
       </p:ext>
     </p:extLst>
   </p:cSld>
@@ -2532,19 +2434,17 @@
           <a:p>
             <a:r>
               <a:rPr lang="en-US" altLang="zh-CN" dirty="0" smtClean="0"/>
-              <a:t>There are three branch points. In the first branch point, the results are divided according to whether order of nodes in layer B is sequential or simultaneous. </a:t>
-            </a:r>
-          </a:p>
-          <a:p>
-            <a:r>
-              <a:rPr lang="en-US" altLang="zh-CN" dirty="0" smtClean="0"/>
-              <a:t>In the second and third branch point, the results are divided according to whether order of edges in layer A is sequential or simultaneous. </a:t>
-            </a:r>
-          </a:p>
-          <a:p>
-            <a:r>
-              <a:rPr lang="en-US" altLang="zh-CN" dirty="0" smtClean="0"/>
-              <a:t>As the results, there are 4 categories such as fast positive consensus, slow positive consensus, coexistence and slow negative consensus. </a:t>
+              <a:t>With CI, simulation</a:t>
+            </a:r>
+            <a:r>
+              <a:rPr lang="en-US" altLang="zh-CN" baseline="0" dirty="0" smtClean="0"/>
+              <a:t> results are researched like this figure. </a:t>
+            </a:r>
+          </a:p>
+          <a:p>
+            <a:r>
+              <a:rPr lang="en-US" altLang="zh-CN" baseline="0" dirty="0" smtClean="0"/>
+              <a:t>We can find out 3 branch points. The results are very clear to analyze.  </a:t>
             </a:r>
             <a:endParaRPr lang="zh-CN" altLang="en-US" dirty="0"/>
           </a:p>
@@ -2576,7 +2476,7 @@
     </p:spTree>
     <p:extLst>
       <p:ext uri="{BB962C8B-B14F-4D97-AF65-F5344CB8AC3E}">
-        <p14:creationId xmlns:p14="http://schemas.microsoft.com/office/powerpoint/2010/main" val="1419760817"/>
+        <p14:creationId xmlns:p14="http://schemas.microsoft.com/office/powerpoint/2010/main" val="4024843940"/>
       </p:ext>
     </p:extLst>
   </p:cSld>
@@ -9084,2878 +8984,6 @@
 </file>
 
 <file path=ppt/slides/slide10.xml><?xml version="1.0" encoding="utf-8"?>
-<p:sld xmlns:a="http://schemas.openxmlformats.org/drawingml/2006/main" xmlns:r="http://schemas.openxmlformats.org/officeDocument/2006/relationships" xmlns:p="http://schemas.openxmlformats.org/presentationml/2006/main">
-  <p:cSld>
-    <p:spTree>
-      <p:nvGrpSpPr>
-        <p:cNvPr id="1" name=""/>
-        <p:cNvGrpSpPr/>
-        <p:nvPr/>
-      </p:nvGrpSpPr>
-      <p:grpSpPr>
-        <a:xfrm>
-          <a:off x="0" y="0"/>
-          <a:ext cx="0" cy="0"/>
-          <a:chOff x="0" y="0"/>
-          <a:chExt cx="0" cy="0"/>
-        </a:xfrm>
-      </p:grpSpPr>
-      <p:sp>
-        <p:nvSpPr>
-          <p:cNvPr id="3" name="제목 2"/>
-          <p:cNvSpPr>
-            <a:spLocks noGrp="1"/>
-          </p:cNvSpPr>
-          <p:nvPr>
-            <p:ph type="title"/>
-          </p:nvPr>
-        </p:nvSpPr>
-        <p:spPr>
-          <a:xfrm>
-            <a:off x="49524" y="923477"/>
-            <a:ext cx="8372163" cy="574183"/>
-          </a:xfrm>
-        </p:spPr>
-        <p:txBody>
-          <a:bodyPr>
-            <a:normAutofit/>
-          </a:bodyPr>
-          <a:lstStyle/>
-          <a:p>
-            <a:pPr lvl="0"/>
-            <a:r>
-              <a:rPr lang="en-US" altLang="zh-CN" sz="2400" dirty="0" smtClean="0"/>
-              <a:t>Finding key nodes in each layer</a:t>
-            </a:r>
-            <a:endParaRPr lang="zh-CN" altLang="en-US" sz="2800" dirty="0"/>
-          </a:p>
-        </p:txBody>
-      </p:sp>
-      <p:pic>
-        <p:nvPicPr>
-          <p:cNvPr id="4" name="그림 3"/>
-          <p:cNvPicPr>
-            <a:picLocks noChangeAspect="1"/>
-          </p:cNvPicPr>
-          <p:nvPr/>
-        </p:nvPicPr>
-        <p:blipFill rotWithShape="1">
-          <a:blip r:embed="rId3">
-            <a:extLst>
-              <a:ext uri="{28A0092B-C50C-407E-A947-70E740481C1C}">
-                <a14:useLocalDpi xmlns:a14="http://schemas.microsoft.com/office/drawing/2010/main" val="0"/>
-              </a:ext>
-            </a:extLst>
-          </a:blip>
-          <a:srcRect l="7042" t="10119" r="8028" b="4628"/>
-          <a:stretch/>
-        </p:blipFill>
-        <p:spPr>
-          <a:xfrm>
-            <a:off x="49524" y="1648494"/>
-            <a:ext cx="8759625" cy="4982674"/>
-          </a:xfrm>
-          <a:prstGeom prst="rect">
-            <a:avLst/>
-          </a:prstGeom>
-        </p:spPr>
-      </p:pic>
-    </p:spTree>
-    <p:extLst>
-      <p:ext uri="{BB962C8B-B14F-4D97-AF65-F5344CB8AC3E}">
-        <p14:creationId xmlns:p14="http://schemas.microsoft.com/office/powerpoint/2010/main" val="119087611"/>
-      </p:ext>
-    </p:extLst>
-  </p:cSld>
-  <p:clrMapOvr>
-    <a:masterClrMapping/>
-  </p:clrMapOvr>
-  <p:timing>
-    <p:tnLst>
-      <p:par>
-        <p:cTn id="1" dur="indefinite" restart="never" nodeType="tmRoot"/>
-      </p:par>
-    </p:tnLst>
-  </p:timing>
-</p:sld>
-</file>
-
-<file path=ppt/slides/slide11.xml><?xml version="1.0" encoding="utf-8"?>
-<p:sld xmlns:a="http://schemas.openxmlformats.org/drawingml/2006/main" xmlns:r="http://schemas.openxmlformats.org/officeDocument/2006/relationships" xmlns:p="http://schemas.openxmlformats.org/presentationml/2006/main" show="0">
-  <p:cSld>
-    <p:spTree>
-      <p:nvGrpSpPr>
-        <p:cNvPr id="1" name=""/>
-        <p:cNvGrpSpPr/>
-        <p:nvPr/>
-      </p:nvGrpSpPr>
-      <p:grpSpPr>
-        <a:xfrm>
-          <a:off x="0" y="0"/>
-          <a:ext cx="0" cy="0"/>
-          <a:chOff x="0" y="0"/>
-          <a:chExt cx="0" cy="0"/>
-        </a:xfrm>
-      </p:grpSpPr>
-      <p:pic>
-        <p:nvPicPr>
-          <p:cNvPr id="4" name="그림 3"/>
-          <p:cNvPicPr>
-            <a:picLocks noChangeAspect="1"/>
-          </p:cNvPicPr>
-          <p:nvPr/>
-        </p:nvPicPr>
-        <p:blipFill rotWithShape="1">
-          <a:blip r:embed="rId3">
-            <a:extLst>
-              <a:ext uri="{28A0092B-C50C-407E-A947-70E740481C1C}">
-                <a14:useLocalDpi xmlns:a14="http://schemas.microsoft.com/office/drawing/2010/main" val="0"/>
-              </a:ext>
-            </a:extLst>
-          </a:blip>
-          <a:srcRect l="1389" t="8520" r="4861"/>
-          <a:stretch/>
-        </p:blipFill>
-        <p:spPr>
-          <a:xfrm>
-            <a:off x="1246796" y="1731696"/>
-            <a:ext cx="6776742" cy="4959486"/>
-          </a:xfrm>
-          <a:prstGeom prst="rect">
-            <a:avLst/>
-          </a:prstGeom>
-        </p:spPr>
-      </p:pic>
-    </p:spTree>
-    <p:extLst>
-      <p:ext uri="{BB962C8B-B14F-4D97-AF65-F5344CB8AC3E}">
-        <p14:creationId xmlns:p14="http://schemas.microsoft.com/office/powerpoint/2010/main" val="2407574748"/>
-      </p:ext>
-    </p:extLst>
-  </p:cSld>
-  <p:clrMapOvr>
-    <a:masterClrMapping/>
-  </p:clrMapOvr>
-  <p:transition spd="med">
-    <p:push/>
-  </p:transition>
-  <p:timing>
-    <p:tnLst>
-      <p:par>
-        <p:cTn id="1" dur="indefinite" restart="never" nodeType="tmRoot"/>
-      </p:par>
-    </p:tnLst>
-  </p:timing>
-</p:sld>
-</file>
-
-<file path=ppt/slides/slide12.xml><?xml version="1.0" encoding="utf-8"?>
-<p:sld xmlns:a="http://schemas.openxmlformats.org/drawingml/2006/main" xmlns:r="http://schemas.openxmlformats.org/officeDocument/2006/relationships" xmlns:p="http://schemas.openxmlformats.org/presentationml/2006/main">
-  <p:cSld>
-    <p:spTree>
-      <p:nvGrpSpPr>
-        <p:cNvPr id="1" name=""/>
-        <p:cNvGrpSpPr/>
-        <p:nvPr/>
-      </p:nvGrpSpPr>
-      <p:grpSpPr>
-        <a:xfrm>
-          <a:off x="0" y="0"/>
-          <a:ext cx="0" cy="0"/>
-          <a:chOff x="0" y="0"/>
-          <a:chExt cx="0" cy="0"/>
-        </a:xfrm>
-      </p:grpSpPr>
-      <p:sp>
-        <p:nvSpPr>
-          <p:cNvPr id="3" name="제목 2"/>
-          <p:cNvSpPr>
-            <a:spLocks noGrp="1"/>
-          </p:cNvSpPr>
-          <p:nvPr>
-            <p:ph type="title"/>
-          </p:nvPr>
-        </p:nvSpPr>
-        <p:spPr>
-          <a:xfrm>
-            <a:off x="0" y="986977"/>
-            <a:ext cx="8372163" cy="574183"/>
-          </a:xfrm>
-        </p:spPr>
-        <p:txBody>
-          <a:bodyPr/>
-          <a:lstStyle/>
-          <a:p>
-            <a:r>
-              <a:rPr lang="en-US" altLang="zh-CN" dirty="0" smtClean="0"/>
-              <a:t>Future Research</a:t>
-            </a:r>
-            <a:endParaRPr lang="zh-CN" altLang="en-US" dirty="0"/>
-          </a:p>
-        </p:txBody>
-      </p:sp>
-      <p:sp>
-        <p:nvSpPr>
-          <p:cNvPr id="4" name="직사각형 3"/>
-          <p:cNvSpPr/>
-          <p:nvPr/>
-        </p:nvSpPr>
-        <p:spPr>
-          <a:xfrm>
-            <a:off x="0" y="1796976"/>
-            <a:ext cx="9144000" cy="3672800"/>
-          </a:xfrm>
-          <a:prstGeom prst="rect">
-            <a:avLst/>
-          </a:prstGeom>
-        </p:spPr>
-        <p:txBody>
-          <a:bodyPr wrap="square">
-            <a:spAutoFit/>
-          </a:bodyPr>
-          <a:lstStyle/>
-          <a:p>
-            <a:pPr marL="228600" lvl="0" indent="-228600">
-              <a:spcBef>
-                <a:spcPts val="1000"/>
-              </a:spcBef>
-              <a:buClr>
-                <a:srgbClr val="004098"/>
-              </a:buClr>
-              <a:buSzPct val="100000"/>
-              <a:buFont typeface="Calibri" panose="020F0502020204030204" pitchFamily="34" charset="0"/>
-              <a:buChar char="▪"/>
-            </a:pPr>
-            <a:r>
-              <a:rPr lang="en-US" altLang="zh-CN" sz="2000" dirty="0" smtClean="0">
-                <a:solidFill>
-                  <a:srgbClr val="000000"/>
-                </a:solidFill>
-                <a:latin typeface="Arial" panose="020B0604020202020204" pitchFamily="34" charset="0"/>
-                <a:cs typeface="Arial" panose="020B0604020202020204" pitchFamily="34" charset="0"/>
-              </a:rPr>
-              <a:t>Finding key edge</a:t>
-            </a:r>
-          </a:p>
-          <a:p>
-            <a:pPr lvl="0">
-              <a:spcBef>
-                <a:spcPts val="1000"/>
-              </a:spcBef>
-              <a:buClr>
-                <a:srgbClr val="004098"/>
-              </a:buClr>
-              <a:buSzPct val="100000"/>
-            </a:pPr>
-            <a:r>
-              <a:rPr lang="en-US" altLang="zh-CN" sz="2000" dirty="0" smtClean="0">
-                <a:solidFill>
-                  <a:srgbClr val="000000"/>
-                </a:solidFill>
-                <a:latin typeface="Arial" panose="020B0604020202020204" pitchFamily="34" charset="0"/>
-                <a:cs typeface="Arial" panose="020B0604020202020204" pitchFamily="34" charset="0"/>
-              </a:rPr>
-              <a:t> </a:t>
-            </a:r>
-            <a:r>
-              <a:rPr lang="en-US" altLang="zh-CN" dirty="0" smtClean="0">
-                <a:solidFill>
-                  <a:srgbClr val="000000"/>
-                </a:solidFill>
-                <a:latin typeface="Arial" panose="020B0604020202020204" pitchFamily="34" charset="0"/>
-                <a:cs typeface="Arial" panose="020B0604020202020204" pitchFamily="34" charset="0"/>
-              </a:rPr>
-              <a:t>   </a:t>
-            </a:r>
-            <a:r>
-              <a:rPr lang="en-US" altLang="zh-CN" dirty="0">
-                <a:solidFill>
-                  <a:srgbClr val="000000"/>
-                </a:solidFill>
-                <a:latin typeface="Arial" panose="020B0604020202020204" pitchFamily="34" charset="0"/>
-                <a:cs typeface="Arial" panose="020B0604020202020204" pitchFamily="34" charset="0"/>
-              </a:rPr>
-              <a:t>- </a:t>
-            </a:r>
-            <a:r>
-              <a:rPr lang="en-US" altLang="zh-CN" dirty="0" smtClean="0">
-                <a:solidFill>
-                  <a:srgbClr val="000000"/>
-                </a:solidFill>
-                <a:latin typeface="Arial" panose="020B0604020202020204" pitchFamily="34" charset="0"/>
-                <a:cs typeface="Arial" panose="020B0604020202020204" pitchFamily="34" charset="0"/>
-              </a:rPr>
-              <a:t>Based on edge properties,</a:t>
-            </a:r>
-            <a:r>
-              <a:rPr lang="zh-CN" altLang="en-US" dirty="0" smtClean="0">
-                <a:solidFill>
-                  <a:srgbClr val="000000"/>
-                </a:solidFill>
-                <a:latin typeface="Arial" panose="020B0604020202020204" pitchFamily="34" charset="0"/>
-                <a:cs typeface="Arial" panose="020B0604020202020204" pitchFamily="34" charset="0"/>
-              </a:rPr>
-              <a:t> </a:t>
-            </a:r>
-            <a:r>
-              <a:rPr lang="en-US" altLang="zh-CN" dirty="0" smtClean="0">
-                <a:solidFill>
-                  <a:srgbClr val="000000"/>
-                </a:solidFill>
-                <a:latin typeface="Arial" panose="020B0604020202020204" pitchFamily="34" charset="0"/>
-                <a:cs typeface="Arial" panose="020B0604020202020204" pitchFamily="34" charset="0"/>
-              </a:rPr>
-              <a:t>such as </a:t>
-            </a:r>
-            <a:r>
-              <a:rPr lang="en-US" altLang="zh-CN" dirty="0" err="1" smtClean="0">
-                <a:solidFill>
-                  <a:srgbClr val="000000"/>
-                </a:solidFill>
-                <a:latin typeface="Arial" panose="020B0604020202020204" pitchFamily="34" charset="0"/>
-                <a:cs typeface="Arial" panose="020B0604020202020204" pitchFamily="34" charset="0"/>
-              </a:rPr>
-              <a:t>jaccard</a:t>
-            </a:r>
-            <a:r>
-              <a:rPr lang="en-US" altLang="zh-CN" dirty="0" smtClean="0">
-                <a:solidFill>
-                  <a:srgbClr val="000000"/>
-                </a:solidFill>
-                <a:latin typeface="Arial" panose="020B0604020202020204" pitchFamily="34" charset="0"/>
-                <a:cs typeface="Arial" panose="020B0604020202020204" pitchFamily="34" charset="0"/>
-              </a:rPr>
-              <a:t> index, degree product, edge-</a:t>
-            </a:r>
-          </a:p>
-          <a:p>
-            <a:pPr lvl="0">
-              <a:spcBef>
-                <a:spcPts val="1000"/>
-              </a:spcBef>
-              <a:buClr>
-                <a:srgbClr val="004098"/>
-              </a:buClr>
-              <a:buSzPct val="100000"/>
-            </a:pPr>
-            <a:r>
-              <a:rPr lang="en-US" altLang="zh-CN" dirty="0">
-                <a:solidFill>
-                  <a:srgbClr val="000000"/>
-                </a:solidFill>
-                <a:latin typeface="Arial" panose="020B0604020202020204" pitchFamily="34" charset="0"/>
-                <a:cs typeface="Arial" panose="020B0604020202020204" pitchFamily="34" charset="0"/>
-              </a:rPr>
-              <a:t> </a:t>
-            </a:r>
-            <a:r>
-              <a:rPr lang="en-US" altLang="zh-CN" dirty="0" smtClean="0">
-                <a:solidFill>
-                  <a:srgbClr val="000000"/>
-                </a:solidFill>
-                <a:latin typeface="Arial" panose="020B0604020202020204" pitchFamily="34" charset="0"/>
-                <a:cs typeface="Arial" panose="020B0604020202020204" pitchFamily="34" charset="0"/>
-              </a:rPr>
-              <a:t>     </a:t>
-            </a:r>
-            <a:r>
-              <a:rPr lang="en-US" altLang="zh-CN" dirty="0" err="1" smtClean="0">
-                <a:solidFill>
-                  <a:srgbClr val="000000"/>
-                </a:solidFill>
-                <a:latin typeface="Arial" panose="020B0604020202020204" pitchFamily="34" charset="0"/>
-                <a:cs typeface="Arial" panose="020B0604020202020204" pitchFamily="34" charset="0"/>
-              </a:rPr>
-              <a:t>betweenness</a:t>
-            </a:r>
-            <a:r>
-              <a:rPr lang="en-US" altLang="zh-CN" dirty="0" smtClean="0">
-                <a:solidFill>
-                  <a:srgbClr val="000000"/>
-                </a:solidFill>
-                <a:latin typeface="Arial" panose="020B0604020202020204" pitchFamily="34" charset="0"/>
-                <a:cs typeface="Arial" panose="020B0604020202020204" pitchFamily="34" charset="0"/>
-              </a:rPr>
-              <a:t>, it would be investigated that which properties have more </a:t>
-            </a:r>
-          </a:p>
-          <a:p>
-            <a:pPr lvl="0">
-              <a:spcBef>
-                <a:spcPts val="1000"/>
-              </a:spcBef>
-              <a:buClr>
-                <a:srgbClr val="004098"/>
-              </a:buClr>
-              <a:buSzPct val="100000"/>
-            </a:pPr>
-            <a:r>
-              <a:rPr lang="en-US" altLang="zh-CN" dirty="0">
-                <a:solidFill>
-                  <a:srgbClr val="000000"/>
-                </a:solidFill>
-                <a:latin typeface="Arial" panose="020B0604020202020204" pitchFamily="34" charset="0"/>
-                <a:cs typeface="Arial" panose="020B0604020202020204" pitchFamily="34" charset="0"/>
-              </a:rPr>
-              <a:t> </a:t>
-            </a:r>
-            <a:r>
-              <a:rPr lang="en-US" altLang="zh-CN" dirty="0" smtClean="0">
-                <a:solidFill>
-                  <a:srgbClr val="000000"/>
-                </a:solidFill>
-                <a:latin typeface="Arial" panose="020B0604020202020204" pitchFamily="34" charset="0"/>
-                <a:cs typeface="Arial" panose="020B0604020202020204" pitchFamily="34" charset="0"/>
-              </a:rPr>
-              <a:t>     influence to change the state of two-layers</a:t>
-            </a:r>
-            <a:r>
-              <a:rPr lang="en-US" altLang="zh-CN" dirty="0">
-                <a:solidFill>
-                  <a:srgbClr val="000000"/>
-                </a:solidFill>
-                <a:latin typeface="Arial" panose="020B0604020202020204" pitchFamily="34" charset="0"/>
-                <a:cs typeface="Arial" panose="020B0604020202020204" pitchFamily="34" charset="0"/>
-              </a:rPr>
-              <a:t> </a:t>
-            </a:r>
-            <a:r>
-              <a:rPr lang="en-US" altLang="zh-CN" dirty="0" smtClean="0">
-                <a:solidFill>
-                  <a:srgbClr val="000000"/>
-                </a:solidFill>
-                <a:latin typeface="Arial" panose="020B0604020202020204" pitchFamily="34" charset="0"/>
-                <a:cs typeface="Arial" panose="020B0604020202020204" pitchFamily="34" charset="0"/>
-              </a:rPr>
-              <a:t>by removing edges. </a:t>
-            </a:r>
-          </a:p>
-          <a:p>
-            <a:pPr lvl="0">
-              <a:spcBef>
-                <a:spcPts val="1000"/>
-              </a:spcBef>
-              <a:buClr>
-                <a:srgbClr val="004098"/>
-              </a:buClr>
-              <a:buSzPct val="100000"/>
-            </a:pPr>
-            <a:endParaRPr lang="en-US" altLang="zh-CN" dirty="0" smtClean="0">
-              <a:solidFill>
-                <a:srgbClr val="000000"/>
-              </a:solidFill>
-              <a:latin typeface="Arial" panose="020B0604020202020204" pitchFamily="34" charset="0"/>
-              <a:cs typeface="Arial" panose="020B0604020202020204" pitchFamily="34" charset="0"/>
-            </a:endParaRPr>
-          </a:p>
-          <a:p>
-            <a:pPr marL="228600" lvl="0" indent="-228600">
-              <a:spcBef>
-                <a:spcPts val="1000"/>
-              </a:spcBef>
-              <a:buClr>
-                <a:srgbClr val="004098"/>
-              </a:buClr>
-              <a:buSzPct val="100000"/>
-              <a:buFont typeface="Calibri" panose="020F0502020204030204" pitchFamily="34" charset="0"/>
-              <a:buChar char="▪"/>
-            </a:pPr>
-            <a:r>
-              <a:rPr lang="en-US" altLang="zh-CN" sz="2000" dirty="0" smtClean="0">
-                <a:solidFill>
-                  <a:srgbClr val="000000"/>
-                </a:solidFill>
-                <a:latin typeface="Arial" panose="020B0604020202020204" pitchFamily="34" charset="0"/>
-                <a:cs typeface="Arial" panose="020B0604020202020204" pitchFamily="34" charset="0"/>
-              </a:rPr>
-              <a:t>Developing better algorithm for finding key nodes and edges. </a:t>
-            </a:r>
-          </a:p>
-          <a:p>
-            <a:pPr lvl="0">
-              <a:spcBef>
-                <a:spcPts val="1000"/>
-              </a:spcBef>
-              <a:buClr>
-                <a:srgbClr val="004098"/>
-              </a:buClr>
-              <a:buSzPct val="100000"/>
-            </a:pPr>
-            <a:r>
-              <a:rPr lang="en-US" altLang="zh-CN" dirty="0">
-                <a:solidFill>
-                  <a:srgbClr val="000000"/>
-                </a:solidFill>
-                <a:latin typeface="Arial" panose="020B0604020202020204" pitchFamily="34" charset="0"/>
-                <a:cs typeface="Arial" panose="020B0604020202020204" pitchFamily="34" charset="0"/>
-              </a:rPr>
-              <a:t> </a:t>
-            </a:r>
-            <a:r>
-              <a:rPr lang="en-US" altLang="zh-CN" dirty="0" smtClean="0">
-                <a:solidFill>
-                  <a:srgbClr val="000000"/>
-                </a:solidFill>
-                <a:latin typeface="Arial" panose="020B0604020202020204" pitchFamily="34" charset="0"/>
-                <a:cs typeface="Arial" panose="020B0604020202020204" pitchFamily="34" charset="0"/>
-              </a:rPr>
-              <a:t>   - After analyzing the simulation results, better algorithms are provided for </a:t>
-            </a:r>
-          </a:p>
-          <a:p>
-            <a:pPr lvl="0">
-              <a:spcBef>
-                <a:spcPts val="1000"/>
-              </a:spcBef>
-              <a:buClr>
-                <a:srgbClr val="004098"/>
-              </a:buClr>
-              <a:buSzPct val="100000"/>
-            </a:pPr>
-            <a:r>
-              <a:rPr lang="en-US" altLang="zh-CN" dirty="0">
-                <a:solidFill>
-                  <a:srgbClr val="000000"/>
-                </a:solidFill>
-                <a:latin typeface="Arial" panose="020B0604020202020204" pitchFamily="34" charset="0"/>
-                <a:cs typeface="Arial" panose="020B0604020202020204" pitchFamily="34" charset="0"/>
-              </a:rPr>
-              <a:t> </a:t>
-            </a:r>
-            <a:r>
-              <a:rPr lang="en-US" altLang="zh-CN" dirty="0" smtClean="0">
-                <a:solidFill>
-                  <a:srgbClr val="000000"/>
-                </a:solidFill>
-                <a:latin typeface="Arial" panose="020B0604020202020204" pitchFamily="34" charset="0"/>
-                <a:cs typeface="Arial" panose="020B0604020202020204" pitchFamily="34" charset="0"/>
-              </a:rPr>
-              <a:t>     finding key nodes and edges. </a:t>
-            </a:r>
-            <a:endParaRPr lang="en-US" altLang="zh-CN" sz="2000" b="1" dirty="0" smtClean="0">
-              <a:solidFill>
-                <a:srgbClr val="000000"/>
-              </a:solidFill>
-              <a:latin typeface="Arial" panose="020B0604020202020204" pitchFamily="34" charset="0"/>
-              <a:cs typeface="Arial" panose="020B0604020202020204" pitchFamily="34" charset="0"/>
-            </a:endParaRPr>
-          </a:p>
-          <a:p>
-            <a:pPr lvl="0">
-              <a:spcBef>
-                <a:spcPts val="1000"/>
-              </a:spcBef>
-              <a:buClr>
-                <a:srgbClr val="004098"/>
-              </a:buClr>
-              <a:buSzPct val="100000"/>
-            </a:pPr>
-            <a:endParaRPr lang="en-US" altLang="zh-CN" sz="1600" dirty="0">
-              <a:solidFill>
-                <a:schemeClr val="accent3"/>
-              </a:solidFill>
-              <a:latin typeface="Arial" panose="020B0604020202020204" pitchFamily="34" charset="0"/>
-              <a:cs typeface="Arial" panose="020B0604020202020204" pitchFamily="34" charset="0"/>
-            </a:endParaRPr>
-          </a:p>
-        </p:txBody>
-      </p:sp>
-    </p:spTree>
-    <p:extLst>
-      <p:ext uri="{BB962C8B-B14F-4D97-AF65-F5344CB8AC3E}">
-        <p14:creationId xmlns:p14="http://schemas.microsoft.com/office/powerpoint/2010/main" val="3818352509"/>
-      </p:ext>
-    </p:extLst>
-  </p:cSld>
-  <p:clrMapOvr>
-    <a:masterClrMapping/>
-  </p:clrMapOvr>
-  <p:transition spd="med">
-    <p:push/>
-  </p:transition>
-  <p:timing>
-    <p:tnLst>
-      <p:par>
-        <p:cTn id="1" dur="indefinite" restart="never" nodeType="tmRoot"/>
-      </p:par>
-    </p:tnLst>
-  </p:timing>
-</p:sld>
-</file>
-
-<file path=ppt/slides/slide13.xml><?xml version="1.0" encoding="utf-8"?>
-<p:sld xmlns:a="http://schemas.openxmlformats.org/drawingml/2006/main" xmlns:r="http://schemas.openxmlformats.org/officeDocument/2006/relationships" xmlns:p="http://schemas.openxmlformats.org/presentationml/2006/main">
-  <p:cSld>
-    <p:spTree>
-      <p:nvGrpSpPr>
-        <p:cNvPr id="1" name=""/>
-        <p:cNvGrpSpPr/>
-        <p:nvPr/>
-      </p:nvGrpSpPr>
-      <p:grpSpPr>
-        <a:xfrm>
-          <a:off x="0" y="0"/>
-          <a:ext cx="0" cy="0"/>
-          <a:chOff x="0" y="0"/>
-          <a:chExt cx="0" cy="0"/>
-        </a:xfrm>
-      </p:grpSpPr>
-      <p:sp>
-        <p:nvSpPr>
-          <p:cNvPr id="2" name="标题 1">
-            <a:extLst>
-              <a:ext uri="{FF2B5EF4-FFF2-40B4-BE49-F238E27FC236}">
-                <a16:creationId xmlns:a16="http://schemas.microsoft.com/office/drawing/2014/main" id="{4F2BA226-9CD6-4DEC-94C2-56BEBEB9235D}"/>
-              </a:ext>
-            </a:extLst>
-          </p:cNvPr>
-          <p:cNvSpPr>
-            <a:spLocks noGrp="1"/>
-          </p:cNvSpPr>
-          <p:nvPr>
-            <p:ph type="title"/>
-          </p:nvPr>
-        </p:nvSpPr>
-        <p:spPr/>
-        <p:txBody>
-          <a:bodyPr/>
-          <a:lstStyle/>
-          <a:p>
-            <a:r>
-              <a:rPr lang="en-US" altLang="zh-CN" dirty="0" smtClean="0"/>
-              <a:t>Thank you</a:t>
-            </a:r>
-            <a:endParaRPr lang="zh-CN" altLang="en-US" dirty="0"/>
-          </a:p>
-        </p:txBody>
-      </p:sp>
-    </p:spTree>
-    <p:extLst>
-      <p:ext uri="{BB962C8B-B14F-4D97-AF65-F5344CB8AC3E}">
-        <p14:creationId xmlns:p14="http://schemas.microsoft.com/office/powerpoint/2010/main" val="2897706879"/>
-      </p:ext>
-    </p:extLst>
-  </p:cSld>
-  <p:clrMapOvr>
-    <a:masterClrMapping/>
-  </p:clrMapOvr>
-  <p:timing>
-    <p:tnLst>
-      <p:par>
-        <p:cTn id="1" dur="indefinite" restart="never" nodeType="tmRoot"/>
-      </p:par>
-    </p:tnLst>
-  </p:timing>
-</p:sld>
-</file>
-
-<file path=ppt/slides/slide2.xml><?xml version="1.0" encoding="utf-8"?>
-<p:sld xmlns:a="http://schemas.openxmlformats.org/drawingml/2006/main" xmlns:r="http://schemas.openxmlformats.org/officeDocument/2006/relationships" xmlns:p="http://schemas.openxmlformats.org/presentationml/2006/main">
-  <p:cSld>
-    <p:spTree>
-      <p:nvGrpSpPr>
-        <p:cNvPr id="1" name=""/>
-        <p:cNvGrpSpPr/>
-        <p:nvPr/>
-      </p:nvGrpSpPr>
-      <p:grpSpPr>
-        <a:xfrm>
-          <a:off x="0" y="0"/>
-          <a:ext cx="0" cy="0"/>
-          <a:chOff x="0" y="0"/>
-          <a:chExt cx="0" cy="0"/>
-        </a:xfrm>
-      </p:grpSpPr>
-      <p:sp>
-        <p:nvSpPr>
-          <p:cNvPr id="3" name="제목 2"/>
-          <p:cNvSpPr>
-            <a:spLocks noGrp="1"/>
-          </p:cNvSpPr>
-          <p:nvPr>
-            <p:ph type="title"/>
-          </p:nvPr>
-        </p:nvSpPr>
-        <p:spPr>
-          <a:xfrm>
-            <a:off x="49524" y="923477"/>
-            <a:ext cx="8372163" cy="574183"/>
-          </a:xfrm>
-        </p:spPr>
-        <p:txBody>
-          <a:bodyPr>
-            <a:normAutofit/>
-          </a:bodyPr>
-          <a:lstStyle/>
-          <a:p>
-            <a:pPr lvl="0"/>
-            <a:r>
-              <a:rPr lang="en-US" altLang="zh-CN" sz="2400" dirty="0" smtClean="0"/>
-              <a:t>Research Processing </a:t>
-            </a:r>
-            <a:endParaRPr lang="zh-CN" altLang="en-US" sz="2800" dirty="0"/>
-          </a:p>
-        </p:txBody>
-      </p:sp>
-      <p:sp>
-        <p:nvSpPr>
-          <p:cNvPr id="4" name="직사각형 3"/>
-          <p:cNvSpPr/>
-          <p:nvPr/>
-        </p:nvSpPr>
-        <p:spPr>
-          <a:xfrm>
-            <a:off x="-3567" y="1631203"/>
-            <a:ext cx="10265167" cy="10387459"/>
-          </a:xfrm>
-          <a:prstGeom prst="rect">
-            <a:avLst/>
-          </a:prstGeom>
-        </p:spPr>
-        <p:txBody>
-          <a:bodyPr wrap="square">
-            <a:spAutoFit/>
-          </a:bodyPr>
-          <a:lstStyle/>
-          <a:p>
-            <a:pPr marL="228600" lvl="0" indent="-228600">
-              <a:spcBef>
-                <a:spcPts val="600"/>
-              </a:spcBef>
-              <a:buClr>
-                <a:srgbClr val="004098"/>
-              </a:buClr>
-              <a:buSzPct val="100000"/>
-              <a:buFont typeface="Calibri" panose="020F0502020204030204" pitchFamily="34" charset="0"/>
-              <a:buChar char="▪"/>
-            </a:pPr>
-            <a:r>
-              <a:rPr lang="en-US" altLang="zh-CN" b="1" dirty="0">
-                <a:solidFill>
-                  <a:srgbClr val="000000"/>
-                </a:solidFill>
-                <a:latin typeface="Arial" panose="020B0604020202020204" pitchFamily="34" charset="0"/>
-                <a:cs typeface="Arial" panose="020B0604020202020204" pitchFamily="34" charset="0"/>
-              </a:rPr>
-              <a:t>Interconnected Competing </a:t>
-            </a:r>
-            <a:r>
-              <a:rPr lang="en-US" altLang="zh-CN" b="1" dirty="0" smtClean="0">
-                <a:solidFill>
-                  <a:srgbClr val="000000"/>
-                </a:solidFill>
-                <a:latin typeface="Arial" panose="020B0604020202020204" pitchFamily="34" charset="0"/>
-                <a:cs typeface="Arial" panose="020B0604020202020204" pitchFamily="34" charset="0"/>
-              </a:rPr>
-              <a:t>network </a:t>
-            </a:r>
-            <a:r>
-              <a:rPr lang="en-US" altLang="zh-CN" b="1" dirty="0" smtClean="0">
-                <a:solidFill>
-                  <a:srgbClr val="000000"/>
-                </a:solidFill>
-                <a:latin typeface="Arial" panose="020B0604020202020204" pitchFamily="34" charset="0"/>
-                <a:cs typeface="Arial" panose="020B0604020202020204" pitchFamily="34" charset="0"/>
-              </a:rPr>
-              <a:t>Modeling</a:t>
-            </a:r>
-          </a:p>
-          <a:p>
-            <a:pPr lvl="0">
-              <a:spcBef>
-                <a:spcPts val="600"/>
-              </a:spcBef>
-              <a:buClr>
-                <a:srgbClr val="004098"/>
-              </a:buClr>
-              <a:buSzPct val="100000"/>
-            </a:pPr>
-            <a:r>
-              <a:rPr lang="en-US" altLang="zh-CN" sz="1600" dirty="0" smtClean="0">
-                <a:solidFill>
-                  <a:srgbClr val="000000"/>
-                </a:solidFill>
-                <a:latin typeface="Arial" panose="020B0604020202020204" pitchFamily="34" charset="0"/>
-                <a:cs typeface="Arial" panose="020B0604020202020204" pitchFamily="34" charset="0"/>
-              </a:rPr>
-              <a:t>    - Basic Model(RR-RR network) Analysis</a:t>
-            </a:r>
-          </a:p>
-          <a:p>
-            <a:pPr lvl="0">
-              <a:spcBef>
-                <a:spcPts val="600"/>
-              </a:spcBef>
-              <a:buClr>
-                <a:srgbClr val="004098"/>
-              </a:buClr>
-              <a:buSzPct val="100000"/>
-            </a:pPr>
-            <a:r>
-              <a:rPr lang="en-US" altLang="zh-CN" sz="1600" dirty="0">
-                <a:solidFill>
-                  <a:srgbClr val="000000"/>
-                </a:solidFill>
-                <a:latin typeface="Arial" panose="020B0604020202020204" pitchFamily="34" charset="0"/>
-                <a:cs typeface="Arial" panose="020B0604020202020204" pitchFamily="34" charset="0"/>
-              </a:rPr>
-              <a:t> </a:t>
-            </a:r>
-            <a:r>
-              <a:rPr lang="en-US" altLang="zh-CN" sz="1600" dirty="0" smtClean="0">
-                <a:solidFill>
-                  <a:srgbClr val="000000"/>
-                </a:solidFill>
-                <a:latin typeface="Arial" panose="020B0604020202020204" pitchFamily="34" charset="0"/>
-                <a:cs typeface="Arial" panose="020B0604020202020204" pitchFamily="34" charset="0"/>
-              </a:rPr>
-              <a:t>   - Providing index for measuring consensus</a:t>
-            </a:r>
-          </a:p>
-          <a:p>
-            <a:pPr lvl="0">
-              <a:spcBef>
-                <a:spcPts val="600"/>
-              </a:spcBef>
-              <a:buClr>
-                <a:srgbClr val="004098"/>
-              </a:buClr>
-              <a:buSzPct val="100000"/>
-            </a:pPr>
-            <a:r>
-              <a:rPr lang="en-US" altLang="zh-CN" sz="1600" dirty="0">
-                <a:solidFill>
-                  <a:schemeClr val="accent3"/>
-                </a:solidFill>
-                <a:latin typeface="Arial" panose="020B0604020202020204" pitchFamily="34" charset="0"/>
-                <a:cs typeface="Arial" panose="020B0604020202020204" pitchFamily="34" charset="0"/>
-              </a:rPr>
-              <a:t> </a:t>
-            </a:r>
-            <a:r>
-              <a:rPr lang="en-US" altLang="zh-CN" sz="1600" dirty="0" smtClean="0">
-                <a:solidFill>
-                  <a:schemeClr val="accent3"/>
-                </a:solidFill>
-                <a:latin typeface="Arial" panose="020B0604020202020204" pitchFamily="34" charset="0"/>
-                <a:cs typeface="Arial" panose="020B0604020202020204" pitchFamily="34" charset="0"/>
-              </a:rPr>
-              <a:t>     * AS, </a:t>
-            </a:r>
-            <a:r>
-              <a:rPr lang="en-US" altLang="zh-CN" sz="1600" dirty="0" err="1" smtClean="0">
-                <a:solidFill>
-                  <a:schemeClr val="accent3"/>
-                </a:solidFill>
-                <a:latin typeface="Arial" panose="020B0604020202020204" pitchFamily="34" charset="0"/>
-                <a:cs typeface="Arial" panose="020B0604020202020204" pitchFamily="34" charset="0"/>
-              </a:rPr>
-              <a:t>AS_total</a:t>
-            </a:r>
-            <a:r>
-              <a:rPr lang="en-US" altLang="zh-CN" sz="1600" dirty="0" smtClean="0">
-                <a:solidFill>
-                  <a:schemeClr val="accent3"/>
-                </a:solidFill>
-                <a:latin typeface="Arial" panose="020B0604020202020204" pitchFamily="34" charset="0"/>
-                <a:cs typeface="Arial" panose="020B0604020202020204" pitchFamily="34" charset="0"/>
-              </a:rPr>
-              <a:t>,  PCR, NCR, CR, CI</a:t>
-            </a:r>
-          </a:p>
-          <a:p>
-            <a:pPr lvl="0">
-              <a:spcBef>
-                <a:spcPts val="600"/>
-              </a:spcBef>
-              <a:buClr>
-                <a:srgbClr val="004098"/>
-              </a:buClr>
-              <a:buSzPct val="100000"/>
-            </a:pPr>
-            <a:endParaRPr lang="en-US" altLang="zh-CN" sz="1600" dirty="0" smtClean="0">
-              <a:solidFill>
-                <a:srgbClr val="000000"/>
-              </a:solidFill>
-              <a:latin typeface="Arial" panose="020B0604020202020204" pitchFamily="34" charset="0"/>
-              <a:cs typeface="Arial" panose="020B0604020202020204" pitchFamily="34" charset="0"/>
-            </a:endParaRPr>
-          </a:p>
-          <a:p>
-            <a:pPr marL="228600" lvl="0" indent="-228600">
-              <a:spcBef>
-                <a:spcPts val="600"/>
-              </a:spcBef>
-              <a:buClr>
-                <a:srgbClr val="004098"/>
-              </a:buClr>
-              <a:buSzPct val="100000"/>
-              <a:buFont typeface="Calibri" panose="020F0502020204030204" pitchFamily="34" charset="0"/>
-              <a:buChar char="▪"/>
-            </a:pPr>
-            <a:r>
-              <a:rPr lang="en-US" altLang="zh-CN" b="1" dirty="0" smtClean="0">
-                <a:solidFill>
-                  <a:srgbClr val="000000"/>
-                </a:solidFill>
-                <a:latin typeface="Arial" panose="020B0604020202020204" pitchFamily="34" charset="0"/>
-                <a:cs typeface="Arial" panose="020B0604020202020204" pitchFamily="34" charset="0"/>
-              </a:rPr>
-              <a:t>Comparing with different structural networks</a:t>
-            </a:r>
-          </a:p>
-          <a:p>
-            <a:pPr lvl="0">
-              <a:spcBef>
-                <a:spcPts val="600"/>
-              </a:spcBef>
-              <a:buClr>
-                <a:srgbClr val="004098"/>
-              </a:buClr>
-              <a:buSzPct val="100000"/>
-            </a:pPr>
-            <a:r>
-              <a:rPr lang="en-US" altLang="zh-CN" sz="1600" dirty="0">
-                <a:solidFill>
-                  <a:srgbClr val="000000"/>
-                </a:solidFill>
-                <a:latin typeface="Arial" panose="020B0604020202020204" pitchFamily="34" charset="0"/>
-                <a:cs typeface="Arial" panose="020B0604020202020204" pitchFamily="34" charset="0"/>
-              </a:rPr>
-              <a:t> </a:t>
-            </a:r>
-            <a:r>
-              <a:rPr lang="en-US" altLang="zh-CN" sz="1600" dirty="0" smtClean="0">
-                <a:solidFill>
-                  <a:srgbClr val="000000"/>
-                </a:solidFill>
-                <a:latin typeface="Arial" panose="020B0604020202020204" pitchFamily="34" charset="0"/>
-                <a:cs typeface="Arial" panose="020B0604020202020204" pitchFamily="34" charset="0"/>
-              </a:rPr>
-              <a:t>   - </a:t>
-            </a:r>
-            <a:r>
-              <a:rPr lang="en-US" altLang="zh-CN" sz="1600" dirty="0">
-                <a:solidFill>
-                  <a:srgbClr val="000000"/>
-                </a:solidFill>
-                <a:latin typeface="Arial" panose="020B0604020202020204" pitchFamily="34" charset="0"/>
-                <a:cs typeface="Arial" panose="020B0604020202020204" pitchFamily="34" charset="0"/>
-              </a:rPr>
-              <a:t>Basic Model(RR-RR network) Analysis</a:t>
-            </a:r>
-          </a:p>
-          <a:p>
-            <a:pPr lvl="0">
-              <a:spcBef>
-                <a:spcPts val="600"/>
-              </a:spcBef>
-              <a:buClr>
-                <a:srgbClr val="004098"/>
-              </a:buClr>
-              <a:buSzPct val="100000"/>
-            </a:pPr>
-            <a:r>
-              <a:rPr lang="en-US" altLang="zh-CN" sz="1600" dirty="0">
-                <a:solidFill>
-                  <a:srgbClr val="000000"/>
-                </a:solidFill>
-                <a:latin typeface="Arial" panose="020B0604020202020204" pitchFamily="34" charset="0"/>
-                <a:cs typeface="Arial" panose="020B0604020202020204" pitchFamily="34" charset="0"/>
-              </a:rPr>
-              <a:t>    - Providing index for measuring consensus</a:t>
-            </a:r>
-            <a:endParaRPr lang="en-US" altLang="zh-CN" b="1" dirty="0" smtClean="0">
-              <a:solidFill>
-                <a:srgbClr val="000000"/>
-              </a:solidFill>
-              <a:latin typeface="Arial" panose="020B0604020202020204" pitchFamily="34" charset="0"/>
-              <a:cs typeface="Arial" panose="020B0604020202020204" pitchFamily="34" charset="0"/>
-            </a:endParaRPr>
-          </a:p>
-          <a:p>
-            <a:pPr marL="228600" lvl="0" indent="-228600">
-              <a:spcBef>
-                <a:spcPts val="600"/>
-              </a:spcBef>
-              <a:buClr>
-                <a:srgbClr val="004098"/>
-              </a:buClr>
-              <a:buSzPct val="100000"/>
-              <a:buFont typeface="Calibri" panose="020F0502020204030204" pitchFamily="34" charset="0"/>
-              <a:buChar char="▪"/>
-            </a:pPr>
-            <a:endParaRPr lang="en-US" altLang="zh-CN" b="1" dirty="0" smtClean="0">
-              <a:solidFill>
-                <a:srgbClr val="000000"/>
-              </a:solidFill>
-              <a:latin typeface="Arial" panose="020B0604020202020204" pitchFamily="34" charset="0"/>
-              <a:cs typeface="Arial" panose="020B0604020202020204" pitchFamily="34" charset="0"/>
-            </a:endParaRPr>
-          </a:p>
-          <a:p>
-            <a:pPr marL="228600" lvl="0" indent="-228600">
-              <a:spcBef>
-                <a:spcPts val="600"/>
-              </a:spcBef>
-              <a:buClr>
-                <a:srgbClr val="004098"/>
-              </a:buClr>
-              <a:buSzPct val="100000"/>
-              <a:buFont typeface="Calibri" panose="020F0502020204030204" pitchFamily="34" charset="0"/>
-              <a:buChar char="▪"/>
-            </a:pPr>
-            <a:r>
-              <a:rPr lang="en-US" altLang="zh-CN" b="1" dirty="0" smtClean="0">
-                <a:solidFill>
-                  <a:srgbClr val="000000"/>
-                </a:solidFill>
-                <a:latin typeface="Arial" panose="020B0604020202020204" pitchFamily="34" charset="0"/>
-                <a:cs typeface="Arial" panose="020B0604020202020204" pitchFamily="34" charset="0"/>
-              </a:rPr>
-              <a:t>Comparing with different updating rules(dynamics order)</a:t>
-            </a:r>
-          </a:p>
-          <a:p>
-            <a:pPr lvl="0">
-              <a:spcBef>
-                <a:spcPts val="600"/>
-              </a:spcBef>
-              <a:buClr>
-                <a:srgbClr val="004098"/>
-              </a:buClr>
-              <a:buSzPct val="100000"/>
-            </a:pPr>
-            <a:r>
-              <a:rPr lang="en-US" altLang="zh-CN" sz="1600" dirty="0">
-                <a:solidFill>
-                  <a:srgbClr val="000000"/>
-                </a:solidFill>
-                <a:latin typeface="Arial" panose="020B0604020202020204" pitchFamily="34" charset="0"/>
-                <a:cs typeface="Arial" panose="020B0604020202020204" pitchFamily="34" charset="0"/>
-              </a:rPr>
-              <a:t> </a:t>
-            </a:r>
-            <a:r>
-              <a:rPr lang="en-US" altLang="zh-CN" sz="1600" dirty="0" smtClean="0">
-                <a:solidFill>
-                  <a:srgbClr val="000000"/>
-                </a:solidFill>
-                <a:latin typeface="Arial" panose="020B0604020202020204" pitchFamily="34" charset="0"/>
-                <a:cs typeface="Arial" panose="020B0604020202020204" pitchFamily="34" charset="0"/>
-              </a:rPr>
-              <a:t>   - </a:t>
-            </a:r>
-            <a:r>
-              <a:rPr lang="en-US" altLang="zh-CN" sz="1600" dirty="0">
-                <a:solidFill>
-                  <a:srgbClr val="000000"/>
-                </a:solidFill>
-                <a:latin typeface="Arial" panose="020B0604020202020204" pitchFamily="34" charset="0"/>
-                <a:cs typeface="Arial" panose="020B0604020202020204" pitchFamily="34" charset="0"/>
-              </a:rPr>
-              <a:t>Basic Model(RR-RR network) Analysis</a:t>
-            </a:r>
-          </a:p>
-          <a:p>
-            <a:pPr lvl="0">
-              <a:spcBef>
-                <a:spcPts val="600"/>
-              </a:spcBef>
-              <a:buClr>
-                <a:srgbClr val="004098"/>
-              </a:buClr>
-              <a:buSzPct val="100000"/>
-            </a:pPr>
-            <a:r>
-              <a:rPr lang="en-US" altLang="zh-CN" sz="1600" dirty="0">
-                <a:solidFill>
-                  <a:srgbClr val="000000"/>
-                </a:solidFill>
-                <a:latin typeface="Arial" panose="020B0604020202020204" pitchFamily="34" charset="0"/>
-                <a:cs typeface="Arial" panose="020B0604020202020204" pitchFamily="34" charset="0"/>
-              </a:rPr>
-              <a:t>    - Providing index for measuring consensus</a:t>
-            </a:r>
-            <a:endParaRPr lang="en-US" altLang="zh-CN" b="1" dirty="0" smtClean="0">
-              <a:solidFill>
-                <a:srgbClr val="000000"/>
-              </a:solidFill>
-              <a:latin typeface="Arial" panose="020B0604020202020204" pitchFamily="34" charset="0"/>
-              <a:cs typeface="Arial" panose="020B0604020202020204" pitchFamily="34" charset="0"/>
-            </a:endParaRPr>
-          </a:p>
-          <a:p>
-            <a:pPr marL="228600" lvl="0" indent="-228600">
-              <a:spcBef>
-                <a:spcPts val="600"/>
-              </a:spcBef>
-              <a:buClr>
-                <a:srgbClr val="004098"/>
-              </a:buClr>
-              <a:buSzPct val="100000"/>
-              <a:buFont typeface="Calibri" panose="020F0502020204030204" pitchFamily="34" charset="0"/>
-              <a:buChar char="▪"/>
-            </a:pPr>
-            <a:endParaRPr lang="en-US" altLang="zh-CN" b="1" dirty="0">
-              <a:solidFill>
-                <a:srgbClr val="000000"/>
-              </a:solidFill>
-              <a:latin typeface="Arial" panose="020B0604020202020204" pitchFamily="34" charset="0"/>
-              <a:cs typeface="Arial" panose="020B0604020202020204" pitchFamily="34" charset="0"/>
-            </a:endParaRPr>
-          </a:p>
-          <a:p>
-            <a:pPr marL="228600" lvl="0" indent="-228600">
-              <a:spcBef>
-                <a:spcPts val="600"/>
-              </a:spcBef>
-              <a:buClr>
-                <a:srgbClr val="004098"/>
-              </a:buClr>
-              <a:buSzPct val="100000"/>
-              <a:buFont typeface="Calibri" panose="020F0502020204030204" pitchFamily="34" charset="0"/>
-              <a:buChar char="▪"/>
-            </a:pPr>
-            <a:r>
-              <a:rPr lang="en-US" altLang="zh-CN" b="1" dirty="0" smtClean="0">
-                <a:solidFill>
-                  <a:srgbClr val="000000"/>
-                </a:solidFill>
-                <a:latin typeface="Arial" panose="020B0604020202020204" pitchFamily="34" charset="0"/>
-                <a:cs typeface="Arial" panose="020B0604020202020204" pitchFamily="34" charset="0"/>
-              </a:rPr>
-              <a:t>Finding key nodes on two-layer networks</a:t>
-            </a:r>
-            <a:endParaRPr lang="en-US" altLang="zh-CN" b="1" dirty="0" smtClean="0">
-              <a:solidFill>
-                <a:srgbClr val="000000"/>
-              </a:solidFill>
-              <a:latin typeface="Arial" panose="020B0604020202020204" pitchFamily="34" charset="0"/>
-              <a:cs typeface="Arial" panose="020B0604020202020204" pitchFamily="34" charset="0"/>
-            </a:endParaRPr>
-          </a:p>
-          <a:p>
-            <a:pPr marL="228600" lvl="0" indent="-228600">
-              <a:spcBef>
-                <a:spcPts val="600"/>
-              </a:spcBef>
-              <a:buClr>
-                <a:srgbClr val="004098"/>
-              </a:buClr>
-              <a:buSzPct val="100000"/>
-              <a:buFont typeface="Calibri" panose="020F0502020204030204" pitchFamily="34" charset="0"/>
-              <a:buChar char="▪"/>
-            </a:pPr>
-            <a:endParaRPr lang="en-US" altLang="zh-CN" b="1" dirty="0" smtClean="0">
-              <a:solidFill>
-                <a:srgbClr val="000000"/>
-              </a:solidFill>
-              <a:latin typeface="Arial" panose="020B0604020202020204" pitchFamily="34" charset="0"/>
-              <a:cs typeface="Arial" panose="020B0604020202020204" pitchFamily="34" charset="0"/>
-            </a:endParaRPr>
-          </a:p>
-          <a:p>
-            <a:pPr lvl="0">
-              <a:spcBef>
-                <a:spcPts val="600"/>
-              </a:spcBef>
-              <a:buClr>
-                <a:srgbClr val="004098"/>
-              </a:buClr>
-              <a:buSzPct val="100000"/>
-            </a:pPr>
-            <a:endParaRPr lang="en-US" altLang="zh-CN" dirty="0">
-              <a:solidFill>
-                <a:srgbClr val="000000"/>
-              </a:solidFill>
-              <a:latin typeface="Arial" panose="020B0604020202020204" pitchFamily="34" charset="0"/>
-              <a:cs typeface="Arial" panose="020B0604020202020204" pitchFamily="34" charset="0"/>
-            </a:endParaRPr>
-          </a:p>
-          <a:p>
-            <a:pPr lvl="0">
-              <a:spcBef>
-                <a:spcPts val="600"/>
-              </a:spcBef>
-              <a:buClr>
-                <a:srgbClr val="004098"/>
-              </a:buClr>
-              <a:buSzPct val="100000"/>
-            </a:pPr>
-            <a:endParaRPr lang="en-US" altLang="zh-CN" dirty="0" smtClean="0">
-              <a:solidFill>
-                <a:srgbClr val="000000"/>
-              </a:solidFill>
-              <a:latin typeface="Arial" panose="020B0604020202020204" pitchFamily="34" charset="0"/>
-              <a:cs typeface="Arial" panose="020B0604020202020204" pitchFamily="34" charset="0"/>
-            </a:endParaRPr>
-          </a:p>
-          <a:p>
-            <a:pPr lvl="0">
-              <a:spcBef>
-                <a:spcPts val="600"/>
-              </a:spcBef>
-              <a:buClr>
-                <a:srgbClr val="004098"/>
-              </a:buClr>
-              <a:buSzPct val="100000"/>
-            </a:pPr>
-            <a:endParaRPr lang="en-US" altLang="zh-CN" dirty="0" smtClean="0">
-              <a:solidFill>
-                <a:srgbClr val="000000"/>
-              </a:solidFill>
-              <a:latin typeface="Arial" panose="020B0604020202020204" pitchFamily="34" charset="0"/>
-              <a:cs typeface="Arial" panose="020B0604020202020204" pitchFamily="34" charset="0"/>
-            </a:endParaRPr>
-          </a:p>
-          <a:p>
-            <a:pPr lvl="0">
-              <a:spcBef>
-                <a:spcPts val="600"/>
-              </a:spcBef>
-              <a:buClr>
-                <a:srgbClr val="004098"/>
-              </a:buClr>
-              <a:buSzPct val="100000"/>
-            </a:pPr>
-            <a:endParaRPr lang="en-US" altLang="zh-CN" dirty="0">
-              <a:solidFill>
-                <a:srgbClr val="000000"/>
-              </a:solidFill>
-              <a:latin typeface="Arial" panose="020B0604020202020204" pitchFamily="34" charset="0"/>
-              <a:cs typeface="Arial" panose="020B0604020202020204" pitchFamily="34" charset="0"/>
-            </a:endParaRPr>
-          </a:p>
-          <a:p>
-            <a:pPr lvl="0">
-              <a:spcBef>
-                <a:spcPts val="600"/>
-              </a:spcBef>
-              <a:buClr>
-                <a:srgbClr val="004098"/>
-              </a:buClr>
-              <a:buSzPct val="100000"/>
-            </a:pPr>
-            <a:endParaRPr lang="en-US" altLang="zh-CN" dirty="0" smtClean="0">
-              <a:solidFill>
-                <a:srgbClr val="000000"/>
-              </a:solidFill>
-              <a:latin typeface="Arial" panose="020B0604020202020204" pitchFamily="34" charset="0"/>
-              <a:cs typeface="Arial" panose="020B0604020202020204" pitchFamily="34" charset="0"/>
-            </a:endParaRPr>
-          </a:p>
-          <a:p>
-            <a:pPr marL="228600" lvl="0" indent="-228600">
-              <a:spcBef>
-                <a:spcPts val="600"/>
-              </a:spcBef>
-              <a:buClr>
-                <a:srgbClr val="004098"/>
-              </a:buClr>
-              <a:buSzPct val="100000"/>
-              <a:buFont typeface="Calibri" panose="020F0502020204030204" pitchFamily="34" charset="0"/>
-              <a:buChar char="▪"/>
-            </a:pPr>
-            <a:endParaRPr lang="en-US" altLang="zh-CN" b="1" dirty="0" smtClean="0">
-              <a:solidFill>
-                <a:srgbClr val="000000"/>
-              </a:solidFill>
-              <a:latin typeface="Arial" panose="020B0604020202020204" pitchFamily="34" charset="0"/>
-              <a:cs typeface="Arial" panose="020B0604020202020204" pitchFamily="34" charset="0"/>
-            </a:endParaRPr>
-          </a:p>
-          <a:p>
-            <a:pPr marL="228600" lvl="0" indent="-228600">
-              <a:spcBef>
-                <a:spcPts val="600"/>
-              </a:spcBef>
-              <a:buClr>
-                <a:srgbClr val="004098"/>
-              </a:buClr>
-              <a:buSzPct val="100000"/>
-              <a:buFont typeface="Calibri" panose="020F0502020204030204" pitchFamily="34" charset="0"/>
-              <a:buChar char="▪"/>
-            </a:pPr>
-            <a:endParaRPr lang="en-US" altLang="zh-CN" b="1" dirty="0">
-              <a:solidFill>
-                <a:srgbClr val="000000"/>
-              </a:solidFill>
-              <a:latin typeface="Arial" panose="020B0604020202020204" pitchFamily="34" charset="0"/>
-              <a:cs typeface="Arial" panose="020B0604020202020204" pitchFamily="34" charset="0"/>
-            </a:endParaRPr>
-          </a:p>
-          <a:p>
-            <a:pPr marL="228600" lvl="0" indent="-228600">
-              <a:spcBef>
-                <a:spcPts val="600"/>
-              </a:spcBef>
-              <a:buClr>
-                <a:srgbClr val="004098"/>
-              </a:buClr>
-              <a:buSzPct val="100000"/>
-              <a:buFont typeface="Calibri" panose="020F0502020204030204" pitchFamily="34" charset="0"/>
-              <a:buChar char="▪"/>
-            </a:pPr>
-            <a:endParaRPr lang="en-US" altLang="zh-CN" b="1" dirty="0" smtClean="0">
-              <a:solidFill>
-                <a:srgbClr val="000000"/>
-              </a:solidFill>
-              <a:latin typeface="Arial" panose="020B0604020202020204" pitchFamily="34" charset="0"/>
-              <a:cs typeface="Arial" panose="020B0604020202020204" pitchFamily="34" charset="0"/>
-            </a:endParaRPr>
-          </a:p>
-          <a:p>
-            <a:pPr marL="228600" lvl="0" indent="-228600">
-              <a:spcBef>
-                <a:spcPts val="600"/>
-              </a:spcBef>
-              <a:buClr>
-                <a:srgbClr val="004098"/>
-              </a:buClr>
-              <a:buSzPct val="100000"/>
-              <a:buFont typeface="Calibri" panose="020F0502020204030204" pitchFamily="34" charset="0"/>
-              <a:buChar char="▪"/>
-            </a:pPr>
-            <a:r>
-              <a:rPr lang="en-US" altLang="zh-CN" b="1" dirty="0" smtClean="0">
-                <a:solidFill>
-                  <a:srgbClr val="000000"/>
-                </a:solidFill>
-                <a:latin typeface="Arial" panose="020B0604020202020204" pitchFamily="34" charset="0"/>
-                <a:cs typeface="Arial" panose="020B0604020202020204" pitchFamily="34" charset="0"/>
-              </a:rPr>
-              <a:t>Initial Condition for finding key node in each layer</a:t>
-            </a:r>
-          </a:p>
-          <a:p>
-            <a:pPr lvl="0">
-              <a:spcBef>
-                <a:spcPts val="600"/>
-              </a:spcBef>
-              <a:buClr>
-                <a:srgbClr val="004098"/>
-              </a:buClr>
-              <a:buSzPct val="100000"/>
-            </a:pPr>
-            <a:r>
-              <a:rPr lang="en-US" altLang="zh-CN" dirty="0" smtClean="0">
-                <a:solidFill>
-                  <a:srgbClr val="000000"/>
-                </a:solidFill>
-                <a:latin typeface="Arial" panose="020B0604020202020204" pitchFamily="34" charset="0"/>
-                <a:cs typeface="Arial" panose="020B0604020202020204" pitchFamily="34" charset="0"/>
-              </a:rPr>
-              <a:t>    - Two layers are made of BA networks with 2048 nodes and 1 external edge.  </a:t>
-            </a:r>
-          </a:p>
-          <a:p>
-            <a:pPr lvl="0">
-              <a:spcBef>
-                <a:spcPts val="600"/>
-              </a:spcBef>
-              <a:buClr>
-                <a:srgbClr val="004098"/>
-              </a:buClr>
-              <a:buSzPct val="100000"/>
-            </a:pPr>
-            <a:r>
-              <a:rPr lang="en-US" altLang="zh-CN" dirty="0">
-                <a:solidFill>
-                  <a:srgbClr val="000000"/>
-                </a:solidFill>
-                <a:latin typeface="Arial" panose="020B0604020202020204" pitchFamily="34" charset="0"/>
-                <a:cs typeface="Arial" panose="020B0604020202020204" pitchFamily="34" charset="0"/>
-              </a:rPr>
-              <a:t> </a:t>
-            </a:r>
-            <a:r>
-              <a:rPr lang="en-US" altLang="zh-CN" dirty="0" smtClean="0">
-                <a:solidFill>
-                  <a:srgbClr val="000000"/>
-                </a:solidFill>
-                <a:latin typeface="Arial" panose="020B0604020202020204" pitchFamily="34" charset="0"/>
-                <a:cs typeface="Arial" panose="020B0604020202020204" pitchFamily="34" charset="0"/>
-              </a:rPr>
-              <a:t>   - Parameters : </a:t>
-            </a:r>
-          </a:p>
-          <a:p>
-            <a:pPr lvl="0">
-              <a:spcBef>
-                <a:spcPts val="600"/>
-              </a:spcBef>
-              <a:buClr>
-                <a:srgbClr val="004098"/>
-              </a:buClr>
-              <a:buSzPct val="100000"/>
-            </a:pPr>
-            <a:r>
-              <a:rPr lang="en-US" altLang="zh-CN" dirty="0">
-                <a:solidFill>
-                  <a:srgbClr val="000000"/>
-                </a:solidFill>
-                <a:latin typeface="Arial" panose="020B0604020202020204" pitchFamily="34" charset="0"/>
-                <a:cs typeface="Arial" panose="020B0604020202020204" pitchFamily="34" charset="0"/>
-              </a:rPr>
-              <a:t> </a:t>
-            </a:r>
-            <a:r>
-              <a:rPr lang="en-US" altLang="zh-CN" dirty="0" smtClean="0">
-                <a:solidFill>
-                  <a:srgbClr val="000000"/>
-                </a:solidFill>
-                <a:latin typeface="Arial" panose="020B0604020202020204" pitchFamily="34" charset="0"/>
-                <a:cs typeface="Arial" panose="020B0604020202020204" pitchFamily="34" charset="0"/>
-              </a:rPr>
-              <a:t>     Layer A : p = 0.3(0.2), v = 0.3(0.4)(negative consensus)</a:t>
-            </a:r>
-          </a:p>
-          <a:p>
-            <a:pPr lvl="0">
-              <a:spcBef>
-                <a:spcPts val="600"/>
-              </a:spcBef>
-              <a:buClr>
-                <a:srgbClr val="004098"/>
-              </a:buClr>
-              <a:buSzPct val="100000"/>
-            </a:pPr>
-            <a:r>
-              <a:rPr lang="en-US" altLang="zh-CN" dirty="0">
-                <a:solidFill>
-                  <a:srgbClr val="000000"/>
-                </a:solidFill>
-                <a:latin typeface="Arial" panose="020B0604020202020204" pitchFamily="34" charset="0"/>
-                <a:cs typeface="Arial" panose="020B0604020202020204" pitchFamily="34" charset="0"/>
-              </a:rPr>
-              <a:t> </a:t>
-            </a:r>
-            <a:r>
-              <a:rPr lang="en-US" altLang="zh-CN" dirty="0" smtClean="0">
-                <a:solidFill>
-                  <a:srgbClr val="000000"/>
-                </a:solidFill>
-                <a:latin typeface="Arial" panose="020B0604020202020204" pitchFamily="34" charset="0"/>
-                <a:cs typeface="Arial" panose="020B0604020202020204" pitchFamily="34" charset="0"/>
-              </a:rPr>
-              <a:t>     Layer B : p = </a:t>
-            </a:r>
-            <a:r>
-              <a:rPr lang="en-US" altLang="zh-CN" dirty="0" smtClean="0">
-                <a:solidFill>
-                  <a:srgbClr val="000000"/>
-                </a:solidFill>
-                <a:latin typeface="Arial" panose="020B0604020202020204" pitchFamily="34" charset="0"/>
-                <a:cs typeface="Arial" panose="020B0604020202020204" pitchFamily="34" charset="0"/>
-              </a:rPr>
-              <a:t>0.5, </a:t>
-            </a:r>
-            <a:r>
-              <a:rPr lang="en-US" altLang="zh-CN" dirty="0" smtClean="0">
-                <a:solidFill>
-                  <a:srgbClr val="000000"/>
-                </a:solidFill>
-                <a:latin typeface="Arial" panose="020B0604020202020204" pitchFamily="34" charset="0"/>
-                <a:cs typeface="Arial" panose="020B0604020202020204" pitchFamily="34" charset="0"/>
-              </a:rPr>
-              <a:t>v = 0.5(positive consensus)</a:t>
-            </a:r>
-          </a:p>
-          <a:p>
-            <a:pPr lvl="0">
-              <a:spcBef>
-                <a:spcPts val="600"/>
-              </a:spcBef>
-              <a:buClr>
-                <a:srgbClr val="004098"/>
-              </a:buClr>
-              <a:buSzPct val="100000"/>
-            </a:pPr>
-            <a:endParaRPr lang="en-US" altLang="zh-CN" dirty="0" smtClean="0">
-              <a:solidFill>
-                <a:srgbClr val="000000"/>
-              </a:solidFill>
-              <a:latin typeface="Arial" panose="020B0604020202020204" pitchFamily="34" charset="0"/>
-              <a:cs typeface="Arial" panose="020B0604020202020204" pitchFamily="34" charset="0"/>
-            </a:endParaRPr>
-          </a:p>
-          <a:p>
-            <a:pPr lvl="0">
-              <a:spcBef>
-                <a:spcPts val="600"/>
-              </a:spcBef>
-              <a:buClr>
-                <a:srgbClr val="004098"/>
-              </a:buClr>
-              <a:buSzPct val="100000"/>
-            </a:pPr>
-            <a:r>
-              <a:rPr lang="en-US" altLang="zh-CN" dirty="0">
-                <a:solidFill>
-                  <a:srgbClr val="000000"/>
-                </a:solidFill>
-                <a:latin typeface="Arial" panose="020B0604020202020204" pitchFamily="34" charset="0"/>
-                <a:cs typeface="Arial" panose="020B0604020202020204" pitchFamily="34" charset="0"/>
-              </a:rPr>
-              <a:t> </a:t>
-            </a:r>
-            <a:r>
-              <a:rPr lang="en-US" altLang="zh-CN" dirty="0" smtClean="0">
-                <a:solidFill>
-                  <a:srgbClr val="000000"/>
-                </a:solidFill>
-                <a:latin typeface="Arial" panose="020B0604020202020204" pitchFamily="34" charset="0"/>
-                <a:cs typeface="Arial" panose="020B0604020202020204" pitchFamily="34" charset="0"/>
-              </a:rPr>
-              <a:t>   </a:t>
-            </a:r>
-            <a:endParaRPr lang="en-US" altLang="zh-CN" dirty="0" smtClean="0">
-              <a:solidFill>
-                <a:schemeClr val="accent1"/>
-              </a:solidFill>
-              <a:latin typeface="Arial" panose="020B0604020202020204" pitchFamily="34" charset="0"/>
-              <a:cs typeface="Arial" panose="020B0604020202020204" pitchFamily="34" charset="0"/>
-            </a:endParaRPr>
-          </a:p>
-        </p:txBody>
-      </p:sp>
-    </p:spTree>
-    <p:extLst>
-      <p:ext uri="{BB962C8B-B14F-4D97-AF65-F5344CB8AC3E}">
-        <p14:creationId xmlns:p14="http://schemas.microsoft.com/office/powerpoint/2010/main" val="2449070775"/>
-      </p:ext>
-    </p:extLst>
-  </p:cSld>
-  <p:clrMapOvr>
-    <a:masterClrMapping/>
-  </p:clrMapOvr>
-  <p:timing>
-    <p:tnLst>
-      <p:par>
-        <p:cTn id="1" dur="indefinite" restart="never" nodeType="tmRoot"/>
-      </p:par>
-    </p:tnLst>
-  </p:timing>
-</p:sld>
-</file>
-
-<file path=ppt/slides/slide3.xml><?xml version="1.0" encoding="utf-8"?>
-<p:sld xmlns:a="http://schemas.openxmlformats.org/drawingml/2006/main" xmlns:r="http://schemas.openxmlformats.org/officeDocument/2006/relationships" xmlns:p="http://schemas.openxmlformats.org/presentationml/2006/main">
-  <p:cSld>
-    <p:spTree>
-      <p:nvGrpSpPr>
-        <p:cNvPr id="1" name=""/>
-        <p:cNvGrpSpPr/>
-        <p:nvPr/>
-      </p:nvGrpSpPr>
-      <p:grpSpPr>
-        <a:xfrm>
-          <a:off x="0" y="0"/>
-          <a:ext cx="0" cy="0"/>
-          <a:chOff x="0" y="0"/>
-          <a:chExt cx="0" cy="0"/>
-        </a:xfrm>
-      </p:grpSpPr>
-      <p:sp>
-        <p:nvSpPr>
-          <p:cNvPr id="3" name="제목 2"/>
-          <p:cNvSpPr>
-            <a:spLocks noGrp="1"/>
-          </p:cNvSpPr>
-          <p:nvPr>
-            <p:ph type="title"/>
-          </p:nvPr>
-        </p:nvSpPr>
-        <p:spPr>
-          <a:xfrm>
-            <a:off x="49524" y="923477"/>
-            <a:ext cx="8372163" cy="574183"/>
-          </a:xfrm>
-        </p:spPr>
-        <p:txBody>
-          <a:bodyPr>
-            <a:normAutofit/>
-          </a:bodyPr>
-          <a:lstStyle/>
-          <a:p>
-            <a:pPr lvl="0"/>
-            <a:r>
-              <a:rPr lang="en-US" altLang="zh-CN" sz="2400" dirty="0" smtClean="0"/>
-              <a:t>Finding key nodes in each layer</a:t>
-            </a:r>
-            <a:endParaRPr lang="zh-CN" altLang="en-US" sz="2800" dirty="0"/>
-          </a:p>
-        </p:txBody>
-      </p:sp>
-      <p:sp>
-        <p:nvSpPr>
-          <p:cNvPr id="4" name="직사각형 3"/>
-          <p:cNvSpPr/>
-          <p:nvPr/>
-        </p:nvSpPr>
-        <p:spPr>
-          <a:xfrm>
-            <a:off x="-3567" y="1631203"/>
-            <a:ext cx="10265167" cy="5678478"/>
-          </a:xfrm>
-          <a:prstGeom prst="rect">
-            <a:avLst/>
-          </a:prstGeom>
-        </p:spPr>
-        <p:txBody>
-          <a:bodyPr wrap="square">
-            <a:spAutoFit/>
-          </a:bodyPr>
-          <a:lstStyle/>
-          <a:p>
-            <a:pPr marL="228600" lvl="0" indent="-228600">
-              <a:spcBef>
-                <a:spcPts val="600"/>
-              </a:spcBef>
-              <a:buClr>
-                <a:srgbClr val="004098"/>
-              </a:buClr>
-              <a:buSzPct val="100000"/>
-              <a:buFont typeface="Calibri" panose="020F0502020204030204" pitchFamily="34" charset="0"/>
-              <a:buChar char="▪"/>
-            </a:pPr>
-            <a:r>
-              <a:rPr lang="en-US" altLang="zh-CN" b="1" dirty="0" smtClean="0">
-                <a:solidFill>
-                  <a:srgbClr val="000000"/>
-                </a:solidFill>
-                <a:latin typeface="Arial" panose="020B0604020202020204" pitchFamily="34" charset="0"/>
-                <a:cs typeface="Arial" panose="020B0604020202020204" pitchFamily="34" charset="0"/>
-              </a:rPr>
-              <a:t>Method : unchanging the states of nodes</a:t>
-            </a:r>
-          </a:p>
-          <a:p>
-            <a:pPr lvl="0">
-              <a:spcBef>
-                <a:spcPts val="600"/>
-              </a:spcBef>
-              <a:buClr>
-                <a:srgbClr val="004098"/>
-              </a:buClr>
-              <a:buSzPct val="100000"/>
-            </a:pPr>
-            <a:endParaRPr lang="en-US" altLang="zh-CN" dirty="0">
-              <a:solidFill>
-                <a:srgbClr val="000000"/>
-              </a:solidFill>
-              <a:latin typeface="Arial" panose="020B0604020202020204" pitchFamily="34" charset="0"/>
-              <a:cs typeface="Arial" panose="020B0604020202020204" pitchFamily="34" charset="0"/>
-            </a:endParaRPr>
-          </a:p>
-          <a:p>
-            <a:pPr lvl="0">
-              <a:spcBef>
-                <a:spcPts val="600"/>
-              </a:spcBef>
-              <a:buClr>
-                <a:srgbClr val="004098"/>
-              </a:buClr>
-              <a:buSzPct val="100000"/>
-            </a:pPr>
-            <a:endParaRPr lang="en-US" altLang="zh-CN" dirty="0" smtClean="0">
-              <a:solidFill>
-                <a:srgbClr val="000000"/>
-              </a:solidFill>
-              <a:latin typeface="Arial" panose="020B0604020202020204" pitchFamily="34" charset="0"/>
-              <a:cs typeface="Arial" panose="020B0604020202020204" pitchFamily="34" charset="0"/>
-            </a:endParaRPr>
-          </a:p>
-          <a:p>
-            <a:pPr lvl="0">
-              <a:spcBef>
-                <a:spcPts val="600"/>
-              </a:spcBef>
-              <a:buClr>
-                <a:srgbClr val="004098"/>
-              </a:buClr>
-              <a:buSzPct val="100000"/>
-            </a:pPr>
-            <a:endParaRPr lang="en-US" altLang="zh-CN" dirty="0" smtClean="0">
-              <a:solidFill>
-                <a:srgbClr val="000000"/>
-              </a:solidFill>
-              <a:latin typeface="Arial" panose="020B0604020202020204" pitchFamily="34" charset="0"/>
-              <a:cs typeface="Arial" panose="020B0604020202020204" pitchFamily="34" charset="0"/>
-            </a:endParaRPr>
-          </a:p>
-          <a:p>
-            <a:pPr lvl="0">
-              <a:spcBef>
-                <a:spcPts val="600"/>
-              </a:spcBef>
-              <a:buClr>
-                <a:srgbClr val="004098"/>
-              </a:buClr>
-              <a:buSzPct val="100000"/>
-            </a:pPr>
-            <a:endParaRPr lang="en-US" altLang="zh-CN" dirty="0">
-              <a:solidFill>
-                <a:srgbClr val="000000"/>
-              </a:solidFill>
-              <a:latin typeface="Arial" panose="020B0604020202020204" pitchFamily="34" charset="0"/>
-              <a:cs typeface="Arial" panose="020B0604020202020204" pitchFamily="34" charset="0"/>
-            </a:endParaRPr>
-          </a:p>
-          <a:p>
-            <a:pPr lvl="0">
-              <a:spcBef>
-                <a:spcPts val="600"/>
-              </a:spcBef>
-              <a:buClr>
-                <a:srgbClr val="004098"/>
-              </a:buClr>
-              <a:buSzPct val="100000"/>
-            </a:pPr>
-            <a:endParaRPr lang="en-US" altLang="zh-CN" dirty="0" smtClean="0">
-              <a:solidFill>
-                <a:srgbClr val="000000"/>
-              </a:solidFill>
-              <a:latin typeface="Arial" panose="020B0604020202020204" pitchFamily="34" charset="0"/>
-              <a:cs typeface="Arial" panose="020B0604020202020204" pitchFamily="34" charset="0"/>
-            </a:endParaRPr>
-          </a:p>
-          <a:p>
-            <a:pPr marL="228600" lvl="0" indent="-228600">
-              <a:spcBef>
-                <a:spcPts val="600"/>
-              </a:spcBef>
-              <a:buClr>
-                <a:srgbClr val="004098"/>
-              </a:buClr>
-              <a:buSzPct val="100000"/>
-              <a:buFont typeface="Calibri" panose="020F0502020204030204" pitchFamily="34" charset="0"/>
-              <a:buChar char="▪"/>
-            </a:pPr>
-            <a:endParaRPr lang="en-US" altLang="zh-CN" b="1" dirty="0" smtClean="0">
-              <a:solidFill>
-                <a:srgbClr val="000000"/>
-              </a:solidFill>
-              <a:latin typeface="Arial" panose="020B0604020202020204" pitchFamily="34" charset="0"/>
-              <a:cs typeface="Arial" panose="020B0604020202020204" pitchFamily="34" charset="0"/>
-            </a:endParaRPr>
-          </a:p>
-          <a:p>
-            <a:pPr marL="228600" lvl="0" indent="-228600">
-              <a:spcBef>
-                <a:spcPts val="600"/>
-              </a:spcBef>
-              <a:buClr>
-                <a:srgbClr val="004098"/>
-              </a:buClr>
-              <a:buSzPct val="100000"/>
-              <a:buFont typeface="Calibri" panose="020F0502020204030204" pitchFamily="34" charset="0"/>
-              <a:buChar char="▪"/>
-            </a:pPr>
-            <a:endParaRPr lang="en-US" altLang="zh-CN" b="1" dirty="0">
-              <a:solidFill>
-                <a:srgbClr val="000000"/>
-              </a:solidFill>
-              <a:latin typeface="Arial" panose="020B0604020202020204" pitchFamily="34" charset="0"/>
-              <a:cs typeface="Arial" panose="020B0604020202020204" pitchFamily="34" charset="0"/>
-            </a:endParaRPr>
-          </a:p>
-          <a:p>
-            <a:pPr marL="228600" lvl="0" indent="-228600">
-              <a:spcBef>
-                <a:spcPts val="600"/>
-              </a:spcBef>
-              <a:buClr>
-                <a:srgbClr val="004098"/>
-              </a:buClr>
-              <a:buSzPct val="100000"/>
-              <a:buFont typeface="Calibri" panose="020F0502020204030204" pitchFamily="34" charset="0"/>
-              <a:buChar char="▪"/>
-            </a:pPr>
-            <a:endParaRPr lang="en-US" altLang="zh-CN" b="1" dirty="0" smtClean="0">
-              <a:solidFill>
-                <a:srgbClr val="000000"/>
-              </a:solidFill>
-              <a:latin typeface="Arial" panose="020B0604020202020204" pitchFamily="34" charset="0"/>
-              <a:cs typeface="Arial" panose="020B0604020202020204" pitchFamily="34" charset="0"/>
-            </a:endParaRPr>
-          </a:p>
-          <a:p>
-            <a:pPr marL="228600" lvl="0" indent="-228600">
-              <a:spcBef>
-                <a:spcPts val="600"/>
-              </a:spcBef>
-              <a:buClr>
-                <a:srgbClr val="004098"/>
-              </a:buClr>
-              <a:buSzPct val="100000"/>
-              <a:buFont typeface="Calibri" panose="020F0502020204030204" pitchFamily="34" charset="0"/>
-              <a:buChar char="▪"/>
-            </a:pPr>
-            <a:r>
-              <a:rPr lang="en-US" altLang="zh-CN" b="1" dirty="0" smtClean="0">
-                <a:solidFill>
-                  <a:srgbClr val="000000"/>
-                </a:solidFill>
-                <a:latin typeface="Arial" panose="020B0604020202020204" pitchFamily="34" charset="0"/>
-                <a:cs typeface="Arial" panose="020B0604020202020204" pitchFamily="34" charset="0"/>
-              </a:rPr>
-              <a:t>Initial Condition for finding key node in each layer</a:t>
-            </a:r>
-          </a:p>
-          <a:p>
-            <a:pPr lvl="0">
-              <a:spcBef>
-                <a:spcPts val="600"/>
-              </a:spcBef>
-              <a:buClr>
-                <a:srgbClr val="004098"/>
-              </a:buClr>
-              <a:buSzPct val="100000"/>
-            </a:pPr>
-            <a:r>
-              <a:rPr lang="en-US" altLang="zh-CN" dirty="0" smtClean="0">
-                <a:solidFill>
-                  <a:srgbClr val="000000"/>
-                </a:solidFill>
-                <a:latin typeface="Arial" panose="020B0604020202020204" pitchFamily="34" charset="0"/>
-                <a:cs typeface="Arial" panose="020B0604020202020204" pitchFamily="34" charset="0"/>
-              </a:rPr>
-              <a:t>    - Two layers are made of BA networks with 2048 nodes and 1 external edge.  </a:t>
-            </a:r>
-          </a:p>
-          <a:p>
-            <a:pPr lvl="0">
-              <a:spcBef>
-                <a:spcPts val="600"/>
-              </a:spcBef>
-              <a:buClr>
-                <a:srgbClr val="004098"/>
-              </a:buClr>
-              <a:buSzPct val="100000"/>
-            </a:pPr>
-            <a:r>
-              <a:rPr lang="en-US" altLang="zh-CN" dirty="0">
-                <a:solidFill>
-                  <a:srgbClr val="000000"/>
-                </a:solidFill>
-                <a:latin typeface="Arial" panose="020B0604020202020204" pitchFamily="34" charset="0"/>
-                <a:cs typeface="Arial" panose="020B0604020202020204" pitchFamily="34" charset="0"/>
-              </a:rPr>
-              <a:t> </a:t>
-            </a:r>
-            <a:r>
-              <a:rPr lang="en-US" altLang="zh-CN" dirty="0" smtClean="0">
-                <a:solidFill>
-                  <a:srgbClr val="000000"/>
-                </a:solidFill>
-                <a:latin typeface="Arial" panose="020B0604020202020204" pitchFamily="34" charset="0"/>
-                <a:cs typeface="Arial" panose="020B0604020202020204" pitchFamily="34" charset="0"/>
-              </a:rPr>
-              <a:t>   - Parameters : </a:t>
-            </a:r>
-          </a:p>
-          <a:p>
-            <a:pPr lvl="0">
-              <a:spcBef>
-                <a:spcPts val="600"/>
-              </a:spcBef>
-              <a:buClr>
-                <a:srgbClr val="004098"/>
-              </a:buClr>
-              <a:buSzPct val="100000"/>
-            </a:pPr>
-            <a:r>
-              <a:rPr lang="en-US" altLang="zh-CN" dirty="0">
-                <a:solidFill>
-                  <a:srgbClr val="000000"/>
-                </a:solidFill>
-                <a:latin typeface="Arial" panose="020B0604020202020204" pitchFamily="34" charset="0"/>
-                <a:cs typeface="Arial" panose="020B0604020202020204" pitchFamily="34" charset="0"/>
-              </a:rPr>
-              <a:t> </a:t>
-            </a:r>
-            <a:r>
-              <a:rPr lang="en-US" altLang="zh-CN" dirty="0" smtClean="0">
-                <a:solidFill>
-                  <a:srgbClr val="000000"/>
-                </a:solidFill>
-                <a:latin typeface="Arial" panose="020B0604020202020204" pitchFamily="34" charset="0"/>
-                <a:cs typeface="Arial" panose="020B0604020202020204" pitchFamily="34" charset="0"/>
-              </a:rPr>
-              <a:t>     Layer A : p = 0.3(0.2), v = 0.3(0.4)(negative consensus)</a:t>
-            </a:r>
-          </a:p>
-          <a:p>
-            <a:pPr lvl="0">
-              <a:spcBef>
-                <a:spcPts val="600"/>
-              </a:spcBef>
-              <a:buClr>
-                <a:srgbClr val="004098"/>
-              </a:buClr>
-              <a:buSzPct val="100000"/>
-            </a:pPr>
-            <a:r>
-              <a:rPr lang="en-US" altLang="zh-CN" dirty="0">
-                <a:solidFill>
-                  <a:srgbClr val="000000"/>
-                </a:solidFill>
-                <a:latin typeface="Arial" panose="020B0604020202020204" pitchFamily="34" charset="0"/>
-                <a:cs typeface="Arial" panose="020B0604020202020204" pitchFamily="34" charset="0"/>
-              </a:rPr>
-              <a:t> </a:t>
-            </a:r>
-            <a:r>
-              <a:rPr lang="en-US" altLang="zh-CN" dirty="0" smtClean="0">
-                <a:solidFill>
-                  <a:srgbClr val="000000"/>
-                </a:solidFill>
-                <a:latin typeface="Arial" panose="020B0604020202020204" pitchFamily="34" charset="0"/>
-                <a:cs typeface="Arial" panose="020B0604020202020204" pitchFamily="34" charset="0"/>
-              </a:rPr>
-              <a:t>     Layer B : p = </a:t>
-            </a:r>
-            <a:r>
-              <a:rPr lang="en-US" altLang="zh-CN" dirty="0" smtClean="0">
-                <a:solidFill>
-                  <a:srgbClr val="000000"/>
-                </a:solidFill>
-                <a:latin typeface="Arial" panose="020B0604020202020204" pitchFamily="34" charset="0"/>
-                <a:cs typeface="Arial" panose="020B0604020202020204" pitchFamily="34" charset="0"/>
-              </a:rPr>
-              <a:t>0.5, </a:t>
-            </a:r>
-            <a:r>
-              <a:rPr lang="en-US" altLang="zh-CN" dirty="0" smtClean="0">
-                <a:solidFill>
-                  <a:srgbClr val="000000"/>
-                </a:solidFill>
-                <a:latin typeface="Arial" panose="020B0604020202020204" pitchFamily="34" charset="0"/>
-                <a:cs typeface="Arial" panose="020B0604020202020204" pitchFamily="34" charset="0"/>
-              </a:rPr>
-              <a:t>v = 0.5(positive consensus)</a:t>
-            </a:r>
-          </a:p>
-          <a:p>
-            <a:pPr lvl="0">
-              <a:spcBef>
-                <a:spcPts val="600"/>
-              </a:spcBef>
-              <a:buClr>
-                <a:srgbClr val="004098"/>
-              </a:buClr>
-              <a:buSzPct val="100000"/>
-            </a:pPr>
-            <a:endParaRPr lang="en-US" altLang="zh-CN" dirty="0" smtClean="0">
-              <a:solidFill>
-                <a:srgbClr val="000000"/>
-              </a:solidFill>
-              <a:latin typeface="Arial" panose="020B0604020202020204" pitchFamily="34" charset="0"/>
-              <a:cs typeface="Arial" panose="020B0604020202020204" pitchFamily="34" charset="0"/>
-            </a:endParaRPr>
-          </a:p>
-          <a:p>
-            <a:pPr lvl="0">
-              <a:spcBef>
-                <a:spcPts val="600"/>
-              </a:spcBef>
-              <a:buClr>
-                <a:srgbClr val="004098"/>
-              </a:buClr>
-              <a:buSzPct val="100000"/>
-            </a:pPr>
-            <a:r>
-              <a:rPr lang="en-US" altLang="zh-CN" dirty="0">
-                <a:solidFill>
-                  <a:srgbClr val="000000"/>
-                </a:solidFill>
-                <a:latin typeface="Arial" panose="020B0604020202020204" pitchFamily="34" charset="0"/>
-                <a:cs typeface="Arial" panose="020B0604020202020204" pitchFamily="34" charset="0"/>
-              </a:rPr>
-              <a:t> </a:t>
-            </a:r>
-            <a:r>
-              <a:rPr lang="en-US" altLang="zh-CN" dirty="0" smtClean="0">
-                <a:solidFill>
-                  <a:srgbClr val="000000"/>
-                </a:solidFill>
-                <a:latin typeface="Arial" panose="020B0604020202020204" pitchFamily="34" charset="0"/>
-                <a:cs typeface="Arial" panose="020B0604020202020204" pitchFamily="34" charset="0"/>
-              </a:rPr>
-              <a:t>   </a:t>
-            </a:r>
-            <a:endParaRPr lang="en-US" altLang="zh-CN" dirty="0" smtClean="0">
-              <a:solidFill>
-                <a:schemeClr val="accent1"/>
-              </a:solidFill>
-              <a:latin typeface="Arial" panose="020B0604020202020204" pitchFamily="34" charset="0"/>
-              <a:cs typeface="Arial" panose="020B0604020202020204" pitchFamily="34" charset="0"/>
-            </a:endParaRPr>
-          </a:p>
-        </p:txBody>
-      </p:sp>
-      <p:sp>
-        <p:nvSpPr>
-          <p:cNvPr id="2" name="모서리가 둥근 직사각형 1"/>
-          <p:cNvSpPr/>
-          <p:nvPr/>
-        </p:nvSpPr>
-        <p:spPr>
-          <a:xfrm>
-            <a:off x="331470" y="2057400"/>
-            <a:ext cx="8652510" cy="2308860"/>
-          </a:xfrm>
-          <a:prstGeom prst="roundRect">
-            <a:avLst/>
-          </a:prstGeom>
-          <a:solidFill>
-            <a:schemeClr val="accent5">
-              <a:lumMod val="20000"/>
-              <a:lumOff val="80000"/>
-            </a:schemeClr>
-          </a:solidFill>
-          <a:ln>
-            <a:solidFill>
-              <a:schemeClr val="accent1"/>
-            </a:solidFill>
-          </a:ln>
-        </p:spPr>
-        <p:style>
-          <a:lnRef idx="2">
-            <a:schemeClr val="accent1">
-              <a:shade val="50000"/>
-            </a:schemeClr>
-          </a:lnRef>
-          <a:fillRef idx="1">
-            <a:schemeClr val="accent1"/>
-          </a:fillRef>
-          <a:effectRef idx="0">
-            <a:schemeClr val="accent1"/>
-          </a:effectRef>
-          <a:fontRef idx="minor">
-            <a:schemeClr val="lt1"/>
-          </a:fontRef>
-        </p:style>
-        <p:txBody>
-          <a:bodyPr rtlCol="0" anchor="ctr"/>
-          <a:lstStyle/>
-          <a:p>
-            <a:pPr algn="just">
-              <a:lnSpc>
-                <a:spcPct val="150000"/>
-              </a:lnSpc>
-            </a:pPr>
-            <a:r>
-              <a:rPr lang="zh-CN" altLang="en-US" dirty="0" smtClean="0">
-                <a:solidFill>
-                  <a:schemeClr val="tx1"/>
-                </a:solidFill>
-                <a:latin typeface="Arial" panose="020B0604020202020204" pitchFamily="34" charset="0"/>
-                <a:cs typeface="Arial" panose="020B0604020202020204" pitchFamily="34" charset="0"/>
-              </a:rPr>
-              <a:t>①</a:t>
-            </a:r>
-            <a:r>
-              <a:rPr lang="en-US" altLang="zh-CN" dirty="0">
-                <a:solidFill>
-                  <a:schemeClr val="tx1"/>
-                </a:solidFill>
-                <a:latin typeface="Arial" panose="020B0604020202020204" pitchFamily="34" charset="0"/>
-                <a:cs typeface="Arial" panose="020B0604020202020204" pitchFamily="34" charset="0"/>
-              </a:rPr>
-              <a:t> As initial conditions, </a:t>
-            </a:r>
-            <a:r>
-              <a:rPr lang="en-US" altLang="zh-CN" dirty="0" smtClean="0">
-                <a:solidFill>
-                  <a:schemeClr val="tx1"/>
-                </a:solidFill>
-                <a:latin typeface="Arial" panose="020B0604020202020204" pitchFamily="34" charset="0"/>
-                <a:cs typeface="Arial" panose="020B0604020202020204" pitchFamily="34" charset="0"/>
-              </a:rPr>
-              <a:t>layer is selected to find key nodes and parameters are</a:t>
-            </a:r>
-          </a:p>
-          <a:p>
-            <a:pPr algn="just">
-              <a:lnSpc>
-                <a:spcPct val="150000"/>
-              </a:lnSpc>
-            </a:pPr>
-            <a:r>
-              <a:rPr lang="en-US" altLang="zh-CN" dirty="0">
-                <a:solidFill>
-                  <a:schemeClr val="tx1"/>
-                </a:solidFill>
-                <a:latin typeface="Arial" panose="020B0604020202020204" pitchFamily="34" charset="0"/>
-                <a:cs typeface="Arial" panose="020B0604020202020204" pitchFamily="34" charset="0"/>
-              </a:rPr>
-              <a:t> </a:t>
-            </a:r>
-            <a:r>
-              <a:rPr lang="en-US" altLang="zh-CN" dirty="0" smtClean="0">
-                <a:solidFill>
-                  <a:schemeClr val="tx1"/>
-                </a:solidFill>
-                <a:latin typeface="Arial" panose="020B0604020202020204" pitchFamily="34" charset="0"/>
-                <a:cs typeface="Arial" panose="020B0604020202020204" pitchFamily="34" charset="0"/>
-              </a:rPr>
-              <a:t>   also selected that simulation result is opposite state with layer. </a:t>
-            </a:r>
-          </a:p>
-          <a:p>
-            <a:pPr algn="just">
-              <a:lnSpc>
-                <a:spcPct val="150000"/>
-              </a:lnSpc>
-            </a:pPr>
-            <a:r>
-              <a:rPr lang="zh-CN" altLang="zh-CN" dirty="0" smtClean="0">
-                <a:solidFill>
-                  <a:schemeClr val="tx1"/>
-                </a:solidFill>
-                <a:latin typeface="Arial" panose="020B0604020202020204" pitchFamily="34" charset="0"/>
-                <a:cs typeface="Arial" panose="020B0604020202020204" pitchFamily="34" charset="0"/>
-              </a:rPr>
-              <a:t>②</a:t>
-            </a:r>
-            <a:r>
-              <a:rPr lang="en-US" altLang="zh-CN" dirty="0" smtClean="0">
-                <a:solidFill>
-                  <a:schemeClr val="tx1"/>
-                </a:solidFill>
-                <a:latin typeface="Arial" panose="020B0604020202020204" pitchFamily="34" charset="0"/>
-                <a:cs typeface="Arial" panose="020B0604020202020204" pitchFamily="34" charset="0"/>
-              </a:rPr>
-              <a:t> The </a:t>
-            </a:r>
-            <a:r>
-              <a:rPr lang="en-US" altLang="zh-CN" dirty="0">
-                <a:solidFill>
-                  <a:schemeClr val="tx1"/>
-                </a:solidFill>
-                <a:latin typeface="Arial" panose="020B0604020202020204" pitchFamily="34" charset="0"/>
-                <a:cs typeface="Arial" panose="020B0604020202020204" pitchFamily="34" charset="0"/>
-              </a:rPr>
-              <a:t>centralities of all nodes are calculated and ranked as orders.</a:t>
-            </a:r>
-            <a:r>
-              <a:rPr lang="en-US" altLang="zh-CN" dirty="0" smtClean="0">
-                <a:solidFill>
-                  <a:schemeClr val="tx1"/>
-                </a:solidFill>
-                <a:latin typeface="Arial" panose="020B0604020202020204" pitchFamily="34" charset="0"/>
-                <a:cs typeface="Arial" panose="020B0604020202020204" pitchFamily="34" charset="0"/>
-              </a:rPr>
-              <a:t> </a:t>
-            </a:r>
-          </a:p>
-          <a:p>
-            <a:pPr algn="just">
-              <a:lnSpc>
-                <a:spcPct val="150000"/>
-              </a:lnSpc>
-            </a:pPr>
-            <a:r>
-              <a:rPr lang="zh-CN" altLang="en-US" dirty="0" smtClean="0">
-                <a:solidFill>
-                  <a:schemeClr val="tx1"/>
-                </a:solidFill>
-                <a:latin typeface="Arial" panose="020B0604020202020204" pitchFamily="34" charset="0"/>
-                <a:cs typeface="Arial" panose="020B0604020202020204" pitchFamily="34" charset="0"/>
-              </a:rPr>
-              <a:t>③ </a:t>
-            </a:r>
-            <a:r>
-              <a:rPr lang="en-US" altLang="zh-CN" dirty="0" smtClean="0">
-                <a:solidFill>
-                  <a:schemeClr val="tx1"/>
-                </a:solidFill>
-                <a:latin typeface="Arial" panose="020B0604020202020204" pitchFamily="34" charset="0"/>
-                <a:cs typeface="Arial" panose="020B0604020202020204" pitchFamily="34" charset="0"/>
-              </a:rPr>
-              <a:t>The ratio of unchanged nodes are increased according to ranked order </a:t>
-            </a:r>
-          </a:p>
-          <a:p>
-            <a:pPr algn="just">
-              <a:lnSpc>
-                <a:spcPct val="150000"/>
-              </a:lnSpc>
-            </a:pPr>
-            <a:r>
-              <a:rPr lang="en-US" altLang="zh-CN" dirty="0">
-                <a:solidFill>
-                  <a:schemeClr val="tx1"/>
-                </a:solidFill>
-                <a:latin typeface="Arial" panose="020B0604020202020204" pitchFamily="34" charset="0"/>
-                <a:cs typeface="Arial" panose="020B0604020202020204" pitchFamily="34" charset="0"/>
-              </a:rPr>
-              <a:t> </a:t>
-            </a:r>
-            <a:r>
-              <a:rPr lang="en-US" altLang="zh-CN" dirty="0" smtClean="0">
-                <a:solidFill>
-                  <a:schemeClr val="tx1"/>
-                </a:solidFill>
-                <a:latin typeface="Arial" panose="020B0604020202020204" pitchFamily="34" charset="0"/>
-                <a:cs typeface="Arial" panose="020B0604020202020204" pitchFamily="34" charset="0"/>
-              </a:rPr>
-              <a:t>    until the average state of network have different states. </a:t>
-            </a:r>
-          </a:p>
-        </p:txBody>
-      </p:sp>
-    </p:spTree>
-    <p:extLst>
-      <p:ext uri="{BB962C8B-B14F-4D97-AF65-F5344CB8AC3E}">
-        <p14:creationId xmlns:p14="http://schemas.microsoft.com/office/powerpoint/2010/main" val="423589315"/>
-      </p:ext>
-    </p:extLst>
-  </p:cSld>
-  <p:clrMapOvr>
-    <a:masterClrMapping/>
-  </p:clrMapOvr>
-  <p:timing>
-    <p:tnLst>
-      <p:par>
-        <p:cTn id="1" dur="indefinite" restart="never" nodeType="tmRoot"/>
-      </p:par>
-    </p:tnLst>
-  </p:timing>
-</p:sld>
-</file>
-
-<file path=ppt/slides/slide4.xml><?xml version="1.0" encoding="utf-8"?>
-<p:sld xmlns:a="http://schemas.openxmlformats.org/drawingml/2006/main" xmlns:r="http://schemas.openxmlformats.org/officeDocument/2006/relationships" xmlns:p="http://schemas.openxmlformats.org/presentationml/2006/main">
-  <p:cSld>
-    <p:spTree>
-      <p:nvGrpSpPr>
-        <p:cNvPr id="1" name=""/>
-        <p:cNvGrpSpPr/>
-        <p:nvPr/>
-      </p:nvGrpSpPr>
-      <p:grpSpPr>
-        <a:xfrm>
-          <a:off x="0" y="0"/>
-          <a:ext cx="0" cy="0"/>
-          <a:chOff x="0" y="0"/>
-          <a:chExt cx="0" cy="0"/>
-        </a:xfrm>
-      </p:grpSpPr>
-      <p:sp>
-        <p:nvSpPr>
-          <p:cNvPr id="10" name="제목 2"/>
-          <p:cNvSpPr>
-            <a:spLocks noGrp="1"/>
-          </p:cNvSpPr>
-          <p:nvPr>
-            <p:ph type="title"/>
-          </p:nvPr>
-        </p:nvSpPr>
-        <p:spPr>
-          <a:xfrm>
-            <a:off x="116114" y="879934"/>
-            <a:ext cx="8372163" cy="574183"/>
-          </a:xfrm>
-        </p:spPr>
-        <p:txBody>
-          <a:bodyPr>
-            <a:normAutofit/>
-          </a:bodyPr>
-          <a:lstStyle/>
-          <a:p>
-            <a:pPr lvl="0"/>
-            <a:r>
-              <a:rPr lang="en-US" altLang="zh-CN" sz="2400" dirty="0" smtClean="0"/>
-              <a:t>Total simulation result of updating rules with AS</a:t>
-            </a:r>
-            <a:endParaRPr lang="zh-CN" altLang="en-US" sz="2800" dirty="0"/>
-          </a:p>
-        </p:txBody>
-      </p:sp>
-      <p:pic>
-        <p:nvPicPr>
-          <p:cNvPr id="7" name="그림 6"/>
-          <p:cNvPicPr>
-            <a:picLocks noChangeAspect="1"/>
-          </p:cNvPicPr>
-          <p:nvPr/>
-        </p:nvPicPr>
-        <p:blipFill rotWithShape="1">
-          <a:blip r:embed="rId3">
-            <a:extLst>
-              <a:ext uri="{28A0092B-C50C-407E-A947-70E740481C1C}">
-                <a14:useLocalDpi xmlns:a14="http://schemas.microsoft.com/office/drawing/2010/main" val="0"/>
-              </a:ext>
-            </a:extLst>
-          </a:blip>
-          <a:srcRect l="7084" t="10845" r="9063" b="4963"/>
-          <a:stretch/>
-        </p:blipFill>
-        <p:spPr>
-          <a:xfrm>
-            <a:off x="116114" y="1615439"/>
-            <a:ext cx="8730706" cy="4967285"/>
-          </a:xfrm>
-          <a:prstGeom prst="rect">
-            <a:avLst/>
-          </a:prstGeom>
-        </p:spPr>
-      </p:pic>
-    </p:spTree>
-    <p:extLst>
-      <p:ext uri="{BB962C8B-B14F-4D97-AF65-F5344CB8AC3E}">
-        <p14:creationId xmlns:p14="http://schemas.microsoft.com/office/powerpoint/2010/main" val="3235263306"/>
-      </p:ext>
-    </p:extLst>
-  </p:cSld>
-  <p:clrMapOvr>
-    <a:masterClrMapping/>
-  </p:clrMapOvr>
-</p:sld>
-</file>
-
-<file path=ppt/slides/slide5.xml><?xml version="1.0" encoding="utf-8"?>
-<p:sld xmlns:a="http://schemas.openxmlformats.org/drawingml/2006/main" xmlns:r="http://schemas.openxmlformats.org/officeDocument/2006/relationships" xmlns:p="http://schemas.openxmlformats.org/presentationml/2006/main">
-  <p:cSld>
-    <p:spTree>
-      <p:nvGrpSpPr>
-        <p:cNvPr id="1" name=""/>
-        <p:cNvGrpSpPr/>
-        <p:nvPr/>
-      </p:nvGrpSpPr>
-      <p:grpSpPr>
-        <a:xfrm>
-          <a:off x="0" y="0"/>
-          <a:ext cx="0" cy="0"/>
-          <a:chOff x="0" y="0"/>
-          <a:chExt cx="0" cy="0"/>
-        </a:xfrm>
-      </p:grpSpPr>
-      <p:sp>
-        <p:nvSpPr>
-          <p:cNvPr id="3" name="제목 2"/>
-          <p:cNvSpPr>
-            <a:spLocks noGrp="1"/>
-          </p:cNvSpPr>
-          <p:nvPr>
-            <p:ph type="title"/>
-          </p:nvPr>
-        </p:nvSpPr>
-        <p:spPr>
-          <a:xfrm>
-            <a:off x="49524" y="923477"/>
-            <a:ext cx="8372163" cy="574183"/>
-          </a:xfrm>
-        </p:spPr>
-        <p:txBody>
-          <a:bodyPr>
-            <a:normAutofit/>
-          </a:bodyPr>
-          <a:lstStyle/>
-          <a:p>
-            <a:pPr lvl="0"/>
-            <a:r>
-              <a:rPr lang="en-US" altLang="zh-CN" sz="2400" dirty="0" smtClean="0"/>
-              <a:t>Analyzing updating rules</a:t>
-            </a:r>
-            <a:endParaRPr lang="zh-CN" altLang="en-US" sz="2800" dirty="0"/>
-          </a:p>
-        </p:txBody>
-      </p:sp>
-      <p:sp>
-        <p:nvSpPr>
-          <p:cNvPr id="9" name="직사각형 8"/>
-          <p:cNvSpPr/>
-          <p:nvPr/>
-        </p:nvSpPr>
-        <p:spPr>
-          <a:xfrm>
-            <a:off x="-3567" y="1631203"/>
-            <a:ext cx="10265167" cy="4970591"/>
-          </a:xfrm>
-          <a:prstGeom prst="rect">
-            <a:avLst/>
-          </a:prstGeom>
-        </p:spPr>
-        <p:txBody>
-          <a:bodyPr wrap="square">
-            <a:spAutoFit/>
-          </a:bodyPr>
-          <a:lstStyle/>
-          <a:p>
-            <a:pPr marL="228600" lvl="0" indent="-228600">
-              <a:spcBef>
-                <a:spcPts val="600"/>
-              </a:spcBef>
-              <a:buClr>
-                <a:srgbClr val="004098"/>
-              </a:buClr>
-              <a:buSzPct val="100000"/>
-              <a:buFont typeface="Calibri" panose="020F0502020204030204" pitchFamily="34" charset="0"/>
-              <a:buChar char="▪"/>
-            </a:pPr>
-            <a:r>
-              <a:rPr lang="en-US" altLang="zh-CN" b="1" dirty="0" smtClean="0">
-                <a:solidFill>
-                  <a:srgbClr val="000000"/>
-                </a:solidFill>
-                <a:latin typeface="Arial" panose="020B0604020202020204" pitchFamily="34" charset="0"/>
-                <a:cs typeface="Arial" panose="020B0604020202020204" pitchFamily="34" charset="0"/>
-              </a:rPr>
-              <a:t>Orders between layers</a:t>
-            </a:r>
-          </a:p>
-          <a:p>
-            <a:pPr lvl="0">
-              <a:spcBef>
-                <a:spcPts val="600"/>
-              </a:spcBef>
-              <a:buClr>
-                <a:srgbClr val="004098"/>
-              </a:buClr>
-              <a:buSzPct val="100000"/>
-            </a:pPr>
-            <a:r>
-              <a:rPr lang="en-US" altLang="zh-CN" b="1" dirty="0">
-                <a:solidFill>
-                  <a:srgbClr val="000000"/>
-                </a:solidFill>
-                <a:latin typeface="Arial" panose="020B0604020202020204" pitchFamily="34" charset="0"/>
-                <a:cs typeface="Arial" panose="020B0604020202020204" pitchFamily="34" charset="0"/>
-              </a:rPr>
-              <a:t> </a:t>
-            </a:r>
-            <a:r>
-              <a:rPr lang="en-US" altLang="zh-CN" b="1" dirty="0" smtClean="0">
-                <a:solidFill>
-                  <a:srgbClr val="000000"/>
-                </a:solidFill>
-                <a:latin typeface="Arial" panose="020B0604020202020204" pitchFamily="34" charset="0"/>
-                <a:cs typeface="Arial" panose="020B0604020202020204" pitchFamily="34" charset="0"/>
-              </a:rPr>
-              <a:t>   </a:t>
-            </a:r>
-            <a:r>
-              <a:rPr lang="en-US" altLang="zh-CN" dirty="0" smtClean="0">
-                <a:solidFill>
-                  <a:srgbClr val="000000"/>
-                </a:solidFill>
-                <a:latin typeface="Arial" panose="020B0604020202020204" pitchFamily="34" charset="0"/>
-                <a:cs typeface="Arial" panose="020B0604020202020204" pitchFamily="34" charset="0"/>
-              </a:rPr>
-              <a:t>- There is no difference between orders of layers, though there exists tiny </a:t>
-            </a:r>
-          </a:p>
-          <a:p>
-            <a:pPr lvl="0">
-              <a:spcBef>
-                <a:spcPts val="600"/>
-              </a:spcBef>
-              <a:buClr>
-                <a:srgbClr val="004098"/>
-              </a:buClr>
-              <a:buSzPct val="100000"/>
-            </a:pPr>
-            <a:r>
-              <a:rPr lang="en-US" altLang="zh-CN" dirty="0">
-                <a:solidFill>
-                  <a:srgbClr val="000000"/>
-                </a:solidFill>
-                <a:latin typeface="Arial" panose="020B0604020202020204" pitchFamily="34" charset="0"/>
-                <a:cs typeface="Arial" panose="020B0604020202020204" pitchFamily="34" charset="0"/>
-              </a:rPr>
-              <a:t> </a:t>
-            </a:r>
-            <a:r>
-              <a:rPr lang="en-US" altLang="zh-CN" dirty="0" smtClean="0">
-                <a:solidFill>
-                  <a:srgbClr val="000000"/>
-                </a:solidFill>
-                <a:latin typeface="Arial" panose="020B0604020202020204" pitchFamily="34" charset="0"/>
-                <a:cs typeface="Arial" panose="020B0604020202020204" pitchFamily="34" charset="0"/>
-              </a:rPr>
-              <a:t>     consensus time gap. Regardless of  which layer works previously, </a:t>
-            </a:r>
-          </a:p>
-          <a:p>
-            <a:pPr lvl="0">
-              <a:spcBef>
-                <a:spcPts val="600"/>
-              </a:spcBef>
-              <a:buClr>
-                <a:srgbClr val="004098"/>
-              </a:buClr>
-              <a:buSzPct val="100000"/>
-            </a:pPr>
-            <a:r>
-              <a:rPr lang="en-US" altLang="zh-CN" dirty="0">
-                <a:solidFill>
-                  <a:srgbClr val="000000"/>
-                </a:solidFill>
-                <a:latin typeface="Arial" panose="020B0604020202020204" pitchFamily="34" charset="0"/>
-                <a:cs typeface="Arial" panose="020B0604020202020204" pitchFamily="34" charset="0"/>
-              </a:rPr>
-              <a:t> </a:t>
-            </a:r>
-            <a:r>
-              <a:rPr lang="en-US" altLang="zh-CN" dirty="0" smtClean="0">
-                <a:solidFill>
-                  <a:srgbClr val="000000"/>
-                </a:solidFill>
-                <a:latin typeface="Arial" panose="020B0604020202020204" pitchFamily="34" charset="0"/>
-                <a:cs typeface="Arial" panose="020B0604020202020204" pitchFamily="34" charset="0"/>
-              </a:rPr>
-              <a:t>     simulation results are almost same.</a:t>
-            </a:r>
-          </a:p>
-          <a:p>
-            <a:pPr marL="228600" lvl="0" indent="-228600">
-              <a:spcBef>
-                <a:spcPts val="600"/>
-              </a:spcBef>
-              <a:buClr>
-                <a:srgbClr val="004098"/>
-              </a:buClr>
-              <a:buSzPct val="100000"/>
-              <a:buFont typeface="Calibri" panose="020F0502020204030204" pitchFamily="34" charset="0"/>
-              <a:buChar char="▪"/>
-            </a:pPr>
-            <a:r>
-              <a:rPr lang="en-US" altLang="zh-CN" b="1" dirty="0" smtClean="0">
-                <a:solidFill>
-                  <a:srgbClr val="000000"/>
-                </a:solidFill>
-                <a:latin typeface="Arial" panose="020B0604020202020204" pitchFamily="34" charset="0"/>
-                <a:cs typeface="Arial" panose="020B0604020202020204" pitchFamily="34" charset="0"/>
-              </a:rPr>
-              <a:t>Orders between nodes</a:t>
-            </a:r>
-            <a:endParaRPr lang="en-US" altLang="zh-CN" b="1" dirty="0">
-              <a:solidFill>
-                <a:srgbClr val="000000"/>
-              </a:solidFill>
-              <a:latin typeface="Arial" panose="020B0604020202020204" pitchFamily="34" charset="0"/>
-              <a:cs typeface="Arial" panose="020B0604020202020204" pitchFamily="34" charset="0"/>
-            </a:endParaRPr>
-          </a:p>
-          <a:p>
-            <a:pPr lvl="0">
-              <a:spcBef>
-                <a:spcPts val="600"/>
-              </a:spcBef>
-              <a:buClr>
-                <a:srgbClr val="004098"/>
-              </a:buClr>
-              <a:buSzPct val="100000"/>
-            </a:pPr>
-            <a:r>
-              <a:rPr lang="en-US" altLang="zh-CN" b="1" dirty="0">
-                <a:solidFill>
-                  <a:srgbClr val="000000"/>
-                </a:solidFill>
-                <a:latin typeface="Arial" panose="020B0604020202020204" pitchFamily="34" charset="0"/>
-                <a:cs typeface="Arial" panose="020B0604020202020204" pitchFamily="34" charset="0"/>
-              </a:rPr>
-              <a:t>    </a:t>
-            </a:r>
-            <a:r>
-              <a:rPr lang="en-US" altLang="zh-CN" dirty="0">
-                <a:solidFill>
-                  <a:srgbClr val="000000"/>
-                </a:solidFill>
-                <a:latin typeface="Arial" panose="020B0604020202020204" pitchFamily="34" charset="0"/>
-                <a:cs typeface="Arial" panose="020B0604020202020204" pitchFamily="34" charset="0"/>
-              </a:rPr>
-              <a:t>- In layer A dynamics, when two nodes are connected, probability p and q are applied. </a:t>
-            </a:r>
-          </a:p>
-          <a:p>
-            <a:pPr lvl="0">
-              <a:spcBef>
-                <a:spcPts val="600"/>
-              </a:spcBef>
-              <a:buClr>
-                <a:srgbClr val="004098"/>
-              </a:buClr>
-              <a:buSzPct val="100000"/>
-            </a:pPr>
-            <a:r>
-              <a:rPr lang="en-US" altLang="zh-CN" dirty="0">
-                <a:solidFill>
-                  <a:srgbClr val="000000"/>
-                </a:solidFill>
-                <a:latin typeface="Arial" panose="020B0604020202020204" pitchFamily="34" charset="0"/>
-                <a:cs typeface="Arial" panose="020B0604020202020204" pitchFamily="34" charset="0"/>
-              </a:rPr>
-              <a:t>    </a:t>
-            </a:r>
-            <a:r>
-              <a:rPr lang="en-US" altLang="zh-CN" dirty="0" smtClean="0">
-                <a:solidFill>
-                  <a:srgbClr val="000000"/>
-                </a:solidFill>
-                <a:latin typeface="Arial" panose="020B0604020202020204" pitchFamily="34" charset="0"/>
-                <a:cs typeface="Arial" panose="020B0604020202020204" pitchFamily="34" charset="0"/>
-              </a:rPr>
-              <a:t>- Orders of nodes can be analyzed as </a:t>
-            </a:r>
-            <a:r>
-              <a:rPr lang="en-US" altLang="zh-CN" dirty="0" smtClean="0">
-                <a:solidFill>
-                  <a:schemeClr val="accent1"/>
-                </a:solidFill>
-                <a:latin typeface="Arial" panose="020B0604020202020204" pitchFamily="34" charset="0"/>
-                <a:cs typeface="Arial" panose="020B0604020202020204" pitchFamily="34" charset="0"/>
-              </a:rPr>
-              <a:t>communication or decision-making methods.</a:t>
-            </a:r>
-          </a:p>
-          <a:p>
-            <a:pPr lvl="0">
-              <a:spcBef>
-                <a:spcPts val="600"/>
-              </a:spcBef>
-              <a:buClr>
-                <a:srgbClr val="004098"/>
-              </a:buClr>
-              <a:buSzPct val="100000"/>
-            </a:pPr>
-            <a:r>
-              <a:rPr lang="en-US" altLang="zh-CN" dirty="0">
-                <a:solidFill>
-                  <a:schemeClr val="accent1"/>
-                </a:solidFill>
-                <a:latin typeface="Arial" panose="020B0604020202020204" pitchFamily="34" charset="0"/>
-                <a:cs typeface="Arial" panose="020B0604020202020204" pitchFamily="34" charset="0"/>
-              </a:rPr>
-              <a:t> </a:t>
-            </a:r>
-            <a:r>
-              <a:rPr lang="en-US" altLang="zh-CN" dirty="0" smtClean="0">
-                <a:solidFill>
-                  <a:schemeClr val="accent1"/>
-                </a:solidFill>
-                <a:latin typeface="Arial" panose="020B0604020202020204" pitchFamily="34" charset="0"/>
-                <a:cs typeface="Arial" panose="020B0604020202020204" pitchFamily="34" charset="0"/>
-              </a:rPr>
-              <a:t>      Sequential : discussion, conversation</a:t>
-            </a:r>
-          </a:p>
-          <a:p>
-            <a:pPr lvl="0">
-              <a:spcBef>
-                <a:spcPts val="600"/>
-              </a:spcBef>
-              <a:buClr>
-                <a:srgbClr val="004098"/>
-              </a:buClr>
-              <a:buSzPct val="100000"/>
-            </a:pPr>
-            <a:r>
-              <a:rPr lang="en-US" altLang="zh-CN" dirty="0">
-                <a:solidFill>
-                  <a:schemeClr val="accent1"/>
-                </a:solidFill>
-                <a:latin typeface="Arial" panose="020B0604020202020204" pitchFamily="34" charset="0"/>
-                <a:cs typeface="Arial" panose="020B0604020202020204" pitchFamily="34" charset="0"/>
-              </a:rPr>
-              <a:t> </a:t>
-            </a:r>
-            <a:r>
-              <a:rPr lang="en-US" altLang="zh-CN" dirty="0" smtClean="0">
-                <a:solidFill>
-                  <a:schemeClr val="accent1"/>
-                </a:solidFill>
-                <a:latin typeface="Arial" panose="020B0604020202020204" pitchFamily="34" charset="0"/>
-                <a:cs typeface="Arial" panose="020B0604020202020204" pitchFamily="34" charset="0"/>
-              </a:rPr>
-              <a:t>      Simultaneous : vote, election</a:t>
-            </a:r>
-          </a:p>
-          <a:p>
-            <a:pPr marL="228600" lvl="0" indent="-228600">
-              <a:spcBef>
-                <a:spcPts val="600"/>
-              </a:spcBef>
-              <a:buClr>
-                <a:srgbClr val="004098"/>
-              </a:buClr>
-              <a:buSzPct val="100000"/>
-              <a:buFont typeface="Calibri" panose="020F0502020204030204" pitchFamily="34" charset="0"/>
-              <a:buChar char="▪"/>
-            </a:pPr>
-            <a:r>
-              <a:rPr lang="en-US" altLang="zh-CN" b="1" dirty="0" smtClean="0">
-                <a:solidFill>
-                  <a:srgbClr val="000000"/>
-                </a:solidFill>
-                <a:latin typeface="Arial" panose="020B0604020202020204" pitchFamily="34" charset="0"/>
-                <a:cs typeface="Arial" panose="020B0604020202020204" pitchFamily="34" charset="0"/>
-              </a:rPr>
-              <a:t>Orders between edges of each node in layer A</a:t>
-            </a:r>
-          </a:p>
-          <a:p>
-            <a:pPr lvl="0">
-              <a:spcBef>
-                <a:spcPts val="600"/>
-              </a:spcBef>
-              <a:buClr>
-                <a:srgbClr val="004098"/>
-              </a:buClr>
-              <a:buSzPct val="100000"/>
-            </a:pPr>
-            <a:r>
-              <a:rPr lang="en-US" altLang="zh-CN" dirty="0" smtClean="0">
-                <a:solidFill>
-                  <a:srgbClr val="000000"/>
-                </a:solidFill>
-                <a:latin typeface="Arial" panose="020B0604020202020204" pitchFamily="34" charset="0"/>
-                <a:cs typeface="Arial" panose="020B0604020202020204" pitchFamily="34" charset="0"/>
-              </a:rPr>
-              <a:t>    </a:t>
-            </a:r>
-            <a:r>
-              <a:rPr lang="en-US" altLang="zh-CN" dirty="0">
-                <a:solidFill>
-                  <a:srgbClr val="000000"/>
-                </a:solidFill>
-                <a:latin typeface="Arial" panose="020B0604020202020204" pitchFamily="34" charset="0"/>
-                <a:cs typeface="Arial" panose="020B0604020202020204" pitchFamily="34" charset="0"/>
-              </a:rPr>
-              <a:t>- As future work, the key nodes and edges are investigated</a:t>
-            </a:r>
-          </a:p>
-          <a:p>
-            <a:pPr lvl="0">
-              <a:spcBef>
-                <a:spcPts val="600"/>
-              </a:spcBef>
-              <a:buClr>
-                <a:srgbClr val="004098"/>
-              </a:buClr>
-              <a:buSzPct val="100000"/>
-            </a:pPr>
-            <a:r>
-              <a:rPr lang="en-US" altLang="zh-CN" dirty="0">
-                <a:solidFill>
-                  <a:srgbClr val="000000"/>
-                </a:solidFill>
-                <a:latin typeface="Arial" panose="020B0604020202020204" pitchFamily="34" charset="0"/>
-                <a:cs typeface="Arial" panose="020B0604020202020204" pitchFamily="34" charset="0"/>
-              </a:rPr>
-              <a:t>    - </a:t>
-            </a:r>
-            <a:r>
-              <a:rPr lang="en-US" altLang="zh-CN" dirty="0" smtClean="0">
-                <a:solidFill>
-                  <a:srgbClr val="000000"/>
-                </a:solidFill>
-                <a:latin typeface="Arial" panose="020B0604020202020204" pitchFamily="34" charset="0"/>
-                <a:cs typeface="Arial" panose="020B0604020202020204" pitchFamily="34" charset="0"/>
-              </a:rPr>
-              <a:t>Orders of edges can be analyzed as </a:t>
-            </a:r>
-            <a:r>
-              <a:rPr lang="en-US" altLang="zh-CN" dirty="0" smtClean="0">
-                <a:solidFill>
-                  <a:schemeClr val="accent1"/>
-                </a:solidFill>
-                <a:latin typeface="Arial" panose="020B0604020202020204" pitchFamily="34" charset="0"/>
-                <a:cs typeface="Arial" panose="020B0604020202020204" pitchFamily="34" charset="0"/>
-              </a:rPr>
-              <a:t>characteristics of nodes. </a:t>
-            </a:r>
-          </a:p>
-          <a:p>
-            <a:pPr lvl="0">
-              <a:spcBef>
-                <a:spcPts val="600"/>
-              </a:spcBef>
-              <a:buClr>
-                <a:srgbClr val="004098"/>
-              </a:buClr>
-              <a:buSzPct val="100000"/>
-            </a:pPr>
-            <a:r>
-              <a:rPr lang="en-US" altLang="zh-CN" dirty="0">
-                <a:solidFill>
-                  <a:schemeClr val="accent1"/>
-                </a:solidFill>
-                <a:latin typeface="Arial" panose="020B0604020202020204" pitchFamily="34" charset="0"/>
-                <a:cs typeface="Arial" panose="020B0604020202020204" pitchFamily="34" charset="0"/>
-              </a:rPr>
-              <a:t> </a:t>
-            </a:r>
-            <a:r>
-              <a:rPr lang="en-US" altLang="zh-CN" dirty="0" smtClean="0">
-                <a:solidFill>
-                  <a:schemeClr val="accent1"/>
-                </a:solidFill>
-                <a:latin typeface="Arial" panose="020B0604020202020204" pitchFamily="34" charset="0"/>
-                <a:cs typeface="Arial" panose="020B0604020202020204" pitchFamily="34" charset="0"/>
-              </a:rPr>
-              <a:t>     Sequential :  rash nodes(changing states whenever edges are activated)</a:t>
-            </a:r>
-          </a:p>
-          <a:p>
-            <a:pPr lvl="0">
-              <a:spcBef>
-                <a:spcPts val="600"/>
-              </a:spcBef>
-              <a:buClr>
-                <a:srgbClr val="004098"/>
-              </a:buClr>
-              <a:buSzPct val="100000"/>
-            </a:pPr>
-            <a:r>
-              <a:rPr lang="en-US" altLang="zh-CN" dirty="0">
-                <a:solidFill>
-                  <a:schemeClr val="accent1"/>
-                </a:solidFill>
-                <a:latin typeface="Arial" panose="020B0604020202020204" pitchFamily="34" charset="0"/>
-                <a:cs typeface="Arial" panose="020B0604020202020204" pitchFamily="34" charset="0"/>
-              </a:rPr>
-              <a:t> </a:t>
-            </a:r>
-            <a:r>
-              <a:rPr lang="en-US" altLang="zh-CN" dirty="0" smtClean="0">
-                <a:solidFill>
-                  <a:schemeClr val="accent1"/>
-                </a:solidFill>
-                <a:latin typeface="Arial" panose="020B0604020202020204" pitchFamily="34" charset="0"/>
-                <a:cs typeface="Arial" panose="020B0604020202020204" pitchFamily="34" charset="0"/>
-              </a:rPr>
-              <a:t>     Simultaneous : considerate nodes(changing states after considering all cases)</a:t>
-            </a:r>
-          </a:p>
-        </p:txBody>
-      </p:sp>
-    </p:spTree>
-    <p:extLst>
-      <p:ext uri="{BB962C8B-B14F-4D97-AF65-F5344CB8AC3E}">
-        <p14:creationId xmlns:p14="http://schemas.microsoft.com/office/powerpoint/2010/main" val="638437810"/>
-      </p:ext>
-    </p:extLst>
-  </p:cSld>
-  <p:clrMapOvr>
-    <a:masterClrMapping/>
-  </p:clrMapOvr>
-  <p:timing>
-    <p:tnLst>
-      <p:par>
-        <p:cTn id="1" dur="indefinite" restart="never" nodeType="tmRoot"/>
-      </p:par>
-    </p:tnLst>
-  </p:timing>
-</p:sld>
-</file>
-
-<file path=ppt/slides/slide6.xml><?xml version="1.0" encoding="utf-8"?>
 <p:sld xmlns:a="http://schemas.openxmlformats.org/drawingml/2006/main" xmlns:r="http://schemas.openxmlformats.org/officeDocument/2006/relationships" xmlns:p="http://schemas.openxmlformats.org/presentationml/2006/main">
   <p:cSld>
     <p:spTree>
@@ -12579,568 +9607,7 @@
 </p:sld>
 </file>
 
-<file path=ppt/slides/slide7.xml><?xml version="1.0" encoding="utf-8"?>
-<p:sld xmlns:a="http://schemas.openxmlformats.org/drawingml/2006/main" xmlns:r="http://schemas.openxmlformats.org/officeDocument/2006/relationships" xmlns:p="http://schemas.openxmlformats.org/presentationml/2006/main">
-  <p:cSld>
-    <p:spTree>
-      <p:nvGrpSpPr>
-        <p:cNvPr id="1" name=""/>
-        <p:cNvGrpSpPr/>
-        <p:nvPr/>
-      </p:nvGrpSpPr>
-      <p:grpSpPr>
-        <a:xfrm>
-          <a:off x="0" y="0"/>
-          <a:ext cx="0" cy="0"/>
-          <a:chOff x="0" y="0"/>
-          <a:chExt cx="0" cy="0"/>
-        </a:xfrm>
-      </p:grpSpPr>
-      <p:sp>
-        <p:nvSpPr>
-          <p:cNvPr id="10" name="제목 2"/>
-          <p:cNvSpPr>
-            <a:spLocks noGrp="1"/>
-          </p:cNvSpPr>
-          <p:nvPr>
-            <p:ph type="title"/>
-          </p:nvPr>
-        </p:nvSpPr>
-        <p:spPr>
-          <a:xfrm>
-            <a:off x="116114" y="879934"/>
-            <a:ext cx="8372163" cy="574183"/>
-          </a:xfrm>
-        </p:spPr>
-        <p:txBody>
-          <a:bodyPr>
-            <a:normAutofit/>
-          </a:bodyPr>
-          <a:lstStyle/>
-          <a:p>
-            <a:pPr lvl="0"/>
-            <a:r>
-              <a:rPr lang="en-US" altLang="zh-CN" sz="2400" dirty="0" smtClean="0"/>
-              <a:t>Consensus Index</a:t>
-            </a:r>
-            <a:endParaRPr lang="zh-CN" altLang="en-US" sz="2800" dirty="0"/>
-          </a:p>
-        </p:txBody>
-      </p:sp>
-      <p:pic>
-        <p:nvPicPr>
-          <p:cNvPr id="2" name="그림 1"/>
-          <p:cNvPicPr>
-            <a:picLocks noChangeAspect="1"/>
-          </p:cNvPicPr>
-          <p:nvPr/>
-        </p:nvPicPr>
-        <p:blipFill rotWithShape="1">
-          <a:blip r:embed="rId3"/>
-          <a:srcRect l="16258" t="16050" r="14989" b="17855"/>
-          <a:stretch/>
-        </p:blipFill>
-        <p:spPr>
-          <a:xfrm>
-            <a:off x="1307535" y="1634489"/>
-            <a:ext cx="6537960" cy="4037393"/>
-          </a:xfrm>
-          <a:prstGeom prst="rect">
-            <a:avLst/>
-          </a:prstGeom>
-        </p:spPr>
-      </p:pic>
-      <mc:AlternateContent xmlns:mc="http://schemas.openxmlformats.org/markup-compatibility/2006" xmlns:a14="http://schemas.microsoft.com/office/drawing/2010/main">
-        <mc:Choice Requires="a14">
-          <p:sp>
-            <p:nvSpPr>
-              <p:cNvPr id="7" name="직사각형 6"/>
-              <p:cNvSpPr/>
-              <p:nvPr/>
-            </p:nvSpPr>
-            <p:spPr>
-              <a:xfrm>
-                <a:off x="2039055" y="5852254"/>
-                <a:ext cx="4526280" cy="400110"/>
-              </a:xfrm>
-              <a:prstGeom prst="rect">
-                <a:avLst/>
-              </a:prstGeom>
-            </p:spPr>
-            <p:txBody>
-              <a:bodyPr wrap="square">
-                <a:spAutoFit/>
-              </a:bodyPr>
-              <a:lstStyle/>
-              <a:p>
-                <a:r>
-                  <a:rPr lang="en-US" altLang="zh-CN" sz="2000" dirty="0" smtClean="0">
-                    <a:latin typeface="Arial" panose="020B0604020202020204" pitchFamily="34" charset="0"/>
-                    <a:cs typeface="Arial" panose="020B0604020202020204" pitchFamily="34" charset="0"/>
-                  </a:rPr>
-                  <a:t>CI values according to all </a:t>
-                </a:r>
-                <a14:m>
-                  <m:oMath xmlns:m="http://schemas.openxmlformats.org/officeDocument/2006/math">
-                    <m:sSubSup>
-                      <m:sSubSupPr>
-                        <m:ctrlPr>
-                          <a:rPr lang="zh-CN" altLang="en-US" sz="2000" i="1">
-                            <a:latin typeface="Cambria Math" panose="02040503050406030204" pitchFamily="18" charset="0"/>
-                          </a:rPr>
-                        </m:ctrlPr>
-                      </m:sSubSupPr>
-                      <m:e>
-                        <m:r>
-                          <a:rPr lang="zh-CN" altLang="en-US" sz="2000" i="1">
-                            <a:latin typeface="Cambria Math" panose="02040503050406030204" pitchFamily="18" charset="0"/>
-                          </a:rPr>
-                          <m:t>𝐾</m:t>
-                        </m:r>
-                      </m:e>
-                      <m:sub>
-                        <m:r>
-                          <a:rPr lang="zh-CN" altLang="en-US" sz="2000">
-                            <a:latin typeface="Cambria Math" panose="02040503050406030204" pitchFamily="18" charset="0"/>
-                          </a:rPr>
-                          <m:t>+</m:t>
-                        </m:r>
-                      </m:sub>
-                      <m:sup>
-                        <m:r>
-                          <a:rPr lang="zh-CN" altLang="en-US" sz="2000" i="1">
-                            <a:latin typeface="Cambria Math" panose="02040503050406030204" pitchFamily="18" charset="0"/>
-                          </a:rPr>
-                          <m:t>𝐴</m:t>
-                        </m:r>
-                      </m:sup>
-                    </m:sSubSup>
-                    <m:r>
-                      <a:rPr lang="zh-CN" altLang="en-US" sz="2000" i="1">
-                        <a:latin typeface="Cambria Math" panose="02040503050406030204" pitchFamily="18" charset="0"/>
-                      </a:rPr>
-                      <m:t> </m:t>
-                    </m:r>
-                  </m:oMath>
-                </a14:m>
-                <a:r>
-                  <a:rPr lang="en-US" altLang="zh-CN" sz="2000" dirty="0" smtClean="0">
-                    <a:latin typeface="Arial" panose="020B0604020202020204" pitchFamily="34" charset="0"/>
-                    <a:cs typeface="Arial" panose="020B0604020202020204" pitchFamily="34" charset="0"/>
-                  </a:rPr>
-                  <a:t> and </a:t>
-                </a:r>
-                <a14:m>
-                  <m:oMath xmlns:m="http://schemas.openxmlformats.org/officeDocument/2006/math">
-                    <m:sSubSup>
-                      <m:sSubSupPr>
-                        <m:ctrlPr>
-                          <a:rPr lang="zh-CN" altLang="en-US" sz="2000" i="1">
-                            <a:latin typeface="Cambria Math" panose="02040503050406030204" pitchFamily="18" charset="0"/>
-                          </a:rPr>
-                        </m:ctrlPr>
-                      </m:sSubSupPr>
-                      <m:e>
-                        <m:r>
-                          <a:rPr lang="zh-CN" altLang="en-US" sz="2000" i="1">
-                            <a:latin typeface="Cambria Math" panose="02040503050406030204" pitchFamily="18" charset="0"/>
-                          </a:rPr>
-                          <m:t>𝐾</m:t>
-                        </m:r>
-                      </m:e>
-                      <m:sub>
-                        <m:r>
-                          <a:rPr lang="zh-CN" altLang="en-US" sz="2000">
-                            <a:latin typeface="Cambria Math" panose="02040503050406030204" pitchFamily="18" charset="0"/>
-                          </a:rPr>
-                          <m:t>+</m:t>
-                        </m:r>
-                      </m:sub>
-                      <m:sup>
-                        <m:r>
-                          <a:rPr lang="en-US" altLang="zh-CN" sz="2000" b="0" i="1" smtClean="0">
-                            <a:latin typeface="Cambria Math" panose="02040503050406030204" pitchFamily="18" charset="0"/>
-                          </a:rPr>
-                          <m:t>𝐵</m:t>
-                        </m:r>
-                      </m:sup>
-                    </m:sSubSup>
-                  </m:oMath>
-                </a14:m>
-                <a:r>
-                  <a:rPr lang="en-US" altLang="zh-CN" sz="2000" dirty="0" smtClean="0">
-                    <a:latin typeface="Arial" panose="020B0604020202020204" pitchFamily="34" charset="0"/>
-                    <a:cs typeface="Arial" panose="020B0604020202020204" pitchFamily="34" charset="0"/>
-                  </a:rPr>
-                  <a:t> </a:t>
-                </a:r>
-                <a:endParaRPr lang="en-US" altLang="zh-CN" sz="2000" dirty="0">
-                  <a:latin typeface="Arial" panose="020B0604020202020204" pitchFamily="34" charset="0"/>
-                  <a:cs typeface="Arial" panose="020B0604020202020204" pitchFamily="34" charset="0"/>
-                </a:endParaRPr>
-              </a:p>
-            </p:txBody>
-          </p:sp>
-        </mc:Choice>
-        <mc:Fallback xmlns="">
-          <p:sp>
-            <p:nvSpPr>
-              <p:cNvPr id="7" name="직사각형 6"/>
-              <p:cNvSpPr>
-                <a:spLocks noRot="1" noChangeAspect="1" noMove="1" noResize="1" noEditPoints="1" noAdjustHandles="1" noChangeArrowheads="1" noChangeShapeType="1" noTextEdit="1"/>
-              </p:cNvSpPr>
-              <p:nvPr/>
-            </p:nvSpPr>
-            <p:spPr>
-              <a:xfrm>
-                <a:off x="2039055" y="5852254"/>
-                <a:ext cx="4526280" cy="400110"/>
-              </a:xfrm>
-              <a:prstGeom prst="rect">
-                <a:avLst/>
-              </a:prstGeom>
-              <a:blipFill>
-                <a:blip r:embed="rId4"/>
-                <a:stretch>
-                  <a:fillRect l="-1346" t="-6061" b="-27273"/>
-                </a:stretch>
-              </a:blipFill>
-            </p:spPr>
-            <p:txBody>
-              <a:bodyPr/>
-              <a:lstStyle/>
-              <a:p>
-                <a:r>
-                  <a:rPr lang="zh-CN" altLang="en-US">
-                    <a:noFill/>
-                  </a:rPr>
-                  <a:t> </a:t>
-                </a:r>
-              </a:p>
-            </p:txBody>
-          </p:sp>
-        </mc:Fallback>
-      </mc:AlternateContent>
-    </p:spTree>
-    <p:extLst>
-      <p:ext uri="{BB962C8B-B14F-4D97-AF65-F5344CB8AC3E}">
-        <p14:creationId xmlns:p14="http://schemas.microsoft.com/office/powerpoint/2010/main" val="1249585881"/>
-      </p:ext>
-    </p:extLst>
-  </p:cSld>
-  <p:clrMapOvr>
-    <a:masterClrMapping/>
-  </p:clrMapOvr>
-</p:sld>
-</file>
-
-<file path=ppt/slides/slide8.xml><?xml version="1.0" encoding="utf-8"?>
-<p:sld xmlns:a="http://schemas.openxmlformats.org/drawingml/2006/main" xmlns:r="http://schemas.openxmlformats.org/officeDocument/2006/relationships" xmlns:p="http://schemas.openxmlformats.org/presentationml/2006/main">
-  <p:cSld>
-    <p:spTree>
-      <p:nvGrpSpPr>
-        <p:cNvPr id="1" name=""/>
-        <p:cNvGrpSpPr/>
-        <p:nvPr/>
-      </p:nvGrpSpPr>
-      <p:grpSpPr>
-        <a:xfrm>
-          <a:off x="0" y="0"/>
-          <a:ext cx="0" cy="0"/>
-          <a:chOff x="0" y="0"/>
-          <a:chExt cx="0" cy="0"/>
-        </a:xfrm>
-      </p:grpSpPr>
-      <p:pic>
-        <p:nvPicPr>
-          <p:cNvPr id="3" name="그림 2"/>
-          <p:cNvPicPr>
-            <a:picLocks noChangeAspect="1"/>
-          </p:cNvPicPr>
-          <p:nvPr/>
-        </p:nvPicPr>
-        <p:blipFill rotWithShape="1">
-          <a:blip r:embed="rId3">
-            <a:extLst>
-              <a:ext uri="{28A0092B-C50C-407E-A947-70E740481C1C}">
-                <a14:useLocalDpi xmlns:a14="http://schemas.microsoft.com/office/drawing/2010/main" val="0"/>
-              </a:ext>
-            </a:extLst>
-          </a:blip>
-          <a:srcRect l="8731" t="10994" r="9365" b="4972"/>
-          <a:stretch/>
-        </p:blipFill>
-        <p:spPr>
-          <a:xfrm>
-            <a:off x="616902" y="1774661"/>
-            <a:ext cx="7804785" cy="4537665"/>
-          </a:xfrm>
-          <a:prstGeom prst="rect">
-            <a:avLst/>
-          </a:prstGeom>
-        </p:spPr>
-      </p:pic>
-      <p:sp>
-        <p:nvSpPr>
-          <p:cNvPr id="4" name="TextBox 3"/>
-          <p:cNvSpPr txBox="1"/>
-          <p:nvPr/>
-        </p:nvSpPr>
-        <p:spPr>
-          <a:xfrm>
-            <a:off x="1988503" y="2072633"/>
-            <a:ext cx="1057275" cy="246221"/>
-          </a:xfrm>
-          <a:prstGeom prst="rect">
-            <a:avLst/>
-          </a:prstGeom>
-          <a:noFill/>
-        </p:spPr>
-        <p:txBody>
-          <a:bodyPr wrap="square" rtlCol="0" anchor="ctr">
-            <a:spAutoFit/>
-          </a:bodyPr>
-          <a:lstStyle/>
-          <a:p>
-            <a:pPr algn="ctr"/>
-            <a:r>
-              <a:rPr lang="en-US" altLang="zh-CN" sz="1000" dirty="0" smtClean="0">
-                <a:latin typeface="Arial" panose="020B0604020202020204" pitchFamily="34" charset="0"/>
-                <a:cs typeface="Arial" panose="020B0604020202020204" pitchFamily="34" charset="0"/>
-              </a:rPr>
-              <a:t>① Branch point</a:t>
-            </a:r>
-            <a:endParaRPr lang="zh-CN" altLang="en-US" sz="1000" dirty="0">
-              <a:latin typeface="Arial" panose="020B0604020202020204" pitchFamily="34" charset="0"/>
-              <a:cs typeface="Arial" panose="020B0604020202020204" pitchFamily="34" charset="0"/>
-            </a:endParaRPr>
-          </a:p>
-        </p:txBody>
-      </p:sp>
-      <p:cxnSp>
-        <p:nvCxnSpPr>
-          <p:cNvPr id="7" name="직선 화살표 연결선 6"/>
-          <p:cNvCxnSpPr>
-            <a:stCxn id="4" idx="1"/>
-          </p:cNvCxnSpPr>
-          <p:nvPr/>
-        </p:nvCxnSpPr>
-        <p:spPr>
-          <a:xfrm flipH="1">
-            <a:off x="1455103" y="2195744"/>
-            <a:ext cx="533400" cy="306445"/>
-          </a:xfrm>
-          <a:prstGeom prst="straightConnector1">
-            <a:avLst/>
-          </a:prstGeom>
-          <a:ln>
-            <a:tailEnd type="triangle"/>
-          </a:ln>
-        </p:spPr>
-        <p:style>
-          <a:lnRef idx="1">
-            <a:schemeClr val="accent1"/>
-          </a:lnRef>
-          <a:fillRef idx="0">
-            <a:schemeClr val="accent1"/>
-          </a:fillRef>
-          <a:effectRef idx="0">
-            <a:schemeClr val="accent1"/>
-          </a:effectRef>
-          <a:fontRef idx="minor">
-            <a:schemeClr val="tx1"/>
-          </a:fontRef>
-        </p:style>
-      </p:cxnSp>
-      <p:sp>
-        <p:nvSpPr>
-          <p:cNvPr id="11" name="TextBox 10"/>
-          <p:cNvSpPr txBox="1"/>
-          <p:nvPr/>
-        </p:nvSpPr>
-        <p:spPr>
-          <a:xfrm>
-            <a:off x="2645727" y="3025133"/>
-            <a:ext cx="1076325" cy="246221"/>
-          </a:xfrm>
-          <a:prstGeom prst="rect">
-            <a:avLst/>
-          </a:prstGeom>
-          <a:noFill/>
-        </p:spPr>
-        <p:txBody>
-          <a:bodyPr wrap="square" rtlCol="0" anchor="ctr">
-            <a:spAutoFit/>
-          </a:bodyPr>
-          <a:lstStyle/>
-          <a:p>
-            <a:pPr algn="ctr"/>
-            <a:r>
-              <a:rPr lang="en-US" altLang="zh-CN" sz="1000" dirty="0" smtClean="0">
-                <a:latin typeface="Arial" panose="020B0604020202020204" pitchFamily="34" charset="0"/>
-                <a:cs typeface="Arial" panose="020B0604020202020204" pitchFamily="34" charset="0"/>
-              </a:rPr>
-              <a:t>③ Branch point</a:t>
-            </a:r>
-            <a:endParaRPr lang="zh-CN" altLang="en-US" sz="1000" dirty="0">
-              <a:latin typeface="Arial" panose="020B0604020202020204" pitchFamily="34" charset="0"/>
-              <a:cs typeface="Arial" panose="020B0604020202020204" pitchFamily="34" charset="0"/>
-            </a:endParaRPr>
-          </a:p>
-        </p:txBody>
-      </p:sp>
-      <p:cxnSp>
-        <p:nvCxnSpPr>
-          <p:cNvPr id="12" name="직선 화살표 연결선 11"/>
-          <p:cNvCxnSpPr>
-            <a:stCxn id="11" idx="1"/>
-          </p:cNvCxnSpPr>
-          <p:nvPr/>
-        </p:nvCxnSpPr>
-        <p:spPr>
-          <a:xfrm flipH="1">
-            <a:off x="2112329" y="3148244"/>
-            <a:ext cx="533398" cy="306445"/>
-          </a:xfrm>
-          <a:prstGeom prst="straightConnector1">
-            <a:avLst/>
-          </a:prstGeom>
-          <a:ln>
-            <a:tailEnd type="triangle"/>
-          </a:ln>
-        </p:spPr>
-        <p:style>
-          <a:lnRef idx="1">
-            <a:schemeClr val="accent1"/>
-          </a:lnRef>
-          <a:fillRef idx="0">
-            <a:schemeClr val="accent1"/>
-          </a:fillRef>
-          <a:effectRef idx="0">
-            <a:schemeClr val="accent1"/>
-          </a:effectRef>
-          <a:fontRef idx="minor">
-            <a:schemeClr val="tx1"/>
-          </a:fontRef>
-        </p:style>
-      </p:cxnSp>
-      <p:sp>
-        <p:nvSpPr>
-          <p:cNvPr id="13" name="TextBox 12"/>
-          <p:cNvSpPr txBox="1"/>
-          <p:nvPr/>
-        </p:nvSpPr>
-        <p:spPr>
-          <a:xfrm>
-            <a:off x="674052" y="4347682"/>
-            <a:ext cx="1104901" cy="246221"/>
-          </a:xfrm>
-          <a:prstGeom prst="rect">
-            <a:avLst/>
-          </a:prstGeom>
-          <a:noFill/>
-        </p:spPr>
-        <p:txBody>
-          <a:bodyPr wrap="square" rtlCol="0" anchor="ctr">
-            <a:spAutoFit/>
-          </a:bodyPr>
-          <a:lstStyle/>
-          <a:p>
-            <a:pPr algn="ctr"/>
-            <a:r>
-              <a:rPr lang="en-US" altLang="zh-CN" sz="1000" dirty="0" smtClean="0">
-                <a:latin typeface="Arial" panose="020B0604020202020204" pitchFamily="34" charset="0"/>
-                <a:cs typeface="Arial" panose="020B0604020202020204" pitchFamily="34" charset="0"/>
-              </a:rPr>
-              <a:t>②  Branch point</a:t>
-            </a:r>
-            <a:endParaRPr lang="zh-CN" altLang="en-US" sz="1000" dirty="0">
-              <a:latin typeface="Arial" panose="020B0604020202020204" pitchFamily="34" charset="0"/>
-              <a:cs typeface="Arial" panose="020B0604020202020204" pitchFamily="34" charset="0"/>
-            </a:endParaRPr>
-          </a:p>
-        </p:txBody>
-      </p:sp>
-      <p:cxnSp>
-        <p:nvCxnSpPr>
-          <p:cNvPr id="14" name="직선 화살표 연결선 13"/>
-          <p:cNvCxnSpPr>
-            <a:stCxn id="13" idx="0"/>
-          </p:cNvCxnSpPr>
-          <p:nvPr/>
-        </p:nvCxnSpPr>
-        <p:spPr>
-          <a:xfrm flipV="1">
-            <a:off x="1226503" y="3866376"/>
-            <a:ext cx="495300" cy="481306"/>
-          </a:xfrm>
-          <a:prstGeom prst="straightConnector1">
-            <a:avLst/>
-          </a:prstGeom>
-          <a:ln>
-            <a:tailEnd type="triangle"/>
-          </a:ln>
-        </p:spPr>
-        <p:style>
-          <a:lnRef idx="1">
-            <a:schemeClr val="accent1"/>
-          </a:lnRef>
-          <a:fillRef idx="0">
-            <a:schemeClr val="accent1"/>
-          </a:fillRef>
-          <a:effectRef idx="0">
-            <a:schemeClr val="accent1"/>
-          </a:effectRef>
-          <a:fontRef idx="minor">
-            <a:schemeClr val="tx1"/>
-          </a:fontRef>
-        </p:style>
-      </p:cxnSp>
-      <p:sp>
-        <p:nvSpPr>
-          <p:cNvPr id="10" name="제목 2"/>
-          <p:cNvSpPr>
-            <a:spLocks noGrp="1"/>
-          </p:cNvSpPr>
-          <p:nvPr>
-            <p:ph type="title"/>
-          </p:nvPr>
-        </p:nvSpPr>
-        <p:spPr>
-          <a:xfrm>
-            <a:off x="49524" y="923477"/>
-            <a:ext cx="8372163" cy="574183"/>
-          </a:xfrm>
-        </p:spPr>
-        <p:txBody>
-          <a:bodyPr>
-            <a:normAutofit/>
-          </a:bodyPr>
-          <a:lstStyle/>
-          <a:p>
-            <a:pPr lvl="0"/>
-            <a:r>
-              <a:rPr lang="en-US" altLang="zh-CN" sz="2400" dirty="0" smtClean="0"/>
-              <a:t>Analyzing updating rules</a:t>
-            </a:r>
-            <a:endParaRPr lang="zh-CN" altLang="en-US" sz="2800" dirty="0"/>
-          </a:p>
-        </p:txBody>
-      </p:sp>
-    </p:spTree>
-    <p:extLst>
-      <p:ext uri="{BB962C8B-B14F-4D97-AF65-F5344CB8AC3E}">
-        <p14:creationId xmlns:p14="http://schemas.microsoft.com/office/powerpoint/2010/main" val="7869146"/>
-      </p:ext>
-    </p:extLst>
-  </p:cSld>
-  <p:clrMapOvr>
-    <a:masterClrMapping/>
-  </p:clrMapOvr>
-</p:sld>
-</file>
-
-<file path=ppt/slides/slide9.xml><?xml version="1.0" encoding="utf-8"?>
+<file path=ppt/slides/slide11.xml><?xml version="1.0" encoding="utf-8"?>
 <p:sld xmlns:a="http://schemas.openxmlformats.org/drawingml/2006/main" xmlns:r="http://schemas.openxmlformats.org/officeDocument/2006/relationships" xmlns:p="http://schemas.openxmlformats.org/presentationml/2006/main">
   <p:cSld>
     <p:spTree>
@@ -15195,6 +11662,3772 @@
 </p:sld>
 </file>
 
+<file path=ppt/slides/slide12.xml><?xml version="1.0" encoding="utf-8"?>
+<p:sld xmlns:a="http://schemas.openxmlformats.org/drawingml/2006/main" xmlns:r="http://schemas.openxmlformats.org/officeDocument/2006/relationships" xmlns:p="http://schemas.openxmlformats.org/presentationml/2006/main">
+  <p:cSld>
+    <p:spTree>
+      <p:nvGrpSpPr>
+        <p:cNvPr id="1" name=""/>
+        <p:cNvGrpSpPr/>
+        <p:nvPr/>
+      </p:nvGrpSpPr>
+      <p:grpSpPr>
+        <a:xfrm>
+          <a:off x="0" y="0"/>
+          <a:ext cx="0" cy="0"/>
+          <a:chOff x="0" y="0"/>
+          <a:chExt cx="0" cy="0"/>
+        </a:xfrm>
+      </p:grpSpPr>
+      <p:sp>
+        <p:nvSpPr>
+          <p:cNvPr id="3" name="제목 2"/>
+          <p:cNvSpPr>
+            <a:spLocks noGrp="1"/>
+          </p:cNvSpPr>
+          <p:nvPr>
+            <p:ph type="title"/>
+          </p:nvPr>
+        </p:nvSpPr>
+        <p:spPr>
+          <a:xfrm>
+            <a:off x="0" y="986977"/>
+            <a:ext cx="8372163" cy="574183"/>
+          </a:xfrm>
+        </p:spPr>
+        <p:txBody>
+          <a:bodyPr/>
+          <a:lstStyle/>
+          <a:p>
+            <a:r>
+              <a:rPr lang="en-US" altLang="zh-CN" dirty="0" smtClean="0"/>
+              <a:t>Future Research</a:t>
+            </a:r>
+            <a:endParaRPr lang="zh-CN" altLang="en-US" dirty="0"/>
+          </a:p>
+        </p:txBody>
+      </p:sp>
+      <p:sp>
+        <p:nvSpPr>
+          <p:cNvPr id="4" name="직사각형 3"/>
+          <p:cNvSpPr/>
+          <p:nvPr/>
+        </p:nvSpPr>
+        <p:spPr>
+          <a:xfrm>
+            <a:off x="0" y="1796976"/>
+            <a:ext cx="9144000" cy="4796185"/>
+          </a:xfrm>
+          <a:prstGeom prst="rect">
+            <a:avLst/>
+          </a:prstGeom>
+        </p:spPr>
+        <p:txBody>
+          <a:bodyPr wrap="square">
+            <a:spAutoFit/>
+          </a:bodyPr>
+          <a:lstStyle/>
+          <a:p>
+            <a:pPr marL="228600" lvl="0" indent="-228600">
+              <a:spcBef>
+                <a:spcPts val="1000"/>
+              </a:spcBef>
+              <a:buClr>
+                <a:srgbClr val="004098"/>
+              </a:buClr>
+              <a:buSzPct val="100000"/>
+              <a:buFont typeface="Calibri" panose="020F0502020204030204" pitchFamily="34" charset="0"/>
+              <a:buChar char="▪"/>
+            </a:pPr>
+            <a:r>
+              <a:rPr lang="en-US" altLang="zh-CN" sz="2000" dirty="0" smtClean="0">
+                <a:solidFill>
+                  <a:srgbClr val="000000"/>
+                </a:solidFill>
+                <a:latin typeface="Arial" panose="020B0604020202020204" pitchFamily="34" charset="0"/>
+                <a:cs typeface="Arial" panose="020B0604020202020204" pitchFamily="34" charset="0"/>
+              </a:rPr>
+              <a:t>Finding key </a:t>
+            </a:r>
+            <a:r>
+              <a:rPr lang="en-US" altLang="zh-CN" sz="2000" dirty="0" smtClean="0">
+                <a:solidFill>
+                  <a:srgbClr val="000000"/>
+                </a:solidFill>
+                <a:latin typeface="Arial" panose="020B0604020202020204" pitchFamily="34" charset="0"/>
+                <a:cs typeface="Arial" panose="020B0604020202020204" pitchFamily="34" charset="0"/>
+              </a:rPr>
+              <a:t>node with different conditions</a:t>
+            </a:r>
+            <a:endParaRPr lang="en-US" altLang="zh-CN" sz="2000" dirty="0" smtClean="0">
+              <a:solidFill>
+                <a:srgbClr val="000000"/>
+              </a:solidFill>
+              <a:latin typeface="Arial" panose="020B0604020202020204" pitchFamily="34" charset="0"/>
+              <a:cs typeface="Arial" panose="020B0604020202020204" pitchFamily="34" charset="0"/>
+            </a:endParaRPr>
+          </a:p>
+          <a:p>
+            <a:pPr lvl="0">
+              <a:spcBef>
+                <a:spcPts val="1000"/>
+              </a:spcBef>
+              <a:buClr>
+                <a:srgbClr val="004098"/>
+              </a:buClr>
+              <a:buSzPct val="100000"/>
+            </a:pPr>
+            <a:r>
+              <a:rPr lang="en-US" altLang="zh-CN" sz="2000" dirty="0" smtClean="0">
+                <a:solidFill>
+                  <a:srgbClr val="000000"/>
+                </a:solidFill>
+                <a:latin typeface="Arial" panose="020B0604020202020204" pitchFamily="34" charset="0"/>
+                <a:cs typeface="Arial" panose="020B0604020202020204" pitchFamily="34" charset="0"/>
+              </a:rPr>
+              <a:t> </a:t>
+            </a:r>
+            <a:r>
+              <a:rPr lang="en-US" altLang="zh-CN" dirty="0" smtClean="0">
+                <a:solidFill>
+                  <a:srgbClr val="000000"/>
+                </a:solidFill>
+                <a:latin typeface="Arial" panose="020B0604020202020204" pitchFamily="34" charset="0"/>
+                <a:cs typeface="Arial" panose="020B0604020202020204" pitchFamily="34" charset="0"/>
+              </a:rPr>
+              <a:t>   </a:t>
+            </a:r>
+            <a:r>
+              <a:rPr lang="en-US" altLang="zh-CN" dirty="0" smtClean="0">
+                <a:solidFill>
+                  <a:srgbClr val="000000"/>
+                </a:solidFill>
+                <a:latin typeface="Arial" panose="020B0604020202020204" pitchFamily="34" charset="0"/>
+                <a:cs typeface="Arial" panose="020B0604020202020204" pitchFamily="34" charset="0"/>
+              </a:rPr>
+              <a:t>- finding key nodes on two-layer network with different edges</a:t>
+            </a:r>
+          </a:p>
+          <a:p>
+            <a:pPr lvl="0">
+              <a:spcBef>
+                <a:spcPts val="1000"/>
+              </a:spcBef>
+              <a:buClr>
+                <a:srgbClr val="004098"/>
+              </a:buClr>
+              <a:buSzPct val="100000"/>
+            </a:pPr>
+            <a:r>
+              <a:rPr lang="en-US" altLang="zh-CN" sz="1600" dirty="0">
+                <a:solidFill>
+                  <a:srgbClr val="338D27"/>
+                </a:solidFill>
+                <a:latin typeface="Arial" panose="020B0604020202020204" pitchFamily="34" charset="0"/>
+                <a:cs typeface="Arial" panose="020B0604020202020204" pitchFamily="34" charset="0"/>
+              </a:rPr>
+              <a:t> </a:t>
+            </a:r>
+            <a:r>
+              <a:rPr lang="en-US" altLang="zh-CN" sz="1600" dirty="0" smtClean="0">
+                <a:solidFill>
+                  <a:srgbClr val="338D27"/>
+                </a:solidFill>
+                <a:latin typeface="Arial" panose="020B0604020202020204" pitchFamily="34" charset="0"/>
+                <a:cs typeface="Arial" panose="020B0604020202020204" pitchFamily="34" charset="0"/>
+              </a:rPr>
+              <a:t>     * ex) BA(4,092)-BA(8,176) or BA(8,176)-BA(4,092)</a:t>
+            </a:r>
+          </a:p>
+          <a:p>
+            <a:pPr lvl="0">
+              <a:spcBef>
+                <a:spcPts val="1000"/>
+              </a:spcBef>
+              <a:buClr>
+                <a:srgbClr val="004098"/>
+              </a:buClr>
+              <a:buSzPct val="100000"/>
+            </a:pPr>
+            <a:r>
+              <a:rPr lang="en-US" altLang="zh-CN" dirty="0" smtClean="0">
+                <a:solidFill>
+                  <a:srgbClr val="000000"/>
+                </a:solidFill>
+                <a:latin typeface="Arial" panose="020B0604020202020204" pitchFamily="34" charset="0"/>
+                <a:cs typeface="Arial" panose="020B0604020202020204" pitchFamily="34" charset="0"/>
+              </a:rPr>
+              <a:t>    - finding key nodes on </a:t>
+            </a:r>
+            <a:r>
+              <a:rPr lang="en-US" altLang="zh-CN" dirty="0" smtClean="0">
+                <a:solidFill>
+                  <a:srgbClr val="000000"/>
+                </a:solidFill>
+                <a:latin typeface="Arial" panose="020B0604020202020204" pitchFamily="34" charset="0"/>
+                <a:cs typeface="Arial" panose="020B0604020202020204" pitchFamily="34" charset="0"/>
+              </a:rPr>
+              <a:t>hierarchical models</a:t>
+            </a:r>
+          </a:p>
+          <a:p>
+            <a:pPr lvl="0">
+              <a:spcBef>
+                <a:spcPts val="1000"/>
+              </a:spcBef>
+              <a:buClr>
+                <a:srgbClr val="004098"/>
+              </a:buClr>
+              <a:buSzPct val="100000"/>
+            </a:pPr>
+            <a:r>
+              <a:rPr lang="en-US" altLang="zh-CN" sz="1600" dirty="0" smtClean="0">
+                <a:solidFill>
+                  <a:schemeClr val="accent3"/>
+                </a:solidFill>
+                <a:latin typeface="Arial" panose="020B0604020202020204" pitchFamily="34" charset="0"/>
+                <a:cs typeface="Arial" panose="020B0604020202020204" pitchFamily="34" charset="0"/>
+              </a:rPr>
+              <a:t>      * HM(16) with BA networks</a:t>
+            </a:r>
+          </a:p>
+          <a:p>
+            <a:pPr lvl="0">
+              <a:spcBef>
+                <a:spcPts val="1000"/>
+              </a:spcBef>
+              <a:buClr>
+                <a:srgbClr val="004098"/>
+              </a:buClr>
+              <a:buSzPct val="100000"/>
+            </a:pPr>
+            <a:r>
+              <a:rPr lang="en-US" altLang="zh-CN" dirty="0">
+                <a:solidFill>
+                  <a:srgbClr val="000000"/>
+                </a:solidFill>
+                <a:latin typeface="Arial" panose="020B0604020202020204" pitchFamily="34" charset="0"/>
+                <a:cs typeface="Arial" panose="020B0604020202020204" pitchFamily="34" charset="0"/>
+              </a:rPr>
+              <a:t> </a:t>
+            </a:r>
+            <a:r>
+              <a:rPr lang="en-US" altLang="zh-CN" dirty="0" smtClean="0">
+                <a:solidFill>
+                  <a:srgbClr val="000000"/>
+                </a:solidFill>
+                <a:latin typeface="Arial" panose="020B0604020202020204" pitchFamily="34" charset="0"/>
+                <a:cs typeface="Arial" panose="020B0604020202020204" pitchFamily="34" charset="0"/>
+              </a:rPr>
+              <a:t>   - Considering other methods for </a:t>
+            </a:r>
+            <a:r>
+              <a:rPr lang="en-US" altLang="zh-CN" dirty="0" err="1" smtClean="0">
+                <a:solidFill>
+                  <a:srgbClr val="000000"/>
+                </a:solidFill>
+                <a:latin typeface="Arial" panose="020B0604020202020204" pitchFamily="34" charset="0"/>
+                <a:cs typeface="Arial" panose="020B0604020202020204" pitchFamily="34" charset="0"/>
+              </a:rPr>
+              <a:t>keynodes</a:t>
+            </a:r>
+            <a:endParaRPr lang="en-US" altLang="zh-CN" dirty="0" smtClean="0">
+              <a:solidFill>
+                <a:srgbClr val="000000"/>
+              </a:solidFill>
+              <a:latin typeface="Arial" panose="020B0604020202020204" pitchFamily="34" charset="0"/>
+              <a:cs typeface="Arial" panose="020B0604020202020204" pitchFamily="34" charset="0"/>
+            </a:endParaRPr>
+          </a:p>
+          <a:p>
+            <a:pPr lvl="0">
+              <a:spcBef>
+                <a:spcPts val="1000"/>
+              </a:spcBef>
+              <a:buClr>
+                <a:srgbClr val="004098"/>
+              </a:buClr>
+              <a:buSzPct val="100000"/>
+            </a:pPr>
+            <a:r>
+              <a:rPr lang="en-US" altLang="zh-CN" sz="1600" dirty="0" smtClean="0">
+                <a:solidFill>
+                  <a:schemeClr val="accent3"/>
+                </a:solidFill>
+                <a:latin typeface="Arial" panose="020B0604020202020204" pitchFamily="34" charset="0"/>
+                <a:cs typeface="Arial" panose="020B0604020202020204" pitchFamily="34" charset="0"/>
+              </a:rPr>
+              <a:t>      * </a:t>
+            </a:r>
+            <a:r>
+              <a:rPr lang="en-US" altLang="zh-CN" sz="1600" dirty="0" err="1" smtClean="0">
+                <a:solidFill>
+                  <a:schemeClr val="accent3"/>
+                </a:solidFill>
+                <a:latin typeface="Arial" panose="020B0604020202020204" pitchFamily="34" charset="0"/>
+                <a:cs typeface="Arial" panose="020B0604020202020204" pitchFamily="34" charset="0"/>
+              </a:rPr>
+              <a:t>betweenness</a:t>
+            </a:r>
+            <a:r>
+              <a:rPr lang="en-US" altLang="zh-CN" sz="1600" dirty="0" smtClean="0">
+                <a:solidFill>
+                  <a:schemeClr val="accent3"/>
+                </a:solidFill>
+                <a:latin typeface="Arial" panose="020B0604020202020204" pitchFamily="34" charset="0"/>
+                <a:cs typeface="Arial" panose="020B0604020202020204" pitchFamily="34" charset="0"/>
+              </a:rPr>
+              <a:t>, closeness</a:t>
+            </a:r>
+            <a:endParaRPr lang="en-US" altLang="zh-CN" dirty="0" smtClean="0">
+              <a:solidFill>
+                <a:srgbClr val="000000"/>
+              </a:solidFill>
+              <a:latin typeface="Arial" panose="020B0604020202020204" pitchFamily="34" charset="0"/>
+              <a:cs typeface="Arial" panose="020B0604020202020204" pitchFamily="34" charset="0"/>
+            </a:endParaRPr>
+          </a:p>
+          <a:p>
+            <a:pPr lvl="0">
+              <a:spcBef>
+                <a:spcPts val="1000"/>
+              </a:spcBef>
+              <a:buClr>
+                <a:srgbClr val="004098"/>
+              </a:buClr>
+              <a:buSzPct val="100000"/>
+            </a:pPr>
+            <a:endParaRPr lang="en-US" altLang="zh-CN" dirty="0" smtClean="0">
+              <a:solidFill>
+                <a:srgbClr val="000000"/>
+              </a:solidFill>
+              <a:latin typeface="Arial" panose="020B0604020202020204" pitchFamily="34" charset="0"/>
+              <a:cs typeface="Arial" panose="020B0604020202020204" pitchFamily="34" charset="0"/>
+            </a:endParaRPr>
+          </a:p>
+          <a:p>
+            <a:pPr marL="228600" lvl="0" indent="-228600">
+              <a:spcBef>
+                <a:spcPts val="1000"/>
+              </a:spcBef>
+              <a:buClr>
+                <a:srgbClr val="004098"/>
+              </a:buClr>
+              <a:buSzPct val="100000"/>
+              <a:buFont typeface="Calibri" panose="020F0502020204030204" pitchFamily="34" charset="0"/>
+              <a:buChar char="▪"/>
+            </a:pPr>
+            <a:r>
+              <a:rPr lang="en-US" altLang="zh-CN" sz="2000" dirty="0" smtClean="0">
+                <a:solidFill>
+                  <a:srgbClr val="000000"/>
+                </a:solidFill>
+                <a:latin typeface="Arial" panose="020B0604020202020204" pitchFamily="34" charset="0"/>
+                <a:cs typeface="Arial" panose="020B0604020202020204" pitchFamily="34" charset="0"/>
+              </a:rPr>
+              <a:t>Developing better algorithm for finding key nodes and edges. </a:t>
+            </a:r>
+          </a:p>
+          <a:p>
+            <a:pPr lvl="0">
+              <a:spcBef>
+                <a:spcPts val="1000"/>
+              </a:spcBef>
+              <a:buClr>
+                <a:srgbClr val="004098"/>
+              </a:buClr>
+              <a:buSzPct val="100000"/>
+            </a:pPr>
+            <a:r>
+              <a:rPr lang="en-US" altLang="zh-CN" dirty="0">
+                <a:solidFill>
+                  <a:srgbClr val="000000"/>
+                </a:solidFill>
+                <a:latin typeface="Arial" panose="020B0604020202020204" pitchFamily="34" charset="0"/>
+                <a:cs typeface="Arial" panose="020B0604020202020204" pitchFamily="34" charset="0"/>
+              </a:rPr>
+              <a:t> </a:t>
+            </a:r>
+            <a:r>
+              <a:rPr lang="en-US" altLang="zh-CN" dirty="0" smtClean="0">
+                <a:solidFill>
+                  <a:srgbClr val="000000"/>
+                </a:solidFill>
+                <a:latin typeface="Arial" panose="020B0604020202020204" pitchFamily="34" charset="0"/>
+                <a:cs typeface="Arial" panose="020B0604020202020204" pitchFamily="34" charset="0"/>
+              </a:rPr>
+              <a:t>   - After analyzing the simulation results, better algorithms are provided for </a:t>
+            </a:r>
+          </a:p>
+          <a:p>
+            <a:pPr lvl="0">
+              <a:spcBef>
+                <a:spcPts val="1000"/>
+              </a:spcBef>
+              <a:buClr>
+                <a:srgbClr val="004098"/>
+              </a:buClr>
+              <a:buSzPct val="100000"/>
+            </a:pPr>
+            <a:r>
+              <a:rPr lang="en-US" altLang="zh-CN" dirty="0">
+                <a:solidFill>
+                  <a:srgbClr val="000000"/>
+                </a:solidFill>
+                <a:latin typeface="Arial" panose="020B0604020202020204" pitchFamily="34" charset="0"/>
+                <a:cs typeface="Arial" panose="020B0604020202020204" pitchFamily="34" charset="0"/>
+              </a:rPr>
+              <a:t> </a:t>
+            </a:r>
+            <a:r>
+              <a:rPr lang="en-US" altLang="zh-CN" dirty="0" smtClean="0">
+                <a:solidFill>
+                  <a:srgbClr val="000000"/>
+                </a:solidFill>
+                <a:latin typeface="Arial" panose="020B0604020202020204" pitchFamily="34" charset="0"/>
+                <a:cs typeface="Arial" panose="020B0604020202020204" pitchFamily="34" charset="0"/>
+              </a:rPr>
+              <a:t>     finding key nodes and edges. </a:t>
+            </a:r>
+            <a:endParaRPr lang="en-US" altLang="zh-CN" sz="2000" b="1" dirty="0" smtClean="0">
+              <a:solidFill>
+                <a:srgbClr val="000000"/>
+              </a:solidFill>
+              <a:latin typeface="Arial" panose="020B0604020202020204" pitchFamily="34" charset="0"/>
+              <a:cs typeface="Arial" panose="020B0604020202020204" pitchFamily="34" charset="0"/>
+            </a:endParaRPr>
+          </a:p>
+          <a:p>
+            <a:pPr lvl="0">
+              <a:spcBef>
+                <a:spcPts val="1000"/>
+              </a:spcBef>
+              <a:buClr>
+                <a:srgbClr val="004098"/>
+              </a:buClr>
+              <a:buSzPct val="100000"/>
+            </a:pPr>
+            <a:endParaRPr lang="en-US" altLang="zh-CN" sz="1600" dirty="0">
+              <a:solidFill>
+                <a:schemeClr val="accent3"/>
+              </a:solidFill>
+              <a:latin typeface="Arial" panose="020B0604020202020204" pitchFamily="34" charset="0"/>
+              <a:cs typeface="Arial" panose="020B0604020202020204" pitchFamily="34" charset="0"/>
+            </a:endParaRPr>
+          </a:p>
+        </p:txBody>
+      </p:sp>
+    </p:spTree>
+    <p:extLst>
+      <p:ext uri="{BB962C8B-B14F-4D97-AF65-F5344CB8AC3E}">
+        <p14:creationId xmlns:p14="http://schemas.microsoft.com/office/powerpoint/2010/main" val="3818352509"/>
+      </p:ext>
+    </p:extLst>
+  </p:cSld>
+  <p:clrMapOvr>
+    <a:masterClrMapping/>
+  </p:clrMapOvr>
+  <p:transition spd="med">
+    <p:push/>
+  </p:transition>
+  <p:timing>
+    <p:tnLst>
+      <p:par>
+        <p:cTn id="1" dur="indefinite" restart="never" nodeType="tmRoot"/>
+      </p:par>
+    </p:tnLst>
+  </p:timing>
+</p:sld>
+</file>
+
+<file path=ppt/slides/slide13.xml><?xml version="1.0" encoding="utf-8"?>
+<p:sld xmlns:a="http://schemas.openxmlformats.org/drawingml/2006/main" xmlns:r="http://schemas.openxmlformats.org/officeDocument/2006/relationships" xmlns:p="http://schemas.openxmlformats.org/presentationml/2006/main">
+  <p:cSld>
+    <p:spTree>
+      <p:nvGrpSpPr>
+        <p:cNvPr id="1" name=""/>
+        <p:cNvGrpSpPr/>
+        <p:nvPr/>
+      </p:nvGrpSpPr>
+      <p:grpSpPr>
+        <a:xfrm>
+          <a:off x="0" y="0"/>
+          <a:ext cx="0" cy="0"/>
+          <a:chOff x="0" y="0"/>
+          <a:chExt cx="0" cy="0"/>
+        </a:xfrm>
+      </p:grpSpPr>
+      <p:sp>
+        <p:nvSpPr>
+          <p:cNvPr id="2" name="标题 1">
+            <a:extLst>
+              <a:ext uri="{FF2B5EF4-FFF2-40B4-BE49-F238E27FC236}">
+                <a16:creationId xmlns:a16="http://schemas.microsoft.com/office/drawing/2014/main" id="{4F2BA226-9CD6-4DEC-94C2-56BEBEB9235D}"/>
+              </a:ext>
+            </a:extLst>
+          </p:cNvPr>
+          <p:cNvSpPr>
+            <a:spLocks noGrp="1"/>
+          </p:cNvSpPr>
+          <p:nvPr>
+            <p:ph type="title"/>
+          </p:nvPr>
+        </p:nvSpPr>
+        <p:spPr/>
+        <p:txBody>
+          <a:bodyPr/>
+          <a:lstStyle/>
+          <a:p>
+            <a:r>
+              <a:rPr lang="en-US" altLang="zh-CN" dirty="0" smtClean="0"/>
+              <a:t>Thank you</a:t>
+            </a:r>
+            <a:endParaRPr lang="zh-CN" altLang="en-US" dirty="0"/>
+          </a:p>
+        </p:txBody>
+      </p:sp>
+    </p:spTree>
+    <p:extLst>
+      <p:ext uri="{BB962C8B-B14F-4D97-AF65-F5344CB8AC3E}">
+        <p14:creationId xmlns:p14="http://schemas.microsoft.com/office/powerpoint/2010/main" val="2897706879"/>
+      </p:ext>
+    </p:extLst>
+  </p:cSld>
+  <p:clrMapOvr>
+    <a:masterClrMapping/>
+  </p:clrMapOvr>
+  <p:timing>
+    <p:tnLst>
+      <p:par>
+        <p:cTn id="1" dur="indefinite" restart="never" nodeType="tmRoot"/>
+      </p:par>
+    </p:tnLst>
+  </p:timing>
+</p:sld>
+</file>
+
+<file path=ppt/slides/slide2.xml><?xml version="1.0" encoding="utf-8"?>
+<p:sld xmlns:a="http://schemas.openxmlformats.org/drawingml/2006/main" xmlns:r="http://schemas.openxmlformats.org/officeDocument/2006/relationships" xmlns:p="http://schemas.openxmlformats.org/presentationml/2006/main">
+  <p:cSld>
+    <p:spTree>
+      <p:nvGrpSpPr>
+        <p:cNvPr id="1" name=""/>
+        <p:cNvGrpSpPr/>
+        <p:nvPr/>
+      </p:nvGrpSpPr>
+      <p:grpSpPr>
+        <a:xfrm>
+          <a:off x="0" y="0"/>
+          <a:ext cx="0" cy="0"/>
+          <a:chOff x="0" y="0"/>
+          <a:chExt cx="0" cy="0"/>
+        </a:xfrm>
+      </p:grpSpPr>
+      <p:sp>
+        <p:nvSpPr>
+          <p:cNvPr id="3" name="제목 2"/>
+          <p:cNvSpPr>
+            <a:spLocks noGrp="1"/>
+          </p:cNvSpPr>
+          <p:nvPr>
+            <p:ph type="title"/>
+          </p:nvPr>
+        </p:nvSpPr>
+        <p:spPr>
+          <a:xfrm>
+            <a:off x="49524" y="923477"/>
+            <a:ext cx="8372163" cy="574183"/>
+          </a:xfrm>
+        </p:spPr>
+        <p:txBody>
+          <a:bodyPr>
+            <a:normAutofit/>
+          </a:bodyPr>
+          <a:lstStyle/>
+          <a:p>
+            <a:pPr lvl="0"/>
+            <a:r>
+              <a:rPr lang="en-US" altLang="zh-CN" sz="2400" dirty="0" smtClean="0"/>
+              <a:t>Research Processing </a:t>
+            </a:r>
+            <a:endParaRPr lang="zh-CN" altLang="en-US" sz="2800" dirty="0"/>
+          </a:p>
+        </p:txBody>
+      </p:sp>
+      <p:sp>
+        <p:nvSpPr>
+          <p:cNvPr id="4" name="직사각형 3"/>
+          <p:cNvSpPr/>
+          <p:nvPr/>
+        </p:nvSpPr>
+        <p:spPr>
+          <a:xfrm>
+            <a:off x="-3567" y="1610421"/>
+            <a:ext cx="10265167" cy="10710624"/>
+          </a:xfrm>
+          <a:prstGeom prst="rect">
+            <a:avLst/>
+          </a:prstGeom>
+        </p:spPr>
+        <p:txBody>
+          <a:bodyPr wrap="square">
+            <a:spAutoFit/>
+          </a:bodyPr>
+          <a:lstStyle/>
+          <a:p>
+            <a:pPr marL="228600" lvl="0" indent="-228600">
+              <a:spcBef>
+                <a:spcPts val="600"/>
+              </a:spcBef>
+              <a:buClr>
+                <a:srgbClr val="004098"/>
+              </a:buClr>
+              <a:buSzPct val="100000"/>
+              <a:buFont typeface="Calibri" panose="020F0502020204030204" pitchFamily="34" charset="0"/>
+              <a:buChar char="▪"/>
+            </a:pPr>
+            <a:r>
+              <a:rPr lang="en-US" altLang="zh-CN" b="1" dirty="0">
+                <a:solidFill>
+                  <a:srgbClr val="000000"/>
+                </a:solidFill>
+                <a:latin typeface="Arial" panose="020B0604020202020204" pitchFamily="34" charset="0"/>
+                <a:cs typeface="Arial" panose="020B0604020202020204" pitchFamily="34" charset="0"/>
+              </a:rPr>
+              <a:t>Interconnected Competing </a:t>
+            </a:r>
+            <a:r>
+              <a:rPr lang="en-US" altLang="zh-CN" b="1" dirty="0" smtClean="0">
+                <a:solidFill>
+                  <a:srgbClr val="000000"/>
+                </a:solidFill>
+                <a:latin typeface="Arial" panose="020B0604020202020204" pitchFamily="34" charset="0"/>
+                <a:cs typeface="Arial" panose="020B0604020202020204" pitchFamily="34" charset="0"/>
+              </a:rPr>
+              <a:t>network Modeling</a:t>
+            </a:r>
+          </a:p>
+          <a:p>
+            <a:pPr lvl="0">
+              <a:spcBef>
+                <a:spcPts val="600"/>
+              </a:spcBef>
+              <a:buClr>
+                <a:srgbClr val="004098"/>
+              </a:buClr>
+              <a:buSzPct val="100000"/>
+            </a:pPr>
+            <a:r>
+              <a:rPr lang="en-US" altLang="zh-CN" sz="1600" dirty="0" smtClean="0">
+                <a:solidFill>
+                  <a:srgbClr val="000000"/>
+                </a:solidFill>
+                <a:latin typeface="Arial" panose="020B0604020202020204" pitchFamily="34" charset="0"/>
+                <a:cs typeface="Arial" panose="020B0604020202020204" pitchFamily="34" charset="0"/>
+              </a:rPr>
+              <a:t>    - Basic Model(RR-RR network) Analysis</a:t>
+            </a:r>
+          </a:p>
+          <a:p>
+            <a:pPr lvl="0">
+              <a:spcBef>
+                <a:spcPts val="600"/>
+              </a:spcBef>
+              <a:buClr>
+                <a:srgbClr val="004098"/>
+              </a:buClr>
+              <a:buSzPct val="100000"/>
+            </a:pPr>
+            <a:r>
+              <a:rPr lang="en-US" altLang="zh-CN" sz="1600" dirty="0">
+                <a:solidFill>
+                  <a:srgbClr val="000000"/>
+                </a:solidFill>
+                <a:latin typeface="Arial" panose="020B0604020202020204" pitchFamily="34" charset="0"/>
+                <a:cs typeface="Arial" panose="020B0604020202020204" pitchFamily="34" charset="0"/>
+              </a:rPr>
+              <a:t> </a:t>
+            </a:r>
+            <a:r>
+              <a:rPr lang="en-US" altLang="zh-CN" sz="1600" dirty="0" smtClean="0">
+                <a:solidFill>
+                  <a:srgbClr val="000000"/>
+                </a:solidFill>
+                <a:latin typeface="Arial" panose="020B0604020202020204" pitchFamily="34" charset="0"/>
+                <a:cs typeface="Arial" panose="020B0604020202020204" pitchFamily="34" charset="0"/>
+              </a:rPr>
+              <a:t>   - Providing index for measuring consensus</a:t>
+            </a:r>
+          </a:p>
+          <a:p>
+            <a:pPr lvl="0">
+              <a:spcBef>
+                <a:spcPts val="600"/>
+              </a:spcBef>
+              <a:buClr>
+                <a:srgbClr val="004098"/>
+              </a:buClr>
+              <a:buSzPct val="100000"/>
+            </a:pPr>
+            <a:r>
+              <a:rPr lang="en-US" altLang="zh-CN" sz="1600" dirty="0">
+                <a:solidFill>
+                  <a:schemeClr val="accent3"/>
+                </a:solidFill>
+                <a:latin typeface="Arial" panose="020B0604020202020204" pitchFamily="34" charset="0"/>
+                <a:cs typeface="Arial" panose="020B0604020202020204" pitchFamily="34" charset="0"/>
+              </a:rPr>
+              <a:t> </a:t>
+            </a:r>
+            <a:r>
+              <a:rPr lang="en-US" altLang="zh-CN" sz="1600" dirty="0" smtClean="0">
+                <a:solidFill>
+                  <a:schemeClr val="accent3"/>
+                </a:solidFill>
+                <a:latin typeface="Arial" panose="020B0604020202020204" pitchFamily="34" charset="0"/>
+                <a:cs typeface="Arial" panose="020B0604020202020204" pitchFamily="34" charset="0"/>
+              </a:rPr>
+              <a:t>     * AS, </a:t>
+            </a:r>
+            <a:r>
+              <a:rPr lang="en-US" altLang="zh-CN" sz="1600" dirty="0" err="1" smtClean="0">
+                <a:solidFill>
+                  <a:schemeClr val="accent3"/>
+                </a:solidFill>
+                <a:latin typeface="Arial" panose="020B0604020202020204" pitchFamily="34" charset="0"/>
+                <a:cs typeface="Arial" panose="020B0604020202020204" pitchFamily="34" charset="0"/>
+              </a:rPr>
+              <a:t>AS_total</a:t>
+            </a:r>
+            <a:r>
+              <a:rPr lang="en-US" altLang="zh-CN" sz="1600" dirty="0" smtClean="0">
+                <a:solidFill>
+                  <a:schemeClr val="accent3"/>
+                </a:solidFill>
+                <a:latin typeface="Arial" panose="020B0604020202020204" pitchFamily="34" charset="0"/>
+                <a:cs typeface="Arial" panose="020B0604020202020204" pitchFamily="34" charset="0"/>
+              </a:rPr>
+              <a:t>,  PCR, NCR, CR, CI</a:t>
+            </a:r>
+          </a:p>
+          <a:p>
+            <a:pPr lvl="0">
+              <a:spcBef>
+                <a:spcPts val="600"/>
+              </a:spcBef>
+              <a:buClr>
+                <a:srgbClr val="004098"/>
+              </a:buClr>
+              <a:buSzPct val="100000"/>
+            </a:pPr>
+            <a:endParaRPr lang="en-US" altLang="zh-CN" sz="1600" dirty="0" smtClean="0">
+              <a:solidFill>
+                <a:srgbClr val="000000"/>
+              </a:solidFill>
+              <a:latin typeface="Arial" panose="020B0604020202020204" pitchFamily="34" charset="0"/>
+              <a:cs typeface="Arial" panose="020B0604020202020204" pitchFamily="34" charset="0"/>
+            </a:endParaRPr>
+          </a:p>
+          <a:p>
+            <a:pPr marL="228600" lvl="0" indent="-228600">
+              <a:spcBef>
+                <a:spcPts val="600"/>
+              </a:spcBef>
+              <a:buClr>
+                <a:srgbClr val="004098"/>
+              </a:buClr>
+              <a:buSzPct val="100000"/>
+              <a:buFont typeface="Calibri" panose="020F0502020204030204" pitchFamily="34" charset="0"/>
+              <a:buChar char="▪"/>
+            </a:pPr>
+            <a:r>
+              <a:rPr lang="en-US" altLang="zh-CN" b="1" dirty="0" smtClean="0">
+                <a:solidFill>
+                  <a:srgbClr val="000000"/>
+                </a:solidFill>
+                <a:latin typeface="Arial" panose="020B0604020202020204" pitchFamily="34" charset="0"/>
+                <a:cs typeface="Arial" panose="020B0604020202020204" pitchFamily="34" charset="0"/>
+              </a:rPr>
+              <a:t>Comparing with different structural networks</a:t>
+            </a:r>
+          </a:p>
+          <a:p>
+            <a:pPr lvl="0">
+              <a:spcBef>
+                <a:spcPts val="600"/>
+              </a:spcBef>
+              <a:buClr>
+                <a:srgbClr val="004098"/>
+              </a:buClr>
+              <a:buSzPct val="100000"/>
+            </a:pPr>
+            <a:r>
+              <a:rPr lang="en-US" altLang="zh-CN" sz="1600" dirty="0">
+                <a:solidFill>
+                  <a:srgbClr val="000000"/>
+                </a:solidFill>
+                <a:latin typeface="Arial" panose="020B0604020202020204" pitchFamily="34" charset="0"/>
+                <a:cs typeface="Arial" panose="020B0604020202020204" pitchFamily="34" charset="0"/>
+              </a:rPr>
+              <a:t> </a:t>
+            </a:r>
+            <a:r>
+              <a:rPr lang="en-US" altLang="zh-CN" sz="1600" dirty="0" smtClean="0">
+                <a:solidFill>
+                  <a:srgbClr val="000000"/>
+                </a:solidFill>
+                <a:latin typeface="Arial" panose="020B0604020202020204" pitchFamily="34" charset="0"/>
+                <a:cs typeface="Arial" panose="020B0604020202020204" pitchFamily="34" charset="0"/>
+              </a:rPr>
+              <a:t>   - </a:t>
+            </a:r>
+            <a:r>
+              <a:rPr lang="en-US" altLang="zh-CN" sz="1600" dirty="0" smtClean="0">
+                <a:solidFill>
+                  <a:srgbClr val="000000"/>
+                </a:solidFill>
+                <a:latin typeface="Arial" panose="020B0604020202020204" pitchFamily="34" charset="0"/>
+                <a:cs typeface="Arial" panose="020B0604020202020204" pitchFamily="34" charset="0"/>
+              </a:rPr>
+              <a:t>Changing the number of external edges : Hierarchical Model </a:t>
+            </a:r>
+          </a:p>
+          <a:p>
+            <a:pPr lvl="0">
+              <a:spcBef>
+                <a:spcPts val="600"/>
+              </a:spcBef>
+              <a:buClr>
+                <a:srgbClr val="004098"/>
+              </a:buClr>
+              <a:buSzPct val="100000"/>
+            </a:pPr>
+            <a:r>
+              <a:rPr lang="en-US" altLang="zh-CN" sz="1600" dirty="0">
+                <a:solidFill>
+                  <a:srgbClr val="000000"/>
+                </a:solidFill>
+                <a:latin typeface="Arial" panose="020B0604020202020204" pitchFamily="34" charset="0"/>
+                <a:cs typeface="Arial" panose="020B0604020202020204" pitchFamily="34" charset="0"/>
+              </a:rPr>
+              <a:t> </a:t>
+            </a:r>
+            <a:r>
+              <a:rPr lang="en-US" altLang="zh-CN" sz="1600" dirty="0" smtClean="0">
+                <a:solidFill>
+                  <a:srgbClr val="000000"/>
+                </a:solidFill>
+                <a:latin typeface="Arial" panose="020B0604020202020204" pitchFamily="34" charset="0"/>
+                <a:cs typeface="Arial" panose="020B0604020202020204" pitchFamily="34" charset="0"/>
+              </a:rPr>
+              <a:t>   - Changing the number of internal edges </a:t>
+            </a:r>
+            <a:endParaRPr lang="en-US" altLang="zh-CN" sz="1600" dirty="0" smtClean="0">
+              <a:solidFill>
+                <a:srgbClr val="000000"/>
+              </a:solidFill>
+              <a:latin typeface="Arial" panose="020B0604020202020204" pitchFamily="34" charset="0"/>
+              <a:cs typeface="Arial" panose="020B0604020202020204" pitchFamily="34" charset="0"/>
+            </a:endParaRPr>
+          </a:p>
+          <a:p>
+            <a:pPr lvl="0">
+              <a:spcBef>
+                <a:spcPts val="600"/>
+              </a:spcBef>
+              <a:buClr>
+                <a:srgbClr val="004098"/>
+              </a:buClr>
+              <a:buSzPct val="100000"/>
+            </a:pPr>
+            <a:r>
+              <a:rPr lang="en-US" altLang="zh-CN" sz="1600" dirty="0" smtClean="0">
+                <a:solidFill>
+                  <a:srgbClr val="000000"/>
+                </a:solidFill>
+                <a:latin typeface="Arial" panose="020B0604020202020204" pitchFamily="34" charset="0"/>
+                <a:cs typeface="Arial" panose="020B0604020202020204" pitchFamily="34" charset="0"/>
+              </a:rPr>
+              <a:t>    - Changing the structure on each layer : BA or RR</a:t>
+            </a:r>
+            <a:endParaRPr lang="en-US" altLang="zh-CN" b="1" dirty="0" smtClean="0">
+              <a:solidFill>
+                <a:srgbClr val="000000"/>
+              </a:solidFill>
+              <a:latin typeface="Arial" panose="020B0604020202020204" pitchFamily="34" charset="0"/>
+              <a:cs typeface="Arial" panose="020B0604020202020204" pitchFamily="34" charset="0"/>
+            </a:endParaRPr>
+          </a:p>
+          <a:p>
+            <a:pPr marL="228600" lvl="0" indent="-228600">
+              <a:spcBef>
+                <a:spcPts val="600"/>
+              </a:spcBef>
+              <a:buClr>
+                <a:srgbClr val="004098"/>
+              </a:buClr>
+              <a:buSzPct val="100000"/>
+              <a:buFont typeface="Calibri" panose="020F0502020204030204" pitchFamily="34" charset="0"/>
+              <a:buChar char="▪"/>
+            </a:pPr>
+            <a:endParaRPr lang="en-US" altLang="zh-CN" b="1" dirty="0" smtClean="0">
+              <a:solidFill>
+                <a:srgbClr val="000000"/>
+              </a:solidFill>
+              <a:latin typeface="Arial" panose="020B0604020202020204" pitchFamily="34" charset="0"/>
+              <a:cs typeface="Arial" panose="020B0604020202020204" pitchFamily="34" charset="0"/>
+            </a:endParaRPr>
+          </a:p>
+          <a:p>
+            <a:pPr marL="228600" lvl="0" indent="-228600">
+              <a:spcBef>
+                <a:spcPts val="600"/>
+              </a:spcBef>
+              <a:buClr>
+                <a:srgbClr val="004098"/>
+              </a:buClr>
+              <a:buSzPct val="100000"/>
+              <a:buFont typeface="Calibri" panose="020F0502020204030204" pitchFamily="34" charset="0"/>
+              <a:buChar char="▪"/>
+            </a:pPr>
+            <a:r>
+              <a:rPr lang="en-US" altLang="zh-CN" b="1" dirty="0" smtClean="0">
+                <a:solidFill>
+                  <a:srgbClr val="000000"/>
+                </a:solidFill>
+                <a:latin typeface="Arial" panose="020B0604020202020204" pitchFamily="34" charset="0"/>
+                <a:cs typeface="Arial" panose="020B0604020202020204" pitchFamily="34" charset="0"/>
+              </a:rPr>
+              <a:t>Comparing with different updating rules(dynamics order)</a:t>
+            </a:r>
+          </a:p>
+          <a:p>
+            <a:pPr lvl="0">
+              <a:spcBef>
+                <a:spcPts val="600"/>
+              </a:spcBef>
+              <a:buClr>
+                <a:srgbClr val="004098"/>
+              </a:buClr>
+              <a:buSzPct val="100000"/>
+            </a:pPr>
+            <a:r>
+              <a:rPr lang="en-US" altLang="zh-CN" sz="1600" dirty="0">
+                <a:solidFill>
+                  <a:srgbClr val="000000"/>
+                </a:solidFill>
+                <a:latin typeface="Arial" panose="020B0604020202020204" pitchFamily="34" charset="0"/>
+                <a:cs typeface="Arial" panose="020B0604020202020204" pitchFamily="34" charset="0"/>
+              </a:rPr>
+              <a:t> </a:t>
+            </a:r>
+            <a:r>
+              <a:rPr lang="en-US" altLang="zh-CN" sz="1600" dirty="0" smtClean="0">
+                <a:solidFill>
+                  <a:srgbClr val="000000"/>
+                </a:solidFill>
+                <a:latin typeface="Arial" panose="020B0604020202020204" pitchFamily="34" charset="0"/>
+                <a:cs typeface="Arial" panose="020B0604020202020204" pitchFamily="34" charset="0"/>
+              </a:rPr>
+              <a:t>   </a:t>
+            </a:r>
+            <a:r>
+              <a:rPr lang="en-US" altLang="zh-CN" sz="1600" dirty="0" smtClean="0">
+                <a:solidFill>
+                  <a:srgbClr val="000000"/>
+                </a:solidFill>
+                <a:latin typeface="Arial" panose="020B0604020202020204" pitchFamily="34" charset="0"/>
+                <a:cs typeface="Arial" panose="020B0604020202020204" pitchFamily="34" charset="0"/>
+              </a:rPr>
+              <a:t>- Simultaneous updating rule vs Sequential updating rule</a:t>
+            </a:r>
+          </a:p>
+          <a:p>
+            <a:pPr lvl="0">
+              <a:spcBef>
+                <a:spcPts val="600"/>
+              </a:spcBef>
+              <a:buClr>
+                <a:srgbClr val="004098"/>
+              </a:buClr>
+              <a:buSzPct val="100000"/>
+            </a:pPr>
+            <a:r>
+              <a:rPr lang="en-US" altLang="zh-CN" sz="1600" dirty="0" smtClean="0">
+                <a:solidFill>
+                  <a:srgbClr val="000000"/>
+                </a:solidFill>
+                <a:latin typeface="Arial" panose="020B0604020202020204" pitchFamily="34" charset="0"/>
+                <a:cs typeface="Arial" panose="020B0604020202020204" pitchFamily="34" charset="0"/>
+              </a:rPr>
+              <a:t>    - Simulating 25 updating rules on two-layers </a:t>
+            </a:r>
+            <a:endParaRPr lang="en-US" altLang="zh-CN" b="1" dirty="0" smtClean="0">
+              <a:solidFill>
+                <a:srgbClr val="000000"/>
+              </a:solidFill>
+              <a:latin typeface="Arial" panose="020B0604020202020204" pitchFamily="34" charset="0"/>
+              <a:cs typeface="Arial" panose="020B0604020202020204" pitchFamily="34" charset="0"/>
+            </a:endParaRPr>
+          </a:p>
+          <a:p>
+            <a:pPr marL="228600" lvl="0" indent="-228600">
+              <a:spcBef>
+                <a:spcPts val="600"/>
+              </a:spcBef>
+              <a:buClr>
+                <a:srgbClr val="004098"/>
+              </a:buClr>
+              <a:buSzPct val="100000"/>
+              <a:buFont typeface="Calibri" panose="020F0502020204030204" pitchFamily="34" charset="0"/>
+              <a:buChar char="▪"/>
+            </a:pPr>
+            <a:endParaRPr lang="en-US" altLang="zh-CN" b="1" dirty="0">
+              <a:solidFill>
+                <a:srgbClr val="000000"/>
+              </a:solidFill>
+              <a:latin typeface="Arial" panose="020B0604020202020204" pitchFamily="34" charset="0"/>
+              <a:cs typeface="Arial" panose="020B0604020202020204" pitchFamily="34" charset="0"/>
+            </a:endParaRPr>
+          </a:p>
+          <a:p>
+            <a:pPr marL="228600" lvl="0" indent="-228600">
+              <a:spcBef>
+                <a:spcPts val="600"/>
+              </a:spcBef>
+              <a:buClr>
+                <a:srgbClr val="004098"/>
+              </a:buClr>
+              <a:buSzPct val="100000"/>
+              <a:buFont typeface="Calibri" panose="020F0502020204030204" pitchFamily="34" charset="0"/>
+              <a:buChar char="▪"/>
+            </a:pPr>
+            <a:r>
+              <a:rPr lang="en-US" altLang="zh-CN" b="1" dirty="0" smtClean="0">
+                <a:solidFill>
+                  <a:srgbClr val="000000"/>
+                </a:solidFill>
+                <a:latin typeface="Arial" panose="020B0604020202020204" pitchFamily="34" charset="0"/>
+                <a:cs typeface="Arial" panose="020B0604020202020204" pitchFamily="34" charset="0"/>
+              </a:rPr>
+              <a:t>Finding key nodes on two-layer networks</a:t>
+            </a:r>
+          </a:p>
+          <a:p>
+            <a:pPr marL="228600" lvl="0" indent="-228600">
+              <a:spcBef>
+                <a:spcPts val="600"/>
+              </a:spcBef>
+              <a:buClr>
+                <a:srgbClr val="004098"/>
+              </a:buClr>
+              <a:buSzPct val="100000"/>
+              <a:buFont typeface="Calibri" panose="020F0502020204030204" pitchFamily="34" charset="0"/>
+              <a:buChar char="▪"/>
+            </a:pPr>
+            <a:endParaRPr lang="en-US" altLang="zh-CN" b="1" dirty="0" smtClean="0">
+              <a:solidFill>
+                <a:srgbClr val="000000"/>
+              </a:solidFill>
+              <a:latin typeface="Arial" panose="020B0604020202020204" pitchFamily="34" charset="0"/>
+              <a:cs typeface="Arial" panose="020B0604020202020204" pitchFamily="34" charset="0"/>
+            </a:endParaRPr>
+          </a:p>
+          <a:p>
+            <a:pPr lvl="0">
+              <a:spcBef>
+                <a:spcPts val="600"/>
+              </a:spcBef>
+              <a:buClr>
+                <a:srgbClr val="004098"/>
+              </a:buClr>
+              <a:buSzPct val="100000"/>
+            </a:pPr>
+            <a:endParaRPr lang="en-US" altLang="zh-CN" dirty="0">
+              <a:solidFill>
+                <a:srgbClr val="000000"/>
+              </a:solidFill>
+              <a:latin typeface="Arial" panose="020B0604020202020204" pitchFamily="34" charset="0"/>
+              <a:cs typeface="Arial" panose="020B0604020202020204" pitchFamily="34" charset="0"/>
+            </a:endParaRPr>
+          </a:p>
+          <a:p>
+            <a:pPr lvl="0">
+              <a:spcBef>
+                <a:spcPts val="600"/>
+              </a:spcBef>
+              <a:buClr>
+                <a:srgbClr val="004098"/>
+              </a:buClr>
+              <a:buSzPct val="100000"/>
+            </a:pPr>
+            <a:endParaRPr lang="en-US" altLang="zh-CN" dirty="0" smtClean="0">
+              <a:solidFill>
+                <a:srgbClr val="000000"/>
+              </a:solidFill>
+              <a:latin typeface="Arial" panose="020B0604020202020204" pitchFamily="34" charset="0"/>
+              <a:cs typeface="Arial" panose="020B0604020202020204" pitchFamily="34" charset="0"/>
+            </a:endParaRPr>
+          </a:p>
+          <a:p>
+            <a:pPr lvl="0">
+              <a:spcBef>
+                <a:spcPts val="600"/>
+              </a:spcBef>
+              <a:buClr>
+                <a:srgbClr val="004098"/>
+              </a:buClr>
+              <a:buSzPct val="100000"/>
+            </a:pPr>
+            <a:endParaRPr lang="en-US" altLang="zh-CN" dirty="0" smtClean="0">
+              <a:solidFill>
+                <a:srgbClr val="000000"/>
+              </a:solidFill>
+              <a:latin typeface="Arial" panose="020B0604020202020204" pitchFamily="34" charset="0"/>
+              <a:cs typeface="Arial" panose="020B0604020202020204" pitchFamily="34" charset="0"/>
+            </a:endParaRPr>
+          </a:p>
+          <a:p>
+            <a:pPr lvl="0">
+              <a:spcBef>
+                <a:spcPts val="600"/>
+              </a:spcBef>
+              <a:buClr>
+                <a:srgbClr val="004098"/>
+              </a:buClr>
+              <a:buSzPct val="100000"/>
+            </a:pPr>
+            <a:endParaRPr lang="en-US" altLang="zh-CN" dirty="0">
+              <a:solidFill>
+                <a:srgbClr val="000000"/>
+              </a:solidFill>
+              <a:latin typeface="Arial" panose="020B0604020202020204" pitchFamily="34" charset="0"/>
+              <a:cs typeface="Arial" panose="020B0604020202020204" pitchFamily="34" charset="0"/>
+            </a:endParaRPr>
+          </a:p>
+          <a:p>
+            <a:pPr lvl="0">
+              <a:spcBef>
+                <a:spcPts val="600"/>
+              </a:spcBef>
+              <a:buClr>
+                <a:srgbClr val="004098"/>
+              </a:buClr>
+              <a:buSzPct val="100000"/>
+            </a:pPr>
+            <a:endParaRPr lang="en-US" altLang="zh-CN" dirty="0" smtClean="0">
+              <a:solidFill>
+                <a:srgbClr val="000000"/>
+              </a:solidFill>
+              <a:latin typeface="Arial" panose="020B0604020202020204" pitchFamily="34" charset="0"/>
+              <a:cs typeface="Arial" panose="020B0604020202020204" pitchFamily="34" charset="0"/>
+            </a:endParaRPr>
+          </a:p>
+          <a:p>
+            <a:pPr marL="228600" lvl="0" indent="-228600">
+              <a:spcBef>
+                <a:spcPts val="600"/>
+              </a:spcBef>
+              <a:buClr>
+                <a:srgbClr val="004098"/>
+              </a:buClr>
+              <a:buSzPct val="100000"/>
+              <a:buFont typeface="Calibri" panose="020F0502020204030204" pitchFamily="34" charset="0"/>
+              <a:buChar char="▪"/>
+            </a:pPr>
+            <a:endParaRPr lang="en-US" altLang="zh-CN" b="1" dirty="0" smtClean="0">
+              <a:solidFill>
+                <a:srgbClr val="000000"/>
+              </a:solidFill>
+              <a:latin typeface="Arial" panose="020B0604020202020204" pitchFamily="34" charset="0"/>
+              <a:cs typeface="Arial" panose="020B0604020202020204" pitchFamily="34" charset="0"/>
+            </a:endParaRPr>
+          </a:p>
+          <a:p>
+            <a:pPr marL="228600" lvl="0" indent="-228600">
+              <a:spcBef>
+                <a:spcPts val="600"/>
+              </a:spcBef>
+              <a:buClr>
+                <a:srgbClr val="004098"/>
+              </a:buClr>
+              <a:buSzPct val="100000"/>
+              <a:buFont typeface="Calibri" panose="020F0502020204030204" pitchFamily="34" charset="0"/>
+              <a:buChar char="▪"/>
+            </a:pPr>
+            <a:endParaRPr lang="en-US" altLang="zh-CN" b="1" dirty="0">
+              <a:solidFill>
+                <a:srgbClr val="000000"/>
+              </a:solidFill>
+              <a:latin typeface="Arial" panose="020B0604020202020204" pitchFamily="34" charset="0"/>
+              <a:cs typeface="Arial" panose="020B0604020202020204" pitchFamily="34" charset="0"/>
+            </a:endParaRPr>
+          </a:p>
+          <a:p>
+            <a:pPr marL="228600" lvl="0" indent="-228600">
+              <a:spcBef>
+                <a:spcPts val="600"/>
+              </a:spcBef>
+              <a:buClr>
+                <a:srgbClr val="004098"/>
+              </a:buClr>
+              <a:buSzPct val="100000"/>
+              <a:buFont typeface="Calibri" panose="020F0502020204030204" pitchFamily="34" charset="0"/>
+              <a:buChar char="▪"/>
+            </a:pPr>
+            <a:endParaRPr lang="en-US" altLang="zh-CN" b="1" dirty="0" smtClean="0">
+              <a:solidFill>
+                <a:srgbClr val="000000"/>
+              </a:solidFill>
+              <a:latin typeface="Arial" panose="020B0604020202020204" pitchFamily="34" charset="0"/>
+              <a:cs typeface="Arial" panose="020B0604020202020204" pitchFamily="34" charset="0"/>
+            </a:endParaRPr>
+          </a:p>
+          <a:p>
+            <a:pPr marL="228600" lvl="0" indent="-228600">
+              <a:spcBef>
+                <a:spcPts val="600"/>
+              </a:spcBef>
+              <a:buClr>
+                <a:srgbClr val="004098"/>
+              </a:buClr>
+              <a:buSzPct val="100000"/>
+              <a:buFont typeface="Calibri" panose="020F0502020204030204" pitchFamily="34" charset="0"/>
+              <a:buChar char="▪"/>
+            </a:pPr>
+            <a:r>
+              <a:rPr lang="en-US" altLang="zh-CN" b="1" dirty="0" smtClean="0">
+                <a:solidFill>
+                  <a:srgbClr val="000000"/>
+                </a:solidFill>
+                <a:latin typeface="Arial" panose="020B0604020202020204" pitchFamily="34" charset="0"/>
+                <a:cs typeface="Arial" panose="020B0604020202020204" pitchFamily="34" charset="0"/>
+              </a:rPr>
+              <a:t>Initial Condition for finding key node in each layer</a:t>
+            </a:r>
+          </a:p>
+          <a:p>
+            <a:pPr lvl="0">
+              <a:spcBef>
+                <a:spcPts val="600"/>
+              </a:spcBef>
+              <a:buClr>
+                <a:srgbClr val="004098"/>
+              </a:buClr>
+              <a:buSzPct val="100000"/>
+            </a:pPr>
+            <a:r>
+              <a:rPr lang="en-US" altLang="zh-CN" dirty="0" smtClean="0">
+                <a:solidFill>
+                  <a:srgbClr val="000000"/>
+                </a:solidFill>
+                <a:latin typeface="Arial" panose="020B0604020202020204" pitchFamily="34" charset="0"/>
+                <a:cs typeface="Arial" panose="020B0604020202020204" pitchFamily="34" charset="0"/>
+              </a:rPr>
+              <a:t>    - Two layers are made of BA networks with 2048 nodes and 1 external edge.  </a:t>
+            </a:r>
+          </a:p>
+          <a:p>
+            <a:pPr lvl="0">
+              <a:spcBef>
+                <a:spcPts val="600"/>
+              </a:spcBef>
+              <a:buClr>
+                <a:srgbClr val="004098"/>
+              </a:buClr>
+              <a:buSzPct val="100000"/>
+            </a:pPr>
+            <a:r>
+              <a:rPr lang="en-US" altLang="zh-CN" dirty="0">
+                <a:solidFill>
+                  <a:srgbClr val="000000"/>
+                </a:solidFill>
+                <a:latin typeface="Arial" panose="020B0604020202020204" pitchFamily="34" charset="0"/>
+                <a:cs typeface="Arial" panose="020B0604020202020204" pitchFamily="34" charset="0"/>
+              </a:rPr>
+              <a:t> </a:t>
+            </a:r>
+            <a:r>
+              <a:rPr lang="en-US" altLang="zh-CN" dirty="0" smtClean="0">
+                <a:solidFill>
+                  <a:srgbClr val="000000"/>
+                </a:solidFill>
+                <a:latin typeface="Arial" panose="020B0604020202020204" pitchFamily="34" charset="0"/>
+                <a:cs typeface="Arial" panose="020B0604020202020204" pitchFamily="34" charset="0"/>
+              </a:rPr>
+              <a:t>   - Parameters : </a:t>
+            </a:r>
+          </a:p>
+          <a:p>
+            <a:pPr lvl="0">
+              <a:spcBef>
+                <a:spcPts val="600"/>
+              </a:spcBef>
+              <a:buClr>
+                <a:srgbClr val="004098"/>
+              </a:buClr>
+              <a:buSzPct val="100000"/>
+            </a:pPr>
+            <a:r>
+              <a:rPr lang="en-US" altLang="zh-CN" dirty="0">
+                <a:solidFill>
+                  <a:srgbClr val="000000"/>
+                </a:solidFill>
+                <a:latin typeface="Arial" panose="020B0604020202020204" pitchFamily="34" charset="0"/>
+                <a:cs typeface="Arial" panose="020B0604020202020204" pitchFamily="34" charset="0"/>
+              </a:rPr>
+              <a:t> </a:t>
+            </a:r>
+            <a:r>
+              <a:rPr lang="en-US" altLang="zh-CN" dirty="0" smtClean="0">
+                <a:solidFill>
+                  <a:srgbClr val="000000"/>
+                </a:solidFill>
+                <a:latin typeface="Arial" panose="020B0604020202020204" pitchFamily="34" charset="0"/>
+                <a:cs typeface="Arial" panose="020B0604020202020204" pitchFamily="34" charset="0"/>
+              </a:rPr>
+              <a:t>     Layer A : p = 0.3(0.2), v = 0.3(0.4)(negative consensus)</a:t>
+            </a:r>
+          </a:p>
+          <a:p>
+            <a:pPr lvl="0">
+              <a:spcBef>
+                <a:spcPts val="600"/>
+              </a:spcBef>
+              <a:buClr>
+                <a:srgbClr val="004098"/>
+              </a:buClr>
+              <a:buSzPct val="100000"/>
+            </a:pPr>
+            <a:r>
+              <a:rPr lang="en-US" altLang="zh-CN" dirty="0">
+                <a:solidFill>
+                  <a:srgbClr val="000000"/>
+                </a:solidFill>
+                <a:latin typeface="Arial" panose="020B0604020202020204" pitchFamily="34" charset="0"/>
+                <a:cs typeface="Arial" panose="020B0604020202020204" pitchFamily="34" charset="0"/>
+              </a:rPr>
+              <a:t> </a:t>
+            </a:r>
+            <a:r>
+              <a:rPr lang="en-US" altLang="zh-CN" dirty="0" smtClean="0">
+                <a:solidFill>
+                  <a:srgbClr val="000000"/>
+                </a:solidFill>
+                <a:latin typeface="Arial" panose="020B0604020202020204" pitchFamily="34" charset="0"/>
+                <a:cs typeface="Arial" panose="020B0604020202020204" pitchFamily="34" charset="0"/>
+              </a:rPr>
+              <a:t>     Layer B : p = 0.5, v = 0.5(positive consensus)</a:t>
+            </a:r>
+          </a:p>
+          <a:p>
+            <a:pPr lvl="0">
+              <a:spcBef>
+                <a:spcPts val="600"/>
+              </a:spcBef>
+              <a:buClr>
+                <a:srgbClr val="004098"/>
+              </a:buClr>
+              <a:buSzPct val="100000"/>
+            </a:pPr>
+            <a:endParaRPr lang="en-US" altLang="zh-CN" dirty="0" smtClean="0">
+              <a:solidFill>
+                <a:srgbClr val="000000"/>
+              </a:solidFill>
+              <a:latin typeface="Arial" panose="020B0604020202020204" pitchFamily="34" charset="0"/>
+              <a:cs typeface="Arial" panose="020B0604020202020204" pitchFamily="34" charset="0"/>
+            </a:endParaRPr>
+          </a:p>
+          <a:p>
+            <a:pPr lvl="0">
+              <a:spcBef>
+                <a:spcPts val="600"/>
+              </a:spcBef>
+              <a:buClr>
+                <a:srgbClr val="004098"/>
+              </a:buClr>
+              <a:buSzPct val="100000"/>
+            </a:pPr>
+            <a:r>
+              <a:rPr lang="en-US" altLang="zh-CN" dirty="0">
+                <a:solidFill>
+                  <a:srgbClr val="000000"/>
+                </a:solidFill>
+                <a:latin typeface="Arial" panose="020B0604020202020204" pitchFamily="34" charset="0"/>
+                <a:cs typeface="Arial" panose="020B0604020202020204" pitchFamily="34" charset="0"/>
+              </a:rPr>
+              <a:t> </a:t>
+            </a:r>
+            <a:r>
+              <a:rPr lang="en-US" altLang="zh-CN" dirty="0" smtClean="0">
+                <a:solidFill>
+                  <a:srgbClr val="000000"/>
+                </a:solidFill>
+                <a:latin typeface="Arial" panose="020B0604020202020204" pitchFamily="34" charset="0"/>
+                <a:cs typeface="Arial" panose="020B0604020202020204" pitchFamily="34" charset="0"/>
+              </a:rPr>
+              <a:t>   </a:t>
+            </a:r>
+            <a:endParaRPr lang="en-US" altLang="zh-CN" dirty="0" smtClean="0">
+              <a:solidFill>
+                <a:schemeClr val="accent1"/>
+              </a:solidFill>
+              <a:latin typeface="Arial" panose="020B0604020202020204" pitchFamily="34" charset="0"/>
+              <a:cs typeface="Arial" panose="020B0604020202020204" pitchFamily="34" charset="0"/>
+            </a:endParaRPr>
+          </a:p>
+        </p:txBody>
+      </p:sp>
+    </p:spTree>
+    <p:extLst>
+      <p:ext uri="{BB962C8B-B14F-4D97-AF65-F5344CB8AC3E}">
+        <p14:creationId xmlns:p14="http://schemas.microsoft.com/office/powerpoint/2010/main" val="2449070775"/>
+      </p:ext>
+    </p:extLst>
+  </p:cSld>
+  <p:clrMapOvr>
+    <a:masterClrMapping/>
+  </p:clrMapOvr>
+  <p:timing>
+    <p:tnLst>
+      <p:par>
+        <p:cTn id="1" dur="indefinite" restart="never" nodeType="tmRoot"/>
+      </p:par>
+    </p:tnLst>
+  </p:timing>
+</p:sld>
+</file>
+
+<file path=ppt/slides/slide3.xml><?xml version="1.0" encoding="utf-8"?>
+<p:sld xmlns:a="http://schemas.openxmlformats.org/drawingml/2006/main" xmlns:r="http://schemas.openxmlformats.org/officeDocument/2006/relationships" xmlns:p="http://schemas.openxmlformats.org/presentationml/2006/main">
+  <p:cSld>
+    <p:spTree>
+      <p:nvGrpSpPr>
+        <p:cNvPr id="1" name=""/>
+        <p:cNvGrpSpPr/>
+        <p:nvPr/>
+      </p:nvGrpSpPr>
+      <p:grpSpPr>
+        <a:xfrm>
+          <a:off x="0" y="0"/>
+          <a:ext cx="0" cy="0"/>
+          <a:chOff x="0" y="0"/>
+          <a:chExt cx="0" cy="0"/>
+        </a:xfrm>
+      </p:grpSpPr>
+      <p:pic>
+        <p:nvPicPr>
+          <p:cNvPr id="3" name="그림 2"/>
+          <p:cNvPicPr>
+            <a:picLocks noChangeAspect="1"/>
+          </p:cNvPicPr>
+          <p:nvPr/>
+        </p:nvPicPr>
+        <p:blipFill rotWithShape="1">
+          <a:blip r:embed="rId3">
+            <a:extLst>
+              <a:ext uri="{28A0092B-C50C-407E-A947-70E740481C1C}">
+                <a14:useLocalDpi xmlns:a14="http://schemas.microsoft.com/office/drawing/2010/main" val="0"/>
+              </a:ext>
+            </a:extLst>
+          </a:blip>
+          <a:srcRect l="8731" t="10994" r="9365" b="4972"/>
+          <a:stretch/>
+        </p:blipFill>
+        <p:spPr>
+          <a:xfrm>
+            <a:off x="616902" y="1774661"/>
+            <a:ext cx="7804785" cy="4537665"/>
+          </a:xfrm>
+          <a:prstGeom prst="rect">
+            <a:avLst/>
+          </a:prstGeom>
+        </p:spPr>
+      </p:pic>
+      <p:sp>
+        <p:nvSpPr>
+          <p:cNvPr id="4" name="TextBox 3"/>
+          <p:cNvSpPr txBox="1"/>
+          <p:nvPr/>
+        </p:nvSpPr>
+        <p:spPr>
+          <a:xfrm>
+            <a:off x="1988503" y="2072633"/>
+            <a:ext cx="1057275" cy="246221"/>
+          </a:xfrm>
+          <a:prstGeom prst="rect">
+            <a:avLst/>
+          </a:prstGeom>
+          <a:noFill/>
+        </p:spPr>
+        <p:txBody>
+          <a:bodyPr wrap="square" rtlCol="0" anchor="ctr">
+            <a:spAutoFit/>
+          </a:bodyPr>
+          <a:lstStyle/>
+          <a:p>
+            <a:pPr algn="ctr"/>
+            <a:r>
+              <a:rPr lang="en-US" altLang="zh-CN" sz="1000" dirty="0" smtClean="0">
+                <a:latin typeface="Arial" panose="020B0604020202020204" pitchFamily="34" charset="0"/>
+                <a:cs typeface="Arial" panose="020B0604020202020204" pitchFamily="34" charset="0"/>
+              </a:rPr>
+              <a:t>① Branch point</a:t>
+            </a:r>
+            <a:endParaRPr lang="zh-CN" altLang="en-US" sz="1000" dirty="0">
+              <a:latin typeface="Arial" panose="020B0604020202020204" pitchFamily="34" charset="0"/>
+              <a:cs typeface="Arial" panose="020B0604020202020204" pitchFamily="34" charset="0"/>
+            </a:endParaRPr>
+          </a:p>
+        </p:txBody>
+      </p:sp>
+      <p:cxnSp>
+        <p:nvCxnSpPr>
+          <p:cNvPr id="7" name="직선 화살표 연결선 6"/>
+          <p:cNvCxnSpPr>
+            <a:stCxn id="4" idx="1"/>
+          </p:cNvCxnSpPr>
+          <p:nvPr/>
+        </p:nvCxnSpPr>
+        <p:spPr>
+          <a:xfrm flipH="1">
+            <a:off x="1455103" y="2195744"/>
+            <a:ext cx="533400" cy="306445"/>
+          </a:xfrm>
+          <a:prstGeom prst="straightConnector1">
+            <a:avLst/>
+          </a:prstGeom>
+          <a:ln>
+            <a:tailEnd type="triangle"/>
+          </a:ln>
+        </p:spPr>
+        <p:style>
+          <a:lnRef idx="1">
+            <a:schemeClr val="accent1"/>
+          </a:lnRef>
+          <a:fillRef idx="0">
+            <a:schemeClr val="accent1"/>
+          </a:fillRef>
+          <a:effectRef idx="0">
+            <a:schemeClr val="accent1"/>
+          </a:effectRef>
+          <a:fontRef idx="minor">
+            <a:schemeClr val="tx1"/>
+          </a:fontRef>
+        </p:style>
+      </p:cxnSp>
+      <p:sp>
+        <p:nvSpPr>
+          <p:cNvPr id="11" name="TextBox 10"/>
+          <p:cNvSpPr txBox="1"/>
+          <p:nvPr/>
+        </p:nvSpPr>
+        <p:spPr>
+          <a:xfrm>
+            <a:off x="2645727" y="3025133"/>
+            <a:ext cx="1076325" cy="246221"/>
+          </a:xfrm>
+          <a:prstGeom prst="rect">
+            <a:avLst/>
+          </a:prstGeom>
+          <a:noFill/>
+        </p:spPr>
+        <p:txBody>
+          <a:bodyPr wrap="square" rtlCol="0" anchor="ctr">
+            <a:spAutoFit/>
+          </a:bodyPr>
+          <a:lstStyle/>
+          <a:p>
+            <a:pPr algn="ctr"/>
+            <a:r>
+              <a:rPr lang="en-US" altLang="zh-CN" sz="1000" dirty="0" smtClean="0">
+                <a:latin typeface="Arial" panose="020B0604020202020204" pitchFamily="34" charset="0"/>
+                <a:cs typeface="Arial" panose="020B0604020202020204" pitchFamily="34" charset="0"/>
+              </a:rPr>
+              <a:t>③ Branch point</a:t>
+            </a:r>
+            <a:endParaRPr lang="zh-CN" altLang="en-US" sz="1000" dirty="0">
+              <a:latin typeface="Arial" panose="020B0604020202020204" pitchFamily="34" charset="0"/>
+              <a:cs typeface="Arial" panose="020B0604020202020204" pitchFamily="34" charset="0"/>
+            </a:endParaRPr>
+          </a:p>
+        </p:txBody>
+      </p:sp>
+      <p:cxnSp>
+        <p:nvCxnSpPr>
+          <p:cNvPr id="12" name="직선 화살표 연결선 11"/>
+          <p:cNvCxnSpPr>
+            <a:stCxn id="11" idx="1"/>
+          </p:cNvCxnSpPr>
+          <p:nvPr/>
+        </p:nvCxnSpPr>
+        <p:spPr>
+          <a:xfrm flipH="1">
+            <a:off x="2112329" y="3148244"/>
+            <a:ext cx="533398" cy="306445"/>
+          </a:xfrm>
+          <a:prstGeom prst="straightConnector1">
+            <a:avLst/>
+          </a:prstGeom>
+          <a:ln>
+            <a:tailEnd type="triangle"/>
+          </a:ln>
+        </p:spPr>
+        <p:style>
+          <a:lnRef idx="1">
+            <a:schemeClr val="accent1"/>
+          </a:lnRef>
+          <a:fillRef idx="0">
+            <a:schemeClr val="accent1"/>
+          </a:fillRef>
+          <a:effectRef idx="0">
+            <a:schemeClr val="accent1"/>
+          </a:effectRef>
+          <a:fontRef idx="minor">
+            <a:schemeClr val="tx1"/>
+          </a:fontRef>
+        </p:style>
+      </p:cxnSp>
+      <p:sp>
+        <p:nvSpPr>
+          <p:cNvPr id="13" name="TextBox 12"/>
+          <p:cNvSpPr txBox="1"/>
+          <p:nvPr/>
+        </p:nvSpPr>
+        <p:spPr>
+          <a:xfrm>
+            <a:off x="674052" y="4347682"/>
+            <a:ext cx="1104901" cy="246221"/>
+          </a:xfrm>
+          <a:prstGeom prst="rect">
+            <a:avLst/>
+          </a:prstGeom>
+          <a:noFill/>
+        </p:spPr>
+        <p:txBody>
+          <a:bodyPr wrap="square" rtlCol="0" anchor="ctr">
+            <a:spAutoFit/>
+          </a:bodyPr>
+          <a:lstStyle/>
+          <a:p>
+            <a:pPr algn="ctr"/>
+            <a:r>
+              <a:rPr lang="en-US" altLang="zh-CN" sz="1000" dirty="0" smtClean="0">
+                <a:latin typeface="Arial" panose="020B0604020202020204" pitchFamily="34" charset="0"/>
+                <a:cs typeface="Arial" panose="020B0604020202020204" pitchFamily="34" charset="0"/>
+              </a:rPr>
+              <a:t>②  Branch point</a:t>
+            </a:r>
+            <a:endParaRPr lang="zh-CN" altLang="en-US" sz="1000" dirty="0">
+              <a:latin typeface="Arial" panose="020B0604020202020204" pitchFamily="34" charset="0"/>
+              <a:cs typeface="Arial" panose="020B0604020202020204" pitchFamily="34" charset="0"/>
+            </a:endParaRPr>
+          </a:p>
+        </p:txBody>
+      </p:sp>
+      <p:cxnSp>
+        <p:nvCxnSpPr>
+          <p:cNvPr id="14" name="직선 화살표 연결선 13"/>
+          <p:cNvCxnSpPr>
+            <a:stCxn id="13" idx="0"/>
+          </p:cNvCxnSpPr>
+          <p:nvPr/>
+        </p:nvCxnSpPr>
+        <p:spPr>
+          <a:xfrm flipV="1">
+            <a:off x="1226503" y="3866376"/>
+            <a:ext cx="495300" cy="481306"/>
+          </a:xfrm>
+          <a:prstGeom prst="straightConnector1">
+            <a:avLst/>
+          </a:prstGeom>
+          <a:ln>
+            <a:tailEnd type="triangle"/>
+          </a:ln>
+        </p:spPr>
+        <p:style>
+          <a:lnRef idx="1">
+            <a:schemeClr val="accent1"/>
+          </a:lnRef>
+          <a:fillRef idx="0">
+            <a:schemeClr val="accent1"/>
+          </a:fillRef>
+          <a:effectRef idx="0">
+            <a:schemeClr val="accent1"/>
+          </a:effectRef>
+          <a:fontRef idx="minor">
+            <a:schemeClr val="tx1"/>
+          </a:fontRef>
+        </p:style>
+      </p:cxnSp>
+      <p:sp>
+        <p:nvSpPr>
+          <p:cNvPr id="10" name="제목 2"/>
+          <p:cNvSpPr>
+            <a:spLocks noGrp="1"/>
+          </p:cNvSpPr>
+          <p:nvPr>
+            <p:ph type="title"/>
+          </p:nvPr>
+        </p:nvSpPr>
+        <p:spPr>
+          <a:xfrm>
+            <a:off x="49524" y="923477"/>
+            <a:ext cx="8372163" cy="574183"/>
+          </a:xfrm>
+        </p:spPr>
+        <p:txBody>
+          <a:bodyPr>
+            <a:normAutofit/>
+          </a:bodyPr>
+          <a:lstStyle/>
+          <a:p>
+            <a:pPr lvl="0"/>
+            <a:r>
+              <a:rPr lang="en-US" altLang="zh-CN" sz="2400" dirty="0" smtClean="0"/>
+              <a:t>Analyzing updating rules</a:t>
+            </a:r>
+            <a:endParaRPr lang="zh-CN" altLang="en-US" sz="2800" dirty="0"/>
+          </a:p>
+        </p:txBody>
+      </p:sp>
+    </p:spTree>
+    <p:extLst>
+      <p:ext uri="{BB962C8B-B14F-4D97-AF65-F5344CB8AC3E}">
+        <p14:creationId xmlns:p14="http://schemas.microsoft.com/office/powerpoint/2010/main" val="7869146"/>
+      </p:ext>
+    </p:extLst>
+  </p:cSld>
+  <p:clrMapOvr>
+    <a:masterClrMapping/>
+  </p:clrMapOvr>
+</p:sld>
+</file>
+
+<file path=ppt/slides/slide4.xml><?xml version="1.0" encoding="utf-8"?>
+<p:sld xmlns:a="http://schemas.openxmlformats.org/drawingml/2006/main" xmlns:r="http://schemas.openxmlformats.org/officeDocument/2006/relationships" xmlns:p="http://schemas.openxmlformats.org/presentationml/2006/main">
+  <p:cSld>
+    <p:spTree>
+      <p:nvGrpSpPr>
+        <p:cNvPr id="1" name=""/>
+        <p:cNvGrpSpPr/>
+        <p:nvPr/>
+      </p:nvGrpSpPr>
+      <p:grpSpPr>
+        <a:xfrm>
+          <a:off x="0" y="0"/>
+          <a:ext cx="0" cy="0"/>
+          <a:chOff x="0" y="0"/>
+          <a:chExt cx="0" cy="0"/>
+        </a:xfrm>
+      </p:grpSpPr>
+      <p:sp>
+        <p:nvSpPr>
+          <p:cNvPr id="3" name="제목 2"/>
+          <p:cNvSpPr>
+            <a:spLocks noGrp="1"/>
+          </p:cNvSpPr>
+          <p:nvPr>
+            <p:ph type="title"/>
+          </p:nvPr>
+        </p:nvSpPr>
+        <p:spPr>
+          <a:xfrm>
+            <a:off x="49524" y="923477"/>
+            <a:ext cx="8372163" cy="574183"/>
+          </a:xfrm>
+        </p:spPr>
+        <p:txBody>
+          <a:bodyPr>
+            <a:normAutofit/>
+          </a:bodyPr>
+          <a:lstStyle/>
+          <a:p>
+            <a:pPr lvl="0"/>
+            <a:r>
+              <a:rPr lang="en-US" altLang="zh-CN" sz="2400" dirty="0" smtClean="0"/>
+              <a:t>Analyzing updating rules</a:t>
+            </a:r>
+            <a:endParaRPr lang="zh-CN" altLang="en-US" sz="2800" dirty="0"/>
+          </a:p>
+        </p:txBody>
+      </p:sp>
+      <p:sp>
+        <p:nvSpPr>
+          <p:cNvPr id="9" name="직사각형 8"/>
+          <p:cNvSpPr/>
+          <p:nvPr/>
+        </p:nvSpPr>
+        <p:spPr>
+          <a:xfrm>
+            <a:off x="-3567" y="1631203"/>
+            <a:ext cx="10265167" cy="4970591"/>
+          </a:xfrm>
+          <a:prstGeom prst="rect">
+            <a:avLst/>
+          </a:prstGeom>
+        </p:spPr>
+        <p:txBody>
+          <a:bodyPr wrap="square">
+            <a:spAutoFit/>
+          </a:bodyPr>
+          <a:lstStyle/>
+          <a:p>
+            <a:pPr marL="228600" lvl="0" indent="-228600">
+              <a:spcBef>
+                <a:spcPts val="600"/>
+              </a:spcBef>
+              <a:buClr>
+                <a:srgbClr val="004098"/>
+              </a:buClr>
+              <a:buSzPct val="100000"/>
+              <a:buFont typeface="Calibri" panose="020F0502020204030204" pitchFamily="34" charset="0"/>
+              <a:buChar char="▪"/>
+            </a:pPr>
+            <a:r>
+              <a:rPr lang="en-US" altLang="zh-CN" b="1" dirty="0" smtClean="0">
+                <a:solidFill>
+                  <a:srgbClr val="000000"/>
+                </a:solidFill>
+                <a:latin typeface="Arial" panose="020B0604020202020204" pitchFamily="34" charset="0"/>
+                <a:cs typeface="Arial" panose="020B0604020202020204" pitchFamily="34" charset="0"/>
+              </a:rPr>
+              <a:t>Orders between layers</a:t>
+            </a:r>
+          </a:p>
+          <a:p>
+            <a:pPr lvl="0">
+              <a:spcBef>
+                <a:spcPts val="600"/>
+              </a:spcBef>
+              <a:buClr>
+                <a:srgbClr val="004098"/>
+              </a:buClr>
+              <a:buSzPct val="100000"/>
+            </a:pPr>
+            <a:r>
+              <a:rPr lang="en-US" altLang="zh-CN" b="1" dirty="0">
+                <a:solidFill>
+                  <a:srgbClr val="000000"/>
+                </a:solidFill>
+                <a:latin typeface="Arial" panose="020B0604020202020204" pitchFamily="34" charset="0"/>
+                <a:cs typeface="Arial" panose="020B0604020202020204" pitchFamily="34" charset="0"/>
+              </a:rPr>
+              <a:t> </a:t>
+            </a:r>
+            <a:r>
+              <a:rPr lang="en-US" altLang="zh-CN" b="1" dirty="0" smtClean="0">
+                <a:solidFill>
+                  <a:srgbClr val="000000"/>
+                </a:solidFill>
+                <a:latin typeface="Arial" panose="020B0604020202020204" pitchFamily="34" charset="0"/>
+                <a:cs typeface="Arial" panose="020B0604020202020204" pitchFamily="34" charset="0"/>
+              </a:rPr>
+              <a:t>   </a:t>
+            </a:r>
+            <a:r>
+              <a:rPr lang="en-US" altLang="zh-CN" dirty="0" smtClean="0">
+                <a:solidFill>
+                  <a:srgbClr val="000000"/>
+                </a:solidFill>
+                <a:latin typeface="Arial" panose="020B0604020202020204" pitchFamily="34" charset="0"/>
+                <a:cs typeface="Arial" panose="020B0604020202020204" pitchFamily="34" charset="0"/>
+              </a:rPr>
+              <a:t>- There is no difference between orders of layers, though there exists tiny </a:t>
+            </a:r>
+          </a:p>
+          <a:p>
+            <a:pPr lvl="0">
+              <a:spcBef>
+                <a:spcPts val="600"/>
+              </a:spcBef>
+              <a:buClr>
+                <a:srgbClr val="004098"/>
+              </a:buClr>
+              <a:buSzPct val="100000"/>
+            </a:pPr>
+            <a:r>
+              <a:rPr lang="en-US" altLang="zh-CN" dirty="0">
+                <a:solidFill>
+                  <a:srgbClr val="000000"/>
+                </a:solidFill>
+                <a:latin typeface="Arial" panose="020B0604020202020204" pitchFamily="34" charset="0"/>
+                <a:cs typeface="Arial" panose="020B0604020202020204" pitchFamily="34" charset="0"/>
+              </a:rPr>
+              <a:t> </a:t>
+            </a:r>
+            <a:r>
+              <a:rPr lang="en-US" altLang="zh-CN" dirty="0" smtClean="0">
+                <a:solidFill>
+                  <a:srgbClr val="000000"/>
+                </a:solidFill>
+                <a:latin typeface="Arial" panose="020B0604020202020204" pitchFamily="34" charset="0"/>
+                <a:cs typeface="Arial" panose="020B0604020202020204" pitchFamily="34" charset="0"/>
+              </a:rPr>
+              <a:t>     consensus time gap. Regardless of  which layer works previously, </a:t>
+            </a:r>
+          </a:p>
+          <a:p>
+            <a:pPr lvl="0">
+              <a:spcBef>
+                <a:spcPts val="600"/>
+              </a:spcBef>
+              <a:buClr>
+                <a:srgbClr val="004098"/>
+              </a:buClr>
+              <a:buSzPct val="100000"/>
+            </a:pPr>
+            <a:r>
+              <a:rPr lang="en-US" altLang="zh-CN" dirty="0">
+                <a:solidFill>
+                  <a:srgbClr val="000000"/>
+                </a:solidFill>
+                <a:latin typeface="Arial" panose="020B0604020202020204" pitchFamily="34" charset="0"/>
+                <a:cs typeface="Arial" panose="020B0604020202020204" pitchFamily="34" charset="0"/>
+              </a:rPr>
+              <a:t> </a:t>
+            </a:r>
+            <a:r>
+              <a:rPr lang="en-US" altLang="zh-CN" dirty="0" smtClean="0">
+                <a:solidFill>
+                  <a:srgbClr val="000000"/>
+                </a:solidFill>
+                <a:latin typeface="Arial" panose="020B0604020202020204" pitchFamily="34" charset="0"/>
+                <a:cs typeface="Arial" panose="020B0604020202020204" pitchFamily="34" charset="0"/>
+              </a:rPr>
+              <a:t>     simulation results are almost same.</a:t>
+            </a:r>
+          </a:p>
+          <a:p>
+            <a:pPr marL="228600" lvl="0" indent="-228600">
+              <a:spcBef>
+                <a:spcPts val="600"/>
+              </a:spcBef>
+              <a:buClr>
+                <a:srgbClr val="004098"/>
+              </a:buClr>
+              <a:buSzPct val="100000"/>
+              <a:buFont typeface="Calibri" panose="020F0502020204030204" pitchFamily="34" charset="0"/>
+              <a:buChar char="▪"/>
+            </a:pPr>
+            <a:r>
+              <a:rPr lang="en-US" altLang="zh-CN" b="1" dirty="0" smtClean="0">
+                <a:solidFill>
+                  <a:srgbClr val="000000"/>
+                </a:solidFill>
+                <a:latin typeface="Arial" panose="020B0604020202020204" pitchFamily="34" charset="0"/>
+                <a:cs typeface="Arial" panose="020B0604020202020204" pitchFamily="34" charset="0"/>
+              </a:rPr>
+              <a:t>Orders between nodes</a:t>
+            </a:r>
+            <a:endParaRPr lang="en-US" altLang="zh-CN" b="1" dirty="0">
+              <a:solidFill>
+                <a:srgbClr val="000000"/>
+              </a:solidFill>
+              <a:latin typeface="Arial" panose="020B0604020202020204" pitchFamily="34" charset="0"/>
+              <a:cs typeface="Arial" panose="020B0604020202020204" pitchFamily="34" charset="0"/>
+            </a:endParaRPr>
+          </a:p>
+          <a:p>
+            <a:pPr lvl="0">
+              <a:spcBef>
+                <a:spcPts val="600"/>
+              </a:spcBef>
+              <a:buClr>
+                <a:srgbClr val="004098"/>
+              </a:buClr>
+              <a:buSzPct val="100000"/>
+            </a:pPr>
+            <a:r>
+              <a:rPr lang="en-US" altLang="zh-CN" b="1" dirty="0">
+                <a:solidFill>
+                  <a:srgbClr val="000000"/>
+                </a:solidFill>
+                <a:latin typeface="Arial" panose="020B0604020202020204" pitchFamily="34" charset="0"/>
+                <a:cs typeface="Arial" panose="020B0604020202020204" pitchFamily="34" charset="0"/>
+              </a:rPr>
+              <a:t>    </a:t>
+            </a:r>
+            <a:r>
+              <a:rPr lang="en-US" altLang="zh-CN" dirty="0">
+                <a:solidFill>
+                  <a:srgbClr val="000000"/>
+                </a:solidFill>
+                <a:latin typeface="Arial" panose="020B0604020202020204" pitchFamily="34" charset="0"/>
+                <a:cs typeface="Arial" panose="020B0604020202020204" pitchFamily="34" charset="0"/>
+              </a:rPr>
+              <a:t>- In layer A dynamics, when two nodes are connected, probability p and q are applied. </a:t>
+            </a:r>
+          </a:p>
+          <a:p>
+            <a:pPr lvl="0">
+              <a:spcBef>
+                <a:spcPts val="600"/>
+              </a:spcBef>
+              <a:buClr>
+                <a:srgbClr val="004098"/>
+              </a:buClr>
+              <a:buSzPct val="100000"/>
+            </a:pPr>
+            <a:r>
+              <a:rPr lang="en-US" altLang="zh-CN" dirty="0">
+                <a:solidFill>
+                  <a:srgbClr val="000000"/>
+                </a:solidFill>
+                <a:latin typeface="Arial" panose="020B0604020202020204" pitchFamily="34" charset="0"/>
+                <a:cs typeface="Arial" panose="020B0604020202020204" pitchFamily="34" charset="0"/>
+              </a:rPr>
+              <a:t>    </a:t>
+            </a:r>
+            <a:r>
+              <a:rPr lang="en-US" altLang="zh-CN" dirty="0" smtClean="0">
+                <a:solidFill>
+                  <a:srgbClr val="000000"/>
+                </a:solidFill>
+                <a:latin typeface="Arial" panose="020B0604020202020204" pitchFamily="34" charset="0"/>
+                <a:cs typeface="Arial" panose="020B0604020202020204" pitchFamily="34" charset="0"/>
+              </a:rPr>
+              <a:t>- Orders of nodes can be analyzed as </a:t>
+            </a:r>
+            <a:r>
+              <a:rPr lang="en-US" altLang="zh-CN" dirty="0" smtClean="0">
+                <a:solidFill>
+                  <a:schemeClr val="accent1"/>
+                </a:solidFill>
+                <a:latin typeface="Arial" panose="020B0604020202020204" pitchFamily="34" charset="0"/>
+                <a:cs typeface="Arial" panose="020B0604020202020204" pitchFamily="34" charset="0"/>
+              </a:rPr>
+              <a:t>communication or decision-making methods.</a:t>
+            </a:r>
+          </a:p>
+          <a:p>
+            <a:pPr lvl="0">
+              <a:spcBef>
+                <a:spcPts val="600"/>
+              </a:spcBef>
+              <a:buClr>
+                <a:srgbClr val="004098"/>
+              </a:buClr>
+              <a:buSzPct val="100000"/>
+            </a:pPr>
+            <a:r>
+              <a:rPr lang="en-US" altLang="zh-CN" dirty="0">
+                <a:solidFill>
+                  <a:schemeClr val="accent1"/>
+                </a:solidFill>
+                <a:latin typeface="Arial" panose="020B0604020202020204" pitchFamily="34" charset="0"/>
+                <a:cs typeface="Arial" panose="020B0604020202020204" pitchFamily="34" charset="0"/>
+              </a:rPr>
+              <a:t> </a:t>
+            </a:r>
+            <a:r>
+              <a:rPr lang="en-US" altLang="zh-CN" dirty="0" smtClean="0">
+                <a:solidFill>
+                  <a:schemeClr val="accent1"/>
+                </a:solidFill>
+                <a:latin typeface="Arial" panose="020B0604020202020204" pitchFamily="34" charset="0"/>
+                <a:cs typeface="Arial" panose="020B0604020202020204" pitchFamily="34" charset="0"/>
+              </a:rPr>
+              <a:t>      Sequential : discussion, conversation</a:t>
+            </a:r>
+          </a:p>
+          <a:p>
+            <a:pPr lvl="0">
+              <a:spcBef>
+                <a:spcPts val="600"/>
+              </a:spcBef>
+              <a:buClr>
+                <a:srgbClr val="004098"/>
+              </a:buClr>
+              <a:buSzPct val="100000"/>
+            </a:pPr>
+            <a:r>
+              <a:rPr lang="en-US" altLang="zh-CN" dirty="0">
+                <a:solidFill>
+                  <a:schemeClr val="accent1"/>
+                </a:solidFill>
+                <a:latin typeface="Arial" panose="020B0604020202020204" pitchFamily="34" charset="0"/>
+                <a:cs typeface="Arial" panose="020B0604020202020204" pitchFamily="34" charset="0"/>
+              </a:rPr>
+              <a:t> </a:t>
+            </a:r>
+            <a:r>
+              <a:rPr lang="en-US" altLang="zh-CN" dirty="0" smtClean="0">
+                <a:solidFill>
+                  <a:schemeClr val="accent1"/>
+                </a:solidFill>
+                <a:latin typeface="Arial" panose="020B0604020202020204" pitchFamily="34" charset="0"/>
+                <a:cs typeface="Arial" panose="020B0604020202020204" pitchFamily="34" charset="0"/>
+              </a:rPr>
+              <a:t>      Simultaneous : vote, election</a:t>
+            </a:r>
+          </a:p>
+          <a:p>
+            <a:pPr marL="228600" lvl="0" indent="-228600">
+              <a:spcBef>
+                <a:spcPts val="600"/>
+              </a:spcBef>
+              <a:buClr>
+                <a:srgbClr val="004098"/>
+              </a:buClr>
+              <a:buSzPct val="100000"/>
+              <a:buFont typeface="Calibri" panose="020F0502020204030204" pitchFamily="34" charset="0"/>
+              <a:buChar char="▪"/>
+            </a:pPr>
+            <a:r>
+              <a:rPr lang="en-US" altLang="zh-CN" b="1" dirty="0" smtClean="0">
+                <a:solidFill>
+                  <a:srgbClr val="000000"/>
+                </a:solidFill>
+                <a:latin typeface="Arial" panose="020B0604020202020204" pitchFamily="34" charset="0"/>
+                <a:cs typeface="Arial" panose="020B0604020202020204" pitchFamily="34" charset="0"/>
+              </a:rPr>
+              <a:t>Orders between edges of each node in layer A</a:t>
+            </a:r>
+          </a:p>
+          <a:p>
+            <a:pPr lvl="0">
+              <a:spcBef>
+                <a:spcPts val="600"/>
+              </a:spcBef>
+              <a:buClr>
+                <a:srgbClr val="004098"/>
+              </a:buClr>
+              <a:buSzPct val="100000"/>
+            </a:pPr>
+            <a:r>
+              <a:rPr lang="en-US" altLang="zh-CN" dirty="0" smtClean="0">
+                <a:solidFill>
+                  <a:srgbClr val="000000"/>
+                </a:solidFill>
+                <a:latin typeface="Arial" panose="020B0604020202020204" pitchFamily="34" charset="0"/>
+                <a:cs typeface="Arial" panose="020B0604020202020204" pitchFamily="34" charset="0"/>
+              </a:rPr>
+              <a:t>    </a:t>
+            </a:r>
+            <a:r>
+              <a:rPr lang="en-US" altLang="zh-CN" dirty="0">
+                <a:solidFill>
+                  <a:srgbClr val="000000"/>
+                </a:solidFill>
+                <a:latin typeface="Arial" panose="020B0604020202020204" pitchFamily="34" charset="0"/>
+                <a:cs typeface="Arial" panose="020B0604020202020204" pitchFamily="34" charset="0"/>
+              </a:rPr>
+              <a:t>- As future work, the key nodes and edges are investigated</a:t>
+            </a:r>
+          </a:p>
+          <a:p>
+            <a:pPr lvl="0">
+              <a:spcBef>
+                <a:spcPts val="600"/>
+              </a:spcBef>
+              <a:buClr>
+                <a:srgbClr val="004098"/>
+              </a:buClr>
+              <a:buSzPct val="100000"/>
+            </a:pPr>
+            <a:r>
+              <a:rPr lang="en-US" altLang="zh-CN" dirty="0">
+                <a:solidFill>
+                  <a:srgbClr val="000000"/>
+                </a:solidFill>
+                <a:latin typeface="Arial" panose="020B0604020202020204" pitchFamily="34" charset="0"/>
+                <a:cs typeface="Arial" panose="020B0604020202020204" pitchFamily="34" charset="0"/>
+              </a:rPr>
+              <a:t>    - </a:t>
+            </a:r>
+            <a:r>
+              <a:rPr lang="en-US" altLang="zh-CN" dirty="0" smtClean="0">
+                <a:solidFill>
+                  <a:srgbClr val="000000"/>
+                </a:solidFill>
+                <a:latin typeface="Arial" panose="020B0604020202020204" pitchFamily="34" charset="0"/>
+                <a:cs typeface="Arial" panose="020B0604020202020204" pitchFamily="34" charset="0"/>
+              </a:rPr>
+              <a:t>Orders of edges can be analyzed as </a:t>
+            </a:r>
+            <a:r>
+              <a:rPr lang="en-US" altLang="zh-CN" dirty="0" smtClean="0">
+                <a:solidFill>
+                  <a:schemeClr val="accent1"/>
+                </a:solidFill>
+                <a:latin typeface="Arial" panose="020B0604020202020204" pitchFamily="34" charset="0"/>
+                <a:cs typeface="Arial" panose="020B0604020202020204" pitchFamily="34" charset="0"/>
+              </a:rPr>
+              <a:t>characteristics of nodes. </a:t>
+            </a:r>
+          </a:p>
+          <a:p>
+            <a:pPr lvl="0">
+              <a:spcBef>
+                <a:spcPts val="600"/>
+              </a:spcBef>
+              <a:buClr>
+                <a:srgbClr val="004098"/>
+              </a:buClr>
+              <a:buSzPct val="100000"/>
+            </a:pPr>
+            <a:r>
+              <a:rPr lang="en-US" altLang="zh-CN" dirty="0">
+                <a:solidFill>
+                  <a:schemeClr val="accent1"/>
+                </a:solidFill>
+                <a:latin typeface="Arial" panose="020B0604020202020204" pitchFamily="34" charset="0"/>
+                <a:cs typeface="Arial" panose="020B0604020202020204" pitchFamily="34" charset="0"/>
+              </a:rPr>
+              <a:t> </a:t>
+            </a:r>
+            <a:r>
+              <a:rPr lang="en-US" altLang="zh-CN" dirty="0" smtClean="0">
+                <a:solidFill>
+                  <a:schemeClr val="accent1"/>
+                </a:solidFill>
+                <a:latin typeface="Arial" panose="020B0604020202020204" pitchFamily="34" charset="0"/>
+                <a:cs typeface="Arial" panose="020B0604020202020204" pitchFamily="34" charset="0"/>
+              </a:rPr>
+              <a:t>     Sequential :  rash nodes(changing states whenever edges are activated)</a:t>
+            </a:r>
+          </a:p>
+          <a:p>
+            <a:pPr lvl="0">
+              <a:spcBef>
+                <a:spcPts val="600"/>
+              </a:spcBef>
+              <a:buClr>
+                <a:srgbClr val="004098"/>
+              </a:buClr>
+              <a:buSzPct val="100000"/>
+            </a:pPr>
+            <a:r>
+              <a:rPr lang="en-US" altLang="zh-CN" dirty="0">
+                <a:solidFill>
+                  <a:schemeClr val="accent1"/>
+                </a:solidFill>
+                <a:latin typeface="Arial" panose="020B0604020202020204" pitchFamily="34" charset="0"/>
+                <a:cs typeface="Arial" panose="020B0604020202020204" pitchFamily="34" charset="0"/>
+              </a:rPr>
+              <a:t> </a:t>
+            </a:r>
+            <a:r>
+              <a:rPr lang="en-US" altLang="zh-CN" dirty="0" smtClean="0">
+                <a:solidFill>
+                  <a:schemeClr val="accent1"/>
+                </a:solidFill>
+                <a:latin typeface="Arial" panose="020B0604020202020204" pitchFamily="34" charset="0"/>
+                <a:cs typeface="Arial" panose="020B0604020202020204" pitchFamily="34" charset="0"/>
+              </a:rPr>
+              <a:t>     Simultaneous : considerate nodes(changing states after considering all cases)</a:t>
+            </a:r>
+          </a:p>
+        </p:txBody>
+      </p:sp>
+    </p:spTree>
+    <p:extLst>
+      <p:ext uri="{BB962C8B-B14F-4D97-AF65-F5344CB8AC3E}">
+        <p14:creationId xmlns:p14="http://schemas.microsoft.com/office/powerpoint/2010/main" val="638437810"/>
+      </p:ext>
+    </p:extLst>
+  </p:cSld>
+  <p:clrMapOvr>
+    <a:masterClrMapping/>
+  </p:clrMapOvr>
+  <p:timing>
+    <p:tnLst>
+      <p:par>
+        <p:cTn id="1" dur="indefinite" restart="never" nodeType="tmRoot"/>
+      </p:par>
+    </p:tnLst>
+  </p:timing>
+</p:sld>
+</file>
+
+<file path=ppt/slides/slide5.xml><?xml version="1.0" encoding="utf-8"?>
+<p:sld xmlns:a="http://schemas.openxmlformats.org/drawingml/2006/main" xmlns:r="http://schemas.openxmlformats.org/officeDocument/2006/relationships" xmlns:p="http://schemas.openxmlformats.org/presentationml/2006/main">
+  <p:cSld>
+    <p:spTree>
+      <p:nvGrpSpPr>
+        <p:cNvPr id="1" name=""/>
+        <p:cNvGrpSpPr/>
+        <p:nvPr/>
+      </p:nvGrpSpPr>
+      <p:grpSpPr>
+        <a:xfrm>
+          <a:off x="0" y="0"/>
+          <a:ext cx="0" cy="0"/>
+          <a:chOff x="0" y="0"/>
+          <a:chExt cx="0" cy="0"/>
+        </a:xfrm>
+      </p:grpSpPr>
+      <p:sp>
+        <p:nvSpPr>
+          <p:cNvPr id="3" name="제목 2"/>
+          <p:cNvSpPr>
+            <a:spLocks noGrp="1"/>
+          </p:cNvSpPr>
+          <p:nvPr>
+            <p:ph type="title"/>
+          </p:nvPr>
+        </p:nvSpPr>
+        <p:spPr>
+          <a:xfrm>
+            <a:off x="49524" y="923477"/>
+            <a:ext cx="8372163" cy="574183"/>
+          </a:xfrm>
+        </p:spPr>
+        <p:txBody>
+          <a:bodyPr>
+            <a:normAutofit/>
+          </a:bodyPr>
+          <a:lstStyle/>
+          <a:p>
+            <a:pPr lvl="0"/>
+            <a:r>
+              <a:rPr lang="en-US" altLang="zh-CN" sz="2400" dirty="0" smtClean="0"/>
+              <a:t>Finding key nodes in each layer</a:t>
+            </a:r>
+            <a:endParaRPr lang="zh-CN" altLang="en-US" sz="2800" dirty="0"/>
+          </a:p>
+        </p:txBody>
+      </p:sp>
+      <p:sp>
+        <p:nvSpPr>
+          <p:cNvPr id="4" name="직사각형 3"/>
+          <p:cNvSpPr/>
+          <p:nvPr/>
+        </p:nvSpPr>
+        <p:spPr>
+          <a:xfrm>
+            <a:off x="-3567" y="1631203"/>
+            <a:ext cx="10265167" cy="5678478"/>
+          </a:xfrm>
+          <a:prstGeom prst="rect">
+            <a:avLst/>
+          </a:prstGeom>
+        </p:spPr>
+        <p:txBody>
+          <a:bodyPr wrap="square">
+            <a:spAutoFit/>
+          </a:bodyPr>
+          <a:lstStyle/>
+          <a:p>
+            <a:pPr marL="228600" lvl="0" indent="-228600">
+              <a:spcBef>
+                <a:spcPts val="600"/>
+              </a:spcBef>
+              <a:buClr>
+                <a:srgbClr val="004098"/>
+              </a:buClr>
+              <a:buSzPct val="100000"/>
+              <a:buFont typeface="Calibri" panose="020F0502020204030204" pitchFamily="34" charset="0"/>
+              <a:buChar char="▪"/>
+            </a:pPr>
+            <a:r>
+              <a:rPr lang="en-US" altLang="zh-CN" b="1" dirty="0" smtClean="0">
+                <a:solidFill>
+                  <a:srgbClr val="000000"/>
+                </a:solidFill>
+                <a:latin typeface="Arial" panose="020B0604020202020204" pitchFamily="34" charset="0"/>
+                <a:cs typeface="Arial" panose="020B0604020202020204" pitchFamily="34" charset="0"/>
+              </a:rPr>
+              <a:t>Method : unchanging the states of nodes</a:t>
+            </a:r>
+          </a:p>
+          <a:p>
+            <a:pPr lvl="0">
+              <a:spcBef>
+                <a:spcPts val="600"/>
+              </a:spcBef>
+              <a:buClr>
+                <a:srgbClr val="004098"/>
+              </a:buClr>
+              <a:buSzPct val="100000"/>
+            </a:pPr>
+            <a:endParaRPr lang="en-US" altLang="zh-CN" dirty="0">
+              <a:solidFill>
+                <a:srgbClr val="000000"/>
+              </a:solidFill>
+              <a:latin typeface="Arial" panose="020B0604020202020204" pitchFamily="34" charset="0"/>
+              <a:cs typeface="Arial" panose="020B0604020202020204" pitchFamily="34" charset="0"/>
+            </a:endParaRPr>
+          </a:p>
+          <a:p>
+            <a:pPr lvl="0">
+              <a:spcBef>
+                <a:spcPts val="600"/>
+              </a:spcBef>
+              <a:buClr>
+                <a:srgbClr val="004098"/>
+              </a:buClr>
+              <a:buSzPct val="100000"/>
+            </a:pPr>
+            <a:endParaRPr lang="en-US" altLang="zh-CN" dirty="0" smtClean="0">
+              <a:solidFill>
+                <a:srgbClr val="000000"/>
+              </a:solidFill>
+              <a:latin typeface="Arial" panose="020B0604020202020204" pitchFamily="34" charset="0"/>
+              <a:cs typeface="Arial" panose="020B0604020202020204" pitchFamily="34" charset="0"/>
+            </a:endParaRPr>
+          </a:p>
+          <a:p>
+            <a:pPr lvl="0">
+              <a:spcBef>
+                <a:spcPts val="600"/>
+              </a:spcBef>
+              <a:buClr>
+                <a:srgbClr val="004098"/>
+              </a:buClr>
+              <a:buSzPct val="100000"/>
+            </a:pPr>
+            <a:endParaRPr lang="en-US" altLang="zh-CN" dirty="0" smtClean="0">
+              <a:solidFill>
+                <a:srgbClr val="000000"/>
+              </a:solidFill>
+              <a:latin typeface="Arial" panose="020B0604020202020204" pitchFamily="34" charset="0"/>
+              <a:cs typeface="Arial" panose="020B0604020202020204" pitchFamily="34" charset="0"/>
+            </a:endParaRPr>
+          </a:p>
+          <a:p>
+            <a:pPr lvl="0">
+              <a:spcBef>
+                <a:spcPts val="600"/>
+              </a:spcBef>
+              <a:buClr>
+                <a:srgbClr val="004098"/>
+              </a:buClr>
+              <a:buSzPct val="100000"/>
+            </a:pPr>
+            <a:endParaRPr lang="en-US" altLang="zh-CN" dirty="0">
+              <a:solidFill>
+                <a:srgbClr val="000000"/>
+              </a:solidFill>
+              <a:latin typeface="Arial" panose="020B0604020202020204" pitchFamily="34" charset="0"/>
+              <a:cs typeface="Arial" panose="020B0604020202020204" pitchFamily="34" charset="0"/>
+            </a:endParaRPr>
+          </a:p>
+          <a:p>
+            <a:pPr lvl="0">
+              <a:spcBef>
+                <a:spcPts val="600"/>
+              </a:spcBef>
+              <a:buClr>
+                <a:srgbClr val="004098"/>
+              </a:buClr>
+              <a:buSzPct val="100000"/>
+            </a:pPr>
+            <a:endParaRPr lang="en-US" altLang="zh-CN" dirty="0" smtClean="0">
+              <a:solidFill>
+                <a:srgbClr val="000000"/>
+              </a:solidFill>
+              <a:latin typeface="Arial" panose="020B0604020202020204" pitchFamily="34" charset="0"/>
+              <a:cs typeface="Arial" panose="020B0604020202020204" pitchFamily="34" charset="0"/>
+            </a:endParaRPr>
+          </a:p>
+          <a:p>
+            <a:pPr marL="228600" lvl="0" indent="-228600">
+              <a:spcBef>
+                <a:spcPts val="600"/>
+              </a:spcBef>
+              <a:buClr>
+                <a:srgbClr val="004098"/>
+              </a:buClr>
+              <a:buSzPct val="100000"/>
+              <a:buFont typeface="Calibri" panose="020F0502020204030204" pitchFamily="34" charset="0"/>
+              <a:buChar char="▪"/>
+            </a:pPr>
+            <a:endParaRPr lang="en-US" altLang="zh-CN" b="1" dirty="0" smtClean="0">
+              <a:solidFill>
+                <a:srgbClr val="000000"/>
+              </a:solidFill>
+              <a:latin typeface="Arial" panose="020B0604020202020204" pitchFamily="34" charset="0"/>
+              <a:cs typeface="Arial" panose="020B0604020202020204" pitchFamily="34" charset="0"/>
+            </a:endParaRPr>
+          </a:p>
+          <a:p>
+            <a:pPr marL="228600" lvl="0" indent="-228600">
+              <a:spcBef>
+                <a:spcPts val="600"/>
+              </a:spcBef>
+              <a:buClr>
+                <a:srgbClr val="004098"/>
+              </a:buClr>
+              <a:buSzPct val="100000"/>
+              <a:buFont typeface="Calibri" panose="020F0502020204030204" pitchFamily="34" charset="0"/>
+              <a:buChar char="▪"/>
+            </a:pPr>
+            <a:endParaRPr lang="en-US" altLang="zh-CN" b="1" dirty="0">
+              <a:solidFill>
+                <a:srgbClr val="000000"/>
+              </a:solidFill>
+              <a:latin typeface="Arial" panose="020B0604020202020204" pitchFamily="34" charset="0"/>
+              <a:cs typeface="Arial" panose="020B0604020202020204" pitchFamily="34" charset="0"/>
+            </a:endParaRPr>
+          </a:p>
+          <a:p>
+            <a:pPr marL="228600" lvl="0" indent="-228600">
+              <a:spcBef>
+                <a:spcPts val="600"/>
+              </a:spcBef>
+              <a:buClr>
+                <a:srgbClr val="004098"/>
+              </a:buClr>
+              <a:buSzPct val="100000"/>
+              <a:buFont typeface="Calibri" panose="020F0502020204030204" pitchFamily="34" charset="0"/>
+              <a:buChar char="▪"/>
+            </a:pPr>
+            <a:endParaRPr lang="en-US" altLang="zh-CN" b="1" dirty="0" smtClean="0">
+              <a:solidFill>
+                <a:srgbClr val="000000"/>
+              </a:solidFill>
+              <a:latin typeface="Arial" panose="020B0604020202020204" pitchFamily="34" charset="0"/>
+              <a:cs typeface="Arial" panose="020B0604020202020204" pitchFamily="34" charset="0"/>
+            </a:endParaRPr>
+          </a:p>
+          <a:p>
+            <a:pPr marL="228600" lvl="0" indent="-228600">
+              <a:spcBef>
+                <a:spcPts val="600"/>
+              </a:spcBef>
+              <a:buClr>
+                <a:srgbClr val="004098"/>
+              </a:buClr>
+              <a:buSzPct val="100000"/>
+              <a:buFont typeface="Calibri" panose="020F0502020204030204" pitchFamily="34" charset="0"/>
+              <a:buChar char="▪"/>
+            </a:pPr>
+            <a:r>
+              <a:rPr lang="en-US" altLang="zh-CN" b="1" dirty="0" smtClean="0">
+                <a:solidFill>
+                  <a:srgbClr val="000000"/>
+                </a:solidFill>
+                <a:latin typeface="Arial" panose="020B0604020202020204" pitchFamily="34" charset="0"/>
+                <a:cs typeface="Arial" panose="020B0604020202020204" pitchFamily="34" charset="0"/>
+              </a:rPr>
+              <a:t>Initial Condition for finding key node in each layer</a:t>
+            </a:r>
+          </a:p>
+          <a:p>
+            <a:pPr lvl="0">
+              <a:spcBef>
+                <a:spcPts val="600"/>
+              </a:spcBef>
+              <a:buClr>
+                <a:srgbClr val="004098"/>
+              </a:buClr>
+              <a:buSzPct val="100000"/>
+            </a:pPr>
+            <a:r>
+              <a:rPr lang="en-US" altLang="zh-CN" dirty="0" smtClean="0">
+                <a:solidFill>
+                  <a:srgbClr val="000000"/>
+                </a:solidFill>
+                <a:latin typeface="Arial" panose="020B0604020202020204" pitchFamily="34" charset="0"/>
+                <a:cs typeface="Arial" panose="020B0604020202020204" pitchFamily="34" charset="0"/>
+              </a:rPr>
+              <a:t>    - Two layers are made of BA networks with 2048 nodes and 1 external edge.  </a:t>
+            </a:r>
+          </a:p>
+          <a:p>
+            <a:pPr lvl="0">
+              <a:spcBef>
+                <a:spcPts val="600"/>
+              </a:spcBef>
+              <a:buClr>
+                <a:srgbClr val="004098"/>
+              </a:buClr>
+              <a:buSzPct val="100000"/>
+            </a:pPr>
+            <a:r>
+              <a:rPr lang="en-US" altLang="zh-CN" dirty="0">
+                <a:solidFill>
+                  <a:srgbClr val="000000"/>
+                </a:solidFill>
+                <a:latin typeface="Arial" panose="020B0604020202020204" pitchFamily="34" charset="0"/>
+                <a:cs typeface="Arial" panose="020B0604020202020204" pitchFamily="34" charset="0"/>
+              </a:rPr>
+              <a:t> </a:t>
+            </a:r>
+            <a:r>
+              <a:rPr lang="en-US" altLang="zh-CN" dirty="0" smtClean="0">
+                <a:solidFill>
+                  <a:srgbClr val="000000"/>
+                </a:solidFill>
+                <a:latin typeface="Arial" panose="020B0604020202020204" pitchFamily="34" charset="0"/>
+                <a:cs typeface="Arial" panose="020B0604020202020204" pitchFamily="34" charset="0"/>
+              </a:rPr>
+              <a:t>   - Parameters : </a:t>
+            </a:r>
+          </a:p>
+          <a:p>
+            <a:pPr lvl="0">
+              <a:spcBef>
+                <a:spcPts val="600"/>
+              </a:spcBef>
+              <a:buClr>
+                <a:srgbClr val="004098"/>
+              </a:buClr>
+              <a:buSzPct val="100000"/>
+            </a:pPr>
+            <a:r>
+              <a:rPr lang="en-US" altLang="zh-CN" dirty="0">
+                <a:solidFill>
+                  <a:srgbClr val="000000"/>
+                </a:solidFill>
+                <a:latin typeface="Arial" panose="020B0604020202020204" pitchFamily="34" charset="0"/>
+                <a:cs typeface="Arial" panose="020B0604020202020204" pitchFamily="34" charset="0"/>
+              </a:rPr>
+              <a:t> </a:t>
+            </a:r>
+            <a:r>
+              <a:rPr lang="en-US" altLang="zh-CN" dirty="0" smtClean="0">
+                <a:solidFill>
+                  <a:srgbClr val="000000"/>
+                </a:solidFill>
+                <a:latin typeface="Arial" panose="020B0604020202020204" pitchFamily="34" charset="0"/>
+                <a:cs typeface="Arial" panose="020B0604020202020204" pitchFamily="34" charset="0"/>
+              </a:rPr>
+              <a:t>     Layer A : p = 0.3(0.2), v = 0.3(0.4)(negative consensus)</a:t>
+            </a:r>
+          </a:p>
+          <a:p>
+            <a:pPr lvl="0">
+              <a:spcBef>
+                <a:spcPts val="600"/>
+              </a:spcBef>
+              <a:buClr>
+                <a:srgbClr val="004098"/>
+              </a:buClr>
+              <a:buSzPct val="100000"/>
+            </a:pPr>
+            <a:r>
+              <a:rPr lang="en-US" altLang="zh-CN" dirty="0">
+                <a:solidFill>
+                  <a:srgbClr val="000000"/>
+                </a:solidFill>
+                <a:latin typeface="Arial" panose="020B0604020202020204" pitchFamily="34" charset="0"/>
+                <a:cs typeface="Arial" panose="020B0604020202020204" pitchFamily="34" charset="0"/>
+              </a:rPr>
+              <a:t> </a:t>
+            </a:r>
+            <a:r>
+              <a:rPr lang="en-US" altLang="zh-CN" dirty="0" smtClean="0">
+                <a:solidFill>
+                  <a:srgbClr val="000000"/>
+                </a:solidFill>
+                <a:latin typeface="Arial" panose="020B0604020202020204" pitchFamily="34" charset="0"/>
+                <a:cs typeface="Arial" panose="020B0604020202020204" pitchFamily="34" charset="0"/>
+              </a:rPr>
+              <a:t>     Layer B : p = 0.5, v = 0.5(positive consensus)</a:t>
+            </a:r>
+          </a:p>
+          <a:p>
+            <a:pPr lvl="0">
+              <a:spcBef>
+                <a:spcPts val="600"/>
+              </a:spcBef>
+              <a:buClr>
+                <a:srgbClr val="004098"/>
+              </a:buClr>
+              <a:buSzPct val="100000"/>
+            </a:pPr>
+            <a:endParaRPr lang="en-US" altLang="zh-CN" dirty="0" smtClean="0">
+              <a:solidFill>
+                <a:srgbClr val="000000"/>
+              </a:solidFill>
+              <a:latin typeface="Arial" panose="020B0604020202020204" pitchFamily="34" charset="0"/>
+              <a:cs typeface="Arial" panose="020B0604020202020204" pitchFamily="34" charset="0"/>
+            </a:endParaRPr>
+          </a:p>
+          <a:p>
+            <a:pPr lvl="0">
+              <a:spcBef>
+                <a:spcPts val="600"/>
+              </a:spcBef>
+              <a:buClr>
+                <a:srgbClr val="004098"/>
+              </a:buClr>
+              <a:buSzPct val="100000"/>
+            </a:pPr>
+            <a:r>
+              <a:rPr lang="en-US" altLang="zh-CN" dirty="0">
+                <a:solidFill>
+                  <a:srgbClr val="000000"/>
+                </a:solidFill>
+                <a:latin typeface="Arial" panose="020B0604020202020204" pitchFamily="34" charset="0"/>
+                <a:cs typeface="Arial" panose="020B0604020202020204" pitchFamily="34" charset="0"/>
+              </a:rPr>
+              <a:t> </a:t>
+            </a:r>
+            <a:r>
+              <a:rPr lang="en-US" altLang="zh-CN" dirty="0" smtClean="0">
+                <a:solidFill>
+                  <a:srgbClr val="000000"/>
+                </a:solidFill>
+                <a:latin typeface="Arial" panose="020B0604020202020204" pitchFamily="34" charset="0"/>
+                <a:cs typeface="Arial" panose="020B0604020202020204" pitchFamily="34" charset="0"/>
+              </a:rPr>
+              <a:t>   </a:t>
+            </a:r>
+            <a:endParaRPr lang="en-US" altLang="zh-CN" dirty="0" smtClean="0">
+              <a:solidFill>
+                <a:schemeClr val="accent1"/>
+              </a:solidFill>
+              <a:latin typeface="Arial" panose="020B0604020202020204" pitchFamily="34" charset="0"/>
+              <a:cs typeface="Arial" panose="020B0604020202020204" pitchFamily="34" charset="0"/>
+            </a:endParaRPr>
+          </a:p>
+        </p:txBody>
+      </p:sp>
+      <p:sp>
+        <p:nvSpPr>
+          <p:cNvPr id="2" name="모서리가 둥근 직사각형 1"/>
+          <p:cNvSpPr/>
+          <p:nvPr/>
+        </p:nvSpPr>
+        <p:spPr>
+          <a:xfrm>
+            <a:off x="331470" y="2057400"/>
+            <a:ext cx="8652510" cy="2308860"/>
+          </a:xfrm>
+          <a:prstGeom prst="roundRect">
+            <a:avLst/>
+          </a:prstGeom>
+          <a:solidFill>
+            <a:schemeClr val="accent5">
+              <a:lumMod val="20000"/>
+              <a:lumOff val="80000"/>
+            </a:schemeClr>
+          </a:solidFill>
+          <a:ln>
+            <a:solidFill>
+              <a:schemeClr val="accent1"/>
+            </a:solidFill>
+          </a:ln>
+        </p:spPr>
+        <p:style>
+          <a:lnRef idx="2">
+            <a:schemeClr val="accent1">
+              <a:shade val="50000"/>
+            </a:schemeClr>
+          </a:lnRef>
+          <a:fillRef idx="1">
+            <a:schemeClr val="accent1"/>
+          </a:fillRef>
+          <a:effectRef idx="0">
+            <a:schemeClr val="accent1"/>
+          </a:effectRef>
+          <a:fontRef idx="minor">
+            <a:schemeClr val="lt1"/>
+          </a:fontRef>
+        </p:style>
+        <p:txBody>
+          <a:bodyPr rtlCol="0" anchor="ctr"/>
+          <a:lstStyle/>
+          <a:p>
+            <a:pPr algn="just">
+              <a:lnSpc>
+                <a:spcPct val="150000"/>
+              </a:lnSpc>
+            </a:pPr>
+            <a:r>
+              <a:rPr lang="zh-CN" altLang="en-US" dirty="0" smtClean="0">
+                <a:solidFill>
+                  <a:schemeClr val="tx1"/>
+                </a:solidFill>
+                <a:latin typeface="Arial" panose="020B0604020202020204" pitchFamily="34" charset="0"/>
+                <a:cs typeface="Arial" panose="020B0604020202020204" pitchFamily="34" charset="0"/>
+              </a:rPr>
+              <a:t>①</a:t>
+            </a:r>
+            <a:r>
+              <a:rPr lang="en-US" altLang="zh-CN" dirty="0">
+                <a:solidFill>
+                  <a:schemeClr val="tx1"/>
+                </a:solidFill>
+                <a:latin typeface="Arial" panose="020B0604020202020204" pitchFamily="34" charset="0"/>
+                <a:cs typeface="Arial" panose="020B0604020202020204" pitchFamily="34" charset="0"/>
+              </a:rPr>
+              <a:t> As initial conditions, </a:t>
+            </a:r>
+            <a:r>
+              <a:rPr lang="en-US" altLang="zh-CN" dirty="0" smtClean="0">
+                <a:solidFill>
+                  <a:schemeClr val="tx1"/>
+                </a:solidFill>
+                <a:latin typeface="Arial" panose="020B0604020202020204" pitchFamily="34" charset="0"/>
+                <a:cs typeface="Arial" panose="020B0604020202020204" pitchFamily="34" charset="0"/>
+              </a:rPr>
+              <a:t>layer is selected to find key nodes and parameters are</a:t>
+            </a:r>
+          </a:p>
+          <a:p>
+            <a:pPr algn="just">
+              <a:lnSpc>
+                <a:spcPct val="150000"/>
+              </a:lnSpc>
+            </a:pPr>
+            <a:r>
+              <a:rPr lang="en-US" altLang="zh-CN" dirty="0">
+                <a:solidFill>
+                  <a:schemeClr val="tx1"/>
+                </a:solidFill>
+                <a:latin typeface="Arial" panose="020B0604020202020204" pitchFamily="34" charset="0"/>
+                <a:cs typeface="Arial" panose="020B0604020202020204" pitchFamily="34" charset="0"/>
+              </a:rPr>
+              <a:t> </a:t>
+            </a:r>
+            <a:r>
+              <a:rPr lang="en-US" altLang="zh-CN" dirty="0" smtClean="0">
+                <a:solidFill>
+                  <a:schemeClr val="tx1"/>
+                </a:solidFill>
+                <a:latin typeface="Arial" panose="020B0604020202020204" pitchFamily="34" charset="0"/>
+                <a:cs typeface="Arial" panose="020B0604020202020204" pitchFamily="34" charset="0"/>
+              </a:rPr>
+              <a:t>   also selected that simulation result is opposite state with layer. </a:t>
+            </a:r>
+          </a:p>
+          <a:p>
+            <a:pPr algn="just">
+              <a:lnSpc>
+                <a:spcPct val="150000"/>
+              </a:lnSpc>
+            </a:pPr>
+            <a:r>
+              <a:rPr lang="zh-CN" altLang="zh-CN" dirty="0" smtClean="0">
+                <a:solidFill>
+                  <a:schemeClr val="tx1"/>
+                </a:solidFill>
+                <a:latin typeface="Arial" panose="020B0604020202020204" pitchFamily="34" charset="0"/>
+                <a:cs typeface="Arial" panose="020B0604020202020204" pitchFamily="34" charset="0"/>
+              </a:rPr>
+              <a:t>②</a:t>
+            </a:r>
+            <a:r>
+              <a:rPr lang="en-US" altLang="zh-CN" dirty="0" smtClean="0">
+                <a:solidFill>
+                  <a:schemeClr val="tx1"/>
+                </a:solidFill>
+                <a:latin typeface="Arial" panose="020B0604020202020204" pitchFamily="34" charset="0"/>
+                <a:cs typeface="Arial" panose="020B0604020202020204" pitchFamily="34" charset="0"/>
+              </a:rPr>
+              <a:t> The </a:t>
+            </a:r>
+            <a:r>
+              <a:rPr lang="en-US" altLang="zh-CN" dirty="0">
+                <a:solidFill>
+                  <a:schemeClr val="tx1"/>
+                </a:solidFill>
+                <a:latin typeface="Arial" panose="020B0604020202020204" pitchFamily="34" charset="0"/>
+                <a:cs typeface="Arial" panose="020B0604020202020204" pitchFamily="34" charset="0"/>
+              </a:rPr>
+              <a:t>centralities of all nodes are calculated and ranked as orders.</a:t>
+            </a:r>
+            <a:r>
+              <a:rPr lang="en-US" altLang="zh-CN" dirty="0" smtClean="0">
+                <a:solidFill>
+                  <a:schemeClr val="tx1"/>
+                </a:solidFill>
+                <a:latin typeface="Arial" panose="020B0604020202020204" pitchFamily="34" charset="0"/>
+                <a:cs typeface="Arial" panose="020B0604020202020204" pitchFamily="34" charset="0"/>
+              </a:rPr>
+              <a:t> </a:t>
+            </a:r>
+          </a:p>
+          <a:p>
+            <a:pPr algn="just">
+              <a:lnSpc>
+                <a:spcPct val="150000"/>
+              </a:lnSpc>
+            </a:pPr>
+            <a:r>
+              <a:rPr lang="zh-CN" altLang="en-US" dirty="0" smtClean="0">
+                <a:solidFill>
+                  <a:schemeClr val="tx1"/>
+                </a:solidFill>
+                <a:latin typeface="Arial" panose="020B0604020202020204" pitchFamily="34" charset="0"/>
+                <a:cs typeface="Arial" panose="020B0604020202020204" pitchFamily="34" charset="0"/>
+              </a:rPr>
+              <a:t>③ </a:t>
+            </a:r>
+            <a:r>
+              <a:rPr lang="en-US" altLang="zh-CN" dirty="0" smtClean="0">
+                <a:solidFill>
+                  <a:schemeClr val="tx1"/>
+                </a:solidFill>
+                <a:latin typeface="Arial" panose="020B0604020202020204" pitchFamily="34" charset="0"/>
+                <a:cs typeface="Arial" panose="020B0604020202020204" pitchFamily="34" charset="0"/>
+              </a:rPr>
+              <a:t>The ratio of unchanged nodes are increased according to ranked order </a:t>
+            </a:r>
+          </a:p>
+          <a:p>
+            <a:pPr algn="just">
+              <a:lnSpc>
+                <a:spcPct val="150000"/>
+              </a:lnSpc>
+            </a:pPr>
+            <a:r>
+              <a:rPr lang="en-US" altLang="zh-CN" dirty="0">
+                <a:solidFill>
+                  <a:schemeClr val="tx1"/>
+                </a:solidFill>
+                <a:latin typeface="Arial" panose="020B0604020202020204" pitchFamily="34" charset="0"/>
+                <a:cs typeface="Arial" panose="020B0604020202020204" pitchFamily="34" charset="0"/>
+              </a:rPr>
+              <a:t> </a:t>
+            </a:r>
+            <a:r>
+              <a:rPr lang="en-US" altLang="zh-CN" dirty="0" smtClean="0">
+                <a:solidFill>
+                  <a:schemeClr val="tx1"/>
+                </a:solidFill>
+                <a:latin typeface="Arial" panose="020B0604020202020204" pitchFamily="34" charset="0"/>
+                <a:cs typeface="Arial" panose="020B0604020202020204" pitchFamily="34" charset="0"/>
+              </a:rPr>
+              <a:t>    until the average state of network have different states. </a:t>
+            </a:r>
+          </a:p>
+        </p:txBody>
+      </p:sp>
+    </p:spTree>
+    <p:extLst>
+      <p:ext uri="{BB962C8B-B14F-4D97-AF65-F5344CB8AC3E}">
+        <p14:creationId xmlns:p14="http://schemas.microsoft.com/office/powerpoint/2010/main" val="423589315"/>
+      </p:ext>
+    </p:extLst>
+  </p:cSld>
+  <p:clrMapOvr>
+    <a:masterClrMapping/>
+  </p:clrMapOvr>
+  <p:timing>
+    <p:tnLst>
+      <p:par>
+        <p:cTn id="1" dur="indefinite" restart="never" nodeType="tmRoot"/>
+      </p:par>
+    </p:tnLst>
+  </p:timing>
+</p:sld>
+</file>
+
+<file path=ppt/slides/slide6.xml><?xml version="1.0" encoding="utf-8"?>
+<p:sld xmlns:a="http://schemas.openxmlformats.org/drawingml/2006/main" xmlns:r="http://schemas.openxmlformats.org/officeDocument/2006/relationships" xmlns:p="http://schemas.openxmlformats.org/presentationml/2006/main">
+  <p:cSld>
+    <p:spTree>
+      <p:nvGrpSpPr>
+        <p:cNvPr id="1" name=""/>
+        <p:cNvGrpSpPr/>
+        <p:nvPr/>
+      </p:nvGrpSpPr>
+      <p:grpSpPr>
+        <a:xfrm>
+          <a:off x="0" y="0"/>
+          <a:ext cx="0" cy="0"/>
+          <a:chOff x="0" y="0"/>
+          <a:chExt cx="0" cy="0"/>
+        </a:xfrm>
+      </p:grpSpPr>
+      <p:sp>
+        <p:nvSpPr>
+          <p:cNvPr id="10" name="제목 2"/>
+          <p:cNvSpPr>
+            <a:spLocks noGrp="1"/>
+          </p:cNvSpPr>
+          <p:nvPr>
+            <p:ph type="title"/>
+          </p:nvPr>
+        </p:nvSpPr>
+        <p:spPr>
+          <a:xfrm>
+            <a:off x="49524" y="923477"/>
+            <a:ext cx="8372163" cy="574183"/>
+          </a:xfrm>
+        </p:spPr>
+        <p:txBody>
+          <a:bodyPr>
+            <a:normAutofit/>
+          </a:bodyPr>
+          <a:lstStyle/>
+          <a:p>
+            <a:pPr lvl="0"/>
+            <a:r>
+              <a:rPr lang="en-US" altLang="zh-CN" sz="2400" dirty="0" smtClean="0"/>
+              <a:t>Finding key nodes in layer A</a:t>
+            </a:r>
+            <a:endParaRPr lang="zh-CN" altLang="en-US" sz="2800" dirty="0"/>
+          </a:p>
+        </p:txBody>
+      </p:sp>
+      <p:pic>
+        <p:nvPicPr>
+          <p:cNvPr id="2" name="그림 1"/>
+          <p:cNvPicPr>
+            <a:picLocks noChangeAspect="1"/>
+          </p:cNvPicPr>
+          <p:nvPr/>
+        </p:nvPicPr>
+        <p:blipFill rotWithShape="1">
+          <a:blip r:embed="rId3">
+            <a:extLst>
+              <a:ext uri="{28A0092B-C50C-407E-A947-70E740481C1C}">
+                <a14:useLocalDpi xmlns:a14="http://schemas.microsoft.com/office/drawing/2010/main" val="0"/>
+              </a:ext>
+            </a:extLst>
+          </a:blip>
+          <a:srcRect l="7387" t="10454" r="8522" b="5121"/>
+          <a:stretch/>
+        </p:blipFill>
+        <p:spPr>
+          <a:xfrm>
+            <a:off x="451859" y="1600200"/>
+            <a:ext cx="8104909" cy="4611036"/>
+          </a:xfrm>
+          <a:prstGeom prst="rect">
+            <a:avLst/>
+          </a:prstGeom>
+        </p:spPr>
+      </p:pic>
+      <p:sp>
+        <p:nvSpPr>
+          <p:cNvPr id="15" name="TextBox 14"/>
+          <p:cNvSpPr txBox="1"/>
+          <p:nvPr/>
+        </p:nvSpPr>
+        <p:spPr>
+          <a:xfrm>
+            <a:off x="4235605" y="1839361"/>
+            <a:ext cx="3507046" cy="276999"/>
+          </a:xfrm>
+          <a:prstGeom prst="rect">
+            <a:avLst/>
+          </a:prstGeom>
+          <a:noFill/>
+        </p:spPr>
+        <p:txBody>
+          <a:bodyPr wrap="square" rtlCol="0" anchor="ctr">
+            <a:spAutoFit/>
+          </a:bodyPr>
+          <a:lstStyle/>
+          <a:p>
+            <a:pPr algn="ctr"/>
+            <a:r>
+              <a:rPr lang="en-US" altLang="zh-CN" sz="1200" b="1" dirty="0" smtClean="0">
+                <a:latin typeface="Arial" panose="020B0604020202020204" pitchFamily="34" charset="0"/>
+                <a:cs typeface="Arial" panose="020B0604020202020204" pitchFamily="34" charset="0"/>
+              </a:rPr>
+              <a:t>BA(4,092)-BA(4,092) network, p=0.2, v= 0.4 </a:t>
+            </a:r>
+            <a:endParaRPr lang="zh-CN" altLang="en-US" sz="1200" b="1" dirty="0">
+              <a:latin typeface="Arial" panose="020B0604020202020204" pitchFamily="34" charset="0"/>
+              <a:cs typeface="Arial" panose="020B0604020202020204" pitchFamily="34" charset="0"/>
+            </a:endParaRPr>
+          </a:p>
+        </p:txBody>
+      </p:sp>
+      <p:sp>
+        <p:nvSpPr>
+          <p:cNvPr id="16" name="TextBox 15"/>
+          <p:cNvSpPr txBox="1"/>
+          <p:nvPr/>
+        </p:nvSpPr>
+        <p:spPr>
+          <a:xfrm>
+            <a:off x="-857427" y="6313776"/>
+            <a:ext cx="7019236" cy="307777"/>
+          </a:xfrm>
+          <a:prstGeom prst="rect">
+            <a:avLst/>
+          </a:prstGeom>
+          <a:noFill/>
+        </p:spPr>
+        <p:txBody>
+          <a:bodyPr wrap="square" rtlCol="0" anchor="ctr">
+            <a:spAutoFit/>
+          </a:bodyPr>
+          <a:lstStyle/>
+          <a:p>
+            <a:pPr algn="ctr"/>
+            <a:r>
+              <a:rPr lang="en-US" altLang="zh-CN" sz="1400" b="1" dirty="0" err="1" smtClean="0">
+                <a:latin typeface="Arial" panose="020B0604020202020204" pitchFamily="34" charset="0"/>
+                <a:cs typeface="Arial" panose="020B0604020202020204" pitchFamily="34" charset="0"/>
+              </a:rPr>
+              <a:t>Pagerank</a:t>
+            </a:r>
+            <a:r>
+              <a:rPr lang="en-US" altLang="zh-CN" sz="1400" b="1" dirty="0" smtClean="0">
+                <a:latin typeface="Arial" panose="020B0604020202020204" pitchFamily="34" charset="0"/>
+                <a:cs typeface="Arial" panose="020B0604020202020204" pitchFamily="34" charset="0"/>
+              </a:rPr>
+              <a:t> &gt; degree &gt; eigenvector &gt; random</a:t>
+            </a:r>
+            <a:endParaRPr lang="zh-CN" altLang="en-US" sz="1400" b="1" dirty="0">
+              <a:latin typeface="Arial" panose="020B0604020202020204" pitchFamily="34" charset="0"/>
+              <a:cs typeface="Arial" panose="020B0604020202020204" pitchFamily="34" charset="0"/>
+            </a:endParaRPr>
+          </a:p>
+        </p:txBody>
+      </p:sp>
+    </p:spTree>
+    <p:extLst>
+      <p:ext uri="{BB962C8B-B14F-4D97-AF65-F5344CB8AC3E}">
+        <p14:creationId xmlns:p14="http://schemas.microsoft.com/office/powerpoint/2010/main" val="3812509463"/>
+      </p:ext>
+    </p:extLst>
+  </p:cSld>
+  <p:clrMapOvr>
+    <a:masterClrMapping/>
+  </p:clrMapOvr>
+</p:sld>
+</file>
+
+<file path=ppt/slides/slide7.xml><?xml version="1.0" encoding="utf-8"?>
+<p:sld xmlns:a="http://schemas.openxmlformats.org/drawingml/2006/main" xmlns:r="http://schemas.openxmlformats.org/officeDocument/2006/relationships" xmlns:p="http://schemas.openxmlformats.org/presentationml/2006/main">
+  <p:cSld>
+    <p:spTree>
+      <p:nvGrpSpPr>
+        <p:cNvPr id="1" name=""/>
+        <p:cNvGrpSpPr/>
+        <p:nvPr/>
+      </p:nvGrpSpPr>
+      <p:grpSpPr>
+        <a:xfrm>
+          <a:off x="0" y="0"/>
+          <a:ext cx="0" cy="0"/>
+          <a:chOff x="0" y="0"/>
+          <a:chExt cx="0" cy="0"/>
+        </a:xfrm>
+      </p:grpSpPr>
+      <p:pic>
+        <p:nvPicPr>
+          <p:cNvPr id="3" name="그림 2"/>
+          <p:cNvPicPr>
+            <a:picLocks noChangeAspect="1"/>
+          </p:cNvPicPr>
+          <p:nvPr/>
+        </p:nvPicPr>
+        <p:blipFill rotWithShape="1">
+          <a:blip r:embed="rId3">
+            <a:extLst>
+              <a:ext uri="{28A0092B-C50C-407E-A947-70E740481C1C}">
+                <a14:useLocalDpi xmlns:a14="http://schemas.microsoft.com/office/drawing/2010/main" val="0"/>
+              </a:ext>
+            </a:extLst>
+          </a:blip>
+          <a:srcRect l="7185" t="10361" r="9065" b="5014"/>
+          <a:stretch/>
+        </p:blipFill>
+        <p:spPr>
+          <a:xfrm>
+            <a:off x="426028" y="1839361"/>
+            <a:ext cx="7995659" cy="4578246"/>
+          </a:xfrm>
+          <a:prstGeom prst="rect">
+            <a:avLst/>
+          </a:prstGeom>
+        </p:spPr>
+      </p:pic>
+      <p:sp>
+        <p:nvSpPr>
+          <p:cNvPr id="10" name="제목 2"/>
+          <p:cNvSpPr>
+            <a:spLocks noGrp="1"/>
+          </p:cNvSpPr>
+          <p:nvPr>
+            <p:ph type="title"/>
+          </p:nvPr>
+        </p:nvSpPr>
+        <p:spPr>
+          <a:xfrm>
+            <a:off x="49524" y="923477"/>
+            <a:ext cx="8372163" cy="574183"/>
+          </a:xfrm>
+        </p:spPr>
+        <p:txBody>
+          <a:bodyPr>
+            <a:normAutofit/>
+          </a:bodyPr>
+          <a:lstStyle/>
+          <a:p>
+            <a:pPr lvl="0"/>
+            <a:r>
+              <a:rPr lang="en-US" altLang="zh-CN" sz="2400" dirty="0" smtClean="0"/>
+              <a:t>Finding key nodes in layer A</a:t>
+            </a:r>
+            <a:endParaRPr lang="zh-CN" altLang="en-US" sz="2800" dirty="0"/>
+          </a:p>
+        </p:txBody>
+      </p:sp>
+      <p:sp>
+        <p:nvSpPr>
+          <p:cNvPr id="15" name="TextBox 14"/>
+          <p:cNvSpPr txBox="1"/>
+          <p:nvPr/>
+        </p:nvSpPr>
+        <p:spPr>
+          <a:xfrm>
+            <a:off x="2354850" y="1870704"/>
+            <a:ext cx="3507046" cy="276999"/>
+          </a:xfrm>
+          <a:prstGeom prst="rect">
+            <a:avLst/>
+          </a:prstGeom>
+          <a:noFill/>
+        </p:spPr>
+        <p:txBody>
+          <a:bodyPr wrap="square" rtlCol="0" anchor="ctr">
+            <a:spAutoFit/>
+          </a:bodyPr>
+          <a:lstStyle/>
+          <a:p>
+            <a:pPr algn="ctr"/>
+            <a:r>
+              <a:rPr lang="en-US" altLang="zh-CN" sz="1200" b="1" dirty="0" smtClean="0">
+                <a:latin typeface="Arial" panose="020B0604020202020204" pitchFamily="34" charset="0"/>
+                <a:cs typeface="Arial" panose="020B0604020202020204" pitchFamily="34" charset="0"/>
+              </a:rPr>
+              <a:t>BA(6,135)-BA(6,135) network, p=0.2, v= 0.4 </a:t>
+            </a:r>
+            <a:endParaRPr lang="zh-CN" altLang="en-US" sz="1200" b="1" dirty="0">
+              <a:latin typeface="Arial" panose="020B0604020202020204" pitchFamily="34" charset="0"/>
+              <a:cs typeface="Arial" panose="020B0604020202020204" pitchFamily="34" charset="0"/>
+            </a:endParaRPr>
+          </a:p>
+        </p:txBody>
+      </p:sp>
+      <p:sp>
+        <p:nvSpPr>
+          <p:cNvPr id="16" name="TextBox 15"/>
+          <p:cNvSpPr txBox="1"/>
+          <p:nvPr/>
+        </p:nvSpPr>
+        <p:spPr>
+          <a:xfrm>
+            <a:off x="-857427" y="6313776"/>
+            <a:ext cx="7019236" cy="307777"/>
+          </a:xfrm>
+          <a:prstGeom prst="rect">
+            <a:avLst/>
+          </a:prstGeom>
+          <a:noFill/>
+        </p:spPr>
+        <p:txBody>
+          <a:bodyPr wrap="square" rtlCol="0" anchor="ctr">
+            <a:spAutoFit/>
+          </a:bodyPr>
+          <a:lstStyle/>
+          <a:p>
+            <a:pPr algn="ctr"/>
+            <a:r>
+              <a:rPr lang="en-US" altLang="zh-CN" sz="1400" b="1" dirty="0" err="1" smtClean="0">
+                <a:latin typeface="Arial" panose="020B0604020202020204" pitchFamily="34" charset="0"/>
+                <a:cs typeface="Arial" panose="020B0604020202020204" pitchFamily="34" charset="0"/>
+              </a:rPr>
+              <a:t>Pagerank</a:t>
+            </a:r>
+            <a:r>
+              <a:rPr lang="en-US" altLang="zh-CN" sz="1400" b="1" dirty="0" smtClean="0">
+                <a:latin typeface="Arial" panose="020B0604020202020204" pitchFamily="34" charset="0"/>
+                <a:cs typeface="Arial" panose="020B0604020202020204" pitchFamily="34" charset="0"/>
+              </a:rPr>
+              <a:t> = degree &gt; eigenvector &gt; random</a:t>
+            </a:r>
+            <a:endParaRPr lang="zh-CN" altLang="en-US" sz="1400" b="1" dirty="0">
+              <a:latin typeface="Arial" panose="020B0604020202020204" pitchFamily="34" charset="0"/>
+              <a:cs typeface="Arial" panose="020B0604020202020204" pitchFamily="34" charset="0"/>
+            </a:endParaRPr>
+          </a:p>
+        </p:txBody>
+      </p:sp>
+    </p:spTree>
+    <p:extLst>
+      <p:ext uri="{BB962C8B-B14F-4D97-AF65-F5344CB8AC3E}">
+        <p14:creationId xmlns:p14="http://schemas.microsoft.com/office/powerpoint/2010/main" val="1496360557"/>
+      </p:ext>
+    </p:extLst>
+  </p:cSld>
+  <p:clrMapOvr>
+    <a:masterClrMapping/>
+  </p:clrMapOvr>
+</p:sld>
+</file>
+
+<file path=ppt/slides/slide8.xml><?xml version="1.0" encoding="utf-8"?>
+<p:sld xmlns:a="http://schemas.openxmlformats.org/drawingml/2006/main" xmlns:r="http://schemas.openxmlformats.org/officeDocument/2006/relationships" xmlns:p="http://schemas.openxmlformats.org/presentationml/2006/main">
+  <p:cSld>
+    <p:spTree>
+      <p:nvGrpSpPr>
+        <p:cNvPr id="1" name=""/>
+        <p:cNvGrpSpPr/>
+        <p:nvPr/>
+      </p:nvGrpSpPr>
+      <p:grpSpPr>
+        <a:xfrm>
+          <a:off x="0" y="0"/>
+          <a:ext cx="0" cy="0"/>
+          <a:chOff x="0" y="0"/>
+          <a:chExt cx="0" cy="0"/>
+        </a:xfrm>
+      </p:grpSpPr>
+      <p:pic>
+        <p:nvPicPr>
+          <p:cNvPr id="2" name="그림 1"/>
+          <p:cNvPicPr>
+            <a:picLocks noChangeAspect="1"/>
+          </p:cNvPicPr>
+          <p:nvPr/>
+        </p:nvPicPr>
+        <p:blipFill rotWithShape="1">
+          <a:blip r:embed="rId3">
+            <a:extLst>
+              <a:ext uri="{28A0092B-C50C-407E-A947-70E740481C1C}">
+                <a14:useLocalDpi xmlns:a14="http://schemas.microsoft.com/office/drawing/2010/main" val="0"/>
+              </a:ext>
+            </a:extLst>
+          </a:blip>
+          <a:srcRect l="7273" t="10695" r="8750" b="4880"/>
+          <a:stretch/>
+        </p:blipFill>
+        <p:spPr>
+          <a:xfrm>
+            <a:off x="155864" y="1684640"/>
+            <a:ext cx="8395854" cy="4783024"/>
+          </a:xfrm>
+          <a:prstGeom prst="rect">
+            <a:avLst/>
+          </a:prstGeom>
+        </p:spPr>
+      </p:pic>
+      <p:sp>
+        <p:nvSpPr>
+          <p:cNvPr id="10" name="제목 2"/>
+          <p:cNvSpPr>
+            <a:spLocks noGrp="1"/>
+          </p:cNvSpPr>
+          <p:nvPr>
+            <p:ph type="title"/>
+          </p:nvPr>
+        </p:nvSpPr>
+        <p:spPr>
+          <a:xfrm>
+            <a:off x="49524" y="923477"/>
+            <a:ext cx="8372163" cy="574183"/>
+          </a:xfrm>
+        </p:spPr>
+        <p:txBody>
+          <a:bodyPr>
+            <a:normAutofit/>
+          </a:bodyPr>
+          <a:lstStyle/>
+          <a:p>
+            <a:pPr lvl="0"/>
+            <a:r>
+              <a:rPr lang="en-US" altLang="zh-CN" sz="2400" dirty="0" smtClean="0"/>
+              <a:t>Finding key nodes in layer A</a:t>
+            </a:r>
+            <a:endParaRPr lang="zh-CN" altLang="en-US" sz="2800" dirty="0"/>
+          </a:p>
+        </p:txBody>
+      </p:sp>
+      <p:sp>
+        <p:nvSpPr>
+          <p:cNvPr id="15" name="TextBox 14"/>
+          <p:cNvSpPr txBox="1"/>
+          <p:nvPr/>
+        </p:nvSpPr>
+        <p:spPr>
+          <a:xfrm>
+            <a:off x="2600268" y="1566922"/>
+            <a:ext cx="3507046" cy="276999"/>
+          </a:xfrm>
+          <a:prstGeom prst="rect">
+            <a:avLst/>
+          </a:prstGeom>
+          <a:noFill/>
+        </p:spPr>
+        <p:txBody>
+          <a:bodyPr wrap="square" rtlCol="0" anchor="ctr">
+            <a:spAutoFit/>
+          </a:bodyPr>
+          <a:lstStyle/>
+          <a:p>
+            <a:pPr algn="ctr"/>
+            <a:r>
+              <a:rPr lang="en-US" altLang="zh-CN" sz="1200" b="1" dirty="0" smtClean="0">
+                <a:latin typeface="Arial" panose="020B0604020202020204" pitchFamily="34" charset="0"/>
+                <a:cs typeface="Arial" panose="020B0604020202020204" pitchFamily="34" charset="0"/>
+              </a:rPr>
+              <a:t>BA(8,176)-BA(8,176) network, p=0.2, v= 0.4 </a:t>
+            </a:r>
+            <a:endParaRPr lang="zh-CN" altLang="en-US" sz="1200" b="1" dirty="0">
+              <a:latin typeface="Arial" panose="020B0604020202020204" pitchFamily="34" charset="0"/>
+              <a:cs typeface="Arial" panose="020B0604020202020204" pitchFamily="34" charset="0"/>
+            </a:endParaRPr>
+          </a:p>
+        </p:txBody>
+      </p:sp>
+      <p:sp>
+        <p:nvSpPr>
+          <p:cNvPr id="16" name="TextBox 15"/>
+          <p:cNvSpPr txBox="1"/>
+          <p:nvPr/>
+        </p:nvSpPr>
+        <p:spPr>
+          <a:xfrm>
+            <a:off x="-857427" y="6313776"/>
+            <a:ext cx="7019236" cy="307777"/>
+          </a:xfrm>
+          <a:prstGeom prst="rect">
+            <a:avLst/>
+          </a:prstGeom>
+          <a:noFill/>
+        </p:spPr>
+        <p:txBody>
+          <a:bodyPr wrap="square" rtlCol="0" anchor="ctr">
+            <a:spAutoFit/>
+          </a:bodyPr>
+          <a:lstStyle/>
+          <a:p>
+            <a:pPr algn="ctr"/>
+            <a:r>
+              <a:rPr lang="en-US" altLang="zh-CN" sz="1400" b="1" dirty="0" err="1" smtClean="0">
+                <a:latin typeface="Arial" panose="020B0604020202020204" pitchFamily="34" charset="0"/>
+                <a:cs typeface="Arial" panose="020B0604020202020204" pitchFamily="34" charset="0"/>
+              </a:rPr>
+              <a:t>Pagerank</a:t>
+            </a:r>
+            <a:r>
+              <a:rPr lang="en-US" altLang="zh-CN" sz="1400" b="1" dirty="0" smtClean="0">
+                <a:latin typeface="Arial" panose="020B0604020202020204" pitchFamily="34" charset="0"/>
+                <a:cs typeface="Arial" panose="020B0604020202020204" pitchFamily="34" charset="0"/>
+              </a:rPr>
+              <a:t> = degree = eigenvector &gt; random</a:t>
+            </a:r>
+            <a:endParaRPr lang="zh-CN" altLang="en-US" sz="1400" b="1" dirty="0">
+              <a:latin typeface="Arial" panose="020B0604020202020204" pitchFamily="34" charset="0"/>
+              <a:cs typeface="Arial" panose="020B0604020202020204" pitchFamily="34" charset="0"/>
+            </a:endParaRPr>
+          </a:p>
+        </p:txBody>
+      </p:sp>
+    </p:spTree>
+    <p:extLst>
+      <p:ext uri="{BB962C8B-B14F-4D97-AF65-F5344CB8AC3E}">
+        <p14:creationId xmlns:p14="http://schemas.microsoft.com/office/powerpoint/2010/main" val="2945043541"/>
+      </p:ext>
+    </p:extLst>
+  </p:cSld>
+  <p:clrMapOvr>
+    <a:masterClrMapping/>
+  </p:clrMapOvr>
+</p:sld>
+</file>
+
+<file path=ppt/slides/slide9.xml><?xml version="1.0" encoding="utf-8"?>
+<p:sld xmlns:a="http://schemas.openxmlformats.org/drawingml/2006/main" xmlns:r="http://schemas.openxmlformats.org/officeDocument/2006/relationships" xmlns:p="http://schemas.openxmlformats.org/presentationml/2006/main">
+  <p:cSld>
+    <p:spTree>
+      <p:nvGrpSpPr>
+        <p:cNvPr id="1" name=""/>
+        <p:cNvGrpSpPr/>
+        <p:nvPr/>
+      </p:nvGrpSpPr>
+      <p:grpSpPr>
+        <a:xfrm>
+          <a:off x="0" y="0"/>
+          <a:ext cx="0" cy="0"/>
+          <a:chOff x="0" y="0"/>
+          <a:chExt cx="0" cy="0"/>
+        </a:xfrm>
+      </p:grpSpPr>
+      <p:pic>
+        <p:nvPicPr>
+          <p:cNvPr id="3" name="그림 2"/>
+          <p:cNvPicPr>
+            <a:picLocks noChangeAspect="1"/>
+          </p:cNvPicPr>
+          <p:nvPr/>
+        </p:nvPicPr>
+        <p:blipFill rotWithShape="1">
+          <a:blip r:embed="rId3">
+            <a:extLst>
+              <a:ext uri="{28A0092B-C50C-407E-A947-70E740481C1C}">
+                <a14:useLocalDpi xmlns:a14="http://schemas.microsoft.com/office/drawing/2010/main" val="0"/>
+              </a:ext>
+            </a:extLst>
+          </a:blip>
+          <a:srcRect l="8731" t="10994" r="9365" b="4972"/>
+          <a:stretch/>
+        </p:blipFill>
+        <p:spPr>
+          <a:xfrm>
+            <a:off x="616902" y="1774661"/>
+            <a:ext cx="7804785" cy="4537665"/>
+          </a:xfrm>
+          <a:prstGeom prst="rect">
+            <a:avLst/>
+          </a:prstGeom>
+        </p:spPr>
+      </p:pic>
+      <p:sp>
+        <p:nvSpPr>
+          <p:cNvPr id="4" name="TextBox 3"/>
+          <p:cNvSpPr txBox="1"/>
+          <p:nvPr/>
+        </p:nvSpPr>
+        <p:spPr>
+          <a:xfrm>
+            <a:off x="1988503" y="2072633"/>
+            <a:ext cx="1057275" cy="246221"/>
+          </a:xfrm>
+          <a:prstGeom prst="rect">
+            <a:avLst/>
+          </a:prstGeom>
+          <a:noFill/>
+        </p:spPr>
+        <p:txBody>
+          <a:bodyPr wrap="square" rtlCol="0" anchor="ctr">
+            <a:spAutoFit/>
+          </a:bodyPr>
+          <a:lstStyle/>
+          <a:p>
+            <a:pPr algn="ctr"/>
+            <a:r>
+              <a:rPr lang="en-US" altLang="zh-CN" sz="1000" dirty="0" smtClean="0">
+                <a:latin typeface="Arial" panose="020B0604020202020204" pitchFamily="34" charset="0"/>
+                <a:cs typeface="Arial" panose="020B0604020202020204" pitchFamily="34" charset="0"/>
+              </a:rPr>
+              <a:t>① Branch point</a:t>
+            </a:r>
+            <a:endParaRPr lang="zh-CN" altLang="en-US" sz="1000" dirty="0">
+              <a:latin typeface="Arial" panose="020B0604020202020204" pitchFamily="34" charset="0"/>
+              <a:cs typeface="Arial" panose="020B0604020202020204" pitchFamily="34" charset="0"/>
+            </a:endParaRPr>
+          </a:p>
+        </p:txBody>
+      </p:sp>
+      <p:cxnSp>
+        <p:nvCxnSpPr>
+          <p:cNvPr id="7" name="직선 화살표 연결선 6"/>
+          <p:cNvCxnSpPr>
+            <a:stCxn id="4" idx="1"/>
+          </p:cNvCxnSpPr>
+          <p:nvPr/>
+        </p:nvCxnSpPr>
+        <p:spPr>
+          <a:xfrm flipH="1">
+            <a:off x="1455103" y="2195744"/>
+            <a:ext cx="533400" cy="306445"/>
+          </a:xfrm>
+          <a:prstGeom prst="straightConnector1">
+            <a:avLst/>
+          </a:prstGeom>
+          <a:ln>
+            <a:tailEnd type="triangle"/>
+          </a:ln>
+        </p:spPr>
+        <p:style>
+          <a:lnRef idx="1">
+            <a:schemeClr val="accent1"/>
+          </a:lnRef>
+          <a:fillRef idx="0">
+            <a:schemeClr val="accent1"/>
+          </a:fillRef>
+          <a:effectRef idx="0">
+            <a:schemeClr val="accent1"/>
+          </a:effectRef>
+          <a:fontRef idx="minor">
+            <a:schemeClr val="tx1"/>
+          </a:fontRef>
+        </p:style>
+      </p:cxnSp>
+      <p:sp>
+        <p:nvSpPr>
+          <p:cNvPr id="11" name="TextBox 10"/>
+          <p:cNvSpPr txBox="1"/>
+          <p:nvPr/>
+        </p:nvSpPr>
+        <p:spPr>
+          <a:xfrm>
+            <a:off x="2645727" y="3025133"/>
+            <a:ext cx="1076325" cy="246221"/>
+          </a:xfrm>
+          <a:prstGeom prst="rect">
+            <a:avLst/>
+          </a:prstGeom>
+          <a:noFill/>
+        </p:spPr>
+        <p:txBody>
+          <a:bodyPr wrap="square" rtlCol="0" anchor="ctr">
+            <a:spAutoFit/>
+          </a:bodyPr>
+          <a:lstStyle/>
+          <a:p>
+            <a:pPr algn="ctr"/>
+            <a:r>
+              <a:rPr lang="en-US" altLang="zh-CN" sz="1000" dirty="0" smtClean="0">
+                <a:latin typeface="Arial" panose="020B0604020202020204" pitchFamily="34" charset="0"/>
+                <a:cs typeface="Arial" panose="020B0604020202020204" pitchFamily="34" charset="0"/>
+              </a:rPr>
+              <a:t>③ Branch point</a:t>
+            </a:r>
+            <a:endParaRPr lang="zh-CN" altLang="en-US" sz="1000" dirty="0">
+              <a:latin typeface="Arial" panose="020B0604020202020204" pitchFamily="34" charset="0"/>
+              <a:cs typeface="Arial" panose="020B0604020202020204" pitchFamily="34" charset="0"/>
+            </a:endParaRPr>
+          </a:p>
+        </p:txBody>
+      </p:sp>
+      <p:cxnSp>
+        <p:nvCxnSpPr>
+          <p:cNvPr id="12" name="직선 화살표 연결선 11"/>
+          <p:cNvCxnSpPr>
+            <a:stCxn id="11" idx="1"/>
+          </p:cNvCxnSpPr>
+          <p:nvPr/>
+        </p:nvCxnSpPr>
+        <p:spPr>
+          <a:xfrm flipH="1">
+            <a:off x="2112329" y="3148244"/>
+            <a:ext cx="533398" cy="306445"/>
+          </a:xfrm>
+          <a:prstGeom prst="straightConnector1">
+            <a:avLst/>
+          </a:prstGeom>
+          <a:ln>
+            <a:tailEnd type="triangle"/>
+          </a:ln>
+        </p:spPr>
+        <p:style>
+          <a:lnRef idx="1">
+            <a:schemeClr val="accent1"/>
+          </a:lnRef>
+          <a:fillRef idx="0">
+            <a:schemeClr val="accent1"/>
+          </a:fillRef>
+          <a:effectRef idx="0">
+            <a:schemeClr val="accent1"/>
+          </a:effectRef>
+          <a:fontRef idx="minor">
+            <a:schemeClr val="tx1"/>
+          </a:fontRef>
+        </p:style>
+      </p:cxnSp>
+      <p:sp>
+        <p:nvSpPr>
+          <p:cNvPr id="13" name="TextBox 12"/>
+          <p:cNvSpPr txBox="1"/>
+          <p:nvPr/>
+        </p:nvSpPr>
+        <p:spPr>
+          <a:xfrm>
+            <a:off x="674052" y="4347682"/>
+            <a:ext cx="1104901" cy="246221"/>
+          </a:xfrm>
+          <a:prstGeom prst="rect">
+            <a:avLst/>
+          </a:prstGeom>
+          <a:noFill/>
+        </p:spPr>
+        <p:txBody>
+          <a:bodyPr wrap="square" rtlCol="0" anchor="ctr">
+            <a:spAutoFit/>
+          </a:bodyPr>
+          <a:lstStyle/>
+          <a:p>
+            <a:pPr algn="ctr"/>
+            <a:r>
+              <a:rPr lang="en-US" altLang="zh-CN" sz="1000" dirty="0" smtClean="0">
+                <a:latin typeface="Arial" panose="020B0604020202020204" pitchFamily="34" charset="0"/>
+                <a:cs typeface="Arial" panose="020B0604020202020204" pitchFamily="34" charset="0"/>
+              </a:rPr>
+              <a:t>②  Branch point</a:t>
+            </a:r>
+            <a:endParaRPr lang="zh-CN" altLang="en-US" sz="1000" dirty="0">
+              <a:latin typeface="Arial" panose="020B0604020202020204" pitchFamily="34" charset="0"/>
+              <a:cs typeface="Arial" panose="020B0604020202020204" pitchFamily="34" charset="0"/>
+            </a:endParaRPr>
+          </a:p>
+        </p:txBody>
+      </p:sp>
+      <p:cxnSp>
+        <p:nvCxnSpPr>
+          <p:cNvPr id="14" name="직선 화살표 연결선 13"/>
+          <p:cNvCxnSpPr>
+            <a:stCxn id="13" idx="0"/>
+          </p:cNvCxnSpPr>
+          <p:nvPr/>
+        </p:nvCxnSpPr>
+        <p:spPr>
+          <a:xfrm flipV="1">
+            <a:off x="1226503" y="3866376"/>
+            <a:ext cx="495300" cy="481306"/>
+          </a:xfrm>
+          <a:prstGeom prst="straightConnector1">
+            <a:avLst/>
+          </a:prstGeom>
+          <a:ln>
+            <a:tailEnd type="triangle"/>
+          </a:ln>
+        </p:spPr>
+        <p:style>
+          <a:lnRef idx="1">
+            <a:schemeClr val="accent1"/>
+          </a:lnRef>
+          <a:fillRef idx="0">
+            <a:schemeClr val="accent1"/>
+          </a:fillRef>
+          <a:effectRef idx="0">
+            <a:schemeClr val="accent1"/>
+          </a:effectRef>
+          <a:fontRef idx="minor">
+            <a:schemeClr val="tx1"/>
+          </a:fontRef>
+        </p:style>
+      </p:cxnSp>
+      <p:sp>
+        <p:nvSpPr>
+          <p:cNvPr id="10" name="제목 2"/>
+          <p:cNvSpPr>
+            <a:spLocks noGrp="1"/>
+          </p:cNvSpPr>
+          <p:nvPr>
+            <p:ph type="title"/>
+          </p:nvPr>
+        </p:nvSpPr>
+        <p:spPr>
+          <a:xfrm>
+            <a:off x="49524" y="923477"/>
+            <a:ext cx="8372163" cy="574183"/>
+          </a:xfrm>
+        </p:spPr>
+        <p:txBody>
+          <a:bodyPr>
+            <a:normAutofit/>
+          </a:bodyPr>
+          <a:lstStyle/>
+          <a:p>
+            <a:pPr lvl="0"/>
+            <a:r>
+              <a:rPr lang="en-US" altLang="zh-CN" sz="2400" dirty="0" smtClean="0"/>
+              <a:t>Analyzing updating rules</a:t>
+            </a:r>
+            <a:endParaRPr lang="zh-CN" altLang="en-US" sz="2800" dirty="0"/>
+          </a:p>
+        </p:txBody>
+      </p:sp>
+    </p:spTree>
+    <p:extLst>
+      <p:ext uri="{BB962C8B-B14F-4D97-AF65-F5344CB8AC3E}">
+        <p14:creationId xmlns:p14="http://schemas.microsoft.com/office/powerpoint/2010/main" val="1694040009"/>
+      </p:ext>
+    </p:extLst>
+  </p:cSld>
+  <p:clrMapOvr>
+    <a:masterClrMapping/>
+  </p:clrMapOvr>
+</p:sld>
+</file>
+
 <file path=ppt/theme/theme1.xml><?xml version="1.0" encoding="utf-8"?>
 <a:theme xmlns:a="http://schemas.openxmlformats.org/drawingml/2006/main" name="2016-VI主题-蓝">
   <a:themeElements>

--- a/progress12.pptx
+++ b/progress12.pptx
@@ -5,10 +5,10 @@
     <p:sldMasterId id="2147483802" r:id="rId1"/>
   </p:sldMasterIdLst>
   <p:notesMasterIdLst>
-    <p:notesMasterId r:id="rId15"/>
+    <p:notesMasterId r:id="rId14"/>
   </p:notesMasterIdLst>
   <p:handoutMasterIdLst>
-    <p:handoutMasterId r:id="rId16"/>
+    <p:handoutMasterId r:id="rId15"/>
   </p:handoutMasterIdLst>
   <p:sldIdLst>
     <p:sldId id="287" r:id="rId2"/>
@@ -19,11 +19,10 @@
     <p:sldId id="376" r:id="rId7"/>
     <p:sldId id="378" r:id="rId8"/>
     <p:sldId id="379" r:id="rId9"/>
-    <p:sldId id="377" r:id="rId10"/>
-    <p:sldId id="373" r:id="rId11"/>
-    <p:sldId id="369" r:id="rId12"/>
-    <p:sldId id="317" r:id="rId13"/>
-    <p:sldId id="357" r:id="rId14"/>
+    <p:sldId id="380" r:id="rId10"/>
+    <p:sldId id="381" r:id="rId11"/>
+    <p:sldId id="317" r:id="rId12"/>
+    <p:sldId id="357" r:id="rId13"/>
   </p:sldIdLst>
   <p:sldSz cx="9144000" cy="6858000" type="screen4x3"/>
   <p:notesSz cx="6735763" cy="9799638"/>
@@ -219,7 +218,7 @@
           <a:p>
             <a:fld id="{202C1FBA-CF23-45CA-A289-03E32D160964}" type="datetimeFigureOut">
               <a:rPr lang="zh-CN" altLang="en-US" smtClean="0"/>
-              <a:t>2019/9/14</a:t>
+              <a:t>2019/9/15</a:t>
             </a:fld>
             <a:endParaRPr lang="zh-CN" altLang="en-US"/>
           </a:p>
@@ -384,7 +383,7 @@
           <a:p>
             <a:fld id="{6D966BD8-0FC1-456F-BDC6-7D0CA8E36566}" type="datetimeFigureOut">
               <a:rPr lang="zh-CN" altLang="en-US" smtClean="0"/>
-              <a:t>2019/9/14</a:t>
+              <a:t>2019/9/15</a:t>
             </a:fld>
             <a:endParaRPr lang="zh-CN" altLang="en-US"/>
           </a:p>
@@ -869,62 +868,96 @@
           <a:p>
             <a:r>
               <a:rPr lang="en-US" altLang="zh-CN" dirty="0" smtClean="0"/>
-              <a:t>I provide new</a:t>
+              <a:t>As</a:t>
             </a:r>
             <a:r>
               <a:rPr lang="en-US" altLang="zh-CN" baseline="0" dirty="0" smtClean="0"/>
-              <a:t> index for measuring consensus. </a:t>
-            </a:r>
-          </a:p>
-          <a:p>
-            <a:endParaRPr lang="en-US" altLang="zh-CN" dirty="0" smtClean="0"/>
-          </a:p>
-          <a:p>
-            <a:r>
-              <a:rPr lang="en-US" altLang="zh-CN" dirty="0" smtClean="0"/>
-              <a:t>This</a:t>
-            </a:r>
+              <a:t> future research.</a:t>
+            </a:r>
+          </a:p>
+          <a:p>
+            <a:endParaRPr lang="en-US" altLang="zh-CN" baseline="0" dirty="0" smtClean="0"/>
+          </a:p>
+          <a:p>
             <a:r>
               <a:rPr lang="en-US" altLang="zh-CN" baseline="0" dirty="0" smtClean="0"/>
-              <a:t> is the consensus index.  KA means the number of nodes in layer A. K plus A represents the number of nodes with positive state in layer A. </a:t>
-            </a:r>
-          </a:p>
-          <a:p>
+              <a:t>Next, I try to find key edges. </a:t>
+            </a:r>
+          </a:p>
+          <a:p>
+            <a:r>
+              <a:rPr lang="en-US" altLang="zh-CN" sz="1200" kern="1200" dirty="0" smtClean="0">
+                <a:solidFill>
+                  <a:schemeClr val="tx1"/>
+                </a:solidFill>
+                <a:effectLst/>
+                <a:latin typeface="+mn-lt"/>
+                <a:ea typeface="+mn-ea"/>
+                <a:cs typeface="+mn-cs"/>
+              </a:rPr>
+              <a:t>To find important edges on two-layer networks, it is investigated which edges have more influence on changing the average states of network by removing edges. All edges are ranked according to edge properties, such as </a:t>
+            </a:r>
+            <a:r>
+              <a:rPr lang="en-US" altLang="zh-CN" sz="1200" kern="1200" dirty="0" err="1" smtClean="0">
+                <a:solidFill>
+                  <a:schemeClr val="tx1"/>
+                </a:solidFill>
+                <a:effectLst/>
+                <a:latin typeface="+mn-lt"/>
+                <a:ea typeface="+mn-ea"/>
+                <a:cs typeface="+mn-cs"/>
+              </a:rPr>
+              <a:t>jaccard</a:t>
+            </a:r>
+            <a:r>
+              <a:rPr lang="en-US" altLang="zh-CN" sz="1200" kern="1200" dirty="0" smtClean="0">
+                <a:solidFill>
+                  <a:schemeClr val="tx1"/>
+                </a:solidFill>
+                <a:effectLst/>
+                <a:latin typeface="+mn-lt"/>
+                <a:ea typeface="+mn-ea"/>
+                <a:cs typeface="+mn-cs"/>
+              </a:rPr>
+              <a:t> index, degree product, edge-</a:t>
+            </a:r>
+            <a:r>
+              <a:rPr lang="en-US" altLang="zh-CN" sz="1200" kern="1200" dirty="0" err="1" smtClean="0">
+                <a:solidFill>
+                  <a:schemeClr val="tx1"/>
+                </a:solidFill>
+                <a:effectLst/>
+                <a:latin typeface="+mn-lt"/>
+                <a:ea typeface="+mn-ea"/>
+                <a:cs typeface="+mn-cs"/>
+              </a:rPr>
+              <a:t>betweenness</a:t>
+            </a:r>
+            <a:r>
+              <a:rPr lang="en-US" altLang="zh-CN" sz="1200" kern="1200" dirty="0" smtClean="0">
+                <a:solidFill>
+                  <a:schemeClr val="tx1"/>
+                </a:solidFill>
+                <a:effectLst/>
+                <a:latin typeface="+mn-lt"/>
+                <a:ea typeface="+mn-ea"/>
+                <a:cs typeface="+mn-cs"/>
+              </a:rPr>
+              <a:t>, and node centrality-based properties. And the ratio of removed edges is increased according to ranked order. And various simulations are implemented by removing internal edges, external edges, or mixed edges. </a:t>
+            </a:r>
             <a:endParaRPr lang="en-US" altLang="zh-CN" baseline="0" dirty="0" smtClean="0"/>
           </a:p>
           <a:p>
+            <a:endParaRPr lang="en-US" altLang="zh-CN" baseline="0" dirty="0" smtClean="0"/>
+          </a:p>
+          <a:p>
             <a:r>
               <a:rPr lang="en-US" altLang="zh-CN" baseline="0" dirty="0" smtClean="0"/>
-              <a:t>With CI, it could be measured how close the network state is to consensus. </a:t>
+              <a:t>And, I try to develop better algorithm for finding key nodes and edges. After analyzing the simulation results, better algorithms are provided for finding key nodes and edges. </a:t>
             </a:r>
           </a:p>
           <a:p>
             <a:endParaRPr lang="en-US" altLang="zh-CN" baseline="0" dirty="0" smtClean="0"/>
-          </a:p>
-          <a:p>
-            <a:r>
-              <a:rPr lang="en-US" altLang="zh-CN" baseline="0" dirty="0" smtClean="0"/>
-              <a:t>If Ci is close to 1, it means separated coexistence like  layer A has all positive states, but layer B has all negative states. </a:t>
-            </a:r>
-          </a:p>
-          <a:p>
-            <a:endParaRPr lang="en-US" altLang="zh-CN" baseline="0" dirty="0" smtClean="0"/>
-          </a:p>
-          <a:p>
-            <a:r>
-              <a:rPr lang="en-US" altLang="zh-CN" baseline="0" dirty="0" smtClean="0"/>
-              <a:t>If CI is close to 0, it means positive or negative consensus. </a:t>
-            </a:r>
-          </a:p>
-          <a:p>
-            <a:endParaRPr lang="en-US" altLang="zh-CN" baseline="0" dirty="0" smtClean="0"/>
-          </a:p>
-          <a:p>
-            <a:r>
-              <a:rPr lang="en-US" altLang="zh-CN" baseline="0" dirty="0" smtClean="0"/>
-              <a:t>And, if CI is close to 0.5, it means mixed coexistence. </a:t>
-            </a:r>
-            <a:endParaRPr lang="zh-CN" altLang="en-US" dirty="0"/>
           </a:p>
         </p:txBody>
       </p:sp>
@@ -954,7 +987,7 @@
     </p:spTree>
     <p:extLst>
       <p:ext uri="{BB962C8B-B14F-4D97-AF65-F5344CB8AC3E}">
-        <p14:creationId xmlns:p14="http://schemas.microsoft.com/office/powerpoint/2010/main" val="1701787324"/>
+        <p14:creationId xmlns:p14="http://schemas.microsoft.com/office/powerpoint/2010/main" val="2444185594"/>
       </p:ext>
     </p:extLst>
   </p:cSld>
@@ -1010,21 +1043,96 @@
           <a:p>
             <a:r>
               <a:rPr lang="en-US" altLang="zh-CN" dirty="0" smtClean="0"/>
-              <a:t>There are three branch points. In the first branch point, the results are divided according to whether order of nodes in layer B is sequential or simultaneous. </a:t>
-            </a:r>
-          </a:p>
-          <a:p>
-            <a:r>
-              <a:rPr lang="en-US" altLang="zh-CN" dirty="0" smtClean="0"/>
-              <a:t>In the second and third branch point, the results are divided according to whether order of edges in layer A is sequential or simultaneous. </a:t>
-            </a:r>
-          </a:p>
-          <a:p>
-            <a:r>
-              <a:rPr lang="en-US" altLang="zh-CN" dirty="0" smtClean="0"/>
-              <a:t>As the results, there are 4 categories such as fast positive consensus, slow positive consensus, coexistence and slow negative consensus. </a:t>
-            </a:r>
-            <a:endParaRPr lang="zh-CN" altLang="en-US" dirty="0"/>
+              <a:t>As</a:t>
+            </a:r>
+            <a:r>
+              <a:rPr lang="en-US" altLang="zh-CN" baseline="0" dirty="0" smtClean="0"/>
+              <a:t> future research.</a:t>
+            </a:r>
+          </a:p>
+          <a:p>
+            <a:endParaRPr lang="en-US" altLang="zh-CN" baseline="0" dirty="0" smtClean="0"/>
+          </a:p>
+          <a:p>
+            <a:r>
+              <a:rPr lang="en-US" altLang="zh-CN" baseline="0" dirty="0" smtClean="0"/>
+              <a:t>Next, I try to find key edges. </a:t>
+            </a:r>
+          </a:p>
+          <a:p>
+            <a:r>
+              <a:rPr lang="en-US" altLang="zh-CN" sz="1200" kern="1200" dirty="0" smtClean="0">
+                <a:solidFill>
+                  <a:schemeClr val="tx1"/>
+                </a:solidFill>
+                <a:effectLst/>
+                <a:latin typeface="+mn-lt"/>
+                <a:ea typeface="+mn-ea"/>
+                <a:cs typeface="+mn-cs"/>
+              </a:rPr>
+              <a:t>To find important edges on two-layer networks, it is investigated which edges have more influence on changing the average states of network by removing edges. All edges are ranked according to edge properties, such as </a:t>
+            </a:r>
+            <a:r>
+              <a:rPr lang="en-US" altLang="zh-CN" sz="1200" kern="1200" dirty="0" err="1" smtClean="0">
+                <a:solidFill>
+                  <a:schemeClr val="tx1"/>
+                </a:solidFill>
+                <a:effectLst/>
+                <a:latin typeface="+mn-lt"/>
+                <a:ea typeface="+mn-ea"/>
+                <a:cs typeface="+mn-cs"/>
+              </a:rPr>
+              <a:t>jaccard</a:t>
+            </a:r>
+            <a:r>
+              <a:rPr lang="en-US" altLang="zh-CN" sz="1200" kern="1200" dirty="0" smtClean="0">
+                <a:solidFill>
+                  <a:schemeClr val="tx1"/>
+                </a:solidFill>
+                <a:effectLst/>
+                <a:latin typeface="+mn-lt"/>
+                <a:ea typeface="+mn-ea"/>
+                <a:cs typeface="+mn-cs"/>
+              </a:rPr>
+              <a:t> index, degree product, edge-</a:t>
+            </a:r>
+            <a:r>
+              <a:rPr lang="en-US" altLang="zh-CN" sz="1200" kern="1200" dirty="0" err="1" smtClean="0">
+                <a:solidFill>
+                  <a:schemeClr val="tx1"/>
+                </a:solidFill>
+                <a:effectLst/>
+                <a:latin typeface="+mn-lt"/>
+                <a:ea typeface="+mn-ea"/>
+                <a:cs typeface="+mn-cs"/>
+              </a:rPr>
+              <a:t>betweenness</a:t>
+            </a:r>
+            <a:r>
+              <a:rPr lang="en-US" altLang="zh-CN" sz="1200" kern="1200" dirty="0" smtClean="0">
+                <a:solidFill>
+                  <a:schemeClr val="tx1"/>
+                </a:solidFill>
+                <a:effectLst/>
+                <a:latin typeface="+mn-lt"/>
+                <a:ea typeface="+mn-ea"/>
+                <a:cs typeface="+mn-cs"/>
+              </a:rPr>
+              <a:t>, and node centrality-based properties. And the ratio of removed edges is increased according to ranked order. And various simulations are implemented by removing internal edges, external edges, or mixed edges. </a:t>
+            </a:r>
+            <a:endParaRPr lang="en-US" altLang="zh-CN" baseline="0" dirty="0" smtClean="0"/>
+          </a:p>
+          <a:p>
+            <a:endParaRPr lang="en-US" altLang="zh-CN" baseline="0" dirty="0" smtClean="0"/>
+          </a:p>
+          <a:p>
+            <a:r>
+              <a:rPr lang="en-US" altLang="zh-CN" baseline="0" dirty="0" smtClean="0"/>
+              <a:t>And, I try to develop better algorithm for finding key nodes and edges. After analyzing the simulation results, better algorithms are provided for finding key nodes and edges. </a:t>
+            </a:r>
+          </a:p>
+          <a:p>
+            <a:endParaRPr lang="en-US" altLang="zh-CN" baseline="0" dirty="0" smtClean="0"/>
           </a:p>
         </p:txBody>
       </p:sp>
@@ -1054,7 +1162,7 @@
     </p:spTree>
     <p:extLst>
       <p:ext uri="{BB962C8B-B14F-4D97-AF65-F5344CB8AC3E}">
-        <p14:creationId xmlns:p14="http://schemas.microsoft.com/office/powerpoint/2010/main" val="1419760817"/>
+        <p14:creationId xmlns:p14="http://schemas.microsoft.com/office/powerpoint/2010/main" val="192959374"/>
       </p:ext>
     </p:extLst>
   </p:cSld>
@@ -1108,181 +1216,6 @@
           <a:bodyPr/>
           <a:lstStyle/>
           <a:p>
-            <a:r>
-              <a:rPr lang="en-US" altLang="zh-CN" dirty="0" smtClean="0"/>
-              <a:t>As</a:t>
-            </a:r>
-            <a:r>
-              <a:rPr lang="en-US" altLang="zh-CN" baseline="0" dirty="0" smtClean="0"/>
-              <a:t> future research.</a:t>
-            </a:r>
-          </a:p>
-          <a:p>
-            <a:endParaRPr lang="en-US" altLang="zh-CN" baseline="0" dirty="0" smtClean="0"/>
-          </a:p>
-          <a:p>
-            <a:r>
-              <a:rPr lang="en-US" altLang="zh-CN" baseline="0" dirty="0" smtClean="0"/>
-              <a:t>Next, I try to find key edges. </a:t>
-            </a:r>
-          </a:p>
-          <a:p>
-            <a:r>
-              <a:rPr lang="en-US" altLang="zh-CN" sz="1200" kern="1200" dirty="0" smtClean="0">
-                <a:solidFill>
-                  <a:schemeClr val="tx1"/>
-                </a:solidFill>
-                <a:effectLst/>
-                <a:latin typeface="+mn-lt"/>
-                <a:ea typeface="+mn-ea"/>
-                <a:cs typeface="+mn-cs"/>
-              </a:rPr>
-              <a:t>To find important edges on two-layer networks, it is investigated which edges have more influence on changing the average states of network by removing edges. All edges are ranked according to edge properties, such as </a:t>
-            </a:r>
-            <a:r>
-              <a:rPr lang="en-US" altLang="zh-CN" sz="1200" kern="1200" dirty="0" err="1" smtClean="0">
-                <a:solidFill>
-                  <a:schemeClr val="tx1"/>
-                </a:solidFill>
-                <a:effectLst/>
-                <a:latin typeface="+mn-lt"/>
-                <a:ea typeface="+mn-ea"/>
-                <a:cs typeface="+mn-cs"/>
-              </a:rPr>
-              <a:t>jaccard</a:t>
-            </a:r>
-            <a:r>
-              <a:rPr lang="en-US" altLang="zh-CN" sz="1200" kern="1200" dirty="0" smtClean="0">
-                <a:solidFill>
-                  <a:schemeClr val="tx1"/>
-                </a:solidFill>
-                <a:effectLst/>
-                <a:latin typeface="+mn-lt"/>
-                <a:ea typeface="+mn-ea"/>
-                <a:cs typeface="+mn-cs"/>
-              </a:rPr>
-              <a:t> index, degree product, edge-</a:t>
-            </a:r>
-            <a:r>
-              <a:rPr lang="en-US" altLang="zh-CN" sz="1200" kern="1200" dirty="0" err="1" smtClean="0">
-                <a:solidFill>
-                  <a:schemeClr val="tx1"/>
-                </a:solidFill>
-                <a:effectLst/>
-                <a:latin typeface="+mn-lt"/>
-                <a:ea typeface="+mn-ea"/>
-                <a:cs typeface="+mn-cs"/>
-              </a:rPr>
-              <a:t>betweenness</a:t>
-            </a:r>
-            <a:r>
-              <a:rPr lang="en-US" altLang="zh-CN" sz="1200" kern="1200" dirty="0" smtClean="0">
-                <a:solidFill>
-                  <a:schemeClr val="tx1"/>
-                </a:solidFill>
-                <a:effectLst/>
-                <a:latin typeface="+mn-lt"/>
-                <a:ea typeface="+mn-ea"/>
-                <a:cs typeface="+mn-cs"/>
-              </a:rPr>
-              <a:t>, and node centrality-based properties. And the ratio of removed edges is increased according to ranked order. And various simulations are implemented by removing internal edges, external edges, or mixed edges. </a:t>
-            </a:r>
-            <a:endParaRPr lang="en-US" altLang="zh-CN" baseline="0" dirty="0" smtClean="0"/>
-          </a:p>
-          <a:p>
-            <a:endParaRPr lang="en-US" altLang="zh-CN" baseline="0" dirty="0" smtClean="0"/>
-          </a:p>
-          <a:p>
-            <a:r>
-              <a:rPr lang="en-US" altLang="zh-CN" baseline="0" dirty="0" smtClean="0"/>
-              <a:t>And, I try to develop better algorithm for finding key nodes and edges. After analyzing the simulation results, better algorithms are provided for finding key nodes and edges. </a:t>
-            </a:r>
-          </a:p>
-          <a:p>
-            <a:endParaRPr lang="en-US" altLang="zh-CN" baseline="0" dirty="0" smtClean="0"/>
-          </a:p>
-        </p:txBody>
-      </p:sp>
-      <p:sp>
-        <p:nvSpPr>
-          <p:cNvPr id="4" name="슬라이드 번호 개체 틀 3"/>
-          <p:cNvSpPr>
-            <a:spLocks noGrp="1"/>
-          </p:cNvSpPr>
-          <p:nvPr>
-            <p:ph type="sldNum" sz="quarter" idx="10"/>
-          </p:nvPr>
-        </p:nvSpPr>
-        <p:spPr/>
-        <p:txBody>
-          <a:bodyPr/>
-          <a:lstStyle/>
-          <a:p>
-            <a:fld id="{E3CFC841-E2E1-4802-8701-94EA307E94B0}" type="slidenum">
-              <a:rPr lang="zh-CN" altLang="en-US" smtClean="0"/>
-              <a:t>12</a:t>
-            </a:fld>
-            <a:endParaRPr lang="zh-CN" altLang="en-US"/>
-          </a:p>
-        </p:txBody>
-      </p:sp>
-    </p:spTree>
-    <p:extLst>
-      <p:ext uri="{BB962C8B-B14F-4D97-AF65-F5344CB8AC3E}">
-        <p14:creationId xmlns:p14="http://schemas.microsoft.com/office/powerpoint/2010/main" val="192959374"/>
-      </p:ext>
-    </p:extLst>
-  </p:cSld>
-  <p:clrMapOvr>
-    <a:masterClrMapping/>
-  </p:clrMapOvr>
-</p:notes>
-</file>
-
-<file path=ppt/notesSlides/notesSlide13.xml><?xml version="1.0" encoding="utf-8"?>
-<p:notes xmlns:a="http://schemas.openxmlformats.org/drawingml/2006/main" xmlns:r="http://schemas.openxmlformats.org/officeDocument/2006/relationships" xmlns:p="http://schemas.openxmlformats.org/presentationml/2006/main">
-  <p:cSld>
-    <p:spTree>
-      <p:nvGrpSpPr>
-        <p:cNvPr id="1" name=""/>
-        <p:cNvGrpSpPr/>
-        <p:nvPr/>
-      </p:nvGrpSpPr>
-      <p:grpSpPr>
-        <a:xfrm>
-          <a:off x="0" y="0"/>
-          <a:ext cx="0" cy="0"/>
-          <a:chOff x="0" y="0"/>
-          <a:chExt cx="0" cy="0"/>
-        </a:xfrm>
-      </p:grpSpPr>
-      <p:sp>
-        <p:nvSpPr>
-          <p:cNvPr id="2" name="슬라이드 이미지 개체 틀 1"/>
-          <p:cNvSpPr>
-            <a:spLocks noGrp="1" noRot="1" noChangeAspect="1"/>
-          </p:cNvSpPr>
-          <p:nvPr>
-            <p:ph type="sldImg"/>
-          </p:nvPr>
-        </p:nvSpPr>
-        <p:spPr/>
-      </p:sp>
-      <p:sp>
-        <p:nvSpPr>
-          <p:cNvPr id="3" name="슬라이드 노트 개체 틀 2"/>
-          <p:cNvSpPr>
-            <a:spLocks noGrp="1"/>
-          </p:cNvSpPr>
-          <p:nvPr>
-            <p:ph type="body" idx="1"/>
-          </p:nvPr>
-        </p:nvSpPr>
-        <p:spPr/>
-        <p:txBody>
-          <a:bodyPr/>
-          <a:lstStyle/>
-          <a:p>
             <a:pPr marL="0" marR="0" indent="0" algn="l" defTabSz="914400" rtl="0" eaLnBrk="1" fontAlgn="auto" latinLnBrk="0" hangingPunct="1">
               <a:lnSpc>
                 <a:spcPct val="100000"/>
@@ -1327,7 +1260,7 @@
           <a:p>
             <a:fld id="{E3CFC841-E2E1-4802-8701-94EA307E94B0}" type="slidenum">
               <a:rPr lang="zh-CN" altLang="en-US" smtClean="0"/>
-              <a:t>13</a:t>
+              <a:t>12</a:t>
             </a:fld>
             <a:endParaRPr lang="zh-CN" altLang="en-US"/>
           </a:p>
@@ -2434,19 +2367,96 @@
           <a:p>
             <a:r>
               <a:rPr lang="en-US" altLang="zh-CN" dirty="0" smtClean="0"/>
-              <a:t>With CI, simulation</a:t>
+              <a:t>As</a:t>
             </a:r>
             <a:r>
               <a:rPr lang="en-US" altLang="zh-CN" baseline="0" dirty="0" smtClean="0"/>
-              <a:t> results are researched like this figure. </a:t>
-            </a:r>
+              <a:t> future research.</a:t>
+            </a:r>
+          </a:p>
+          <a:p>
+            <a:endParaRPr lang="en-US" altLang="zh-CN" baseline="0" dirty="0" smtClean="0"/>
           </a:p>
           <a:p>
             <a:r>
               <a:rPr lang="en-US" altLang="zh-CN" baseline="0" dirty="0" smtClean="0"/>
-              <a:t>We can find out 3 branch points. The results are very clear to analyze.  </a:t>
-            </a:r>
-            <a:endParaRPr lang="zh-CN" altLang="en-US" dirty="0"/>
+              <a:t>Next, I try to find key edges. </a:t>
+            </a:r>
+          </a:p>
+          <a:p>
+            <a:r>
+              <a:rPr lang="en-US" altLang="zh-CN" sz="1200" kern="1200" dirty="0" smtClean="0">
+                <a:solidFill>
+                  <a:schemeClr val="tx1"/>
+                </a:solidFill>
+                <a:effectLst/>
+                <a:latin typeface="+mn-lt"/>
+                <a:ea typeface="+mn-ea"/>
+                <a:cs typeface="+mn-cs"/>
+              </a:rPr>
+              <a:t>To find important edges on two-layer networks, it is investigated which edges have more influence on changing the average states of network by removing edges. All edges are ranked according to edge properties, such as </a:t>
+            </a:r>
+            <a:r>
+              <a:rPr lang="en-US" altLang="zh-CN" sz="1200" kern="1200" dirty="0" err="1" smtClean="0">
+                <a:solidFill>
+                  <a:schemeClr val="tx1"/>
+                </a:solidFill>
+                <a:effectLst/>
+                <a:latin typeface="+mn-lt"/>
+                <a:ea typeface="+mn-ea"/>
+                <a:cs typeface="+mn-cs"/>
+              </a:rPr>
+              <a:t>jaccard</a:t>
+            </a:r>
+            <a:r>
+              <a:rPr lang="en-US" altLang="zh-CN" sz="1200" kern="1200" dirty="0" smtClean="0">
+                <a:solidFill>
+                  <a:schemeClr val="tx1"/>
+                </a:solidFill>
+                <a:effectLst/>
+                <a:latin typeface="+mn-lt"/>
+                <a:ea typeface="+mn-ea"/>
+                <a:cs typeface="+mn-cs"/>
+              </a:rPr>
+              <a:t> index, degree product, edge-</a:t>
+            </a:r>
+            <a:r>
+              <a:rPr lang="en-US" altLang="zh-CN" sz="1200" kern="1200" dirty="0" err="1" smtClean="0">
+                <a:solidFill>
+                  <a:schemeClr val="tx1"/>
+                </a:solidFill>
+                <a:effectLst/>
+                <a:latin typeface="+mn-lt"/>
+                <a:ea typeface="+mn-ea"/>
+                <a:cs typeface="+mn-cs"/>
+              </a:rPr>
+              <a:t>betweenness</a:t>
+            </a:r>
+            <a:r>
+              <a:rPr lang="en-US" altLang="zh-CN" sz="1200" kern="1200" dirty="0" smtClean="0">
+                <a:solidFill>
+                  <a:schemeClr val="tx1"/>
+                </a:solidFill>
+                <a:effectLst/>
+                <a:latin typeface="+mn-lt"/>
+                <a:ea typeface="+mn-ea"/>
+                <a:cs typeface="+mn-cs"/>
+              </a:rPr>
+              <a:t>, and node centrality-based properties. And the ratio of removed edges is increased according to ranked order. And various simulations are implemented by removing internal edges, external edges, or mixed edges. </a:t>
+            </a:r>
+            <a:endParaRPr lang="en-US" altLang="zh-CN" baseline="0" dirty="0" smtClean="0"/>
+          </a:p>
+          <a:p>
+            <a:endParaRPr lang="en-US" altLang="zh-CN" baseline="0" dirty="0" smtClean="0"/>
+          </a:p>
+          <a:p>
+            <a:r>
+              <a:rPr lang="en-US" altLang="zh-CN" baseline="0" dirty="0" smtClean="0"/>
+              <a:t>And, I try to develop better algorithm for finding key nodes and edges. After analyzing the simulation results, better algorithms are provided for finding key nodes and edges. </a:t>
+            </a:r>
+          </a:p>
+          <a:p>
+            <a:endParaRPr lang="en-US" altLang="zh-CN" baseline="0" dirty="0" smtClean="0"/>
           </a:p>
         </p:txBody>
       </p:sp>
@@ -2476,7 +2486,7 @@
     </p:spTree>
     <p:extLst>
       <p:ext uri="{BB962C8B-B14F-4D97-AF65-F5344CB8AC3E}">
-        <p14:creationId xmlns:p14="http://schemas.microsoft.com/office/powerpoint/2010/main" val="4024843940"/>
+        <p14:creationId xmlns:p14="http://schemas.microsoft.com/office/powerpoint/2010/main" val="1731324705"/>
       </p:ext>
     </p:extLst>
   </p:cSld>
@@ -9002,7 +9012,7 @@
       </p:grpSpPr>
       <p:sp>
         <p:nvSpPr>
-          <p:cNvPr id="10" name="제목 2"/>
+          <p:cNvPr id="3" name="제목 2"/>
           <p:cNvSpPr>
             <a:spLocks noGrp="1"/>
           </p:cNvSpPr>
@@ -9012,504 +9022,32 @@
         </p:nvSpPr>
         <p:spPr>
           <a:xfrm>
-            <a:off x="116114" y="879934"/>
+            <a:off x="0" y="986977"/>
             <a:ext cx="8372163" cy="574183"/>
           </a:xfrm>
         </p:spPr>
         <p:txBody>
-          <a:bodyPr>
-            <a:normAutofit/>
-          </a:bodyPr>
+          <a:bodyPr/>
           <a:lstStyle/>
           <a:p>
-            <a:pPr lvl="0"/>
-            <a:r>
-              <a:rPr lang="en-US" altLang="zh-CN" sz="2400" dirty="0" smtClean="0"/>
-              <a:t>Consensus Index</a:t>
-            </a:r>
-            <a:endParaRPr lang="zh-CN" altLang="en-US" sz="2800" dirty="0"/>
+            <a:r>
+              <a:rPr lang="en-US" altLang="zh-CN" dirty="0" smtClean="0"/>
+              <a:t>Analysis for finding key nodes</a:t>
+            </a:r>
+            <a:endParaRPr lang="zh-CN" altLang="en-US" dirty="0"/>
           </a:p>
         </p:txBody>
       </p:sp>
-      <mc:AlternateContent xmlns:mc="http://schemas.openxmlformats.org/markup-compatibility/2006" xmlns:a14="http://schemas.microsoft.com/office/drawing/2010/main">
-        <mc:Choice Requires="a14">
-          <p:sp>
-            <p:nvSpPr>
-              <p:cNvPr id="5" name="직사각형 4"/>
-              <p:cNvSpPr/>
-              <p:nvPr/>
-            </p:nvSpPr>
-            <p:spPr>
-              <a:xfrm>
-                <a:off x="1734881" y="1813294"/>
-                <a:ext cx="5134628" cy="833113"/>
-              </a:xfrm>
-              <a:prstGeom prst="rect">
-                <a:avLst/>
-              </a:prstGeom>
-            </p:spPr>
-            <p:txBody>
-              <a:bodyPr wrap="square">
-                <a:spAutoFit/>
-              </a:bodyPr>
-              <a:lstStyle/>
-              <a:p>
-                <a:pPr/>
-                <a14:m>
-                  <m:oMathPara xmlns:m="http://schemas.openxmlformats.org/officeDocument/2006/math">
-                    <m:oMathParaPr>
-                      <m:jc m:val="centerGroup"/>
-                    </m:oMathParaPr>
-                    <m:oMath xmlns:m="http://schemas.openxmlformats.org/officeDocument/2006/math">
-                      <m:r>
-                        <a:rPr lang="zh-CN" altLang="en-US" sz="2400" i="1">
-                          <a:latin typeface="Cambria Math" panose="02040503050406030204" pitchFamily="18" charset="0"/>
-                        </a:rPr>
-                        <m:t>𝐶𝐼</m:t>
-                      </m:r>
-                      <m:r>
-                        <a:rPr lang="zh-CN" altLang="en-US" sz="2400" i="0">
-                          <a:latin typeface="Cambria Math" panose="02040503050406030204" pitchFamily="18" charset="0"/>
-                        </a:rPr>
-                        <m:t>=</m:t>
-                      </m:r>
-                      <m:f>
-                        <m:fPr>
-                          <m:ctrlPr>
-                            <a:rPr lang="zh-CN" altLang="en-US" sz="2400" i="1">
-                              <a:latin typeface="Cambria Math" panose="02040503050406030204" pitchFamily="18" charset="0"/>
-                            </a:rPr>
-                          </m:ctrlPr>
-                        </m:fPr>
-                        <m:num>
-                          <m:sSubSup>
-                            <m:sSubSupPr>
-                              <m:ctrlPr>
-                                <a:rPr lang="zh-CN" altLang="en-US" sz="2400" i="1">
-                                  <a:latin typeface="Cambria Math" panose="02040503050406030204" pitchFamily="18" charset="0"/>
-                                </a:rPr>
-                              </m:ctrlPr>
-                            </m:sSubSupPr>
-                            <m:e>
-                              <m:r>
-                                <a:rPr lang="zh-CN" altLang="en-US" sz="2400" i="1">
-                                  <a:latin typeface="Cambria Math" panose="02040503050406030204" pitchFamily="18" charset="0"/>
-                                </a:rPr>
-                                <m:t>𝐾</m:t>
-                              </m:r>
-                            </m:e>
-                            <m:sub>
-                              <m:r>
-                                <a:rPr lang="zh-CN" altLang="en-US" sz="2400" i="0">
-                                  <a:latin typeface="Cambria Math" panose="02040503050406030204" pitchFamily="18" charset="0"/>
-                                </a:rPr>
-                                <m:t>+</m:t>
-                              </m:r>
-                            </m:sub>
-                            <m:sup>
-                              <m:r>
-                                <a:rPr lang="zh-CN" altLang="en-US" sz="2400" i="1">
-                                  <a:latin typeface="Cambria Math" panose="02040503050406030204" pitchFamily="18" charset="0"/>
-                                </a:rPr>
-                                <m:t>𝐴</m:t>
-                              </m:r>
-                            </m:sup>
-                          </m:sSubSup>
-                          <m:r>
-                            <a:rPr lang="zh-CN" altLang="en-US" sz="2400" i="0">
-                              <a:latin typeface="Cambria Math" panose="02040503050406030204" pitchFamily="18" charset="0"/>
-                            </a:rPr>
-                            <m:t>⋅</m:t>
-                          </m:r>
-                          <m:sSubSup>
-                            <m:sSubSupPr>
-                              <m:ctrlPr>
-                                <a:rPr lang="zh-CN" altLang="en-US" sz="2400" i="1">
-                                  <a:latin typeface="Cambria Math" panose="02040503050406030204" pitchFamily="18" charset="0"/>
-                                </a:rPr>
-                              </m:ctrlPr>
-                            </m:sSubSupPr>
-                            <m:e>
-                              <m:r>
-                                <a:rPr lang="zh-CN" altLang="en-US" sz="2400" i="1">
-                                  <a:latin typeface="Cambria Math" panose="02040503050406030204" pitchFamily="18" charset="0"/>
-                                </a:rPr>
-                                <m:t>𝐾</m:t>
-                              </m:r>
-                            </m:e>
-                            <m:sub>
-                              <m:r>
-                                <a:rPr lang="zh-CN" altLang="en-US" sz="2400" i="0">
-                                  <a:latin typeface="Cambria Math" panose="02040503050406030204" pitchFamily="18" charset="0"/>
-                                </a:rPr>
-                                <m:t>−</m:t>
-                              </m:r>
-                            </m:sub>
-                            <m:sup>
-                              <m:r>
-                                <a:rPr lang="zh-CN" altLang="en-US" sz="2400" i="1">
-                                  <a:latin typeface="Cambria Math" panose="02040503050406030204" pitchFamily="18" charset="0"/>
-                                </a:rPr>
-                                <m:t>𝐵</m:t>
-                              </m:r>
-                            </m:sup>
-                          </m:sSubSup>
-                          <m:r>
-                            <a:rPr lang="zh-CN" altLang="en-US" sz="2400" i="0">
-                              <a:latin typeface="Cambria Math" panose="02040503050406030204" pitchFamily="18" charset="0"/>
-                            </a:rPr>
-                            <m:t>+</m:t>
-                          </m:r>
-                          <m:sSubSup>
-                            <m:sSubSupPr>
-                              <m:ctrlPr>
-                                <a:rPr lang="zh-CN" altLang="en-US" sz="2400" i="1">
-                                  <a:latin typeface="Cambria Math" panose="02040503050406030204" pitchFamily="18" charset="0"/>
-                                </a:rPr>
-                              </m:ctrlPr>
-                            </m:sSubSupPr>
-                            <m:e>
-                              <m:r>
-                                <a:rPr lang="zh-CN" altLang="en-US" sz="2400" i="1">
-                                  <a:latin typeface="Cambria Math" panose="02040503050406030204" pitchFamily="18" charset="0"/>
-                                </a:rPr>
-                                <m:t>𝐾</m:t>
-                              </m:r>
-                            </m:e>
-                            <m:sub>
-                              <m:r>
-                                <a:rPr lang="zh-CN" altLang="en-US" sz="2400" i="0">
-                                  <a:latin typeface="Cambria Math" panose="02040503050406030204" pitchFamily="18" charset="0"/>
-                                </a:rPr>
-                                <m:t>−</m:t>
-                              </m:r>
-                            </m:sub>
-                            <m:sup>
-                              <m:r>
-                                <a:rPr lang="zh-CN" altLang="en-US" sz="2400" i="1">
-                                  <a:latin typeface="Cambria Math" panose="02040503050406030204" pitchFamily="18" charset="0"/>
-                                </a:rPr>
-                                <m:t>𝐴</m:t>
-                              </m:r>
-                            </m:sup>
-                          </m:sSubSup>
-                          <m:r>
-                            <a:rPr lang="zh-CN" altLang="en-US" sz="2400" i="0">
-                              <a:latin typeface="Cambria Math" panose="02040503050406030204" pitchFamily="18" charset="0"/>
-                            </a:rPr>
-                            <m:t>⋅</m:t>
-                          </m:r>
-                          <m:sSubSup>
-                            <m:sSubSupPr>
-                              <m:ctrlPr>
-                                <a:rPr lang="zh-CN" altLang="en-US" sz="2400" i="1">
-                                  <a:latin typeface="Cambria Math" panose="02040503050406030204" pitchFamily="18" charset="0"/>
-                                </a:rPr>
-                              </m:ctrlPr>
-                            </m:sSubSupPr>
-                            <m:e>
-                              <m:r>
-                                <a:rPr lang="zh-CN" altLang="en-US" sz="2400" i="1">
-                                  <a:latin typeface="Cambria Math" panose="02040503050406030204" pitchFamily="18" charset="0"/>
-                                </a:rPr>
-                                <m:t>𝐾</m:t>
-                              </m:r>
-                            </m:e>
-                            <m:sub>
-                              <m:r>
-                                <a:rPr lang="zh-CN" altLang="en-US" sz="2400" i="0">
-                                  <a:latin typeface="Cambria Math" panose="02040503050406030204" pitchFamily="18" charset="0"/>
-                                </a:rPr>
-                                <m:t>+</m:t>
-                              </m:r>
-                            </m:sub>
-                            <m:sup>
-                              <m:r>
-                                <a:rPr lang="zh-CN" altLang="en-US" sz="2400" i="1">
-                                  <a:latin typeface="Cambria Math" panose="02040503050406030204" pitchFamily="18" charset="0"/>
-                                </a:rPr>
-                                <m:t>𝐵</m:t>
-                              </m:r>
-                            </m:sup>
-                          </m:sSubSup>
-                        </m:num>
-                        <m:den>
-                          <m:sSup>
-                            <m:sSupPr>
-                              <m:ctrlPr>
-                                <a:rPr lang="zh-CN" altLang="en-US" sz="2400" i="1">
-                                  <a:latin typeface="Cambria Math" panose="02040503050406030204" pitchFamily="18" charset="0"/>
-                                </a:rPr>
-                              </m:ctrlPr>
-                            </m:sSupPr>
-                            <m:e>
-                              <m:r>
-                                <a:rPr lang="zh-CN" altLang="en-US" sz="2400" i="1">
-                                  <a:latin typeface="Cambria Math" panose="02040503050406030204" pitchFamily="18" charset="0"/>
-                                </a:rPr>
-                                <m:t>𝐾</m:t>
-                              </m:r>
-                            </m:e>
-                            <m:sup>
-                              <m:r>
-                                <a:rPr lang="zh-CN" altLang="en-US" sz="2400" i="1">
-                                  <a:latin typeface="Cambria Math" panose="02040503050406030204" pitchFamily="18" charset="0"/>
-                                </a:rPr>
-                                <m:t>𝐴</m:t>
-                              </m:r>
-                            </m:sup>
-                          </m:sSup>
-                          <m:r>
-                            <a:rPr lang="zh-CN" altLang="en-US" sz="2400" i="0">
-                              <a:latin typeface="Cambria Math" panose="02040503050406030204" pitchFamily="18" charset="0"/>
-                            </a:rPr>
-                            <m:t>⋅</m:t>
-                          </m:r>
-                          <m:sSup>
-                            <m:sSupPr>
-                              <m:ctrlPr>
-                                <a:rPr lang="zh-CN" altLang="en-US" sz="2400" i="1">
-                                  <a:latin typeface="Cambria Math" panose="02040503050406030204" pitchFamily="18" charset="0"/>
-                                </a:rPr>
-                              </m:ctrlPr>
-                            </m:sSupPr>
-                            <m:e>
-                              <m:r>
-                                <a:rPr lang="zh-CN" altLang="en-US" sz="2400" i="1">
-                                  <a:latin typeface="Cambria Math" panose="02040503050406030204" pitchFamily="18" charset="0"/>
-                                </a:rPr>
-                                <m:t>𝐾</m:t>
-                              </m:r>
-                            </m:e>
-                            <m:sup>
-                              <m:r>
-                                <a:rPr lang="zh-CN" altLang="en-US" sz="2400" i="1">
-                                  <a:latin typeface="Cambria Math" panose="02040503050406030204" pitchFamily="18" charset="0"/>
-                                </a:rPr>
-                                <m:t>𝐵</m:t>
-                              </m:r>
-                            </m:sup>
-                          </m:sSup>
-                        </m:den>
-                      </m:f>
-                    </m:oMath>
-                  </m:oMathPara>
-                </a14:m>
-                <a:endParaRPr lang="zh-CN" altLang="en-US" sz="2400" dirty="0"/>
-              </a:p>
-            </p:txBody>
-          </p:sp>
-        </mc:Choice>
-        <mc:Fallback xmlns="">
-          <p:sp>
-            <p:nvSpPr>
-              <p:cNvPr id="5" name="직사각형 4"/>
-              <p:cNvSpPr>
-                <a:spLocks noRot="1" noChangeAspect="1" noMove="1" noResize="1" noEditPoints="1" noAdjustHandles="1" noChangeArrowheads="1" noChangeShapeType="1" noTextEdit="1"/>
-              </p:cNvSpPr>
-              <p:nvPr/>
-            </p:nvSpPr>
-            <p:spPr>
-              <a:xfrm>
-                <a:off x="1734881" y="1813294"/>
-                <a:ext cx="5134628" cy="833113"/>
-              </a:xfrm>
-              <a:prstGeom prst="rect">
-                <a:avLst/>
-              </a:prstGeom>
-              <a:blipFill>
-                <a:blip r:embed="rId3"/>
-                <a:stretch>
-                  <a:fillRect/>
-                </a:stretch>
-              </a:blipFill>
-            </p:spPr>
-            <p:txBody>
-              <a:bodyPr/>
-              <a:lstStyle/>
-              <a:p>
-                <a:r>
-                  <a:rPr lang="zh-CN" altLang="en-US">
-                    <a:noFill/>
-                  </a:rPr>
-                  <a:t> </a:t>
-                </a:r>
-              </a:p>
-            </p:txBody>
-          </p:sp>
-        </mc:Fallback>
-      </mc:AlternateContent>
-      <mc:AlternateContent xmlns:mc="http://schemas.openxmlformats.org/markup-compatibility/2006" xmlns:a14="http://schemas.microsoft.com/office/drawing/2010/main">
-        <mc:Choice Requires="a14">
-          <p:sp>
-            <p:nvSpPr>
-              <p:cNvPr id="6" name="직사각형 5"/>
-              <p:cNvSpPr/>
-              <p:nvPr/>
-            </p:nvSpPr>
-            <p:spPr>
-              <a:xfrm>
-                <a:off x="215134" y="3670569"/>
-                <a:ext cx="8273143" cy="709553"/>
-              </a:xfrm>
-              <a:prstGeom prst="rect">
-                <a:avLst/>
-              </a:prstGeom>
-            </p:spPr>
-            <p:txBody>
-              <a:bodyPr wrap="square">
-                <a:spAutoFit/>
-              </a:bodyPr>
-              <a:lstStyle/>
-              <a:p>
-                <a14:m>
-                  <m:oMath xmlns:m="http://schemas.openxmlformats.org/officeDocument/2006/math">
-                    <m:sSup>
-                      <m:sSupPr>
-                        <m:ctrlPr>
-                          <a:rPr lang="zh-CN" altLang="en-US" sz="2000" i="1">
-                            <a:latin typeface="Cambria Math" panose="02040503050406030204" pitchFamily="18" charset="0"/>
-                          </a:rPr>
-                        </m:ctrlPr>
-                      </m:sSupPr>
-                      <m:e>
-                        <m:r>
-                          <a:rPr lang="zh-CN" altLang="en-US" sz="2000" i="1">
-                            <a:latin typeface="Cambria Math" panose="02040503050406030204" pitchFamily="18" charset="0"/>
-                          </a:rPr>
-                          <m:t>𝐾</m:t>
-                        </m:r>
-                      </m:e>
-                      <m:sup>
-                        <m:r>
-                          <a:rPr lang="zh-CN" altLang="en-US" sz="2000" i="1">
-                            <a:latin typeface="Cambria Math" panose="02040503050406030204" pitchFamily="18" charset="0"/>
-                          </a:rPr>
-                          <m:t>𝐴</m:t>
-                        </m:r>
-                      </m:sup>
-                    </m:sSup>
-                  </m:oMath>
-                </a14:m>
-                <a:r>
-                  <a:rPr lang="en-US" altLang="zh-CN" sz="2000" i="1" dirty="0" smtClean="0">
-                    <a:latin typeface="Arial" panose="020B0604020202020204" pitchFamily="34" charset="0"/>
-                    <a:cs typeface="Arial" panose="020B0604020202020204" pitchFamily="34" charset="0"/>
-                  </a:rPr>
-                  <a:t> </a:t>
-                </a:r>
-                <a:r>
-                  <a:rPr lang="en-US" altLang="zh-CN" sz="2000" dirty="0" smtClean="0">
-                    <a:latin typeface="Arial" panose="020B0604020202020204" pitchFamily="34" charset="0"/>
-                    <a:cs typeface="Arial" panose="020B0604020202020204" pitchFamily="34" charset="0"/>
-                  </a:rPr>
-                  <a:t>means the number of nodes in layer A</a:t>
-                </a:r>
-              </a:p>
-              <a:p>
-                <a14:m>
-                  <m:oMath xmlns:m="http://schemas.openxmlformats.org/officeDocument/2006/math">
-                    <m:sSubSup>
-                      <m:sSubSupPr>
-                        <m:ctrlPr>
-                          <a:rPr lang="zh-CN" altLang="en-US" sz="2000" i="1" smtClean="0">
-                            <a:latin typeface="Cambria Math" panose="02040503050406030204" pitchFamily="18" charset="0"/>
-                          </a:rPr>
-                        </m:ctrlPr>
-                      </m:sSubSupPr>
-                      <m:e>
-                        <m:r>
-                          <a:rPr lang="zh-CN" altLang="en-US" sz="2000" i="1">
-                            <a:latin typeface="Cambria Math" panose="02040503050406030204" pitchFamily="18" charset="0"/>
-                          </a:rPr>
-                          <m:t>𝐾</m:t>
-                        </m:r>
-                      </m:e>
-                      <m:sub>
-                        <m:r>
-                          <a:rPr lang="zh-CN" altLang="en-US" sz="2000">
-                            <a:latin typeface="Cambria Math" panose="02040503050406030204" pitchFamily="18" charset="0"/>
-                          </a:rPr>
-                          <m:t>+</m:t>
-                        </m:r>
-                      </m:sub>
-                      <m:sup>
-                        <m:r>
-                          <a:rPr lang="zh-CN" altLang="en-US" sz="2000" i="1">
-                            <a:latin typeface="Cambria Math" panose="02040503050406030204" pitchFamily="18" charset="0"/>
-                          </a:rPr>
-                          <m:t>𝐴</m:t>
-                        </m:r>
-                      </m:sup>
-                    </m:sSubSup>
-                    <m:r>
-                      <a:rPr lang="zh-CN" altLang="en-US" sz="2000" i="1">
-                        <a:latin typeface="Cambria Math" panose="02040503050406030204" pitchFamily="18" charset="0"/>
-                      </a:rPr>
-                      <m:t> </m:t>
-                    </m:r>
-                  </m:oMath>
-                </a14:m>
-                <a:r>
-                  <a:rPr lang="zh-CN" altLang="en-US" sz="2000" dirty="0">
-                    <a:latin typeface="Arial" panose="020B0604020202020204" pitchFamily="34" charset="0"/>
-                    <a:cs typeface="Arial" panose="020B0604020202020204" pitchFamily="34" charset="0"/>
-                  </a:rPr>
-                  <a:t>represents the number of nodes with positive state in layer A.</a:t>
-                </a:r>
-              </a:p>
-            </p:txBody>
-          </p:sp>
-        </mc:Choice>
-        <mc:Fallback xmlns="">
-          <p:sp>
-            <p:nvSpPr>
-              <p:cNvPr id="6" name="직사각형 5"/>
-              <p:cNvSpPr>
-                <a:spLocks noRot="1" noChangeAspect="1" noMove="1" noResize="1" noEditPoints="1" noAdjustHandles="1" noChangeArrowheads="1" noChangeShapeType="1" noTextEdit="1"/>
-              </p:cNvSpPr>
-              <p:nvPr/>
-            </p:nvSpPr>
-            <p:spPr>
-              <a:xfrm>
-                <a:off x="215134" y="3670569"/>
-                <a:ext cx="8273143" cy="709553"/>
-              </a:xfrm>
-              <a:prstGeom prst="rect">
-                <a:avLst/>
-              </a:prstGeom>
-              <a:blipFill>
-                <a:blip r:embed="rId4"/>
-                <a:stretch>
-                  <a:fillRect t="-3419" b="-14530"/>
-                </a:stretch>
-              </a:blipFill>
-            </p:spPr>
-            <p:txBody>
-              <a:bodyPr/>
-              <a:lstStyle/>
-              <a:p>
-                <a:r>
-                  <a:rPr lang="zh-CN" altLang="en-US">
-                    <a:noFill/>
-                  </a:rPr>
-                  <a:t> </a:t>
-                </a:r>
-              </a:p>
-            </p:txBody>
-          </p:sp>
-        </mc:Fallback>
-      </mc:AlternateContent>
-      <p:sp>
-        <p:nvSpPr>
-          <p:cNvPr id="8" name="직사각형 7"/>
+      <p:sp>
+        <p:nvSpPr>
+          <p:cNvPr id="4" name="직사각형 3"/>
           <p:cNvSpPr/>
           <p:nvPr/>
         </p:nvSpPr>
         <p:spPr>
           <a:xfrm>
-            <a:off x="165623" y="4779449"/>
-            <a:ext cx="8926286" cy="1323439"/>
+            <a:off x="0" y="1796976"/>
+            <a:ext cx="9144000" cy="400110"/>
           </a:xfrm>
           <a:prstGeom prst="rect">
             <a:avLst/>
@@ -9521,89 +9059,620 @@
           </a:bodyPr>
           <a:lstStyle/>
           <a:p>
-            <a:r>
-              <a:rPr lang="zh-CN" altLang="en-US" sz="2000" dirty="0">
-                <a:latin typeface="Arial" panose="020B0604020202020204" pitchFamily="34" charset="0"/>
-                <a:cs typeface="Arial" panose="020B0604020202020204" pitchFamily="34" charset="0"/>
-              </a:rPr>
-              <a:t>With </a:t>
-            </a:r>
+            <a:pPr marL="228600" lvl="0" indent="-228600">
+              <a:spcBef>
+                <a:spcPts val="1000"/>
+              </a:spcBef>
+              <a:buClr>
+                <a:srgbClr val="004098"/>
+              </a:buClr>
+              <a:buSzPct val="100000"/>
+              <a:buFont typeface="Calibri" panose="020F0502020204030204" pitchFamily="34" charset="0"/>
+              <a:buChar char="▪"/>
+            </a:pPr>
             <a:r>
               <a:rPr lang="en-US" altLang="zh-CN" sz="2000" dirty="0" smtClean="0">
-                <a:latin typeface="Arial" panose="020B0604020202020204" pitchFamily="34" charset="0"/>
-                <a:cs typeface="Arial" panose="020B0604020202020204" pitchFamily="34" charset="0"/>
-              </a:rPr>
-              <a:t>CI</a:t>
-            </a:r>
-            <a:r>
-              <a:rPr lang="zh-CN" altLang="en-US" sz="2000" dirty="0" smtClean="0">
-                <a:latin typeface="Arial" panose="020B0604020202020204" pitchFamily="34" charset="0"/>
-                <a:cs typeface="Arial" panose="020B0604020202020204" pitchFamily="34" charset="0"/>
-              </a:rPr>
-              <a:t>, </a:t>
-            </a:r>
-            <a:r>
-              <a:rPr lang="zh-CN" altLang="en-US" sz="2000" dirty="0">
-                <a:latin typeface="Arial" panose="020B0604020202020204" pitchFamily="34" charset="0"/>
-                <a:cs typeface="Arial" panose="020B0604020202020204" pitchFamily="34" charset="0"/>
-              </a:rPr>
-              <a:t>it could be measured how close the network state is to consensus</a:t>
-            </a:r>
-            <a:r>
-              <a:rPr lang="zh-CN" altLang="en-US" sz="2000" dirty="0" smtClean="0">
-                <a:latin typeface="Arial" panose="020B0604020202020204" pitchFamily="34" charset="0"/>
-                <a:cs typeface="Arial" panose="020B0604020202020204" pitchFamily="34" charset="0"/>
-              </a:rPr>
-              <a:t>.</a:t>
-            </a:r>
-            <a:endParaRPr lang="en-US" altLang="zh-CN" sz="2000" dirty="0" smtClean="0">
-              <a:latin typeface="Arial" panose="020B0604020202020204" pitchFamily="34" charset="0"/>
-              <a:cs typeface="Arial" panose="020B0604020202020204" pitchFamily="34" charset="0"/>
-            </a:endParaRPr>
-          </a:p>
-          <a:p>
-            <a:r>
-              <a:rPr lang="en-US" altLang="zh-CN" sz="2000" dirty="0" smtClean="0">
-                <a:latin typeface="Arial" panose="020B0604020202020204" pitchFamily="34" charset="0"/>
-                <a:cs typeface="Arial" panose="020B0604020202020204" pitchFamily="34" charset="0"/>
-              </a:rPr>
-              <a:t>CI ≈ 1 :  separated coexistence(layer A : all positive, layer B : all negative)</a:t>
-            </a:r>
-          </a:p>
-          <a:p>
-            <a:r>
-              <a:rPr lang="en-US" altLang="zh-CN" sz="2000" dirty="0" smtClean="0">
-                <a:latin typeface="Arial" panose="020B0604020202020204" pitchFamily="34" charset="0"/>
-                <a:cs typeface="Arial" panose="020B0604020202020204" pitchFamily="34" charset="0"/>
-              </a:rPr>
-              <a:t>CI ≈ 0 : positive or negative consensus</a:t>
-            </a:r>
-          </a:p>
-          <a:p>
-            <a:r>
-              <a:rPr lang="en-US" altLang="zh-CN" sz="2000" dirty="0" smtClean="0">
-                <a:latin typeface="Arial" panose="020B0604020202020204" pitchFamily="34" charset="0"/>
-                <a:cs typeface="Arial" panose="020B0604020202020204" pitchFamily="34" charset="0"/>
-              </a:rPr>
-              <a:t>CI ≈ 0.5 : mixed coexistence</a:t>
-            </a:r>
-            <a:endParaRPr lang="en-US" altLang="zh-CN" sz="2000" dirty="0">
-              <a:latin typeface="Arial" panose="020B0604020202020204" pitchFamily="34" charset="0"/>
-              <a:cs typeface="Arial" panose="020B0604020202020204" pitchFamily="34" charset="0"/>
-            </a:endParaRPr>
+                <a:solidFill>
+                  <a:srgbClr val="000000"/>
+                </a:solidFill>
+                <a:latin typeface="Arial" panose="020B0604020202020204" pitchFamily="34" charset="0"/>
+                <a:cs typeface="Arial" panose="020B0604020202020204" pitchFamily="34" charset="0"/>
+              </a:rPr>
+              <a:t>Comparison between layer A and layer B</a:t>
+            </a:r>
           </a:p>
         </p:txBody>
       </p:sp>
+      <p:graphicFrame>
+        <p:nvGraphicFramePr>
+          <p:cNvPr id="2" name="표 1"/>
+          <p:cNvGraphicFramePr>
+            <a:graphicFrameLocks noGrp="1"/>
+          </p:cNvGraphicFramePr>
+          <p:nvPr>
+            <p:extLst>
+              <p:ext uri="{D42A27DB-BD31-4B8C-83A1-F6EECF244321}">
+                <p14:modId xmlns:p14="http://schemas.microsoft.com/office/powerpoint/2010/main" val="273513315"/>
+              </p:ext>
+            </p:extLst>
+          </p:nvPr>
+        </p:nvGraphicFramePr>
+        <p:xfrm>
+          <a:off x="370605" y="2197085"/>
+          <a:ext cx="8503230" cy="4493275"/>
+        </p:xfrm>
+        <a:graphic>
+          <a:graphicData uri="http://schemas.openxmlformats.org/drawingml/2006/table">
+            <a:tbl>
+              <a:tblPr firstRow="1" bandRow="1">
+                <a:tableStyleId>{5C22544A-7EE6-4342-B048-85BDC9FD1C3A}</a:tableStyleId>
+              </a:tblPr>
+              <a:tblGrid>
+                <a:gridCol w="4251615">
+                  <a:extLst>
+                    <a:ext uri="{9D8B030D-6E8A-4147-A177-3AD203B41FA5}">
+                      <a16:colId xmlns:a16="http://schemas.microsoft.com/office/drawing/2014/main" val="2670836122"/>
+                    </a:ext>
+                  </a:extLst>
+                </a:gridCol>
+                <a:gridCol w="4251615">
+                  <a:extLst>
+                    <a:ext uri="{9D8B030D-6E8A-4147-A177-3AD203B41FA5}">
+                      <a16:colId xmlns:a16="http://schemas.microsoft.com/office/drawing/2014/main" val="1216609270"/>
+                    </a:ext>
+                  </a:extLst>
+                </a:gridCol>
+              </a:tblGrid>
+              <a:tr h="402305">
+                <a:tc>
+                  <a:txBody>
+                    <a:bodyPr/>
+                    <a:lstStyle/>
+                    <a:p>
+                      <a:pPr algn="ctr"/>
+                      <a:r>
+                        <a:rPr lang="en-US" altLang="zh-CN" dirty="0" smtClean="0"/>
+                        <a:t>Layer</a:t>
+                      </a:r>
+                      <a:r>
+                        <a:rPr lang="en-US" altLang="zh-CN" baseline="0" dirty="0" smtClean="0"/>
+                        <a:t> A</a:t>
+                      </a:r>
+                      <a:endParaRPr lang="zh-CN" altLang="en-US" dirty="0"/>
+                    </a:p>
+                  </a:txBody>
+                  <a:tcPr/>
+                </a:tc>
+                <a:tc>
+                  <a:txBody>
+                    <a:bodyPr/>
+                    <a:lstStyle/>
+                    <a:p>
+                      <a:pPr algn="ctr"/>
+                      <a:r>
+                        <a:rPr lang="en-US" altLang="zh-CN" dirty="0" smtClean="0"/>
+                        <a:t>Layer B</a:t>
+                      </a:r>
+                      <a:endParaRPr lang="zh-CN" altLang="en-US" dirty="0"/>
+                    </a:p>
+                  </a:txBody>
+                  <a:tcPr/>
+                </a:tc>
+                <a:extLst>
+                  <a:ext uri="{0D108BD9-81ED-4DB2-BD59-A6C34878D82A}">
+                    <a16:rowId xmlns:a16="http://schemas.microsoft.com/office/drawing/2014/main" val="4089913868"/>
+                  </a:ext>
+                </a:extLst>
+              </a:tr>
+              <a:tr h="2353610">
+                <a:tc>
+                  <a:txBody>
+                    <a:bodyPr/>
+                    <a:lstStyle/>
+                    <a:p>
+                      <a:endParaRPr lang="zh-CN" altLang="en-US" dirty="0"/>
+                    </a:p>
+                  </a:txBody>
+                  <a:tcPr/>
+                </a:tc>
+                <a:tc>
+                  <a:txBody>
+                    <a:bodyPr/>
+                    <a:lstStyle/>
+                    <a:p>
+                      <a:endParaRPr lang="zh-CN" altLang="en-US" dirty="0"/>
+                    </a:p>
+                  </a:txBody>
+                  <a:tcPr/>
+                </a:tc>
+                <a:extLst>
+                  <a:ext uri="{0D108BD9-81ED-4DB2-BD59-A6C34878D82A}">
+                    <a16:rowId xmlns:a16="http://schemas.microsoft.com/office/drawing/2014/main" val="401017492"/>
+                  </a:ext>
+                </a:extLst>
+              </a:tr>
+              <a:tr h="1727200">
+                <a:tc>
+                  <a:txBody>
+                    <a:bodyPr/>
+                    <a:lstStyle/>
+                    <a:p>
+                      <a:r>
+                        <a:rPr lang="en-US" altLang="zh-CN" dirty="0" smtClean="0"/>
+                        <a:t>Very</a:t>
+                      </a:r>
+                      <a:r>
+                        <a:rPr lang="en-US" altLang="zh-CN" baseline="0" dirty="0" smtClean="0"/>
+                        <a:t> fast for changing the orientation</a:t>
+                      </a:r>
+                      <a:endParaRPr lang="en-US" altLang="zh-CN" dirty="0" smtClean="0"/>
+                    </a:p>
+                    <a:p>
+                      <a:endParaRPr lang="en-US" altLang="zh-CN" dirty="0" smtClean="0"/>
+                    </a:p>
+                    <a:p>
+                      <a:r>
+                        <a:rPr lang="en-US" altLang="zh-CN" dirty="0" smtClean="0"/>
+                        <a:t>When the ratio of</a:t>
+                      </a:r>
+                      <a:r>
+                        <a:rPr lang="en-US" altLang="zh-CN" baseline="0" dirty="0" smtClean="0"/>
+                        <a:t> unchanged node is more than certain rate, it is very fast to change the orientation.</a:t>
+                      </a:r>
+                    </a:p>
+                    <a:p>
+                      <a:r>
+                        <a:rPr lang="en-US" altLang="zh-CN" baseline="0" dirty="0" smtClean="0"/>
+                        <a:t>(Group has more efficient)</a:t>
+                      </a:r>
+                      <a:endParaRPr lang="zh-CN" altLang="en-US" dirty="0"/>
+                    </a:p>
+                  </a:txBody>
+                  <a:tcPr/>
+                </a:tc>
+                <a:tc>
+                  <a:txBody>
+                    <a:bodyPr/>
+                    <a:lstStyle/>
+                    <a:p>
+                      <a:pPr marL="0" marR="0" indent="0" algn="l" defTabSz="914400" rtl="0" eaLnBrk="1" fontAlgn="auto" latinLnBrk="0" hangingPunct="1">
+                        <a:lnSpc>
+                          <a:spcPct val="100000"/>
+                        </a:lnSpc>
+                        <a:spcBef>
+                          <a:spcPts val="0"/>
+                        </a:spcBef>
+                        <a:spcAft>
+                          <a:spcPts val="0"/>
+                        </a:spcAft>
+                        <a:buClrTx/>
+                        <a:buSzTx/>
+                        <a:buFontTx/>
+                        <a:buNone/>
+                        <a:tabLst/>
+                        <a:defRPr/>
+                      </a:pPr>
+                      <a:r>
+                        <a:rPr lang="en-US" altLang="zh-CN" dirty="0" smtClean="0"/>
+                        <a:t>Very</a:t>
+                      </a:r>
+                      <a:r>
+                        <a:rPr lang="en-US" altLang="zh-CN" baseline="0" dirty="0" smtClean="0"/>
+                        <a:t> slow for changing the orientation</a:t>
+                      </a:r>
+                      <a:endParaRPr lang="en-US" altLang="zh-CN" dirty="0" smtClean="0"/>
+                    </a:p>
+                    <a:p>
+                      <a:endParaRPr lang="en-US" altLang="zh-CN" dirty="0" smtClean="0"/>
+                    </a:p>
+                    <a:p>
+                      <a:pPr marL="0" marR="0" indent="0" algn="l" defTabSz="914400" rtl="0" eaLnBrk="1" fontAlgn="auto" latinLnBrk="0" hangingPunct="1">
+                        <a:lnSpc>
+                          <a:spcPct val="100000"/>
+                        </a:lnSpc>
+                        <a:spcBef>
+                          <a:spcPts val="0"/>
+                        </a:spcBef>
+                        <a:spcAft>
+                          <a:spcPts val="0"/>
+                        </a:spcAft>
+                        <a:buClrTx/>
+                        <a:buSzTx/>
+                        <a:buFontTx/>
+                        <a:buNone/>
+                        <a:tabLst/>
+                        <a:defRPr/>
+                      </a:pPr>
+                      <a:r>
+                        <a:rPr lang="en-US" altLang="zh-CN" dirty="0" smtClean="0"/>
+                        <a:t>When the ratio of</a:t>
+                      </a:r>
+                      <a:r>
+                        <a:rPr lang="en-US" altLang="zh-CN" baseline="0" dirty="0" smtClean="0"/>
+                        <a:t> unchanged node is more than certain rate, it is very slow to change the orientation.</a:t>
+                      </a:r>
+                    </a:p>
+                    <a:p>
+                      <a:pPr marL="0" marR="0" indent="0" algn="l" defTabSz="914400" rtl="0" eaLnBrk="1" fontAlgn="auto" latinLnBrk="0" hangingPunct="1">
+                        <a:lnSpc>
+                          <a:spcPct val="100000"/>
+                        </a:lnSpc>
+                        <a:spcBef>
+                          <a:spcPts val="0"/>
+                        </a:spcBef>
+                        <a:spcAft>
+                          <a:spcPts val="0"/>
+                        </a:spcAft>
+                        <a:buClrTx/>
+                        <a:buSzTx/>
+                        <a:buFontTx/>
+                        <a:buNone/>
+                        <a:tabLst/>
+                        <a:defRPr/>
+                      </a:pPr>
+                      <a:r>
+                        <a:rPr lang="en-US" altLang="zh-CN" baseline="0" dirty="0" smtClean="0"/>
+                        <a:t>(Individual has more efficient)</a:t>
+                      </a:r>
+                      <a:endParaRPr lang="zh-CN" altLang="en-US" dirty="0" smtClean="0"/>
+                    </a:p>
+                  </a:txBody>
+                  <a:tcPr/>
+                </a:tc>
+                <a:extLst>
+                  <a:ext uri="{0D108BD9-81ED-4DB2-BD59-A6C34878D82A}">
+                    <a16:rowId xmlns:a16="http://schemas.microsoft.com/office/drawing/2014/main" val="2371901201"/>
+                  </a:ext>
+                </a:extLst>
+              </a:tr>
+            </a:tbl>
+          </a:graphicData>
+        </a:graphic>
+      </p:graphicFrame>
+      <p:grpSp>
+        <p:nvGrpSpPr>
+          <p:cNvPr id="10" name="그룹 9"/>
+          <p:cNvGrpSpPr/>
+          <p:nvPr/>
+        </p:nvGrpSpPr>
+        <p:grpSpPr>
+          <a:xfrm>
+            <a:off x="706581" y="2722417"/>
+            <a:ext cx="3740728" cy="2119746"/>
+            <a:chOff x="6722917" y="-72896"/>
+            <a:chExt cx="3740728" cy="2119746"/>
+          </a:xfrm>
+        </p:grpSpPr>
+        <p:sp>
+          <p:nvSpPr>
+            <p:cNvPr id="9" name="직사각형 8"/>
+            <p:cNvSpPr/>
+            <p:nvPr/>
+          </p:nvSpPr>
+          <p:spPr>
+            <a:xfrm>
+              <a:off x="6722917" y="-72896"/>
+              <a:ext cx="3740728" cy="2119746"/>
+            </a:xfrm>
+            <a:prstGeom prst="rect">
+              <a:avLst/>
+            </a:prstGeom>
+            <a:solidFill>
+              <a:schemeClr val="bg1"/>
+            </a:solidFill>
+            <a:ln>
+              <a:solidFill>
+                <a:schemeClr val="tx1"/>
+              </a:solidFill>
+            </a:ln>
+          </p:spPr>
+          <p:style>
+            <a:lnRef idx="2">
+              <a:schemeClr val="accent1">
+                <a:shade val="50000"/>
+              </a:schemeClr>
+            </a:lnRef>
+            <a:fillRef idx="1">
+              <a:schemeClr val="accent1"/>
+            </a:fillRef>
+            <a:effectRef idx="0">
+              <a:schemeClr val="accent1"/>
+            </a:effectRef>
+            <a:fontRef idx="minor">
+              <a:schemeClr val="lt1"/>
+            </a:fontRef>
+          </p:style>
+          <p:txBody>
+            <a:bodyPr rtlCol="0" anchor="ctr"/>
+            <a:lstStyle/>
+            <a:p>
+              <a:pPr algn="ctr"/>
+              <a:endParaRPr lang="zh-CN" altLang="en-US"/>
+            </a:p>
+          </p:txBody>
+        </p:sp>
+        <p:sp>
+          <p:nvSpPr>
+            <p:cNvPr id="7" name="자유형 6"/>
+            <p:cNvSpPr/>
+            <p:nvPr/>
+          </p:nvSpPr>
+          <p:spPr>
+            <a:xfrm>
+              <a:off x="6972300" y="125686"/>
+              <a:ext cx="2961409" cy="1849582"/>
+            </a:xfrm>
+            <a:custGeom>
+              <a:avLst/>
+              <a:gdLst>
+                <a:gd name="connsiteX0" fmla="*/ 75481 w 3088845"/>
+                <a:gd name="connsiteY0" fmla="*/ 1901536 h 1901536"/>
+                <a:gd name="connsiteX1" fmla="*/ 127436 w 3088845"/>
+                <a:gd name="connsiteY1" fmla="*/ 1849582 h 1901536"/>
+                <a:gd name="connsiteX2" fmla="*/ 1260045 w 3088845"/>
+                <a:gd name="connsiteY2" fmla="*/ 1589809 h 1901536"/>
+                <a:gd name="connsiteX3" fmla="*/ 1945845 w 3088845"/>
+                <a:gd name="connsiteY3" fmla="*/ 322118 h 1901536"/>
+                <a:gd name="connsiteX4" fmla="*/ 3088845 w 3088845"/>
+                <a:gd name="connsiteY4" fmla="*/ 0 h 1901536"/>
+                <a:gd name="connsiteX0" fmla="*/ 0 w 2961409"/>
+                <a:gd name="connsiteY0" fmla="*/ 1849582 h 1849582"/>
+                <a:gd name="connsiteX1" fmla="*/ 1132609 w 2961409"/>
+                <a:gd name="connsiteY1" fmla="*/ 1589809 h 1849582"/>
+                <a:gd name="connsiteX2" fmla="*/ 1818409 w 2961409"/>
+                <a:gd name="connsiteY2" fmla="*/ 322118 h 1849582"/>
+                <a:gd name="connsiteX3" fmla="*/ 2961409 w 2961409"/>
+                <a:gd name="connsiteY3" fmla="*/ 0 h 1849582"/>
+              </a:gdLst>
+              <a:ahLst/>
+              <a:cxnLst>
+                <a:cxn ang="0">
+                  <a:pos x="connsiteX0" y="connsiteY0"/>
+                </a:cxn>
+                <a:cxn ang="0">
+                  <a:pos x="connsiteX1" y="connsiteY1"/>
+                </a:cxn>
+                <a:cxn ang="0">
+                  <a:pos x="connsiteX2" y="connsiteY2"/>
+                </a:cxn>
+                <a:cxn ang="0">
+                  <a:pos x="connsiteX3" y="connsiteY3"/>
+                </a:cxn>
+              </a:cxnLst>
+              <a:rect l="l" t="t" r="r" b="b"/>
+              <a:pathLst>
+                <a:path w="2961409" h="1849582">
+                  <a:moveTo>
+                    <a:pt x="0" y="1849582"/>
+                  </a:moveTo>
+                  <a:cubicBezTo>
+                    <a:pt x="197427" y="1797627"/>
+                    <a:pt x="829541" y="1844386"/>
+                    <a:pt x="1132609" y="1589809"/>
+                  </a:cubicBezTo>
+                  <a:cubicBezTo>
+                    <a:pt x="1435677" y="1335232"/>
+                    <a:pt x="1513609" y="587086"/>
+                    <a:pt x="1818409" y="322118"/>
+                  </a:cubicBezTo>
+                  <a:cubicBezTo>
+                    <a:pt x="2123209" y="57150"/>
+                    <a:pt x="2542309" y="28575"/>
+                    <a:pt x="2961409" y="0"/>
+                  </a:cubicBezTo>
+                </a:path>
+              </a:pathLst>
+            </a:custGeom>
+            <a:noFill/>
+            <a:ln w="28575">
+              <a:solidFill>
+                <a:schemeClr val="tx1"/>
+              </a:solidFill>
+            </a:ln>
+          </p:spPr>
+          <p:style>
+            <a:lnRef idx="2">
+              <a:schemeClr val="accent1">
+                <a:shade val="50000"/>
+              </a:schemeClr>
+            </a:lnRef>
+            <a:fillRef idx="1">
+              <a:schemeClr val="accent1"/>
+            </a:fillRef>
+            <a:effectRef idx="0">
+              <a:schemeClr val="accent1"/>
+            </a:effectRef>
+            <a:fontRef idx="minor">
+              <a:schemeClr val="lt1"/>
+            </a:fontRef>
+          </p:style>
+          <p:txBody>
+            <a:bodyPr rtlCol="0" anchor="ctr"/>
+            <a:lstStyle/>
+            <a:p>
+              <a:pPr algn="ctr"/>
+              <a:endParaRPr lang="zh-CN" altLang="en-US"/>
+            </a:p>
+          </p:txBody>
+        </p:sp>
+      </p:grpSp>
+      <p:grpSp>
+        <p:nvGrpSpPr>
+          <p:cNvPr id="12" name="그룹 11"/>
+          <p:cNvGrpSpPr/>
+          <p:nvPr/>
+        </p:nvGrpSpPr>
+        <p:grpSpPr>
+          <a:xfrm>
+            <a:off x="4929908" y="2722417"/>
+            <a:ext cx="3740728" cy="2119746"/>
+            <a:chOff x="7800108" y="-269662"/>
+            <a:chExt cx="3740728" cy="2119746"/>
+          </a:xfrm>
+        </p:grpSpPr>
+        <p:sp>
+          <p:nvSpPr>
+            <p:cNvPr id="11" name="직사각형 10"/>
+            <p:cNvSpPr/>
+            <p:nvPr/>
+          </p:nvSpPr>
+          <p:spPr>
+            <a:xfrm>
+              <a:off x="7800108" y="-269662"/>
+              <a:ext cx="3740728" cy="2119746"/>
+            </a:xfrm>
+            <a:prstGeom prst="rect">
+              <a:avLst/>
+            </a:prstGeom>
+            <a:solidFill>
+              <a:schemeClr val="bg1"/>
+            </a:solidFill>
+            <a:ln>
+              <a:solidFill>
+                <a:schemeClr val="tx1"/>
+              </a:solidFill>
+            </a:ln>
+          </p:spPr>
+          <p:style>
+            <a:lnRef idx="2">
+              <a:schemeClr val="accent1">
+                <a:shade val="50000"/>
+              </a:schemeClr>
+            </a:lnRef>
+            <a:fillRef idx="1">
+              <a:schemeClr val="accent1"/>
+            </a:fillRef>
+            <a:effectRef idx="0">
+              <a:schemeClr val="accent1"/>
+            </a:effectRef>
+            <a:fontRef idx="minor">
+              <a:schemeClr val="lt1"/>
+            </a:fontRef>
+          </p:style>
+          <p:txBody>
+            <a:bodyPr rtlCol="0" anchor="ctr"/>
+            <a:lstStyle/>
+            <a:p>
+              <a:pPr algn="ctr"/>
+              <a:endParaRPr lang="zh-CN" altLang="en-US"/>
+            </a:p>
+          </p:txBody>
+        </p:sp>
+        <p:sp>
+          <p:nvSpPr>
+            <p:cNvPr id="8" name="자유형 7"/>
+            <p:cNvSpPr/>
+            <p:nvPr/>
+          </p:nvSpPr>
+          <p:spPr>
+            <a:xfrm>
+              <a:off x="8247473" y="-66605"/>
+              <a:ext cx="3044536" cy="1745673"/>
+            </a:xfrm>
+            <a:custGeom>
+              <a:avLst/>
+              <a:gdLst>
+                <a:gd name="connsiteX0" fmla="*/ 0 w 3044536"/>
+                <a:gd name="connsiteY0" fmla="*/ 0 h 1745673"/>
+                <a:gd name="connsiteX1" fmla="*/ 405245 w 3044536"/>
+                <a:gd name="connsiteY1" fmla="*/ 955964 h 1745673"/>
+                <a:gd name="connsiteX2" fmla="*/ 1049482 w 3044536"/>
+                <a:gd name="connsiteY2" fmla="*/ 1475509 h 1745673"/>
+                <a:gd name="connsiteX3" fmla="*/ 3044536 w 3044536"/>
+                <a:gd name="connsiteY3" fmla="*/ 1745673 h 1745673"/>
+              </a:gdLst>
+              <a:ahLst/>
+              <a:cxnLst>
+                <a:cxn ang="0">
+                  <a:pos x="connsiteX0" y="connsiteY0"/>
+                </a:cxn>
+                <a:cxn ang="0">
+                  <a:pos x="connsiteX1" y="connsiteY1"/>
+                </a:cxn>
+                <a:cxn ang="0">
+                  <a:pos x="connsiteX2" y="connsiteY2"/>
+                </a:cxn>
+                <a:cxn ang="0">
+                  <a:pos x="connsiteX3" y="connsiteY3"/>
+                </a:cxn>
+              </a:cxnLst>
+              <a:rect l="l" t="t" r="r" b="b"/>
+              <a:pathLst>
+                <a:path w="3044536" h="1745673">
+                  <a:moveTo>
+                    <a:pt x="0" y="0"/>
+                  </a:moveTo>
+                  <a:cubicBezTo>
+                    <a:pt x="115165" y="355023"/>
+                    <a:pt x="230331" y="710046"/>
+                    <a:pt x="405245" y="955964"/>
+                  </a:cubicBezTo>
+                  <a:cubicBezTo>
+                    <a:pt x="580159" y="1201882"/>
+                    <a:pt x="609600" y="1343891"/>
+                    <a:pt x="1049482" y="1475509"/>
+                  </a:cubicBezTo>
+                  <a:cubicBezTo>
+                    <a:pt x="1489364" y="1607127"/>
+                    <a:pt x="2266950" y="1676400"/>
+                    <a:pt x="3044536" y="1745673"/>
+                  </a:cubicBezTo>
+                </a:path>
+              </a:pathLst>
+            </a:custGeom>
+            <a:noFill/>
+            <a:ln w="28575">
+              <a:solidFill>
+                <a:schemeClr val="tx1"/>
+              </a:solidFill>
+            </a:ln>
+          </p:spPr>
+          <p:style>
+            <a:lnRef idx="2">
+              <a:schemeClr val="accent1">
+                <a:shade val="50000"/>
+              </a:schemeClr>
+            </a:lnRef>
+            <a:fillRef idx="1">
+              <a:schemeClr val="accent1"/>
+            </a:fillRef>
+            <a:effectRef idx="0">
+              <a:schemeClr val="accent1"/>
+            </a:effectRef>
+            <a:fontRef idx="minor">
+              <a:schemeClr val="lt1"/>
+            </a:fontRef>
+          </p:style>
+          <p:txBody>
+            <a:bodyPr rtlCol="0" anchor="ctr"/>
+            <a:lstStyle/>
+            <a:p>
+              <a:pPr algn="ctr"/>
+              <a:endParaRPr lang="zh-CN" altLang="en-US"/>
+            </a:p>
+          </p:txBody>
+        </p:sp>
+      </p:grpSp>
     </p:spTree>
     <p:extLst>
       <p:ext uri="{BB962C8B-B14F-4D97-AF65-F5344CB8AC3E}">
-        <p14:creationId xmlns:p14="http://schemas.microsoft.com/office/powerpoint/2010/main" val="892209949"/>
+        <p14:creationId xmlns:p14="http://schemas.microsoft.com/office/powerpoint/2010/main" val="3296179561"/>
       </p:ext>
     </p:extLst>
   </p:cSld>
   <p:clrMapOvr>
     <a:masterClrMapping/>
   </p:clrMapOvr>
+  <p:transition spd="med">
+    <p:push/>
+  </p:transition>
+  <p:timing>
+    <p:tnLst>
+      <p:par>
+        <p:cTn id="1" dur="indefinite" restart="never" nodeType="tmRoot"/>
+      </p:par>
+    </p:tnLst>
+  </p:timing>
 </p:sld>
 </file>
 
@@ -9624,2061 +9693,6 @@
           <a:chExt cx="0" cy="0"/>
         </a:xfrm>
       </p:grpSpPr>
-      <p:graphicFrame>
-        <p:nvGraphicFramePr>
-          <p:cNvPr id="5" name="표 4"/>
-          <p:cNvGraphicFramePr>
-            <a:graphicFrameLocks noGrp="1"/>
-          </p:cNvGraphicFramePr>
-          <p:nvPr>
-            <p:extLst>
-              <p:ext uri="{D42A27DB-BD31-4B8C-83A1-F6EECF244321}">
-                <p14:modId xmlns:p14="http://schemas.microsoft.com/office/powerpoint/2010/main" val="493322642"/>
-              </p:ext>
-            </p:extLst>
-          </p:nvPr>
-        </p:nvGraphicFramePr>
-        <p:xfrm>
-          <a:off x="694417" y="1573350"/>
-          <a:ext cx="7804786" cy="5212080"/>
-        </p:xfrm>
-        <a:graphic>
-          <a:graphicData uri="http://schemas.openxmlformats.org/drawingml/2006/table">
-            <a:tbl>
-              <a:tblPr firstRow="1" bandRow="1">
-                <a:tableStyleId>{5C22544A-7EE6-4342-B048-85BDC9FD1C3A}</a:tableStyleId>
-              </a:tblPr>
-              <a:tblGrid>
-                <a:gridCol w="1444626">
-                  <a:extLst>
-                    <a:ext uri="{9D8B030D-6E8A-4147-A177-3AD203B41FA5}">
-                      <a16:colId xmlns:a16="http://schemas.microsoft.com/office/drawing/2014/main" val="2849222080"/>
-                    </a:ext>
-                  </a:extLst>
-                </a:gridCol>
-                <a:gridCol w="1765300">
-                  <a:extLst>
-                    <a:ext uri="{9D8B030D-6E8A-4147-A177-3AD203B41FA5}">
-                      <a16:colId xmlns:a16="http://schemas.microsoft.com/office/drawing/2014/main" val="1511988233"/>
-                    </a:ext>
-                  </a:extLst>
-                </a:gridCol>
-                <a:gridCol w="2768600">
-                  <a:extLst>
-                    <a:ext uri="{9D8B030D-6E8A-4147-A177-3AD203B41FA5}">
-                      <a16:colId xmlns:a16="http://schemas.microsoft.com/office/drawing/2014/main" val="51432592"/>
-                    </a:ext>
-                  </a:extLst>
-                </a:gridCol>
-                <a:gridCol w="1826260">
-                  <a:extLst>
-                    <a:ext uri="{9D8B030D-6E8A-4147-A177-3AD203B41FA5}">
-                      <a16:colId xmlns:a16="http://schemas.microsoft.com/office/drawing/2014/main" val="3371689362"/>
-                    </a:ext>
-                  </a:extLst>
-                </a:gridCol>
-              </a:tblGrid>
-              <a:tr h="248061">
-                <a:tc gridSpan="2">
-                  <a:txBody>
-                    <a:bodyPr/>
-                    <a:lstStyle/>
-                    <a:p>
-                      <a:pPr algn="ctr"/>
-                      <a:r>
-                        <a:rPr lang="en-US" altLang="zh-CN" sz="1200" dirty="0" smtClean="0">
-                          <a:solidFill>
-                            <a:schemeClr val="tx1"/>
-                          </a:solidFill>
-                          <a:latin typeface="Arial" panose="020B0604020202020204" pitchFamily="34" charset="0"/>
-                          <a:cs typeface="Arial" panose="020B0604020202020204" pitchFamily="34" charset="0"/>
-                        </a:rPr>
-                        <a:t>Div.</a:t>
-                      </a:r>
-                      <a:endParaRPr lang="zh-CN" altLang="en-US" sz="1200" dirty="0">
-                        <a:solidFill>
-                          <a:schemeClr val="tx1"/>
-                        </a:solidFill>
-                        <a:latin typeface="Arial" panose="020B0604020202020204" pitchFamily="34" charset="0"/>
-                        <a:cs typeface="Arial" panose="020B0604020202020204" pitchFamily="34" charset="0"/>
-                      </a:endParaRPr>
-                    </a:p>
-                  </a:txBody>
-                  <a:tcPr anchor="ctr">
-                    <a:lnL w="12700" cap="flat" cmpd="sng" algn="ctr">
-                      <a:solidFill>
-                        <a:schemeClr val="accent1"/>
-                      </a:solidFill>
-                      <a:prstDash val="solid"/>
-                      <a:round/>
-                      <a:headEnd type="none" w="med" len="med"/>
-                      <a:tailEnd type="none" w="med" len="med"/>
-                    </a:lnL>
-                    <a:lnR w="12700" cap="flat" cmpd="sng" algn="ctr">
-                      <a:solidFill>
-                        <a:schemeClr val="accent1"/>
-                      </a:solidFill>
-                      <a:prstDash val="solid"/>
-                      <a:round/>
-                      <a:headEnd type="none" w="med" len="med"/>
-                      <a:tailEnd type="none" w="med" len="med"/>
-                    </a:lnR>
-                    <a:lnT w="12700" cap="flat" cmpd="sng" algn="ctr">
-                      <a:solidFill>
-                        <a:schemeClr val="accent1"/>
-                      </a:solidFill>
-                      <a:prstDash val="solid"/>
-                      <a:round/>
-                      <a:headEnd type="none" w="med" len="med"/>
-                      <a:tailEnd type="none" w="med" len="med"/>
-                    </a:lnT>
-                    <a:lnB w="12700" cap="flat" cmpd="sng" algn="ctr">
-                      <a:solidFill>
-                        <a:schemeClr val="accent1"/>
-                      </a:solidFill>
-                      <a:prstDash val="solid"/>
-                      <a:round/>
-                      <a:headEnd type="none" w="med" len="med"/>
-                      <a:tailEnd type="none" w="med" len="med"/>
-                    </a:lnB>
-                    <a:lnTlToBr w="12700" cmpd="sng">
-                      <a:noFill/>
-                      <a:prstDash val="solid"/>
-                    </a:lnTlToBr>
-                    <a:lnBlToTr w="12700" cmpd="sng">
-                      <a:noFill/>
-                      <a:prstDash val="solid"/>
-                    </a:lnBlToTr>
-                    <a:noFill/>
-                  </a:tcPr>
-                </a:tc>
-                <a:tc hMerge="1">
-                  <a:txBody>
-                    <a:bodyPr/>
-                    <a:lstStyle/>
-                    <a:p>
-                      <a:pPr algn="ctr"/>
-                      <a:endParaRPr lang="zh-CN" altLang="en-US" sz="1400" dirty="0">
-                        <a:solidFill>
-                          <a:schemeClr val="tx1"/>
-                        </a:solidFill>
-                        <a:latin typeface="Arial" panose="020B0604020202020204" pitchFamily="34" charset="0"/>
-                        <a:cs typeface="Arial" panose="020B0604020202020204" pitchFamily="34" charset="0"/>
-                      </a:endParaRPr>
-                    </a:p>
-                  </a:txBody>
-                  <a:tcPr anchor="ctr">
-                    <a:lnL w="12700" cap="flat" cmpd="sng" algn="ctr">
-                      <a:solidFill>
-                        <a:schemeClr val="accent1"/>
-                      </a:solidFill>
-                      <a:prstDash val="solid"/>
-                      <a:round/>
-                      <a:headEnd type="none" w="med" len="med"/>
-                      <a:tailEnd type="none" w="med" len="med"/>
-                    </a:lnL>
-                    <a:lnR w="12700" cap="flat" cmpd="sng" algn="ctr">
-                      <a:solidFill>
-                        <a:schemeClr val="accent1"/>
-                      </a:solidFill>
-                      <a:prstDash val="solid"/>
-                      <a:round/>
-                      <a:headEnd type="none" w="med" len="med"/>
-                      <a:tailEnd type="none" w="med" len="med"/>
-                    </a:lnR>
-                    <a:lnT w="12700" cap="flat" cmpd="sng" algn="ctr">
-                      <a:solidFill>
-                        <a:schemeClr val="accent1"/>
-                      </a:solidFill>
-                      <a:prstDash val="solid"/>
-                      <a:round/>
-                      <a:headEnd type="none" w="med" len="med"/>
-                      <a:tailEnd type="none" w="med" len="med"/>
-                    </a:lnT>
-                    <a:lnB w="12700" cap="flat" cmpd="sng" algn="ctr">
-                      <a:solidFill>
-                        <a:schemeClr val="accent1"/>
-                      </a:solidFill>
-                      <a:prstDash val="solid"/>
-                      <a:round/>
-                      <a:headEnd type="none" w="med" len="med"/>
-                      <a:tailEnd type="none" w="med" len="med"/>
-                    </a:lnB>
-                    <a:lnTlToBr w="12700" cmpd="sng">
-                      <a:noFill/>
-                      <a:prstDash val="solid"/>
-                    </a:lnTlToBr>
-                    <a:lnBlToTr w="12700" cmpd="sng">
-                      <a:noFill/>
-                      <a:prstDash val="solid"/>
-                    </a:lnBlToTr>
-                    <a:noFill/>
-                  </a:tcPr>
-                </a:tc>
-                <a:tc>
-                  <a:txBody>
-                    <a:bodyPr/>
-                    <a:lstStyle/>
-                    <a:p>
-                      <a:pPr algn="ctr"/>
-                      <a:r>
-                        <a:rPr lang="en-US" altLang="zh-CN" sz="1200" dirty="0" smtClean="0">
-                          <a:solidFill>
-                            <a:schemeClr val="tx1"/>
-                          </a:solidFill>
-                          <a:latin typeface="Arial" panose="020B0604020202020204" pitchFamily="34" charset="0"/>
-                          <a:cs typeface="Arial" panose="020B0604020202020204" pitchFamily="34" charset="0"/>
-                        </a:rPr>
-                        <a:t>States</a:t>
-                      </a:r>
-                      <a:endParaRPr lang="zh-CN" altLang="en-US" sz="1200" dirty="0">
-                        <a:solidFill>
-                          <a:schemeClr val="tx1"/>
-                        </a:solidFill>
-                        <a:latin typeface="Arial" panose="020B0604020202020204" pitchFamily="34" charset="0"/>
-                        <a:cs typeface="Arial" panose="020B0604020202020204" pitchFamily="34" charset="0"/>
-                      </a:endParaRPr>
-                    </a:p>
-                  </a:txBody>
-                  <a:tcPr anchor="ctr">
-                    <a:lnL w="12700" cap="flat" cmpd="sng" algn="ctr">
-                      <a:solidFill>
-                        <a:schemeClr val="accent1"/>
-                      </a:solidFill>
-                      <a:prstDash val="solid"/>
-                      <a:round/>
-                      <a:headEnd type="none" w="med" len="med"/>
-                      <a:tailEnd type="none" w="med" len="med"/>
-                    </a:lnL>
-                    <a:lnR w="12700" cap="flat" cmpd="sng" algn="ctr">
-                      <a:solidFill>
-                        <a:schemeClr val="accent1"/>
-                      </a:solidFill>
-                      <a:prstDash val="solid"/>
-                      <a:round/>
-                      <a:headEnd type="none" w="med" len="med"/>
-                      <a:tailEnd type="none" w="med" len="med"/>
-                    </a:lnR>
-                    <a:lnT w="12700" cap="flat" cmpd="sng" algn="ctr">
-                      <a:solidFill>
-                        <a:schemeClr val="accent1"/>
-                      </a:solidFill>
-                      <a:prstDash val="solid"/>
-                      <a:round/>
-                      <a:headEnd type="none" w="med" len="med"/>
-                      <a:tailEnd type="none" w="med" len="med"/>
-                    </a:lnT>
-                    <a:lnB w="12700" cap="flat" cmpd="sng" algn="ctr">
-                      <a:solidFill>
-                        <a:schemeClr val="accent1"/>
-                      </a:solidFill>
-                      <a:prstDash val="solid"/>
-                      <a:round/>
-                      <a:headEnd type="none" w="med" len="med"/>
-                      <a:tailEnd type="none" w="med" len="med"/>
-                    </a:lnB>
-                    <a:lnTlToBr w="12700" cmpd="sng">
-                      <a:noFill/>
-                      <a:prstDash val="solid"/>
-                    </a:lnTlToBr>
-                    <a:lnBlToTr w="12700" cmpd="sng">
-                      <a:noFill/>
-                      <a:prstDash val="solid"/>
-                    </a:lnBlToTr>
-                    <a:noFill/>
-                  </a:tcPr>
-                </a:tc>
-                <a:tc>
-                  <a:txBody>
-                    <a:bodyPr/>
-                    <a:lstStyle/>
-                    <a:p>
-                      <a:pPr algn="ctr"/>
-                      <a:r>
-                        <a:rPr lang="en-US" altLang="zh-CN" sz="1200" dirty="0" smtClean="0">
-                          <a:solidFill>
-                            <a:schemeClr val="tx1"/>
-                          </a:solidFill>
-                          <a:latin typeface="Arial" panose="020B0604020202020204" pitchFamily="34" charset="0"/>
-                          <a:cs typeface="Arial" panose="020B0604020202020204" pitchFamily="34" charset="0"/>
-                        </a:rPr>
-                        <a:t>Orders</a:t>
-                      </a:r>
-                      <a:endParaRPr lang="zh-CN" altLang="en-US" sz="1200" dirty="0">
-                        <a:solidFill>
-                          <a:schemeClr val="tx1"/>
-                        </a:solidFill>
-                        <a:latin typeface="Arial" panose="020B0604020202020204" pitchFamily="34" charset="0"/>
-                        <a:cs typeface="Arial" panose="020B0604020202020204" pitchFamily="34" charset="0"/>
-                      </a:endParaRPr>
-                    </a:p>
-                  </a:txBody>
-                  <a:tcPr anchor="ctr">
-                    <a:lnL w="12700" cap="flat" cmpd="sng" algn="ctr">
-                      <a:solidFill>
-                        <a:schemeClr val="accent1"/>
-                      </a:solidFill>
-                      <a:prstDash val="solid"/>
-                      <a:round/>
-                      <a:headEnd type="none" w="med" len="med"/>
-                      <a:tailEnd type="none" w="med" len="med"/>
-                    </a:lnL>
-                    <a:lnR w="12700" cap="flat" cmpd="sng" algn="ctr">
-                      <a:solidFill>
-                        <a:schemeClr val="accent1"/>
-                      </a:solidFill>
-                      <a:prstDash val="solid"/>
-                      <a:round/>
-                      <a:headEnd type="none" w="med" len="med"/>
-                      <a:tailEnd type="none" w="med" len="med"/>
-                    </a:lnR>
-                    <a:lnT w="12700" cap="flat" cmpd="sng" algn="ctr">
-                      <a:solidFill>
-                        <a:schemeClr val="accent1"/>
-                      </a:solidFill>
-                      <a:prstDash val="solid"/>
-                      <a:round/>
-                      <a:headEnd type="none" w="med" len="med"/>
-                      <a:tailEnd type="none" w="med" len="med"/>
-                    </a:lnT>
-                    <a:lnB w="12700" cap="flat" cmpd="sng" algn="ctr">
-                      <a:solidFill>
-                        <a:schemeClr val="accent1"/>
-                      </a:solidFill>
-                      <a:prstDash val="solid"/>
-                      <a:round/>
-                      <a:headEnd type="none" w="med" len="med"/>
-                      <a:tailEnd type="none" w="med" len="med"/>
-                    </a:lnB>
-                    <a:lnTlToBr w="12700" cmpd="sng">
-                      <a:noFill/>
-                      <a:prstDash val="solid"/>
-                    </a:lnTlToBr>
-                    <a:lnBlToTr w="12700" cmpd="sng">
-                      <a:noFill/>
-                      <a:prstDash val="solid"/>
-                    </a:lnBlToTr>
-                    <a:noFill/>
-                  </a:tcPr>
-                </a:tc>
-                <a:extLst>
-                  <a:ext uri="{0D108BD9-81ED-4DB2-BD59-A6C34878D82A}">
-                    <a16:rowId xmlns:a16="http://schemas.microsoft.com/office/drawing/2014/main" val="514214123"/>
-                  </a:ext>
-                </a:extLst>
-              </a:tr>
-              <a:tr h="1405676">
-                <a:tc rowSpan="4">
-                  <a:txBody>
-                    <a:bodyPr/>
-                    <a:lstStyle/>
-                    <a:p>
-                      <a:pPr algn="ctr"/>
-                      <a:r>
-                        <a:rPr lang="en-US" altLang="zh-CN" sz="1200" dirty="0" smtClean="0">
-                          <a:solidFill>
-                            <a:schemeClr val="tx1"/>
-                          </a:solidFill>
-                          <a:latin typeface="Arial" panose="020B0604020202020204" pitchFamily="34" charset="0"/>
-                          <a:cs typeface="Arial" panose="020B0604020202020204" pitchFamily="34" charset="0"/>
-                        </a:rPr>
-                        <a:t>① Branch point</a:t>
-                      </a:r>
-                    </a:p>
-                  </a:txBody>
-                  <a:tcPr anchor="ctr">
-                    <a:lnL w="12700" cap="flat" cmpd="sng" algn="ctr">
-                      <a:solidFill>
-                        <a:schemeClr val="accent1"/>
-                      </a:solidFill>
-                      <a:prstDash val="solid"/>
-                      <a:round/>
-                      <a:headEnd type="none" w="med" len="med"/>
-                      <a:tailEnd type="none" w="med" len="med"/>
-                    </a:lnL>
-                    <a:lnR w="12700" cap="flat" cmpd="sng" algn="ctr">
-                      <a:solidFill>
-                        <a:schemeClr val="accent1"/>
-                      </a:solidFill>
-                      <a:prstDash val="solid"/>
-                      <a:round/>
-                      <a:headEnd type="none" w="med" len="med"/>
-                      <a:tailEnd type="none" w="med" len="med"/>
-                    </a:lnR>
-                    <a:lnT w="12700" cap="flat" cmpd="sng" algn="ctr">
-                      <a:solidFill>
-                        <a:schemeClr val="accent1"/>
-                      </a:solidFill>
-                      <a:prstDash val="solid"/>
-                      <a:round/>
-                      <a:headEnd type="none" w="med" len="med"/>
-                      <a:tailEnd type="none" w="med" len="med"/>
-                    </a:lnT>
-                    <a:lnB w="12700" cap="flat" cmpd="sng" algn="ctr">
-                      <a:solidFill>
-                        <a:schemeClr val="accent1"/>
-                      </a:solidFill>
-                      <a:prstDash val="solid"/>
-                      <a:round/>
-                      <a:headEnd type="none" w="med" len="med"/>
-                      <a:tailEnd type="none" w="med" len="med"/>
-                    </a:lnB>
-                    <a:lnTlToBr w="12700" cmpd="sng">
-                      <a:noFill/>
-                      <a:prstDash val="solid"/>
-                    </a:lnTlToBr>
-                    <a:lnBlToTr w="12700" cmpd="sng">
-                      <a:noFill/>
-                      <a:prstDash val="solid"/>
-                    </a:lnBlToTr>
-                    <a:noFill/>
-                  </a:tcPr>
-                </a:tc>
-                <a:tc rowSpan="2">
-                  <a:txBody>
-                    <a:bodyPr/>
-                    <a:lstStyle/>
-                    <a:p>
-                      <a:pPr algn="ctr"/>
-                      <a:r>
-                        <a:rPr lang="zh-CN" altLang="en-US" sz="1200" dirty="0" smtClean="0">
-                          <a:latin typeface="Arial" panose="020B0604020202020204" pitchFamily="34" charset="0"/>
-                          <a:cs typeface="Arial" panose="020B0604020202020204" pitchFamily="34" charset="0"/>
-                        </a:rPr>
-                        <a:t>② </a:t>
-                      </a:r>
-                      <a:r>
-                        <a:rPr lang="en-US" altLang="zh-CN" sz="1200" dirty="0" smtClean="0">
-                          <a:latin typeface="Arial" panose="020B0604020202020204" pitchFamily="34" charset="0"/>
-                          <a:cs typeface="Arial" panose="020B0604020202020204" pitchFamily="34" charset="0"/>
-                        </a:rPr>
-                        <a:t>Branch</a:t>
-                      </a:r>
-                      <a:r>
-                        <a:rPr lang="en-US" altLang="zh-CN" sz="1200" baseline="0" dirty="0" smtClean="0">
-                          <a:latin typeface="Arial" panose="020B0604020202020204" pitchFamily="34" charset="0"/>
-                          <a:cs typeface="Arial" panose="020B0604020202020204" pitchFamily="34" charset="0"/>
-                        </a:rPr>
-                        <a:t> point :</a:t>
-                      </a:r>
-                    </a:p>
-                    <a:p>
-                      <a:pPr algn="ctr"/>
-                      <a:r>
-                        <a:rPr lang="en-US" altLang="zh-CN" sz="1200" baseline="0" dirty="0" smtClean="0">
-                          <a:latin typeface="Arial" panose="020B0604020202020204" pitchFamily="34" charset="0"/>
-                          <a:cs typeface="Arial" panose="020B0604020202020204" pitchFamily="34" charset="0"/>
-                        </a:rPr>
-                        <a:t>Sequential order of node in layer B</a:t>
-                      </a:r>
-                    </a:p>
-                  </a:txBody>
-                  <a:tcPr anchor="ctr">
-                    <a:lnL w="12700" cap="flat" cmpd="sng" algn="ctr">
-                      <a:solidFill>
-                        <a:schemeClr val="accent1"/>
-                      </a:solidFill>
-                      <a:prstDash val="solid"/>
-                      <a:round/>
-                      <a:headEnd type="none" w="med" len="med"/>
-                      <a:tailEnd type="none" w="med" len="med"/>
-                    </a:lnL>
-                    <a:lnR w="12700" cap="flat" cmpd="sng" algn="ctr">
-                      <a:solidFill>
-                        <a:schemeClr val="accent1"/>
-                      </a:solidFill>
-                      <a:prstDash val="solid"/>
-                      <a:round/>
-                      <a:headEnd type="none" w="med" len="med"/>
-                      <a:tailEnd type="none" w="med" len="med"/>
-                    </a:lnR>
-                    <a:lnT w="12700" cap="flat" cmpd="sng" algn="ctr">
-                      <a:solidFill>
-                        <a:schemeClr val="accent1"/>
-                      </a:solidFill>
-                      <a:prstDash val="solid"/>
-                      <a:round/>
-                      <a:headEnd type="none" w="med" len="med"/>
-                      <a:tailEnd type="none" w="med" len="med"/>
-                    </a:lnT>
-                    <a:lnB w="12700" cap="flat" cmpd="sng" algn="ctr">
-                      <a:solidFill>
-                        <a:schemeClr val="accent1"/>
-                      </a:solidFill>
-                      <a:prstDash val="solid"/>
-                      <a:round/>
-                      <a:headEnd type="none" w="med" len="med"/>
-                      <a:tailEnd type="none" w="med" len="med"/>
-                    </a:lnB>
-                    <a:lnTlToBr w="12700" cmpd="sng">
-                      <a:noFill/>
-                      <a:prstDash val="solid"/>
-                    </a:lnTlToBr>
-                    <a:lnBlToTr w="12700" cmpd="sng">
-                      <a:noFill/>
-                      <a:prstDash val="solid"/>
-                    </a:lnBlToTr>
-                    <a:noFill/>
-                  </a:tcPr>
-                </a:tc>
-                <a:tc>
-                  <a:txBody>
-                    <a:bodyPr/>
-                    <a:lstStyle/>
-                    <a:p>
-                      <a:pPr algn="ctr"/>
-                      <a:r>
-                        <a:rPr lang="en-US" altLang="zh-CN" sz="1200" dirty="0" smtClean="0">
-                          <a:latin typeface="Arial" panose="020B0604020202020204" pitchFamily="34" charset="0"/>
-                          <a:cs typeface="Arial" panose="020B0604020202020204" pitchFamily="34" charset="0"/>
-                        </a:rPr>
-                        <a:t>Fast positive consensus :</a:t>
-                      </a:r>
-                    </a:p>
-                    <a:p>
-                      <a:pPr algn="ctr"/>
-                      <a:r>
-                        <a:rPr lang="en-US" altLang="zh-CN" sz="1200" dirty="0" smtClean="0">
-                          <a:latin typeface="Arial" panose="020B0604020202020204" pitchFamily="34" charset="0"/>
-                          <a:cs typeface="Arial" panose="020B0604020202020204" pitchFamily="34" charset="0"/>
-                        </a:rPr>
-                        <a:t>Sequential</a:t>
-                      </a:r>
-                      <a:r>
-                        <a:rPr lang="en-US" altLang="zh-CN" sz="1200" baseline="0" dirty="0" smtClean="0">
-                          <a:latin typeface="Arial" panose="020B0604020202020204" pitchFamily="34" charset="0"/>
-                          <a:cs typeface="Arial" panose="020B0604020202020204" pitchFamily="34" charset="0"/>
-                        </a:rPr>
-                        <a:t> order of edge </a:t>
-                      </a:r>
-                      <a:endParaRPr lang="zh-CN" altLang="en-US" sz="1200" dirty="0">
-                        <a:latin typeface="Arial" panose="020B0604020202020204" pitchFamily="34" charset="0"/>
-                        <a:cs typeface="Arial" panose="020B0604020202020204" pitchFamily="34" charset="0"/>
-                      </a:endParaRPr>
-                    </a:p>
-                  </a:txBody>
-                  <a:tcPr anchor="ctr">
-                    <a:lnL w="12700" cap="flat" cmpd="sng" algn="ctr">
-                      <a:solidFill>
-                        <a:schemeClr val="accent1"/>
-                      </a:solidFill>
-                      <a:prstDash val="solid"/>
-                      <a:round/>
-                      <a:headEnd type="none" w="med" len="med"/>
-                      <a:tailEnd type="none" w="med" len="med"/>
-                    </a:lnL>
-                    <a:lnR w="12700" cap="flat" cmpd="sng" algn="ctr">
-                      <a:solidFill>
-                        <a:schemeClr val="accent1"/>
-                      </a:solidFill>
-                      <a:prstDash val="solid"/>
-                      <a:round/>
-                      <a:headEnd type="none" w="med" len="med"/>
-                      <a:tailEnd type="none" w="med" len="med"/>
-                    </a:lnR>
-                    <a:lnT w="12700" cap="flat" cmpd="sng" algn="ctr">
-                      <a:solidFill>
-                        <a:schemeClr val="accent1"/>
-                      </a:solidFill>
-                      <a:prstDash val="solid"/>
-                      <a:round/>
-                      <a:headEnd type="none" w="med" len="med"/>
-                      <a:tailEnd type="none" w="med" len="med"/>
-                    </a:lnT>
-                    <a:lnB w="12700" cap="flat" cmpd="sng" algn="ctr">
-                      <a:solidFill>
-                        <a:schemeClr val="accent1"/>
-                      </a:solidFill>
-                      <a:prstDash val="solid"/>
-                      <a:round/>
-                      <a:headEnd type="none" w="med" len="med"/>
-                      <a:tailEnd type="none" w="med" len="med"/>
-                    </a:lnB>
-                    <a:lnTlToBr w="12700" cmpd="sng">
-                      <a:noFill/>
-                      <a:prstDash val="solid"/>
-                    </a:lnTlToBr>
-                    <a:lnBlToTr w="12700" cmpd="sng">
-                      <a:noFill/>
-                      <a:prstDash val="solid"/>
-                    </a:lnBlToTr>
-                    <a:noFill/>
-                  </a:tcPr>
-                </a:tc>
-                <a:tc>
-                  <a:txBody>
-                    <a:bodyPr/>
-                    <a:lstStyle/>
-                    <a:p>
-                      <a:pPr algn="ctr"/>
-                      <a:r>
-                        <a:rPr lang="en-US" altLang="zh-CN" sz="1200" dirty="0" smtClean="0">
-                          <a:solidFill>
-                            <a:schemeClr val="tx1"/>
-                          </a:solidFill>
-                          <a:latin typeface="Arial" panose="020B0604020202020204" pitchFamily="34" charset="0"/>
-                          <a:cs typeface="Arial" panose="020B0604020202020204" pitchFamily="34" charset="0"/>
-                        </a:rPr>
-                        <a:t>O(r,   r) </a:t>
-                      </a:r>
-                      <a:r>
-                        <a:rPr lang="en-US" altLang="zh-CN" sz="1200" dirty="0" smtClean="0">
-                          <a:solidFill>
-                            <a:schemeClr val="tx1"/>
-                          </a:solidFill>
-                          <a:latin typeface="Arial" panose="020B0604020202020204" pitchFamily="34" charset="0"/>
-                          <a:ea typeface="맑은 고딕" panose="020B0503020000020004" pitchFamily="50" charset="-127"/>
-                          <a:cs typeface="Arial" panose="020B0604020202020204" pitchFamily="34" charset="0"/>
-                        </a:rPr>
-                        <a:t>← D(o)</a:t>
-                      </a:r>
-                    </a:p>
-                    <a:p>
-                      <a:pPr algn="ctr"/>
-                      <a:r>
-                        <a:rPr lang="en-US" altLang="zh-CN" sz="1200" dirty="0" smtClean="0">
-                          <a:solidFill>
-                            <a:schemeClr val="tx1"/>
-                          </a:solidFill>
-                          <a:latin typeface="Arial" panose="020B0604020202020204" pitchFamily="34" charset="0"/>
-                          <a:cs typeface="Arial" panose="020B0604020202020204" pitchFamily="34" charset="0"/>
-                        </a:rPr>
-                        <a:t>O(r,   r) </a:t>
-                      </a:r>
-                      <a:r>
-                        <a:rPr lang="en-US" altLang="zh-CN" sz="1200" dirty="0" smtClean="0">
-                          <a:solidFill>
-                            <a:schemeClr val="tx1"/>
-                          </a:solidFill>
-                          <a:latin typeface="Arial" panose="020B0604020202020204" pitchFamily="34" charset="0"/>
-                          <a:ea typeface="맑은 고딕" panose="020B0503020000020004" pitchFamily="50" charset="-127"/>
-                          <a:cs typeface="Arial" panose="020B0604020202020204" pitchFamily="34" charset="0"/>
-                        </a:rPr>
-                        <a:t>→ D(o)</a:t>
-                      </a:r>
-                    </a:p>
-                    <a:p>
-                      <a:pPr algn="ctr"/>
-                      <a:r>
-                        <a:rPr lang="en-US" altLang="zh-CN" sz="1200" dirty="0" smtClean="0">
-                          <a:solidFill>
-                            <a:schemeClr val="tx1"/>
-                          </a:solidFill>
-                          <a:latin typeface="Arial" panose="020B0604020202020204" pitchFamily="34" charset="0"/>
-                          <a:ea typeface="맑은 고딕" panose="020B0503020000020004" pitchFamily="50" charset="-127"/>
-                          <a:cs typeface="Arial" panose="020B0604020202020204" pitchFamily="34" charset="0"/>
-                        </a:rPr>
-                        <a:t>O(o, o) ← D(o)</a:t>
-                      </a:r>
-                    </a:p>
-                    <a:p>
-                      <a:pPr algn="ctr"/>
-                      <a:r>
-                        <a:rPr lang="en-US" altLang="zh-CN" sz="1200" dirty="0" smtClean="0">
-                          <a:solidFill>
-                            <a:schemeClr val="tx1"/>
-                          </a:solidFill>
-                          <a:latin typeface="Arial" panose="020B0604020202020204" pitchFamily="34" charset="0"/>
-                          <a:ea typeface="맑은 고딕" panose="020B0503020000020004" pitchFamily="50" charset="-127"/>
-                          <a:cs typeface="Arial" panose="020B0604020202020204" pitchFamily="34" charset="0"/>
-                        </a:rPr>
-                        <a:t>O(o, o) ⇔ D(o)</a:t>
-                      </a:r>
-                    </a:p>
-                    <a:p>
-                      <a:pPr algn="ctr"/>
-                      <a:r>
-                        <a:rPr lang="en-US" altLang="zh-CN" sz="1200" dirty="0" smtClean="0">
-                          <a:solidFill>
-                            <a:schemeClr val="tx1"/>
-                          </a:solidFill>
-                          <a:latin typeface="Arial" panose="020B0604020202020204" pitchFamily="34" charset="0"/>
-                          <a:ea typeface="맑은 고딕" panose="020B0503020000020004" pitchFamily="50" charset="-127"/>
-                          <a:cs typeface="Arial" panose="020B0604020202020204" pitchFamily="34" charset="0"/>
-                        </a:rPr>
-                        <a:t>O(o, o) → D(o)</a:t>
-                      </a:r>
-                    </a:p>
-                    <a:p>
-                      <a:pPr marL="0" marR="0" indent="0" algn="ctr" defTabSz="914400" rtl="0" eaLnBrk="1" fontAlgn="auto" latinLnBrk="0" hangingPunct="1">
-                        <a:lnSpc>
-                          <a:spcPct val="100000"/>
-                        </a:lnSpc>
-                        <a:spcBef>
-                          <a:spcPts val="0"/>
-                        </a:spcBef>
-                        <a:spcAft>
-                          <a:spcPts val="0"/>
-                        </a:spcAft>
-                        <a:buClrTx/>
-                        <a:buSzTx/>
-                        <a:buFontTx/>
-                        <a:buNone/>
-                        <a:tabLst/>
-                        <a:defRPr/>
-                      </a:pPr>
-                      <a:r>
-                        <a:rPr lang="en-US" altLang="zh-CN" sz="1200" dirty="0" smtClean="0">
-                          <a:solidFill>
-                            <a:schemeClr val="tx1"/>
-                          </a:solidFill>
-                          <a:latin typeface="Arial" panose="020B0604020202020204" pitchFamily="34" charset="0"/>
-                          <a:ea typeface="맑은 고딕" panose="020B0503020000020004" pitchFamily="50" charset="-127"/>
-                          <a:cs typeface="Arial" panose="020B0604020202020204" pitchFamily="34" charset="0"/>
-                        </a:rPr>
-                        <a:t>O(r,   r)  ⇔ D(r)</a:t>
-                      </a:r>
-                    </a:p>
-                    <a:p>
-                      <a:pPr algn="ctr"/>
-                      <a:r>
-                        <a:rPr lang="en-US" altLang="zh-CN" sz="1200" dirty="0" smtClean="0">
-                          <a:solidFill>
-                            <a:schemeClr val="tx1"/>
-                          </a:solidFill>
-                          <a:latin typeface="Arial" panose="020B0604020202020204" pitchFamily="34" charset="0"/>
-                          <a:cs typeface="Arial" panose="020B0604020202020204" pitchFamily="34" charset="0"/>
-                        </a:rPr>
-                        <a:t>O(s, o) </a:t>
-                      </a:r>
-                      <a:r>
-                        <a:rPr lang="en-US" altLang="zh-CN" sz="1200" dirty="0" smtClean="0">
-                          <a:solidFill>
-                            <a:schemeClr val="tx1"/>
-                          </a:solidFill>
-                          <a:latin typeface="Arial" panose="020B0604020202020204" pitchFamily="34" charset="0"/>
-                          <a:ea typeface="맑은 고딕" panose="020B0503020000020004" pitchFamily="50" charset="-127"/>
-                          <a:cs typeface="Arial" panose="020B0604020202020204" pitchFamily="34" charset="0"/>
-                        </a:rPr>
-                        <a:t>← D(o)</a:t>
-                      </a:r>
-                    </a:p>
-                    <a:p>
-                      <a:pPr algn="ctr"/>
-                      <a:r>
-                        <a:rPr lang="en-US" altLang="zh-CN" sz="1200" dirty="0" smtClean="0">
-                          <a:solidFill>
-                            <a:schemeClr val="tx1"/>
-                          </a:solidFill>
-                          <a:latin typeface="Arial" panose="020B0604020202020204" pitchFamily="34" charset="0"/>
-                          <a:cs typeface="Arial" panose="020B0604020202020204" pitchFamily="34" charset="0"/>
-                        </a:rPr>
-                        <a:t>O(s, o) </a:t>
-                      </a:r>
-                      <a:r>
-                        <a:rPr lang="en-US" altLang="zh-CN" sz="1200" dirty="0" smtClean="0">
-                          <a:solidFill>
-                            <a:schemeClr val="tx1"/>
-                          </a:solidFill>
-                          <a:latin typeface="Arial" panose="020B0604020202020204" pitchFamily="34" charset="0"/>
-                          <a:ea typeface="맑은 고딕" panose="020B0503020000020004" pitchFamily="50" charset="-127"/>
-                          <a:cs typeface="Arial" panose="020B0604020202020204" pitchFamily="34" charset="0"/>
-                        </a:rPr>
-                        <a:t>→ D(o)</a:t>
-                      </a:r>
-                    </a:p>
-                  </a:txBody>
-                  <a:tcPr anchor="ctr">
-                    <a:lnL w="12700" cap="flat" cmpd="sng" algn="ctr">
-                      <a:solidFill>
-                        <a:schemeClr val="accent1"/>
-                      </a:solidFill>
-                      <a:prstDash val="solid"/>
-                      <a:round/>
-                      <a:headEnd type="none" w="med" len="med"/>
-                      <a:tailEnd type="none" w="med" len="med"/>
-                    </a:lnL>
-                    <a:lnR w="12700" cap="flat" cmpd="sng" algn="ctr">
-                      <a:solidFill>
-                        <a:schemeClr val="accent1"/>
-                      </a:solidFill>
-                      <a:prstDash val="solid"/>
-                      <a:round/>
-                      <a:headEnd type="none" w="med" len="med"/>
-                      <a:tailEnd type="none" w="med" len="med"/>
-                    </a:lnR>
-                    <a:lnT w="12700" cap="flat" cmpd="sng" algn="ctr">
-                      <a:solidFill>
-                        <a:schemeClr val="accent1"/>
-                      </a:solidFill>
-                      <a:prstDash val="solid"/>
-                      <a:round/>
-                      <a:headEnd type="none" w="med" len="med"/>
-                      <a:tailEnd type="none" w="med" len="med"/>
-                    </a:lnT>
-                    <a:lnB w="12700" cap="flat" cmpd="sng" algn="ctr">
-                      <a:solidFill>
-                        <a:schemeClr val="accent1"/>
-                      </a:solidFill>
-                      <a:prstDash val="solid"/>
-                      <a:round/>
-                      <a:headEnd type="none" w="med" len="med"/>
-                      <a:tailEnd type="none" w="med" len="med"/>
-                    </a:lnB>
-                    <a:lnTlToBr w="12700" cmpd="sng">
-                      <a:noFill/>
-                      <a:prstDash val="solid"/>
-                    </a:lnTlToBr>
-                    <a:lnBlToTr w="12700" cmpd="sng">
-                      <a:noFill/>
-                      <a:prstDash val="solid"/>
-                    </a:lnBlToTr>
-                    <a:noFill/>
-                  </a:tcPr>
-                </a:tc>
-                <a:extLst>
-                  <a:ext uri="{0D108BD9-81ED-4DB2-BD59-A6C34878D82A}">
-                    <a16:rowId xmlns:a16="http://schemas.microsoft.com/office/drawing/2014/main" val="843377367"/>
-                  </a:ext>
-                </a:extLst>
-              </a:tr>
-              <a:tr h="909555">
-                <a:tc vMerge="1">
-                  <a:txBody>
-                    <a:bodyPr/>
-                    <a:lstStyle/>
-                    <a:p>
-                      <a:endParaRPr lang="zh-CN" altLang="en-US"/>
-                    </a:p>
-                  </a:txBody>
-                  <a:tcPr/>
-                </a:tc>
-                <a:tc vMerge="1">
-                  <a:txBody>
-                    <a:bodyPr/>
-                    <a:lstStyle/>
-                    <a:p>
-                      <a:endParaRPr lang="zh-CN" altLang="en-US"/>
-                    </a:p>
-                  </a:txBody>
-                  <a:tcPr/>
-                </a:tc>
-                <a:tc>
-                  <a:txBody>
-                    <a:bodyPr/>
-                    <a:lstStyle/>
-                    <a:p>
-                      <a:pPr algn="ctr"/>
-                      <a:r>
-                        <a:rPr lang="en-US" altLang="zh-CN" sz="1200" dirty="0" smtClean="0">
-                          <a:latin typeface="Arial" panose="020B0604020202020204" pitchFamily="34" charset="0"/>
-                          <a:cs typeface="Arial" panose="020B0604020202020204" pitchFamily="34" charset="0"/>
-                        </a:rPr>
-                        <a:t>Coexistence :</a:t>
-                      </a:r>
-                    </a:p>
-                    <a:p>
-                      <a:pPr algn="ctr"/>
-                      <a:r>
-                        <a:rPr lang="en-US" altLang="zh-CN" sz="1200" dirty="0" smtClean="0">
-                          <a:latin typeface="Arial" panose="020B0604020202020204" pitchFamily="34" charset="0"/>
-                          <a:cs typeface="Arial" panose="020B0604020202020204" pitchFamily="34" charset="0"/>
-                        </a:rPr>
-                        <a:t>Simultaneous</a:t>
-                      </a:r>
-                      <a:r>
-                        <a:rPr lang="en-US" altLang="zh-CN" sz="1200" baseline="0" dirty="0" smtClean="0">
-                          <a:latin typeface="Arial" panose="020B0604020202020204" pitchFamily="34" charset="0"/>
-                          <a:cs typeface="Arial" panose="020B0604020202020204" pitchFamily="34" charset="0"/>
-                        </a:rPr>
-                        <a:t> order of edge</a:t>
-                      </a:r>
-                      <a:endParaRPr lang="en-US" altLang="zh-CN" sz="1200" dirty="0" smtClean="0">
-                        <a:latin typeface="Arial" panose="020B0604020202020204" pitchFamily="34" charset="0"/>
-                        <a:cs typeface="Arial" panose="020B0604020202020204" pitchFamily="34" charset="0"/>
-                      </a:endParaRPr>
-                    </a:p>
-                    <a:p>
-                      <a:pPr algn="ctr"/>
-                      <a:endParaRPr lang="zh-CN" altLang="en-US" sz="1200" dirty="0">
-                        <a:latin typeface="Arial" panose="020B0604020202020204" pitchFamily="34" charset="0"/>
-                        <a:cs typeface="Arial" panose="020B0604020202020204" pitchFamily="34" charset="0"/>
-                      </a:endParaRPr>
-                    </a:p>
-                  </a:txBody>
-                  <a:tcPr anchor="ctr">
-                    <a:lnL w="12700" cap="flat" cmpd="sng" algn="ctr">
-                      <a:solidFill>
-                        <a:schemeClr val="accent1"/>
-                      </a:solidFill>
-                      <a:prstDash val="solid"/>
-                      <a:round/>
-                      <a:headEnd type="none" w="med" len="med"/>
-                      <a:tailEnd type="none" w="med" len="med"/>
-                    </a:lnL>
-                    <a:lnR w="12700" cap="flat" cmpd="sng" algn="ctr">
-                      <a:solidFill>
-                        <a:schemeClr val="accent1"/>
-                      </a:solidFill>
-                      <a:prstDash val="solid"/>
-                      <a:round/>
-                      <a:headEnd type="none" w="med" len="med"/>
-                      <a:tailEnd type="none" w="med" len="med"/>
-                    </a:lnR>
-                    <a:lnT w="12700" cap="flat" cmpd="sng" algn="ctr">
-                      <a:solidFill>
-                        <a:schemeClr val="accent1"/>
-                      </a:solidFill>
-                      <a:prstDash val="solid"/>
-                      <a:round/>
-                      <a:headEnd type="none" w="med" len="med"/>
-                      <a:tailEnd type="none" w="med" len="med"/>
-                    </a:lnT>
-                    <a:lnB w="12700" cap="flat" cmpd="sng" algn="ctr">
-                      <a:solidFill>
-                        <a:schemeClr val="accent1"/>
-                      </a:solidFill>
-                      <a:prstDash val="solid"/>
-                      <a:round/>
-                      <a:headEnd type="none" w="med" len="med"/>
-                      <a:tailEnd type="none" w="med" len="med"/>
-                    </a:lnB>
-                    <a:lnTlToBr w="12700" cmpd="sng">
-                      <a:noFill/>
-                      <a:prstDash val="solid"/>
-                    </a:lnTlToBr>
-                    <a:lnBlToTr w="12700" cmpd="sng">
-                      <a:noFill/>
-                      <a:prstDash val="solid"/>
-                    </a:lnBlToTr>
-                    <a:noFill/>
-                  </a:tcPr>
-                </a:tc>
-                <a:tc>
-                  <a:txBody>
-                    <a:bodyPr/>
-                    <a:lstStyle/>
-                    <a:p>
-                      <a:pPr algn="ctr"/>
-                      <a:r>
-                        <a:rPr lang="en-US" altLang="zh-CN" sz="1200" dirty="0" smtClean="0">
-                          <a:solidFill>
-                            <a:schemeClr val="tx1"/>
-                          </a:solidFill>
-                          <a:latin typeface="Arial" panose="020B0604020202020204" pitchFamily="34" charset="0"/>
-                          <a:cs typeface="Arial" panose="020B0604020202020204" pitchFamily="34" charset="0"/>
-                        </a:rPr>
-                        <a:t>O(s, s) </a:t>
-                      </a:r>
-                      <a:r>
-                        <a:rPr lang="en-US" altLang="zh-CN" sz="1200" dirty="0" smtClean="0">
-                          <a:solidFill>
-                            <a:schemeClr val="tx1"/>
-                          </a:solidFill>
-                          <a:latin typeface="Arial" panose="020B0604020202020204" pitchFamily="34" charset="0"/>
-                          <a:ea typeface="맑은 고딕" panose="020B0503020000020004" pitchFamily="50" charset="-127"/>
-                          <a:cs typeface="Arial" panose="020B0604020202020204" pitchFamily="34" charset="0"/>
-                        </a:rPr>
-                        <a:t>← D(o)</a:t>
-                      </a:r>
-                    </a:p>
-                    <a:p>
-                      <a:pPr algn="ctr"/>
-                      <a:r>
-                        <a:rPr lang="en-US" altLang="zh-CN" sz="1200" dirty="0" smtClean="0">
-                          <a:solidFill>
-                            <a:schemeClr val="tx1"/>
-                          </a:solidFill>
-                          <a:latin typeface="Arial" panose="020B0604020202020204" pitchFamily="34" charset="0"/>
-                          <a:cs typeface="Arial" panose="020B0604020202020204" pitchFamily="34" charset="0"/>
-                        </a:rPr>
-                        <a:t>O(o, s) </a:t>
-                      </a:r>
-                      <a:r>
-                        <a:rPr lang="en-US" altLang="zh-CN" sz="1200" dirty="0" smtClean="0">
-                          <a:solidFill>
-                            <a:schemeClr val="tx1"/>
-                          </a:solidFill>
-                          <a:latin typeface="Arial" panose="020B0604020202020204" pitchFamily="34" charset="0"/>
-                          <a:ea typeface="맑은 고딕" panose="020B0503020000020004" pitchFamily="50" charset="-127"/>
-                          <a:cs typeface="Arial" panose="020B0604020202020204" pitchFamily="34" charset="0"/>
-                        </a:rPr>
-                        <a:t>← D(o)</a:t>
-                      </a:r>
-                    </a:p>
-                    <a:p>
-                      <a:pPr algn="ctr"/>
-                      <a:r>
-                        <a:rPr lang="en-US" altLang="zh-CN" sz="1200" dirty="0" smtClean="0">
-                          <a:solidFill>
-                            <a:schemeClr val="tx1"/>
-                          </a:solidFill>
-                          <a:latin typeface="Arial" panose="020B0604020202020204" pitchFamily="34" charset="0"/>
-                          <a:cs typeface="Arial" panose="020B0604020202020204" pitchFamily="34" charset="0"/>
-                        </a:rPr>
-                        <a:t>O(s, s) </a:t>
-                      </a:r>
-                      <a:r>
-                        <a:rPr lang="en-US" altLang="zh-CN" sz="1200" dirty="0" smtClean="0">
-                          <a:solidFill>
-                            <a:schemeClr val="tx1"/>
-                          </a:solidFill>
-                          <a:latin typeface="Arial" panose="020B0604020202020204" pitchFamily="34" charset="0"/>
-                          <a:ea typeface="맑은 고딕" panose="020B0503020000020004" pitchFamily="50" charset="-127"/>
-                          <a:cs typeface="Arial" panose="020B0604020202020204" pitchFamily="34" charset="0"/>
-                        </a:rPr>
-                        <a:t>→ D(o)</a:t>
-                      </a:r>
-                    </a:p>
-                    <a:p>
-                      <a:pPr marL="0" marR="0" indent="0" algn="ctr" defTabSz="914400" rtl="0" eaLnBrk="1" fontAlgn="auto" latinLnBrk="0" hangingPunct="1">
-                        <a:lnSpc>
-                          <a:spcPct val="100000"/>
-                        </a:lnSpc>
-                        <a:spcBef>
-                          <a:spcPts val="0"/>
-                        </a:spcBef>
-                        <a:spcAft>
-                          <a:spcPts val="0"/>
-                        </a:spcAft>
-                        <a:buClrTx/>
-                        <a:buSzTx/>
-                        <a:buFontTx/>
-                        <a:buNone/>
-                        <a:tabLst/>
-                        <a:defRPr/>
-                      </a:pPr>
-                      <a:r>
-                        <a:rPr lang="en-US" altLang="zh-CN" sz="1200" dirty="0" smtClean="0">
-                          <a:solidFill>
-                            <a:schemeClr val="tx1"/>
-                          </a:solidFill>
-                          <a:latin typeface="Arial" panose="020B0604020202020204" pitchFamily="34" charset="0"/>
-                          <a:ea typeface="맑은 고딕" panose="020B0503020000020004" pitchFamily="50" charset="-127"/>
-                          <a:cs typeface="Arial" panose="020B0604020202020204" pitchFamily="34" charset="0"/>
-                        </a:rPr>
-                        <a:t>O(o, s) ⇔ D(o)</a:t>
-                      </a:r>
-                    </a:p>
-                    <a:p>
-                      <a:pPr marL="0" marR="0" indent="0" algn="ctr" defTabSz="914400" rtl="0" eaLnBrk="1" fontAlgn="auto" latinLnBrk="0" hangingPunct="1">
-                        <a:lnSpc>
-                          <a:spcPct val="100000"/>
-                        </a:lnSpc>
-                        <a:spcBef>
-                          <a:spcPts val="0"/>
-                        </a:spcBef>
-                        <a:spcAft>
-                          <a:spcPts val="0"/>
-                        </a:spcAft>
-                        <a:buClrTx/>
-                        <a:buSzTx/>
-                        <a:buFontTx/>
-                        <a:buNone/>
-                        <a:tabLst/>
-                        <a:defRPr/>
-                      </a:pPr>
-                      <a:r>
-                        <a:rPr lang="en-US" altLang="zh-CN" sz="1200" dirty="0" smtClean="0">
-                          <a:solidFill>
-                            <a:schemeClr val="tx1"/>
-                          </a:solidFill>
-                          <a:latin typeface="Arial" panose="020B0604020202020204" pitchFamily="34" charset="0"/>
-                          <a:cs typeface="Arial" panose="020B0604020202020204" pitchFamily="34" charset="0"/>
-                        </a:rPr>
-                        <a:t>O(o, s) </a:t>
-                      </a:r>
-                      <a:r>
-                        <a:rPr lang="en-US" altLang="zh-CN" sz="1200" dirty="0" smtClean="0">
-                          <a:solidFill>
-                            <a:schemeClr val="tx1"/>
-                          </a:solidFill>
-                          <a:latin typeface="Arial" panose="020B0604020202020204" pitchFamily="34" charset="0"/>
-                          <a:ea typeface="맑은 고딕" panose="020B0503020000020004" pitchFamily="50" charset="-127"/>
-                          <a:cs typeface="Arial" panose="020B0604020202020204" pitchFamily="34" charset="0"/>
-                        </a:rPr>
-                        <a:t>→ D(o)</a:t>
-                      </a:r>
-                    </a:p>
-                  </a:txBody>
-                  <a:tcPr anchor="ctr">
-                    <a:lnL w="12700" cap="flat" cmpd="sng" algn="ctr">
-                      <a:solidFill>
-                        <a:schemeClr val="accent1"/>
-                      </a:solidFill>
-                      <a:prstDash val="solid"/>
-                      <a:round/>
-                      <a:headEnd type="none" w="med" len="med"/>
-                      <a:tailEnd type="none" w="med" len="med"/>
-                    </a:lnL>
-                    <a:lnR w="12700" cap="flat" cmpd="sng" algn="ctr">
-                      <a:solidFill>
-                        <a:schemeClr val="accent1"/>
-                      </a:solidFill>
-                      <a:prstDash val="solid"/>
-                      <a:round/>
-                      <a:headEnd type="none" w="med" len="med"/>
-                      <a:tailEnd type="none" w="med" len="med"/>
-                    </a:lnR>
-                    <a:lnT w="12700" cap="flat" cmpd="sng" algn="ctr">
-                      <a:solidFill>
-                        <a:schemeClr val="accent1"/>
-                      </a:solidFill>
-                      <a:prstDash val="solid"/>
-                      <a:round/>
-                      <a:headEnd type="none" w="med" len="med"/>
-                      <a:tailEnd type="none" w="med" len="med"/>
-                    </a:lnT>
-                    <a:lnB w="12700" cap="flat" cmpd="sng" algn="ctr">
-                      <a:solidFill>
-                        <a:schemeClr val="accent1"/>
-                      </a:solidFill>
-                      <a:prstDash val="solid"/>
-                      <a:round/>
-                      <a:headEnd type="none" w="med" len="med"/>
-                      <a:tailEnd type="none" w="med" len="med"/>
-                    </a:lnB>
-                    <a:lnTlToBr w="12700" cmpd="sng">
-                      <a:noFill/>
-                      <a:prstDash val="solid"/>
-                    </a:lnTlToBr>
-                    <a:lnBlToTr w="12700" cmpd="sng">
-                      <a:noFill/>
-                      <a:prstDash val="solid"/>
-                    </a:lnBlToTr>
-                    <a:noFill/>
-                  </a:tcPr>
-                </a:tc>
-                <a:extLst>
-                  <a:ext uri="{0D108BD9-81ED-4DB2-BD59-A6C34878D82A}">
-                    <a16:rowId xmlns:a16="http://schemas.microsoft.com/office/drawing/2014/main" val="1931093194"/>
-                  </a:ext>
-                </a:extLst>
-              </a:tr>
-              <a:tr h="1240303">
-                <a:tc vMerge="1">
-                  <a:txBody>
-                    <a:bodyPr/>
-                    <a:lstStyle/>
-                    <a:p>
-                      <a:endParaRPr lang="zh-CN" altLang="en-US"/>
-                    </a:p>
-                  </a:txBody>
-                  <a:tcPr/>
-                </a:tc>
-                <a:tc rowSpan="2">
-                  <a:txBody>
-                    <a:bodyPr/>
-                    <a:lstStyle/>
-                    <a:p>
-                      <a:pPr algn="ctr"/>
-                      <a:r>
-                        <a:rPr lang="zh-CN" altLang="en-US" sz="1200" dirty="0" smtClean="0">
-                          <a:latin typeface="Arial" panose="020B0604020202020204" pitchFamily="34" charset="0"/>
-                          <a:cs typeface="Arial" panose="020B0604020202020204" pitchFamily="34" charset="0"/>
-                        </a:rPr>
-                        <a:t>③ </a:t>
-                      </a:r>
-                      <a:r>
-                        <a:rPr lang="en-US" altLang="zh-CN" sz="1200" dirty="0" smtClean="0">
-                          <a:latin typeface="Arial" panose="020B0604020202020204" pitchFamily="34" charset="0"/>
-                          <a:cs typeface="Arial" panose="020B0604020202020204" pitchFamily="34" charset="0"/>
-                        </a:rPr>
-                        <a:t>Branch point :</a:t>
-                      </a:r>
-                    </a:p>
-                    <a:p>
-                      <a:pPr algn="ctr"/>
-                      <a:r>
-                        <a:rPr lang="en-US" altLang="zh-CN" sz="1200" dirty="0" smtClean="0">
-                          <a:latin typeface="Arial" panose="020B0604020202020204" pitchFamily="34" charset="0"/>
-                          <a:cs typeface="Arial" panose="020B0604020202020204" pitchFamily="34" charset="0"/>
-                        </a:rPr>
-                        <a:t>Simultaneous</a:t>
-                      </a:r>
-                      <a:r>
-                        <a:rPr lang="en-US" altLang="zh-CN" sz="1200" baseline="0" dirty="0" smtClean="0">
-                          <a:latin typeface="Arial" panose="020B0604020202020204" pitchFamily="34" charset="0"/>
-                          <a:cs typeface="Arial" panose="020B0604020202020204" pitchFamily="34" charset="0"/>
-                        </a:rPr>
-                        <a:t> order of node in layer B</a:t>
-                      </a:r>
-                      <a:endParaRPr lang="zh-CN" altLang="en-US" sz="1200" dirty="0">
-                        <a:latin typeface="Arial" panose="020B0604020202020204" pitchFamily="34" charset="0"/>
-                        <a:cs typeface="Arial" panose="020B0604020202020204" pitchFamily="34" charset="0"/>
-                      </a:endParaRPr>
-                    </a:p>
-                  </a:txBody>
-                  <a:tcPr anchor="ctr">
-                    <a:lnL w="12700" cap="flat" cmpd="sng" algn="ctr">
-                      <a:solidFill>
-                        <a:schemeClr val="accent1"/>
-                      </a:solidFill>
-                      <a:prstDash val="solid"/>
-                      <a:round/>
-                      <a:headEnd type="none" w="med" len="med"/>
-                      <a:tailEnd type="none" w="med" len="med"/>
-                    </a:lnL>
-                    <a:lnR w="12700" cap="flat" cmpd="sng" algn="ctr">
-                      <a:solidFill>
-                        <a:schemeClr val="accent1"/>
-                      </a:solidFill>
-                      <a:prstDash val="solid"/>
-                      <a:round/>
-                      <a:headEnd type="none" w="med" len="med"/>
-                      <a:tailEnd type="none" w="med" len="med"/>
-                    </a:lnR>
-                    <a:lnT w="12700" cap="flat" cmpd="sng" algn="ctr">
-                      <a:solidFill>
-                        <a:schemeClr val="accent1"/>
-                      </a:solidFill>
-                      <a:prstDash val="solid"/>
-                      <a:round/>
-                      <a:headEnd type="none" w="med" len="med"/>
-                      <a:tailEnd type="none" w="med" len="med"/>
-                    </a:lnT>
-                    <a:lnB w="12700" cap="flat" cmpd="sng" algn="ctr">
-                      <a:solidFill>
-                        <a:schemeClr val="accent1"/>
-                      </a:solidFill>
-                      <a:prstDash val="solid"/>
-                      <a:round/>
-                      <a:headEnd type="none" w="med" len="med"/>
-                      <a:tailEnd type="none" w="med" len="med"/>
-                    </a:lnB>
-                    <a:lnTlToBr w="12700" cmpd="sng">
-                      <a:noFill/>
-                      <a:prstDash val="solid"/>
-                    </a:lnTlToBr>
-                    <a:lnBlToTr w="12700" cmpd="sng">
-                      <a:noFill/>
-                      <a:prstDash val="solid"/>
-                    </a:lnBlToTr>
-                    <a:noFill/>
-                  </a:tcPr>
-                </a:tc>
-                <a:tc>
-                  <a:txBody>
-                    <a:bodyPr/>
-                    <a:lstStyle/>
-                    <a:p>
-                      <a:pPr algn="ctr"/>
-                      <a:r>
-                        <a:rPr lang="en-US" altLang="zh-CN" sz="1200" dirty="0" smtClean="0">
-                          <a:latin typeface="Arial" panose="020B0604020202020204" pitchFamily="34" charset="0"/>
-                          <a:cs typeface="Arial" panose="020B0604020202020204" pitchFamily="34" charset="0"/>
-                        </a:rPr>
-                        <a:t>Slow positive consensus :</a:t>
-                      </a:r>
-                    </a:p>
-                    <a:p>
-                      <a:pPr algn="ctr"/>
-                      <a:r>
-                        <a:rPr lang="en-US" altLang="zh-CN" sz="1200" dirty="0" smtClean="0">
-                          <a:latin typeface="Arial" panose="020B0604020202020204" pitchFamily="34" charset="0"/>
-                          <a:cs typeface="Arial" panose="020B0604020202020204" pitchFamily="34" charset="0"/>
-                        </a:rPr>
-                        <a:t>Sequential order of edge</a:t>
-                      </a:r>
-                      <a:endParaRPr lang="zh-CN" altLang="en-US" sz="1200" dirty="0">
-                        <a:latin typeface="Arial" panose="020B0604020202020204" pitchFamily="34" charset="0"/>
-                        <a:cs typeface="Arial" panose="020B0604020202020204" pitchFamily="34" charset="0"/>
-                      </a:endParaRPr>
-                    </a:p>
-                  </a:txBody>
-                  <a:tcPr anchor="ctr">
-                    <a:lnL w="12700" cap="flat" cmpd="sng" algn="ctr">
-                      <a:solidFill>
-                        <a:schemeClr val="accent1"/>
-                      </a:solidFill>
-                      <a:prstDash val="solid"/>
-                      <a:round/>
-                      <a:headEnd type="none" w="med" len="med"/>
-                      <a:tailEnd type="none" w="med" len="med"/>
-                    </a:lnL>
-                    <a:lnR w="12700" cap="flat" cmpd="sng" algn="ctr">
-                      <a:solidFill>
-                        <a:schemeClr val="accent1"/>
-                      </a:solidFill>
-                      <a:prstDash val="solid"/>
-                      <a:round/>
-                      <a:headEnd type="none" w="med" len="med"/>
-                      <a:tailEnd type="none" w="med" len="med"/>
-                    </a:lnR>
-                    <a:lnT w="12700" cap="flat" cmpd="sng" algn="ctr">
-                      <a:solidFill>
-                        <a:schemeClr val="accent1"/>
-                      </a:solidFill>
-                      <a:prstDash val="solid"/>
-                      <a:round/>
-                      <a:headEnd type="none" w="med" len="med"/>
-                      <a:tailEnd type="none" w="med" len="med"/>
-                    </a:lnT>
-                    <a:lnB w="12700" cap="flat" cmpd="sng" algn="ctr">
-                      <a:solidFill>
-                        <a:schemeClr val="accent1"/>
-                      </a:solidFill>
-                      <a:prstDash val="solid"/>
-                      <a:round/>
-                      <a:headEnd type="none" w="med" len="med"/>
-                      <a:tailEnd type="none" w="med" len="med"/>
-                    </a:lnB>
-                    <a:lnTlToBr w="12700" cmpd="sng">
-                      <a:noFill/>
-                      <a:prstDash val="solid"/>
-                    </a:lnTlToBr>
-                    <a:lnBlToTr w="12700" cmpd="sng">
-                      <a:noFill/>
-                      <a:prstDash val="solid"/>
-                    </a:lnBlToTr>
-                    <a:noFill/>
-                  </a:tcPr>
-                </a:tc>
-                <a:tc>
-                  <a:txBody>
-                    <a:bodyPr/>
-                    <a:lstStyle/>
-                    <a:p>
-                      <a:pPr marL="0" marR="0" indent="0" algn="ctr" defTabSz="914400" rtl="0" eaLnBrk="1" fontAlgn="auto" latinLnBrk="0" hangingPunct="1">
-                        <a:lnSpc>
-                          <a:spcPct val="100000"/>
-                        </a:lnSpc>
-                        <a:spcBef>
-                          <a:spcPts val="0"/>
-                        </a:spcBef>
-                        <a:spcAft>
-                          <a:spcPts val="0"/>
-                        </a:spcAft>
-                        <a:buClrTx/>
-                        <a:buSzTx/>
-                        <a:buFontTx/>
-                        <a:buNone/>
-                        <a:tabLst/>
-                        <a:defRPr/>
-                      </a:pPr>
-                      <a:r>
-                        <a:rPr lang="en-US" altLang="zh-CN" sz="1200" dirty="0" smtClean="0">
-                          <a:solidFill>
-                            <a:schemeClr val="tx1"/>
-                          </a:solidFill>
-                          <a:latin typeface="Arial" panose="020B0604020202020204" pitchFamily="34" charset="0"/>
-                          <a:ea typeface="맑은 고딕" panose="020B0503020000020004" pitchFamily="50" charset="-127"/>
-                          <a:cs typeface="Arial" panose="020B0604020202020204" pitchFamily="34" charset="0"/>
-                        </a:rPr>
-                        <a:t>O(r,   r)</a:t>
-                      </a:r>
-                      <a:r>
-                        <a:rPr lang="en-US" altLang="zh-CN" sz="1200" baseline="0" dirty="0" smtClean="0">
-                          <a:solidFill>
-                            <a:schemeClr val="tx1"/>
-                          </a:solidFill>
-                          <a:latin typeface="Arial" panose="020B0604020202020204" pitchFamily="34" charset="0"/>
-                          <a:ea typeface="맑은 고딕" panose="020B0503020000020004" pitchFamily="50" charset="-127"/>
-                          <a:cs typeface="Arial" panose="020B0604020202020204" pitchFamily="34" charset="0"/>
-                        </a:rPr>
-                        <a:t> </a:t>
-                      </a:r>
-                      <a:r>
-                        <a:rPr lang="en-US" altLang="zh-CN" sz="1200" dirty="0" smtClean="0">
-                          <a:solidFill>
-                            <a:schemeClr val="tx1"/>
-                          </a:solidFill>
-                          <a:latin typeface="Arial" panose="020B0604020202020204" pitchFamily="34" charset="0"/>
-                          <a:ea typeface="맑은 고딕" panose="020B0503020000020004" pitchFamily="50" charset="-127"/>
-                          <a:cs typeface="Arial" panose="020B0604020202020204" pitchFamily="34" charset="0"/>
-                        </a:rPr>
-                        <a:t>→ </a:t>
-                      </a:r>
-                      <a:r>
-                        <a:rPr lang="en-US" altLang="zh-CN" sz="1200" baseline="0" dirty="0" smtClean="0">
-                          <a:solidFill>
-                            <a:schemeClr val="tx1"/>
-                          </a:solidFill>
-                          <a:latin typeface="Arial" panose="020B0604020202020204" pitchFamily="34" charset="0"/>
-                          <a:ea typeface="맑은 고딕" panose="020B0503020000020004" pitchFamily="50" charset="-127"/>
-                          <a:cs typeface="Arial" panose="020B0604020202020204" pitchFamily="34" charset="0"/>
-                        </a:rPr>
-                        <a:t>D(s)</a:t>
-                      </a:r>
-                    </a:p>
-                    <a:p>
-                      <a:pPr marL="0" marR="0" indent="0" algn="ctr" defTabSz="914400" rtl="0" eaLnBrk="1" fontAlgn="auto" latinLnBrk="0" hangingPunct="1">
-                        <a:lnSpc>
-                          <a:spcPct val="100000"/>
-                        </a:lnSpc>
-                        <a:spcBef>
-                          <a:spcPts val="0"/>
-                        </a:spcBef>
-                        <a:spcAft>
-                          <a:spcPts val="0"/>
-                        </a:spcAft>
-                        <a:buClrTx/>
-                        <a:buSzTx/>
-                        <a:buFontTx/>
-                        <a:buNone/>
-                        <a:tabLst/>
-                        <a:defRPr/>
-                      </a:pPr>
-                      <a:r>
-                        <a:rPr lang="en-US" altLang="zh-CN" sz="1200" baseline="0" dirty="0" smtClean="0">
-                          <a:solidFill>
-                            <a:schemeClr val="tx1"/>
-                          </a:solidFill>
-                          <a:latin typeface="Arial" panose="020B0604020202020204" pitchFamily="34" charset="0"/>
-                          <a:ea typeface="맑은 고딕" panose="020B0503020000020004" pitchFamily="50" charset="-127"/>
-                          <a:cs typeface="Arial" panose="020B0604020202020204" pitchFamily="34" charset="0"/>
-                        </a:rPr>
-                        <a:t>O(r,   r)</a:t>
-                      </a:r>
-                      <a:r>
-                        <a:rPr lang="en-US" altLang="zh-CN" sz="1200" dirty="0" smtClean="0">
-                          <a:solidFill>
-                            <a:schemeClr val="tx1"/>
-                          </a:solidFill>
-                          <a:latin typeface="Arial" panose="020B0604020202020204" pitchFamily="34" charset="0"/>
-                          <a:ea typeface="맑은 고딕" panose="020B0503020000020004" pitchFamily="50" charset="-127"/>
-                          <a:cs typeface="Arial" panose="020B0604020202020204" pitchFamily="34" charset="0"/>
-                        </a:rPr>
-                        <a:t> ←</a:t>
-                      </a:r>
-                      <a:r>
-                        <a:rPr lang="en-US" altLang="zh-CN" sz="1200" baseline="0" dirty="0" smtClean="0">
-                          <a:solidFill>
-                            <a:schemeClr val="tx1"/>
-                          </a:solidFill>
-                          <a:latin typeface="Arial" panose="020B0604020202020204" pitchFamily="34" charset="0"/>
-                          <a:ea typeface="맑은 고딕" panose="020B0503020000020004" pitchFamily="50" charset="-127"/>
-                          <a:cs typeface="Arial" panose="020B0604020202020204" pitchFamily="34" charset="0"/>
-                        </a:rPr>
-                        <a:t> D(s)</a:t>
-                      </a:r>
-                    </a:p>
-                    <a:p>
-                      <a:pPr marL="0" marR="0" indent="0" algn="ctr" defTabSz="914400" rtl="0" eaLnBrk="1" fontAlgn="auto" latinLnBrk="0" hangingPunct="1">
-                        <a:lnSpc>
-                          <a:spcPct val="100000"/>
-                        </a:lnSpc>
-                        <a:spcBef>
-                          <a:spcPts val="0"/>
-                        </a:spcBef>
-                        <a:spcAft>
-                          <a:spcPts val="0"/>
-                        </a:spcAft>
-                        <a:buClrTx/>
-                        <a:buSzTx/>
-                        <a:buFontTx/>
-                        <a:buNone/>
-                        <a:tabLst/>
-                        <a:defRPr/>
-                      </a:pPr>
-                      <a:r>
-                        <a:rPr lang="en-US" altLang="zh-CN" sz="1200" baseline="0" dirty="0" smtClean="0">
-                          <a:solidFill>
-                            <a:schemeClr val="tx1"/>
-                          </a:solidFill>
-                          <a:latin typeface="Arial" panose="020B0604020202020204" pitchFamily="34" charset="0"/>
-                          <a:ea typeface="맑은 고딕" panose="020B0503020000020004" pitchFamily="50" charset="-127"/>
-                          <a:cs typeface="Arial" panose="020B0604020202020204" pitchFamily="34" charset="0"/>
-                        </a:rPr>
-                        <a:t>O(o, o)</a:t>
-                      </a:r>
-                      <a:r>
-                        <a:rPr lang="en-US" altLang="zh-CN" sz="1200" dirty="0" smtClean="0">
-                          <a:solidFill>
-                            <a:schemeClr val="tx1"/>
-                          </a:solidFill>
-                          <a:latin typeface="Arial" panose="020B0604020202020204" pitchFamily="34" charset="0"/>
-                          <a:ea typeface="맑은 고딕" panose="020B0503020000020004" pitchFamily="50" charset="-127"/>
-                          <a:cs typeface="Arial" panose="020B0604020202020204" pitchFamily="34" charset="0"/>
-                        </a:rPr>
-                        <a:t> →</a:t>
-                      </a:r>
-                      <a:r>
-                        <a:rPr lang="en-US" altLang="zh-CN" sz="1200" baseline="0" dirty="0" smtClean="0">
-                          <a:solidFill>
-                            <a:schemeClr val="tx1"/>
-                          </a:solidFill>
-                          <a:latin typeface="Arial" panose="020B0604020202020204" pitchFamily="34" charset="0"/>
-                          <a:ea typeface="맑은 고딕" panose="020B0503020000020004" pitchFamily="50" charset="-127"/>
-                          <a:cs typeface="Arial" panose="020B0604020202020204" pitchFamily="34" charset="0"/>
-                        </a:rPr>
-                        <a:t> D(s)</a:t>
-                      </a:r>
-                    </a:p>
-                    <a:p>
-                      <a:pPr marL="0" marR="0" indent="0" algn="ctr" defTabSz="914400" rtl="0" eaLnBrk="1" fontAlgn="auto" latinLnBrk="0" hangingPunct="1">
-                        <a:lnSpc>
-                          <a:spcPct val="100000"/>
-                        </a:lnSpc>
-                        <a:spcBef>
-                          <a:spcPts val="0"/>
-                        </a:spcBef>
-                        <a:spcAft>
-                          <a:spcPts val="0"/>
-                        </a:spcAft>
-                        <a:buClrTx/>
-                        <a:buSzTx/>
-                        <a:buFontTx/>
-                        <a:buNone/>
-                        <a:tabLst/>
-                        <a:defRPr/>
-                      </a:pPr>
-                      <a:r>
-                        <a:rPr lang="en-US" altLang="zh-CN" sz="1200" baseline="0" dirty="0" smtClean="0">
-                          <a:solidFill>
-                            <a:schemeClr val="tx1"/>
-                          </a:solidFill>
-                          <a:latin typeface="Arial" panose="020B0604020202020204" pitchFamily="34" charset="0"/>
-                          <a:ea typeface="맑은 고딕" panose="020B0503020000020004" pitchFamily="50" charset="-127"/>
-                          <a:cs typeface="Arial" panose="020B0604020202020204" pitchFamily="34" charset="0"/>
-                        </a:rPr>
-                        <a:t>O(o, o) </a:t>
-                      </a:r>
-                      <a:r>
-                        <a:rPr lang="en-US" altLang="zh-CN" sz="1200" dirty="0" smtClean="0">
-                          <a:solidFill>
-                            <a:schemeClr val="tx1"/>
-                          </a:solidFill>
-                          <a:latin typeface="Arial" panose="020B0604020202020204" pitchFamily="34" charset="0"/>
-                          <a:ea typeface="맑은 고딕" panose="020B0503020000020004" pitchFamily="50" charset="-127"/>
-                          <a:cs typeface="Arial" panose="020B0604020202020204" pitchFamily="34" charset="0"/>
-                        </a:rPr>
-                        <a:t>← </a:t>
-                      </a:r>
-                      <a:r>
-                        <a:rPr lang="en-US" altLang="zh-CN" sz="1200" baseline="0" dirty="0" smtClean="0">
-                          <a:solidFill>
-                            <a:schemeClr val="tx1"/>
-                          </a:solidFill>
-                          <a:latin typeface="Arial" panose="020B0604020202020204" pitchFamily="34" charset="0"/>
-                          <a:ea typeface="맑은 고딕" panose="020B0503020000020004" pitchFamily="50" charset="-127"/>
-                          <a:cs typeface="Arial" panose="020B0604020202020204" pitchFamily="34" charset="0"/>
-                        </a:rPr>
-                        <a:t>D(s)</a:t>
-                      </a:r>
-                      <a:endParaRPr lang="en-US" altLang="zh-CN" sz="1200" dirty="0" smtClean="0">
-                        <a:solidFill>
-                          <a:schemeClr val="tx1"/>
-                        </a:solidFill>
-                        <a:latin typeface="Arial" panose="020B0604020202020204" pitchFamily="34" charset="0"/>
-                        <a:ea typeface="맑은 고딕" panose="020B0503020000020004" pitchFamily="50" charset="-127"/>
-                        <a:cs typeface="Arial" panose="020B0604020202020204" pitchFamily="34" charset="0"/>
-                      </a:endParaRPr>
-                    </a:p>
-                    <a:p>
-                      <a:pPr algn="ctr"/>
-                      <a:r>
-                        <a:rPr lang="en-US" altLang="zh-CN" sz="1200" dirty="0" smtClean="0">
-                          <a:solidFill>
-                            <a:schemeClr val="tx1"/>
-                          </a:solidFill>
-                          <a:latin typeface="Arial" panose="020B0604020202020204" pitchFamily="34" charset="0"/>
-                          <a:ea typeface="맑은 고딕" panose="020B0503020000020004" pitchFamily="50" charset="-127"/>
-                          <a:cs typeface="Arial" panose="020B0604020202020204" pitchFamily="34" charset="0"/>
-                        </a:rPr>
-                        <a:t>O(s, o) ← D(s)</a:t>
-                      </a:r>
-                    </a:p>
-                    <a:p>
-                      <a:pPr algn="ctr"/>
-                      <a:r>
-                        <a:rPr lang="en-US" altLang="zh-CN" sz="1200" dirty="0" smtClean="0">
-                          <a:solidFill>
-                            <a:schemeClr val="tx1"/>
-                          </a:solidFill>
-                          <a:latin typeface="Arial" panose="020B0604020202020204" pitchFamily="34" charset="0"/>
-                          <a:ea typeface="맑은 고딕" panose="020B0503020000020004" pitchFamily="50" charset="-127"/>
-                          <a:cs typeface="Arial" panose="020B0604020202020204" pitchFamily="34" charset="0"/>
-                        </a:rPr>
-                        <a:t>O(s, o) →</a:t>
-                      </a:r>
-                      <a:r>
-                        <a:rPr lang="en-US" altLang="zh-CN" sz="1200" baseline="0" dirty="0" smtClean="0">
-                          <a:solidFill>
-                            <a:schemeClr val="tx1"/>
-                          </a:solidFill>
-                          <a:latin typeface="Arial" panose="020B0604020202020204" pitchFamily="34" charset="0"/>
-                          <a:ea typeface="맑은 고딕" panose="020B0503020000020004" pitchFamily="50" charset="-127"/>
-                          <a:cs typeface="Arial" panose="020B0604020202020204" pitchFamily="34" charset="0"/>
-                        </a:rPr>
-                        <a:t> D(s)</a:t>
-                      </a:r>
-                    </a:p>
-                    <a:p>
-                      <a:pPr algn="ctr"/>
-                      <a:r>
-                        <a:rPr lang="en-US" altLang="zh-CN" sz="1200" dirty="0" smtClean="0">
-                          <a:solidFill>
-                            <a:schemeClr val="tx1"/>
-                          </a:solidFill>
-                          <a:latin typeface="Arial" panose="020B0604020202020204" pitchFamily="34" charset="0"/>
-                          <a:ea typeface="맑은 고딕" panose="020B0503020000020004" pitchFamily="50" charset="-127"/>
-                          <a:cs typeface="Arial" panose="020B0604020202020204" pitchFamily="34" charset="0"/>
-                        </a:rPr>
-                        <a:t>O(s, o) ↔</a:t>
-                      </a:r>
-                      <a:r>
-                        <a:rPr lang="en-US" altLang="zh-CN" sz="1200" baseline="0" dirty="0" smtClean="0">
-                          <a:solidFill>
-                            <a:schemeClr val="tx1"/>
-                          </a:solidFill>
-                          <a:latin typeface="Arial" panose="020B0604020202020204" pitchFamily="34" charset="0"/>
-                          <a:ea typeface="맑은 고딕" panose="020B0503020000020004" pitchFamily="50" charset="-127"/>
-                          <a:cs typeface="Arial" panose="020B0604020202020204" pitchFamily="34" charset="0"/>
-                        </a:rPr>
-                        <a:t> D(s)</a:t>
-                      </a:r>
-                      <a:endParaRPr lang="en-US" altLang="zh-CN" sz="1200" dirty="0" smtClean="0">
-                        <a:solidFill>
-                          <a:schemeClr val="tx1"/>
-                        </a:solidFill>
-                        <a:latin typeface="Arial" panose="020B0604020202020204" pitchFamily="34" charset="0"/>
-                        <a:ea typeface="맑은 고딕" panose="020B0503020000020004" pitchFamily="50" charset="-127"/>
-                        <a:cs typeface="Arial" panose="020B0604020202020204" pitchFamily="34" charset="0"/>
-                      </a:endParaRPr>
-                    </a:p>
-                  </a:txBody>
-                  <a:tcPr anchor="ctr">
-                    <a:lnL w="12700" cap="flat" cmpd="sng" algn="ctr">
-                      <a:solidFill>
-                        <a:schemeClr val="accent1"/>
-                      </a:solidFill>
-                      <a:prstDash val="solid"/>
-                      <a:round/>
-                      <a:headEnd type="none" w="med" len="med"/>
-                      <a:tailEnd type="none" w="med" len="med"/>
-                    </a:lnL>
-                    <a:lnR w="12700" cap="flat" cmpd="sng" algn="ctr">
-                      <a:solidFill>
-                        <a:schemeClr val="accent1"/>
-                      </a:solidFill>
-                      <a:prstDash val="solid"/>
-                      <a:round/>
-                      <a:headEnd type="none" w="med" len="med"/>
-                      <a:tailEnd type="none" w="med" len="med"/>
-                    </a:lnR>
-                    <a:lnT w="12700" cap="flat" cmpd="sng" algn="ctr">
-                      <a:solidFill>
-                        <a:schemeClr val="accent1"/>
-                      </a:solidFill>
-                      <a:prstDash val="solid"/>
-                      <a:round/>
-                      <a:headEnd type="none" w="med" len="med"/>
-                      <a:tailEnd type="none" w="med" len="med"/>
-                    </a:lnT>
-                    <a:lnB w="12700" cap="flat" cmpd="sng" algn="ctr">
-                      <a:solidFill>
-                        <a:schemeClr val="accent1"/>
-                      </a:solidFill>
-                      <a:prstDash val="solid"/>
-                      <a:round/>
-                      <a:headEnd type="none" w="med" len="med"/>
-                      <a:tailEnd type="none" w="med" len="med"/>
-                    </a:lnB>
-                    <a:lnTlToBr w="12700" cmpd="sng">
-                      <a:noFill/>
-                      <a:prstDash val="solid"/>
-                    </a:lnTlToBr>
-                    <a:lnBlToTr w="12700" cmpd="sng">
-                      <a:noFill/>
-                      <a:prstDash val="solid"/>
-                    </a:lnBlToTr>
-                    <a:noFill/>
-                  </a:tcPr>
-                </a:tc>
-                <a:extLst>
-                  <a:ext uri="{0D108BD9-81ED-4DB2-BD59-A6C34878D82A}">
-                    <a16:rowId xmlns:a16="http://schemas.microsoft.com/office/drawing/2014/main" val="2067007075"/>
-                  </a:ext>
-                </a:extLst>
-              </a:tr>
-              <a:tr h="909555">
-                <a:tc vMerge="1">
-                  <a:txBody>
-                    <a:bodyPr/>
-                    <a:lstStyle/>
-                    <a:p>
-                      <a:endParaRPr lang="zh-CN" altLang="en-US"/>
-                    </a:p>
-                  </a:txBody>
-                  <a:tcPr/>
-                </a:tc>
-                <a:tc vMerge="1">
-                  <a:txBody>
-                    <a:bodyPr/>
-                    <a:lstStyle/>
-                    <a:p>
-                      <a:endParaRPr lang="zh-CN" altLang="en-US"/>
-                    </a:p>
-                  </a:txBody>
-                  <a:tcPr/>
-                </a:tc>
-                <a:tc>
-                  <a:txBody>
-                    <a:bodyPr/>
-                    <a:lstStyle/>
-                    <a:p>
-                      <a:pPr algn="ctr"/>
-                      <a:r>
-                        <a:rPr lang="en-US" altLang="zh-CN" sz="1200" dirty="0" smtClean="0">
-                          <a:latin typeface="Arial" panose="020B0604020202020204" pitchFamily="34" charset="0"/>
-                          <a:cs typeface="Arial" panose="020B0604020202020204" pitchFamily="34" charset="0"/>
-                        </a:rPr>
-                        <a:t>Slow</a:t>
-                      </a:r>
-                      <a:r>
-                        <a:rPr lang="en-US" altLang="zh-CN" sz="1200" baseline="0" dirty="0" smtClean="0">
-                          <a:latin typeface="Arial" panose="020B0604020202020204" pitchFamily="34" charset="0"/>
-                          <a:cs typeface="Arial" panose="020B0604020202020204" pitchFamily="34" charset="0"/>
-                        </a:rPr>
-                        <a:t> negative consensus :</a:t>
-                      </a:r>
-                    </a:p>
-                    <a:p>
-                      <a:pPr algn="ctr"/>
-                      <a:r>
-                        <a:rPr lang="en-US" altLang="zh-CN" sz="1200" baseline="0" dirty="0" smtClean="0">
-                          <a:latin typeface="Arial" panose="020B0604020202020204" pitchFamily="34" charset="0"/>
-                          <a:cs typeface="Arial" panose="020B0604020202020204" pitchFamily="34" charset="0"/>
-                        </a:rPr>
-                        <a:t>Simultaneous order of edge</a:t>
-                      </a:r>
-                      <a:endParaRPr lang="zh-CN" altLang="en-US" sz="1200" dirty="0">
-                        <a:latin typeface="Arial" panose="020B0604020202020204" pitchFamily="34" charset="0"/>
-                        <a:cs typeface="Arial" panose="020B0604020202020204" pitchFamily="34" charset="0"/>
-                      </a:endParaRPr>
-                    </a:p>
-                  </a:txBody>
-                  <a:tcPr anchor="ctr">
-                    <a:lnL w="12700" cap="flat" cmpd="sng" algn="ctr">
-                      <a:solidFill>
-                        <a:schemeClr val="accent1"/>
-                      </a:solidFill>
-                      <a:prstDash val="solid"/>
-                      <a:round/>
-                      <a:headEnd type="none" w="med" len="med"/>
-                      <a:tailEnd type="none" w="med" len="med"/>
-                    </a:lnL>
-                    <a:lnR w="12700" cap="flat" cmpd="sng" algn="ctr">
-                      <a:solidFill>
-                        <a:schemeClr val="accent1"/>
-                      </a:solidFill>
-                      <a:prstDash val="solid"/>
-                      <a:round/>
-                      <a:headEnd type="none" w="med" len="med"/>
-                      <a:tailEnd type="none" w="med" len="med"/>
-                    </a:lnR>
-                    <a:lnT w="12700" cap="flat" cmpd="sng" algn="ctr">
-                      <a:solidFill>
-                        <a:schemeClr val="accent1"/>
-                      </a:solidFill>
-                      <a:prstDash val="solid"/>
-                      <a:round/>
-                      <a:headEnd type="none" w="med" len="med"/>
-                      <a:tailEnd type="none" w="med" len="med"/>
-                    </a:lnT>
-                    <a:lnB w="12700" cap="flat" cmpd="sng" algn="ctr">
-                      <a:solidFill>
-                        <a:schemeClr val="accent1"/>
-                      </a:solidFill>
-                      <a:prstDash val="solid"/>
-                      <a:round/>
-                      <a:headEnd type="none" w="med" len="med"/>
-                      <a:tailEnd type="none" w="med" len="med"/>
-                    </a:lnB>
-                    <a:lnTlToBr w="12700" cmpd="sng">
-                      <a:noFill/>
-                      <a:prstDash val="solid"/>
-                    </a:lnTlToBr>
-                    <a:lnBlToTr w="12700" cmpd="sng">
-                      <a:noFill/>
-                      <a:prstDash val="solid"/>
-                    </a:lnBlToTr>
-                    <a:noFill/>
-                  </a:tcPr>
-                </a:tc>
-                <a:tc>
-                  <a:txBody>
-                    <a:bodyPr/>
-                    <a:lstStyle/>
-                    <a:p>
-                      <a:pPr algn="ctr"/>
-                      <a:r>
-                        <a:rPr lang="en-US" altLang="zh-CN" sz="1200" dirty="0" smtClean="0">
-                          <a:solidFill>
-                            <a:schemeClr val="tx1"/>
-                          </a:solidFill>
-                          <a:latin typeface="Arial" panose="020B0604020202020204" pitchFamily="34" charset="0"/>
-                          <a:cs typeface="Arial" panose="020B0604020202020204" pitchFamily="34" charset="0"/>
-                        </a:rPr>
-                        <a:t>O(s, s) </a:t>
-                      </a:r>
-                      <a:r>
-                        <a:rPr lang="en-US" altLang="zh-CN" sz="1200" dirty="0" smtClean="0">
-                          <a:solidFill>
-                            <a:schemeClr val="tx1"/>
-                          </a:solidFill>
-                          <a:latin typeface="Arial" panose="020B0604020202020204" pitchFamily="34" charset="0"/>
-                          <a:ea typeface="맑은 고딕" panose="020B0503020000020004" pitchFamily="50" charset="-127"/>
-                          <a:cs typeface="Arial" panose="020B0604020202020204" pitchFamily="34" charset="0"/>
-                        </a:rPr>
-                        <a:t>← D(s)</a:t>
-                      </a:r>
-                    </a:p>
-                    <a:p>
-                      <a:pPr algn="ctr"/>
-                      <a:r>
-                        <a:rPr lang="en-US" altLang="zh-CN" sz="1200" dirty="0" smtClean="0">
-                          <a:solidFill>
-                            <a:schemeClr val="tx1"/>
-                          </a:solidFill>
-                          <a:latin typeface="Arial" panose="020B0604020202020204" pitchFamily="34" charset="0"/>
-                          <a:cs typeface="Arial" panose="020B0604020202020204" pitchFamily="34" charset="0"/>
-                        </a:rPr>
-                        <a:t>O(o, s) </a:t>
-                      </a:r>
-                      <a:r>
-                        <a:rPr lang="en-US" altLang="zh-CN" sz="1200" dirty="0" smtClean="0">
-                          <a:solidFill>
-                            <a:schemeClr val="tx1"/>
-                          </a:solidFill>
-                          <a:latin typeface="Arial" panose="020B0604020202020204" pitchFamily="34" charset="0"/>
-                          <a:ea typeface="맑은 고딕" panose="020B0503020000020004" pitchFamily="50" charset="-127"/>
-                          <a:cs typeface="Arial" panose="020B0604020202020204" pitchFamily="34" charset="0"/>
-                        </a:rPr>
-                        <a:t>← D(s)</a:t>
-                      </a:r>
-                    </a:p>
-                    <a:p>
-                      <a:pPr marL="0" marR="0" indent="0" algn="ctr" defTabSz="914400" rtl="0" eaLnBrk="1" fontAlgn="auto" latinLnBrk="0" hangingPunct="1">
-                        <a:lnSpc>
-                          <a:spcPct val="100000"/>
-                        </a:lnSpc>
-                        <a:spcBef>
-                          <a:spcPts val="0"/>
-                        </a:spcBef>
-                        <a:spcAft>
-                          <a:spcPts val="0"/>
-                        </a:spcAft>
-                        <a:buClrTx/>
-                        <a:buSzTx/>
-                        <a:buFontTx/>
-                        <a:buNone/>
-                        <a:tabLst/>
-                        <a:defRPr/>
-                      </a:pPr>
-                      <a:r>
-                        <a:rPr lang="en-US" altLang="zh-CN" sz="1200" dirty="0" smtClean="0">
-                          <a:solidFill>
-                            <a:schemeClr val="tx1"/>
-                          </a:solidFill>
-                          <a:latin typeface="Arial" panose="020B0604020202020204" pitchFamily="34" charset="0"/>
-                          <a:cs typeface="Arial" panose="020B0604020202020204" pitchFamily="34" charset="0"/>
-                        </a:rPr>
-                        <a:t>O(o, s) </a:t>
-                      </a:r>
-                      <a:r>
-                        <a:rPr lang="en-US" altLang="zh-CN" sz="1200" dirty="0" smtClean="0">
-                          <a:solidFill>
-                            <a:schemeClr val="tx1"/>
-                          </a:solidFill>
-                          <a:latin typeface="Arial" panose="020B0604020202020204" pitchFamily="34" charset="0"/>
-                          <a:ea typeface="맑은 고딕" panose="020B0503020000020004" pitchFamily="50" charset="-127"/>
-                          <a:cs typeface="Arial" panose="020B0604020202020204" pitchFamily="34" charset="0"/>
-                        </a:rPr>
-                        <a:t>→ D(s)</a:t>
-                      </a:r>
-                    </a:p>
-                    <a:p>
-                      <a:pPr marL="0" marR="0" indent="0" algn="ctr" defTabSz="914400" rtl="0" eaLnBrk="1" fontAlgn="auto" latinLnBrk="0" hangingPunct="1">
-                        <a:lnSpc>
-                          <a:spcPct val="100000"/>
-                        </a:lnSpc>
-                        <a:spcBef>
-                          <a:spcPts val="0"/>
-                        </a:spcBef>
-                        <a:spcAft>
-                          <a:spcPts val="0"/>
-                        </a:spcAft>
-                        <a:buClrTx/>
-                        <a:buSzTx/>
-                        <a:buFontTx/>
-                        <a:buNone/>
-                        <a:tabLst/>
-                        <a:defRPr/>
-                      </a:pPr>
-                      <a:r>
-                        <a:rPr lang="en-US" altLang="zh-CN" sz="1200" dirty="0" smtClean="0">
-                          <a:solidFill>
-                            <a:schemeClr val="tx1"/>
-                          </a:solidFill>
-                          <a:latin typeface="Arial" panose="020B0604020202020204" pitchFamily="34" charset="0"/>
-                          <a:cs typeface="Arial" panose="020B0604020202020204" pitchFamily="34" charset="0"/>
-                        </a:rPr>
-                        <a:t>O(s, s) </a:t>
-                      </a:r>
-                      <a:r>
-                        <a:rPr lang="en-US" altLang="zh-CN" sz="1200" dirty="0" smtClean="0">
-                          <a:solidFill>
-                            <a:schemeClr val="tx1"/>
-                          </a:solidFill>
-                          <a:latin typeface="Arial" panose="020B0604020202020204" pitchFamily="34" charset="0"/>
-                          <a:ea typeface="맑은 고딕" panose="020B0503020000020004" pitchFamily="50" charset="-127"/>
-                          <a:cs typeface="Arial" panose="020B0604020202020204" pitchFamily="34" charset="0"/>
-                        </a:rPr>
-                        <a:t>→ D(s)</a:t>
-                      </a:r>
-                    </a:p>
-                    <a:p>
-                      <a:pPr marL="0" marR="0" indent="0" algn="ctr" defTabSz="914400" rtl="0" eaLnBrk="1" fontAlgn="auto" latinLnBrk="0" hangingPunct="1">
-                        <a:lnSpc>
-                          <a:spcPct val="100000"/>
-                        </a:lnSpc>
-                        <a:spcBef>
-                          <a:spcPts val="0"/>
-                        </a:spcBef>
-                        <a:spcAft>
-                          <a:spcPts val="0"/>
-                        </a:spcAft>
-                        <a:buClrTx/>
-                        <a:buSzTx/>
-                        <a:buFontTx/>
-                        <a:buNone/>
-                        <a:tabLst/>
-                        <a:defRPr/>
-                      </a:pPr>
-                      <a:r>
-                        <a:rPr lang="en-US" altLang="zh-CN" sz="1200" dirty="0" smtClean="0">
-                          <a:solidFill>
-                            <a:schemeClr val="tx1"/>
-                          </a:solidFill>
-                          <a:latin typeface="Arial" panose="020B0604020202020204" pitchFamily="34" charset="0"/>
-                          <a:cs typeface="Arial" panose="020B0604020202020204" pitchFamily="34" charset="0"/>
-                        </a:rPr>
-                        <a:t>O(s, s) </a:t>
-                      </a:r>
-                      <a:r>
-                        <a:rPr lang="en-US" altLang="zh-CN" sz="1200" dirty="0" smtClean="0">
-                          <a:solidFill>
-                            <a:schemeClr val="tx1"/>
-                          </a:solidFill>
-                          <a:latin typeface="Arial" panose="020B0604020202020204" pitchFamily="34" charset="0"/>
-                          <a:ea typeface="맑은 고딕" panose="020B0503020000020004" pitchFamily="50" charset="-127"/>
-                          <a:cs typeface="Arial" panose="020B0604020202020204" pitchFamily="34" charset="0"/>
-                        </a:rPr>
-                        <a:t>↔ D(s)</a:t>
-                      </a:r>
-                    </a:p>
-                  </a:txBody>
-                  <a:tcPr anchor="ctr">
-                    <a:lnL w="12700" cap="flat" cmpd="sng" algn="ctr">
-                      <a:solidFill>
-                        <a:schemeClr val="accent1"/>
-                      </a:solidFill>
-                      <a:prstDash val="solid"/>
-                      <a:round/>
-                      <a:headEnd type="none" w="med" len="med"/>
-                      <a:tailEnd type="none" w="med" len="med"/>
-                    </a:lnL>
-                    <a:lnR w="12700" cap="flat" cmpd="sng" algn="ctr">
-                      <a:solidFill>
-                        <a:schemeClr val="accent1"/>
-                      </a:solidFill>
-                      <a:prstDash val="solid"/>
-                      <a:round/>
-                      <a:headEnd type="none" w="med" len="med"/>
-                      <a:tailEnd type="none" w="med" len="med"/>
-                    </a:lnR>
-                    <a:lnT w="12700" cap="flat" cmpd="sng" algn="ctr">
-                      <a:solidFill>
-                        <a:schemeClr val="accent1"/>
-                      </a:solidFill>
-                      <a:prstDash val="solid"/>
-                      <a:round/>
-                      <a:headEnd type="none" w="med" len="med"/>
-                      <a:tailEnd type="none" w="med" len="med"/>
-                    </a:lnT>
-                    <a:lnB w="12700" cap="flat" cmpd="sng" algn="ctr">
-                      <a:solidFill>
-                        <a:schemeClr val="accent1"/>
-                      </a:solidFill>
-                      <a:prstDash val="solid"/>
-                      <a:round/>
-                      <a:headEnd type="none" w="med" len="med"/>
-                      <a:tailEnd type="none" w="med" len="med"/>
-                    </a:lnB>
-                    <a:lnTlToBr w="12700" cmpd="sng">
-                      <a:noFill/>
-                      <a:prstDash val="solid"/>
-                    </a:lnTlToBr>
-                    <a:lnBlToTr w="12700" cmpd="sng">
-                      <a:noFill/>
-                      <a:prstDash val="solid"/>
-                    </a:lnBlToTr>
-                    <a:noFill/>
-                  </a:tcPr>
-                </a:tc>
-                <a:extLst>
-                  <a:ext uri="{0D108BD9-81ED-4DB2-BD59-A6C34878D82A}">
-                    <a16:rowId xmlns:a16="http://schemas.microsoft.com/office/drawing/2014/main" val="560781437"/>
-                  </a:ext>
-                </a:extLst>
-              </a:tr>
-            </a:tbl>
-          </a:graphicData>
-        </a:graphic>
-      </p:graphicFrame>
-      <p:sp>
-        <p:nvSpPr>
-          <p:cNvPr id="10" name="제목 2"/>
-          <p:cNvSpPr>
-            <a:spLocks noGrp="1"/>
-          </p:cNvSpPr>
-          <p:nvPr>
-            <p:ph type="title"/>
-          </p:nvPr>
-        </p:nvSpPr>
-        <p:spPr>
-          <a:xfrm>
-            <a:off x="49524" y="923477"/>
-            <a:ext cx="8372163" cy="574183"/>
-          </a:xfrm>
-        </p:spPr>
-        <p:txBody>
-          <a:bodyPr>
-            <a:normAutofit/>
-          </a:bodyPr>
-          <a:lstStyle/>
-          <a:p>
-            <a:pPr lvl="0"/>
-            <a:r>
-              <a:rPr lang="en-US" altLang="zh-CN" sz="2400" dirty="0" smtClean="0"/>
-              <a:t>Analyzing updating rules</a:t>
-            </a:r>
-            <a:endParaRPr lang="zh-CN" altLang="en-US" sz="2800" dirty="0"/>
-          </a:p>
-        </p:txBody>
-      </p:sp>
-    </p:spTree>
-    <p:extLst>
-      <p:ext uri="{BB962C8B-B14F-4D97-AF65-F5344CB8AC3E}">
-        <p14:creationId xmlns:p14="http://schemas.microsoft.com/office/powerpoint/2010/main" val="3702731808"/>
-      </p:ext>
-    </p:extLst>
-  </p:cSld>
-  <p:clrMapOvr>
-    <a:masterClrMapping/>
-  </p:clrMapOvr>
-</p:sld>
-</file>
-
-<file path=ppt/slides/slide12.xml><?xml version="1.0" encoding="utf-8"?>
-<p:sld xmlns:a="http://schemas.openxmlformats.org/drawingml/2006/main" xmlns:r="http://schemas.openxmlformats.org/officeDocument/2006/relationships" xmlns:p="http://schemas.openxmlformats.org/presentationml/2006/main">
-  <p:cSld>
-    <p:spTree>
-      <p:nvGrpSpPr>
-        <p:cNvPr id="1" name=""/>
-        <p:cNvGrpSpPr/>
-        <p:nvPr/>
-      </p:nvGrpSpPr>
-      <p:grpSpPr>
-        <a:xfrm>
-          <a:off x="0" y="0"/>
-          <a:ext cx="0" cy="0"/>
-          <a:chOff x="0" y="0"/>
-          <a:chExt cx="0" cy="0"/>
-        </a:xfrm>
-      </p:grpSpPr>
       <p:sp>
         <p:nvSpPr>
           <p:cNvPr id="3" name="제목 2"/>
@@ -11747,25 +9761,8 @@
                 <a:latin typeface="Arial" panose="020B0604020202020204" pitchFamily="34" charset="0"/>
                 <a:cs typeface="Arial" panose="020B0604020202020204" pitchFamily="34" charset="0"/>
               </a:rPr>
-              <a:t>Finding key </a:t>
-            </a:r>
-            <a:r>
-              <a:rPr lang="en-US" altLang="zh-CN" sz="2000" dirty="0" smtClean="0">
-                <a:solidFill>
-                  <a:srgbClr val="000000"/>
-                </a:solidFill>
-                <a:latin typeface="Arial" panose="020B0604020202020204" pitchFamily="34" charset="0"/>
-                <a:cs typeface="Arial" panose="020B0604020202020204" pitchFamily="34" charset="0"/>
-              </a:rPr>
-              <a:t>node with different conditions</a:t>
-            </a:r>
-            <a:endParaRPr lang="en-US" altLang="zh-CN" sz="2000" dirty="0" smtClean="0">
-              <a:solidFill>
-                <a:srgbClr val="000000"/>
-              </a:solidFill>
-              <a:latin typeface="Arial" panose="020B0604020202020204" pitchFamily="34" charset="0"/>
-              <a:cs typeface="Arial" panose="020B0604020202020204" pitchFamily="34" charset="0"/>
-            </a:endParaRPr>
+              <a:t>Finding key node with different conditions</a:t>
+            </a:r>
           </a:p>
           <a:p>
             <a:pPr lvl="0">
@@ -11795,17 +9792,7 @@
                 <a:latin typeface="Arial" panose="020B0604020202020204" pitchFamily="34" charset="0"/>
                 <a:cs typeface="Arial" panose="020B0604020202020204" pitchFamily="34" charset="0"/>
               </a:rPr>
-              <a:t>   </a:t>
-            </a:r>
-            <a:r>
-              <a:rPr lang="en-US" altLang="zh-CN" dirty="0" smtClean="0">
-                <a:solidFill>
-                  <a:srgbClr val="000000"/>
-                </a:solidFill>
-                <a:latin typeface="Arial" panose="020B0604020202020204" pitchFamily="34" charset="0"/>
-                <a:cs typeface="Arial" panose="020B0604020202020204" pitchFamily="34" charset="0"/>
-              </a:rPr>
-              <a:t>- finding key nodes on two-layer network with different edges</a:t>
+              <a:t>   - finding key nodes on two-layer network with different edges</a:t>
             </a:r>
           </a:p>
           <a:p>
@@ -11857,17 +9844,7 @@
                 <a:latin typeface="Arial" panose="020B0604020202020204" pitchFamily="34" charset="0"/>
                 <a:cs typeface="Arial" panose="020B0604020202020204" pitchFamily="34" charset="0"/>
               </a:rPr>
-              <a:t>    - finding key nodes on </a:t>
-            </a:r>
-            <a:r>
-              <a:rPr lang="en-US" altLang="zh-CN" dirty="0" smtClean="0">
-                <a:solidFill>
-                  <a:srgbClr val="000000"/>
-                </a:solidFill>
-                <a:latin typeface="Arial" panose="020B0604020202020204" pitchFamily="34" charset="0"/>
-                <a:cs typeface="Arial" panose="020B0604020202020204" pitchFamily="34" charset="0"/>
-              </a:rPr>
-              <a:t>hierarchical models</a:t>
+              <a:t>    - finding key nodes on hierarchical models</a:t>
             </a:r>
           </a:p>
           <a:p>
@@ -12140,7 +10117,7 @@
 </p:sld>
 </file>
 
-<file path=ppt/slides/slide13.xml><?xml version="1.0" encoding="utf-8"?>
+<file path=ppt/slides/slide12.xml><?xml version="1.0" encoding="utf-8"?>
 <p:sld xmlns:a="http://schemas.openxmlformats.org/drawingml/2006/main" xmlns:r="http://schemas.openxmlformats.org/officeDocument/2006/relationships" xmlns:p="http://schemas.openxmlformats.org/presentationml/2006/main">
   <p:cSld>
     <p:spTree>
@@ -12479,17 +10456,7 @@
                 <a:latin typeface="Arial" panose="020B0604020202020204" pitchFamily="34" charset="0"/>
                 <a:cs typeface="Arial" panose="020B0604020202020204" pitchFamily="34" charset="0"/>
               </a:rPr>
-              <a:t>   - </a:t>
-            </a:r>
-            <a:r>
-              <a:rPr lang="en-US" altLang="zh-CN" sz="1600" dirty="0" smtClean="0">
-                <a:solidFill>
-                  <a:srgbClr val="000000"/>
-                </a:solidFill>
-                <a:latin typeface="Arial" panose="020B0604020202020204" pitchFamily="34" charset="0"/>
-                <a:cs typeface="Arial" panose="020B0604020202020204" pitchFamily="34" charset="0"/>
-              </a:rPr>
-              <a:t>Changing the number of external edges : Hierarchical Model </a:t>
+              <a:t>   - Changing the number of external edges : Hierarchical Model </a:t>
             </a:r>
           </a:p>
           <a:p>
@@ -12522,13 +10489,6 @@
               </a:rPr>
               <a:t>   - Changing the number of internal edges </a:t>
             </a:r>
-            <a:endParaRPr lang="en-US" altLang="zh-CN" sz="1600" dirty="0" smtClean="0">
-              <a:solidFill>
-                <a:srgbClr val="000000"/>
-              </a:solidFill>
-              <a:latin typeface="Arial" panose="020B0604020202020204" pitchFamily="34" charset="0"/>
-              <a:cs typeface="Arial" panose="020B0604020202020204" pitchFamily="34" charset="0"/>
-            </a:endParaRPr>
           </a:p>
           <a:p>
             <a:pPr lvl="0">
@@ -12629,17 +10589,7 @@
                 <a:latin typeface="Arial" panose="020B0604020202020204" pitchFamily="34" charset="0"/>
                 <a:cs typeface="Arial" panose="020B0604020202020204" pitchFamily="34" charset="0"/>
               </a:rPr>
-              <a:t>   </a:t>
-            </a:r>
-            <a:r>
-              <a:rPr lang="en-US" altLang="zh-CN" sz="1600" dirty="0" smtClean="0">
-                <a:solidFill>
-                  <a:srgbClr val="000000"/>
-                </a:solidFill>
-                <a:latin typeface="Arial" panose="020B0604020202020204" pitchFamily="34" charset="0"/>
-                <a:cs typeface="Arial" panose="020B0604020202020204" pitchFamily="34" charset="0"/>
-              </a:rPr>
-              <a:t>- Simultaneous updating rule vs Sequential updating rule</a:t>
+              <a:t>   - Simultaneous updating rule vs Sequential updating rule</a:t>
             </a:r>
           </a:p>
           <a:p>
@@ -15139,254 +13089,9 @@
           <a:chExt cx="0" cy="0"/>
         </a:xfrm>
       </p:grpSpPr>
-      <p:pic>
-        <p:nvPicPr>
-          <p:cNvPr id="3" name="그림 2"/>
-          <p:cNvPicPr>
-            <a:picLocks noChangeAspect="1"/>
-          </p:cNvPicPr>
-          <p:nvPr/>
-        </p:nvPicPr>
-        <p:blipFill rotWithShape="1">
-          <a:blip r:embed="rId3">
-            <a:extLst>
-              <a:ext uri="{28A0092B-C50C-407E-A947-70E740481C1C}">
-                <a14:useLocalDpi xmlns:a14="http://schemas.microsoft.com/office/drawing/2010/main" val="0"/>
-              </a:ext>
-            </a:extLst>
-          </a:blip>
-          <a:srcRect l="8731" t="10994" r="9365" b="4972"/>
-          <a:stretch/>
-        </p:blipFill>
-        <p:spPr>
-          <a:xfrm>
-            <a:off x="616902" y="1774661"/>
-            <a:ext cx="7804785" cy="4537665"/>
-          </a:xfrm>
-          <a:prstGeom prst="rect">
-            <a:avLst/>
-          </a:prstGeom>
-        </p:spPr>
-      </p:pic>
-      <p:sp>
-        <p:nvSpPr>
-          <p:cNvPr id="4" name="TextBox 3"/>
-          <p:cNvSpPr txBox="1"/>
-          <p:nvPr/>
-        </p:nvSpPr>
-        <p:spPr>
-          <a:xfrm>
-            <a:off x="1988503" y="2072633"/>
-            <a:ext cx="1057275" cy="246221"/>
-          </a:xfrm>
-          <a:prstGeom prst="rect">
-            <a:avLst/>
-          </a:prstGeom>
-          <a:noFill/>
-        </p:spPr>
-        <p:txBody>
-          <a:bodyPr wrap="square" rtlCol="0" anchor="ctr">
-            <a:spAutoFit/>
-          </a:bodyPr>
-          <a:lstStyle/>
-          <a:p>
-            <a:pPr algn="ctr"/>
-            <a:r>
-              <a:rPr lang="en-US" altLang="zh-CN" sz="1000" dirty="0" smtClean="0">
-                <a:latin typeface="Arial" panose="020B0604020202020204" pitchFamily="34" charset="0"/>
-                <a:cs typeface="Arial" panose="020B0604020202020204" pitchFamily="34" charset="0"/>
-              </a:rPr>
-              <a:t>① Branch point</a:t>
-            </a:r>
-            <a:endParaRPr lang="zh-CN" altLang="en-US" sz="1000" dirty="0">
-              <a:latin typeface="Arial" panose="020B0604020202020204" pitchFamily="34" charset="0"/>
-              <a:cs typeface="Arial" panose="020B0604020202020204" pitchFamily="34" charset="0"/>
-            </a:endParaRPr>
-          </a:p>
-        </p:txBody>
-      </p:sp>
-      <p:cxnSp>
-        <p:nvCxnSpPr>
-          <p:cNvPr id="7" name="직선 화살표 연결선 6"/>
-          <p:cNvCxnSpPr>
-            <a:stCxn id="4" idx="1"/>
-          </p:cNvCxnSpPr>
-          <p:nvPr/>
-        </p:nvCxnSpPr>
-        <p:spPr>
-          <a:xfrm flipH="1">
-            <a:off x="1455103" y="2195744"/>
-            <a:ext cx="533400" cy="306445"/>
-          </a:xfrm>
-          <a:prstGeom prst="straightConnector1">
-            <a:avLst/>
-          </a:prstGeom>
-          <a:ln>
-            <a:tailEnd type="triangle"/>
-          </a:ln>
-        </p:spPr>
-        <p:style>
-          <a:lnRef idx="1">
-            <a:schemeClr val="accent1"/>
-          </a:lnRef>
-          <a:fillRef idx="0">
-            <a:schemeClr val="accent1"/>
-          </a:fillRef>
-          <a:effectRef idx="0">
-            <a:schemeClr val="accent1"/>
-          </a:effectRef>
-          <a:fontRef idx="minor">
-            <a:schemeClr val="tx1"/>
-          </a:fontRef>
-        </p:style>
-      </p:cxnSp>
-      <p:sp>
-        <p:nvSpPr>
-          <p:cNvPr id="11" name="TextBox 10"/>
-          <p:cNvSpPr txBox="1"/>
-          <p:nvPr/>
-        </p:nvSpPr>
-        <p:spPr>
-          <a:xfrm>
-            <a:off x="2645727" y="3025133"/>
-            <a:ext cx="1076325" cy="246221"/>
-          </a:xfrm>
-          <a:prstGeom prst="rect">
-            <a:avLst/>
-          </a:prstGeom>
-          <a:noFill/>
-        </p:spPr>
-        <p:txBody>
-          <a:bodyPr wrap="square" rtlCol="0" anchor="ctr">
-            <a:spAutoFit/>
-          </a:bodyPr>
-          <a:lstStyle/>
-          <a:p>
-            <a:pPr algn="ctr"/>
-            <a:r>
-              <a:rPr lang="en-US" altLang="zh-CN" sz="1000" dirty="0" smtClean="0">
-                <a:latin typeface="Arial" panose="020B0604020202020204" pitchFamily="34" charset="0"/>
-                <a:cs typeface="Arial" panose="020B0604020202020204" pitchFamily="34" charset="0"/>
-              </a:rPr>
-              <a:t>③ Branch point</a:t>
-            </a:r>
-            <a:endParaRPr lang="zh-CN" altLang="en-US" sz="1000" dirty="0">
-              <a:latin typeface="Arial" panose="020B0604020202020204" pitchFamily="34" charset="0"/>
-              <a:cs typeface="Arial" panose="020B0604020202020204" pitchFamily="34" charset="0"/>
-            </a:endParaRPr>
-          </a:p>
-        </p:txBody>
-      </p:sp>
-      <p:cxnSp>
-        <p:nvCxnSpPr>
-          <p:cNvPr id="12" name="직선 화살표 연결선 11"/>
-          <p:cNvCxnSpPr>
-            <a:stCxn id="11" idx="1"/>
-          </p:cNvCxnSpPr>
-          <p:nvPr/>
-        </p:nvCxnSpPr>
-        <p:spPr>
-          <a:xfrm flipH="1">
-            <a:off x="2112329" y="3148244"/>
-            <a:ext cx="533398" cy="306445"/>
-          </a:xfrm>
-          <a:prstGeom prst="straightConnector1">
-            <a:avLst/>
-          </a:prstGeom>
-          <a:ln>
-            <a:tailEnd type="triangle"/>
-          </a:ln>
-        </p:spPr>
-        <p:style>
-          <a:lnRef idx="1">
-            <a:schemeClr val="accent1"/>
-          </a:lnRef>
-          <a:fillRef idx="0">
-            <a:schemeClr val="accent1"/>
-          </a:fillRef>
-          <a:effectRef idx="0">
-            <a:schemeClr val="accent1"/>
-          </a:effectRef>
-          <a:fontRef idx="minor">
-            <a:schemeClr val="tx1"/>
-          </a:fontRef>
-        </p:style>
-      </p:cxnSp>
-      <p:sp>
-        <p:nvSpPr>
-          <p:cNvPr id="13" name="TextBox 12"/>
-          <p:cNvSpPr txBox="1"/>
-          <p:nvPr/>
-        </p:nvSpPr>
-        <p:spPr>
-          <a:xfrm>
-            <a:off x="674052" y="4347682"/>
-            <a:ext cx="1104901" cy="246221"/>
-          </a:xfrm>
-          <a:prstGeom prst="rect">
-            <a:avLst/>
-          </a:prstGeom>
-          <a:noFill/>
-        </p:spPr>
-        <p:txBody>
-          <a:bodyPr wrap="square" rtlCol="0" anchor="ctr">
-            <a:spAutoFit/>
-          </a:bodyPr>
-          <a:lstStyle/>
-          <a:p>
-            <a:pPr algn="ctr"/>
-            <a:r>
-              <a:rPr lang="en-US" altLang="zh-CN" sz="1000" dirty="0" smtClean="0">
-                <a:latin typeface="Arial" panose="020B0604020202020204" pitchFamily="34" charset="0"/>
-                <a:cs typeface="Arial" panose="020B0604020202020204" pitchFamily="34" charset="0"/>
-              </a:rPr>
-              <a:t>②  Branch point</a:t>
-            </a:r>
-            <a:endParaRPr lang="zh-CN" altLang="en-US" sz="1000" dirty="0">
-              <a:latin typeface="Arial" panose="020B0604020202020204" pitchFamily="34" charset="0"/>
-              <a:cs typeface="Arial" panose="020B0604020202020204" pitchFamily="34" charset="0"/>
-            </a:endParaRPr>
-          </a:p>
-        </p:txBody>
-      </p:sp>
-      <p:cxnSp>
-        <p:nvCxnSpPr>
-          <p:cNvPr id="14" name="직선 화살표 연결선 13"/>
-          <p:cNvCxnSpPr>
-            <a:stCxn id="13" idx="0"/>
-          </p:cNvCxnSpPr>
-          <p:nvPr/>
-        </p:nvCxnSpPr>
-        <p:spPr>
-          <a:xfrm flipV="1">
-            <a:off x="1226503" y="3866376"/>
-            <a:ext cx="495300" cy="481306"/>
-          </a:xfrm>
-          <a:prstGeom prst="straightConnector1">
-            <a:avLst/>
-          </a:prstGeom>
-          <a:ln>
-            <a:tailEnd type="triangle"/>
-          </a:ln>
-        </p:spPr>
-        <p:style>
-          <a:lnRef idx="1">
-            <a:schemeClr val="accent1"/>
-          </a:lnRef>
-          <a:fillRef idx="0">
-            <a:schemeClr val="accent1"/>
-          </a:fillRef>
-          <a:effectRef idx="0">
-            <a:schemeClr val="accent1"/>
-          </a:effectRef>
-          <a:fontRef idx="minor">
-            <a:schemeClr val="tx1"/>
-          </a:fontRef>
-        </p:style>
-      </p:cxnSp>
-      <p:sp>
-        <p:nvSpPr>
-          <p:cNvPr id="10" name="제목 2"/>
+      <p:sp>
+        <p:nvSpPr>
+          <p:cNvPr id="3" name="제목 2"/>
           <p:cNvSpPr>
             <a:spLocks noGrp="1"/>
           </p:cNvSpPr>
@@ -15396,35 +13101,520 @@
         </p:nvSpPr>
         <p:spPr>
           <a:xfrm>
-            <a:off x="49524" y="923477"/>
+            <a:off x="0" y="986977"/>
             <a:ext cx="8372163" cy="574183"/>
           </a:xfrm>
         </p:spPr>
         <p:txBody>
-          <a:bodyPr>
-            <a:normAutofit/>
+          <a:bodyPr/>
+          <a:lstStyle/>
+          <a:p>
+            <a:r>
+              <a:rPr lang="en-US" altLang="zh-CN" dirty="0" smtClean="0"/>
+              <a:t>Analysis for finding key nodes</a:t>
+            </a:r>
+            <a:endParaRPr lang="zh-CN" altLang="en-US" dirty="0"/>
+          </a:p>
+        </p:txBody>
+      </p:sp>
+      <p:sp>
+        <p:nvSpPr>
+          <p:cNvPr id="4" name="직사각형 3"/>
+          <p:cNvSpPr/>
+          <p:nvPr/>
+        </p:nvSpPr>
+        <p:spPr>
+          <a:xfrm>
+            <a:off x="0" y="1796976"/>
+            <a:ext cx="9144000" cy="4796185"/>
+          </a:xfrm>
+          <a:prstGeom prst="rect">
+            <a:avLst/>
+          </a:prstGeom>
+        </p:spPr>
+        <p:txBody>
+          <a:bodyPr wrap="square">
+            <a:spAutoFit/>
           </a:bodyPr>
           <a:lstStyle/>
           <a:p>
-            <a:pPr lvl="0"/>
-            <a:r>
-              <a:rPr lang="en-US" altLang="zh-CN" sz="2400" dirty="0" smtClean="0"/>
-              <a:t>Analyzing updating rules</a:t>
-            </a:r>
-            <a:endParaRPr lang="zh-CN" altLang="en-US" sz="2800" dirty="0"/>
+            <a:pPr marL="228600" lvl="0" indent="-228600">
+              <a:spcBef>
+                <a:spcPts val="1000"/>
+              </a:spcBef>
+              <a:buClr>
+                <a:srgbClr val="004098"/>
+              </a:buClr>
+              <a:buSzPct val="100000"/>
+              <a:buFont typeface="Calibri" panose="020F0502020204030204" pitchFamily="34" charset="0"/>
+              <a:buChar char="▪"/>
+            </a:pPr>
+            <a:r>
+              <a:rPr lang="en-US" altLang="zh-CN" sz="2000" dirty="0" smtClean="0">
+                <a:solidFill>
+                  <a:srgbClr val="000000"/>
+                </a:solidFill>
+                <a:latin typeface="Arial" panose="020B0604020202020204" pitchFamily="34" charset="0"/>
+                <a:cs typeface="Arial" panose="020B0604020202020204" pitchFamily="34" charset="0"/>
+              </a:rPr>
+              <a:t>Relation between key nodes and the number of edges</a:t>
+            </a:r>
+          </a:p>
+          <a:p>
+            <a:pPr lvl="0">
+              <a:spcBef>
+                <a:spcPts val="1000"/>
+              </a:spcBef>
+              <a:buClr>
+                <a:srgbClr val="004098"/>
+              </a:buClr>
+              <a:buSzPct val="100000"/>
+            </a:pPr>
+            <a:r>
+              <a:rPr lang="en-US" altLang="zh-CN" sz="2000" dirty="0" smtClean="0">
+                <a:solidFill>
+                  <a:srgbClr val="000000"/>
+                </a:solidFill>
+                <a:latin typeface="Arial" panose="020B0604020202020204" pitchFamily="34" charset="0"/>
+                <a:cs typeface="Arial" panose="020B0604020202020204" pitchFamily="34" charset="0"/>
+              </a:rPr>
+              <a:t> </a:t>
+            </a:r>
+            <a:r>
+              <a:rPr lang="en-US" altLang="zh-CN" dirty="0" smtClean="0">
+                <a:solidFill>
+                  <a:srgbClr val="000000"/>
+                </a:solidFill>
+                <a:latin typeface="Arial" panose="020B0604020202020204" pitchFamily="34" charset="0"/>
+                <a:cs typeface="Arial" panose="020B0604020202020204" pitchFamily="34" charset="0"/>
+              </a:rPr>
+              <a:t>   - As the number of edges on layers increases, the orientation of layer is easy to </a:t>
+            </a:r>
+          </a:p>
+          <a:p>
+            <a:pPr lvl="0">
+              <a:spcBef>
+                <a:spcPts val="1000"/>
+              </a:spcBef>
+              <a:buClr>
+                <a:srgbClr val="004098"/>
+              </a:buClr>
+              <a:buSzPct val="100000"/>
+            </a:pPr>
+            <a:r>
+              <a:rPr lang="en-US" altLang="zh-CN" dirty="0">
+                <a:solidFill>
+                  <a:srgbClr val="000000"/>
+                </a:solidFill>
+                <a:latin typeface="Arial" panose="020B0604020202020204" pitchFamily="34" charset="0"/>
+                <a:cs typeface="Arial" panose="020B0604020202020204" pitchFamily="34" charset="0"/>
+              </a:rPr>
+              <a:t> </a:t>
+            </a:r>
+            <a:r>
+              <a:rPr lang="en-US" altLang="zh-CN" dirty="0" smtClean="0">
+                <a:solidFill>
+                  <a:srgbClr val="000000"/>
+                </a:solidFill>
+                <a:latin typeface="Arial" panose="020B0604020202020204" pitchFamily="34" charset="0"/>
+                <a:cs typeface="Arial" panose="020B0604020202020204" pitchFamily="34" charset="0"/>
+              </a:rPr>
+              <a:t>     </a:t>
+            </a:r>
+            <a:r>
+              <a:rPr lang="en-US" altLang="zh-CN" dirty="0" smtClean="0">
+                <a:solidFill>
+                  <a:srgbClr val="000000"/>
+                </a:solidFill>
+                <a:latin typeface="Arial" panose="020B0604020202020204" pitchFamily="34" charset="0"/>
+                <a:cs typeface="Arial" panose="020B0604020202020204" pitchFamily="34" charset="0"/>
+              </a:rPr>
+              <a:t>change though the ratio of unchanged node is small. </a:t>
+            </a:r>
+          </a:p>
+          <a:p>
+            <a:pPr lvl="0">
+              <a:spcBef>
+                <a:spcPts val="1000"/>
+              </a:spcBef>
+              <a:buClr>
+                <a:srgbClr val="004098"/>
+              </a:buClr>
+              <a:buSzPct val="100000"/>
+            </a:pPr>
+            <a:r>
+              <a:rPr lang="en-US" altLang="zh-CN" sz="1600" dirty="0" smtClean="0">
+                <a:solidFill>
+                  <a:srgbClr val="338D27"/>
+                </a:solidFill>
+                <a:latin typeface="Arial" panose="020B0604020202020204" pitchFamily="34" charset="0"/>
+                <a:cs typeface="Arial" panose="020B0604020202020204" pitchFamily="34" charset="0"/>
+              </a:rPr>
+              <a:t>      </a:t>
+            </a:r>
+            <a:r>
+              <a:rPr lang="en-US" altLang="zh-CN" sz="1600" dirty="0" smtClean="0">
+                <a:solidFill>
+                  <a:srgbClr val="338D27"/>
+                </a:solidFill>
+                <a:latin typeface="Arial" panose="020B0604020202020204" pitchFamily="34" charset="0"/>
+                <a:cs typeface="Arial" panose="020B0604020202020204" pitchFamily="34" charset="0"/>
+              </a:rPr>
+              <a:t>* </a:t>
+            </a:r>
+            <a:r>
+              <a:rPr lang="en-US" altLang="zh-CN" sz="1600" dirty="0" smtClean="0">
+                <a:solidFill>
+                  <a:srgbClr val="338D27"/>
+                </a:solidFill>
+                <a:latin typeface="Arial" panose="020B0604020202020204" pitchFamily="34" charset="0"/>
+                <a:cs typeface="Arial" panose="020B0604020202020204" pitchFamily="34" charset="0"/>
+              </a:rPr>
+              <a:t>the number of edges : 8,176 </a:t>
+            </a:r>
+            <a:r>
+              <a:rPr lang="en-US" altLang="zh-CN" sz="1600" dirty="0" smtClean="0">
+                <a:solidFill>
+                  <a:srgbClr val="338D27"/>
+                </a:solidFill>
+                <a:latin typeface="맑은 고딕" panose="020B0503020000020004" pitchFamily="50" charset="-127"/>
+                <a:ea typeface="맑은 고딕" panose="020B0503020000020004" pitchFamily="50" charset="-127"/>
+                <a:cs typeface="Arial" panose="020B0604020202020204" pitchFamily="34" charset="0"/>
+              </a:rPr>
+              <a:t>→ the ratio of unchanged node = 0.01, orientation changed</a:t>
+            </a:r>
+          </a:p>
+          <a:p>
+            <a:pPr lvl="0">
+              <a:spcBef>
+                <a:spcPts val="1000"/>
+              </a:spcBef>
+              <a:buClr>
+                <a:srgbClr val="004098"/>
+              </a:buClr>
+              <a:buSzPct val="100000"/>
+            </a:pPr>
+            <a:r>
+              <a:rPr lang="en-US" altLang="zh-CN" sz="1600" dirty="0">
+                <a:solidFill>
+                  <a:srgbClr val="338D27"/>
+                </a:solidFill>
+                <a:latin typeface="Arial" panose="020B0604020202020204" pitchFamily="34" charset="0"/>
+                <a:cs typeface="Arial" panose="020B0604020202020204" pitchFamily="34" charset="0"/>
+              </a:rPr>
+              <a:t> </a:t>
+            </a:r>
+            <a:r>
+              <a:rPr lang="en-US" altLang="zh-CN" sz="1600" dirty="0" smtClean="0">
+                <a:solidFill>
+                  <a:srgbClr val="338D27"/>
+                </a:solidFill>
+                <a:latin typeface="Arial" panose="020B0604020202020204" pitchFamily="34" charset="0"/>
+                <a:cs typeface="Arial" panose="020B0604020202020204" pitchFamily="34" charset="0"/>
+              </a:rPr>
+              <a:t>     * </a:t>
+            </a:r>
+            <a:r>
+              <a:rPr lang="en-US" altLang="zh-CN" sz="1600" dirty="0">
+                <a:solidFill>
+                  <a:srgbClr val="338D27"/>
+                </a:solidFill>
+                <a:latin typeface="Arial" panose="020B0604020202020204" pitchFamily="34" charset="0"/>
+                <a:cs typeface="Arial" panose="020B0604020202020204" pitchFamily="34" charset="0"/>
+              </a:rPr>
+              <a:t>the number of edges : </a:t>
+            </a:r>
+            <a:r>
+              <a:rPr lang="en-US" altLang="zh-CN" sz="1600" dirty="0" smtClean="0">
+                <a:solidFill>
+                  <a:srgbClr val="338D27"/>
+                </a:solidFill>
+                <a:latin typeface="Arial" panose="020B0604020202020204" pitchFamily="34" charset="0"/>
+                <a:cs typeface="Arial" panose="020B0604020202020204" pitchFamily="34" charset="0"/>
+              </a:rPr>
+              <a:t>6,136 </a:t>
+            </a:r>
+            <a:r>
+              <a:rPr lang="en-US" altLang="zh-CN" sz="1600" dirty="0">
+                <a:solidFill>
+                  <a:srgbClr val="338D27"/>
+                </a:solidFill>
+                <a:latin typeface="맑은 고딕" panose="020B0503020000020004" pitchFamily="50" charset="-127"/>
+                <a:ea typeface="맑은 고딕" panose="020B0503020000020004" pitchFamily="50" charset="-127"/>
+                <a:cs typeface="Arial" panose="020B0604020202020204" pitchFamily="34" charset="0"/>
+              </a:rPr>
+              <a:t>→ the ratio of unchanged node = </a:t>
+            </a:r>
+            <a:r>
+              <a:rPr lang="en-US" altLang="zh-CN" sz="1600" dirty="0" smtClean="0">
+                <a:solidFill>
+                  <a:srgbClr val="338D27"/>
+                </a:solidFill>
+                <a:latin typeface="맑은 고딕" panose="020B0503020000020004" pitchFamily="50" charset="-127"/>
+                <a:ea typeface="맑은 고딕" panose="020B0503020000020004" pitchFamily="50" charset="-127"/>
+                <a:cs typeface="Arial" panose="020B0604020202020204" pitchFamily="34" charset="0"/>
+              </a:rPr>
+              <a:t>0.07, </a:t>
+            </a:r>
+            <a:r>
+              <a:rPr lang="en-US" altLang="zh-CN" sz="1600" dirty="0">
+                <a:solidFill>
+                  <a:srgbClr val="338D27"/>
+                </a:solidFill>
+                <a:latin typeface="맑은 고딕" panose="020B0503020000020004" pitchFamily="50" charset="-127"/>
+                <a:ea typeface="맑은 고딕" panose="020B0503020000020004" pitchFamily="50" charset="-127"/>
+                <a:cs typeface="Arial" panose="020B0604020202020204" pitchFamily="34" charset="0"/>
+              </a:rPr>
+              <a:t>orientation </a:t>
+            </a:r>
+            <a:r>
+              <a:rPr lang="en-US" altLang="zh-CN" sz="1600" dirty="0" smtClean="0">
+                <a:solidFill>
+                  <a:srgbClr val="338D27"/>
+                </a:solidFill>
+                <a:latin typeface="맑은 고딕" panose="020B0503020000020004" pitchFamily="50" charset="-127"/>
+                <a:ea typeface="맑은 고딕" panose="020B0503020000020004" pitchFamily="50" charset="-127"/>
+                <a:cs typeface="Arial" panose="020B0604020202020204" pitchFamily="34" charset="0"/>
+              </a:rPr>
+              <a:t>changed</a:t>
+            </a:r>
+          </a:p>
+          <a:p>
+            <a:pPr lvl="0">
+              <a:spcBef>
+                <a:spcPts val="1000"/>
+              </a:spcBef>
+              <a:buClr>
+                <a:srgbClr val="004098"/>
+              </a:buClr>
+              <a:buSzPct val="100000"/>
+            </a:pPr>
+            <a:endParaRPr lang="en-US" altLang="zh-CN" dirty="0" smtClean="0">
+              <a:solidFill>
+                <a:srgbClr val="000000"/>
+              </a:solidFill>
+              <a:latin typeface="Arial" panose="020B0604020202020204" pitchFamily="34" charset="0"/>
+              <a:cs typeface="Arial" panose="020B0604020202020204" pitchFamily="34" charset="0"/>
+            </a:endParaRPr>
+          </a:p>
+          <a:p>
+            <a:pPr marL="228600" lvl="0" indent="-228600">
+              <a:spcBef>
+                <a:spcPts val="1000"/>
+              </a:spcBef>
+              <a:buClr>
+                <a:srgbClr val="004098"/>
+              </a:buClr>
+              <a:buSzPct val="100000"/>
+              <a:buFont typeface="Calibri" panose="020F0502020204030204" pitchFamily="34" charset="0"/>
+              <a:buChar char="▪"/>
+            </a:pPr>
+            <a:r>
+              <a:rPr lang="en-US" altLang="zh-CN" sz="2000" dirty="0" smtClean="0">
+                <a:solidFill>
+                  <a:srgbClr val="000000"/>
+                </a:solidFill>
+                <a:latin typeface="Arial" panose="020B0604020202020204" pitchFamily="34" charset="0"/>
+                <a:cs typeface="Arial" panose="020B0604020202020204" pitchFamily="34" charset="0"/>
+              </a:rPr>
+              <a:t>Efficient Method for finding key nodes</a:t>
+            </a:r>
+            <a:endParaRPr lang="en-US" altLang="zh-CN" sz="2000" dirty="0" smtClean="0">
+              <a:solidFill>
+                <a:srgbClr val="000000"/>
+              </a:solidFill>
+              <a:latin typeface="Arial" panose="020B0604020202020204" pitchFamily="34" charset="0"/>
+              <a:cs typeface="Arial" panose="020B0604020202020204" pitchFamily="34" charset="0"/>
+            </a:endParaRPr>
+          </a:p>
+          <a:p>
+            <a:pPr lvl="0">
+              <a:spcBef>
+                <a:spcPts val="1000"/>
+              </a:spcBef>
+              <a:buClr>
+                <a:srgbClr val="004098"/>
+              </a:buClr>
+              <a:buSzPct val="100000"/>
+            </a:pPr>
+            <a:r>
+              <a:rPr lang="en-US" altLang="zh-CN" dirty="0">
+                <a:solidFill>
+                  <a:srgbClr val="000000"/>
+                </a:solidFill>
+                <a:latin typeface="Arial" panose="020B0604020202020204" pitchFamily="34" charset="0"/>
+                <a:cs typeface="Arial" panose="020B0604020202020204" pitchFamily="34" charset="0"/>
+              </a:rPr>
+              <a:t> </a:t>
+            </a:r>
+            <a:r>
+              <a:rPr lang="en-US" altLang="zh-CN" dirty="0" smtClean="0">
+                <a:solidFill>
+                  <a:srgbClr val="000000"/>
+                </a:solidFill>
+                <a:latin typeface="Arial" panose="020B0604020202020204" pitchFamily="34" charset="0"/>
+                <a:cs typeface="Arial" panose="020B0604020202020204" pitchFamily="34" charset="0"/>
+              </a:rPr>
+              <a:t>   - </a:t>
+            </a:r>
+            <a:r>
+              <a:rPr lang="en-US" altLang="zh-CN" dirty="0" err="1" smtClean="0">
+                <a:solidFill>
+                  <a:srgbClr val="000000"/>
+                </a:solidFill>
+                <a:latin typeface="Arial" panose="020B0604020202020204" pitchFamily="34" charset="0"/>
+                <a:cs typeface="Arial" panose="020B0604020202020204" pitchFamily="34" charset="0"/>
+              </a:rPr>
+              <a:t>Pagerank</a:t>
+            </a:r>
+            <a:r>
+              <a:rPr lang="en-US" altLang="zh-CN" dirty="0" smtClean="0">
+                <a:solidFill>
+                  <a:srgbClr val="000000"/>
+                </a:solidFill>
+                <a:latin typeface="Arial" panose="020B0604020202020204" pitchFamily="34" charset="0"/>
+                <a:cs typeface="Arial" panose="020B0604020202020204" pitchFamily="34" charset="0"/>
+              </a:rPr>
+              <a:t> &gt; degree &gt; eigenvector &gt; random</a:t>
+            </a:r>
+          </a:p>
+          <a:p>
+            <a:pPr lvl="0">
+              <a:spcBef>
+                <a:spcPts val="1000"/>
+              </a:spcBef>
+              <a:buClr>
+                <a:srgbClr val="004098"/>
+              </a:buClr>
+              <a:buSzPct val="100000"/>
+            </a:pPr>
+            <a:r>
+              <a:rPr lang="en-US" altLang="zh-CN" sz="1600" dirty="0">
+                <a:solidFill>
+                  <a:srgbClr val="338D27"/>
+                </a:solidFill>
+                <a:latin typeface="Arial" panose="020B0604020202020204" pitchFamily="34" charset="0"/>
+                <a:cs typeface="Arial" panose="020B0604020202020204" pitchFamily="34" charset="0"/>
+              </a:rPr>
+              <a:t> </a:t>
+            </a:r>
+            <a:r>
+              <a:rPr lang="en-US" altLang="zh-CN" sz="1600" dirty="0" smtClean="0">
+                <a:solidFill>
+                  <a:srgbClr val="338D27"/>
+                </a:solidFill>
+                <a:latin typeface="Arial" panose="020B0604020202020204" pitchFamily="34" charset="0"/>
+                <a:cs typeface="Arial" panose="020B0604020202020204" pitchFamily="34" charset="0"/>
+              </a:rPr>
+              <a:t>     * when the number of edges is very large, all methods have the same influence.</a:t>
+            </a:r>
+          </a:p>
+          <a:p>
+            <a:pPr lvl="0">
+              <a:spcBef>
+                <a:spcPts val="1000"/>
+              </a:spcBef>
+              <a:buClr>
+                <a:srgbClr val="004098"/>
+              </a:buClr>
+              <a:buSzPct val="100000"/>
+            </a:pPr>
+            <a:r>
+              <a:rPr lang="en-US" altLang="zh-CN" sz="1600" dirty="0" smtClean="0">
+                <a:solidFill>
+                  <a:srgbClr val="338D27"/>
+                </a:solidFill>
+                <a:latin typeface="Arial" panose="020B0604020202020204" pitchFamily="34" charset="0"/>
+                <a:cs typeface="Arial" panose="020B0604020202020204" pitchFamily="34" charset="0"/>
+              </a:rPr>
+              <a:t>        (except </a:t>
+            </a:r>
+            <a:r>
+              <a:rPr lang="en-US" altLang="zh-CN" sz="1600" dirty="0">
+                <a:solidFill>
+                  <a:srgbClr val="338D27"/>
+                </a:solidFill>
+                <a:latin typeface="Arial" panose="020B0604020202020204" pitchFamily="34" charset="0"/>
+                <a:cs typeface="Arial" panose="020B0604020202020204" pitchFamily="34" charset="0"/>
+              </a:rPr>
+              <a:t>random </a:t>
+            </a:r>
+            <a:r>
+              <a:rPr lang="en-US" altLang="zh-CN" sz="1600" dirty="0" smtClean="0">
+                <a:solidFill>
+                  <a:srgbClr val="338D27"/>
+                </a:solidFill>
+                <a:latin typeface="Arial" panose="020B0604020202020204" pitchFamily="34" charset="0"/>
+                <a:cs typeface="Arial" panose="020B0604020202020204" pitchFamily="34" charset="0"/>
+              </a:rPr>
+              <a:t>method) </a:t>
+            </a:r>
+            <a:endParaRPr lang="en-US" altLang="zh-CN" dirty="0" smtClean="0">
+              <a:solidFill>
+                <a:srgbClr val="000000"/>
+              </a:solidFill>
+              <a:latin typeface="Arial" panose="020B0604020202020204" pitchFamily="34" charset="0"/>
+              <a:cs typeface="Arial" panose="020B0604020202020204" pitchFamily="34" charset="0"/>
+            </a:endParaRPr>
+          </a:p>
+          <a:p>
+            <a:pPr lvl="0">
+              <a:spcBef>
+                <a:spcPts val="1000"/>
+              </a:spcBef>
+              <a:buClr>
+                <a:srgbClr val="004098"/>
+              </a:buClr>
+              <a:buSzPct val="100000"/>
+            </a:pPr>
+            <a:endParaRPr lang="en-US" altLang="zh-CN" sz="2000" b="1" dirty="0" smtClean="0">
+              <a:solidFill>
+                <a:srgbClr val="000000"/>
+              </a:solidFill>
+              <a:latin typeface="Arial" panose="020B0604020202020204" pitchFamily="34" charset="0"/>
+              <a:cs typeface="Arial" panose="020B0604020202020204" pitchFamily="34" charset="0"/>
+            </a:endParaRPr>
+          </a:p>
+          <a:p>
+            <a:pPr lvl="0">
+              <a:spcBef>
+                <a:spcPts val="1000"/>
+              </a:spcBef>
+              <a:buClr>
+                <a:srgbClr val="004098"/>
+              </a:buClr>
+              <a:buSzPct val="100000"/>
+            </a:pPr>
+            <a:endParaRPr lang="en-US" altLang="zh-CN" sz="1600" dirty="0">
+              <a:solidFill>
+                <a:schemeClr val="accent3"/>
+              </a:solidFill>
+              <a:latin typeface="Arial" panose="020B0604020202020204" pitchFamily="34" charset="0"/>
+              <a:cs typeface="Arial" panose="020B0604020202020204" pitchFamily="34" charset="0"/>
+            </a:endParaRPr>
           </a:p>
         </p:txBody>
       </p:sp>
     </p:spTree>
     <p:extLst>
       <p:ext uri="{BB962C8B-B14F-4D97-AF65-F5344CB8AC3E}">
-        <p14:creationId xmlns:p14="http://schemas.microsoft.com/office/powerpoint/2010/main" val="1694040009"/>
+        <p14:creationId xmlns:p14="http://schemas.microsoft.com/office/powerpoint/2010/main" val="4114110291"/>
       </p:ext>
     </p:extLst>
   </p:cSld>
   <p:clrMapOvr>
     <a:masterClrMapping/>
   </p:clrMapOvr>
+  <p:transition spd="med">
+    <p:push/>
+  </p:transition>
+  <p:timing>
+    <p:tnLst>
+      <p:par>
+        <p:cTn id="1" dur="indefinite" restart="never" nodeType="tmRoot"/>
+      </p:par>
+    </p:tnLst>
+  </p:timing>
 </p:sld>
 </file>
 

--- a/progress12.pptx
+++ b/progress12.pptx
@@ -5,24 +5,28 @@
     <p:sldMasterId id="2147483802" r:id="rId1"/>
   </p:sldMasterIdLst>
   <p:notesMasterIdLst>
-    <p:notesMasterId r:id="rId14"/>
+    <p:notesMasterId r:id="rId18"/>
   </p:notesMasterIdLst>
   <p:handoutMasterIdLst>
-    <p:handoutMasterId r:id="rId15"/>
+    <p:handoutMasterId r:id="rId19"/>
   </p:handoutMasterIdLst>
   <p:sldIdLst>
     <p:sldId id="287" r:id="rId2"/>
     <p:sldId id="323" r:id="rId3"/>
     <p:sldId id="368" r:id="rId4"/>
-    <p:sldId id="349" r:id="rId5"/>
-    <p:sldId id="375" r:id="rId6"/>
-    <p:sldId id="376" r:id="rId7"/>
-    <p:sldId id="378" r:id="rId8"/>
-    <p:sldId id="379" r:id="rId9"/>
-    <p:sldId id="380" r:id="rId10"/>
-    <p:sldId id="381" r:id="rId11"/>
-    <p:sldId id="317" r:id="rId12"/>
-    <p:sldId id="357" r:id="rId13"/>
+    <p:sldId id="388" r:id="rId5"/>
+    <p:sldId id="349" r:id="rId6"/>
+    <p:sldId id="375" r:id="rId7"/>
+    <p:sldId id="376" r:id="rId8"/>
+    <p:sldId id="378" r:id="rId9"/>
+    <p:sldId id="379" r:id="rId10"/>
+    <p:sldId id="385" r:id="rId11"/>
+    <p:sldId id="386" r:id="rId12"/>
+    <p:sldId id="387" r:id="rId13"/>
+    <p:sldId id="380" r:id="rId14"/>
+    <p:sldId id="381" r:id="rId15"/>
+    <p:sldId id="317" r:id="rId16"/>
+    <p:sldId id="357" r:id="rId17"/>
   </p:sldIdLst>
   <p:sldSz cx="9144000" cy="6858000" type="screen4x3"/>
   <p:notesSz cx="6735763" cy="9799638"/>
@@ -218,7 +222,7 @@
           <a:p>
             <a:fld id="{202C1FBA-CF23-45CA-A289-03E32D160964}" type="datetimeFigureOut">
               <a:rPr lang="zh-CN" altLang="en-US" smtClean="0"/>
-              <a:t>2019/9/15</a:t>
+              <a:t>2019/9/18</a:t>
             </a:fld>
             <a:endParaRPr lang="zh-CN" altLang="en-US"/>
           </a:p>
@@ -383,7 +387,7 @@
           <a:p>
             <a:fld id="{6D966BD8-0FC1-456F-BDC6-7D0CA8E36566}" type="datetimeFigureOut">
               <a:rPr lang="zh-CN" altLang="en-US" smtClean="0"/>
-              <a:t>2019/9/15</a:t>
+              <a:t>2019/9/18</a:t>
             </a:fld>
             <a:endParaRPr lang="zh-CN" altLang="en-US"/>
           </a:p>
@@ -694,23 +698,14 @@
           <a:bodyPr/>
           <a:lstStyle/>
           <a:p>
-            <a:r>
-              <a:rPr lang="en-US" altLang="zh-CN" dirty="0" smtClean="0"/>
-              <a:t>Previously,</a:t>
-            </a:r>
+            <a:pPr fontAlgn="t"/>
             <a:r>
               <a:rPr lang="en-US" altLang="zh-CN" baseline="0" dirty="0" smtClean="0"/>
-              <a:t> I show you that updating rules make different states of two layers. </a:t>
-            </a:r>
-          </a:p>
-          <a:p>
-            <a:endParaRPr lang="en-US" altLang="zh-CN" baseline="0" dirty="0" smtClean="0"/>
-          </a:p>
-          <a:p>
-            <a:pPr fontAlgn="t"/>
+              <a:t>Today</a:t>
+            </a:r>
             <a:r>
               <a:rPr lang="en-US" altLang="zh-CN" baseline="0" dirty="0" smtClean="0"/>
-              <a:t>Today, I would </a:t>
+              <a:t>, I would </a:t>
             </a:r>
             <a:r>
               <a:rPr lang="en-US" altLang="ko-KR" sz="1200" b="0" i="0" kern="1200" dirty="0" smtClean="0">
@@ -722,10 +717,10 @@
                 <a:ea typeface="+mn-ea"/>
                 <a:cs typeface="+mn-cs"/>
               </a:rPr>
-              <a:t>give a supplementary explanation about</a:t>
-            </a:r>
-            <a:r>
-              <a:rPr lang="en-US" altLang="ko-KR" sz="1200" b="0" i="0" kern="1200" baseline="0" dirty="0" smtClean="0">
+              <a:t>give </a:t>
+            </a:r>
+            <a:r>
+              <a:rPr lang="en-US" altLang="ko-KR" sz="1200" b="0" i="0" kern="1200" dirty="0" smtClean="0">
                 <a:solidFill>
                   <a:schemeClr val="tx1"/>
                 </a:solidFill>
@@ -734,32 +729,10 @@
                 <a:ea typeface="+mn-ea"/>
                 <a:cs typeface="+mn-cs"/>
               </a:rPr>
-              <a:t> updating rules and consider what the dynamics order and updating rules means in real world. </a:t>
-            </a:r>
-            <a:endParaRPr lang="en-US" altLang="ko-KR" sz="1200" b="0" i="0" kern="1200" dirty="0" smtClean="0">
-              <a:solidFill>
-                <a:schemeClr val="tx1"/>
-              </a:solidFill>
-              <a:effectLst/>
-              <a:latin typeface="+mn-lt"/>
-              <a:ea typeface="+mn-ea"/>
-              <a:cs typeface="+mn-cs"/>
-            </a:endParaRPr>
-          </a:p>
-          <a:p>
-            <a:endParaRPr lang="en-US" altLang="zh-CN" sz="1200" b="0" i="0" kern="1200" dirty="0" smtClean="0">
-              <a:solidFill>
-                <a:schemeClr val="tx1"/>
-              </a:solidFill>
-              <a:effectLst/>
-              <a:latin typeface="+mn-lt"/>
-              <a:ea typeface="+mn-ea"/>
-              <a:cs typeface="+mn-cs"/>
-            </a:endParaRPr>
-          </a:p>
-          <a:p>
-            <a:r>
-              <a:rPr lang="en-US" altLang="zh-CN" sz="1200" b="0" i="0" kern="1200" dirty="0" smtClean="0">
+              <a:t>a </a:t>
+            </a:r>
+            <a:r>
+              <a:rPr lang="en-US" altLang="ko-KR" sz="1200" b="0" i="0" kern="1200" dirty="0" smtClean="0">
                 <a:solidFill>
                   <a:schemeClr val="tx1"/>
                 </a:solidFill>
@@ -768,10 +741,10 @@
                 <a:ea typeface="+mn-ea"/>
                 <a:cs typeface="+mn-cs"/>
               </a:rPr>
-              <a:t>And,</a:t>
-            </a:r>
-            <a:r>
-              <a:rPr lang="en-US" altLang="zh-CN" sz="1200" b="0" i="0" kern="1200" baseline="0" dirty="0" smtClean="0">
+              <a:t>explanation about</a:t>
+            </a:r>
+            <a:r>
+              <a:rPr lang="en-US" altLang="ko-KR" sz="1200" b="0" i="0" kern="1200" baseline="0" dirty="0" smtClean="0">
                 <a:solidFill>
                   <a:schemeClr val="tx1"/>
                 </a:solidFill>
@@ -780,9 +753,44 @@
                 <a:ea typeface="+mn-ea"/>
                 <a:cs typeface="+mn-cs"/>
               </a:rPr>
-              <a:t> now I am trying to find key nodes and edges. I will show you my progress. But my progress is very slow. </a:t>
-            </a:r>
-            <a:endParaRPr lang="zh-CN" altLang="en-US" dirty="0"/>
+              <a:t> </a:t>
+            </a:r>
+            <a:r>
+              <a:rPr lang="en-US" altLang="ko-KR" sz="1200" b="0" i="0" kern="1200" baseline="0" dirty="0" smtClean="0">
+                <a:solidFill>
+                  <a:schemeClr val="tx1"/>
+                </a:solidFill>
+                <a:effectLst/>
+                <a:latin typeface="+mn-lt"/>
+                <a:ea typeface="+mn-ea"/>
+                <a:cs typeface="+mn-cs"/>
+              </a:rPr>
+              <a:t>my total research progress </a:t>
+            </a:r>
+            <a:r>
+              <a:rPr lang="en-US" altLang="ko-KR" sz="1200" b="0" i="0" kern="1200" baseline="0" dirty="0" smtClean="0">
+                <a:solidFill>
+                  <a:schemeClr val="tx1"/>
+                </a:solidFill>
+                <a:effectLst/>
+                <a:latin typeface="+mn-lt"/>
+                <a:ea typeface="+mn-ea"/>
+                <a:cs typeface="+mn-cs"/>
+              </a:rPr>
+              <a:t>and </a:t>
+            </a:r>
+            <a:r>
+              <a:rPr lang="en-US" altLang="ko-KR" sz="1200" b="0" i="0" kern="1200" baseline="0" dirty="0" smtClean="0">
+                <a:solidFill>
+                  <a:schemeClr val="tx1"/>
+                </a:solidFill>
+                <a:effectLst/>
+                <a:latin typeface="+mn-lt"/>
+                <a:ea typeface="+mn-ea"/>
+                <a:cs typeface="+mn-cs"/>
+              </a:rPr>
+              <a:t>talk about finding key nodes on two layers</a:t>
+            </a:r>
           </a:p>
         </p:txBody>
       </p:sp>
@@ -868,11 +876,11 @@
           <a:p>
             <a:r>
               <a:rPr lang="en-US" altLang="zh-CN" dirty="0" smtClean="0"/>
-              <a:t>As</a:t>
+              <a:t>This is the result</a:t>
             </a:r>
             <a:r>
               <a:rPr lang="en-US" altLang="zh-CN" baseline="0" dirty="0" smtClean="0"/>
-              <a:t> future research.</a:t>
+              <a:t> for finding key nodes in layer A</a:t>
             </a:r>
           </a:p>
           <a:p>
@@ -881,82 +889,16 @@
           <a:p>
             <a:r>
               <a:rPr lang="en-US" altLang="zh-CN" baseline="0" dirty="0" smtClean="0"/>
-              <a:t>Next, I try to find key edges. </a:t>
-            </a:r>
-          </a:p>
-          <a:p>
-            <a:r>
-              <a:rPr lang="en-US" altLang="zh-CN" sz="1200" kern="1200" dirty="0" smtClean="0">
-                <a:solidFill>
-                  <a:schemeClr val="tx1"/>
-                </a:solidFill>
-                <a:effectLst/>
-                <a:latin typeface="+mn-lt"/>
-                <a:ea typeface="+mn-ea"/>
-                <a:cs typeface="+mn-cs"/>
-              </a:rPr>
-              <a:t>To find important edges on two-layer networks, it is investigated which edges have more influence on changing the average states of network by removing edges. All edges are ranked according to edge properties, such as </a:t>
-            </a:r>
-            <a:r>
-              <a:rPr lang="en-US" altLang="zh-CN" sz="1200" kern="1200" dirty="0" err="1" smtClean="0">
-                <a:solidFill>
-                  <a:schemeClr val="tx1"/>
-                </a:solidFill>
-                <a:effectLst/>
-                <a:latin typeface="+mn-lt"/>
-                <a:ea typeface="+mn-ea"/>
-                <a:cs typeface="+mn-cs"/>
-              </a:rPr>
-              <a:t>jaccard</a:t>
-            </a:r>
-            <a:r>
-              <a:rPr lang="en-US" altLang="zh-CN" sz="1200" kern="1200" dirty="0" smtClean="0">
-                <a:solidFill>
-                  <a:schemeClr val="tx1"/>
-                </a:solidFill>
-                <a:effectLst/>
-                <a:latin typeface="+mn-lt"/>
-                <a:ea typeface="+mn-ea"/>
-                <a:cs typeface="+mn-cs"/>
-              </a:rPr>
-              <a:t> index, degree product, edge-</a:t>
-            </a:r>
-            <a:r>
-              <a:rPr lang="en-US" altLang="zh-CN" sz="1200" kern="1200" dirty="0" err="1" smtClean="0">
-                <a:solidFill>
-                  <a:schemeClr val="tx1"/>
-                </a:solidFill>
-                <a:effectLst/>
-                <a:latin typeface="+mn-lt"/>
-                <a:ea typeface="+mn-ea"/>
-                <a:cs typeface="+mn-cs"/>
-              </a:rPr>
-              <a:t>betweenness</a:t>
-            </a:r>
-            <a:r>
-              <a:rPr lang="en-US" altLang="zh-CN" sz="1200" kern="1200" dirty="0" smtClean="0">
-                <a:solidFill>
-                  <a:schemeClr val="tx1"/>
-                </a:solidFill>
-                <a:effectLst/>
-                <a:latin typeface="+mn-lt"/>
-                <a:ea typeface="+mn-ea"/>
-                <a:cs typeface="+mn-cs"/>
-              </a:rPr>
-              <a:t>, and node centrality-based properties. And the ratio of removed edges is increased according to ranked order. And various simulations are implemented by removing internal edges, external edges, or mixed edges. </a:t>
-            </a:r>
-            <a:endParaRPr lang="en-US" altLang="zh-CN" baseline="0" dirty="0" smtClean="0"/>
-          </a:p>
-          <a:p>
-            <a:endParaRPr lang="en-US" altLang="zh-CN" baseline="0" dirty="0" smtClean="0"/>
-          </a:p>
-          <a:p>
+              <a:t>When the number of total edges is 4,092, the efficient method is ranked as </a:t>
+            </a:r>
+            <a:r>
+              <a:rPr lang="en-US" altLang="zh-CN" baseline="0" dirty="0" err="1" smtClean="0"/>
+              <a:t>pagerank</a:t>
+            </a:r>
             <a:r>
               <a:rPr lang="en-US" altLang="zh-CN" baseline="0" dirty="0" smtClean="0"/>
-              <a:t>And, I try to develop better algorithm for finding key nodes and edges. After analyzing the simulation results, better algorithms are provided for finding key nodes and edges. </a:t>
-            </a:r>
-          </a:p>
-          <a:p>
+              <a:t>, degree, eigenvector, random. </a:t>
+            </a:r>
             <a:endParaRPr lang="en-US" altLang="zh-CN" baseline="0" dirty="0" smtClean="0"/>
           </a:p>
         </p:txBody>
@@ -987,7 +929,7 @@
     </p:spTree>
     <p:extLst>
       <p:ext uri="{BB962C8B-B14F-4D97-AF65-F5344CB8AC3E}">
-        <p14:creationId xmlns:p14="http://schemas.microsoft.com/office/powerpoint/2010/main" val="2444185594"/>
+        <p14:creationId xmlns:p14="http://schemas.microsoft.com/office/powerpoint/2010/main" val="1889032187"/>
       </p:ext>
     </p:extLst>
   </p:cSld>
@@ -1043,11 +985,11 @@
           <a:p>
             <a:r>
               <a:rPr lang="en-US" altLang="zh-CN" dirty="0" smtClean="0"/>
-              <a:t>As</a:t>
+              <a:t>This is the result</a:t>
             </a:r>
             <a:r>
               <a:rPr lang="en-US" altLang="zh-CN" baseline="0" dirty="0" smtClean="0"/>
-              <a:t> future research.</a:t>
+              <a:t> for finding key nodes in layer A</a:t>
             </a:r>
           </a:p>
           <a:p>
@@ -1056,82 +998,16 @@
           <a:p>
             <a:r>
               <a:rPr lang="en-US" altLang="zh-CN" baseline="0" dirty="0" smtClean="0"/>
-              <a:t>Next, I try to find key edges. </a:t>
-            </a:r>
-          </a:p>
-          <a:p>
-            <a:r>
-              <a:rPr lang="en-US" altLang="zh-CN" sz="1200" kern="1200" dirty="0" smtClean="0">
-                <a:solidFill>
-                  <a:schemeClr val="tx1"/>
-                </a:solidFill>
-                <a:effectLst/>
-                <a:latin typeface="+mn-lt"/>
-                <a:ea typeface="+mn-ea"/>
-                <a:cs typeface="+mn-cs"/>
-              </a:rPr>
-              <a:t>To find important edges on two-layer networks, it is investigated which edges have more influence on changing the average states of network by removing edges. All edges are ranked according to edge properties, such as </a:t>
-            </a:r>
-            <a:r>
-              <a:rPr lang="en-US" altLang="zh-CN" sz="1200" kern="1200" dirty="0" err="1" smtClean="0">
-                <a:solidFill>
-                  <a:schemeClr val="tx1"/>
-                </a:solidFill>
-                <a:effectLst/>
-                <a:latin typeface="+mn-lt"/>
-                <a:ea typeface="+mn-ea"/>
-                <a:cs typeface="+mn-cs"/>
-              </a:rPr>
-              <a:t>jaccard</a:t>
-            </a:r>
-            <a:r>
-              <a:rPr lang="en-US" altLang="zh-CN" sz="1200" kern="1200" dirty="0" smtClean="0">
-                <a:solidFill>
-                  <a:schemeClr val="tx1"/>
-                </a:solidFill>
-                <a:effectLst/>
-                <a:latin typeface="+mn-lt"/>
-                <a:ea typeface="+mn-ea"/>
-                <a:cs typeface="+mn-cs"/>
-              </a:rPr>
-              <a:t> index, degree product, edge-</a:t>
-            </a:r>
-            <a:r>
-              <a:rPr lang="en-US" altLang="zh-CN" sz="1200" kern="1200" dirty="0" err="1" smtClean="0">
-                <a:solidFill>
-                  <a:schemeClr val="tx1"/>
-                </a:solidFill>
-                <a:effectLst/>
-                <a:latin typeface="+mn-lt"/>
-                <a:ea typeface="+mn-ea"/>
-                <a:cs typeface="+mn-cs"/>
-              </a:rPr>
-              <a:t>betweenness</a:t>
-            </a:r>
-            <a:r>
-              <a:rPr lang="en-US" altLang="zh-CN" sz="1200" kern="1200" dirty="0" smtClean="0">
-                <a:solidFill>
-                  <a:schemeClr val="tx1"/>
-                </a:solidFill>
-                <a:effectLst/>
-                <a:latin typeface="+mn-lt"/>
-                <a:ea typeface="+mn-ea"/>
-                <a:cs typeface="+mn-cs"/>
-              </a:rPr>
-              <a:t>, and node centrality-based properties. And the ratio of removed edges is increased according to ranked order. And various simulations are implemented by removing internal edges, external edges, or mixed edges. </a:t>
-            </a:r>
-            <a:endParaRPr lang="en-US" altLang="zh-CN" baseline="0" dirty="0" smtClean="0"/>
-          </a:p>
-          <a:p>
-            <a:endParaRPr lang="en-US" altLang="zh-CN" baseline="0" dirty="0" smtClean="0"/>
-          </a:p>
-          <a:p>
+              <a:t>When the number of total edges is 4,092, the efficient method is ranked as </a:t>
+            </a:r>
+            <a:r>
+              <a:rPr lang="en-US" altLang="zh-CN" baseline="0" dirty="0" err="1" smtClean="0"/>
+              <a:t>pagerank</a:t>
+            </a:r>
             <a:r>
               <a:rPr lang="en-US" altLang="zh-CN" baseline="0" dirty="0" smtClean="0"/>
-              <a:t>And, I try to develop better algorithm for finding key nodes and edges. After analyzing the simulation results, better algorithms are provided for finding key nodes and edges. </a:t>
-            </a:r>
-          </a:p>
-          <a:p>
+              <a:t>, degree, eigenvector, random. </a:t>
+            </a:r>
             <a:endParaRPr lang="en-US" altLang="zh-CN" baseline="0" dirty="0" smtClean="0"/>
           </a:p>
         </p:txBody>
@@ -1162,7 +1038,7 @@
     </p:spTree>
     <p:extLst>
       <p:ext uri="{BB962C8B-B14F-4D97-AF65-F5344CB8AC3E}">
-        <p14:creationId xmlns:p14="http://schemas.microsoft.com/office/powerpoint/2010/main" val="192959374"/>
+        <p14:creationId xmlns:p14="http://schemas.microsoft.com/office/powerpoint/2010/main" val="3571905287"/>
       </p:ext>
     </p:extLst>
   </p:cSld>
@@ -1216,6 +1092,483 @@
           <a:bodyPr/>
           <a:lstStyle/>
           <a:p>
+            <a:r>
+              <a:rPr lang="en-US" altLang="zh-CN" dirty="0" smtClean="0"/>
+              <a:t>This is the result</a:t>
+            </a:r>
+            <a:r>
+              <a:rPr lang="en-US" altLang="zh-CN" baseline="0" dirty="0" smtClean="0"/>
+              <a:t> for finding key nodes in layer A</a:t>
+            </a:r>
+          </a:p>
+          <a:p>
+            <a:endParaRPr lang="en-US" altLang="zh-CN" baseline="0" dirty="0" smtClean="0"/>
+          </a:p>
+          <a:p>
+            <a:r>
+              <a:rPr lang="en-US" altLang="zh-CN" baseline="0" dirty="0" smtClean="0"/>
+              <a:t>When the number of total edges is 4,092, the efficient method is ranked as </a:t>
+            </a:r>
+            <a:r>
+              <a:rPr lang="en-US" altLang="zh-CN" baseline="0" dirty="0" err="1" smtClean="0"/>
+              <a:t>pagerank</a:t>
+            </a:r>
+            <a:r>
+              <a:rPr lang="en-US" altLang="zh-CN" baseline="0" dirty="0" smtClean="0"/>
+              <a:t>, degree, eigenvector, random. </a:t>
+            </a:r>
+            <a:endParaRPr lang="en-US" altLang="zh-CN" baseline="0" dirty="0" smtClean="0"/>
+          </a:p>
+        </p:txBody>
+      </p:sp>
+      <p:sp>
+        <p:nvSpPr>
+          <p:cNvPr id="4" name="슬라이드 번호 개체 틀 3"/>
+          <p:cNvSpPr>
+            <a:spLocks noGrp="1"/>
+          </p:cNvSpPr>
+          <p:nvPr>
+            <p:ph type="sldNum" sz="quarter" idx="10"/>
+          </p:nvPr>
+        </p:nvSpPr>
+        <p:spPr/>
+        <p:txBody>
+          <a:bodyPr/>
+          <a:lstStyle/>
+          <a:p>
+            <a:fld id="{E3CFC841-E2E1-4802-8701-94EA307E94B0}" type="slidenum">
+              <a:rPr lang="zh-CN" altLang="en-US" smtClean="0"/>
+              <a:t>12</a:t>
+            </a:fld>
+            <a:endParaRPr lang="zh-CN" altLang="en-US"/>
+          </a:p>
+        </p:txBody>
+      </p:sp>
+    </p:spTree>
+    <p:extLst>
+      <p:ext uri="{BB962C8B-B14F-4D97-AF65-F5344CB8AC3E}">
+        <p14:creationId xmlns:p14="http://schemas.microsoft.com/office/powerpoint/2010/main" val="2950417249"/>
+      </p:ext>
+    </p:extLst>
+  </p:cSld>
+  <p:clrMapOvr>
+    <a:masterClrMapping/>
+  </p:clrMapOvr>
+</p:notes>
+</file>
+
+<file path=ppt/notesSlides/notesSlide13.xml><?xml version="1.0" encoding="utf-8"?>
+<p:notes xmlns:a="http://schemas.openxmlformats.org/drawingml/2006/main" xmlns:r="http://schemas.openxmlformats.org/officeDocument/2006/relationships" xmlns:p="http://schemas.openxmlformats.org/presentationml/2006/main">
+  <p:cSld>
+    <p:spTree>
+      <p:nvGrpSpPr>
+        <p:cNvPr id="1" name=""/>
+        <p:cNvGrpSpPr/>
+        <p:nvPr/>
+      </p:nvGrpSpPr>
+      <p:grpSpPr>
+        <a:xfrm>
+          <a:off x="0" y="0"/>
+          <a:ext cx="0" cy="0"/>
+          <a:chOff x="0" y="0"/>
+          <a:chExt cx="0" cy="0"/>
+        </a:xfrm>
+      </p:grpSpPr>
+      <p:sp>
+        <p:nvSpPr>
+          <p:cNvPr id="2" name="슬라이드 이미지 개체 틀 1"/>
+          <p:cNvSpPr>
+            <a:spLocks noGrp="1" noRot="1" noChangeAspect="1"/>
+          </p:cNvSpPr>
+          <p:nvPr>
+            <p:ph type="sldImg"/>
+          </p:nvPr>
+        </p:nvSpPr>
+        <p:spPr/>
+      </p:sp>
+      <p:sp>
+        <p:nvSpPr>
+          <p:cNvPr id="3" name="슬라이드 노트 개체 틀 2"/>
+          <p:cNvSpPr>
+            <a:spLocks noGrp="1"/>
+          </p:cNvSpPr>
+          <p:nvPr>
+            <p:ph type="body" idx="1"/>
+          </p:nvPr>
+        </p:nvSpPr>
+        <p:spPr/>
+        <p:txBody>
+          <a:bodyPr/>
+          <a:lstStyle/>
+          <a:p>
+            <a:r>
+              <a:rPr lang="en-US" altLang="zh-CN" baseline="0" dirty="0" smtClean="0"/>
+              <a:t>Analysis for finding key nodes.</a:t>
+            </a:r>
+          </a:p>
+          <a:p>
+            <a:endParaRPr lang="en-US" altLang="zh-CN" baseline="0" dirty="0" smtClean="0"/>
+          </a:p>
+          <a:p>
+            <a:r>
+              <a:rPr lang="en-US" altLang="zh-CN" baseline="0" dirty="0" smtClean="0"/>
+              <a:t>Analyzing the relation between key nodes and the number of edges, as the number of edges on layers increases, the orientation of layer is easy to change though the ratio of unchanged node is small. </a:t>
+            </a:r>
+          </a:p>
+          <a:p>
+            <a:endParaRPr lang="en-US" altLang="zh-CN" baseline="0" dirty="0" smtClean="0"/>
+          </a:p>
+          <a:p>
+            <a:r>
+              <a:rPr lang="en-US" altLang="zh-CN" baseline="0" dirty="0" smtClean="0"/>
+              <a:t>And, as efficient method for finding key nodes, the rank is like this, </a:t>
+            </a:r>
+            <a:r>
+              <a:rPr lang="en-US" altLang="zh-CN" baseline="0" dirty="0" err="1" smtClean="0"/>
+              <a:t>pagerank</a:t>
+            </a:r>
+            <a:r>
+              <a:rPr lang="en-US" altLang="zh-CN" baseline="0" dirty="0" smtClean="0"/>
+              <a:t>, degree, eigenvector, and random. </a:t>
+            </a:r>
+          </a:p>
+          <a:p>
+            <a:endParaRPr lang="en-US" altLang="zh-CN" baseline="0" dirty="0" smtClean="0"/>
+          </a:p>
+          <a:p>
+            <a:endParaRPr lang="en-US" altLang="zh-CN" baseline="0" dirty="0" smtClean="0"/>
+          </a:p>
+        </p:txBody>
+      </p:sp>
+      <p:sp>
+        <p:nvSpPr>
+          <p:cNvPr id="4" name="슬라이드 번호 개체 틀 3"/>
+          <p:cNvSpPr>
+            <a:spLocks noGrp="1"/>
+          </p:cNvSpPr>
+          <p:nvPr>
+            <p:ph type="sldNum" sz="quarter" idx="10"/>
+          </p:nvPr>
+        </p:nvSpPr>
+        <p:spPr/>
+        <p:txBody>
+          <a:bodyPr/>
+          <a:lstStyle/>
+          <a:p>
+            <a:fld id="{E3CFC841-E2E1-4802-8701-94EA307E94B0}" type="slidenum">
+              <a:rPr lang="zh-CN" altLang="en-US" smtClean="0"/>
+              <a:t>13</a:t>
+            </a:fld>
+            <a:endParaRPr lang="zh-CN" altLang="en-US"/>
+          </a:p>
+        </p:txBody>
+      </p:sp>
+    </p:spTree>
+    <p:extLst>
+      <p:ext uri="{BB962C8B-B14F-4D97-AF65-F5344CB8AC3E}">
+        <p14:creationId xmlns:p14="http://schemas.microsoft.com/office/powerpoint/2010/main" val="1731324705"/>
+      </p:ext>
+    </p:extLst>
+  </p:cSld>
+  <p:clrMapOvr>
+    <a:masterClrMapping/>
+  </p:clrMapOvr>
+</p:notes>
+</file>
+
+<file path=ppt/notesSlides/notesSlide14.xml><?xml version="1.0" encoding="utf-8"?>
+<p:notes xmlns:a="http://schemas.openxmlformats.org/drawingml/2006/main" xmlns:r="http://schemas.openxmlformats.org/officeDocument/2006/relationships" xmlns:p="http://schemas.openxmlformats.org/presentationml/2006/main">
+  <p:cSld>
+    <p:spTree>
+      <p:nvGrpSpPr>
+        <p:cNvPr id="1" name=""/>
+        <p:cNvGrpSpPr/>
+        <p:nvPr/>
+      </p:nvGrpSpPr>
+      <p:grpSpPr>
+        <a:xfrm>
+          <a:off x="0" y="0"/>
+          <a:ext cx="0" cy="0"/>
+          <a:chOff x="0" y="0"/>
+          <a:chExt cx="0" cy="0"/>
+        </a:xfrm>
+      </p:grpSpPr>
+      <p:sp>
+        <p:nvSpPr>
+          <p:cNvPr id="2" name="슬라이드 이미지 개체 틀 1"/>
+          <p:cNvSpPr>
+            <a:spLocks noGrp="1" noRot="1" noChangeAspect="1"/>
+          </p:cNvSpPr>
+          <p:nvPr>
+            <p:ph type="sldImg"/>
+          </p:nvPr>
+        </p:nvSpPr>
+        <p:spPr/>
+      </p:sp>
+      <p:sp>
+        <p:nvSpPr>
+          <p:cNvPr id="3" name="슬라이드 노트 개체 틀 2"/>
+          <p:cNvSpPr>
+            <a:spLocks noGrp="1"/>
+          </p:cNvSpPr>
+          <p:nvPr>
+            <p:ph type="body" idx="1"/>
+          </p:nvPr>
+        </p:nvSpPr>
+        <p:spPr/>
+        <p:txBody>
+          <a:bodyPr/>
+          <a:lstStyle/>
+          <a:p>
+            <a:r>
+              <a:rPr lang="en-US" altLang="zh-CN" baseline="0" dirty="0" smtClean="0"/>
+              <a:t>Next, Comparing between layer A and layer B for finding key nodes,</a:t>
+            </a:r>
+          </a:p>
+          <a:p>
+            <a:endParaRPr lang="en-US" altLang="zh-CN" baseline="0" dirty="0" smtClean="0"/>
+          </a:p>
+          <a:p>
+            <a:r>
+              <a:rPr lang="en-US" altLang="zh-CN" baseline="0" dirty="0" smtClean="0"/>
+              <a:t>For layer A, layer orientation are changed very fast. When the ratio of unchanged node is more than certain rate, it is very fast to change the orientation. </a:t>
+            </a:r>
+          </a:p>
+          <a:p>
+            <a:endParaRPr lang="en-US" altLang="zh-CN" baseline="0" dirty="0" smtClean="0"/>
+          </a:p>
+          <a:p>
+            <a:r>
+              <a:rPr lang="en-US" altLang="zh-CN" baseline="0" dirty="0" smtClean="0"/>
+              <a:t>So to speak, if it has group for unchanged state, total orientation is easy to change. </a:t>
+            </a:r>
+          </a:p>
+          <a:p>
+            <a:endParaRPr lang="en-US" altLang="zh-CN" baseline="0" dirty="0" smtClean="0"/>
+          </a:p>
+          <a:p>
+            <a:r>
+              <a:rPr lang="en-US" altLang="zh-CN" baseline="0" dirty="0" smtClean="0"/>
+              <a:t>For layer B, layer orientation are changed very slow, When the ratio of unchanged node is more than certain rate, it is very slow to change the orientation. </a:t>
+            </a:r>
+          </a:p>
+          <a:p>
+            <a:endParaRPr lang="en-US" altLang="zh-CN" baseline="0" dirty="0" smtClean="0"/>
+          </a:p>
+          <a:p>
+            <a:r>
+              <a:rPr lang="en-US" altLang="zh-CN" baseline="0" dirty="0" smtClean="0"/>
+              <a:t>So to speak, though it has group for unchanged state, total orientation is not easy to change.  </a:t>
+            </a:r>
+            <a:endParaRPr lang="en-US" altLang="zh-CN" baseline="0" dirty="0" smtClean="0"/>
+          </a:p>
+        </p:txBody>
+      </p:sp>
+      <p:sp>
+        <p:nvSpPr>
+          <p:cNvPr id="4" name="슬라이드 번호 개체 틀 3"/>
+          <p:cNvSpPr>
+            <a:spLocks noGrp="1"/>
+          </p:cNvSpPr>
+          <p:nvPr>
+            <p:ph type="sldNum" sz="quarter" idx="10"/>
+          </p:nvPr>
+        </p:nvSpPr>
+        <p:spPr/>
+        <p:txBody>
+          <a:bodyPr/>
+          <a:lstStyle/>
+          <a:p>
+            <a:fld id="{E3CFC841-E2E1-4802-8701-94EA307E94B0}" type="slidenum">
+              <a:rPr lang="zh-CN" altLang="en-US" smtClean="0"/>
+              <a:t>14</a:t>
+            </a:fld>
+            <a:endParaRPr lang="zh-CN" altLang="en-US"/>
+          </a:p>
+        </p:txBody>
+      </p:sp>
+    </p:spTree>
+    <p:extLst>
+      <p:ext uri="{BB962C8B-B14F-4D97-AF65-F5344CB8AC3E}">
+        <p14:creationId xmlns:p14="http://schemas.microsoft.com/office/powerpoint/2010/main" val="2444185594"/>
+      </p:ext>
+    </p:extLst>
+  </p:cSld>
+  <p:clrMapOvr>
+    <a:masterClrMapping/>
+  </p:clrMapOvr>
+</p:notes>
+</file>
+
+<file path=ppt/notesSlides/notesSlide15.xml><?xml version="1.0" encoding="utf-8"?>
+<p:notes xmlns:a="http://schemas.openxmlformats.org/drawingml/2006/main" xmlns:r="http://schemas.openxmlformats.org/officeDocument/2006/relationships" xmlns:p="http://schemas.openxmlformats.org/presentationml/2006/main">
+  <p:cSld>
+    <p:spTree>
+      <p:nvGrpSpPr>
+        <p:cNvPr id="1" name=""/>
+        <p:cNvGrpSpPr/>
+        <p:nvPr/>
+      </p:nvGrpSpPr>
+      <p:grpSpPr>
+        <a:xfrm>
+          <a:off x="0" y="0"/>
+          <a:ext cx="0" cy="0"/>
+          <a:chOff x="0" y="0"/>
+          <a:chExt cx="0" cy="0"/>
+        </a:xfrm>
+      </p:grpSpPr>
+      <p:sp>
+        <p:nvSpPr>
+          <p:cNvPr id="2" name="슬라이드 이미지 개체 틀 1"/>
+          <p:cNvSpPr>
+            <a:spLocks noGrp="1" noRot="1" noChangeAspect="1"/>
+          </p:cNvSpPr>
+          <p:nvPr>
+            <p:ph type="sldImg"/>
+          </p:nvPr>
+        </p:nvSpPr>
+        <p:spPr/>
+      </p:sp>
+      <p:sp>
+        <p:nvSpPr>
+          <p:cNvPr id="3" name="슬라이드 노트 개체 틀 2"/>
+          <p:cNvSpPr>
+            <a:spLocks noGrp="1"/>
+          </p:cNvSpPr>
+          <p:nvPr>
+            <p:ph type="body" idx="1"/>
+          </p:nvPr>
+        </p:nvSpPr>
+        <p:spPr/>
+        <p:txBody>
+          <a:bodyPr/>
+          <a:lstStyle/>
+          <a:p>
+            <a:r>
+              <a:rPr lang="en-US" altLang="zh-CN" dirty="0" smtClean="0"/>
+              <a:t>As</a:t>
+            </a:r>
+            <a:r>
+              <a:rPr lang="en-US" altLang="zh-CN" baseline="0" dirty="0" smtClean="0"/>
+              <a:t> future research.</a:t>
+            </a:r>
+          </a:p>
+          <a:p>
+            <a:endParaRPr lang="en-US" altLang="zh-CN" baseline="0" dirty="0" smtClean="0"/>
+          </a:p>
+          <a:p>
+            <a:r>
+              <a:rPr lang="en-US" altLang="zh-CN" baseline="0" dirty="0" smtClean="0"/>
+              <a:t>Next, I try to find </a:t>
+            </a:r>
+            <a:r>
+              <a:rPr lang="en-US" altLang="zh-CN" baseline="0" dirty="0" smtClean="0"/>
+              <a:t>key node with different conditions such as two-layer network with different edges, hierarchical models, and consider other methods like </a:t>
+            </a:r>
+            <a:r>
+              <a:rPr lang="en-US" altLang="zh-CN" baseline="0" dirty="0" err="1" smtClean="0"/>
+              <a:t>betweenness</a:t>
+            </a:r>
+            <a:r>
+              <a:rPr lang="en-US" altLang="zh-CN" baseline="0" dirty="0" smtClean="0"/>
+              <a:t>, closeness. </a:t>
+            </a:r>
+          </a:p>
+          <a:p>
+            <a:endParaRPr lang="en-US" altLang="zh-CN" baseline="0" dirty="0" smtClean="0"/>
+          </a:p>
+          <a:p>
+            <a:r>
+              <a:rPr lang="en-US" altLang="zh-CN" baseline="0" dirty="0" smtClean="0"/>
+              <a:t>Next, If I find better algorithms, I will provide more efficient method for finding key nodes. </a:t>
+            </a:r>
+            <a:endParaRPr lang="en-US" altLang="zh-CN" baseline="0" dirty="0" smtClean="0"/>
+          </a:p>
+          <a:p>
+            <a:endParaRPr lang="en-US" altLang="zh-CN" baseline="0" dirty="0" smtClean="0"/>
+          </a:p>
+        </p:txBody>
+      </p:sp>
+      <p:sp>
+        <p:nvSpPr>
+          <p:cNvPr id="4" name="슬라이드 번호 개체 틀 3"/>
+          <p:cNvSpPr>
+            <a:spLocks noGrp="1"/>
+          </p:cNvSpPr>
+          <p:nvPr>
+            <p:ph type="sldNum" sz="quarter" idx="10"/>
+          </p:nvPr>
+        </p:nvSpPr>
+        <p:spPr/>
+        <p:txBody>
+          <a:bodyPr/>
+          <a:lstStyle/>
+          <a:p>
+            <a:fld id="{E3CFC841-E2E1-4802-8701-94EA307E94B0}" type="slidenum">
+              <a:rPr lang="zh-CN" altLang="en-US" smtClean="0"/>
+              <a:t>15</a:t>
+            </a:fld>
+            <a:endParaRPr lang="zh-CN" altLang="en-US"/>
+          </a:p>
+        </p:txBody>
+      </p:sp>
+    </p:spTree>
+    <p:extLst>
+      <p:ext uri="{BB962C8B-B14F-4D97-AF65-F5344CB8AC3E}">
+        <p14:creationId xmlns:p14="http://schemas.microsoft.com/office/powerpoint/2010/main" val="192959374"/>
+      </p:ext>
+    </p:extLst>
+  </p:cSld>
+  <p:clrMapOvr>
+    <a:masterClrMapping/>
+  </p:clrMapOvr>
+</p:notes>
+</file>
+
+<file path=ppt/notesSlides/notesSlide16.xml><?xml version="1.0" encoding="utf-8"?>
+<p:notes xmlns:a="http://schemas.openxmlformats.org/drawingml/2006/main" xmlns:r="http://schemas.openxmlformats.org/officeDocument/2006/relationships" xmlns:p="http://schemas.openxmlformats.org/presentationml/2006/main">
+  <p:cSld>
+    <p:spTree>
+      <p:nvGrpSpPr>
+        <p:cNvPr id="1" name=""/>
+        <p:cNvGrpSpPr/>
+        <p:nvPr/>
+      </p:nvGrpSpPr>
+      <p:grpSpPr>
+        <a:xfrm>
+          <a:off x="0" y="0"/>
+          <a:ext cx="0" cy="0"/>
+          <a:chOff x="0" y="0"/>
+          <a:chExt cx="0" cy="0"/>
+        </a:xfrm>
+      </p:grpSpPr>
+      <p:sp>
+        <p:nvSpPr>
+          <p:cNvPr id="2" name="슬라이드 이미지 개체 틀 1"/>
+          <p:cNvSpPr>
+            <a:spLocks noGrp="1" noRot="1" noChangeAspect="1"/>
+          </p:cNvSpPr>
+          <p:nvPr>
+            <p:ph type="sldImg"/>
+          </p:nvPr>
+        </p:nvSpPr>
+        <p:spPr/>
+      </p:sp>
+      <p:sp>
+        <p:nvSpPr>
+          <p:cNvPr id="3" name="슬라이드 노트 개체 틀 2"/>
+          <p:cNvSpPr>
+            <a:spLocks noGrp="1"/>
+          </p:cNvSpPr>
+          <p:nvPr>
+            <p:ph type="body" idx="1"/>
+          </p:nvPr>
+        </p:nvSpPr>
+        <p:spPr/>
+        <p:txBody>
+          <a:bodyPr/>
+          <a:lstStyle/>
+          <a:p>
             <a:pPr marL="0" marR="0" indent="0" algn="l" defTabSz="914400" rtl="0" eaLnBrk="1" fontAlgn="auto" latinLnBrk="0" hangingPunct="1">
               <a:lnSpc>
                 <a:spcPct val="100000"/>
@@ -1260,7 +1613,7 @@
           <a:p>
             <a:fld id="{E3CFC841-E2E1-4802-8701-94EA307E94B0}" type="slidenum">
               <a:rPr lang="zh-CN" altLang="en-US" smtClean="0"/>
-              <a:t>12</a:t>
+              <a:t>16</a:t>
             </a:fld>
             <a:endParaRPr lang="zh-CN" altLang="en-US"/>
           </a:p>
@@ -1333,12 +1686,10 @@
                 <a:ea typeface="+mn-ea"/>
                 <a:cs typeface="+mn-cs"/>
               </a:rPr>
-              <a:t>To find important nodes on two-layer networks, it is investigated which nodes have more influence on changing average states of network by unchanging the nodes states. </a:t>
-            </a:r>
-          </a:p>
-          <a:p>
-            <a:r>
-              <a:rPr lang="en-US" altLang="zh-CN" sz="1200" kern="1200" dirty="0" smtClean="0">
+              <a:t>This</a:t>
+            </a:r>
+            <a:r>
+              <a:rPr lang="en-US" altLang="zh-CN" sz="1200" kern="1200" baseline="0" dirty="0" smtClean="0">
                 <a:solidFill>
                   <a:schemeClr val="tx1"/>
                 </a:solidFill>
@@ -1347,8 +1698,10 @@
                 <a:ea typeface="+mn-ea"/>
                 <a:cs typeface="+mn-cs"/>
               </a:rPr>
-              <a:t>Method</a:t>
-            </a:r>
+              <a:t> is my research processing. </a:t>
+            </a:r>
+          </a:p>
+          <a:p>
             <a:r>
               <a:rPr lang="en-US" altLang="zh-CN" sz="1200" kern="1200" baseline="0" dirty="0" smtClean="0">
                 <a:solidFill>
@@ -1359,12 +1712,12 @@
                 <a:ea typeface="+mn-ea"/>
                 <a:cs typeface="+mn-cs"/>
               </a:rPr>
-              <a:t> is like this way. </a:t>
-            </a:r>
-          </a:p>
-          <a:p>
-            <a:r>
-              <a:rPr lang="en-US" altLang="zh-CN" sz="1200" kern="1200" dirty="0" smtClean="0">
+              <a:t>My research is divided by 4 topics.</a:t>
+            </a:r>
+          </a:p>
+          <a:p>
+            <a:r>
+              <a:rPr lang="en-US" altLang="zh-CN" sz="1200" kern="1200" baseline="0" dirty="0" smtClean="0">
                 <a:solidFill>
                   <a:schemeClr val="tx1"/>
                 </a:solidFill>
@@ -1373,23 +1726,11 @@
                 <a:ea typeface="+mn-ea"/>
                 <a:cs typeface="+mn-cs"/>
               </a:rPr>
-              <a:t>all nodes are ranked by node centralities, and the ratio of unchanged nodes are increased according to ranked order, until the average states of network have different states. </a:t>
-            </a:r>
-          </a:p>
-          <a:p>
-            <a:r>
-              <a:rPr lang="en-US" altLang="zh-CN" sz="1200" kern="1200" dirty="0" smtClean="0">
-                <a:solidFill>
-                  <a:schemeClr val="tx1"/>
-                </a:solidFill>
-                <a:effectLst/>
-                <a:latin typeface="+mn-lt"/>
-                <a:ea typeface="+mn-ea"/>
-                <a:cs typeface="+mn-cs"/>
-              </a:rPr>
-              <a:t>When the ratio of unchanged nodes according to node centrality is the least, that centrality is the most influential property for interconnected network.</a:t>
-            </a:r>
-            <a:endParaRPr lang="zh-CN" altLang="zh-CN" sz="1200" kern="1200" dirty="0" smtClean="0">
+              <a:t>3 topics are already finished, Now I am researching about finding key nodes on two-layer networks. </a:t>
+            </a:r>
+          </a:p>
+          <a:p>
+            <a:endParaRPr lang="en-US" altLang="zh-CN" sz="1200" kern="1200" baseline="0" dirty="0" smtClean="0">
               <a:solidFill>
                 <a:schemeClr val="tx1"/>
               </a:solidFill>
@@ -1401,7 +1742,7 @@
           </a:p>
           <a:p>
             <a:r>
-              <a:rPr lang="en-US" altLang="zh-CN" sz="1200" kern="1200" dirty="0" smtClean="0">
+              <a:rPr lang="en-US" altLang="zh-CN" sz="1200" kern="1200" baseline="0" dirty="0" smtClean="0">
                 <a:solidFill>
                   <a:schemeClr val="tx1"/>
                 </a:solidFill>
@@ -1410,8 +1751,179 @@
                 <a:ea typeface="+mn-ea"/>
                 <a:cs typeface="+mn-cs"/>
               </a:rPr>
-              <a:t>As initial condition for finding key node in layer A, each layer is made of BA network with 2048 nodes and 1 external edge. Parameter values are like p=0.3, v=0.3. </a:t>
-            </a:r>
+              <a:t>First, I provided interconnected competing network modeling and index for measuring consensus.</a:t>
+            </a:r>
+          </a:p>
+          <a:p>
+            <a:endParaRPr lang="en-US" altLang="zh-CN" sz="1200" kern="1200" baseline="0" dirty="0" smtClean="0">
+              <a:solidFill>
+                <a:schemeClr val="tx1"/>
+              </a:solidFill>
+              <a:effectLst/>
+              <a:latin typeface="+mn-lt"/>
+              <a:ea typeface="+mn-ea"/>
+              <a:cs typeface="+mn-cs"/>
+            </a:endParaRPr>
+          </a:p>
+          <a:p>
+            <a:r>
+              <a:rPr lang="en-US" altLang="zh-CN" sz="1200" kern="1200" baseline="0" dirty="0" smtClean="0">
+                <a:solidFill>
+                  <a:schemeClr val="tx1"/>
+                </a:solidFill>
+                <a:effectLst/>
+                <a:latin typeface="+mn-lt"/>
+                <a:ea typeface="+mn-ea"/>
+                <a:cs typeface="+mn-cs"/>
+              </a:rPr>
+              <a:t>Second, The basic model was compared with different structural networks by changing the number of external edges, the number of internal edges,</a:t>
+            </a:r>
+          </a:p>
+          <a:p>
+            <a:r>
+              <a:rPr lang="en-US" altLang="zh-CN" sz="1200" kern="1200" baseline="0" dirty="0" smtClean="0">
+                <a:solidFill>
+                  <a:schemeClr val="tx1"/>
+                </a:solidFill>
+                <a:effectLst/>
+                <a:latin typeface="+mn-lt"/>
+                <a:ea typeface="+mn-ea"/>
+                <a:cs typeface="+mn-cs"/>
+              </a:rPr>
+              <a:t>And the structure such as </a:t>
+            </a:r>
+            <a:r>
+              <a:rPr lang="en-US" altLang="zh-CN" sz="1200" kern="1200" baseline="0" dirty="0" err="1" smtClean="0">
+                <a:solidFill>
+                  <a:schemeClr val="tx1"/>
+                </a:solidFill>
+                <a:effectLst/>
+                <a:latin typeface="+mn-lt"/>
+                <a:ea typeface="+mn-ea"/>
+                <a:cs typeface="+mn-cs"/>
+              </a:rPr>
+              <a:t>Barabasi</a:t>
+            </a:r>
+            <a:r>
+              <a:rPr lang="en-US" altLang="zh-CN" sz="1200" kern="1200" baseline="0" dirty="0" smtClean="0">
+                <a:solidFill>
+                  <a:schemeClr val="tx1"/>
+                </a:solidFill>
+                <a:effectLst/>
+                <a:latin typeface="+mn-lt"/>
+                <a:ea typeface="+mn-ea"/>
+                <a:cs typeface="+mn-cs"/>
+              </a:rPr>
+              <a:t> Albert, random regular network. </a:t>
+            </a:r>
+          </a:p>
+          <a:p>
+            <a:endParaRPr lang="en-US" altLang="zh-CN" sz="1200" kern="1200" baseline="0" dirty="0" smtClean="0">
+              <a:solidFill>
+                <a:schemeClr val="tx1"/>
+              </a:solidFill>
+              <a:effectLst/>
+              <a:latin typeface="+mn-lt"/>
+              <a:ea typeface="+mn-ea"/>
+              <a:cs typeface="+mn-cs"/>
+            </a:endParaRPr>
+          </a:p>
+          <a:p>
+            <a:r>
+              <a:rPr lang="en-US" altLang="zh-CN" sz="1200" kern="1200" baseline="0" dirty="0" smtClean="0">
+                <a:solidFill>
+                  <a:schemeClr val="tx1"/>
+                </a:solidFill>
+                <a:effectLst/>
+                <a:latin typeface="+mn-lt"/>
+                <a:ea typeface="+mn-ea"/>
+                <a:cs typeface="+mn-cs"/>
+              </a:rPr>
+              <a:t>Third, the models were compared with different updating rules such as simultaneous updating rule, or sequential updating rule. </a:t>
+            </a:r>
+          </a:p>
+          <a:p>
+            <a:endParaRPr lang="en-US" altLang="zh-CN" sz="1200" kern="1200" baseline="0" dirty="0" smtClean="0">
+              <a:solidFill>
+                <a:schemeClr val="tx1"/>
+              </a:solidFill>
+              <a:effectLst/>
+              <a:latin typeface="+mn-lt"/>
+              <a:ea typeface="+mn-ea"/>
+              <a:cs typeface="+mn-cs"/>
+            </a:endParaRPr>
+          </a:p>
+          <a:p>
+            <a:r>
+              <a:rPr lang="en-US" altLang="zh-CN" sz="1200" kern="1200" baseline="0" dirty="0" smtClean="0">
+                <a:solidFill>
+                  <a:schemeClr val="tx1"/>
+                </a:solidFill>
+                <a:effectLst/>
+                <a:latin typeface="+mn-lt"/>
+                <a:ea typeface="+mn-ea"/>
+                <a:cs typeface="+mn-cs"/>
+              </a:rPr>
+              <a:t>Today, Previously, I will give you short explanation about updating rules, and then talk about finding key nodes on two-layer networks. </a:t>
+            </a:r>
+          </a:p>
+          <a:p>
+            <a:endParaRPr lang="en-US" altLang="zh-CN" sz="1200" kern="1200" baseline="0" dirty="0" smtClean="0">
+              <a:solidFill>
+                <a:schemeClr val="tx1"/>
+              </a:solidFill>
+              <a:effectLst/>
+              <a:latin typeface="+mn-lt"/>
+              <a:ea typeface="+mn-ea"/>
+              <a:cs typeface="+mn-cs"/>
+            </a:endParaRPr>
+          </a:p>
+          <a:p>
+            <a:r>
+              <a:rPr lang="en-US" altLang="zh-CN" sz="1200" kern="1200" baseline="0" dirty="0" smtClean="0">
+                <a:solidFill>
+                  <a:schemeClr val="tx1"/>
+                </a:solidFill>
+                <a:effectLst/>
+                <a:latin typeface="+mn-lt"/>
+                <a:ea typeface="+mn-ea"/>
+                <a:cs typeface="+mn-cs"/>
+              </a:rPr>
+              <a:t> </a:t>
+            </a:r>
+          </a:p>
+          <a:p>
+            <a:endParaRPr lang="en-US" altLang="zh-CN" sz="1200" kern="1200" baseline="0" dirty="0" smtClean="0">
+              <a:solidFill>
+                <a:schemeClr val="tx1"/>
+              </a:solidFill>
+              <a:effectLst/>
+              <a:latin typeface="+mn-lt"/>
+              <a:ea typeface="+mn-ea"/>
+              <a:cs typeface="+mn-cs"/>
+            </a:endParaRPr>
+          </a:p>
+          <a:p>
+            <a:endParaRPr lang="en-US" altLang="zh-CN" sz="1200" kern="1200" baseline="0" dirty="0" smtClean="0">
+              <a:solidFill>
+                <a:schemeClr val="tx1"/>
+              </a:solidFill>
+              <a:effectLst/>
+              <a:latin typeface="+mn-lt"/>
+              <a:ea typeface="+mn-ea"/>
+              <a:cs typeface="+mn-cs"/>
+            </a:endParaRPr>
+          </a:p>
+          <a:p>
+            <a:endParaRPr lang="en-US" altLang="zh-CN" sz="1200" kern="1200" dirty="0" smtClean="0">
+              <a:solidFill>
+                <a:schemeClr val="tx1"/>
+              </a:solidFill>
+              <a:effectLst/>
+              <a:latin typeface="+mn-lt"/>
+              <a:ea typeface="+mn-ea"/>
+              <a:cs typeface="+mn-cs"/>
+            </a:endParaRPr>
           </a:p>
         </p:txBody>
       </p:sp>
@@ -1497,17 +2009,29 @@
           <a:p>
             <a:r>
               <a:rPr lang="en-US" altLang="zh-CN" dirty="0" smtClean="0"/>
-              <a:t>With CI, simulation</a:t>
+              <a:t>With different updating rules, simulation</a:t>
             </a:r>
             <a:r>
               <a:rPr lang="en-US" altLang="zh-CN" baseline="0" dirty="0" smtClean="0"/>
-              <a:t> results are researched like this figure. </a:t>
-            </a:r>
-          </a:p>
-          <a:p>
+              <a:t> </a:t>
+            </a:r>
             <a:r>
               <a:rPr lang="en-US" altLang="zh-CN" baseline="0" dirty="0" smtClean="0"/>
-              <a:t>We can find out 3 branch points. The results are very clear to analyze.  </a:t>
+              <a:t>results are researched like this figure. </a:t>
+            </a:r>
+          </a:p>
+          <a:p>
+            <a:r>
+              <a:rPr lang="en-US" altLang="zh-CN" baseline="0" dirty="0" smtClean="0"/>
+              <a:t>We </a:t>
+            </a:r>
+            <a:r>
+              <a:rPr lang="en-US" altLang="zh-CN" baseline="0" dirty="0" smtClean="0"/>
+              <a:t>can </a:t>
+            </a:r>
+            <a:r>
+              <a:rPr lang="en-US" altLang="zh-CN" baseline="0" dirty="0" smtClean="0"/>
+              <a:t>find out 3 branch points. The results are very clear to analyze.  </a:t>
             </a:r>
             <a:endParaRPr lang="zh-CN" altLang="en-US" dirty="0"/>
           </a:p>
@@ -1594,228 +2118,22 @@
           <a:lstStyle/>
           <a:p>
             <a:r>
-              <a:rPr lang="en-US" altLang="zh-CN" baseline="0" dirty="0" smtClean="0"/>
-              <a:t>Analyzing updating rules</a:t>
-            </a:r>
-          </a:p>
-          <a:p>
-            <a:pPr marL="0" lvl="0" indent="0">
-              <a:spcBef>
-                <a:spcPts val="600"/>
-              </a:spcBef>
-              <a:buClr>
-                <a:srgbClr val="004098"/>
-              </a:buClr>
-              <a:buSzPct val="100000"/>
-              <a:buFont typeface="Calibri" panose="020F0502020204030204" pitchFamily="34" charset="0"/>
-              <a:buNone/>
-            </a:pPr>
-            <a:r>
-              <a:rPr lang="en-US" altLang="zh-CN" b="1" dirty="0" smtClean="0">
-                <a:solidFill>
-                  <a:srgbClr val="000000"/>
-                </a:solidFill>
-                <a:latin typeface="Arial" panose="020B0604020202020204" pitchFamily="34" charset="0"/>
-                <a:cs typeface="Arial" panose="020B0604020202020204" pitchFamily="34" charset="0"/>
-              </a:rPr>
-              <a:t>Orders between layers</a:t>
-            </a:r>
-          </a:p>
-          <a:p>
-            <a:pPr lvl="0">
-              <a:spcBef>
-                <a:spcPts val="600"/>
-              </a:spcBef>
-              <a:buClr>
-                <a:srgbClr val="004098"/>
-              </a:buClr>
-              <a:buSzPct val="100000"/>
-            </a:pPr>
-            <a:r>
-              <a:rPr lang="en-US" altLang="zh-CN" dirty="0" smtClean="0">
-                <a:solidFill>
-                  <a:srgbClr val="000000"/>
-                </a:solidFill>
-                <a:latin typeface="Arial" panose="020B0604020202020204" pitchFamily="34" charset="0"/>
-                <a:cs typeface="Arial" panose="020B0604020202020204" pitchFamily="34" charset="0"/>
-              </a:rPr>
-              <a:t>There is no difference between orders of layers, though there exists tiny consensus time gap. Regardless of  which layer works previously, simulation results are almost same.</a:t>
-            </a:r>
-          </a:p>
-          <a:p>
-            <a:endParaRPr lang="en-US" altLang="zh-CN" baseline="0" dirty="0" smtClean="0"/>
-          </a:p>
-          <a:p>
-            <a:pPr marL="0" marR="0" lvl="0" indent="0" algn="l" defTabSz="914400" rtl="0" eaLnBrk="1" fontAlgn="auto" latinLnBrk="0" hangingPunct="1">
-              <a:lnSpc>
-                <a:spcPct val="100000"/>
-              </a:lnSpc>
-              <a:spcBef>
-                <a:spcPts val="0"/>
-              </a:spcBef>
-              <a:spcAft>
-                <a:spcPts val="0"/>
-              </a:spcAft>
-              <a:buClrTx/>
-              <a:buSzTx/>
-              <a:buFontTx/>
-              <a:buNone/>
-              <a:tabLst/>
-              <a:defRPr/>
-            </a:pPr>
-            <a:r>
-              <a:rPr lang="en-US" altLang="zh-CN" b="1" dirty="0" smtClean="0">
-                <a:solidFill>
-                  <a:srgbClr val="000000"/>
-                </a:solidFill>
-                <a:latin typeface="Arial" panose="020B0604020202020204" pitchFamily="34" charset="0"/>
-                <a:cs typeface="Arial" panose="020B0604020202020204" pitchFamily="34" charset="0"/>
-              </a:rPr>
-              <a:t>Orders between nodes</a:t>
-            </a:r>
-            <a:endParaRPr lang="en-US" altLang="zh-CN" baseline="0" dirty="0" smtClean="0"/>
-          </a:p>
-          <a:p>
-            <a:pPr lvl="0">
-              <a:spcBef>
-                <a:spcPts val="600"/>
-              </a:spcBef>
-              <a:buClr>
-                <a:srgbClr val="004098"/>
-              </a:buClr>
-              <a:buSzPct val="100000"/>
-            </a:pPr>
-            <a:r>
-              <a:rPr lang="en-US" altLang="zh-CN" dirty="0" smtClean="0">
-                <a:solidFill>
-                  <a:srgbClr val="000000"/>
-                </a:solidFill>
-                <a:latin typeface="Arial" panose="020B0604020202020204" pitchFamily="34" charset="0"/>
-                <a:cs typeface="Arial" panose="020B0604020202020204" pitchFamily="34" charset="0"/>
-              </a:rPr>
-              <a:t>Orders of nodes can be analyzed as communication methods or decision-making methods.</a:t>
-            </a:r>
-          </a:p>
-          <a:p>
-            <a:pPr lvl="0">
-              <a:spcBef>
-                <a:spcPts val="600"/>
-              </a:spcBef>
-              <a:buClr>
-                <a:srgbClr val="004098"/>
-              </a:buClr>
-              <a:buSzPct val="100000"/>
-            </a:pPr>
-            <a:r>
-              <a:rPr lang="en-US" altLang="zh-CN" dirty="0" smtClean="0">
-                <a:solidFill>
-                  <a:srgbClr val="000000"/>
-                </a:solidFill>
-                <a:latin typeface="Arial" panose="020B0604020202020204" pitchFamily="34" charset="0"/>
-                <a:cs typeface="Arial" panose="020B0604020202020204" pitchFamily="34" charset="0"/>
-              </a:rPr>
-              <a:t>In sequential order, nodes have enough time to observe how other nodes change and to affect their states. It seems to have discussion and conversation.   </a:t>
-            </a:r>
-          </a:p>
-          <a:p>
-            <a:pPr lvl="0">
-              <a:spcBef>
-                <a:spcPts val="600"/>
-              </a:spcBef>
-              <a:buClr>
-                <a:srgbClr val="004098"/>
-              </a:buClr>
-              <a:buSzPct val="100000"/>
-            </a:pPr>
-            <a:r>
-              <a:rPr lang="en-US" altLang="zh-CN" spc="-50" dirty="0" smtClean="0">
-                <a:solidFill>
-                  <a:srgbClr val="000000"/>
-                </a:solidFill>
-                <a:latin typeface="Arial" panose="020B0604020202020204" pitchFamily="34" charset="0"/>
-                <a:cs typeface="Arial" panose="020B0604020202020204" pitchFamily="34" charset="0"/>
-              </a:rPr>
-              <a:t>In simultaneous order, nodes don’t have enough time to observe how other nodes change and to affect their states. It seems to have a vote or election. </a:t>
-            </a:r>
-          </a:p>
-          <a:p>
-            <a:endParaRPr lang="en-US" altLang="zh-CN" baseline="0" dirty="0" smtClean="0"/>
-          </a:p>
-          <a:p>
-            <a:pPr marL="0" marR="0" lvl="0" indent="0" algn="l" defTabSz="914400" rtl="0" eaLnBrk="1" fontAlgn="auto" latinLnBrk="0" hangingPunct="1">
-              <a:lnSpc>
-                <a:spcPct val="100000"/>
-              </a:lnSpc>
-              <a:spcBef>
-                <a:spcPts val="0"/>
-              </a:spcBef>
-              <a:spcAft>
-                <a:spcPts val="0"/>
-              </a:spcAft>
-              <a:buClrTx/>
-              <a:buSzTx/>
-              <a:buFontTx/>
-              <a:buNone/>
-              <a:tabLst/>
-              <a:defRPr/>
-            </a:pPr>
-            <a:r>
-              <a:rPr lang="en-US" altLang="zh-CN" b="1" dirty="0" smtClean="0">
-                <a:solidFill>
-                  <a:srgbClr val="000000"/>
-                </a:solidFill>
-                <a:latin typeface="Arial" panose="020B0604020202020204" pitchFamily="34" charset="0"/>
-                <a:cs typeface="Arial" panose="020B0604020202020204" pitchFamily="34" charset="0"/>
-              </a:rPr>
-              <a:t>Orders between edges of each node in layer A</a:t>
-            </a:r>
-            <a:endParaRPr lang="en-US" altLang="zh-CN" baseline="0" dirty="0" smtClean="0"/>
-          </a:p>
-          <a:p>
-            <a:pPr lvl="0">
-              <a:spcBef>
-                <a:spcPts val="600"/>
-              </a:spcBef>
-              <a:buClr>
-                <a:srgbClr val="004098"/>
-              </a:buClr>
-              <a:buSzPct val="100000"/>
-            </a:pPr>
-            <a:r>
-              <a:rPr lang="en-US" altLang="zh-CN" dirty="0" smtClean="0">
-                <a:solidFill>
-                  <a:srgbClr val="000000"/>
-                </a:solidFill>
-                <a:latin typeface="Arial" panose="020B0604020202020204" pitchFamily="34" charset="0"/>
-                <a:cs typeface="Arial" panose="020B0604020202020204" pitchFamily="34" charset="0"/>
-              </a:rPr>
-              <a:t>Orders of edges can be analyzed as characteristics of nodes. In sequential order, nodes change their states whenever their edges are activated. We can call them rash nodes. </a:t>
-            </a:r>
-          </a:p>
-          <a:p>
-            <a:pPr lvl="0">
-              <a:spcBef>
-                <a:spcPts val="600"/>
-              </a:spcBef>
-              <a:buClr>
-                <a:srgbClr val="004098"/>
-              </a:buClr>
-              <a:buSzPct val="100000"/>
-            </a:pPr>
-            <a:r>
-              <a:rPr lang="en-US" altLang="zh-CN" dirty="0" smtClean="0">
-                <a:solidFill>
-                  <a:srgbClr val="000000"/>
-                </a:solidFill>
-                <a:latin typeface="Arial" panose="020B0604020202020204" pitchFamily="34" charset="0"/>
-                <a:cs typeface="Arial" panose="020B0604020202020204" pitchFamily="34" charset="0"/>
-              </a:rPr>
-              <a:t>But, in simultaneous order, after nodes consider all edges, they change their states. We can call them considerate nodes.  </a:t>
-            </a:r>
-            <a:endParaRPr lang="en-US" altLang="zh-CN" baseline="0" dirty="0" smtClean="0"/>
-          </a:p>
-          <a:p>
-            <a:endParaRPr lang="en-US" altLang="zh-CN" dirty="0" smtClean="0"/>
+              <a:rPr lang="en-US" altLang="zh-CN" dirty="0" smtClean="0"/>
+              <a:t>There are three branch points. In the first branch point, the results are divided according to whether order of nodes in layer B is sequential or simultaneous. </a:t>
+            </a:r>
+          </a:p>
+          <a:p>
+            <a:r>
+              <a:rPr lang="en-US" altLang="zh-CN" dirty="0" smtClean="0"/>
+              <a:t>In the second and third branch point, the results are divided according to whether order of edges in layer A is sequential or simultaneous. </a:t>
+            </a:r>
+          </a:p>
+          <a:p>
+            <a:r>
+              <a:rPr lang="en-US" altLang="zh-CN" dirty="0" smtClean="0"/>
+              <a:t>As the results, there are 4 categories such as fast positive consensus, slow positive consensus, coexistence and slow negative consensus. </a:t>
+            </a:r>
+            <a:endParaRPr lang="zh-CN" altLang="en-US" dirty="0"/>
           </a:p>
         </p:txBody>
       </p:sp>
@@ -1845,7 +2163,7 @@
     </p:spTree>
     <p:extLst>
       <p:ext uri="{BB962C8B-B14F-4D97-AF65-F5344CB8AC3E}">
-        <p14:creationId xmlns:p14="http://schemas.microsoft.com/office/powerpoint/2010/main" val="905285331"/>
+        <p14:creationId xmlns:p14="http://schemas.microsoft.com/office/powerpoint/2010/main" val="2529324008"/>
       </p:ext>
     </p:extLst>
   </p:cSld>
@@ -1900,94 +2218,228 @@
           <a:lstStyle/>
           <a:p>
             <a:r>
-              <a:rPr lang="en-US" altLang="zh-CN" sz="1200" kern="1200" dirty="0" smtClean="0">
-                <a:solidFill>
-                  <a:schemeClr val="tx1"/>
-                </a:solidFill>
-                <a:effectLst/>
-                <a:latin typeface="+mn-lt"/>
-                <a:ea typeface="+mn-ea"/>
-                <a:cs typeface="+mn-cs"/>
-              </a:rPr>
-              <a:t>To find important nodes on two-layer networks, it is investigated which nodes have more influence on changing average states of network by unchanging the nodes states. </a:t>
-            </a:r>
-          </a:p>
-          <a:p>
-            <a:r>
-              <a:rPr lang="en-US" altLang="zh-CN" sz="1200" kern="1200" dirty="0" smtClean="0">
-                <a:solidFill>
-                  <a:schemeClr val="tx1"/>
-                </a:solidFill>
-                <a:effectLst/>
-                <a:latin typeface="+mn-lt"/>
-                <a:ea typeface="+mn-ea"/>
-                <a:cs typeface="+mn-cs"/>
-              </a:rPr>
-              <a:t>Method</a:t>
-            </a:r>
-            <a:r>
-              <a:rPr lang="en-US" altLang="zh-CN" sz="1200" kern="1200" baseline="0" dirty="0" smtClean="0">
-                <a:solidFill>
-                  <a:schemeClr val="tx1"/>
-                </a:solidFill>
-                <a:effectLst/>
-                <a:latin typeface="+mn-lt"/>
-                <a:ea typeface="+mn-ea"/>
-                <a:cs typeface="+mn-cs"/>
-              </a:rPr>
-              <a:t> is like this way. </a:t>
-            </a:r>
-          </a:p>
-          <a:p>
-            <a:r>
-              <a:rPr lang="en-US" altLang="zh-CN" sz="1200" kern="1200" dirty="0" smtClean="0">
-                <a:solidFill>
-                  <a:schemeClr val="tx1"/>
-                </a:solidFill>
-                <a:effectLst/>
-                <a:latin typeface="+mn-lt"/>
-                <a:ea typeface="+mn-ea"/>
-                <a:cs typeface="+mn-cs"/>
-              </a:rPr>
-              <a:t>all nodes are ranked by node centralities, and the ratio of unchanged nodes are increased according to ranked order, until the average states of network have different states. </a:t>
-            </a:r>
-          </a:p>
-          <a:p>
-            <a:r>
-              <a:rPr lang="en-US" altLang="zh-CN" sz="1200" kern="1200" dirty="0" smtClean="0">
-                <a:solidFill>
-                  <a:schemeClr val="tx1"/>
-                </a:solidFill>
-                <a:effectLst/>
-                <a:latin typeface="+mn-lt"/>
-                <a:ea typeface="+mn-ea"/>
-                <a:cs typeface="+mn-cs"/>
-              </a:rPr>
-              <a:t>When the ratio of unchanged nodes according to node centrality is the least, that centrality is the most influential property for interconnected network.</a:t>
-            </a:r>
-            <a:endParaRPr lang="zh-CN" altLang="zh-CN" sz="1200" kern="1200" dirty="0" smtClean="0">
-              <a:solidFill>
-                <a:schemeClr val="tx1"/>
-              </a:solidFill>
-              <a:effectLst/>
-              <a:latin typeface="+mn-lt"/>
-              <a:ea typeface="+mn-ea"/>
-              <a:cs typeface="+mn-cs"/>
-            </a:endParaRPr>
-          </a:p>
-          <a:p>
-            <a:r>
-              <a:rPr lang="en-US" altLang="zh-CN" sz="1200" kern="1200" dirty="0" smtClean="0">
-                <a:solidFill>
-                  <a:schemeClr val="tx1"/>
-                </a:solidFill>
-                <a:effectLst/>
-                <a:latin typeface="+mn-lt"/>
-                <a:ea typeface="+mn-ea"/>
-                <a:cs typeface="+mn-cs"/>
-              </a:rPr>
-              <a:t>As initial condition for finding key node in layer A, each layer is made of BA network with 2048 nodes and 1 external edge. Parameter values are like p=0.3, v=0.3. </a:t>
-            </a:r>
+              <a:rPr lang="en-US" altLang="zh-CN" baseline="0" dirty="0" smtClean="0"/>
+              <a:t>Analyzing updating rules</a:t>
+            </a:r>
+          </a:p>
+          <a:p>
+            <a:pPr marL="0" lvl="0" indent="0">
+              <a:spcBef>
+                <a:spcPts val="600"/>
+              </a:spcBef>
+              <a:buClr>
+                <a:srgbClr val="004098"/>
+              </a:buClr>
+              <a:buSzPct val="100000"/>
+              <a:buFont typeface="Calibri" panose="020F0502020204030204" pitchFamily="34" charset="0"/>
+              <a:buNone/>
+            </a:pPr>
+            <a:r>
+              <a:rPr lang="en-US" altLang="zh-CN" b="1" dirty="0" smtClean="0">
+                <a:solidFill>
+                  <a:srgbClr val="000000"/>
+                </a:solidFill>
+                <a:latin typeface="Arial" panose="020B0604020202020204" pitchFamily="34" charset="0"/>
+                <a:cs typeface="Arial" panose="020B0604020202020204" pitchFamily="34" charset="0"/>
+              </a:rPr>
+              <a:t>Orders between layers</a:t>
+            </a:r>
+          </a:p>
+          <a:p>
+            <a:pPr lvl="0">
+              <a:spcBef>
+                <a:spcPts val="600"/>
+              </a:spcBef>
+              <a:buClr>
+                <a:srgbClr val="004098"/>
+              </a:buClr>
+              <a:buSzPct val="100000"/>
+            </a:pPr>
+            <a:r>
+              <a:rPr lang="en-US" altLang="zh-CN" dirty="0" smtClean="0">
+                <a:solidFill>
+                  <a:srgbClr val="000000"/>
+                </a:solidFill>
+                <a:latin typeface="Arial" panose="020B0604020202020204" pitchFamily="34" charset="0"/>
+                <a:cs typeface="Arial" panose="020B0604020202020204" pitchFamily="34" charset="0"/>
+              </a:rPr>
+              <a:t>There is no difference between orders of layers, though there exists tiny consensus time gap. Regardless of  which layer works previously, simulation results are almost same.</a:t>
+            </a:r>
+          </a:p>
+          <a:p>
+            <a:endParaRPr lang="en-US" altLang="zh-CN" baseline="0" dirty="0" smtClean="0"/>
+          </a:p>
+          <a:p>
+            <a:pPr marL="0" marR="0" lvl="0" indent="0" algn="l" defTabSz="914400" rtl="0" eaLnBrk="1" fontAlgn="auto" latinLnBrk="0" hangingPunct="1">
+              <a:lnSpc>
+                <a:spcPct val="100000"/>
+              </a:lnSpc>
+              <a:spcBef>
+                <a:spcPts val="0"/>
+              </a:spcBef>
+              <a:spcAft>
+                <a:spcPts val="0"/>
+              </a:spcAft>
+              <a:buClrTx/>
+              <a:buSzTx/>
+              <a:buFontTx/>
+              <a:buNone/>
+              <a:tabLst/>
+              <a:defRPr/>
+            </a:pPr>
+            <a:r>
+              <a:rPr lang="en-US" altLang="zh-CN" b="1" dirty="0" smtClean="0">
+                <a:solidFill>
+                  <a:srgbClr val="000000"/>
+                </a:solidFill>
+                <a:latin typeface="Arial" panose="020B0604020202020204" pitchFamily="34" charset="0"/>
+                <a:cs typeface="Arial" panose="020B0604020202020204" pitchFamily="34" charset="0"/>
+              </a:rPr>
+              <a:t>Orders between nodes</a:t>
+            </a:r>
+            <a:endParaRPr lang="en-US" altLang="zh-CN" baseline="0" dirty="0" smtClean="0"/>
+          </a:p>
+          <a:p>
+            <a:pPr lvl="0">
+              <a:spcBef>
+                <a:spcPts val="600"/>
+              </a:spcBef>
+              <a:buClr>
+                <a:srgbClr val="004098"/>
+              </a:buClr>
+              <a:buSzPct val="100000"/>
+            </a:pPr>
+            <a:r>
+              <a:rPr lang="en-US" altLang="zh-CN" dirty="0" smtClean="0">
+                <a:solidFill>
+                  <a:srgbClr val="000000"/>
+                </a:solidFill>
+                <a:latin typeface="Arial" panose="020B0604020202020204" pitchFamily="34" charset="0"/>
+                <a:cs typeface="Arial" panose="020B0604020202020204" pitchFamily="34" charset="0"/>
+              </a:rPr>
+              <a:t>Orders of nodes can be analyzed as communication methods or decision-making methods.</a:t>
+            </a:r>
+          </a:p>
+          <a:p>
+            <a:pPr lvl="0">
+              <a:spcBef>
+                <a:spcPts val="600"/>
+              </a:spcBef>
+              <a:buClr>
+                <a:srgbClr val="004098"/>
+              </a:buClr>
+              <a:buSzPct val="100000"/>
+            </a:pPr>
+            <a:r>
+              <a:rPr lang="en-US" altLang="zh-CN" dirty="0" smtClean="0">
+                <a:solidFill>
+                  <a:srgbClr val="000000"/>
+                </a:solidFill>
+                <a:latin typeface="Arial" panose="020B0604020202020204" pitchFamily="34" charset="0"/>
+                <a:cs typeface="Arial" panose="020B0604020202020204" pitchFamily="34" charset="0"/>
+              </a:rPr>
+              <a:t>In sequential order, nodes have enough time to observe how other nodes change and to affect their states. It seems to have discussion and conversation.   </a:t>
+            </a:r>
+          </a:p>
+          <a:p>
+            <a:pPr lvl="0">
+              <a:spcBef>
+                <a:spcPts val="600"/>
+              </a:spcBef>
+              <a:buClr>
+                <a:srgbClr val="004098"/>
+              </a:buClr>
+              <a:buSzPct val="100000"/>
+            </a:pPr>
+            <a:r>
+              <a:rPr lang="en-US" altLang="zh-CN" spc="-50" dirty="0" smtClean="0">
+                <a:solidFill>
+                  <a:srgbClr val="000000"/>
+                </a:solidFill>
+                <a:latin typeface="Arial" panose="020B0604020202020204" pitchFamily="34" charset="0"/>
+                <a:cs typeface="Arial" panose="020B0604020202020204" pitchFamily="34" charset="0"/>
+              </a:rPr>
+              <a:t>In simultaneous order, nodes don’t have enough time to observe how other nodes change and to affect their states. It seems to have a vote or election. </a:t>
+            </a:r>
+          </a:p>
+          <a:p>
+            <a:endParaRPr lang="en-US" altLang="zh-CN" baseline="0" dirty="0" smtClean="0"/>
+          </a:p>
+          <a:p>
+            <a:pPr marL="0" marR="0" lvl="0" indent="0" algn="l" defTabSz="914400" rtl="0" eaLnBrk="1" fontAlgn="auto" latinLnBrk="0" hangingPunct="1">
+              <a:lnSpc>
+                <a:spcPct val="100000"/>
+              </a:lnSpc>
+              <a:spcBef>
+                <a:spcPts val="0"/>
+              </a:spcBef>
+              <a:spcAft>
+                <a:spcPts val="0"/>
+              </a:spcAft>
+              <a:buClrTx/>
+              <a:buSzTx/>
+              <a:buFontTx/>
+              <a:buNone/>
+              <a:tabLst/>
+              <a:defRPr/>
+            </a:pPr>
+            <a:r>
+              <a:rPr lang="en-US" altLang="zh-CN" b="1" dirty="0" smtClean="0">
+                <a:solidFill>
+                  <a:srgbClr val="000000"/>
+                </a:solidFill>
+                <a:latin typeface="Arial" panose="020B0604020202020204" pitchFamily="34" charset="0"/>
+                <a:cs typeface="Arial" panose="020B0604020202020204" pitchFamily="34" charset="0"/>
+              </a:rPr>
+              <a:t>Orders between edges of each node in layer A</a:t>
+            </a:r>
+            <a:endParaRPr lang="en-US" altLang="zh-CN" baseline="0" dirty="0" smtClean="0"/>
+          </a:p>
+          <a:p>
+            <a:pPr lvl="0">
+              <a:spcBef>
+                <a:spcPts val="600"/>
+              </a:spcBef>
+              <a:buClr>
+                <a:srgbClr val="004098"/>
+              </a:buClr>
+              <a:buSzPct val="100000"/>
+            </a:pPr>
+            <a:r>
+              <a:rPr lang="en-US" altLang="zh-CN" dirty="0" smtClean="0">
+                <a:solidFill>
+                  <a:srgbClr val="000000"/>
+                </a:solidFill>
+                <a:latin typeface="Arial" panose="020B0604020202020204" pitchFamily="34" charset="0"/>
+                <a:cs typeface="Arial" panose="020B0604020202020204" pitchFamily="34" charset="0"/>
+              </a:rPr>
+              <a:t>Orders of edges can be analyzed as characteristics of nodes. In sequential order, nodes change their states whenever their edges are activated. We can call them rash nodes. </a:t>
+            </a:r>
+          </a:p>
+          <a:p>
+            <a:pPr lvl="0">
+              <a:spcBef>
+                <a:spcPts val="600"/>
+              </a:spcBef>
+              <a:buClr>
+                <a:srgbClr val="004098"/>
+              </a:buClr>
+              <a:buSzPct val="100000"/>
+            </a:pPr>
+            <a:r>
+              <a:rPr lang="en-US" altLang="zh-CN" dirty="0" smtClean="0">
+                <a:solidFill>
+                  <a:srgbClr val="000000"/>
+                </a:solidFill>
+                <a:latin typeface="Arial" panose="020B0604020202020204" pitchFamily="34" charset="0"/>
+                <a:cs typeface="Arial" panose="020B0604020202020204" pitchFamily="34" charset="0"/>
+              </a:rPr>
+              <a:t>But, in simultaneous order, after nodes consider all edges, they change their states. We can call them considerate nodes.  </a:t>
+            </a:r>
+            <a:endParaRPr lang="en-US" altLang="zh-CN" baseline="0" dirty="0" smtClean="0"/>
+          </a:p>
+          <a:p>
+            <a:endParaRPr lang="en-US" altLang="zh-CN" dirty="0" smtClean="0"/>
           </a:p>
         </p:txBody>
       </p:sp>
@@ -2017,7 +2469,7 @@
     </p:spTree>
     <p:extLst>
       <p:ext uri="{BB962C8B-B14F-4D97-AF65-F5344CB8AC3E}">
-        <p14:creationId xmlns:p14="http://schemas.microsoft.com/office/powerpoint/2010/main" val="944274066"/>
+        <p14:creationId xmlns:p14="http://schemas.microsoft.com/office/powerpoint/2010/main" val="905285331"/>
       </p:ext>
     </p:extLst>
   </p:cSld>
@@ -2072,20 +2524,173 @@
           <a:lstStyle/>
           <a:p>
             <a:r>
-              <a:rPr lang="en-US" altLang="zh-CN" dirty="0" smtClean="0"/>
-              <a:t>With CI, simulation</a:t>
-            </a:r>
-            <a:r>
-              <a:rPr lang="en-US" altLang="zh-CN" baseline="0" dirty="0" smtClean="0"/>
-              <a:t> results are researched like this figure. </a:t>
-            </a:r>
-          </a:p>
-          <a:p>
-            <a:r>
-              <a:rPr lang="en-US" altLang="zh-CN" baseline="0" dirty="0" smtClean="0"/>
-              <a:t>We can find out 3 branch points. The results are very clear to analyze.  </a:t>
-            </a:r>
-            <a:endParaRPr lang="zh-CN" altLang="en-US" dirty="0"/>
+              <a:rPr lang="en-US" altLang="zh-CN" sz="1200" kern="1200" dirty="0" smtClean="0">
+                <a:solidFill>
+                  <a:schemeClr val="tx1"/>
+                </a:solidFill>
+                <a:effectLst/>
+                <a:latin typeface="+mn-lt"/>
+                <a:ea typeface="+mn-ea"/>
+                <a:cs typeface="+mn-cs"/>
+              </a:rPr>
+              <a:t>Next</a:t>
+            </a:r>
+            <a:r>
+              <a:rPr lang="en-US" altLang="zh-CN" sz="1200" kern="1200" baseline="0" dirty="0" smtClean="0">
+                <a:solidFill>
+                  <a:schemeClr val="tx1"/>
+                </a:solidFill>
+                <a:effectLst/>
+                <a:latin typeface="+mn-lt"/>
+                <a:ea typeface="+mn-ea"/>
+                <a:cs typeface="+mn-cs"/>
+              </a:rPr>
+              <a:t> topic, finding key nodes in each layer. </a:t>
+            </a:r>
+            <a:endParaRPr lang="en-US" altLang="zh-CN" sz="1200" kern="1200" dirty="0" smtClean="0">
+              <a:solidFill>
+                <a:schemeClr val="tx1"/>
+              </a:solidFill>
+              <a:effectLst/>
+              <a:latin typeface="+mn-lt"/>
+              <a:ea typeface="+mn-ea"/>
+              <a:cs typeface="+mn-cs"/>
+            </a:endParaRPr>
+          </a:p>
+          <a:p>
+            <a:endParaRPr lang="en-US" altLang="zh-CN" sz="1200" kern="1200" dirty="0" smtClean="0">
+              <a:solidFill>
+                <a:schemeClr val="tx1"/>
+              </a:solidFill>
+              <a:effectLst/>
+              <a:latin typeface="+mn-lt"/>
+              <a:ea typeface="+mn-ea"/>
+              <a:cs typeface="+mn-cs"/>
+            </a:endParaRPr>
+          </a:p>
+          <a:p>
+            <a:r>
+              <a:rPr lang="en-US" altLang="zh-CN" sz="1200" kern="1200" dirty="0" smtClean="0">
+                <a:solidFill>
+                  <a:schemeClr val="tx1"/>
+                </a:solidFill>
+                <a:effectLst/>
+                <a:latin typeface="+mn-lt"/>
+                <a:ea typeface="+mn-ea"/>
+                <a:cs typeface="+mn-cs"/>
+              </a:rPr>
+              <a:t>To </a:t>
+            </a:r>
+            <a:r>
+              <a:rPr lang="en-US" altLang="zh-CN" sz="1200" kern="1200" dirty="0" smtClean="0">
+                <a:solidFill>
+                  <a:schemeClr val="tx1"/>
+                </a:solidFill>
+                <a:effectLst/>
+                <a:latin typeface="+mn-lt"/>
+                <a:ea typeface="+mn-ea"/>
+                <a:cs typeface="+mn-cs"/>
+              </a:rPr>
+              <a:t>find important nodes on two-layer networks, it is investigated which nodes have more influence on changing average states of network by unchanging the nodes states. </a:t>
+            </a:r>
+          </a:p>
+          <a:p>
+            <a:r>
+              <a:rPr lang="en-US" altLang="zh-CN" sz="1200" kern="1200" dirty="0" smtClean="0">
+                <a:solidFill>
+                  <a:schemeClr val="tx1"/>
+                </a:solidFill>
+                <a:effectLst/>
+                <a:latin typeface="+mn-lt"/>
+                <a:ea typeface="+mn-ea"/>
+                <a:cs typeface="+mn-cs"/>
+              </a:rPr>
+              <a:t>Method</a:t>
+            </a:r>
+            <a:r>
+              <a:rPr lang="en-US" altLang="zh-CN" sz="1200" kern="1200" baseline="0" dirty="0" smtClean="0">
+                <a:solidFill>
+                  <a:schemeClr val="tx1"/>
+                </a:solidFill>
+                <a:effectLst/>
+                <a:latin typeface="+mn-lt"/>
+                <a:ea typeface="+mn-ea"/>
+                <a:cs typeface="+mn-cs"/>
+              </a:rPr>
+              <a:t> is like this way. </a:t>
+            </a:r>
+          </a:p>
+          <a:p>
+            <a:r>
+              <a:rPr lang="en-US" altLang="zh-CN" sz="1200" kern="1200" dirty="0" smtClean="0">
+                <a:solidFill>
+                  <a:schemeClr val="tx1"/>
+                </a:solidFill>
+                <a:effectLst/>
+                <a:latin typeface="+mn-lt"/>
+                <a:ea typeface="+mn-ea"/>
+                <a:cs typeface="+mn-cs"/>
+              </a:rPr>
+              <a:t>all nodes are ranked by node centralities, and the ratio of unchanged nodes are increased according to ranked order, until the average states of network have different states. </a:t>
+            </a:r>
+          </a:p>
+          <a:p>
+            <a:r>
+              <a:rPr lang="en-US" altLang="zh-CN" sz="1200" kern="1200" dirty="0" smtClean="0">
+                <a:solidFill>
+                  <a:schemeClr val="tx1"/>
+                </a:solidFill>
+                <a:effectLst/>
+                <a:latin typeface="+mn-lt"/>
+                <a:ea typeface="+mn-ea"/>
+                <a:cs typeface="+mn-cs"/>
+              </a:rPr>
+              <a:t>When the ratio of unchanged nodes according to node centrality is the least, that centrality is the most influential property for interconnected network.</a:t>
+            </a:r>
+            <a:endParaRPr lang="zh-CN" altLang="zh-CN" sz="1200" kern="1200" dirty="0" smtClean="0">
+              <a:solidFill>
+                <a:schemeClr val="tx1"/>
+              </a:solidFill>
+              <a:effectLst/>
+              <a:latin typeface="+mn-lt"/>
+              <a:ea typeface="+mn-ea"/>
+              <a:cs typeface="+mn-cs"/>
+            </a:endParaRPr>
+          </a:p>
+          <a:p>
+            <a:r>
+              <a:rPr lang="en-US" altLang="zh-CN" sz="1200" kern="1200" dirty="0" smtClean="0">
+                <a:solidFill>
+                  <a:schemeClr val="tx1"/>
+                </a:solidFill>
+                <a:effectLst/>
+                <a:latin typeface="+mn-lt"/>
+                <a:ea typeface="+mn-ea"/>
+                <a:cs typeface="+mn-cs"/>
+              </a:rPr>
+              <a:t>As initial condition for finding key node in layer A, each layer is made of BA network with 2048 nodes and 1 external edge. Parameter values are like </a:t>
+            </a:r>
+            <a:r>
+              <a:rPr lang="en-US" altLang="zh-CN" sz="1200" kern="1200" dirty="0" smtClean="0">
+                <a:solidFill>
+                  <a:schemeClr val="tx1"/>
+                </a:solidFill>
+                <a:effectLst/>
+                <a:latin typeface="+mn-lt"/>
+                <a:ea typeface="+mn-ea"/>
+                <a:cs typeface="+mn-cs"/>
+              </a:rPr>
+              <a:t>p=0.2, v=0.4. </a:t>
+            </a:r>
+            <a:endParaRPr lang="en-US" altLang="zh-CN" sz="1200" kern="1200" dirty="0" smtClean="0">
+              <a:solidFill>
+                <a:schemeClr val="tx1"/>
+              </a:solidFill>
+              <a:effectLst/>
+              <a:latin typeface="+mn-lt"/>
+              <a:ea typeface="+mn-ea"/>
+              <a:cs typeface="+mn-cs"/>
+            </a:endParaRPr>
           </a:p>
         </p:txBody>
       </p:sp>
@@ -2115,7 +2720,7 @@
     </p:spTree>
     <p:extLst>
       <p:ext uri="{BB962C8B-B14F-4D97-AF65-F5344CB8AC3E}">
-        <p14:creationId xmlns:p14="http://schemas.microsoft.com/office/powerpoint/2010/main" val="1770612127"/>
+        <p14:creationId xmlns:p14="http://schemas.microsoft.com/office/powerpoint/2010/main" val="944274066"/>
       </p:ext>
     </p:extLst>
   </p:cSld>
@@ -2171,17 +2776,34 @@
           <a:p>
             <a:r>
               <a:rPr lang="en-US" altLang="zh-CN" dirty="0" smtClean="0"/>
-              <a:t>With CI, simulation</a:t>
+              <a:t>This is the result</a:t>
             </a:r>
             <a:r>
               <a:rPr lang="en-US" altLang="zh-CN" baseline="0" dirty="0" smtClean="0"/>
-              <a:t> results are researched like this figure. </a:t>
-            </a:r>
+              <a:t> for finding key nodes in layer A</a:t>
+            </a:r>
+          </a:p>
+          <a:p>
+            <a:endParaRPr lang="en-US" altLang="zh-CN" baseline="0" dirty="0" smtClean="0"/>
           </a:p>
           <a:p>
             <a:r>
               <a:rPr lang="en-US" altLang="zh-CN" baseline="0" dirty="0" smtClean="0"/>
-              <a:t>We can find out 3 branch points. The results are very clear to analyze.  </a:t>
+              <a:t>When the number of total edges is 4,092, the efficient method is ranked as </a:t>
+            </a:r>
+            <a:r>
+              <a:rPr lang="en-US" altLang="zh-CN" baseline="0" dirty="0" err="1" smtClean="0"/>
+              <a:t>pagerank</a:t>
+            </a:r>
+            <a:r>
+              <a:rPr lang="en-US" altLang="zh-CN" baseline="0" dirty="0" smtClean="0"/>
+              <a:t>, degree, eigenvector, random. </a:t>
+            </a:r>
+          </a:p>
+          <a:p>
+            <a:r>
+              <a:rPr lang="en-US" altLang="zh-CN" baseline="0" dirty="0" smtClean="0"/>
+              <a:t>  </a:t>
             </a:r>
             <a:endParaRPr lang="zh-CN" altLang="en-US" dirty="0"/>
           </a:p>
@@ -2213,7 +2835,7 @@
     </p:spTree>
     <p:extLst>
       <p:ext uri="{BB962C8B-B14F-4D97-AF65-F5344CB8AC3E}">
-        <p14:creationId xmlns:p14="http://schemas.microsoft.com/office/powerpoint/2010/main" val="2989325012"/>
+        <p14:creationId xmlns:p14="http://schemas.microsoft.com/office/powerpoint/2010/main" val="1770612127"/>
       </p:ext>
     </p:extLst>
   </p:cSld>
@@ -2268,18 +2890,22 @@
           <a:lstStyle/>
           <a:p>
             <a:r>
-              <a:rPr lang="en-US" altLang="zh-CN" dirty="0" smtClean="0"/>
-              <a:t>With CI, simulation</a:t>
-            </a:r>
-            <a:r>
               <a:rPr lang="en-US" altLang="zh-CN" baseline="0" dirty="0" smtClean="0"/>
-              <a:t> results are researched like this figure. </a:t>
-            </a:r>
-          </a:p>
-          <a:p>
+              <a:t>When the number of total edges is 6,135, </a:t>
+            </a:r>
+            <a:r>
+              <a:rPr lang="en-US" altLang="zh-CN" baseline="0" dirty="0" err="1" smtClean="0"/>
+              <a:t>pagerank</a:t>
+            </a:r>
             <a:r>
               <a:rPr lang="en-US" altLang="zh-CN" baseline="0" dirty="0" smtClean="0"/>
-              <a:t>We can find out 3 branch points. The results are very clear to analyze.  </a:t>
+              <a:t> and degree method is almost same. And total orientation is easier to change than previous one.</a:t>
+            </a:r>
+          </a:p>
+          <a:p>
+            <a:r>
+              <a:rPr lang="en-US" altLang="zh-CN" baseline="0" dirty="0" smtClean="0"/>
+              <a:t> </a:t>
             </a:r>
             <a:endParaRPr lang="zh-CN" altLang="en-US" dirty="0"/>
           </a:p>
@@ -2311,7 +2937,7 @@
     </p:spTree>
     <p:extLst>
       <p:ext uri="{BB962C8B-B14F-4D97-AF65-F5344CB8AC3E}">
-        <p14:creationId xmlns:p14="http://schemas.microsoft.com/office/powerpoint/2010/main" val="653486884"/>
+        <p14:creationId xmlns:p14="http://schemas.microsoft.com/office/powerpoint/2010/main" val="2989325012"/>
       </p:ext>
     </p:extLst>
   </p:cSld>
@@ -2366,96 +2992,17 @@
           <a:lstStyle/>
           <a:p>
             <a:r>
-              <a:rPr lang="en-US" altLang="zh-CN" dirty="0" smtClean="0"/>
-              <a:t>As</a:t>
-            </a:r>
-            <a:r>
               <a:rPr lang="en-US" altLang="zh-CN" baseline="0" dirty="0" smtClean="0"/>
-              <a:t> future research.</a:t>
-            </a:r>
-          </a:p>
-          <a:p>
-            <a:endParaRPr lang="en-US" altLang="zh-CN" baseline="0" dirty="0" smtClean="0"/>
-          </a:p>
-          <a:p>
+              <a:t>When the number of total edges is 8,176, </a:t>
+            </a:r>
+            <a:r>
+              <a:rPr lang="en-US" altLang="zh-CN" baseline="0" dirty="0" err="1" smtClean="0"/>
+              <a:t>pagerank</a:t>
+            </a:r>
             <a:r>
               <a:rPr lang="en-US" altLang="zh-CN" baseline="0" dirty="0" smtClean="0"/>
-              <a:t>Next, I try to find key edges. </a:t>
-            </a:r>
-          </a:p>
-          <a:p>
-            <a:r>
-              <a:rPr lang="en-US" altLang="zh-CN" sz="1200" kern="1200" dirty="0" smtClean="0">
-                <a:solidFill>
-                  <a:schemeClr val="tx1"/>
-                </a:solidFill>
-                <a:effectLst/>
-                <a:latin typeface="+mn-lt"/>
-                <a:ea typeface="+mn-ea"/>
-                <a:cs typeface="+mn-cs"/>
-              </a:rPr>
-              <a:t>To find important edges on two-layer networks, it is investigated which edges have more influence on changing the average states of network by removing edges. All edges are ranked according to edge properties, such as </a:t>
-            </a:r>
-            <a:r>
-              <a:rPr lang="en-US" altLang="zh-CN" sz="1200" kern="1200" dirty="0" err="1" smtClean="0">
-                <a:solidFill>
-                  <a:schemeClr val="tx1"/>
-                </a:solidFill>
-                <a:effectLst/>
-                <a:latin typeface="+mn-lt"/>
-                <a:ea typeface="+mn-ea"/>
-                <a:cs typeface="+mn-cs"/>
-              </a:rPr>
-              <a:t>jaccard</a:t>
-            </a:r>
-            <a:r>
-              <a:rPr lang="en-US" altLang="zh-CN" sz="1200" kern="1200" dirty="0" smtClean="0">
-                <a:solidFill>
-                  <a:schemeClr val="tx1"/>
-                </a:solidFill>
-                <a:effectLst/>
-                <a:latin typeface="+mn-lt"/>
-                <a:ea typeface="+mn-ea"/>
-                <a:cs typeface="+mn-cs"/>
-              </a:rPr>
-              <a:t> index, degree product, edge-</a:t>
-            </a:r>
-            <a:r>
-              <a:rPr lang="en-US" altLang="zh-CN" sz="1200" kern="1200" dirty="0" err="1" smtClean="0">
-                <a:solidFill>
-                  <a:schemeClr val="tx1"/>
-                </a:solidFill>
-                <a:effectLst/>
-                <a:latin typeface="+mn-lt"/>
-                <a:ea typeface="+mn-ea"/>
-                <a:cs typeface="+mn-cs"/>
-              </a:rPr>
-              <a:t>betweenness</a:t>
-            </a:r>
-            <a:r>
-              <a:rPr lang="en-US" altLang="zh-CN" sz="1200" kern="1200" dirty="0" smtClean="0">
-                <a:solidFill>
-                  <a:schemeClr val="tx1"/>
-                </a:solidFill>
-                <a:effectLst/>
-                <a:latin typeface="+mn-lt"/>
-                <a:ea typeface="+mn-ea"/>
-                <a:cs typeface="+mn-cs"/>
-              </a:rPr>
-              <a:t>, and node centrality-based properties. And the ratio of removed edges is increased according to ranked order. And various simulations are implemented by removing internal edges, external edges, or mixed edges. </a:t>
-            </a:r>
-            <a:endParaRPr lang="en-US" altLang="zh-CN" baseline="0" dirty="0" smtClean="0"/>
-          </a:p>
-          <a:p>
-            <a:endParaRPr lang="en-US" altLang="zh-CN" baseline="0" dirty="0" smtClean="0"/>
-          </a:p>
-          <a:p>
-            <a:r>
-              <a:rPr lang="en-US" altLang="zh-CN" baseline="0" dirty="0" smtClean="0"/>
-              <a:t>And, I try to develop better algorithm for finding key nodes and edges. After analyzing the simulation results, better algorithms are provided for finding key nodes and edges. </a:t>
-            </a:r>
-          </a:p>
-          <a:p>
+              <a:t>, degree, and eigenvector method is almost same. And total orientation is much easier to change than previous one.</a:t>
+            </a:r>
             <a:endParaRPr lang="en-US" altLang="zh-CN" baseline="0" dirty="0" smtClean="0"/>
           </a:p>
         </p:txBody>
@@ -2486,7 +3033,7 @@
     </p:spTree>
     <p:extLst>
       <p:ext uri="{BB962C8B-B14F-4D97-AF65-F5344CB8AC3E}">
-        <p14:creationId xmlns:p14="http://schemas.microsoft.com/office/powerpoint/2010/main" val="1731324705"/>
+        <p14:creationId xmlns:p14="http://schemas.microsoft.com/office/powerpoint/2010/main" val="653486884"/>
       </p:ext>
     </p:extLst>
   </p:cSld>
@@ -9012,6 +9559,1045 @@
       </p:grpSpPr>
       <p:sp>
         <p:nvSpPr>
+          <p:cNvPr id="10" name="제목 2"/>
+          <p:cNvSpPr>
+            <a:spLocks noGrp="1"/>
+          </p:cNvSpPr>
+          <p:nvPr>
+            <p:ph type="title"/>
+          </p:nvPr>
+        </p:nvSpPr>
+        <p:spPr>
+          <a:xfrm>
+            <a:off x="49524" y="923477"/>
+            <a:ext cx="8372163" cy="574183"/>
+          </a:xfrm>
+        </p:spPr>
+        <p:txBody>
+          <a:bodyPr>
+            <a:normAutofit/>
+          </a:bodyPr>
+          <a:lstStyle/>
+          <a:p>
+            <a:pPr lvl="0"/>
+            <a:r>
+              <a:rPr lang="en-US" altLang="zh-CN" sz="2400" dirty="0" smtClean="0"/>
+              <a:t>Finding key nodes in layer </a:t>
+            </a:r>
+            <a:r>
+              <a:rPr lang="en-US" altLang="zh-CN" sz="2400" dirty="0" smtClean="0"/>
+              <a:t>B</a:t>
+            </a:r>
+            <a:endParaRPr lang="zh-CN" altLang="en-US" sz="2800" dirty="0"/>
+          </a:p>
+        </p:txBody>
+      </p:sp>
+      <p:sp>
+        <p:nvSpPr>
+          <p:cNvPr id="15" name="TextBox 14"/>
+          <p:cNvSpPr txBox="1"/>
+          <p:nvPr/>
+        </p:nvSpPr>
+        <p:spPr>
+          <a:xfrm>
+            <a:off x="4235605" y="1839361"/>
+            <a:ext cx="3507046" cy="276999"/>
+          </a:xfrm>
+          <a:prstGeom prst="rect">
+            <a:avLst/>
+          </a:prstGeom>
+          <a:noFill/>
+        </p:spPr>
+        <p:txBody>
+          <a:bodyPr wrap="square" rtlCol="0" anchor="ctr">
+            <a:spAutoFit/>
+          </a:bodyPr>
+          <a:lstStyle/>
+          <a:p>
+            <a:pPr algn="ctr"/>
+            <a:r>
+              <a:rPr lang="en-US" altLang="zh-CN" sz="1200" b="1" dirty="0" smtClean="0">
+                <a:latin typeface="Arial" panose="020B0604020202020204" pitchFamily="34" charset="0"/>
+                <a:cs typeface="Arial" panose="020B0604020202020204" pitchFamily="34" charset="0"/>
+              </a:rPr>
+              <a:t>BA(4,092)-BA(4,092) network, </a:t>
+            </a:r>
+            <a:r>
+              <a:rPr lang="en-US" altLang="zh-CN" sz="1200" b="1" dirty="0" smtClean="0">
+                <a:latin typeface="Arial" panose="020B0604020202020204" pitchFamily="34" charset="0"/>
+                <a:cs typeface="Arial" panose="020B0604020202020204" pitchFamily="34" charset="0"/>
+              </a:rPr>
+              <a:t>p=0.5, </a:t>
+            </a:r>
+            <a:r>
+              <a:rPr lang="en-US" altLang="zh-CN" sz="1200" b="1" dirty="0" smtClean="0">
+                <a:latin typeface="Arial" panose="020B0604020202020204" pitchFamily="34" charset="0"/>
+                <a:cs typeface="Arial" panose="020B0604020202020204" pitchFamily="34" charset="0"/>
+              </a:rPr>
+              <a:t>v= </a:t>
+            </a:r>
+            <a:r>
+              <a:rPr lang="en-US" altLang="zh-CN" sz="1200" b="1" dirty="0" smtClean="0">
+                <a:latin typeface="Arial" panose="020B0604020202020204" pitchFamily="34" charset="0"/>
+                <a:cs typeface="Arial" panose="020B0604020202020204" pitchFamily="34" charset="0"/>
+              </a:rPr>
+              <a:t>0.5 </a:t>
+            </a:r>
+            <a:endParaRPr lang="zh-CN" altLang="en-US" sz="1200" b="1" dirty="0">
+              <a:latin typeface="Arial" panose="020B0604020202020204" pitchFamily="34" charset="0"/>
+              <a:cs typeface="Arial" panose="020B0604020202020204" pitchFamily="34" charset="0"/>
+            </a:endParaRPr>
+          </a:p>
+        </p:txBody>
+      </p:sp>
+      <p:sp>
+        <p:nvSpPr>
+          <p:cNvPr id="16" name="TextBox 15"/>
+          <p:cNvSpPr txBox="1"/>
+          <p:nvPr/>
+        </p:nvSpPr>
+        <p:spPr>
+          <a:xfrm>
+            <a:off x="-857427" y="6313776"/>
+            <a:ext cx="7019236" cy="307777"/>
+          </a:xfrm>
+          <a:prstGeom prst="rect">
+            <a:avLst/>
+          </a:prstGeom>
+          <a:noFill/>
+        </p:spPr>
+        <p:txBody>
+          <a:bodyPr wrap="square" rtlCol="0" anchor="ctr">
+            <a:spAutoFit/>
+          </a:bodyPr>
+          <a:lstStyle/>
+          <a:p>
+            <a:pPr algn="ctr"/>
+            <a:r>
+              <a:rPr lang="en-US" altLang="zh-CN" sz="1400" b="1" dirty="0" err="1" smtClean="0">
+                <a:latin typeface="Arial" panose="020B0604020202020204" pitchFamily="34" charset="0"/>
+                <a:cs typeface="Arial" panose="020B0604020202020204" pitchFamily="34" charset="0"/>
+              </a:rPr>
+              <a:t>Pagerank</a:t>
+            </a:r>
+            <a:r>
+              <a:rPr lang="en-US" altLang="zh-CN" sz="1400" b="1" dirty="0" smtClean="0">
+                <a:latin typeface="Arial" panose="020B0604020202020204" pitchFamily="34" charset="0"/>
+                <a:cs typeface="Arial" panose="020B0604020202020204" pitchFamily="34" charset="0"/>
+              </a:rPr>
+              <a:t> &gt; degree &gt; eigenvector &gt; random</a:t>
+            </a:r>
+            <a:endParaRPr lang="zh-CN" altLang="en-US" sz="1400" b="1" dirty="0">
+              <a:latin typeface="Arial" panose="020B0604020202020204" pitchFamily="34" charset="0"/>
+              <a:cs typeface="Arial" panose="020B0604020202020204" pitchFamily="34" charset="0"/>
+            </a:endParaRPr>
+          </a:p>
+        </p:txBody>
+      </p:sp>
+    </p:spTree>
+    <p:extLst>
+      <p:ext uri="{BB962C8B-B14F-4D97-AF65-F5344CB8AC3E}">
+        <p14:creationId xmlns:p14="http://schemas.microsoft.com/office/powerpoint/2010/main" val="1118068242"/>
+      </p:ext>
+    </p:extLst>
+  </p:cSld>
+  <p:clrMapOvr>
+    <a:masterClrMapping/>
+  </p:clrMapOvr>
+</p:sld>
+</file>
+
+<file path=ppt/slides/slide11.xml><?xml version="1.0" encoding="utf-8"?>
+<p:sld xmlns:a="http://schemas.openxmlformats.org/drawingml/2006/main" xmlns:r="http://schemas.openxmlformats.org/officeDocument/2006/relationships" xmlns:p="http://schemas.openxmlformats.org/presentationml/2006/main">
+  <p:cSld>
+    <p:spTree>
+      <p:nvGrpSpPr>
+        <p:cNvPr id="1" name=""/>
+        <p:cNvGrpSpPr/>
+        <p:nvPr/>
+      </p:nvGrpSpPr>
+      <p:grpSpPr>
+        <a:xfrm>
+          <a:off x="0" y="0"/>
+          <a:ext cx="0" cy="0"/>
+          <a:chOff x="0" y="0"/>
+          <a:chExt cx="0" cy="0"/>
+        </a:xfrm>
+      </p:grpSpPr>
+      <p:pic>
+        <p:nvPicPr>
+          <p:cNvPr id="6" name="그림 5"/>
+          <p:cNvPicPr>
+            <a:picLocks noChangeAspect="1"/>
+          </p:cNvPicPr>
+          <p:nvPr/>
+        </p:nvPicPr>
+        <p:blipFill rotWithShape="1">
+          <a:blip r:embed="rId3">
+            <a:extLst>
+              <a:ext uri="{28A0092B-C50C-407E-A947-70E740481C1C}">
+                <a14:useLocalDpi xmlns:a14="http://schemas.microsoft.com/office/drawing/2010/main" val="0"/>
+              </a:ext>
+            </a:extLst>
+          </a:blip>
+          <a:srcRect l="8068" t="10293" r="9091" b="5082"/>
+          <a:stretch/>
+        </p:blipFill>
+        <p:spPr>
+          <a:xfrm>
+            <a:off x="372841" y="1672965"/>
+            <a:ext cx="8282787" cy="4794699"/>
+          </a:xfrm>
+          <a:prstGeom prst="rect">
+            <a:avLst/>
+          </a:prstGeom>
+        </p:spPr>
+      </p:pic>
+      <p:sp>
+        <p:nvSpPr>
+          <p:cNvPr id="10" name="제목 2"/>
+          <p:cNvSpPr>
+            <a:spLocks noGrp="1"/>
+          </p:cNvSpPr>
+          <p:nvPr>
+            <p:ph type="title"/>
+          </p:nvPr>
+        </p:nvSpPr>
+        <p:spPr>
+          <a:xfrm>
+            <a:off x="49524" y="923477"/>
+            <a:ext cx="8372163" cy="574183"/>
+          </a:xfrm>
+        </p:spPr>
+        <p:txBody>
+          <a:bodyPr>
+            <a:normAutofit/>
+          </a:bodyPr>
+          <a:lstStyle/>
+          <a:p>
+            <a:pPr lvl="0"/>
+            <a:r>
+              <a:rPr lang="en-US" altLang="zh-CN" sz="2400" dirty="0" smtClean="0"/>
+              <a:t>Finding key nodes in layer </a:t>
+            </a:r>
+            <a:r>
+              <a:rPr lang="en-US" altLang="zh-CN" sz="2400" dirty="0" smtClean="0"/>
+              <a:t>B</a:t>
+            </a:r>
+            <a:endParaRPr lang="zh-CN" altLang="en-US" sz="2800" dirty="0"/>
+          </a:p>
+        </p:txBody>
+      </p:sp>
+      <p:sp>
+        <p:nvSpPr>
+          <p:cNvPr id="15" name="TextBox 14"/>
+          <p:cNvSpPr txBox="1"/>
+          <p:nvPr/>
+        </p:nvSpPr>
+        <p:spPr>
+          <a:xfrm>
+            <a:off x="2354850" y="1870704"/>
+            <a:ext cx="3507046" cy="276999"/>
+          </a:xfrm>
+          <a:prstGeom prst="rect">
+            <a:avLst/>
+          </a:prstGeom>
+          <a:noFill/>
+        </p:spPr>
+        <p:txBody>
+          <a:bodyPr wrap="square" rtlCol="0" anchor="ctr">
+            <a:spAutoFit/>
+          </a:bodyPr>
+          <a:lstStyle/>
+          <a:p>
+            <a:pPr algn="ctr"/>
+            <a:r>
+              <a:rPr lang="en-US" altLang="zh-CN" sz="1200" b="1" dirty="0" smtClean="0">
+                <a:latin typeface="Arial" panose="020B0604020202020204" pitchFamily="34" charset="0"/>
+                <a:cs typeface="Arial" panose="020B0604020202020204" pitchFamily="34" charset="0"/>
+              </a:rPr>
+              <a:t>BA(6,135)-BA(6,135) network, </a:t>
+            </a:r>
+            <a:r>
+              <a:rPr lang="en-US" altLang="zh-CN" sz="1200" b="1" dirty="0" smtClean="0">
+                <a:latin typeface="Arial" panose="020B0604020202020204" pitchFamily="34" charset="0"/>
+                <a:cs typeface="Arial" panose="020B0604020202020204" pitchFamily="34" charset="0"/>
+              </a:rPr>
+              <a:t>p=0.5, </a:t>
+            </a:r>
+            <a:r>
+              <a:rPr lang="en-US" altLang="zh-CN" sz="1200" b="1" dirty="0" smtClean="0">
+                <a:latin typeface="Arial" panose="020B0604020202020204" pitchFamily="34" charset="0"/>
+                <a:cs typeface="Arial" panose="020B0604020202020204" pitchFamily="34" charset="0"/>
+              </a:rPr>
+              <a:t>v= </a:t>
+            </a:r>
+            <a:r>
+              <a:rPr lang="en-US" altLang="zh-CN" sz="1200" b="1" dirty="0" smtClean="0">
+                <a:latin typeface="Arial" panose="020B0604020202020204" pitchFamily="34" charset="0"/>
+                <a:cs typeface="Arial" panose="020B0604020202020204" pitchFamily="34" charset="0"/>
+              </a:rPr>
+              <a:t>0.5 </a:t>
+            </a:r>
+            <a:endParaRPr lang="zh-CN" altLang="en-US" sz="1200" b="1" dirty="0">
+              <a:latin typeface="Arial" panose="020B0604020202020204" pitchFamily="34" charset="0"/>
+              <a:cs typeface="Arial" panose="020B0604020202020204" pitchFamily="34" charset="0"/>
+            </a:endParaRPr>
+          </a:p>
+        </p:txBody>
+      </p:sp>
+      <p:sp>
+        <p:nvSpPr>
+          <p:cNvPr id="16" name="TextBox 15"/>
+          <p:cNvSpPr txBox="1"/>
+          <p:nvPr/>
+        </p:nvSpPr>
+        <p:spPr>
+          <a:xfrm>
+            <a:off x="-857427" y="6365731"/>
+            <a:ext cx="7019236" cy="307777"/>
+          </a:xfrm>
+          <a:prstGeom prst="rect">
+            <a:avLst/>
+          </a:prstGeom>
+          <a:noFill/>
+        </p:spPr>
+        <p:txBody>
+          <a:bodyPr wrap="square" rtlCol="0" anchor="ctr">
+            <a:spAutoFit/>
+          </a:bodyPr>
+          <a:lstStyle/>
+          <a:p>
+            <a:pPr algn="ctr"/>
+            <a:r>
+              <a:rPr lang="en-US" altLang="zh-CN" sz="1400" b="1" dirty="0" err="1" smtClean="0">
+                <a:latin typeface="Arial" panose="020B0604020202020204" pitchFamily="34" charset="0"/>
+                <a:cs typeface="Arial" panose="020B0604020202020204" pitchFamily="34" charset="0"/>
+              </a:rPr>
+              <a:t>Pagerank</a:t>
+            </a:r>
+            <a:r>
+              <a:rPr lang="en-US" altLang="zh-CN" sz="1400" b="1" dirty="0" smtClean="0">
+                <a:latin typeface="Arial" panose="020B0604020202020204" pitchFamily="34" charset="0"/>
+                <a:cs typeface="Arial" panose="020B0604020202020204" pitchFamily="34" charset="0"/>
+              </a:rPr>
+              <a:t> = degree &gt; eigenvector &gt; random</a:t>
+            </a:r>
+            <a:endParaRPr lang="zh-CN" altLang="en-US" sz="1400" b="1" dirty="0">
+              <a:latin typeface="Arial" panose="020B0604020202020204" pitchFamily="34" charset="0"/>
+              <a:cs typeface="Arial" panose="020B0604020202020204" pitchFamily="34" charset="0"/>
+            </a:endParaRPr>
+          </a:p>
+        </p:txBody>
+      </p:sp>
+    </p:spTree>
+    <p:extLst>
+      <p:ext uri="{BB962C8B-B14F-4D97-AF65-F5344CB8AC3E}">
+        <p14:creationId xmlns:p14="http://schemas.microsoft.com/office/powerpoint/2010/main" val="406679186"/>
+      </p:ext>
+    </p:extLst>
+  </p:cSld>
+  <p:clrMapOvr>
+    <a:masterClrMapping/>
+  </p:clrMapOvr>
+</p:sld>
+</file>
+
+<file path=ppt/slides/slide12.xml><?xml version="1.0" encoding="utf-8"?>
+<p:sld xmlns:a="http://schemas.openxmlformats.org/drawingml/2006/main" xmlns:r="http://schemas.openxmlformats.org/officeDocument/2006/relationships" xmlns:p="http://schemas.openxmlformats.org/presentationml/2006/main">
+  <p:cSld>
+    <p:spTree>
+      <p:nvGrpSpPr>
+        <p:cNvPr id="1" name=""/>
+        <p:cNvGrpSpPr/>
+        <p:nvPr/>
+      </p:nvGrpSpPr>
+      <p:grpSpPr>
+        <a:xfrm>
+          <a:off x="0" y="0"/>
+          <a:ext cx="0" cy="0"/>
+          <a:chOff x="0" y="0"/>
+          <a:chExt cx="0" cy="0"/>
+        </a:xfrm>
+      </p:grpSpPr>
+      <p:sp>
+        <p:nvSpPr>
+          <p:cNvPr id="10" name="제목 2"/>
+          <p:cNvSpPr>
+            <a:spLocks noGrp="1"/>
+          </p:cNvSpPr>
+          <p:nvPr>
+            <p:ph type="title"/>
+          </p:nvPr>
+        </p:nvSpPr>
+        <p:spPr>
+          <a:xfrm>
+            <a:off x="49524" y="923477"/>
+            <a:ext cx="8372163" cy="574183"/>
+          </a:xfrm>
+        </p:spPr>
+        <p:txBody>
+          <a:bodyPr>
+            <a:normAutofit/>
+          </a:bodyPr>
+          <a:lstStyle/>
+          <a:p>
+            <a:pPr lvl="0"/>
+            <a:r>
+              <a:rPr lang="en-US" altLang="zh-CN" sz="2400" dirty="0" smtClean="0"/>
+              <a:t>Finding key nodes in layer </a:t>
+            </a:r>
+            <a:r>
+              <a:rPr lang="en-US" altLang="zh-CN" sz="2400" dirty="0" smtClean="0"/>
+              <a:t>B</a:t>
+            </a:r>
+            <a:endParaRPr lang="zh-CN" altLang="en-US" sz="2800" dirty="0"/>
+          </a:p>
+        </p:txBody>
+      </p:sp>
+      <p:sp>
+        <p:nvSpPr>
+          <p:cNvPr id="15" name="TextBox 14"/>
+          <p:cNvSpPr txBox="1"/>
+          <p:nvPr/>
+        </p:nvSpPr>
+        <p:spPr>
+          <a:xfrm>
+            <a:off x="2600268" y="1566922"/>
+            <a:ext cx="3507046" cy="276999"/>
+          </a:xfrm>
+          <a:prstGeom prst="rect">
+            <a:avLst/>
+          </a:prstGeom>
+          <a:noFill/>
+        </p:spPr>
+        <p:txBody>
+          <a:bodyPr wrap="square" rtlCol="0" anchor="ctr">
+            <a:spAutoFit/>
+          </a:bodyPr>
+          <a:lstStyle/>
+          <a:p>
+            <a:pPr algn="ctr"/>
+            <a:r>
+              <a:rPr lang="en-US" altLang="zh-CN" sz="1200" b="1" dirty="0" smtClean="0">
+                <a:latin typeface="Arial" panose="020B0604020202020204" pitchFamily="34" charset="0"/>
+                <a:cs typeface="Arial" panose="020B0604020202020204" pitchFamily="34" charset="0"/>
+              </a:rPr>
+              <a:t>BA(8,176)-BA(8,176) network, </a:t>
+            </a:r>
+            <a:r>
+              <a:rPr lang="en-US" altLang="zh-CN" sz="1200" b="1" dirty="0" smtClean="0">
+                <a:latin typeface="Arial" panose="020B0604020202020204" pitchFamily="34" charset="0"/>
+                <a:cs typeface="Arial" panose="020B0604020202020204" pitchFamily="34" charset="0"/>
+              </a:rPr>
+              <a:t>p=0.5, </a:t>
+            </a:r>
+            <a:r>
+              <a:rPr lang="en-US" altLang="zh-CN" sz="1200" b="1" dirty="0" smtClean="0">
+                <a:latin typeface="Arial" panose="020B0604020202020204" pitchFamily="34" charset="0"/>
+                <a:cs typeface="Arial" panose="020B0604020202020204" pitchFamily="34" charset="0"/>
+              </a:rPr>
+              <a:t>v= </a:t>
+            </a:r>
+            <a:r>
+              <a:rPr lang="en-US" altLang="zh-CN" sz="1200" b="1" dirty="0" smtClean="0">
+                <a:latin typeface="Arial" panose="020B0604020202020204" pitchFamily="34" charset="0"/>
+                <a:cs typeface="Arial" panose="020B0604020202020204" pitchFamily="34" charset="0"/>
+              </a:rPr>
+              <a:t>0.5 </a:t>
+            </a:r>
+            <a:endParaRPr lang="zh-CN" altLang="en-US" sz="1200" b="1" dirty="0">
+              <a:latin typeface="Arial" panose="020B0604020202020204" pitchFamily="34" charset="0"/>
+              <a:cs typeface="Arial" panose="020B0604020202020204" pitchFamily="34" charset="0"/>
+            </a:endParaRPr>
+          </a:p>
+        </p:txBody>
+      </p:sp>
+      <p:sp>
+        <p:nvSpPr>
+          <p:cNvPr id="16" name="TextBox 15"/>
+          <p:cNvSpPr txBox="1"/>
+          <p:nvPr/>
+        </p:nvSpPr>
+        <p:spPr>
+          <a:xfrm>
+            <a:off x="-857427" y="6313776"/>
+            <a:ext cx="7019236" cy="307777"/>
+          </a:xfrm>
+          <a:prstGeom prst="rect">
+            <a:avLst/>
+          </a:prstGeom>
+          <a:noFill/>
+        </p:spPr>
+        <p:txBody>
+          <a:bodyPr wrap="square" rtlCol="0" anchor="ctr">
+            <a:spAutoFit/>
+          </a:bodyPr>
+          <a:lstStyle/>
+          <a:p>
+            <a:pPr algn="ctr"/>
+            <a:r>
+              <a:rPr lang="en-US" altLang="zh-CN" sz="1400" b="1" dirty="0" err="1" smtClean="0">
+                <a:latin typeface="Arial" panose="020B0604020202020204" pitchFamily="34" charset="0"/>
+                <a:cs typeface="Arial" panose="020B0604020202020204" pitchFamily="34" charset="0"/>
+              </a:rPr>
+              <a:t>Pagerank</a:t>
+            </a:r>
+            <a:r>
+              <a:rPr lang="en-US" altLang="zh-CN" sz="1400" b="1" dirty="0" smtClean="0">
+                <a:latin typeface="Arial" panose="020B0604020202020204" pitchFamily="34" charset="0"/>
+                <a:cs typeface="Arial" panose="020B0604020202020204" pitchFamily="34" charset="0"/>
+              </a:rPr>
+              <a:t> = degree = eigenvector &gt; random</a:t>
+            </a:r>
+            <a:endParaRPr lang="zh-CN" altLang="en-US" sz="1400" b="1" dirty="0">
+              <a:latin typeface="Arial" panose="020B0604020202020204" pitchFamily="34" charset="0"/>
+              <a:cs typeface="Arial" panose="020B0604020202020204" pitchFamily="34" charset="0"/>
+            </a:endParaRPr>
+          </a:p>
+        </p:txBody>
+      </p:sp>
+    </p:spTree>
+    <p:extLst>
+      <p:ext uri="{BB962C8B-B14F-4D97-AF65-F5344CB8AC3E}">
+        <p14:creationId xmlns:p14="http://schemas.microsoft.com/office/powerpoint/2010/main" val="1634820503"/>
+      </p:ext>
+    </p:extLst>
+  </p:cSld>
+  <p:clrMapOvr>
+    <a:masterClrMapping/>
+  </p:clrMapOvr>
+</p:sld>
+</file>
+
+<file path=ppt/slides/slide13.xml><?xml version="1.0" encoding="utf-8"?>
+<p:sld xmlns:a="http://schemas.openxmlformats.org/drawingml/2006/main" xmlns:r="http://schemas.openxmlformats.org/officeDocument/2006/relationships" xmlns:p="http://schemas.openxmlformats.org/presentationml/2006/main">
+  <p:cSld>
+    <p:spTree>
+      <p:nvGrpSpPr>
+        <p:cNvPr id="1" name=""/>
+        <p:cNvGrpSpPr/>
+        <p:nvPr/>
+      </p:nvGrpSpPr>
+      <p:grpSpPr>
+        <a:xfrm>
+          <a:off x="0" y="0"/>
+          <a:ext cx="0" cy="0"/>
+          <a:chOff x="0" y="0"/>
+          <a:chExt cx="0" cy="0"/>
+        </a:xfrm>
+      </p:grpSpPr>
+      <p:sp>
+        <p:nvSpPr>
+          <p:cNvPr id="3" name="제목 2"/>
+          <p:cNvSpPr>
+            <a:spLocks noGrp="1"/>
+          </p:cNvSpPr>
+          <p:nvPr>
+            <p:ph type="title"/>
+          </p:nvPr>
+        </p:nvSpPr>
+        <p:spPr>
+          <a:xfrm>
+            <a:off x="0" y="986977"/>
+            <a:ext cx="8372163" cy="574183"/>
+          </a:xfrm>
+        </p:spPr>
+        <p:txBody>
+          <a:bodyPr/>
+          <a:lstStyle/>
+          <a:p>
+            <a:r>
+              <a:rPr lang="en-US" altLang="zh-CN" dirty="0" smtClean="0"/>
+              <a:t>Analysis for finding key nodes</a:t>
+            </a:r>
+            <a:endParaRPr lang="zh-CN" altLang="en-US" dirty="0"/>
+          </a:p>
+        </p:txBody>
+      </p:sp>
+      <p:sp>
+        <p:nvSpPr>
+          <p:cNvPr id="4" name="직사각형 3"/>
+          <p:cNvSpPr/>
+          <p:nvPr/>
+        </p:nvSpPr>
+        <p:spPr>
+          <a:xfrm>
+            <a:off x="0" y="1796976"/>
+            <a:ext cx="9144000" cy="4796185"/>
+          </a:xfrm>
+          <a:prstGeom prst="rect">
+            <a:avLst/>
+          </a:prstGeom>
+        </p:spPr>
+        <p:txBody>
+          <a:bodyPr wrap="square">
+            <a:spAutoFit/>
+          </a:bodyPr>
+          <a:lstStyle/>
+          <a:p>
+            <a:pPr marL="228600" lvl="0" indent="-228600">
+              <a:spcBef>
+                <a:spcPts val="1000"/>
+              </a:spcBef>
+              <a:buClr>
+                <a:srgbClr val="004098"/>
+              </a:buClr>
+              <a:buSzPct val="100000"/>
+              <a:buFont typeface="Calibri" panose="020F0502020204030204" pitchFamily="34" charset="0"/>
+              <a:buChar char="▪"/>
+            </a:pPr>
+            <a:r>
+              <a:rPr lang="en-US" altLang="zh-CN" sz="2000" dirty="0" smtClean="0">
+                <a:solidFill>
+                  <a:srgbClr val="000000"/>
+                </a:solidFill>
+                <a:latin typeface="Arial" panose="020B0604020202020204" pitchFamily="34" charset="0"/>
+                <a:cs typeface="Arial" panose="020B0604020202020204" pitchFamily="34" charset="0"/>
+              </a:rPr>
+              <a:t>Relation between key nodes and the number of edges</a:t>
+            </a:r>
+          </a:p>
+          <a:p>
+            <a:pPr lvl="0">
+              <a:spcBef>
+                <a:spcPts val="1000"/>
+              </a:spcBef>
+              <a:buClr>
+                <a:srgbClr val="004098"/>
+              </a:buClr>
+              <a:buSzPct val="100000"/>
+            </a:pPr>
+            <a:r>
+              <a:rPr lang="en-US" altLang="zh-CN" sz="2000" dirty="0" smtClean="0">
+                <a:solidFill>
+                  <a:srgbClr val="000000"/>
+                </a:solidFill>
+                <a:latin typeface="Arial" panose="020B0604020202020204" pitchFamily="34" charset="0"/>
+                <a:cs typeface="Arial" panose="020B0604020202020204" pitchFamily="34" charset="0"/>
+              </a:rPr>
+              <a:t> </a:t>
+            </a:r>
+            <a:r>
+              <a:rPr lang="en-US" altLang="zh-CN" dirty="0" smtClean="0">
+                <a:solidFill>
+                  <a:srgbClr val="000000"/>
+                </a:solidFill>
+                <a:latin typeface="Arial" panose="020B0604020202020204" pitchFamily="34" charset="0"/>
+                <a:cs typeface="Arial" panose="020B0604020202020204" pitchFamily="34" charset="0"/>
+              </a:rPr>
+              <a:t>   - As the number of edges on layers increases, the orientation of layer is easy to </a:t>
+            </a:r>
+          </a:p>
+          <a:p>
+            <a:pPr lvl="0">
+              <a:spcBef>
+                <a:spcPts val="1000"/>
+              </a:spcBef>
+              <a:buClr>
+                <a:srgbClr val="004098"/>
+              </a:buClr>
+              <a:buSzPct val="100000"/>
+            </a:pPr>
+            <a:r>
+              <a:rPr lang="en-US" altLang="zh-CN" dirty="0">
+                <a:solidFill>
+                  <a:srgbClr val="000000"/>
+                </a:solidFill>
+                <a:latin typeface="Arial" panose="020B0604020202020204" pitchFamily="34" charset="0"/>
+                <a:cs typeface="Arial" panose="020B0604020202020204" pitchFamily="34" charset="0"/>
+              </a:rPr>
+              <a:t> </a:t>
+            </a:r>
+            <a:r>
+              <a:rPr lang="en-US" altLang="zh-CN" dirty="0" smtClean="0">
+                <a:solidFill>
+                  <a:srgbClr val="000000"/>
+                </a:solidFill>
+                <a:latin typeface="Arial" panose="020B0604020202020204" pitchFamily="34" charset="0"/>
+                <a:cs typeface="Arial" panose="020B0604020202020204" pitchFamily="34" charset="0"/>
+              </a:rPr>
+              <a:t>     change though the ratio of unchanged node is small. </a:t>
+            </a:r>
+          </a:p>
+          <a:p>
+            <a:pPr lvl="0">
+              <a:spcBef>
+                <a:spcPts val="1000"/>
+              </a:spcBef>
+              <a:buClr>
+                <a:srgbClr val="004098"/>
+              </a:buClr>
+              <a:buSzPct val="100000"/>
+            </a:pPr>
+            <a:r>
+              <a:rPr lang="en-US" altLang="zh-CN" sz="1600" dirty="0" smtClean="0">
+                <a:solidFill>
+                  <a:srgbClr val="338D27"/>
+                </a:solidFill>
+                <a:latin typeface="Arial" panose="020B0604020202020204" pitchFamily="34" charset="0"/>
+                <a:cs typeface="Arial" panose="020B0604020202020204" pitchFamily="34" charset="0"/>
+              </a:rPr>
+              <a:t>      * the number of edges : 8,176 </a:t>
+            </a:r>
+            <a:r>
+              <a:rPr lang="en-US" altLang="zh-CN" sz="1600" dirty="0" smtClean="0">
+                <a:solidFill>
+                  <a:srgbClr val="338D27"/>
+                </a:solidFill>
+                <a:latin typeface="맑은 고딕" panose="020B0503020000020004" pitchFamily="50" charset="-127"/>
+                <a:ea typeface="맑은 고딕" panose="020B0503020000020004" pitchFamily="50" charset="-127"/>
+                <a:cs typeface="Arial" panose="020B0604020202020204" pitchFamily="34" charset="0"/>
+              </a:rPr>
+              <a:t>→ the ratio of unchanged node = 0.01, orientation changed</a:t>
+            </a:r>
+          </a:p>
+          <a:p>
+            <a:pPr lvl="0">
+              <a:spcBef>
+                <a:spcPts val="1000"/>
+              </a:spcBef>
+              <a:buClr>
+                <a:srgbClr val="004098"/>
+              </a:buClr>
+              <a:buSzPct val="100000"/>
+            </a:pPr>
+            <a:r>
+              <a:rPr lang="en-US" altLang="zh-CN" sz="1600" dirty="0">
+                <a:solidFill>
+                  <a:srgbClr val="338D27"/>
+                </a:solidFill>
+                <a:latin typeface="Arial" panose="020B0604020202020204" pitchFamily="34" charset="0"/>
+                <a:cs typeface="Arial" panose="020B0604020202020204" pitchFamily="34" charset="0"/>
+              </a:rPr>
+              <a:t> </a:t>
+            </a:r>
+            <a:r>
+              <a:rPr lang="en-US" altLang="zh-CN" sz="1600" dirty="0" smtClean="0">
+                <a:solidFill>
+                  <a:srgbClr val="338D27"/>
+                </a:solidFill>
+                <a:latin typeface="Arial" panose="020B0604020202020204" pitchFamily="34" charset="0"/>
+                <a:cs typeface="Arial" panose="020B0604020202020204" pitchFamily="34" charset="0"/>
+              </a:rPr>
+              <a:t>     * </a:t>
+            </a:r>
+            <a:r>
+              <a:rPr lang="en-US" altLang="zh-CN" sz="1600" dirty="0">
+                <a:solidFill>
+                  <a:srgbClr val="338D27"/>
+                </a:solidFill>
+                <a:latin typeface="Arial" panose="020B0604020202020204" pitchFamily="34" charset="0"/>
+                <a:cs typeface="Arial" panose="020B0604020202020204" pitchFamily="34" charset="0"/>
+              </a:rPr>
+              <a:t>the number of edges : </a:t>
+            </a:r>
+            <a:r>
+              <a:rPr lang="en-US" altLang="zh-CN" sz="1600" dirty="0" smtClean="0">
+                <a:solidFill>
+                  <a:srgbClr val="338D27"/>
+                </a:solidFill>
+                <a:latin typeface="Arial" panose="020B0604020202020204" pitchFamily="34" charset="0"/>
+                <a:cs typeface="Arial" panose="020B0604020202020204" pitchFamily="34" charset="0"/>
+              </a:rPr>
+              <a:t>6,136 </a:t>
+            </a:r>
+            <a:r>
+              <a:rPr lang="en-US" altLang="zh-CN" sz="1600" dirty="0">
+                <a:solidFill>
+                  <a:srgbClr val="338D27"/>
+                </a:solidFill>
+                <a:latin typeface="맑은 고딕" panose="020B0503020000020004" pitchFamily="50" charset="-127"/>
+                <a:ea typeface="맑은 고딕" panose="020B0503020000020004" pitchFamily="50" charset="-127"/>
+                <a:cs typeface="Arial" panose="020B0604020202020204" pitchFamily="34" charset="0"/>
+              </a:rPr>
+              <a:t>→ the ratio of unchanged node = </a:t>
+            </a:r>
+            <a:r>
+              <a:rPr lang="en-US" altLang="zh-CN" sz="1600" dirty="0" smtClean="0">
+                <a:solidFill>
+                  <a:srgbClr val="338D27"/>
+                </a:solidFill>
+                <a:latin typeface="맑은 고딕" panose="020B0503020000020004" pitchFamily="50" charset="-127"/>
+                <a:ea typeface="맑은 고딕" panose="020B0503020000020004" pitchFamily="50" charset="-127"/>
+                <a:cs typeface="Arial" panose="020B0604020202020204" pitchFamily="34" charset="0"/>
+              </a:rPr>
+              <a:t>0.07, </a:t>
+            </a:r>
+            <a:r>
+              <a:rPr lang="en-US" altLang="zh-CN" sz="1600" dirty="0">
+                <a:solidFill>
+                  <a:srgbClr val="338D27"/>
+                </a:solidFill>
+                <a:latin typeface="맑은 고딕" panose="020B0503020000020004" pitchFamily="50" charset="-127"/>
+                <a:ea typeface="맑은 고딕" panose="020B0503020000020004" pitchFamily="50" charset="-127"/>
+                <a:cs typeface="Arial" panose="020B0604020202020204" pitchFamily="34" charset="0"/>
+              </a:rPr>
+              <a:t>orientation </a:t>
+            </a:r>
+            <a:r>
+              <a:rPr lang="en-US" altLang="zh-CN" sz="1600" dirty="0" smtClean="0">
+                <a:solidFill>
+                  <a:srgbClr val="338D27"/>
+                </a:solidFill>
+                <a:latin typeface="맑은 고딕" panose="020B0503020000020004" pitchFamily="50" charset="-127"/>
+                <a:ea typeface="맑은 고딕" panose="020B0503020000020004" pitchFamily="50" charset="-127"/>
+                <a:cs typeface="Arial" panose="020B0604020202020204" pitchFamily="34" charset="0"/>
+              </a:rPr>
+              <a:t>changed</a:t>
+            </a:r>
+          </a:p>
+          <a:p>
+            <a:pPr lvl="0">
+              <a:spcBef>
+                <a:spcPts val="1000"/>
+              </a:spcBef>
+              <a:buClr>
+                <a:srgbClr val="004098"/>
+              </a:buClr>
+              <a:buSzPct val="100000"/>
+            </a:pPr>
+            <a:endParaRPr lang="en-US" altLang="zh-CN" dirty="0" smtClean="0">
+              <a:solidFill>
+                <a:srgbClr val="000000"/>
+              </a:solidFill>
+              <a:latin typeface="Arial" panose="020B0604020202020204" pitchFamily="34" charset="0"/>
+              <a:cs typeface="Arial" panose="020B0604020202020204" pitchFamily="34" charset="0"/>
+            </a:endParaRPr>
+          </a:p>
+          <a:p>
+            <a:pPr marL="228600" lvl="0" indent="-228600">
+              <a:spcBef>
+                <a:spcPts val="1000"/>
+              </a:spcBef>
+              <a:buClr>
+                <a:srgbClr val="004098"/>
+              </a:buClr>
+              <a:buSzPct val="100000"/>
+              <a:buFont typeface="Calibri" panose="020F0502020204030204" pitchFamily="34" charset="0"/>
+              <a:buChar char="▪"/>
+            </a:pPr>
+            <a:r>
+              <a:rPr lang="en-US" altLang="zh-CN" sz="2000" dirty="0" smtClean="0">
+                <a:solidFill>
+                  <a:srgbClr val="000000"/>
+                </a:solidFill>
+                <a:latin typeface="Arial" panose="020B0604020202020204" pitchFamily="34" charset="0"/>
+                <a:cs typeface="Arial" panose="020B0604020202020204" pitchFamily="34" charset="0"/>
+              </a:rPr>
+              <a:t>Efficient Method for finding key nodes</a:t>
+            </a:r>
+          </a:p>
+          <a:p>
+            <a:pPr lvl="0">
+              <a:spcBef>
+                <a:spcPts val="1000"/>
+              </a:spcBef>
+              <a:buClr>
+                <a:srgbClr val="004098"/>
+              </a:buClr>
+              <a:buSzPct val="100000"/>
+            </a:pPr>
+            <a:r>
+              <a:rPr lang="en-US" altLang="zh-CN" dirty="0">
+                <a:solidFill>
+                  <a:srgbClr val="000000"/>
+                </a:solidFill>
+                <a:latin typeface="Arial" panose="020B0604020202020204" pitchFamily="34" charset="0"/>
+                <a:cs typeface="Arial" panose="020B0604020202020204" pitchFamily="34" charset="0"/>
+              </a:rPr>
+              <a:t> </a:t>
+            </a:r>
+            <a:r>
+              <a:rPr lang="en-US" altLang="zh-CN" dirty="0" smtClean="0">
+                <a:solidFill>
+                  <a:srgbClr val="000000"/>
+                </a:solidFill>
+                <a:latin typeface="Arial" panose="020B0604020202020204" pitchFamily="34" charset="0"/>
+                <a:cs typeface="Arial" panose="020B0604020202020204" pitchFamily="34" charset="0"/>
+              </a:rPr>
+              <a:t>   - </a:t>
+            </a:r>
+            <a:r>
+              <a:rPr lang="en-US" altLang="zh-CN" dirty="0" err="1" smtClean="0">
+                <a:solidFill>
+                  <a:srgbClr val="000000"/>
+                </a:solidFill>
+                <a:latin typeface="Arial" panose="020B0604020202020204" pitchFamily="34" charset="0"/>
+                <a:cs typeface="Arial" panose="020B0604020202020204" pitchFamily="34" charset="0"/>
+              </a:rPr>
+              <a:t>Pagerank</a:t>
+            </a:r>
+            <a:r>
+              <a:rPr lang="en-US" altLang="zh-CN" dirty="0" smtClean="0">
+                <a:solidFill>
+                  <a:srgbClr val="000000"/>
+                </a:solidFill>
+                <a:latin typeface="Arial" panose="020B0604020202020204" pitchFamily="34" charset="0"/>
+                <a:cs typeface="Arial" panose="020B0604020202020204" pitchFamily="34" charset="0"/>
+              </a:rPr>
+              <a:t> &gt; degree &gt; eigenvector &gt; random</a:t>
+            </a:r>
+          </a:p>
+          <a:p>
+            <a:pPr lvl="0">
+              <a:spcBef>
+                <a:spcPts val="1000"/>
+              </a:spcBef>
+              <a:buClr>
+                <a:srgbClr val="004098"/>
+              </a:buClr>
+              <a:buSzPct val="100000"/>
+            </a:pPr>
+            <a:r>
+              <a:rPr lang="en-US" altLang="zh-CN" sz="1600" dirty="0">
+                <a:solidFill>
+                  <a:srgbClr val="338D27"/>
+                </a:solidFill>
+                <a:latin typeface="Arial" panose="020B0604020202020204" pitchFamily="34" charset="0"/>
+                <a:cs typeface="Arial" panose="020B0604020202020204" pitchFamily="34" charset="0"/>
+              </a:rPr>
+              <a:t> </a:t>
+            </a:r>
+            <a:r>
+              <a:rPr lang="en-US" altLang="zh-CN" sz="1600" dirty="0" smtClean="0">
+                <a:solidFill>
+                  <a:srgbClr val="338D27"/>
+                </a:solidFill>
+                <a:latin typeface="Arial" panose="020B0604020202020204" pitchFamily="34" charset="0"/>
+                <a:cs typeface="Arial" panose="020B0604020202020204" pitchFamily="34" charset="0"/>
+              </a:rPr>
+              <a:t>     * when the number of edges is very large, all methods have the same influence.</a:t>
+            </a:r>
+          </a:p>
+          <a:p>
+            <a:pPr lvl="0">
+              <a:spcBef>
+                <a:spcPts val="1000"/>
+              </a:spcBef>
+              <a:buClr>
+                <a:srgbClr val="004098"/>
+              </a:buClr>
+              <a:buSzPct val="100000"/>
+            </a:pPr>
+            <a:r>
+              <a:rPr lang="en-US" altLang="zh-CN" sz="1600" dirty="0" smtClean="0">
+                <a:solidFill>
+                  <a:srgbClr val="338D27"/>
+                </a:solidFill>
+                <a:latin typeface="Arial" panose="020B0604020202020204" pitchFamily="34" charset="0"/>
+                <a:cs typeface="Arial" panose="020B0604020202020204" pitchFamily="34" charset="0"/>
+              </a:rPr>
+              <a:t>        (except </a:t>
+            </a:r>
+            <a:r>
+              <a:rPr lang="en-US" altLang="zh-CN" sz="1600" dirty="0">
+                <a:solidFill>
+                  <a:srgbClr val="338D27"/>
+                </a:solidFill>
+                <a:latin typeface="Arial" panose="020B0604020202020204" pitchFamily="34" charset="0"/>
+                <a:cs typeface="Arial" panose="020B0604020202020204" pitchFamily="34" charset="0"/>
+              </a:rPr>
+              <a:t>random </a:t>
+            </a:r>
+            <a:r>
+              <a:rPr lang="en-US" altLang="zh-CN" sz="1600" dirty="0" smtClean="0">
+                <a:solidFill>
+                  <a:srgbClr val="338D27"/>
+                </a:solidFill>
+                <a:latin typeface="Arial" panose="020B0604020202020204" pitchFamily="34" charset="0"/>
+                <a:cs typeface="Arial" panose="020B0604020202020204" pitchFamily="34" charset="0"/>
+              </a:rPr>
+              <a:t>method) </a:t>
+            </a:r>
+            <a:endParaRPr lang="en-US" altLang="zh-CN" dirty="0" smtClean="0">
+              <a:solidFill>
+                <a:srgbClr val="000000"/>
+              </a:solidFill>
+              <a:latin typeface="Arial" panose="020B0604020202020204" pitchFamily="34" charset="0"/>
+              <a:cs typeface="Arial" panose="020B0604020202020204" pitchFamily="34" charset="0"/>
+            </a:endParaRPr>
+          </a:p>
+          <a:p>
+            <a:pPr lvl="0">
+              <a:spcBef>
+                <a:spcPts val="1000"/>
+              </a:spcBef>
+              <a:buClr>
+                <a:srgbClr val="004098"/>
+              </a:buClr>
+              <a:buSzPct val="100000"/>
+            </a:pPr>
+            <a:endParaRPr lang="en-US" altLang="zh-CN" sz="2000" b="1" dirty="0" smtClean="0">
+              <a:solidFill>
+                <a:srgbClr val="000000"/>
+              </a:solidFill>
+              <a:latin typeface="Arial" panose="020B0604020202020204" pitchFamily="34" charset="0"/>
+              <a:cs typeface="Arial" panose="020B0604020202020204" pitchFamily="34" charset="0"/>
+            </a:endParaRPr>
+          </a:p>
+          <a:p>
+            <a:pPr lvl="0">
+              <a:spcBef>
+                <a:spcPts val="1000"/>
+              </a:spcBef>
+              <a:buClr>
+                <a:srgbClr val="004098"/>
+              </a:buClr>
+              <a:buSzPct val="100000"/>
+            </a:pPr>
+            <a:endParaRPr lang="en-US" altLang="zh-CN" sz="1600" dirty="0">
+              <a:solidFill>
+                <a:schemeClr val="accent3"/>
+              </a:solidFill>
+              <a:latin typeface="Arial" panose="020B0604020202020204" pitchFamily="34" charset="0"/>
+              <a:cs typeface="Arial" panose="020B0604020202020204" pitchFamily="34" charset="0"/>
+            </a:endParaRPr>
+          </a:p>
+        </p:txBody>
+      </p:sp>
+    </p:spTree>
+    <p:extLst>
+      <p:ext uri="{BB962C8B-B14F-4D97-AF65-F5344CB8AC3E}">
+        <p14:creationId xmlns:p14="http://schemas.microsoft.com/office/powerpoint/2010/main" val="4114110291"/>
+      </p:ext>
+    </p:extLst>
+  </p:cSld>
+  <p:clrMapOvr>
+    <a:masterClrMapping/>
+  </p:clrMapOvr>
+  <p:transition spd="med">
+    <p:push/>
+  </p:transition>
+  <p:timing>
+    <p:tnLst>
+      <p:par>
+        <p:cTn id="1" dur="indefinite" restart="never" nodeType="tmRoot"/>
+      </p:par>
+    </p:tnLst>
+  </p:timing>
+</p:sld>
+</file>
+
+<file path=ppt/slides/slide14.xml><?xml version="1.0" encoding="utf-8"?>
+<p:sld xmlns:a="http://schemas.openxmlformats.org/drawingml/2006/main" xmlns:r="http://schemas.openxmlformats.org/officeDocument/2006/relationships" xmlns:p="http://schemas.openxmlformats.org/presentationml/2006/main">
+  <p:cSld>
+    <p:spTree>
+      <p:nvGrpSpPr>
+        <p:cNvPr id="1" name=""/>
+        <p:cNvGrpSpPr/>
+        <p:nvPr/>
+      </p:nvGrpSpPr>
+      <p:grpSpPr>
+        <a:xfrm>
+          <a:off x="0" y="0"/>
+          <a:ext cx="0" cy="0"/>
+          <a:chOff x="0" y="0"/>
+          <a:chExt cx="0" cy="0"/>
+        </a:xfrm>
+      </p:grpSpPr>
+      <p:sp>
+        <p:nvSpPr>
           <p:cNvPr id="3" name="제목 2"/>
           <p:cNvSpPr>
             <a:spLocks noGrp="1"/>
@@ -9676,7 +11262,7 @@
 </p:sld>
 </file>
 
-<file path=ppt/slides/slide11.xml><?xml version="1.0" encoding="utf-8"?>
+<file path=ppt/slides/slide15.xml><?xml version="1.0" encoding="utf-8"?>
 <p:sld xmlns:a="http://schemas.openxmlformats.org/drawingml/2006/main" xmlns:r="http://schemas.openxmlformats.org/officeDocument/2006/relationships" xmlns:p="http://schemas.openxmlformats.org/presentationml/2006/main">
   <p:cSld>
     <p:spTree>
@@ -10117,7 +11703,7 @@
 </p:sld>
 </file>
 
-<file path=ppt/slides/slide12.xml><?xml version="1.0" encoding="utf-8"?>
+<file path=ppt/slides/slide16.xml><?xml version="1.0" encoding="utf-8"?>
 <p:sld xmlns:a="http://schemas.openxmlformats.org/drawingml/2006/main" xmlns:r="http://schemas.openxmlformats.org/officeDocument/2006/relationships" xmlns:p="http://schemas.openxmlformats.org/presentationml/2006/main">
   <p:cSld>
     <p:spTree>
@@ -10655,7 +12241,7 @@
             <a:r>
               <a:rPr lang="en-US" altLang="zh-CN" b="1" dirty="0" smtClean="0">
                 <a:solidFill>
-                  <a:srgbClr val="000000"/>
+                  <a:schemeClr val="accent1"/>
                 </a:solidFill>
                 <a:latin typeface="Arial" panose="020B0604020202020204" pitchFamily="34" charset="0"/>
                 <a:cs typeface="Arial" panose="020B0604020202020204" pitchFamily="34" charset="0"/>
@@ -11371,9 +12957,1999 @@
           <a:chExt cx="0" cy="0"/>
         </a:xfrm>
       </p:grpSpPr>
+      <p:graphicFrame>
+        <p:nvGraphicFramePr>
+          <p:cNvPr id="5" name="표 4"/>
+          <p:cNvGraphicFramePr>
+            <a:graphicFrameLocks noGrp="1"/>
+          </p:cNvGraphicFramePr>
+          <p:nvPr>
+            <p:extLst/>
+          </p:nvPr>
+        </p:nvGraphicFramePr>
+        <p:xfrm>
+          <a:off x="694417" y="1573350"/>
+          <a:ext cx="7804786" cy="5212080"/>
+        </p:xfrm>
+        <a:graphic>
+          <a:graphicData uri="http://schemas.openxmlformats.org/drawingml/2006/table">
+            <a:tbl>
+              <a:tblPr firstRow="1" bandRow="1">
+                <a:tableStyleId>{5C22544A-7EE6-4342-B048-85BDC9FD1C3A}</a:tableStyleId>
+              </a:tblPr>
+              <a:tblGrid>
+                <a:gridCol w="1444626">
+                  <a:extLst>
+                    <a:ext uri="{9D8B030D-6E8A-4147-A177-3AD203B41FA5}">
+                      <a16:colId xmlns:a16="http://schemas.microsoft.com/office/drawing/2014/main" val="2849222080"/>
+                    </a:ext>
+                  </a:extLst>
+                </a:gridCol>
+                <a:gridCol w="1765300">
+                  <a:extLst>
+                    <a:ext uri="{9D8B030D-6E8A-4147-A177-3AD203B41FA5}">
+                      <a16:colId xmlns:a16="http://schemas.microsoft.com/office/drawing/2014/main" val="1511988233"/>
+                    </a:ext>
+                  </a:extLst>
+                </a:gridCol>
+                <a:gridCol w="2768600">
+                  <a:extLst>
+                    <a:ext uri="{9D8B030D-6E8A-4147-A177-3AD203B41FA5}">
+                      <a16:colId xmlns:a16="http://schemas.microsoft.com/office/drawing/2014/main" val="51432592"/>
+                    </a:ext>
+                  </a:extLst>
+                </a:gridCol>
+                <a:gridCol w="1826260">
+                  <a:extLst>
+                    <a:ext uri="{9D8B030D-6E8A-4147-A177-3AD203B41FA5}">
+                      <a16:colId xmlns:a16="http://schemas.microsoft.com/office/drawing/2014/main" val="3371689362"/>
+                    </a:ext>
+                  </a:extLst>
+                </a:gridCol>
+              </a:tblGrid>
+              <a:tr h="248061">
+                <a:tc gridSpan="2">
+                  <a:txBody>
+                    <a:bodyPr/>
+                    <a:lstStyle/>
+                    <a:p>
+                      <a:pPr algn="ctr"/>
+                      <a:r>
+                        <a:rPr lang="en-US" altLang="zh-CN" sz="1200" dirty="0" smtClean="0">
+                          <a:solidFill>
+                            <a:schemeClr val="tx1"/>
+                          </a:solidFill>
+                          <a:latin typeface="Arial" panose="020B0604020202020204" pitchFamily="34" charset="0"/>
+                          <a:cs typeface="Arial" panose="020B0604020202020204" pitchFamily="34" charset="0"/>
+                        </a:rPr>
+                        <a:t>Div.</a:t>
+                      </a:r>
+                      <a:endParaRPr lang="zh-CN" altLang="en-US" sz="1200" dirty="0">
+                        <a:solidFill>
+                          <a:schemeClr val="tx1"/>
+                        </a:solidFill>
+                        <a:latin typeface="Arial" panose="020B0604020202020204" pitchFamily="34" charset="0"/>
+                        <a:cs typeface="Arial" panose="020B0604020202020204" pitchFamily="34" charset="0"/>
+                      </a:endParaRPr>
+                    </a:p>
+                  </a:txBody>
+                  <a:tcPr anchor="ctr">
+                    <a:lnL w="12700" cap="flat" cmpd="sng" algn="ctr">
+                      <a:solidFill>
+                        <a:schemeClr val="accent1"/>
+                      </a:solidFill>
+                      <a:prstDash val="solid"/>
+                      <a:round/>
+                      <a:headEnd type="none" w="med" len="med"/>
+                      <a:tailEnd type="none" w="med" len="med"/>
+                    </a:lnL>
+                    <a:lnR w="12700" cap="flat" cmpd="sng" algn="ctr">
+                      <a:solidFill>
+                        <a:schemeClr val="accent1"/>
+                      </a:solidFill>
+                      <a:prstDash val="solid"/>
+                      <a:round/>
+                      <a:headEnd type="none" w="med" len="med"/>
+                      <a:tailEnd type="none" w="med" len="med"/>
+                    </a:lnR>
+                    <a:lnT w="12700" cap="flat" cmpd="sng" algn="ctr">
+                      <a:solidFill>
+                        <a:schemeClr val="accent1"/>
+                      </a:solidFill>
+                      <a:prstDash val="solid"/>
+                      <a:round/>
+                      <a:headEnd type="none" w="med" len="med"/>
+                      <a:tailEnd type="none" w="med" len="med"/>
+                    </a:lnT>
+                    <a:lnB w="12700" cap="flat" cmpd="sng" algn="ctr">
+                      <a:solidFill>
+                        <a:schemeClr val="accent1"/>
+                      </a:solidFill>
+                      <a:prstDash val="solid"/>
+                      <a:round/>
+                      <a:headEnd type="none" w="med" len="med"/>
+                      <a:tailEnd type="none" w="med" len="med"/>
+                    </a:lnB>
+                    <a:lnTlToBr w="12700" cmpd="sng">
+                      <a:noFill/>
+                      <a:prstDash val="solid"/>
+                    </a:lnTlToBr>
+                    <a:lnBlToTr w="12700" cmpd="sng">
+                      <a:noFill/>
+                      <a:prstDash val="solid"/>
+                    </a:lnBlToTr>
+                    <a:noFill/>
+                  </a:tcPr>
+                </a:tc>
+                <a:tc hMerge="1">
+                  <a:txBody>
+                    <a:bodyPr/>
+                    <a:lstStyle/>
+                    <a:p>
+                      <a:pPr algn="ctr"/>
+                      <a:endParaRPr lang="zh-CN" altLang="en-US" sz="1400" dirty="0">
+                        <a:solidFill>
+                          <a:schemeClr val="tx1"/>
+                        </a:solidFill>
+                        <a:latin typeface="Arial" panose="020B0604020202020204" pitchFamily="34" charset="0"/>
+                        <a:cs typeface="Arial" panose="020B0604020202020204" pitchFamily="34" charset="0"/>
+                      </a:endParaRPr>
+                    </a:p>
+                  </a:txBody>
+                  <a:tcPr anchor="ctr">
+                    <a:lnL w="12700" cap="flat" cmpd="sng" algn="ctr">
+                      <a:solidFill>
+                        <a:schemeClr val="accent1"/>
+                      </a:solidFill>
+                      <a:prstDash val="solid"/>
+                      <a:round/>
+                      <a:headEnd type="none" w="med" len="med"/>
+                      <a:tailEnd type="none" w="med" len="med"/>
+                    </a:lnL>
+                    <a:lnR w="12700" cap="flat" cmpd="sng" algn="ctr">
+                      <a:solidFill>
+                        <a:schemeClr val="accent1"/>
+                      </a:solidFill>
+                      <a:prstDash val="solid"/>
+                      <a:round/>
+                      <a:headEnd type="none" w="med" len="med"/>
+                      <a:tailEnd type="none" w="med" len="med"/>
+                    </a:lnR>
+                    <a:lnT w="12700" cap="flat" cmpd="sng" algn="ctr">
+                      <a:solidFill>
+                        <a:schemeClr val="accent1"/>
+                      </a:solidFill>
+                      <a:prstDash val="solid"/>
+                      <a:round/>
+                      <a:headEnd type="none" w="med" len="med"/>
+                      <a:tailEnd type="none" w="med" len="med"/>
+                    </a:lnT>
+                    <a:lnB w="12700" cap="flat" cmpd="sng" algn="ctr">
+                      <a:solidFill>
+                        <a:schemeClr val="accent1"/>
+                      </a:solidFill>
+                      <a:prstDash val="solid"/>
+                      <a:round/>
+                      <a:headEnd type="none" w="med" len="med"/>
+                      <a:tailEnd type="none" w="med" len="med"/>
+                    </a:lnB>
+                    <a:lnTlToBr w="12700" cmpd="sng">
+                      <a:noFill/>
+                      <a:prstDash val="solid"/>
+                    </a:lnTlToBr>
+                    <a:lnBlToTr w="12700" cmpd="sng">
+                      <a:noFill/>
+                      <a:prstDash val="solid"/>
+                    </a:lnBlToTr>
+                    <a:noFill/>
+                  </a:tcPr>
+                </a:tc>
+                <a:tc>
+                  <a:txBody>
+                    <a:bodyPr/>
+                    <a:lstStyle/>
+                    <a:p>
+                      <a:pPr algn="ctr"/>
+                      <a:r>
+                        <a:rPr lang="en-US" altLang="zh-CN" sz="1200" dirty="0" smtClean="0">
+                          <a:solidFill>
+                            <a:schemeClr val="tx1"/>
+                          </a:solidFill>
+                          <a:latin typeface="Arial" panose="020B0604020202020204" pitchFamily="34" charset="0"/>
+                          <a:cs typeface="Arial" panose="020B0604020202020204" pitchFamily="34" charset="0"/>
+                        </a:rPr>
+                        <a:t>States</a:t>
+                      </a:r>
+                      <a:endParaRPr lang="zh-CN" altLang="en-US" sz="1200" dirty="0">
+                        <a:solidFill>
+                          <a:schemeClr val="tx1"/>
+                        </a:solidFill>
+                        <a:latin typeface="Arial" panose="020B0604020202020204" pitchFamily="34" charset="0"/>
+                        <a:cs typeface="Arial" panose="020B0604020202020204" pitchFamily="34" charset="0"/>
+                      </a:endParaRPr>
+                    </a:p>
+                  </a:txBody>
+                  <a:tcPr anchor="ctr">
+                    <a:lnL w="12700" cap="flat" cmpd="sng" algn="ctr">
+                      <a:solidFill>
+                        <a:schemeClr val="accent1"/>
+                      </a:solidFill>
+                      <a:prstDash val="solid"/>
+                      <a:round/>
+                      <a:headEnd type="none" w="med" len="med"/>
+                      <a:tailEnd type="none" w="med" len="med"/>
+                    </a:lnL>
+                    <a:lnR w="12700" cap="flat" cmpd="sng" algn="ctr">
+                      <a:solidFill>
+                        <a:schemeClr val="accent1"/>
+                      </a:solidFill>
+                      <a:prstDash val="solid"/>
+                      <a:round/>
+                      <a:headEnd type="none" w="med" len="med"/>
+                      <a:tailEnd type="none" w="med" len="med"/>
+                    </a:lnR>
+                    <a:lnT w="12700" cap="flat" cmpd="sng" algn="ctr">
+                      <a:solidFill>
+                        <a:schemeClr val="accent1"/>
+                      </a:solidFill>
+                      <a:prstDash val="solid"/>
+                      <a:round/>
+                      <a:headEnd type="none" w="med" len="med"/>
+                      <a:tailEnd type="none" w="med" len="med"/>
+                    </a:lnT>
+                    <a:lnB w="12700" cap="flat" cmpd="sng" algn="ctr">
+                      <a:solidFill>
+                        <a:schemeClr val="accent1"/>
+                      </a:solidFill>
+                      <a:prstDash val="solid"/>
+                      <a:round/>
+                      <a:headEnd type="none" w="med" len="med"/>
+                      <a:tailEnd type="none" w="med" len="med"/>
+                    </a:lnB>
+                    <a:lnTlToBr w="12700" cmpd="sng">
+                      <a:noFill/>
+                      <a:prstDash val="solid"/>
+                    </a:lnTlToBr>
+                    <a:lnBlToTr w="12700" cmpd="sng">
+                      <a:noFill/>
+                      <a:prstDash val="solid"/>
+                    </a:lnBlToTr>
+                    <a:noFill/>
+                  </a:tcPr>
+                </a:tc>
+                <a:tc>
+                  <a:txBody>
+                    <a:bodyPr/>
+                    <a:lstStyle/>
+                    <a:p>
+                      <a:pPr algn="ctr"/>
+                      <a:r>
+                        <a:rPr lang="en-US" altLang="zh-CN" sz="1200" dirty="0" smtClean="0">
+                          <a:solidFill>
+                            <a:schemeClr val="tx1"/>
+                          </a:solidFill>
+                          <a:latin typeface="Arial" panose="020B0604020202020204" pitchFamily="34" charset="0"/>
+                          <a:cs typeface="Arial" panose="020B0604020202020204" pitchFamily="34" charset="0"/>
+                        </a:rPr>
+                        <a:t>Orders</a:t>
+                      </a:r>
+                      <a:endParaRPr lang="zh-CN" altLang="en-US" sz="1200" dirty="0">
+                        <a:solidFill>
+                          <a:schemeClr val="tx1"/>
+                        </a:solidFill>
+                        <a:latin typeface="Arial" panose="020B0604020202020204" pitchFamily="34" charset="0"/>
+                        <a:cs typeface="Arial" panose="020B0604020202020204" pitchFamily="34" charset="0"/>
+                      </a:endParaRPr>
+                    </a:p>
+                  </a:txBody>
+                  <a:tcPr anchor="ctr">
+                    <a:lnL w="12700" cap="flat" cmpd="sng" algn="ctr">
+                      <a:solidFill>
+                        <a:schemeClr val="accent1"/>
+                      </a:solidFill>
+                      <a:prstDash val="solid"/>
+                      <a:round/>
+                      <a:headEnd type="none" w="med" len="med"/>
+                      <a:tailEnd type="none" w="med" len="med"/>
+                    </a:lnL>
+                    <a:lnR w="12700" cap="flat" cmpd="sng" algn="ctr">
+                      <a:solidFill>
+                        <a:schemeClr val="accent1"/>
+                      </a:solidFill>
+                      <a:prstDash val="solid"/>
+                      <a:round/>
+                      <a:headEnd type="none" w="med" len="med"/>
+                      <a:tailEnd type="none" w="med" len="med"/>
+                    </a:lnR>
+                    <a:lnT w="12700" cap="flat" cmpd="sng" algn="ctr">
+                      <a:solidFill>
+                        <a:schemeClr val="accent1"/>
+                      </a:solidFill>
+                      <a:prstDash val="solid"/>
+                      <a:round/>
+                      <a:headEnd type="none" w="med" len="med"/>
+                      <a:tailEnd type="none" w="med" len="med"/>
+                    </a:lnT>
+                    <a:lnB w="12700" cap="flat" cmpd="sng" algn="ctr">
+                      <a:solidFill>
+                        <a:schemeClr val="accent1"/>
+                      </a:solidFill>
+                      <a:prstDash val="solid"/>
+                      <a:round/>
+                      <a:headEnd type="none" w="med" len="med"/>
+                      <a:tailEnd type="none" w="med" len="med"/>
+                    </a:lnB>
+                    <a:lnTlToBr w="12700" cmpd="sng">
+                      <a:noFill/>
+                      <a:prstDash val="solid"/>
+                    </a:lnTlToBr>
+                    <a:lnBlToTr w="12700" cmpd="sng">
+                      <a:noFill/>
+                      <a:prstDash val="solid"/>
+                    </a:lnBlToTr>
+                    <a:noFill/>
+                  </a:tcPr>
+                </a:tc>
+                <a:extLst>
+                  <a:ext uri="{0D108BD9-81ED-4DB2-BD59-A6C34878D82A}">
+                    <a16:rowId xmlns:a16="http://schemas.microsoft.com/office/drawing/2014/main" val="514214123"/>
+                  </a:ext>
+                </a:extLst>
+              </a:tr>
+              <a:tr h="1405676">
+                <a:tc rowSpan="4">
+                  <a:txBody>
+                    <a:bodyPr/>
+                    <a:lstStyle/>
+                    <a:p>
+                      <a:pPr algn="ctr"/>
+                      <a:r>
+                        <a:rPr lang="en-US" altLang="zh-CN" sz="1200" dirty="0" smtClean="0">
+                          <a:solidFill>
+                            <a:schemeClr val="tx1"/>
+                          </a:solidFill>
+                          <a:latin typeface="Arial" panose="020B0604020202020204" pitchFamily="34" charset="0"/>
+                          <a:cs typeface="Arial" panose="020B0604020202020204" pitchFamily="34" charset="0"/>
+                        </a:rPr>
+                        <a:t>① Branch point</a:t>
+                      </a:r>
+                    </a:p>
+                  </a:txBody>
+                  <a:tcPr anchor="ctr">
+                    <a:lnL w="12700" cap="flat" cmpd="sng" algn="ctr">
+                      <a:solidFill>
+                        <a:schemeClr val="accent1"/>
+                      </a:solidFill>
+                      <a:prstDash val="solid"/>
+                      <a:round/>
+                      <a:headEnd type="none" w="med" len="med"/>
+                      <a:tailEnd type="none" w="med" len="med"/>
+                    </a:lnL>
+                    <a:lnR w="12700" cap="flat" cmpd="sng" algn="ctr">
+                      <a:solidFill>
+                        <a:schemeClr val="accent1"/>
+                      </a:solidFill>
+                      <a:prstDash val="solid"/>
+                      <a:round/>
+                      <a:headEnd type="none" w="med" len="med"/>
+                      <a:tailEnd type="none" w="med" len="med"/>
+                    </a:lnR>
+                    <a:lnT w="12700" cap="flat" cmpd="sng" algn="ctr">
+                      <a:solidFill>
+                        <a:schemeClr val="accent1"/>
+                      </a:solidFill>
+                      <a:prstDash val="solid"/>
+                      <a:round/>
+                      <a:headEnd type="none" w="med" len="med"/>
+                      <a:tailEnd type="none" w="med" len="med"/>
+                    </a:lnT>
+                    <a:lnB w="12700" cap="flat" cmpd="sng" algn="ctr">
+                      <a:solidFill>
+                        <a:schemeClr val="accent1"/>
+                      </a:solidFill>
+                      <a:prstDash val="solid"/>
+                      <a:round/>
+                      <a:headEnd type="none" w="med" len="med"/>
+                      <a:tailEnd type="none" w="med" len="med"/>
+                    </a:lnB>
+                    <a:lnTlToBr w="12700" cmpd="sng">
+                      <a:noFill/>
+                      <a:prstDash val="solid"/>
+                    </a:lnTlToBr>
+                    <a:lnBlToTr w="12700" cmpd="sng">
+                      <a:noFill/>
+                      <a:prstDash val="solid"/>
+                    </a:lnBlToTr>
+                    <a:noFill/>
+                  </a:tcPr>
+                </a:tc>
+                <a:tc rowSpan="2">
+                  <a:txBody>
+                    <a:bodyPr/>
+                    <a:lstStyle/>
+                    <a:p>
+                      <a:pPr algn="ctr"/>
+                      <a:r>
+                        <a:rPr lang="zh-CN" altLang="en-US" sz="1200" dirty="0" smtClean="0">
+                          <a:latin typeface="Arial" panose="020B0604020202020204" pitchFamily="34" charset="0"/>
+                          <a:cs typeface="Arial" panose="020B0604020202020204" pitchFamily="34" charset="0"/>
+                        </a:rPr>
+                        <a:t>② </a:t>
+                      </a:r>
+                      <a:r>
+                        <a:rPr lang="en-US" altLang="zh-CN" sz="1200" dirty="0" smtClean="0">
+                          <a:latin typeface="Arial" panose="020B0604020202020204" pitchFamily="34" charset="0"/>
+                          <a:cs typeface="Arial" panose="020B0604020202020204" pitchFamily="34" charset="0"/>
+                        </a:rPr>
+                        <a:t>Branch</a:t>
+                      </a:r>
+                      <a:r>
+                        <a:rPr lang="en-US" altLang="zh-CN" sz="1200" baseline="0" dirty="0" smtClean="0">
+                          <a:latin typeface="Arial" panose="020B0604020202020204" pitchFamily="34" charset="0"/>
+                          <a:cs typeface="Arial" panose="020B0604020202020204" pitchFamily="34" charset="0"/>
+                        </a:rPr>
+                        <a:t> point :</a:t>
+                      </a:r>
+                    </a:p>
+                    <a:p>
+                      <a:pPr algn="ctr"/>
+                      <a:r>
+                        <a:rPr lang="en-US" altLang="zh-CN" sz="1200" baseline="0" dirty="0" smtClean="0">
+                          <a:latin typeface="Arial" panose="020B0604020202020204" pitchFamily="34" charset="0"/>
+                          <a:cs typeface="Arial" panose="020B0604020202020204" pitchFamily="34" charset="0"/>
+                        </a:rPr>
+                        <a:t>Sequential order of node in layer B</a:t>
+                      </a:r>
+                    </a:p>
+                  </a:txBody>
+                  <a:tcPr anchor="ctr">
+                    <a:lnL w="12700" cap="flat" cmpd="sng" algn="ctr">
+                      <a:solidFill>
+                        <a:schemeClr val="accent1"/>
+                      </a:solidFill>
+                      <a:prstDash val="solid"/>
+                      <a:round/>
+                      <a:headEnd type="none" w="med" len="med"/>
+                      <a:tailEnd type="none" w="med" len="med"/>
+                    </a:lnL>
+                    <a:lnR w="12700" cap="flat" cmpd="sng" algn="ctr">
+                      <a:solidFill>
+                        <a:schemeClr val="accent1"/>
+                      </a:solidFill>
+                      <a:prstDash val="solid"/>
+                      <a:round/>
+                      <a:headEnd type="none" w="med" len="med"/>
+                      <a:tailEnd type="none" w="med" len="med"/>
+                    </a:lnR>
+                    <a:lnT w="12700" cap="flat" cmpd="sng" algn="ctr">
+                      <a:solidFill>
+                        <a:schemeClr val="accent1"/>
+                      </a:solidFill>
+                      <a:prstDash val="solid"/>
+                      <a:round/>
+                      <a:headEnd type="none" w="med" len="med"/>
+                      <a:tailEnd type="none" w="med" len="med"/>
+                    </a:lnT>
+                    <a:lnB w="12700" cap="flat" cmpd="sng" algn="ctr">
+                      <a:solidFill>
+                        <a:schemeClr val="accent1"/>
+                      </a:solidFill>
+                      <a:prstDash val="solid"/>
+                      <a:round/>
+                      <a:headEnd type="none" w="med" len="med"/>
+                      <a:tailEnd type="none" w="med" len="med"/>
+                    </a:lnB>
+                    <a:lnTlToBr w="12700" cmpd="sng">
+                      <a:noFill/>
+                      <a:prstDash val="solid"/>
+                    </a:lnTlToBr>
+                    <a:lnBlToTr w="12700" cmpd="sng">
+                      <a:noFill/>
+                      <a:prstDash val="solid"/>
+                    </a:lnBlToTr>
+                    <a:noFill/>
+                  </a:tcPr>
+                </a:tc>
+                <a:tc>
+                  <a:txBody>
+                    <a:bodyPr/>
+                    <a:lstStyle/>
+                    <a:p>
+                      <a:pPr algn="ctr"/>
+                      <a:r>
+                        <a:rPr lang="en-US" altLang="zh-CN" sz="1200" dirty="0" smtClean="0">
+                          <a:latin typeface="Arial" panose="020B0604020202020204" pitchFamily="34" charset="0"/>
+                          <a:cs typeface="Arial" panose="020B0604020202020204" pitchFamily="34" charset="0"/>
+                        </a:rPr>
+                        <a:t>Fast positive consensus :</a:t>
+                      </a:r>
+                    </a:p>
+                    <a:p>
+                      <a:pPr algn="ctr"/>
+                      <a:r>
+                        <a:rPr lang="en-US" altLang="zh-CN" sz="1200" dirty="0" smtClean="0">
+                          <a:latin typeface="Arial" panose="020B0604020202020204" pitchFamily="34" charset="0"/>
+                          <a:cs typeface="Arial" panose="020B0604020202020204" pitchFamily="34" charset="0"/>
+                        </a:rPr>
+                        <a:t>Sequential</a:t>
+                      </a:r>
+                      <a:r>
+                        <a:rPr lang="en-US" altLang="zh-CN" sz="1200" baseline="0" dirty="0" smtClean="0">
+                          <a:latin typeface="Arial" panose="020B0604020202020204" pitchFamily="34" charset="0"/>
+                          <a:cs typeface="Arial" panose="020B0604020202020204" pitchFamily="34" charset="0"/>
+                        </a:rPr>
+                        <a:t> order of edge </a:t>
+                      </a:r>
+                      <a:endParaRPr lang="zh-CN" altLang="en-US" sz="1200" dirty="0">
+                        <a:latin typeface="Arial" panose="020B0604020202020204" pitchFamily="34" charset="0"/>
+                        <a:cs typeface="Arial" panose="020B0604020202020204" pitchFamily="34" charset="0"/>
+                      </a:endParaRPr>
+                    </a:p>
+                  </a:txBody>
+                  <a:tcPr anchor="ctr">
+                    <a:lnL w="12700" cap="flat" cmpd="sng" algn="ctr">
+                      <a:solidFill>
+                        <a:schemeClr val="accent1"/>
+                      </a:solidFill>
+                      <a:prstDash val="solid"/>
+                      <a:round/>
+                      <a:headEnd type="none" w="med" len="med"/>
+                      <a:tailEnd type="none" w="med" len="med"/>
+                    </a:lnL>
+                    <a:lnR w="12700" cap="flat" cmpd="sng" algn="ctr">
+                      <a:solidFill>
+                        <a:schemeClr val="accent1"/>
+                      </a:solidFill>
+                      <a:prstDash val="solid"/>
+                      <a:round/>
+                      <a:headEnd type="none" w="med" len="med"/>
+                      <a:tailEnd type="none" w="med" len="med"/>
+                    </a:lnR>
+                    <a:lnT w="12700" cap="flat" cmpd="sng" algn="ctr">
+                      <a:solidFill>
+                        <a:schemeClr val="accent1"/>
+                      </a:solidFill>
+                      <a:prstDash val="solid"/>
+                      <a:round/>
+                      <a:headEnd type="none" w="med" len="med"/>
+                      <a:tailEnd type="none" w="med" len="med"/>
+                    </a:lnT>
+                    <a:lnB w="12700" cap="flat" cmpd="sng" algn="ctr">
+                      <a:solidFill>
+                        <a:schemeClr val="accent1"/>
+                      </a:solidFill>
+                      <a:prstDash val="solid"/>
+                      <a:round/>
+                      <a:headEnd type="none" w="med" len="med"/>
+                      <a:tailEnd type="none" w="med" len="med"/>
+                    </a:lnB>
+                    <a:lnTlToBr w="12700" cmpd="sng">
+                      <a:noFill/>
+                      <a:prstDash val="solid"/>
+                    </a:lnTlToBr>
+                    <a:lnBlToTr w="12700" cmpd="sng">
+                      <a:noFill/>
+                      <a:prstDash val="solid"/>
+                    </a:lnBlToTr>
+                    <a:noFill/>
+                  </a:tcPr>
+                </a:tc>
+                <a:tc>
+                  <a:txBody>
+                    <a:bodyPr/>
+                    <a:lstStyle/>
+                    <a:p>
+                      <a:pPr algn="ctr"/>
+                      <a:r>
+                        <a:rPr lang="en-US" altLang="zh-CN" sz="1200" dirty="0" smtClean="0">
+                          <a:solidFill>
+                            <a:schemeClr val="tx1"/>
+                          </a:solidFill>
+                          <a:latin typeface="Arial" panose="020B0604020202020204" pitchFamily="34" charset="0"/>
+                          <a:cs typeface="Arial" panose="020B0604020202020204" pitchFamily="34" charset="0"/>
+                        </a:rPr>
+                        <a:t>O(r,   r) </a:t>
+                      </a:r>
+                      <a:r>
+                        <a:rPr lang="en-US" altLang="zh-CN" sz="1200" dirty="0" smtClean="0">
+                          <a:solidFill>
+                            <a:schemeClr val="tx1"/>
+                          </a:solidFill>
+                          <a:latin typeface="Arial" panose="020B0604020202020204" pitchFamily="34" charset="0"/>
+                          <a:ea typeface="맑은 고딕" panose="020B0503020000020004" pitchFamily="50" charset="-127"/>
+                          <a:cs typeface="Arial" panose="020B0604020202020204" pitchFamily="34" charset="0"/>
+                        </a:rPr>
+                        <a:t>← D(o)</a:t>
+                      </a:r>
+                    </a:p>
+                    <a:p>
+                      <a:pPr algn="ctr"/>
+                      <a:r>
+                        <a:rPr lang="en-US" altLang="zh-CN" sz="1200" dirty="0" smtClean="0">
+                          <a:solidFill>
+                            <a:schemeClr val="tx1"/>
+                          </a:solidFill>
+                          <a:latin typeface="Arial" panose="020B0604020202020204" pitchFamily="34" charset="0"/>
+                          <a:cs typeface="Arial" panose="020B0604020202020204" pitchFamily="34" charset="0"/>
+                        </a:rPr>
+                        <a:t>O(r,   r) </a:t>
+                      </a:r>
+                      <a:r>
+                        <a:rPr lang="en-US" altLang="zh-CN" sz="1200" dirty="0" smtClean="0">
+                          <a:solidFill>
+                            <a:schemeClr val="tx1"/>
+                          </a:solidFill>
+                          <a:latin typeface="Arial" panose="020B0604020202020204" pitchFamily="34" charset="0"/>
+                          <a:ea typeface="맑은 고딕" panose="020B0503020000020004" pitchFamily="50" charset="-127"/>
+                          <a:cs typeface="Arial" panose="020B0604020202020204" pitchFamily="34" charset="0"/>
+                        </a:rPr>
+                        <a:t>→ D(o)</a:t>
+                      </a:r>
+                    </a:p>
+                    <a:p>
+                      <a:pPr algn="ctr"/>
+                      <a:r>
+                        <a:rPr lang="en-US" altLang="zh-CN" sz="1200" dirty="0" smtClean="0">
+                          <a:solidFill>
+                            <a:schemeClr val="tx1"/>
+                          </a:solidFill>
+                          <a:latin typeface="Arial" panose="020B0604020202020204" pitchFamily="34" charset="0"/>
+                          <a:ea typeface="맑은 고딕" panose="020B0503020000020004" pitchFamily="50" charset="-127"/>
+                          <a:cs typeface="Arial" panose="020B0604020202020204" pitchFamily="34" charset="0"/>
+                        </a:rPr>
+                        <a:t>O(o, o) ← D(o)</a:t>
+                      </a:r>
+                    </a:p>
+                    <a:p>
+                      <a:pPr algn="ctr"/>
+                      <a:r>
+                        <a:rPr lang="en-US" altLang="zh-CN" sz="1200" dirty="0" smtClean="0">
+                          <a:solidFill>
+                            <a:schemeClr val="tx1"/>
+                          </a:solidFill>
+                          <a:latin typeface="Arial" panose="020B0604020202020204" pitchFamily="34" charset="0"/>
+                          <a:ea typeface="맑은 고딕" panose="020B0503020000020004" pitchFamily="50" charset="-127"/>
+                          <a:cs typeface="Arial" panose="020B0604020202020204" pitchFamily="34" charset="0"/>
+                        </a:rPr>
+                        <a:t>O(o, o) ⇔ D(o)</a:t>
+                      </a:r>
+                    </a:p>
+                    <a:p>
+                      <a:pPr algn="ctr"/>
+                      <a:r>
+                        <a:rPr lang="en-US" altLang="zh-CN" sz="1200" dirty="0" smtClean="0">
+                          <a:solidFill>
+                            <a:schemeClr val="tx1"/>
+                          </a:solidFill>
+                          <a:latin typeface="Arial" panose="020B0604020202020204" pitchFamily="34" charset="0"/>
+                          <a:ea typeface="맑은 고딕" panose="020B0503020000020004" pitchFamily="50" charset="-127"/>
+                          <a:cs typeface="Arial" panose="020B0604020202020204" pitchFamily="34" charset="0"/>
+                        </a:rPr>
+                        <a:t>O(o, o) → D(o)</a:t>
+                      </a:r>
+                    </a:p>
+                    <a:p>
+                      <a:pPr marL="0" marR="0" indent="0" algn="ctr" defTabSz="914400" rtl="0" eaLnBrk="1" fontAlgn="auto" latinLnBrk="0" hangingPunct="1">
+                        <a:lnSpc>
+                          <a:spcPct val="100000"/>
+                        </a:lnSpc>
+                        <a:spcBef>
+                          <a:spcPts val="0"/>
+                        </a:spcBef>
+                        <a:spcAft>
+                          <a:spcPts val="0"/>
+                        </a:spcAft>
+                        <a:buClrTx/>
+                        <a:buSzTx/>
+                        <a:buFontTx/>
+                        <a:buNone/>
+                        <a:tabLst/>
+                        <a:defRPr/>
+                      </a:pPr>
+                      <a:r>
+                        <a:rPr lang="en-US" altLang="zh-CN" sz="1200" dirty="0" smtClean="0">
+                          <a:solidFill>
+                            <a:schemeClr val="tx1"/>
+                          </a:solidFill>
+                          <a:latin typeface="Arial" panose="020B0604020202020204" pitchFamily="34" charset="0"/>
+                          <a:ea typeface="맑은 고딕" panose="020B0503020000020004" pitchFamily="50" charset="-127"/>
+                          <a:cs typeface="Arial" panose="020B0604020202020204" pitchFamily="34" charset="0"/>
+                        </a:rPr>
+                        <a:t>O(r,   r)  ⇔ D(r)</a:t>
+                      </a:r>
+                    </a:p>
+                    <a:p>
+                      <a:pPr algn="ctr"/>
+                      <a:r>
+                        <a:rPr lang="en-US" altLang="zh-CN" sz="1200" dirty="0" smtClean="0">
+                          <a:solidFill>
+                            <a:schemeClr val="tx1"/>
+                          </a:solidFill>
+                          <a:latin typeface="Arial" panose="020B0604020202020204" pitchFamily="34" charset="0"/>
+                          <a:cs typeface="Arial" panose="020B0604020202020204" pitchFamily="34" charset="0"/>
+                        </a:rPr>
+                        <a:t>O(s, o) </a:t>
+                      </a:r>
+                      <a:r>
+                        <a:rPr lang="en-US" altLang="zh-CN" sz="1200" dirty="0" smtClean="0">
+                          <a:solidFill>
+                            <a:schemeClr val="tx1"/>
+                          </a:solidFill>
+                          <a:latin typeface="Arial" panose="020B0604020202020204" pitchFamily="34" charset="0"/>
+                          <a:ea typeface="맑은 고딕" panose="020B0503020000020004" pitchFamily="50" charset="-127"/>
+                          <a:cs typeface="Arial" panose="020B0604020202020204" pitchFamily="34" charset="0"/>
+                        </a:rPr>
+                        <a:t>← D(o)</a:t>
+                      </a:r>
+                    </a:p>
+                    <a:p>
+                      <a:pPr algn="ctr"/>
+                      <a:r>
+                        <a:rPr lang="en-US" altLang="zh-CN" sz="1200" dirty="0" smtClean="0">
+                          <a:solidFill>
+                            <a:schemeClr val="tx1"/>
+                          </a:solidFill>
+                          <a:latin typeface="Arial" panose="020B0604020202020204" pitchFamily="34" charset="0"/>
+                          <a:cs typeface="Arial" panose="020B0604020202020204" pitchFamily="34" charset="0"/>
+                        </a:rPr>
+                        <a:t>O(s, o) </a:t>
+                      </a:r>
+                      <a:r>
+                        <a:rPr lang="en-US" altLang="zh-CN" sz="1200" dirty="0" smtClean="0">
+                          <a:solidFill>
+                            <a:schemeClr val="tx1"/>
+                          </a:solidFill>
+                          <a:latin typeface="Arial" panose="020B0604020202020204" pitchFamily="34" charset="0"/>
+                          <a:ea typeface="맑은 고딕" panose="020B0503020000020004" pitchFamily="50" charset="-127"/>
+                          <a:cs typeface="Arial" panose="020B0604020202020204" pitchFamily="34" charset="0"/>
+                        </a:rPr>
+                        <a:t>→ D(o)</a:t>
+                      </a:r>
+                    </a:p>
+                  </a:txBody>
+                  <a:tcPr anchor="ctr">
+                    <a:lnL w="12700" cap="flat" cmpd="sng" algn="ctr">
+                      <a:solidFill>
+                        <a:schemeClr val="accent1"/>
+                      </a:solidFill>
+                      <a:prstDash val="solid"/>
+                      <a:round/>
+                      <a:headEnd type="none" w="med" len="med"/>
+                      <a:tailEnd type="none" w="med" len="med"/>
+                    </a:lnL>
+                    <a:lnR w="12700" cap="flat" cmpd="sng" algn="ctr">
+                      <a:solidFill>
+                        <a:schemeClr val="accent1"/>
+                      </a:solidFill>
+                      <a:prstDash val="solid"/>
+                      <a:round/>
+                      <a:headEnd type="none" w="med" len="med"/>
+                      <a:tailEnd type="none" w="med" len="med"/>
+                    </a:lnR>
+                    <a:lnT w="12700" cap="flat" cmpd="sng" algn="ctr">
+                      <a:solidFill>
+                        <a:schemeClr val="accent1"/>
+                      </a:solidFill>
+                      <a:prstDash val="solid"/>
+                      <a:round/>
+                      <a:headEnd type="none" w="med" len="med"/>
+                      <a:tailEnd type="none" w="med" len="med"/>
+                    </a:lnT>
+                    <a:lnB w="12700" cap="flat" cmpd="sng" algn="ctr">
+                      <a:solidFill>
+                        <a:schemeClr val="accent1"/>
+                      </a:solidFill>
+                      <a:prstDash val="solid"/>
+                      <a:round/>
+                      <a:headEnd type="none" w="med" len="med"/>
+                      <a:tailEnd type="none" w="med" len="med"/>
+                    </a:lnB>
+                    <a:lnTlToBr w="12700" cmpd="sng">
+                      <a:noFill/>
+                      <a:prstDash val="solid"/>
+                    </a:lnTlToBr>
+                    <a:lnBlToTr w="12700" cmpd="sng">
+                      <a:noFill/>
+                      <a:prstDash val="solid"/>
+                    </a:lnBlToTr>
+                    <a:noFill/>
+                  </a:tcPr>
+                </a:tc>
+                <a:extLst>
+                  <a:ext uri="{0D108BD9-81ED-4DB2-BD59-A6C34878D82A}">
+                    <a16:rowId xmlns:a16="http://schemas.microsoft.com/office/drawing/2014/main" val="843377367"/>
+                  </a:ext>
+                </a:extLst>
+              </a:tr>
+              <a:tr h="909555">
+                <a:tc vMerge="1">
+                  <a:txBody>
+                    <a:bodyPr/>
+                    <a:lstStyle/>
+                    <a:p>
+                      <a:endParaRPr lang="zh-CN" altLang="en-US"/>
+                    </a:p>
+                  </a:txBody>
+                  <a:tcPr/>
+                </a:tc>
+                <a:tc vMerge="1">
+                  <a:txBody>
+                    <a:bodyPr/>
+                    <a:lstStyle/>
+                    <a:p>
+                      <a:endParaRPr lang="zh-CN" altLang="en-US"/>
+                    </a:p>
+                  </a:txBody>
+                  <a:tcPr/>
+                </a:tc>
+                <a:tc>
+                  <a:txBody>
+                    <a:bodyPr/>
+                    <a:lstStyle/>
+                    <a:p>
+                      <a:pPr algn="ctr"/>
+                      <a:r>
+                        <a:rPr lang="en-US" altLang="zh-CN" sz="1200" dirty="0" smtClean="0">
+                          <a:latin typeface="Arial" panose="020B0604020202020204" pitchFamily="34" charset="0"/>
+                          <a:cs typeface="Arial" panose="020B0604020202020204" pitchFamily="34" charset="0"/>
+                        </a:rPr>
+                        <a:t>Coexistence :</a:t>
+                      </a:r>
+                    </a:p>
+                    <a:p>
+                      <a:pPr algn="ctr"/>
+                      <a:r>
+                        <a:rPr lang="en-US" altLang="zh-CN" sz="1200" dirty="0" smtClean="0">
+                          <a:latin typeface="Arial" panose="020B0604020202020204" pitchFamily="34" charset="0"/>
+                          <a:cs typeface="Arial" panose="020B0604020202020204" pitchFamily="34" charset="0"/>
+                        </a:rPr>
+                        <a:t>Simultaneous</a:t>
+                      </a:r>
+                      <a:r>
+                        <a:rPr lang="en-US" altLang="zh-CN" sz="1200" baseline="0" dirty="0" smtClean="0">
+                          <a:latin typeface="Arial" panose="020B0604020202020204" pitchFamily="34" charset="0"/>
+                          <a:cs typeface="Arial" panose="020B0604020202020204" pitchFamily="34" charset="0"/>
+                        </a:rPr>
+                        <a:t> order of edge</a:t>
+                      </a:r>
+                      <a:endParaRPr lang="en-US" altLang="zh-CN" sz="1200" dirty="0" smtClean="0">
+                        <a:latin typeface="Arial" panose="020B0604020202020204" pitchFamily="34" charset="0"/>
+                        <a:cs typeface="Arial" panose="020B0604020202020204" pitchFamily="34" charset="0"/>
+                      </a:endParaRPr>
+                    </a:p>
+                    <a:p>
+                      <a:pPr algn="ctr"/>
+                      <a:endParaRPr lang="zh-CN" altLang="en-US" sz="1200" dirty="0">
+                        <a:latin typeface="Arial" panose="020B0604020202020204" pitchFamily="34" charset="0"/>
+                        <a:cs typeface="Arial" panose="020B0604020202020204" pitchFamily="34" charset="0"/>
+                      </a:endParaRPr>
+                    </a:p>
+                  </a:txBody>
+                  <a:tcPr anchor="ctr">
+                    <a:lnL w="12700" cap="flat" cmpd="sng" algn="ctr">
+                      <a:solidFill>
+                        <a:schemeClr val="accent1"/>
+                      </a:solidFill>
+                      <a:prstDash val="solid"/>
+                      <a:round/>
+                      <a:headEnd type="none" w="med" len="med"/>
+                      <a:tailEnd type="none" w="med" len="med"/>
+                    </a:lnL>
+                    <a:lnR w="12700" cap="flat" cmpd="sng" algn="ctr">
+                      <a:solidFill>
+                        <a:schemeClr val="accent1"/>
+                      </a:solidFill>
+                      <a:prstDash val="solid"/>
+                      <a:round/>
+                      <a:headEnd type="none" w="med" len="med"/>
+                      <a:tailEnd type="none" w="med" len="med"/>
+                    </a:lnR>
+                    <a:lnT w="12700" cap="flat" cmpd="sng" algn="ctr">
+                      <a:solidFill>
+                        <a:schemeClr val="accent1"/>
+                      </a:solidFill>
+                      <a:prstDash val="solid"/>
+                      <a:round/>
+                      <a:headEnd type="none" w="med" len="med"/>
+                      <a:tailEnd type="none" w="med" len="med"/>
+                    </a:lnT>
+                    <a:lnB w="12700" cap="flat" cmpd="sng" algn="ctr">
+                      <a:solidFill>
+                        <a:schemeClr val="accent1"/>
+                      </a:solidFill>
+                      <a:prstDash val="solid"/>
+                      <a:round/>
+                      <a:headEnd type="none" w="med" len="med"/>
+                      <a:tailEnd type="none" w="med" len="med"/>
+                    </a:lnB>
+                    <a:lnTlToBr w="12700" cmpd="sng">
+                      <a:noFill/>
+                      <a:prstDash val="solid"/>
+                    </a:lnTlToBr>
+                    <a:lnBlToTr w="12700" cmpd="sng">
+                      <a:noFill/>
+                      <a:prstDash val="solid"/>
+                    </a:lnBlToTr>
+                    <a:noFill/>
+                  </a:tcPr>
+                </a:tc>
+                <a:tc>
+                  <a:txBody>
+                    <a:bodyPr/>
+                    <a:lstStyle/>
+                    <a:p>
+                      <a:pPr algn="ctr"/>
+                      <a:r>
+                        <a:rPr lang="en-US" altLang="zh-CN" sz="1200" dirty="0" smtClean="0">
+                          <a:solidFill>
+                            <a:schemeClr val="tx1"/>
+                          </a:solidFill>
+                          <a:latin typeface="Arial" panose="020B0604020202020204" pitchFamily="34" charset="0"/>
+                          <a:cs typeface="Arial" panose="020B0604020202020204" pitchFamily="34" charset="0"/>
+                        </a:rPr>
+                        <a:t>O(s, s) </a:t>
+                      </a:r>
+                      <a:r>
+                        <a:rPr lang="en-US" altLang="zh-CN" sz="1200" dirty="0" smtClean="0">
+                          <a:solidFill>
+                            <a:schemeClr val="tx1"/>
+                          </a:solidFill>
+                          <a:latin typeface="Arial" panose="020B0604020202020204" pitchFamily="34" charset="0"/>
+                          <a:ea typeface="맑은 고딕" panose="020B0503020000020004" pitchFamily="50" charset="-127"/>
+                          <a:cs typeface="Arial" panose="020B0604020202020204" pitchFamily="34" charset="0"/>
+                        </a:rPr>
+                        <a:t>← D(o)</a:t>
+                      </a:r>
+                    </a:p>
+                    <a:p>
+                      <a:pPr algn="ctr"/>
+                      <a:r>
+                        <a:rPr lang="en-US" altLang="zh-CN" sz="1200" dirty="0" smtClean="0">
+                          <a:solidFill>
+                            <a:schemeClr val="tx1"/>
+                          </a:solidFill>
+                          <a:latin typeface="Arial" panose="020B0604020202020204" pitchFamily="34" charset="0"/>
+                          <a:cs typeface="Arial" panose="020B0604020202020204" pitchFamily="34" charset="0"/>
+                        </a:rPr>
+                        <a:t>O(o, s) </a:t>
+                      </a:r>
+                      <a:r>
+                        <a:rPr lang="en-US" altLang="zh-CN" sz="1200" dirty="0" smtClean="0">
+                          <a:solidFill>
+                            <a:schemeClr val="tx1"/>
+                          </a:solidFill>
+                          <a:latin typeface="Arial" panose="020B0604020202020204" pitchFamily="34" charset="0"/>
+                          <a:ea typeface="맑은 고딕" panose="020B0503020000020004" pitchFamily="50" charset="-127"/>
+                          <a:cs typeface="Arial" panose="020B0604020202020204" pitchFamily="34" charset="0"/>
+                        </a:rPr>
+                        <a:t>← D(o)</a:t>
+                      </a:r>
+                    </a:p>
+                    <a:p>
+                      <a:pPr algn="ctr"/>
+                      <a:r>
+                        <a:rPr lang="en-US" altLang="zh-CN" sz="1200" dirty="0" smtClean="0">
+                          <a:solidFill>
+                            <a:schemeClr val="tx1"/>
+                          </a:solidFill>
+                          <a:latin typeface="Arial" panose="020B0604020202020204" pitchFamily="34" charset="0"/>
+                          <a:cs typeface="Arial" panose="020B0604020202020204" pitchFamily="34" charset="0"/>
+                        </a:rPr>
+                        <a:t>O(s, s) </a:t>
+                      </a:r>
+                      <a:r>
+                        <a:rPr lang="en-US" altLang="zh-CN" sz="1200" dirty="0" smtClean="0">
+                          <a:solidFill>
+                            <a:schemeClr val="tx1"/>
+                          </a:solidFill>
+                          <a:latin typeface="Arial" panose="020B0604020202020204" pitchFamily="34" charset="0"/>
+                          <a:ea typeface="맑은 고딕" panose="020B0503020000020004" pitchFamily="50" charset="-127"/>
+                          <a:cs typeface="Arial" panose="020B0604020202020204" pitchFamily="34" charset="0"/>
+                        </a:rPr>
+                        <a:t>→ D(o)</a:t>
+                      </a:r>
+                    </a:p>
+                    <a:p>
+                      <a:pPr marL="0" marR="0" indent="0" algn="ctr" defTabSz="914400" rtl="0" eaLnBrk="1" fontAlgn="auto" latinLnBrk="0" hangingPunct="1">
+                        <a:lnSpc>
+                          <a:spcPct val="100000"/>
+                        </a:lnSpc>
+                        <a:spcBef>
+                          <a:spcPts val="0"/>
+                        </a:spcBef>
+                        <a:spcAft>
+                          <a:spcPts val="0"/>
+                        </a:spcAft>
+                        <a:buClrTx/>
+                        <a:buSzTx/>
+                        <a:buFontTx/>
+                        <a:buNone/>
+                        <a:tabLst/>
+                        <a:defRPr/>
+                      </a:pPr>
+                      <a:r>
+                        <a:rPr lang="en-US" altLang="zh-CN" sz="1200" dirty="0" smtClean="0">
+                          <a:solidFill>
+                            <a:schemeClr val="tx1"/>
+                          </a:solidFill>
+                          <a:latin typeface="Arial" panose="020B0604020202020204" pitchFamily="34" charset="0"/>
+                          <a:ea typeface="맑은 고딕" panose="020B0503020000020004" pitchFamily="50" charset="-127"/>
+                          <a:cs typeface="Arial" panose="020B0604020202020204" pitchFamily="34" charset="0"/>
+                        </a:rPr>
+                        <a:t>O(o, s) ⇔ D(o)</a:t>
+                      </a:r>
+                    </a:p>
+                    <a:p>
+                      <a:pPr marL="0" marR="0" indent="0" algn="ctr" defTabSz="914400" rtl="0" eaLnBrk="1" fontAlgn="auto" latinLnBrk="0" hangingPunct="1">
+                        <a:lnSpc>
+                          <a:spcPct val="100000"/>
+                        </a:lnSpc>
+                        <a:spcBef>
+                          <a:spcPts val="0"/>
+                        </a:spcBef>
+                        <a:spcAft>
+                          <a:spcPts val="0"/>
+                        </a:spcAft>
+                        <a:buClrTx/>
+                        <a:buSzTx/>
+                        <a:buFontTx/>
+                        <a:buNone/>
+                        <a:tabLst/>
+                        <a:defRPr/>
+                      </a:pPr>
+                      <a:r>
+                        <a:rPr lang="en-US" altLang="zh-CN" sz="1200" dirty="0" smtClean="0">
+                          <a:solidFill>
+                            <a:schemeClr val="tx1"/>
+                          </a:solidFill>
+                          <a:latin typeface="Arial" panose="020B0604020202020204" pitchFamily="34" charset="0"/>
+                          <a:cs typeface="Arial" panose="020B0604020202020204" pitchFamily="34" charset="0"/>
+                        </a:rPr>
+                        <a:t>O(o, s) </a:t>
+                      </a:r>
+                      <a:r>
+                        <a:rPr lang="en-US" altLang="zh-CN" sz="1200" dirty="0" smtClean="0">
+                          <a:solidFill>
+                            <a:schemeClr val="tx1"/>
+                          </a:solidFill>
+                          <a:latin typeface="Arial" panose="020B0604020202020204" pitchFamily="34" charset="0"/>
+                          <a:ea typeface="맑은 고딕" panose="020B0503020000020004" pitchFamily="50" charset="-127"/>
+                          <a:cs typeface="Arial" panose="020B0604020202020204" pitchFamily="34" charset="0"/>
+                        </a:rPr>
+                        <a:t>→ D(o)</a:t>
+                      </a:r>
+                    </a:p>
+                  </a:txBody>
+                  <a:tcPr anchor="ctr">
+                    <a:lnL w="12700" cap="flat" cmpd="sng" algn="ctr">
+                      <a:solidFill>
+                        <a:schemeClr val="accent1"/>
+                      </a:solidFill>
+                      <a:prstDash val="solid"/>
+                      <a:round/>
+                      <a:headEnd type="none" w="med" len="med"/>
+                      <a:tailEnd type="none" w="med" len="med"/>
+                    </a:lnL>
+                    <a:lnR w="12700" cap="flat" cmpd="sng" algn="ctr">
+                      <a:solidFill>
+                        <a:schemeClr val="accent1"/>
+                      </a:solidFill>
+                      <a:prstDash val="solid"/>
+                      <a:round/>
+                      <a:headEnd type="none" w="med" len="med"/>
+                      <a:tailEnd type="none" w="med" len="med"/>
+                    </a:lnR>
+                    <a:lnT w="12700" cap="flat" cmpd="sng" algn="ctr">
+                      <a:solidFill>
+                        <a:schemeClr val="accent1"/>
+                      </a:solidFill>
+                      <a:prstDash val="solid"/>
+                      <a:round/>
+                      <a:headEnd type="none" w="med" len="med"/>
+                      <a:tailEnd type="none" w="med" len="med"/>
+                    </a:lnT>
+                    <a:lnB w="12700" cap="flat" cmpd="sng" algn="ctr">
+                      <a:solidFill>
+                        <a:schemeClr val="accent1"/>
+                      </a:solidFill>
+                      <a:prstDash val="solid"/>
+                      <a:round/>
+                      <a:headEnd type="none" w="med" len="med"/>
+                      <a:tailEnd type="none" w="med" len="med"/>
+                    </a:lnB>
+                    <a:lnTlToBr w="12700" cmpd="sng">
+                      <a:noFill/>
+                      <a:prstDash val="solid"/>
+                    </a:lnTlToBr>
+                    <a:lnBlToTr w="12700" cmpd="sng">
+                      <a:noFill/>
+                      <a:prstDash val="solid"/>
+                    </a:lnBlToTr>
+                    <a:noFill/>
+                  </a:tcPr>
+                </a:tc>
+                <a:extLst>
+                  <a:ext uri="{0D108BD9-81ED-4DB2-BD59-A6C34878D82A}">
+                    <a16:rowId xmlns:a16="http://schemas.microsoft.com/office/drawing/2014/main" val="1931093194"/>
+                  </a:ext>
+                </a:extLst>
+              </a:tr>
+              <a:tr h="1240303">
+                <a:tc vMerge="1">
+                  <a:txBody>
+                    <a:bodyPr/>
+                    <a:lstStyle/>
+                    <a:p>
+                      <a:endParaRPr lang="zh-CN" altLang="en-US"/>
+                    </a:p>
+                  </a:txBody>
+                  <a:tcPr/>
+                </a:tc>
+                <a:tc rowSpan="2">
+                  <a:txBody>
+                    <a:bodyPr/>
+                    <a:lstStyle/>
+                    <a:p>
+                      <a:pPr algn="ctr"/>
+                      <a:r>
+                        <a:rPr lang="zh-CN" altLang="en-US" sz="1200" dirty="0" smtClean="0">
+                          <a:latin typeface="Arial" panose="020B0604020202020204" pitchFamily="34" charset="0"/>
+                          <a:cs typeface="Arial" panose="020B0604020202020204" pitchFamily="34" charset="0"/>
+                        </a:rPr>
+                        <a:t>③ </a:t>
+                      </a:r>
+                      <a:r>
+                        <a:rPr lang="en-US" altLang="zh-CN" sz="1200" dirty="0" smtClean="0">
+                          <a:latin typeface="Arial" panose="020B0604020202020204" pitchFamily="34" charset="0"/>
+                          <a:cs typeface="Arial" panose="020B0604020202020204" pitchFamily="34" charset="0"/>
+                        </a:rPr>
+                        <a:t>Branch point :</a:t>
+                      </a:r>
+                    </a:p>
+                    <a:p>
+                      <a:pPr algn="ctr"/>
+                      <a:r>
+                        <a:rPr lang="en-US" altLang="zh-CN" sz="1200" dirty="0" smtClean="0">
+                          <a:latin typeface="Arial" panose="020B0604020202020204" pitchFamily="34" charset="0"/>
+                          <a:cs typeface="Arial" panose="020B0604020202020204" pitchFamily="34" charset="0"/>
+                        </a:rPr>
+                        <a:t>Simultaneous</a:t>
+                      </a:r>
+                      <a:r>
+                        <a:rPr lang="en-US" altLang="zh-CN" sz="1200" baseline="0" dirty="0" smtClean="0">
+                          <a:latin typeface="Arial" panose="020B0604020202020204" pitchFamily="34" charset="0"/>
+                          <a:cs typeface="Arial" panose="020B0604020202020204" pitchFamily="34" charset="0"/>
+                        </a:rPr>
+                        <a:t> order of node in layer B</a:t>
+                      </a:r>
+                      <a:endParaRPr lang="zh-CN" altLang="en-US" sz="1200" dirty="0">
+                        <a:latin typeface="Arial" panose="020B0604020202020204" pitchFamily="34" charset="0"/>
+                        <a:cs typeface="Arial" panose="020B0604020202020204" pitchFamily="34" charset="0"/>
+                      </a:endParaRPr>
+                    </a:p>
+                  </a:txBody>
+                  <a:tcPr anchor="ctr">
+                    <a:lnL w="12700" cap="flat" cmpd="sng" algn="ctr">
+                      <a:solidFill>
+                        <a:schemeClr val="accent1"/>
+                      </a:solidFill>
+                      <a:prstDash val="solid"/>
+                      <a:round/>
+                      <a:headEnd type="none" w="med" len="med"/>
+                      <a:tailEnd type="none" w="med" len="med"/>
+                    </a:lnL>
+                    <a:lnR w="12700" cap="flat" cmpd="sng" algn="ctr">
+                      <a:solidFill>
+                        <a:schemeClr val="accent1"/>
+                      </a:solidFill>
+                      <a:prstDash val="solid"/>
+                      <a:round/>
+                      <a:headEnd type="none" w="med" len="med"/>
+                      <a:tailEnd type="none" w="med" len="med"/>
+                    </a:lnR>
+                    <a:lnT w="12700" cap="flat" cmpd="sng" algn="ctr">
+                      <a:solidFill>
+                        <a:schemeClr val="accent1"/>
+                      </a:solidFill>
+                      <a:prstDash val="solid"/>
+                      <a:round/>
+                      <a:headEnd type="none" w="med" len="med"/>
+                      <a:tailEnd type="none" w="med" len="med"/>
+                    </a:lnT>
+                    <a:lnB w="12700" cap="flat" cmpd="sng" algn="ctr">
+                      <a:solidFill>
+                        <a:schemeClr val="accent1"/>
+                      </a:solidFill>
+                      <a:prstDash val="solid"/>
+                      <a:round/>
+                      <a:headEnd type="none" w="med" len="med"/>
+                      <a:tailEnd type="none" w="med" len="med"/>
+                    </a:lnB>
+                    <a:lnTlToBr w="12700" cmpd="sng">
+                      <a:noFill/>
+                      <a:prstDash val="solid"/>
+                    </a:lnTlToBr>
+                    <a:lnBlToTr w="12700" cmpd="sng">
+                      <a:noFill/>
+                      <a:prstDash val="solid"/>
+                    </a:lnBlToTr>
+                    <a:noFill/>
+                  </a:tcPr>
+                </a:tc>
+                <a:tc>
+                  <a:txBody>
+                    <a:bodyPr/>
+                    <a:lstStyle/>
+                    <a:p>
+                      <a:pPr algn="ctr"/>
+                      <a:r>
+                        <a:rPr lang="en-US" altLang="zh-CN" sz="1200" dirty="0" smtClean="0">
+                          <a:latin typeface="Arial" panose="020B0604020202020204" pitchFamily="34" charset="0"/>
+                          <a:cs typeface="Arial" panose="020B0604020202020204" pitchFamily="34" charset="0"/>
+                        </a:rPr>
+                        <a:t>Slow positive consensus :</a:t>
+                      </a:r>
+                    </a:p>
+                    <a:p>
+                      <a:pPr algn="ctr"/>
+                      <a:r>
+                        <a:rPr lang="en-US" altLang="zh-CN" sz="1200" dirty="0" smtClean="0">
+                          <a:latin typeface="Arial" panose="020B0604020202020204" pitchFamily="34" charset="0"/>
+                          <a:cs typeface="Arial" panose="020B0604020202020204" pitchFamily="34" charset="0"/>
+                        </a:rPr>
+                        <a:t>Sequential order of edge</a:t>
+                      </a:r>
+                      <a:endParaRPr lang="zh-CN" altLang="en-US" sz="1200" dirty="0">
+                        <a:latin typeface="Arial" panose="020B0604020202020204" pitchFamily="34" charset="0"/>
+                        <a:cs typeface="Arial" panose="020B0604020202020204" pitchFamily="34" charset="0"/>
+                      </a:endParaRPr>
+                    </a:p>
+                  </a:txBody>
+                  <a:tcPr anchor="ctr">
+                    <a:lnL w="12700" cap="flat" cmpd="sng" algn="ctr">
+                      <a:solidFill>
+                        <a:schemeClr val="accent1"/>
+                      </a:solidFill>
+                      <a:prstDash val="solid"/>
+                      <a:round/>
+                      <a:headEnd type="none" w="med" len="med"/>
+                      <a:tailEnd type="none" w="med" len="med"/>
+                    </a:lnL>
+                    <a:lnR w="12700" cap="flat" cmpd="sng" algn="ctr">
+                      <a:solidFill>
+                        <a:schemeClr val="accent1"/>
+                      </a:solidFill>
+                      <a:prstDash val="solid"/>
+                      <a:round/>
+                      <a:headEnd type="none" w="med" len="med"/>
+                      <a:tailEnd type="none" w="med" len="med"/>
+                    </a:lnR>
+                    <a:lnT w="12700" cap="flat" cmpd="sng" algn="ctr">
+                      <a:solidFill>
+                        <a:schemeClr val="accent1"/>
+                      </a:solidFill>
+                      <a:prstDash val="solid"/>
+                      <a:round/>
+                      <a:headEnd type="none" w="med" len="med"/>
+                      <a:tailEnd type="none" w="med" len="med"/>
+                    </a:lnT>
+                    <a:lnB w="12700" cap="flat" cmpd="sng" algn="ctr">
+                      <a:solidFill>
+                        <a:schemeClr val="accent1"/>
+                      </a:solidFill>
+                      <a:prstDash val="solid"/>
+                      <a:round/>
+                      <a:headEnd type="none" w="med" len="med"/>
+                      <a:tailEnd type="none" w="med" len="med"/>
+                    </a:lnB>
+                    <a:lnTlToBr w="12700" cmpd="sng">
+                      <a:noFill/>
+                      <a:prstDash val="solid"/>
+                    </a:lnTlToBr>
+                    <a:lnBlToTr w="12700" cmpd="sng">
+                      <a:noFill/>
+                      <a:prstDash val="solid"/>
+                    </a:lnBlToTr>
+                    <a:noFill/>
+                  </a:tcPr>
+                </a:tc>
+                <a:tc>
+                  <a:txBody>
+                    <a:bodyPr/>
+                    <a:lstStyle/>
+                    <a:p>
+                      <a:pPr marL="0" marR="0" indent="0" algn="ctr" defTabSz="914400" rtl="0" eaLnBrk="1" fontAlgn="auto" latinLnBrk="0" hangingPunct="1">
+                        <a:lnSpc>
+                          <a:spcPct val="100000"/>
+                        </a:lnSpc>
+                        <a:spcBef>
+                          <a:spcPts val="0"/>
+                        </a:spcBef>
+                        <a:spcAft>
+                          <a:spcPts val="0"/>
+                        </a:spcAft>
+                        <a:buClrTx/>
+                        <a:buSzTx/>
+                        <a:buFontTx/>
+                        <a:buNone/>
+                        <a:tabLst/>
+                        <a:defRPr/>
+                      </a:pPr>
+                      <a:r>
+                        <a:rPr lang="en-US" altLang="zh-CN" sz="1200" dirty="0" smtClean="0">
+                          <a:solidFill>
+                            <a:schemeClr val="tx1"/>
+                          </a:solidFill>
+                          <a:latin typeface="Arial" panose="020B0604020202020204" pitchFamily="34" charset="0"/>
+                          <a:ea typeface="맑은 고딕" panose="020B0503020000020004" pitchFamily="50" charset="-127"/>
+                          <a:cs typeface="Arial" panose="020B0604020202020204" pitchFamily="34" charset="0"/>
+                        </a:rPr>
+                        <a:t>O(r,   r)</a:t>
+                      </a:r>
+                      <a:r>
+                        <a:rPr lang="en-US" altLang="zh-CN" sz="1200" baseline="0" dirty="0" smtClean="0">
+                          <a:solidFill>
+                            <a:schemeClr val="tx1"/>
+                          </a:solidFill>
+                          <a:latin typeface="Arial" panose="020B0604020202020204" pitchFamily="34" charset="0"/>
+                          <a:ea typeface="맑은 고딕" panose="020B0503020000020004" pitchFamily="50" charset="-127"/>
+                          <a:cs typeface="Arial" panose="020B0604020202020204" pitchFamily="34" charset="0"/>
+                        </a:rPr>
+                        <a:t> </a:t>
+                      </a:r>
+                      <a:r>
+                        <a:rPr lang="en-US" altLang="zh-CN" sz="1200" dirty="0" smtClean="0">
+                          <a:solidFill>
+                            <a:schemeClr val="tx1"/>
+                          </a:solidFill>
+                          <a:latin typeface="Arial" panose="020B0604020202020204" pitchFamily="34" charset="0"/>
+                          <a:ea typeface="맑은 고딕" panose="020B0503020000020004" pitchFamily="50" charset="-127"/>
+                          <a:cs typeface="Arial" panose="020B0604020202020204" pitchFamily="34" charset="0"/>
+                        </a:rPr>
+                        <a:t>→ </a:t>
+                      </a:r>
+                      <a:r>
+                        <a:rPr lang="en-US" altLang="zh-CN" sz="1200" baseline="0" dirty="0" smtClean="0">
+                          <a:solidFill>
+                            <a:schemeClr val="tx1"/>
+                          </a:solidFill>
+                          <a:latin typeface="Arial" panose="020B0604020202020204" pitchFamily="34" charset="0"/>
+                          <a:ea typeface="맑은 고딕" panose="020B0503020000020004" pitchFamily="50" charset="-127"/>
+                          <a:cs typeface="Arial" panose="020B0604020202020204" pitchFamily="34" charset="0"/>
+                        </a:rPr>
+                        <a:t>D(s)</a:t>
+                      </a:r>
+                    </a:p>
+                    <a:p>
+                      <a:pPr marL="0" marR="0" indent="0" algn="ctr" defTabSz="914400" rtl="0" eaLnBrk="1" fontAlgn="auto" latinLnBrk="0" hangingPunct="1">
+                        <a:lnSpc>
+                          <a:spcPct val="100000"/>
+                        </a:lnSpc>
+                        <a:spcBef>
+                          <a:spcPts val="0"/>
+                        </a:spcBef>
+                        <a:spcAft>
+                          <a:spcPts val="0"/>
+                        </a:spcAft>
+                        <a:buClrTx/>
+                        <a:buSzTx/>
+                        <a:buFontTx/>
+                        <a:buNone/>
+                        <a:tabLst/>
+                        <a:defRPr/>
+                      </a:pPr>
+                      <a:r>
+                        <a:rPr lang="en-US" altLang="zh-CN" sz="1200" baseline="0" dirty="0" smtClean="0">
+                          <a:solidFill>
+                            <a:schemeClr val="tx1"/>
+                          </a:solidFill>
+                          <a:latin typeface="Arial" panose="020B0604020202020204" pitchFamily="34" charset="0"/>
+                          <a:ea typeface="맑은 고딕" panose="020B0503020000020004" pitchFamily="50" charset="-127"/>
+                          <a:cs typeface="Arial" panose="020B0604020202020204" pitchFamily="34" charset="0"/>
+                        </a:rPr>
+                        <a:t>O(r,   r)</a:t>
+                      </a:r>
+                      <a:r>
+                        <a:rPr lang="en-US" altLang="zh-CN" sz="1200" dirty="0" smtClean="0">
+                          <a:solidFill>
+                            <a:schemeClr val="tx1"/>
+                          </a:solidFill>
+                          <a:latin typeface="Arial" panose="020B0604020202020204" pitchFamily="34" charset="0"/>
+                          <a:ea typeface="맑은 고딕" panose="020B0503020000020004" pitchFamily="50" charset="-127"/>
+                          <a:cs typeface="Arial" panose="020B0604020202020204" pitchFamily="34" charset="0"/>
+                        </a:rPr>
+                        <a:t> ←</a:t>
+                      </a:r>
+                      <a:r>
+                        <a:rPr lang="en-US" altLang="zh-CN" sz="1200" baseline="0" dirty="0" smtClean="0">
+                          <a:solidFill>
+                            <a:schemeClr val="tx1"/>
+                          </a:solidFill>
+                          <a:latin typeface="Arial" panose="020B0604020202020204" pitchFamily="34" charset="0"/>
+                          <a:ea typeface="맑은 고딕" panose="020B0503020000020004" pitchFamily="50" charset="-127"/>
+                          <a:cs typeface="Arial" panose="020B0604020202020204" pitchFamily="34" charset="0"/>
+                        </a:rPr>
+                        <a:t> D(s)</a:t>
+                      </a:r>
+                    </a:p>
+                    <a:p>
+                      <a:pPr marL="0" marR="0" indent="0" algn="ctr" defTabSz="914400" rtl="0" eaLnBrk="1" fontAlgn="auto" latinLnBrk="0" hangingPunct="1">
+                        <a:lnSpc>
+                          <a:spcPct val="100000"/>
+                        </a:lnSpc>
+                        <a:spcBef>
+                          <a:spcPts val="0"/>
+                        </a:spcBef>
+                        <a:spcAft>
+                          <a:spcPts val="0"/>
+                        </a:spcAft>
+                        <a:buClrTx/>
+                        <a:buSzTx/>
+                        <a:buFontTx/>
+                        <a:buNone/>
+                        <a:tabLst/>
+                        <a:defRPr/>
+                      </a:pPr>
+                      <a:r>
+                        <a:rPr lang="en-US" altLang="zh-CN" sz="1200" baseline="0" dirty="0" smtClean="0">
+                          <a:solidFill>
+                            <a:schemeClr val="tx1"/>
+                          </a:solidFill>
+                          <a:latin typeface="Arial" panose="020B0604020202020204" pitchFamily="34" charset="0"/>
+                          <a:ea typeface="맑은 고딕" panose="020B0503020000020004" pitchFamily="50" charset="-127"/>
+                          <a:cs typeface="Arial" panose="020B0604020202020204" pitchFamily="34" charset="0"/>
+                        </a:rPr>
+                        <a:t>O(o, o)</a:t>
+                      </a:r>
+                      <a:r>
+                        <a:rPr lang="en-US" altLang="zh-CN" sz="1200" dirty="0" smtClean="0">
+                          <a:solidFill>
+                            <a:schemeClr val="tx1"/>
+                          </a:solidFill>
+                          <a:latin typeface="Arial" panose="020B0604020202020204" pitchFamily="34" charset="0"/>
+                          <a:ea typeface="맑은 고딕" panose="020B0503020000020004" pitchFamily="50" charset="-127"/>
+                          <a:cs typeface="Arial" panose="020B0604020202020204" pitchFamily="34" charset="0"/>
+                        </a:rPr>
+                        <a:t> →</a:t>
+                      </a:r>
+                      <a:r>
+                        <a:rPr lang="en-US" altLang="zh-CN" sz="1200" baseline="0" dirty="0" smtClean="0">
+                          <a:solidFill>
+                            <a:schemeClr val="tx1"/>
+                          </a:solidFill>
+                          <a:latin typeface="Arial" panose="020B0604020202020204" pitchFamily="34" charset="0"/>
+                          <a:ea typeface="맑은 고딕" panose="020B0503020000020004" pitchFamily="50" charset="-127"/>
+                          <a:cs typeface="Arial" panose="020B0604020202020204" pitchFamily="34" charset="0"/>
+                        </a:rPr>
+                        <a:t> D(s)</a:t>
+                      </a:r>
+                    </a:p>
+                    <a:p>
+                      <a:pPr marL="0" marR="0" indent="0" algn="ctr" defTabSz="914400" rtl="0" eaLnBrk="1" fontAlgn="auto" latinLnBrk="0" hangingPunct="1">
+                        <a:lnSpc>
+                          <a:spcPct val="100000"/>
+                        </a:lnSpc>
+                        <a:spcBef>
+                          <a:spcPts val="0"/>
+                        </a:spcBef>
+                        <a:spcAft>
+                          <a:spcPts val="0"/>
+                        </a:spcAft>
+                        <a:buClrTx/>
+                        <a:buSzTx/>
+                        <a:buFontTx/>
+                        <a:buNone/>
+                        <a:tabLst/>
+                        <a:defRPr/>
+                      </a:pPr>
+                      <a:r>
+                        <a:rPr lang="en-US" altLang="zh-CN" sz="1200" baseline="0" dirty="0" smtClean="0">
+                          <a:solidFill>
+                            <a:schemeClr val="tx1"/>
+                          </a:solidFill>
+                          <a:latin typeface="Arial" panose="020B0604020202020204" pitchFamily="34" charset="0"/>
+                          <a:ea typeface="맑은 고딕" panose="020B0503020000020004" pitchFamily="50" charset="-127"/>
+                          <a:cs typeface="Arial" panose="020B0604020202020204" pitchFamily="34" charset="0"/>
+                        </a:rPr>
+                        <a:t>O(o, o) </a:t>
+                      </a:r>
+                      <a:r>
+                        <a:rPr lang="en-US" altLang="zh-CN" sz="1200" dirty="0" smtClean="0">
+                          <a:solidFill>
+                            <a:schemeClr val="tx1"/>
+                          </a:solidFill>
+                          <a:latin typeface="Arial" panose="020B0604020202020204" pitchFamily="34" charset="0"/>
+                          <a:ea typeface="맑은 고딕" panose="020B0503020000020004" pitchFamily="50" charset="-127"/>
+                          <a:cs typeface="Arial" panose="020B0604020202020204" pitchFamily="34" charset="0"/>
+                        </a:rPr>
+                        <a:t>← </a:t>
+                      </a:r>
+                      <a:r>
+                        <a:rPr lang="en-US" altLang="zh-CN" sz="1200" baseline="0" dirty="0" smtClean="0">
+                          <a:solidFill>
+                            <a:schemeClr val="tx1"/>
+                          </a:solidFill>
+                          <a:latin typeface="Arial" panose="020B0604020202020204" pitchFamily="34" charset="0"/>
+                          <a:ea typeface="맑은 고딕" panose="020B0503020000020004" pitchFamily="50" charset="-127"/>
+                          <a:cs typeface="Arial" panose="020B0604020202020204" pitchFamily="34" charset="0"/>
+                        </a:rPr>
+                        <a:t>D(s)</a:t>
+                      </a:r>
+                      <a:endParaRPr lang="en-US" altLang="zh-CN" sz="1200" dirty="0" smtClean="0">
+                        <a:solidFill>
+                          <a:schemeClr val="tx1"/>
+                        </a:solidFill>
+                        <a:latin typeface="Arial" panose="020B0604020202020204" pitchFamily="34" charset="0"/>
+                        <a:ea typeface="맑은 고딕" panose="020B0503020000020004" pitchFamily="50" charset="-127"/>
+                        <a:cs typeface="Arial" panose="020B0604020202020204" pitchFamily="34" charset="0"/>
+                      </a:endParaRPr>
+                    </a:p>
+                    <a:p>
+                      <a:pPr algn="ctr"/>
+                      <a:r>
+                        <a:rPr lang="en-US" altLang="zh-CN" sz="1200" dirty="0" smtClean="0">
+                          <a:solidFill>
+                            <a:schemeClr val="tx1"/>
+                          </a:solidFill>
+                          <a:latin typeface="Arial" panose="020B0604020202020204" pitchFamily="34" charset="0"/>
+                          <a:ea typeface="맑은 고딕" panose="020B0503020000020004" pitchFamily="50" charset="-127"/>
+                          <a:cs typeface="Arial" panose="020B0604020202020204" pitchFamily="34" charset="0"/>
+                        </a:rPr>
+                        <a:t>O(s, o) ← D(s)</a:t>
+                      </a:r>
+                    </a:p>
+                    <a:p>
+                      <a:pPr algn="ctr"/>
+                      <a:r>
+                        <a:rPr lang="en-US" altLang="zh-CN" sz="1200" dirty="0" smtClean="0">
+                          <a:solidFill>
+                            <a:schemeClr val="tx1"/>
+                          </a:solidFill>
+                          <a:latin typeface="Arial" panose="020B0604020202020204" pitchFamily="34" charset="0"/>
+                          <a:ea typeface="맑은 고딕" panose="020B0503020000020004" pitchFamily="50" charset="-127"/>
+                          <a:cs typeface="Arial" panose="020B0604020202020204" pitchFamily="34" charset="0"/>
+                        </a:rPr>
+                        <a:t>O(s, o) →</a:t>
+                      </a:r>
+                      <a:r>
+                        <a:rPr lang="en-US" altLang="zh-CN" sz="1200" baseline="0" dirty="0" smtClean="0">
+                          <a:solidFill>
+                            <a:schemeClr val="tx1"/>
+                          </a:solidFill>
+                          <a:latin typeface="Arial" panose="020B0604020202020204" pitchFamily="34" charset="0"/>
+                          <a:ea typeface="맑은 고딕" panose="020B0503020000020004" pitchFamily="50" charset="-127"/>
+                          <a:cs typeface="Arial" panose="020B0604020202020204" pitchFamily="34" charset="0"/>
+                        </a:rPr>
+                        <a:t> D(s)</a:t>
+                      </a:r>
+                    </a:p>
+                    <a:p>
+                      <a:pPr algn="ctr"/>
+                      <a:r>
+                        <a:rPr lang="en-US" altLang="zh-CN" sz="1200" dirty="0" smtClean="0">
+                          <a:solidFill>
+                            <a:schemeClr val="tx1"/>
+                          </a:solidFill>
+                          <a:latin typeface="Arial" panose="020B0604020202020204" pitchFamily="34" charset="0"/>
+                          <a:ea typeface="맑은 고딕" panose="020B0503020000020004" pitchFamily="50" charset="-127"/>
+                          <a:cs typeface="Arial" panose="020B0604020202020204" pitchFamily="34" charset="0"/>
+                        </a:rPr>
+                        <a:t>O(s, o) ↔</a:t>
+                      </a:r>
+                      <a:r>
+                        <a:rPr lang="en-US" altLang="zh-CN" sz="1200" baseline="0" dirty="0" smtClean="0">
+                          <a:solidFill>
+                            <a:schemeClr val="tx1"/>
+                          </a:solidFill>
+                          <a:latin typeface="Arial" panose="020B0604020202020204" pitchFamily="34" charset="0"/>
+                          <a:ea typeface="맑은 고딕" panose="020B0503020000020004" pitchFamily="50" charset="-127"/>
+                          <a:cs typeface="Arial" panose="020B0604020202020204" pitchFamily="34" charset="0"/>
+                        </a:rPr>
+                        <a:t> D(s)</a:t>
+                      </a:r>
+                      <a:endParaRPr lang="en-US" altLang="zh-CN" sz="1200" dirty="0" smtClean="0">
+                        <a:solidFill>
+                          <a:schemeClr val="tx1"/>
+                        </a:solidFill>
+                        <a:latin typeface="Arial" panose="020B0604020202020204" pitchFamily="34" charset="0"/>
+                        <a:ea typeface="맑은 고딕" panose="020B0503020000020004" pitchFamily="50" charset="-127"/>
+                        <a:cs typeface="Arial" panose="020B0604020202020204" pitchFamily="34" charset="0"/>
+                      </a:endParaRPr>
+                    </a:p>
+                  </a:txBody>
+                  <a:tcPr anchor="ctr">
+                    <a:lnL w="12700" cap="flat" cmpd="sng" algn="ctr">
+                      <a:solidFill>
+                        <a:schemeClr val="accent1"/>
+                      </a:solidFill>
+                      <a:prstDash val="solid"/>
+                      <a:round/>
+                      <a:headEnd type="none" w="med" len="med"/>
+                      <a:tailEnd type="none" w="med" len="med"/>
+                    </a:lnL>
+                    <a:lnR w="12700" cap="flat" cmpd="sng" algn="ctr">
+                      <a:solidFill>
+                        <a:schemeClr val="accent1"/>
+                      </a:solidFill>
+                      <a:prstDash val="solid"/>
+                      <a:round/>
+                      <a:headEnd type="none" w="med" len="med"/>
+                      <a:tailEnd type="none" w="med" len="med"/>
+                    </a:lnR>
+                    <a:lnT w="12700" cap="flat" cmpd="sng" algn="ctr">
+                      <a:solidFill>
+                        <a:schemeClr val="accent1"/>
+                      </a:solidFill>
+                      <a:prstDash val="solid"/>
+                      <a:round/>
+                      <a:headEnd type="none" w="med" len="med"/>
+                      <a:tailEnd type="none" w="med" len="med"/>
+                    </a:lnT>
+                    <a:lnB w="12700" cap="flat" cmpd="sng" algn="ctr">
+                      <a:solidFill>
+                        <a:schemeClr val="accent1"/>
+                      </a:solidFill>
+                      <a:prstDash val="solid"/>
+                      <a:round/>
+                      <a:headEnd type="none" w="med" len="med"/>
+                      <a:tailEnd type="none" w="med" len="med"/>
+                    </a:lnB>
+                    <a:lnTlToBr w="12700" cmpd="sng">
+                      <a:noFill/>
+                      <a:prstDash val="solid"/>
+                    </a:lnTlToBr>
+                    <a:lnBlToTr w="12700" cmpd="sng">
+                      <a:noFill/>
+                      <a:prstDash val="solid"/>
+                    </a:lnBlToTr>
+                    <a:noFill/>
+                  </a:tcPr>
+                </a:tc>
+                <a:extLst>
+                  <a:ext uri="{0D108BD9-81ED-4DB2-BD59-A6C34878D82A}">
+                    <a16:rowId xmlns:a16="http://schemas.microsoft.com/office/drawing/2014/main" val="2067007075"/>
+                  </a:ext>
+                </a:extLst>
+              </a:tr>
+              <a:tr h="909555">
+                <a:tc vMerge="1">
+                  <a:txBody>
+                    <a:bodyPr/>
+                    <a:lstStyle/>
+                    <a:p>
+                      <a:endParaRPr lang="zh-CN" altLang="en-US"/>
+                    </a:p>
+                  </a:txBody>
+                  <a:tcPr/>
+                </a:tc>
+                <a:tc vMerge="1">
+                  <a:txBody>
+                    <a:bodyPr/>
+                    <a:lstStyle/>
+                    <a:p>
+                      <a:endParaRPr lang="zh-CN" altLang="en-US"/>
+                    </a:p>
+                  </a:txBody>
+                  <a:tcPr/>
+                </a:tc>
+                <a:tc>
+                  <a:txBody>
+                    <a:bodyPr/>
+                    <a:lstStyle/>
+                    <a:p>
+                      <a:pPr algn="ctr"/>
+                      <a:r>
+                        <a:rPr lang="en-US" altLang="zh-CN" sz="1200" dirty="0" smtClean="0">
+                          <a:latin typeface="Arial" panose="020B0604020202020204" pitchFamily="34" charset="0"/>
+                          <a:cs typeface="Arial" panose="020B0604020202020204" pitchFamily="34" charset="0"/>
+                        </a:rPr>
+                        <a:t>Slow</a:t>
+                      </a:r>
+                      <a:r>
+                        <a:rPr lang="en-US" altLang="zh-CN" sz="1200" baseline="0" dirty="0" smtClean="0">
+                          <a:latin typeface="Arial" panose="020B0604020202020204" pitchFamily="34" charset="0"/>
+                          <a:cs typeface="Arial" panose="020B0604020202020204" pitchFamily="34" charset="0"/>
+                        </a:rPr>
+                        <a:t> negative consensus :</a:t>
+                      </a:r>
+                    </a:p>
+                    <a:p>
+                      <a:pPr algn="ctr"/>
+                      <a:r>
+                        <a:rPr lang="en-US" altLang="zh-CN" sz="1200" baseline="0" dirty="0" smtClean="0">
+                          <a:latin typeface="Arial" panose="020B0604020202020204" pitchFamily="34" charset="0"/>
+                          <a:cs typeface="Arial" panose="020B0604020202020204" pitchFamily="34" charset="0"/>
+                        </a:rPr>
+                        <a:t>Simultaneous order of edge</a:t>
+                      </a:r>
+                      <a:endParaRPr lang="zh-CN" altLang="en-US" sz="1200" dirty="0">
+                        <a:latin typeface="Arial" panose="020B0604020202020204" pitchFamily="34" charset="0"/>
+                        <a:cs typeface="Arial" panose="020B0604020202020204" pitchFamily="34" charset="0"/>
+                      </a:endParaRPr>
+                    </a:p>
+                  </a:txBody>
+                  <a:tcPr anchor="ctr">
+                    <a:lnL w="12700" cap="flat" cmpd="sng" algn="ctr">
+                      <a:solidFill>
+                        <a:schemeClr val="accent1"/>
+                      </a:solidFill>
+                      <a:prstDash val="solid"/>
+                      <a:round/>
+                      <a:headEnd type="none" w="med" len="med"/>
+                      <a:tailEnd type="none" w="med" len="med"/>
+                    </a:lnL>
+                    <a:lnR w="12700" cap="flat" cmpd="sng" algn="ctr">
+                      <a:solidFill>
+                        <a:schemeClr val="accent1"/>
+                      </a:solidFill>
+                      <a:prstDash val="solid"/>
+                      <a:round/>
+                      <a:headEnd type="none" w="med" len="med"/>
+                      <a:tailEnd type="none" w="med" len="med"/>
+                    </a:lnR>
+                    <a:lnT w="12700" cap="flat" cmpd="sng" algn="ctr">
+                      <a:solidFill>
+                        <a:schemeClr val="accent1"/>
+                      </a:solidFill>
+                      <a:prstDash val="solid"/>
+                      <a:round/>
+                      <a:headEnd type="none" w="med" len="med"/>
+                      <a:tailEnd type="none" w="med" len="med"/>
+                    </a:lnT>
+                    <a:lnB w="12700" cap="flat" cmpd="sng" algn="ctr">
+                      <a:solidFill>
+                        <a:schemeClr val="accent1"/>
+                      </a:solidFill>
+                      <a:prstDash val="solid"/>
+                      <a:round/>
+                      <a:headEnd type="none" w="med" len="med"/>
+                      <a:tailEnd type="none" w="med" len="med"/>
+                    </a:lnB>
+                    <a:lnTlToBr w="12700" cmpd="sng">
+                      <a:noFill/>
+                      <a:prstDash val="solid"/>
+                    </a:lnTlToBr>
+                    <a:lnBlToTr w="12700" cmpd="sng">
+                      <a:noFill/>
+                      <a:prstDash val="solid"/>
+                    </a:lnBlToTr>
+                    <a:noFill/>
+                  </a:tcPr>
+                </a:tc>
+                <a:tc>
+                  <a:txBody>
+                    <a:bodyPr/>
+                    <a:lstStyle/>
+                    <a:p>
+                      <a:pPr algn="ctr"/>
+                      <a:r>
+                        <a:rPr lang="en-US" altLang="zh-CN" sz="1200" dirty="0" smtClean="0">
+                          <a:solidFill>
+                            <a:schemeClr val="tx1"/>
+                          </a:solidFill>
+                          <a:latin typeface="Arial" panose="020B0604020202020204" pitchFamily="34" charset="0"/>
+                          <a:cs typeface="Arial" panose="020B0604020202020204" pitchFamily="34" charset="0"/>
+                        </a:rPr>
+                        <a:t>O(s, s) </a:t>
+                      </a:r>
+                      <a:r>
+                        <a:rPr lang="en-US" altLang="zh-CN" sz="1200" dirty="0" smtClean="0">
+                          <a:solidFill>
+                            <a:schemeClr val="tx1"/>
+                          </a:solidFill>
+                          <a:latin typeface="Arial" panose="020B0604020202020204" pitchFamily="34" charset="0"/>
+                          <a:ea typeface="맑은 고딕" panose="020B0503020000020004" pitchFamily="50" charset="-127"/>
+                          <a:cs typeface="Arial" panose="020B0604020202020204" pitchFamily="34" charset="0"/>
+                        </a:rPr>
+                        <a:t>← D(s)</a:t>
+                      </a:r>
+                    </a:p>
+                    <a:p>
+                      <a:pPr algn="ctr"/>
+                      <a:r>
+                        <a:rPr lang="en-US" altLang="zh-CN" sz="1200" dirty="0" smtClean="0">
+                          <a:solidFill>
+                            <a:schemeClr val="tx1"/>
+                          </a:solidFill>
+                          <a:latin typeface="Arial" panose="020B0604020202020204" pitchFamily="34" charset="0"/>
+                          <a:cs typeface="Arial" panose="020B0604020202020204" pitchFamily="34" charset="0"/>
+                        </a:rPr>
+                        <a:t>O(o, s) </a:t>
+                      </a:r>
+                      <a:r>
+                        <a:rPr lang="en-US" altLang="zh-CN" sz="1200" dirty="0" smtClean="0">
+                          <a:solidFill>
+                            <a:schemeClr val="tx1"/>
+                          </a:solidFill>
+                          <a:latin typeface="Arial" panose="020B0604020202020204" pitchFamily="34" charset="0"/>
+                          <a:ea typeface="맑은 고딕" panose="020B0503020000020004" pitchFamily="50" charset="-127"/>
+                          <a:cs typeface="Arial" panose="020B0604020202020204" pitchFamily="34" charset="0"/>
+                        </a:rPr>
+                        <a:t>← D(s)</a:t>
+                      </a:r>
+                    </a:p>
+                    <a:p>
+                      <a:pPr marL="0" marR="0" indent="0" algn="ctr" defTabSz="914400" rtl="0" eaLnBrk="1" fontAlgn="auto" latinLnBrk="0" hangingPunct="1">
+                        <a:lnSpc>
+                          <a:spcPct val="100000"/>
+                        </a:lnSpc>
+                        <a:spcBef>
+                          <a:spcPts val="0"/>
+                        </a:spcBef>
+                        <a:spcAft>
+                          <a:spcPts val="0"/>
+                        </a:spcAft>
+                        <a:buClrTx/>
+                        <a:buSzTx/>
+                        <a:buFontTx/>
+                        <a:buNone/>
+                        <a:tabLst/>
+                        <a:defRPr/>
+                      </a:pPr>
+                      <a:r>
+                        <a:rPr lang="en-US" altLang="zh-CN" sz="1200" dirty="0" smtClean="0">
+                          <a:solidFill>
+                            <a:schemeClr val="tx1"/>
+                          </a:solidFill>
+                          <a:latin typeface="Arial" panose="020B0604020202020204" pitchFamily="34" charset="0"/>
+                          <a:cs typeface="Arial" panose="020B0604020202020204" pitchFamily="34" charset="0"/>
+                        </a:rPr>
+                        <a:t>O(o, s) </a:t>
+                      </a:r>
+                      <a:r>
+                        <a:rPr lang="en-US" altLang="zh-CN" sz="1200" dirty="0" smtClean="0">
+                          <a:solidFill>
+                            <a:schemeClr val="tx1"/>
+                          </a:solidFill>
+                          <a:latin typeface="Arial" panose="020B0604020202020204" pitchFamily="34" charset="0"/>
+                          <a:ea typeface="맑은 고딕" panose="020B0503020000020004" pitchFamily="50" charset="-127"/>
+                          <a:cs typeface="Arial" panose="020B0604020202020204" pitchFamily="34" charset="0"/>
+                        </a:rPr>
+                        <a:t>→ D(s)</a:t>
+                      </a:r>
+                    </a:p>
+                    <a:p>
+                      <a:pPr marL="0" marR="0" indent="0" algn="ctr" defTabSz="914400" rtl="0" eaLnBrk="1" fontAlgn="auto" latinLnBrk="0" hangingPunct="1">
+                        <a:lnSpc>
+                          <a:spcPct val="100000"/>
+                        </a:lnSpc>
+                        <a:spcBef>
+                          <a:spcPts val="0"/>
+                        </a:spcBef>
+                        <a:spcAft>
+                          <a:spcPts val="0"/>
+                        </a:spcAft>
+                        <a:buClrTx/>
+                        <a:buSzTx/>
+                        <a:buFontTx/>
+                        <a:buNone/>
+                        <a:tabLst/>
+                        <a:defRPr/>
+                      </a:pPr>
+                      <a:r>
+                        <a:rPr lang="en-US" altLang="zh-CN" sz="1200" dirty="0" smtClean="0">
+                          <a:solidFill>
+                            <a:schemeClr val="tx1"/>
+                          </a:solidFill>
+                          <a:latin typeface="Arial" panose="020B0604020202020204" pitchFamily="34" charset="0"/>
+                          <a:cs typeface="Arial" panose="020B0604020202020204" pitchFamily="34" charset="0"/>
+                        </a:rPr>
+                        <a:t>O(s, s) </a:t>
+                      </a:r>
+                      <a:r>
+                        <a:rPr lang="en-US" altLang="zh-CN" sz="1200" dirty="0" smtClean="0">
+                          <a:solidFill>
+                            <a:schemeClr val="tx1"/>
+                          </a:solidFill>
+                          <a:latin typeface="Arial" panose="020B0604020202020204" pitchFamily="34" charset="0"/>
+                          <a:ea typeface="맑은 고딕" panose="020B0503020000020004" pitchFamily="50" charset="-127"/>
+                          <a:cs typeface="Arial" panose="020B0604020202020204" pitchFamily="34" charset="0"/>
+                        </a:rPr>
+                        <a:t>→ D(s)</a:t>
+                      </a:r>
+                    </a:p>
+                    <a:p>
+                      <a:pPr marL="0" marR="0" indent="0" algn="ctr" defTabSz="914400" rtl="0" eaLnBrk="1" fontAlgn="auto" latinLnBrk="0" hangingPunct="1">
+                        <a:lnSpc>
+                          <a:spcPct val="100000"/>
+                        </a:lnSpc>
+                        <a:spcBef>
+                          <a:spcPts val="0"/>
+                        </a:spcBef>
+                        <a:spcAft>
+                          <a:spcPts val="0"/>
+                        </a:spcAft>
+                        <a:buClrTx/>
+                        <a:buSzTx/>
+                        <a:buFontTx/>
+                        <a:buNone/>
+                        <a:tabLst/>
+                        <a:defRPr/>
+                      </a:pPr>
+                      <a:r>
+                        <a:rPr lang="en-US" altLang="zh-CN" sz="1200" dirty="0" smtClean="0">
+                          <a:solidFill>
+                            <a:schemeClr val="tx1"/>
+                          </a:solidFill>
+                          <a:latin typeface="Arial" panose="020B0604020202020204" pitchFamily="34" charset="0"/>
+                          <a:cs typeface="Arial" panose="020B0604020202020204" pitchFamily="34" charset="0"/>
+                        </a:rPr>
+                        <a:t>O(s, s) </a:t>
+                      </a:r>
+                      <a:r>
+                        <a:rPr lang="en-US" altLang="zh-CN" sz="1200" dirty="0" smtClean="0">
+                          <a:solidFill>
+                            <a:schemeClr val="tx1"/>
+                          </a:solidFill>
+                          <a:latin typeface="Arial" panose="020B0604020202020204" pitchFamily="34" charset="0"/>
+                          <a:ea typeface="맑은 고딕" panose="020B0503020000020004" pitchFamily="50" charset="-127"/>
+                          <a:cs typeface="Arial" panose="020B0604020202020204" pitchFamily="34" charset="0"/>
+                        </a:rPr>
+                        <a:t>↔ D(s)</a:t>
+                      </a:r>
+                    </a:p>
+                  </a:txBody>
+                  <a:tcPr anchor="ctr">
+                    <a:lnL w="12700" cap="flat" cmpd="sng" algn="ctr">
+                      <a:solidFill>
+                        <a:schemeClr val="accent1"/>
+                      </a:solidFill>
+                      <a:prstDash val="solid"/>
+                      <a:round/>
+                      <a:headEnd type="none" w="med" len="med"/>
+                      <a:tailEnd type="none" w="med" len="med"/>
+                    </a:lnL>
+                    <a:lnR w="12700" cap="flat" cmpd="sng" algn="ctr">
+                      <a:solidFill>
+                        <a:schemeClr val="accent1"/>
+                      </a:solidFill>
+                      <a:prstDash val="solid"/>
+                      <a:round/>
+                      <a:headEnd type="none" w="med" len="med"/>
+                      <a:tailEnd type="none" w="med" len="med"/>
+                    </a:lnR>
+                    <a:lnT w="12700" cap="flat" cmpd="sng" algn="ctr">
+                      <a:solidFill>
+                        <a:schemeClr val="accent1"/>
+                      </a:solidFill>
+                      <a:prstDash val="solid"/>
+                      <a:round/>
+                      <a:headEnd type="none" w="med" len="med"/>
+                      <a:tailEnd type="none" w="med" len="med"/>
+                    </a:lnT>
+                    <a:lnB w="12700" cap="flat" cmpd="sng" algn="ctr">
+                      <a:solidFill>
+                        <a:schemeClr val="accent1"/>
+                      </a:solidFill>
+                      <a:prstDash val="solid"/>
+                      <a:round/>
+                      <a:headEnd type="none" w="med" len="med"/>
+                      <a:tailEnd type="none" w="med" len="med"/>
+                    </a:lnB>
+                    <a:lnTlToBr w="12700" cmpd="sng">
+                      <a:noFill/>
+                      <a:prstDash val="solid"/>
+                    </a:lnTlToBr>
+                    <a:lnBlToTr w="12700" cmpd="sng">
+                      <a:noFill/>
+                      <a:prstDash val="solid"/>
+                    </a:lnBlToTr>
+                    <a:noFill/>
+                  </a:tcPr>
+                </a:tc>
+                <a:extLst>
+                  <a:ext uri="{0D108BD9-81ED-4DB2-BD59-A6C34878D82A}">
+                    <a16:rowId xmlns:a16="http://schemas.microsoft.com/office/drawing/2014/main" val="560781437"/>
+                  </a:ext>
+                </a:extLst>
+              </a:tr>
+            </a:tbl>
+          </a:graphicData>
+        </a:graphic>
+      </p:graphicFrame>
       <p:sp>
         <p:nvSpPr>
-          <p:cNvPr id="3" name="제목 2"/>
+          <p:cNvPr id="10" name="제목 2"/>
           <p:cNvSpPr>
             <a:spLocks noGrp="1"/>
           </p:cNvSpPr>
@@ -11402,492 +14978,16 @@
           </a:p>
         </p:txBody>
       </p:sp>
-      <p:sp>
-        <p:nvSpPr>
-          <p:cNvPr id="9" name="직사각형 8"/>
-          <p:cNvSpPr/>
-          <p:nvPr/>
-        </p:nvSpPr>
-        <p:spPr>
-          <a:xfrm>
-            <a:off x="-3567" y="1631203"/>
-            <a:ext cx="10265167" cy="4970591"/>
-          </a:xfrm>
-          <a:prstGeom prst="rect">
-            <a:avLst/>
-          </a:prstGeom>
-        </p:spPr>
-        <p:txBody>
-          <a:bodyPr wrap="square">
-            <a:spAutoFit/>
-          </a:bodyPr>
-          <a:lstStyle/>
-          <a:p>
-            <a:pPr marL="228600" lvl="0" indent="-228600">
-              <a:spcBef>
-                <a:spcPts val="600"/>
-              </a:spcBef>
-              <a:buClr>
-                <a:srgbClr val="004098"/>
-              </a:buClr>
-              <a:buSzPct val="100000"/>
-              <a:buFont typeface="Calibri" panose="020F0502020204030204" pitchFamily="34" charset="0"/>
-              <a:buChar char="▪"/>
-            </a:pPr>
-            <a:r>
-              <a:rPr lang="en-US" altLang="zh-CN" b="1" dirty="0" smtClean="0">
-                <a:solidFill>
-                  <a:srgbClr val="000000"/>
-                </a:solidFill>
-                <a:latin typeface="Arial" panose="020B0604020202020204" pitchFamily="34" charset="0"/>
-                <a:cs typeface="Arial" panose="020B0604020202020204" pitchFamily="34" charset="0"/>
-              </a:rPr>
-              <a:t>Orders between layers</a:t>
-            </a:r>
-          </a:p>
-          <a:p>
-            <a:pPr lvl="0">
-              <a:spcBef>
-                <a:spcPts val="600"/>
-              </a:spcBef>
-              <a:buClr>
-                <a:srgbClr val="004098"/>
-              </a:buClr>
-              <a:buSzPct val="100000"/>
-            </a:pPr>
-            <a:r>
-              <a:rPr lang="en-US" altLang="zh-CN" b="1" dirty="0">
-                <a:solidFill>
-                  <a:srgbClr val="000000"/>
-                </a:solidFill>
-                <a:latin typeface="Arial" panose="020B0604020202020204" pitchFamily="34" charset="0"/>
-                <a:cs typeface="Arial" panose="020B0604020202020204" pitchFamily="34" charset="0"/>
-              </a:rPr>
-              <a:t> </a:t>
-            </a:r>
-            <a:r>
-              <a:rPr lang="en-US" altLang="zh-CN" b="1" dirty="0" smtClean="0">
-                <a:solidFill>
-                  <a:srgbClr val="000000"/>
-                </a:solidFill>
-                <a:latin typeface="Arial" panose="020B0604020202020204" pitchFamily="34" charset="0"/>
-                <a:cs typeface="Arial" panose="020B0604020202020204" pitchFamily="34" charset="0"/>
-              </a:rPr>
-              <a:t>   </a:t>
-            </a:r>
-            <a:r>
-              <a:rPr lang="en-US" altLang="zh-CN" dirty="0" smtClean="0">
-                <a:solidFill>
-                  <a:srgbClr val="000000"/>
-                </a:solidFill>
-                <a:latin typeface="Arial" panose="020B0604020202020204" pitchFamily="34" charset="0"/>
-                <a:cs typeface="Arial" panose="020B0604020202020204" pitchFamily="34" charset="0"/>
-              </a:rPr>
-              <a:t>- There is no difference between orders of layers, though there exists tiny </a:t>
-            </a:r>
-          </a:p>
-          <a:p>
-            <a:pPr lvl="0">
-              <a:spcBef>
-                <a:spcPts val="600"/>
-              </a:spcBef>
-              <a:buClr>
-                <a:srgbClr val="004098"/>
-              </a:buClr>
-              <a:buSzPct val="100000"/>
-            </a:pPr>
-            <a:r>
-              <a:rPr lang="en-US" altLang="zh-CN" dirty="0">
-                <a:solidFill>
-                  <a:srgbClr val="000000"/>
-                </a:solidFill>
-                <a:latin typeface="Arial" panose="020B0604020202020204" pitchFamily="34" charset="0"/>
-                <a:cs typeface="Arial" panose="020B0604020202020204" pitchFamily="34" charset="0"/>
-              </a:rPr>
-              <a:t> </a:t>
-            </a:r>
-            <a:r>
-              <a:rPr lang="en-US" altLang="zh-CN" dirty="0" smtClean="0">
-                <a:solidFill>
-                  <a:srgbClr val="000000"/>
-                </a:solidFill>
-                <a:latin typeface="Arial" panose="020B0604020202020204" pitchFamily="34" charset="0"/>
-                <a:cs typeface="Arial" panose="020B0604020202020204" pitchFamily="34" charset="0"/>
-              </a:rPr>
-              <a:t>     consensus time gap. Regardless of  which layer works previously, </a:t>
-            </a:r>
-          </a:p>
-          <a:p>
-            <a:pPr lvl="0">
-              <a:spcBef>
-                <a:spcPts val="600"/>
-              </a:spcBef>
-              <a:buClr>
-                <a:srgbClr val="004098"/>
-              </a:buClr>
-              <a:buSzPct val="100000"/>
-            </a:pPr>
-            <a:r>
-              <a:rPr lang="en-US" altLang="zh-CN" dirty="0">
-                <a:solidFill>
-                  <a:srgbClr val="000000"/>
-                </a:solidFill>
-                <a:latin typeface="Arial" panose="020B0604020202020204" pitchFamily="34" charset="0"/>
-                <a:cs typeface="Arial" panose="020B0604020202020204" pitchFamily="34" charset="0"/>
-              </a:rPr>
-              <a:t> </a:t>
-            </a:r>
-            <a:r>
-              <a:rPr lang="en-US" altLang="zh-CN" dirty="0" smtClean="0">
-                <a:solidFill>
-                  <a:srgbClr val="000000"/>
-                </a:solidFill>
-                <a:latin typeface="Arial" panose="020B0604020202020204" pitchFamily="34" charset="0"/>
-                <a:cs typeface="Arial" panose="020B0604020202020204" pitchFamily="34" charset="0"/>
-              </a:rPr>
-              <a:t>     simulation results are almost same.</a:t>
-            </a:r>
-          </a:p>
-          <a:p>
-            <a:pPr marL="228600" lvl="0" indent="-228600">
-              <a:spcBef>
-                <a:spcPts val="600"/>
-              </a:spcBef>
-              <a:buClr>
-                <a:srgbClr val="004098"/>
-              </a:buClr>
-              <a:buSzPct val="100000"/>
-              <a:buFont typeface="Calibri" panose="020F0502020204030204" pitchFamily="34" charset="0"/>
-              <a:buChar char="▪"/>
-            </a:pPr>
-            <a:r>
-              <a:rPr lang="en-US" altLang="zh-CN" b="1" dirty="0" smtClean="0">
-                <a:solidFill>
-                  <a:srgbClr val="000000"/>
-                </a:solidFill>
-                <a:latin typeface="Arial" panose="020B0604020202020204" pitchFamily="34" charset="0"/>
-                <a:cs typeface="Arial" panose="020B0604020202020204" pitchFamily="34" charset="0"/>
-              </a:rPr>
-              <a:t>Orders between nodes</a:t>
-            </a:r>
-            <a:endParaRPr lang="en-US" altLang="zh-CN" b="1" dirty="0">
-              <a:solidFill>
-                <a:srgbClr val="000000"/>
-              </a:solidFill>
-              <a:latin typeface="Arial" panose="020B0604020202020204" pitchFamily="34" charset="0"/>
-              <a:cs typeface="Arial" panose="020B0604020202020204" pitchFamily="34" charset="0"/>
-            </a:endParaRPr>
-          </a:p>
-          <a:p>
-            <a:pPr lvl="0">
-              <a:spcBef>
-                <a:spcPts val="600"/>
-              </a:spcBef>
-              <a:buClr>
-                <a:srgbClr val="004098"/>
-              </a:buClr>
-              <a:buSzPct val="100000"/>
-            </a:pPr>
-            <a:r>
-              <a:rPr lang="en-US" altLang="zh-CN" b="1" dirty="0">
-                <a:solidFill>
-                  <a:srgbClr val="000000"/>
-                </a:solidFill>
-                <a:latin typeface="Arial" panose="020B0604020202020204" pitchFamily="34" charset="0"/>
-                <a:cs typeface="Arial" panose="020B0604020202020204" pitchFamily="34" charset="0"/>
-              </a:rPr>
-              <a:t>    </a:t>
-            </a:r>
-            <a:r>
-              <a:rPr lang="en-US" altLang="zh-CN" dirty="0">
-                <a:solidFill>
-                  <a:srgbClr val="000000"/>
-                </a:solidFill>
-                <a:latin typeface="Arial" panose="020B0604020202020204" pitchFamily="34" charset="0"/>
-                <a:cs typeface="Arial" panose="020B0604020202020204" pitchFamily="34" charset="0"/>
-              </a:rPr>
-              <a:t>- In layer A dynamics, when two nodes are connected, probability p and q are applied. </a:t>
-            </a:r>
-          </a:p>
-          <a:p>
-            <a:pPr lvl="0">
-              <a:spcBef>
-                <a:spcPts val="600"/>
-              </a:spcBef>
-              <a:buClr>
-                <a:srgbClr val="004098"/>
-              </a:buClr>
-              <a:buSzPct val="100000"/>
-            </a:pPr>
-            <a:r>
-              <a:rPr lang="en-US" altLang="zh-CN" dirty="0">
-                <a:solidFill>
-                  <a:srgbClr val="000000"/>
-                </a:solidFill>
-                <a:latin typeface="Arial" panose="020B0604020202020204" pitchFamily="34" charset="0"/>
-                <a:cs typeface="Arial" panose="020B0604020202020204" pitchFamily="34" charset="0"/>
-              </a:rPr>
-              <a:t>    </a:t>
-            </a:r>
-            <a:r>
-              <a:rPr lang="en-US" altLang="zh-CN" dirty="0" smtClean="0">
-                <a:solidFill>
-                  <a:srgbClr val="000000"/>
-                </a:solidFill>
-                <a:latin typeface="Arial" panose="020B0604020202020204" pitchFamily="34" charset="0"/>
-                <a:cs typeface="Arial" panose="020B0604020202020204" pitchFamily="34" charset="0"/>
-              </a:rPr>
-              <a:t>- Orders of nodes can be analyzed as </a:t>
-            </a:r>
-            <a:r>
-              <a:rPr lang="en-US" altLang="zh-CN" dirty="0" smtClean="0">
-                <a:solidFill>
-                  <a:schemeClr val="accent1"/>
-                </a:solidFill>
-                <a:latin typeface="Arial" panose="020B0604020202020204" pitchFamily="34" charset="0"/>
-                <a:cs typeface="Arial" panose="020B0604020202020204" pitchFamily="34" charset="0"/>
-              </a:rPr>
-              <a:t>communication or decision-making methods.</a:t>
-            </a:r>
-          </a:p>
-          <a:p>
-            <a:pPr lvl="0">
-              <a:spcBef>
-                <a:spcPts val="600"/>
-              </a:spcBef>
-              <a:buClr>
-                <a:srgbClr val="004098"/>
-              </a:buClr>
-              <a:buSzPct val="100000"/>
-            </a:pPr>
-            <a:r>
-              <a:rPr lang="en-US" altLang="zh-CN" dirty="0">
-                <a:solidFill>
-                  <a:schemeClr val="accent1"/>
-                </a:solidFill>
-                <a:latin typeface="Arial" panose="020B0604020202020204" pitchFamily="34" charset="0"/>
-                <a:cs typeface="Arial" panose="020B0604020202020204" pitchFamily="34" charset="0"/>
-              </a:rPr>
-              <a:t> </a:t>
-            </a:r>
-            <a:r>
-              <a:rPr lang="en-US" altLang="zh-CN" dirty="0" smtClean="0">
-                <a:solidFill>
-                  <a:schemeClr val="accent1"/>
-                </a:solidFill>
-                <a:latin typeface="Arial" panose="020B0604020202020204" pitchFamily="34" charset="0"/>
-                <a:cs typeface="Arial" panose="020B0604020202020204" pitchFamily="34" charset="0"/>
-              </a:rPr>
-              <a:t>      Sequential : discussion, conversation</a:t>
-            </a:r>
-          </a:p>
-          <a:p>
-            <a:pPr lvl="0">
-              <a:spcBef>
-                <a:spcPts val="600"/>
-              </a:spcBef>
-              <a:buClr>
-                <a:srgbClr val="004098"/>
-              </a:buClr>
-              <a:buSzPct val="100000"/>
-            </a:pPr>
-            <a:r>
-              <a:rPr lang="en-US" altLang="zh-CN" dirty="0">
-                <a:solidFill>
-                  <a:schemeClr val="accent1"/>
-                </a:solidFill>
-                <a:latin typeface="Arial" panose="020B0604020202020204" pitchFamily="34" charset="0"/>
-                <a:cs typeface="Arial" panose="020B0604020202020204" pitchFamily="34" charset="0"/>
-              </a:rPr>
-              <a:t> </a:t>
-            </a:r>
-            <a:r>
-              <a:rPr lang="en-US" altLang="zh-CN" dirty="0" smtClean="0">
-                <a:solidFill>
-                  <a:schemeClr val="accent1"/>
-                </a:solidFill>
-                <a:latin typeface="Arial" panose="020B0604020202020204" pitchFamily="34" charset="0"/>
-                <a:cs typeface="Arial" panose="020B0604020202020204" pitchFamily="34" charset="0"/>
-              </a:rPr>
-              <a:t>      Simultaneous : vote, election</a:t>
-            </a:r>
-          </a:p>
-          <a:p>
-            <a:pPr marL="228600" lvl="0" indent="-228600">
-              <a:spcBef>
-                <a:spcPts val="600"/>
-              </a:spcBef>
-              <a:buClr>
-                <a:srgbClr val="004098"/>
-              </a:buClr>
-              <a:buSzPct val="100000"/>
-              <a:buFont typeface="Calibri" panose="020F0502020204030204" pitchFamily="34" charset="0"/>
-              <a:buChar char="▪"/>
-            </a:pPr>
-            <a:r>
-              <a:rPr lang="en-US" altLang="zh-CN" b="1" dirty="0" smtClean="0">
-                <a:solidFill>
-                  <a:srgbClr val="000000"/>
-                </a:solidFill>
-                <a:latin typeface="Arial" panose="020B0604020202020204" pitchFamily="34" charset="0"/>
-                <a:cs typeface="Arial" panose="020B0604020202020204" pitchFamily="34" charset="0"/>
-              </a:rPr>
-              <a:t>Orders between edges of each node in layer A</a:t>
-            </a:r>
-          </a:p>
-          <a:p>
-            <a:pPr lvl="0">
-              <a:spcBef>
-                <a:spcPts val="600"/>
-              </a:spcBef>
-              <a:buClr>
-                <a:srgbClr val="004098"/>
-              </a:buClr>
-              <a:buSzPct val="100000"/>
-            </a:pPr>
-            <a:r>
-              <a:rPr lang="en-US" altLang="zh-CN" dirty="0" smtClean="0">
-                <a:solidFill>
-                  <a:srgbClr val="000000"/>
-                </a:solidFill>
-                <a:latin typeface="Arial" panose="020B0604020202020204" pitchFamily="34" charset="0"/>
-                <a:cs typeface="Arial" panose="020B0604020202020204" pitchFamily="34" charset="0"/>
-              </a:rPr>
-              <a:t>    </a:t>
-            </a:r>
-            <a:r>
-              <a:rPr lang="en-US" altLang="zh-CN" dirty="0">
-                <a:solidFill>
-                  <a:srgbClr val="000000"/>
-                </a:solidFill>
-                <a:latin typeface="Arial" panose="020B0604020202020204" pitchFamily="34" charset="0"/>
-                <a:cs typeface="Arial" panose="020B0604020202020204" pitchFamily="34" charset="0"/>
-              </a:rPr>
-              <a:t>- As future work, the key nodes and edges are investigated</a:t>
-            </a:r>
-          </a:p>
-          <a:p>
-            <a:pPr lvl="0">
-              <a:spcBef>
-                <a:spcPts val="600"/>
-              </a:spcBef>
-              <a:buClr>
-                <a:srgbClr val="004098"/>
-              </a:buClr>
-              <a:buSzPct val="100000"/>
-            </a:pPr>
-            <a:r>
-              <a:rPr lang="en-US" altLang="zh-CN" dirty="0">
-                <a:solidFill>
-                  <a:srgbClr val="000000"/>
-                </a:solidFill>
-                <a:latin typeface="Arial" panose="020B0604020202020204" pitchFamily="34" charset="0"/>
-                <a:cs typeface="Arial" panose="020B0604020202020204" pitchFamily="34" charset="0"/>
-              </a:rPr>
-              <a:t>    - </a:t>
-            </a:r>
-            <a:r>
-              <a:rPr lang="en-US" altLang="zh-CN" dirty="0" smtClean="0">
-                <a:solidFill>
-                  <a:srgbClr val="000000"/>
-                </a:solidFill>
-                <a:latin typeface="Arial" panose="020B0604020202020204" pitchFamily="34" charset="0"/>
-                <a:cs typeface="Arial" panose="020B0604020202020204" pitchFamily="34" charset="0"/>
-              </a:rPr>
-              <a:t>Orders of edges can be analyzed as </a:t>
-            </a:r>
-            <a:r>
-              <a:rPr lang="en-US" altLang="zh-CN" dirty="0" smtClean="0">
-                <a:solidFill>
-                  <a:schemeClr val="accent1"/>
-                </a:solidFill>
-                <a:latin typeface="Arial" panose="020B0604020202020204" pitchFamily="34" charset="0"/>
-                <a:cs typeface="Arial" panose="020B0604020202020204" pitchFamily="34" charset="0"/>
-              </a:rPr>
-              <a:t>characteristics of nodes. </a:t>
-            </a:r>
-          </a:p>
-          <a:p>
-            <a:pPr lvl="0">
-              <a:spcBef>
-                <a:spcPts val="600"/>
-              </a:spcBef>
-              <a:buClr>
-                <a:srgbClr val="004098"/>
-              </a:buClr>
-              <a:buSzPct val="100000"/>
-            </a:pPr>
-            <a:r>
-              <a:rPr lang="en-US" altLang="zh-CN" dirty="0">
-                <a:solidFill>
-                  <a:schemeClr val="accent1"/>
-                </a:solidFill>
-                <a:latin typeface="Arial" panose="020B0604020202020204" pitchFamily="34" charset="0"/>
-                <a:cs typeface="Arial" panose="020B0604020202020204" pitchFamily="34" charset="0"/>
-              </a:rPr>
-              <a:t> </a:t>
-            </a:r>
-            <a:r>
-              <a:rPr lang="en-US" altLang="zh-CN" dirty="0" smtClean="0">
-                <a:solidFill>
-                  <a:schemeClr val="accent1"/>
-                </a:solidFill>
-                <a:latin typeface="Arial" panose="020B0604020202020204" pitchFamily="34" charset="0"/>
-                <a:cs typeface="Arial" panose="020B0604020202020204" pitchFamily="34" charset="0"/>
-              </a:rPr>
-              <a:t>     Sequential :  rash nodes(changing states whenever edges are activated)</a:t>
-            </a:r>
-          </a:p>
-          <a:p>
-            <a:pPr lvl="0">
-              <a:spcBef>
-                <a:spcPts val="600"/>
-              </a:spcBef>
-              <a:buClr>
-                <a:srgbClr val="004098"/>
-              </a:buClr>
-              <a:buSzPct val="100000"/>
-            </a:pPr>
-            <a:r>
-              <a:rPr lang="en-US" altLang="zh-CN" dirty="0">
-                <a:solidFill>
-                  <a:schemeClr val="accent1"/>
-                </a:solidFill>
-                <a:latin typeface="Arial" panose="020B0604020202020204" pitchFamily="34" charset="0"/>
-                <a:cs typeface="Arial" panose="020B0604020202020204" pitchFamily="34" charset="0"/>
-              </a:rPr>
-              <a:t> </a:t>
-            </a:r>
-            <a:r>
-              <a:rPr lang="en-US" altLang="zh-CN" dirty="0" smtClean="0">
-                <a:solidFill>
-                  <a:schemeClr val="accent1"/>
-                </a:solidFill>
-                <a:latin typeface="Arial" panose="020B0604020202020204" pitchFamily="34" charset="0"/>
-                <a:cs typeface="Arial" panose="020B0604020202020204" pitchFamily="34" charset="0"/>
-              </a:rPr>
-              <a:t>     Simultaneous : considerate nodes(changing states after considering all cases)</a:t>
-            </a:r>
-          </a:p>
-        </p:txBody>
-      </p:sp>
     </p:spTree>
     <p:extLst>
       <p:ext uri="{BB962C8B-B14F-4D97-AF65-F5344CB8AC3E}">
-        <p14:creationId xmlns:p14="http://schemas.microsoft.com/office/powerpoint/2010/main" val="638437810"/>
+        <p14:creationId xmlns:p14="http://schemas.microsoft.com/office/powerpoint/2010/main" val="3315485850"/>
       </p:ext>
     </p:extLst>
   </p:cSld>
   <p:clrMapOvr>
     <a:masterClrMapping/>
   </p:clrMapOvr>
-  <p:timing>
-    <p:tnLst>
-      <p:par>
-        <p:cTn id="1" dur="indefinite" restart="never" nodeType="tmRoot"/>
-      </p:par>
-    </p:tnLst>
-  </p:timing>
 </p:sld>
 </file>
 
@@ -11933,7 +15033,7 @@
             <a:pPr lvl="0"/>
             <a:r>
               <a:rPr lang="en-US" altLang="zh-CN" sz="2400" dirty="0" smtClean="0"/>
-              <a:t>Finding key nodes in each layer</a:t>
+              <a:t>Analyzing updating rules</a:t>
             </a:r>
             <a:endParaRPr lang="zh-CN" altLang="en-US" sz="2800" dirty="0"/>
           </a:p>
@@ -11941,14 +15041,14 @@
       </p:sp>
       <p:sp>
         <p:nvSpPr>
-          <p:cNvPr id="4" name="직사각형 3"/>
+          <p:cNvPr id="9" name="직사각형 8"/>
           <p:cNvSpPr/>
           <p:nvPr/>
         </p:nvSpPr>
         <p:spPr>
           <a:xfrm>
             <a:off x="-3567" y="1631203"/>
-            <a:ext cx="10265167" cy="5678478"/>
+            <a:ext cx="10265167" cy="4970591"/>
           </a:xfrm>
           <a:prstGeom prst="rect">
             <a:avLst/>
@@ -11979,7 +15079,7 @@
                 <a:latin typeface="Arial" panose="020B0604020202020204" pitchFamily="34" charset="0"/>
                 <a:cs typeface="Arial" panose="020B0604020202020204" pitchFamily="34" charset="0"/>
               </a:rPr>
-              <a:t>Method : unchanging the states of nodes</a:t>
+              <a:t>Orders between layers</a:t>
             </a:r>
           </a:p>
           <a:p>
@@ -11992,13 +15092,36 @@
               </a:buClr>
               <a:buSzPct val="100000"/>
             </a:pPr>
-            <a:endParaRPr lang="en-US" altLang="zh-CN" dirty="0">
-              <a:solidFill>
-                <a:srgbClr val="000000"/>
-              </a:solidFill>
-              <a:latin typeface="Arial" panose="020B0604020202020204" pitchFamily="34" charset="0"/>
-              <a:cs typeface="Arial" panose="020B0604020202020204" pitchFamily="34" charset="0"/>
-            </a:endParaRPr>
+            <a:r>
+              <a:rPr lang="en-US" altLang="zh-CN" b="1" dirty="0">
+                <a:solidFill>
+                  <a:srgbClr val="000000"/>
+                </a:solidFill>
+                <a:latin typeface="Arial" panose="020B0604020202020204" pitchFamily="34" charset="0"/>
+                <a:cs typeface="Arial" panose="020B0604020202020204" pitchFamily="34" charset="0"/>
+              </a:rPr>
+              <a:t> </a:t>
+            </a:r>
+            <a:r>
+              <a:rPr lang="en-US" altLang="zh-CN" b="1" dirty="0" smtClean="0">
+                <a:solidFill>
+                  <a:srgbClr val="000000"/>
+                </a:solidFill>
+                <a:latin typeface="Arial" panose="020B0604020202020204" pitchFamily="34" charset="0"/>
+                <a:cs typeface="Arial" panose="020B0604020202020204" pitchFamily="34" charset="0"/>
+              </a:rPr>
+              <a:t>   </a:t>
+            </a:r>
+            <a:r>
+              <a:rPr lang="en-US" altLang="zh-CN" dirty="0" smtClean="0">
+                <a:solidFill>
+                  <a:srgbClr val="000000"/>
+                </a:solidFill>
+                <a:latin typeface="Arial" panose="020B0604020202020204" pitchFamily="34" charset="0"/>
+                <a:cs typeface="Arial" panose="020B0604020202020204" pitchFamily="34" charset="0"/>
+              </a:rPr>
+              <a:t>- There is no difference between orders of layers, though there exists tiny </a:t>
+            </a:r>
           </a:p>
           <a:p>
             <a:pPr lvl="0">
@@ -12010,13 +15133,26 @@
               </a:buClr>
               <a:buSzPct val="100000"/>
             </a:pPr>
-            <a:endParaRPr lang="en-US" altLang="zh-CN" dirty="0" smtClean="0">
-              <a:solidFill>
-                <a:srgbClr val="000000"/>
-              </a:solidFill>
-              <a:latin typeface="Arial" panose="020B0604020202020204" pitchFamily="34" charset="0"/>
-              <a:cs typeface="Arial" panose="020B0604020202020204" pitchFamily="34" charset="0"/>
-            </a:endParaRPr>
+            <a:r>
+              <a:rPr lang="en-US" altLang="zh-CN" dirty="0">
+                <a:solidFill>
+                  <a:srgbClr val="000000"/>
+                </a:solidFill>
+                <a:latin typeface="Arial" panose="020B0604020202020204" pitchFamily="34" charset="0"/>
+                <a:cs typeface="Arial" panose="020B0604020202020204" pitchFamily="34" charset="0"/>
+              </a:rPr>
+              <a:t> </a:t>
+            </a:r>
+            <a:r>
+              <a:rPr lang="en-US" altLang="zh-CN" dirty="0" smtClean="0">
+                <a:solidFill>
+                  <a:srgbClr val="000000"/>
+                </a:solidFill>
+                <a:latin typeface="Arial" panose="020B0604020202020204" pitchFamily="34" charset="0"/>
+                <a:cs typeface="Arial" panose="020B0604020202020204" pitchFamily="34" charset="0"/>
+              </a:rPr>
+              <a:t>     consensus time gap. Regardless of  which layer works previously, </a:t>
+            </a:r>
           </a:p>
           <a:p>
             <a:pPr lvl="0">
@@ -12028,49 +15164,26 @@
               </a:buClr>
               <a:buSzPct val="100000"/>
             </a:pPr>
-            <a:endParaRPr lang="en-US" altLang="zh-CN" dirty="0" smtClean="0">
-              <a:solidFill>
-                <a:srgbClr val="000000"/>
-              </a:solidFill>
-              <a:latin typeface="Arial" panose="020B0604020202020204" pitchFamily="34" charset="0"/>
-              <a:cs typeface="Arial" panose="020B0604020202020204" pitchFamily="34" charset="0"/>
-            </a:endParaRPr>
-          </a:p>
-          <a:p>
-            <a:pPr lvl="0">
-              <a:spcBef>
-                <a:spcPts val="600"/>
-              </a:spcBef>
-              <a:buClr>
-                <a:srgbClr val="004098"/>
-              </a:buClr>
-              <a:buSzPct val="100000"/>
-            </a:pPr>
-            <a:endParaRPr lang="en-US" altLang="zh-CN" dirty="0">
-              <a:solidFill>
-                <a:srgbClr val="000000"/>
-              </a:solidFill>
-              <a:latin typeface="Arial" panose="020B0604020202020204" pitchFamily="34" charset="0"/>
-              <a:cs typeface="Arial" panose="020B0604020202020204" pitchFamily="34" charset="0"/>
-            </a:endParaRPr>
-          </a:p>
-          <a:p>
-            <a:pPr lvl="0">
-              <a:spcBef>
-                <a:spcPts val="600"/>
-              </a:spcBef>
-              <a:buClr>
-                <a:srgbClr val="004098"/>
-              </a:buClr>
-              <a:buSzPct val="100000"/>
-            </a:pPr>
-            <a:endParaRPr lang="en-US" altLang="zh-CN" dirty="0" smtClean="0">
-              <a:solidFill>
-                <a:srgbClr val="000000"/>
-              </a:solidFill>
-              <a:latin typeface="Arial" panose="020B0604020202020204" pitchFamily="34" charset="0"/>
-              <a:cs typeface="Arial" panose="020B0604020202020204" pitchFamily="34" charset="0"/>
-            </a:endParaRPr>
+            <a:r>
+              <a:rPr lang="en-US" altLang="zh-CN" dirty="0">
+                <a:solidFill>
+                  <a:srgbClr val="000000"/>
+                </a:solidFill>
+                <a:latin typeface="Arial" panose="020B0604020202020204" pitchFamily="34" charset="0"/>
+                <a:cs typeface="Arial" panose="020B0604020202020204" pitchFamily="34" charset="0"/>
+              </a:rPr>
+              <a:t> </a:t>
+            </a:r>
+            <a:r>
+              <a:rPr lang="en-US" altLang="zh-CN" dirty="0" smtClean="0">
+                <a:solidFill>
+                  <a:srgbClr val="000000"/>
+                </a:solidFill>
+                <a:latin typeface="Arial" panose="020B0604020202020204" pitchFamily="34" charset="0"/>
+                <a:cs typeface="Arial" panose="020B0604020202020204" pitchFamily="34" charset="0"/>
+              </a:rPr>
+              <a:t>     simulation results are almost same.</a:t>
+            </a:r>
           </a:p>
           <a:p>
             <a:pPr marL="228600" lvl="0" indent="-228600">
@@ -12084,13 +15197,157 @@
               <a:buFont typeface="Calibri" panose="020F0502020204030204" pitchFamily="34" charset="0"/>
               <a:buChar char="▪"/>
             </a:pPr>
-            <a:endParaRPr lang="en-US" altLang="zh-CN" b="1" dirty="0" smtClean="0">
+            <a:r>
+              <a:rPr lang="en-US" altLang="zh-CN" b="1" dirty="0" smtClean="0">
+                <a:solidFill>
+                  <a:srgbClr val="000000"/>
+                </a:solidFill>
+                <a:latin typeface="Arial" panose="020B0604020202020204" pitchFamily="34" charset="0"/>
+                <a:cs typeface="Arial" panose="020B0604020202020204" pitchFamily="34" charset="0"/>
+              </a:rPr>
+              <a:t>Orders between nodes</a:t>
+            </a:r>
+            <a:endParaRPr lang="en-US" altLang="zh-CN" b="1" dirty="0">
               <a:solidFill>
                 <a:srgbClr val="000000"/>
               </a:solidFill>
               <a:latin typeface="Arial" panose="020B0604020202020204" pitchFamily="34" charset="0"/>
               <a:cs typeface="Arial" panose="020B0604020202020204" pitchFamily="34" charset="0"/>
             </a:endParaRPr>
+          </a:p>
+          <a:p>
+            <a:pPr lvl="0">
+              <a:spcBef>
+                <a:spcPts val="600"/>
+              </a:spcBef>
+              <a:buClr>
+                <a:srgbClr val="004098"/>
+              </a:buClr>
+              <a:buSzPct val="100000"/>
+            </a:pPr>
+            <a:r>
+              <a:rPr lang="en-US" altLang="zh-CN" b="1" dirty="0">
+                <a:solidFill>
+                  <a:srgbClr val="000000"/>
+                </a:solidFill>
+                <a:latin typeface="Arial" panose="020B0604020202020204" pitchFamily="34" charset="0"/>
+                <a:cs typeface="Arial" panose="020B0604020202020204" pitchFamily="34" charset="0"/>
+              </a:rPr>
+              <a:t>    </a:t>
+            </a:r>
+            <a:r>
+              <a:rPr lang="en-US" altLang="zh-CN" dirty="0">
+                <a:solidFill>
+                  <a:srgbClr val="000000"/>
+                </a:solidFill>
+                <a:latin typeface="Arial" panose="020B0604020202020204" pitchFamily="34" charset="0"/>
+                <a:cs typeface="Arial" panose="020B0604020202020204" pitchFamily="34" charset="0"/>
+              </a:rPr>
+              <a:t>- In layer A dynamics, when two nodes are connected, probability p and q are applied. </a:t>
+            </a:r>
+          </a:p>
+          <a:p>
+            <a:pPr lvl="0">
+              <a:spcBef>
+                <a:spcPts val="600"/>
+              </a:spcBef>
+              <a:buClr>
+                <a:srgbClr val="004098"/>
+              </a:buClr>
+              <a:buSzPct val="100000"/>
+            </a:pPr>
+            <a:r>
+              <a:rPr lang="en-US" altLang="zh-CN" dirty="0">
+                <a:solidFill>
+                  <a:srgbClr val="000000"/>
+                </a:solidFill>
+                <a:latin typeface="Arial" panose="020B0604020202020204" pitchFamily="34" charset="0"/>
+                <a:cs typeface="Arial" panose="020B0604020202020204" pitchFamily="34" charset="0"/>
+              </a:rPr>
+              <a:t>    </a:t>
+            </a:r>
+            <a:r>
+              <a:rPr lang="en-US" altLang="zh-CN" dirty="0" smtClean="0">
+                <a:solidFill>
+                  <a:srgbClr val="000000"/>
+                </a:solidFill>
+                <a:latin typeface="Arial" panose="020B0604020202020204" pitchFamily="34" charset="0"/>
+                <a:cs typeface="Arial" panose="020B0604020202020204" pitchFamily="34" charset="0"/>
+              </a:rPr>
+              <a:t>- Orders of nodes can be analyzed as </a:t>
+            </a:r>
+            <a:r>
+              <a:rPr lang="en-US" altLang="zh-CN" dirty="0" smtClean="0">
+                <a:solidFill>
+                  <a:schemeClr val="accent1"/>
+                </a:solidFill>
+                <a:latin typeface="Arial" panose="020B0604020202020204" pitchFamily="34" charset="0"/>
+                <a:cs typeface="Arial" panose="020B0604020202020204" pitchFamily="34" charset="0"/>
+              </a:rPr>
+              <a:t>communication or decision-making methods.</a:t>
+            </a:r>
+          </a:p>
+          <a:p>
+            <a:pPr lvl="0">
+              <a:spcBef>
+                <a:spcPts val="600"/>
+              </a:spcBef>
+              <a:buClr>
+                <a:srgbClr val="004098"/>
+              </a:buClr>
+              <a:buSzPct val="100000"/>
+            </a:pPr>
+            <a:r>
+              <a:rPr lang="en-US" altLang="zh-CN" dirty="0">
+                <a:solidFill>
+                  <a:schemeClr val="accent1"/>
+                </a:solidFill>
+                <a:latin typeface="Arial" panose="020B0604020202020204" pitchFamily="34" charset="0"/>
+                <a:cs typeface="Arial" panose="020B0604020202020204" pitchFamily="34" charset="0"/>
+              </a:rPr>
+              <a:t> </a:t>
+            </a:r>
+            <a:r>
+              <a:rPr lang="en-US" altLang="zh-CN" dirty="0" smtClean="0">
+                <a:solidFill>
+                  <a:schemeClr val="accent1"/>
+                </a:solidFill>
+                <a:latin typeface="Arial" panose="020B0604020202020204" pitchFamily="34" charset="0"/>
+                <a:cs typeface="Arial" panose="020B0604020202020204" pitchFamily="34" charset="0"/>
+              </a:rPr>
+              <a:t>      Sequential : discussion, conversation</a:t>
+            </a:r>
+          </a:p>
+          <a:p>
+            <a:pPr lvl="0">
+              <a:spcBef>
+                <a:spcPts val="600"/>
+              </a:spcBef>
+              <a:buClr>
+                <a:srgbClr val="004098"/>
+              </a:buClr>
+              <a:buSzPct val="100000"/>
+            </a:pPr>
+            <a:r>
+              <a:rPr lang="en-US" altLang="zh-CN" dirty="0">
+                <a:solidFill>
+                  <a:schemeClr val="accent1"/>
+                </a:solidFill>
+                <a:latin typeface="Arial" panose="020B0604020202020204" pitchFamily="34" charset="0"/>
+                <a:cs typeface="Arial" panose="020B0604020202020204" pitchFamily="34" charset="0"/>
+              </a:rPr>
+              <a:t> </a:t>
+            </a:r>
+            <a:r>
+              <a:rPr lang="en-US" altLang="zh-CN" dirty="0" smtClean="0">
+                <a:solidFill>
+                  <a:schemeClr val="accent1"/>
+                </a:solidFill>
+                <a:latin typeface="Arial" panose="020B0604020202020204" pitchFamily="34" charset="0"/>
+                <a:cs typeface="Arial" panose="020B0604020202020204" pitchFamily="34" charset="0"/>
+              </a:rPr>
+              <a:t>      Simultaneous : vote, election</a:t>
+            </a:r>
           </a:p>
           <a:p>
             <a:pPr marL="228600" lvl="0" indent="-228600">
@@ -12104,46 +15361,6 @@
               <a:buFont typeface="Calibri" panose="020F0502020204030204" pitchFamily="34" charset="0"/>
               <a:buChar char="▪"/>
             </a:pPr>
-            <a:endParaRPr lang="en-US" altLang="zh-CN" b="1" dirty="0">
-              <a:solidFill>
-                <a:srgbClr val="000000"/>
-              </a:solidFill>
-              <a:latin typeface="Arial" panose="020B0604020202020204" pitchFamily="34" charset="0"/>
-              <a:cs typeface="Arial" panose="020B0604020202020204" pitchFamily="34" charset="0"/>
-            </a:endParaRPr>
-          </a:p>
-          <a:p>
-            <a:pPr marL="228600" lvl="0" indent="-228600">
-              <a:spcBef>
-                <a:spcPts val="600"/>
-              </a:spcBef>
-              <a:buClr>
-                <a:srgbClr val="004098"/>
-              </a:buClr>
-              <a:buSzPct val="100000"/>
-              <a:buFont typeface="Calibri" panose="020F0502020204030204" pitchFamily="34" charset="0"/>
-              <a:buChar char="▪"/>
-            </a:pPr>
-            <a:endParaRPr lang="en-US" altLang="zh-CN" b="1" dirty="0" smtClean="0">
-              <a:solidFill>
-                <a:srgbClr val="000000"/>
-              </a:solidFill>
-              <a:latin typeface="Arial" panose="020B0604020202020204" pitchFamily="34" charset="0"/>
-              <a:cs typeface="Arial" panose="020B0604020202020204" pitchFamily="34" charset="0"/>
-            </a:endParaRPr>
-          </a:p>
-          <a:p>
-            <a:pPr marL="228600" lvl="0" indent="-228600">
-              <a:spcBef>
-                <a:spcPts val="600"/>
-              </a:spcBef>
-              <a:buClr>
-                <a:srgbClr val="004098"/>
-              </a:buClr>
-              <a:buSzPct val="100000"/>
-              <a:buFont typeface="Calibri" panose="020F0502020204030204" pitchFamily="34" charset="0"/>
-              <a:buChar char="▪"/>
-            </a:pPr>
             <a:r>
               <a:rPr lang="en-US" altLang="zh-CN" b="1" dirty="0" smtClean="0">
                 <a:solidFill>
@@ -12152,7 +15369,7 @@
                 <a:latin typeface="Arial" panose="020B0604020202020204" pitchFamily="34" charset="0"/>
                 <a:cs typeface="Arial" panose="020B0604020202020204" pitchFamily="34" charset="0"/>
               </a:rPr>
-              <a:t>Initial Condition for finding key node in each layer</a:t>
+              <a:t>Orders between edges of each node in layer A</a:t>
             </a:r>
           </a:p>
           <a:p>
@@ -12173,7 +15390,17 @@
                 <a:latin typeface="Arial" panose="020B0604020202020204" pitchFamily="34" charset="0"/>
                 <a:cs typeface="Arial" panose="020B0604020202020204" pitchFamily="34" charset="0"/>
               </a:rPr>
-              <a:t>    - Two layers are made of BA networks with 2048 nodes and 1 external edge.  </a:t>
+              <a:t>    </a:t>
+            </a:r>
+            <a:r>
+              <a:rPr lang="en-US" altLang="zh-CN" dirty="0">
+                <a:solidFill>
+                  <a:srgbClr val="000000"/>
+                </a:solidFill>
+                <a:latin typeface="Arial" panose="020B0604020202020204" pitchFamily="34" charset="0"/>
+                <a:cs typeface="Arial" panose="020B0604020202020204" pitchFamily="34" charset="0"/>
+              </a:rPr>
+              <a:t>- As future work, the key nodes and edges are investigated</a:t>
             </a:r>
           </a:p>
           <a:p>
@@ -12194,7 +15421,7 @@
                 <a:latin typeface="Arial" panose="020B0604020202020204" pitchFamily="34" charset="0"/>
                 <a:cs typeface="Arial" panose="020B0604020202020204" pitchFamily="34" charset="0"/>
               </a:rPr>
-              <a:t> </a:t>
+              <a:t>    - </a:t>
             </a:r>
             <a:r>
               <a:rPr lang="en-US" altLang="zh-CN" dirty="0" smtClean="0">
@@ -12204,7 +15431,17 @@
                 <a:latin typeface="Arial" panose="020B0604020202020204" pitchFamily="34" charset="0"/>
                 <a:cs typeface="Arial" panose="020B0604020202020204" pitchFamily="34" charset="0"/>
               </a:rPr>
-              <a:t>   - Parameters : </a:t>
+              <a:t>Orders of edges can be analyzed as </a:t>
+            </a:r>
+            <a:r>
+              <a:rPr lang="en-US" altLang="zh-CN" dirty="0" smtClean="0">
+                <a:solidFill>
+                  <a:schemeClr val="accent1"/>
+                </a:solidFill>
+                <a:latin typeface="Arial" panose="020B0604020202020204" pitchFamily="34" charset="0"/>
+                <a:cs typeface="Arial" panose="020B0604020202020204" pitchFamily="34" charset="0"/>
+              </a:rPr>
+              <a:t>characteristics of nodes. </a:t>
             </a:r>
           </a:p>
           <a:p>
@@ -12220,7 +15457,7 @@
             <a:r>
               <a:rPr lang="en-US" altLang="zh-CN" dirty="0">
                 <a:solidFill>
-                  <a:srgbClr val="000000"/>
+                  <a:schemeClr val="accent1"/>
                 </a:solidFill>
                 <a:latin typeface="Arial" panose="020B0604020202020204" pitchFamily="34" charset="0"/>
                 <a:cs typeface="Arial" panose="020B0604020202020204" pitchFamily="34" charset="0"/>
@@ -12230,12 +15467,12 @@
             <a:r>
               <a:rPr lang="en-US" altLang="zh-CN" dirty="0" smtClean="0">
                 <a:solidFill>
-                  <a:srgbClr val="000000"/>
+                  <a:schemeClr val="accent1"/>
                 </a:solidFill>
                 <a:latin typeface="Arial" panose="020B0604020202020204" pitchFamily="34" charset="0"/>
                 <a:cs typeface="Arial" panose="020B0604020202020204" pitchFamily="34" charset="0"/>
               </a:rPr>
-              <a:t>     Layer A : p = 0.3(0.2), v = 0.3(0.4)(negative consensus)</a:t>
+              <a:t>     Sequential :  rash nodes(changing states whenever edges are activated)</a:t>
             </a:r>
           </a:p>
           <a:p>
@@ -12251,7 +15488,7 @@
             <a:r>
               <a:rPr lang="en-US" altLang="zh-CN" dirty="0">
                 <a:solidFill>
-                  <a:srgbClr val="000000"/>
+                  <a:schemeClr val="accent1"/>
                 </a:solidFill>
                 <a:latin typeface="Arial" panose="020B0604020202020204" pitchFamily="34" charset="0"/>
                 <a:cs typeface="Arial" panose="020B0604020202020204" pitchFamily="34" charset="0"/>
@@ -12261,280 +15498,12 @@
             <a:r>
               <a:rPr lang="en-US" altLang="zh-CN" dirty="0" smtClean="0">
                 <a:solidFill>
-                  <a:srgbClr val="000000"/>
+                  <a:schemeClr val="accent1"/>
                 </a:solidFill>
                 <a:latin typeface="Arial" panose="020B0604020202020204" pitchFamily="34" charset="0"/>
                 <a:cs typeface="Arial" panose="020B0604020202020204" pitchFamily="34" charset="0"/>
               </a:rPr>
-              <a:t>     Layer B : p = 0.5, v = 0.5(positive consensus)</a:t>
-            </a:r>
-          </a:p>
-          <a:p>
-            <a:pPr lvl="0">
-              <a:spcBef>
-                <a:spcPts val="600"/>
-              </a:spcBef>
-              <a:buClr>
-                <a:srgbClr val="004098"/>
-              </a:buClr>
-              <a:buSzPct val="100000"/>
-            </a:pPr>
-            <a:endParaRPr lang="en-US" altLang="zh-CN" dirty="0" smtClean="0">
-              <a:solidFill>
-                <a:srgbClr val="000000"/>
-              </a:solidFill>
-              <a:latin typeface="Arial" panose="020B0604020202020204" pitchFamily="34" charset="0"/>
-              <a:cs typeface="Arial" panose="020B0604020202020204" pitchFamily="34" charset="0"/>
-            </a:endParaRPr>
-          </a:p>
-          <a:p>
-            <a:pPr lvl="0">
-              <a:spcBef>
-                <a:spcPts val="600"/>
-              </a:spcBef>
-              <a:buClr>
-                <a:srgbClr val="004098"/>
-              </a:buClr>
-              <a:buSzPct val="100000"/>
-            </a:pPr>
-            <a:r>
-              <a:rPr lang="en-US" altLang="zh-CN" dirty="0">
-                <a:solidFill>
-                  <a:srgbClr val="000000"/>
-                </a:solidFill>
-                <a:latin typeface="Arial" panose="020B0604020202020204" pitchFamily="34" charset="0"/>
-                <a:cs typeface="Arial" panose="020B0604020202020204" pitchFamily="34" charset="0"/>
-              </a:rPr>
-              <a:t> </a:t>
-            </a:r>
-            <a:r>
-              <a:rPr lang="en-US" altLang="zh-CN" dirty="0" smtClean="0">
-                <a:solidFill>
-                  <a:srgbClr val="000000"/>
-                </a:solidFill>
-                <a:latin typeface="Arial" panose="020B0604020202020204" pitchFamily="34" charset="0"/>
-                <a:cs typeface="Arial" panose="020B0604020202020204" pitchFamily="34" charset="0"/>
-              </a:rPr>
-              <a:t>   </a:t>
-            </a:r>
-            <a:endParaRPr lang="en-US" altLang="zh-CN" dirty="0" smtClean="0">
-              <a:solidFill>
-                <a:schemeClr val="accent1"/>
-              </a:solidFill>
-              <a:latin typeface="Arial" panose="020B0604020202020204" pitchFamily="34" charset="0"/>
-              <a:cs typeface="Arial" panose="020B0604020202020204" pitchFamily="34" charset="0"/>
-            </a:endParaRPr>
-          </a:p>
-        </p:txBody>
-      </p:sp>
-      <p:sp>
-        <p:nvSpPr>
-          <p:cNvPr id="2" name="모서리가 둥근 직사각형 1"/>
-          <p:cNvSpPr/>
-          <p:nvPr/>
-        </p:nvSpPr>
-        <p:spPr>
-          <a:xfrm>
-            <a:off x="331470" y="2057400"/>
-            <a:ext cx="8652510" cy="2308860"/>
-          </a:xfrm>
-          <a:prstGeom prst="roundRect">
-            <a:avLst/>
-          </a:prstGeom>
-          <a:solidFill>
-            <a:schemeClr val="accent5">
-              <a:lumMod val="20000"/>
-              <a:lumOff val="80000"/>
-            </a:schemeClr>
-          </a:solidFill>
-          <a:ln>
-            <a:solidFill>
-              <a:schemeClr val="accent1"/>
-            </a:solidFill>
-          </a:ln>
-        </p:spPr>
-        <p:style>
-          <a:lnRef idx="2">
-            <a:schemeClr val="accent1">
-              <a:shade val="50000"/>
-            </a:schemeClr>
-          </a:lnRef>
-          <a:fillRef idx="1">
-            <a:schemeClr val="accent1"/>
-          </a:fillRef>
-          <a:effectRef idx="0">
-            <a:schemeClr val="accent1"/>
-          </a:effectRef>
-          <a:fontRef idx="minor">
-            <a:schemeClr val="lt1"/>
-          </a:fontRef>
-        </p:style>
-        <p:txBody>
-          <a:bodyPr rtlCol="0" anchor="ctr"/>
-          <a:lstStyle/>
-          <a:p>
-            <a:pPr algn="just">
-              <a:lnSpc>
-                <a:spcPct val="150000"/>
-              </a:lnSpc>
-            </a:pPr>
-            <a:r>
-              <a:rPr lang="zh-CN" altLang="en-US" dirty="0" smtClean="0">
-                <a:solidFill>
-                  <a:schemeClr val="tx1"/>
-                </a:solidFill>
-                <a:latin typeface="Arial" panose="020B0604020202020204" pitchFamily="34" charset="0"/>
-                <a:cs typeface="Arial" panose="020B0604020202020204" pitchFamily="34" charset="0"/>
-              </a:rPr>
-              <a:t>①</a:t>
-            </a:r>
-            <a:r>
-              <a:rPr lang="en-US" altLang="zh-CN" dirty="0">
-                <a:solidFill>
-                  <a:schemeClr val="tx1"/>
-                </a:solidFill>
-                <a:latin typeface="Arial" panose="020B0604020202020204" pitchFamily="34" charset="0"/>
-                <a:cs typeface="Arial" panose="020B0604020202020204" pitchFamily="34" charset="0"/>
-              </a:rPr>
-              <a:t> As initial conditions, </a:t>
-            </a:r>
-            <a:r>
-              <a:rPr lang="en-US" altLang="zh-CN" dirty="0" smtClean="0">
-                <a:solidFill>
-                  <a:schemeClr val="tx1"/>
-                </a:solidFill>
-                <a:latin typeface="Arial" panose="020B0604020202020204" pitchFamily="34" charset="0"/>
-                <a:cs typeface="Arial" panose="020B0604020202020204" pitchFamily="34" charset="0"/>
-              </a:rPr>
-              <a:t>layer is selected to find key nodes and parameters are</a:t>
-            </a:r>
-          </a:p>
-          <a:p>
-            <a:pPr algn="just">
-              <a:lnSpc>
-                <a:spcPct val="150000"/>
-              </a:lnSpc>
-            </a:pPr>
-            <a:r>
-              <a:rPr lang="en-US" altLang="zh-CN" dirty="0">
-                <a:solidFill>
-                  <a:schemeClr val="tx1"/>
-                </a:solidFill>
-                <a:latin typeface="Arial" panose="020B0604020202020204" pitchFamily="34" charset="0"/>
-                <a:cs typeface="Arial" panose="020B0604020202020204" pitchFamily="34" charset="0"/>
-              </a:rPr>
-              <a:t> </a:t>
-            </a:r>
-            <a:r>
-              <a:rPr lang="en-US" altLang="zh-CN" dirty="0" smtClean="0">
-                <a:solidFill>
-                  <a:schemeClr val="tx1"/>
-                </a:solidFill>
-                <a:latin typeface="Arial" panose="020B0604020202020204" pitchFamily="34" charset="0"/>
-                <a:cs typeface="Arial" panose="020B0604020202020204" pitchFamily="34" charset="0"/>
-              </a:rPr>
-              <a:t>   also selected that simulation result is opposite state with layer. </a:t>
-            </a:r>
-          </a:p>
-          <a:p>
-            <a:pPr algn="just">
-              <a:lnSpc>
-                <a:spcPct val="150000"/>
-              </a:lnSpc>
-            </a:pPr>
-            <a:r>
-              <a:rPr lang="zh-CN" altLang="zh-CN" dirty="0" smtClean="0">
-                <a:solidFill>
-                  <a:schemeClr val="tx1"/>
-                </a:solidFill>
-                <a:latin typeface="Arial" panose="020B0604020202020204" pitchFamily="34" charset="0"/>
-                <a:cs typeface="Arial" panose="020B0604020202020204" pitchFamily="34" charset="0"/>
-              </a:rPr>
-              <a:t>②</a:t>
-            </a:r>
-            <a:r>
-              <a:rPr lang="en-US" altLang="zh-CN" dirty="0" smtClean="0">
-                <a:solidFill>
-                  <a:schemeClr val="tx1"/>
-                </a:solidFill>
-                <a:latin typeface="Arial" panose="020B0604020202020204" pitchFamily="34" charset="0"/>
-                <a:cs typeface="Arial" panose="020B0604020202020204" pitchFamily="34" charset="0"/>
-              </a:rPr>
-              <a:t> The </a:t>
-            </a:r>
-            <a:r>
-              <a:rPr lang="en-US" altLang="zh-CN" dirty="0">
-                <a:solidFill>
-                  <a:schemeClr val="tx1"/>
-                </a:solidFill>
-                <a:latin typeface="Arial" panose="020B0604020202020204" pitchFamily="34" charset="0"/>
-                <a:cs typeface="Arial" panose="020B0604020202020204" pitchFamily="34" charset="0"/>
-              </a:rPr>
-              <a:t>centralities of all nodes are calculated and ranked as orders.</a:t>
-            </a:r>
-            <a:r>
-              <a:rPr lang="en-US" altLang="zh-CN" dirty="0" smtClean="0">
-                <a:solidFill>
-                  <a:schemeClr val="tx1"/>
-                </a:solidFill>
-                <a:latin typeface="Arial" panose="020B0604020202020204" pitchFamily="34" charset="0"/>
-                <a:cs typeface="Arial" panose="020B0604020202020204" pitchFamily="34" charset="0"/>
-              </a:rPr>
-              <a:t> </a:t>
-            </a:r>
-          </a:p>
-          <a:p>
-            <a:pPr algn="just">
-              <a:lnSpc>
-                <a:spcPct val="150000"/>
-              </a:lnSpc>
-            </a:pPr>
-            <a:r>
-              <a:rPr lang="zh-CN" altLang="en-US" dirty="0" smtClean="0">
-                <a:solidFill>
-                  <a:schemeClr val="tx1"/>
-                </a:solidFill>
-                <a:latin typeface="Arial" panose="020B0604020202020204" pitchFamily="34" charset="0"/>
-                <a:cs typeface="Arial" panose="020B0604020202020204" pitchFamily="34" charset="0"/>
-              </a:rPr>
-              <a:t>③ </a:t>
-            </a:r>
-            <a:r>
-              <a:rPr lang="en-US" altLang="zh-CN" dirty="0" smtClean="0">
-                <a:solidFill>
-                  <a:schemeClr val="tx1"/>
-                </a:solidFill>
-                <a:latin typeface="Arial" panose="020B0604020202020204" pitchFamily="34" charset="0"/>
-                <a:cs typeface="Arial" panose="020B0604020202020204" pitchFamily="34" charset="0"/>
-              </a:rPr>
-              <a:t>The ratio of unchanged nodes are increased according to ranked order </a:t>
-            </a:r>
-          </a:p>
-          <a:p>
-            <a:pPr algn="just">
-              <a:lnSpc>
-                <a:spcPct val="150000"/>
-              </a:lnSpc>
-            </a:pPr>
-            <a:r>
-              <a:rPr lang="en-US" altLang="zh-CN" dirty="0">
-                <a:solidFill>
-                  <a:schemeClr val="tx1"/>
-                </a:solidFill>
-                <a:latin typeface="Arial" panose="020B0604020202020204" pitchFamily="34" charset="0"/>
-                <a:cs typeface="Arial" panose="020B0604020202020204" pitchFamily="34" charset="0"/>
-              </a:rPr>
-              <a:t> </a:t>
-            </a:r>
-            <a:r>
-              <a:rPr lang="en-US" altLang="zh-CN" dirty="0" smtClean="0">
-                <a:solidFill>
-                  <a:schemeClr val="tx1"/>
-                </a:solidFill>
-                <a:latin typeface="Arial" panose="020B0604020202020204" pitchFamily="34" charset="0"/>
-                <a:cs typeface="Arial" panose="020B0604020202020204" pitchFamily="34" charset="0"/>
-              </a:rPr>
-              <a:t>    until the average state of network have different states. </a:t>
+              <a:t>     Simultaneous : considerate nodes(changing states after considering all cases)</a:t>
             </a:r>
           </a:p>
         </p:txBody>
@@ -12542,7 +15511,7 @@
     </p:spTree>
     <p:extLst>
       <p:ext uri="{BB962C8B-B14F-4D97-AF65-F5344CB8AC3E}">
-        <p14:creationId xmlns:p14="http://schemas.microsoft.com/office/powerpoint/2010/main" val="423589315"/>
+        <p14:creationId xmlns:p14="http://schemas.microsoft.com/office/powerpoint/2010/main" val="638437810"/>
       </p:ext>
     </p:extLst>
   </p:cSld>
@@ -12578,6 +15547,734 @@
       </p:grpSpPr>
       <p:sp>
         <p:nvSpPr>
+          <p:cNvPr id="3" name="제목 2"/>
+          <p:cNvSpPr>
+            <a:spLocks noGrp="1"/>
+          </p:cNvSpPr>
+          <p:nvPr>
+            <p:ph type="title"/>
+          </p:nvPr>
+        </p:nvSpPr>
+        <p:spPr>
+          <a:xfrm>
+            <a:off x="49524" y="923477"/>
+            <a:ext cx="8372163" cy="574183"/>
+          </a:xfrm>
+        </p:spPr>
+        <p:txBody>
+          <a:bodyPr>
+            <a:normAutofit/>
+          </a:bodyPr>
+          <a:lstStyle/>
+          <a:p>
+            <a:pPr lvl="0"/>
+            <a:r>
+              <a:rPr lang="en-US" altLang="zh-CN" sz="2400" dirty="0" smtClean="0"/>
+              <a:t>Finding key nodes in each layer</a:t>
+            </a:r>
+            <a:endParaRPr lang="zh-CN" altLang="en-US" sz="2800" dirty="0"/>
+          </a:p>
+        </p:txBody>
+      </p:sp>
+      <p:sp>
+        <p:nvSpPr>
+          <p:cNvPr id="4" name="직사각형 3"/>
+          <p:cNvSpPr/>
+          <p:nvPr/>
+        </p:nvSpPr>
+        <p:spPr>
+          <a:xfrm>
+            <a:off x="-3567" y="1631203"/>
+            <a:ext cx="10265167" cy="5678478"/>
+          </a:xfrm>
+          <a:prstGeom prst="rect">
+            <a:avLst/>
+          </a:prstGeom>
+        </p:spPr>
+        <p:txBody>
+          <a:bodyPr wrap="square">
+            <a:spAutoFit/>
+          </a:bodyPr>
+          <a:lstStyle/>
+          <a:p>
+            <a:pPr marL="228600" lvl="0" indent="-228600">
+              <a:spcBef>
+                <a:spcPts val="600"/>
+              </a:spcBef>
+              <a:buClr>
+                <a:srgbClr val="004098"/>
+              </a:buClr>
+              <a:buSzPct val="100000"/>
+              <a:buFont typeface="Calibri" panose="020F0502020204030204" pitchFamily="34" charset="0"/>
+              <a:buChar char="▪"/>
+            </a:pPr>
+            <a:r>
+              <a:rPr lang="en-US" altLang="zh-CN" b="1" dirty="0" smtClean="0">
+                <a:solidFill>
+                  <a:srgbClr val="000000"/>
+                </a:solidFill>
+                <a:latin typeface="Arial" panose="020B0604020202020204" pitchFamily="34" charset="0"/>
+                <a:cs typeface="Arial" panose="020B0604020202020204" pitchFamily="34" charset="0"/>
+              </a:rPr>
+              <a:t>Method : unchanging the states of nodes</a:t>
+            </a:r>
+          </a:p>
+          <a:p>
+            <a:pPr lvl="0">
+              <a:spcBef>
+                <a:spcPts val="600"/>
+              </a:spcBef>
+              <a:buClr>
+                <a:srgbClr val="004098"/>
+              </a:buClr>
+              <a:buSzPct val="100000"/>
+            </a:pPr>
+            <a:endParaRPr lang="en-US" altLang="zh-CN" dirty="0">
+              <a:solidFill>
+                <a:srgbClr val="000000"/>
+              </a:solidFill>
+              <a:latin typeface="Arial" panose="020B0604020202020204" pitchFamily="34" charset="0"/>
+              <a:cs typeface="Arial" panose="020B0604020202020204" pitchFamily="34" charset="0"/>
+            </a:endParaRPr>
+          </a:p>
+          <a:p>
+            <a:pPr lvl="0">
+              <a:spcBef>
+                <a:spcPts val="600"/>
+              </a:spcBef>
+              <a:buClr>
+                <a:srgbClr val="004098"/>
+              </a:buClr>
+              <a:buSzPct val="100000"/>
+            </a:pPr>
+            <a:endParaRPr lang="en-US" altLang="zh-CN" dirty="0" smtClean="0">
+              <a:solidFill>
+                <a:srgbClr val="000000"/>
+              </a:solidFill>
+              <a:latin typeface="Arial" panose="020B0604020202020204" pitchFamily="34" charset="0"/>
+              <a:cs typeface="Arial" panose="020B0604020202020204" pitchFamily="34" charset="0"/>
+            </a:endParaRPr>
+          </a:p>
+          <a:p>
+            <a:pPr lvl="0">
+              <a:spcBef>
+                <a:spcPts val="600"/>
+              </a:spcBef>
+              <a:buClr>
+                <a:srgbClr val="004098"/>
+              </a:buClr>
+              <a:buSzPct val="100000"/>
+            </a:pPr>
+            <a:endParaRPr lang="en-US" altLang="zh-CN" dirty="0" smtClean="0">
+              <a:solidFill>
+                <a:srgbClr val="000000"/>
+              </a:solidFill>
+              <a:latin typeface="Arial" panose="020B0604020202020204" pitchFamily="34" charset="0"/>
+              <a:cs typeface="Arial" panose="020B0604020202020204" pitchFamily="34" charset="0"/>
+            </a:endParaRPr>
+          </a:p>
+          <a:p>
+            <a:pPr lvl="0">
+              <a:spcBef>
+                <a:spcPts val="600"/>
+              </a:spcBef>
+              <a:buClr>
+                <a:srgbClr val="004098"/>
+              </a:buClr>
+              <a:buSzPct val="100000"/>
+            </a:pPr>
+            <a:endParaRPr lang="en-US" altLang="zh-CN" dirty="0">
+              <a:solidFill>
+                <a:srgbClr val="000000"/>
+              </a:solidFill>
+              <a:latin typeface="Arial" panose="020B0604020202020204" pitchFamily="34" charset="0"/>
+              <a:cs typeface="Arial" panose="020B0604020202020204" pitchFamily="34" charset="0"/>
+            </a:endParaRPr>
+          </a:p>
+          <a:p>
+            <a:pPr lvl="0">
+              <a:spcBef>
+                <a:spcPts val="600"/>
+              </a:spcBef>
+              <a:buClr>
+                <a:srgbClr val="004098"/>
+              </a:buClr>
+              <a:buSzPct val="100000"/>
+            </a:pPr>
+            <a:endParaRPr lang="en-US" altLang="zh-CN" dirty="0" smtClean="0">
+              <a:solidFill>
+                <a:srgbClr val="000000"/>
+              </a:solidFill>
+              <a:latin typeface="Arial" panose="020B0604020202020204" pitchFamily="34" charset="0"/>
+              <a:cs typeface="Arial" panose="020B0604020202020204" pitchFamily="34" charset="0"/>
+            </a:endParaRPr>
+          </a:p>
+          <a:p>
+            <a:pPr marL="228600" lvl="0" indent="-228600">
+              <a:spcBef>
+                <a:spcPts val="600"/>
+              </a:spcBef>
+              <a:buClr>
+                <a:srgbClr val="004098"/>
+              </a:buClr>
+              <a:buSzPct val="100000"/>
+              <a:buFont typeface="Calibri" panose="020F0502020204030204" pitchFamily="34" charset="0"/>
+              <a:buChar char="▪"/>
+            </a:pPr>
+            <a:endParaRPr lang="en-US" altLang="zh-CN" b="1" dirty="0" smtClean="0">
+              <a:solidFill>
+                <a:srgbClr val="000000"/>
+              </a:solidFill>
+              <a:latin typeface="Arial" panose="020B0604020202020204" pitchFamily="34" charset="0"/>
+              <a:cs typeface="Arial" panose="020B0604020202020204" pitchFamily="34" charset="0"/>
+            </a:endParaRPr>
+          </a:p>
+          <a:p>
+            <a:pPr marL="228600" lvl="0" indent="-228600">
+              <a:spcBef>
+                <a:spcPts val="600"/>
+              </a:spcBef>
+              <a:buClr>
+                <a:srgbClr val="004098"/>
+              </a:buClr>
+              <a:buSzPct val="100000"/>
+              <a:buFont typeface="Calibri" panose="020F0502020204030204" pitchFamily="34" charset="0"/>
+              <a:buChar char="▪"/>
+            </a:pPr>
+            <a:endParaRPr lang="en-US" altLang="zh-CN" b="1" dirty="0">
+              <a:solidFill>
+                <a:srgbClr val="000000"/>
+              </a:solidFill>
+              <a:latin typeface="Arial" panose="020B0604020202020204" pitchFamily="34" charset="0"/>
+              <a:cs typeface="Arial" panose="020B0604020202020204" pitchFamily="34" charset="0"/>
+            </a:endParaRPr>
+          </a:p>
+          <a:p>
+            <a:pPr marL="228600" lvl="0" indent="-228600">
+              <a:spcBef>
+                <a:spcPts val="600"/>
+              </a:spcBef>
+              <a:buClr>
+                <a:srgbClr val="004098"/>
+              </a:buClr>
+              <a:buSzPct val="100000"/>
+              <a:buFont typeface="Calibri" panose="020F0502020204030204" pitchFamily="34" charset="0"/>
+              <a:buChar char="▪"/>
+            </a:pPr>
+            <a:endParaRPr lang="en-US" altLang="zh-CN" b="1" dirty="0" smtClean="0">
+              <a:solidFill>
+                <a:srgbClr val="000000"/>
+              </a:solidFill>
+              <a:latin typeface="Arial" panose="020B0604020202020204" pitchFamily="34" charset="0"/>
+              <a:cs typeface="Arial" panose="020B0604020202020204" pitchFamily="34" charset="0"/>
+            </a:endParaRPr>
+          </a:p>
+          <a:p>
+            <a:pPr marL="228600" lvl="0" indent="-228600">
+              <a:spcBef>
+                <a:spcPts val="600"/>
+              </a:spcBef>
+              <a:buClr>
+                <a:srgbClr val="004098"/>
+              </a:buClr>
+              <a:buSzPct val="100000"/>
+              <a:buFont typeface="Calibri" panose="020F0502020204030204" pitchFamily="34" charset="0"/>
+              <a:buChar char="▪"/>
+            </a:pPr>
+            <a:r>
+              <a:rPr lang="en-US" altLang="zh-CN" b="1" dirty="0" smtClean="0">
+                <a:solidFill>
+                  <a:srgbClr val="000000"/>
+                </a:solidFill>
+                <a:latin typeface="Arial" panose="020B0604020202020204" pitchFamily="34" charset="0"/>
+                <a:cs typeface="Arial" panose="020B0604020202020204" pitchFamily="34" charset="0"/>
+              </a:rPr>
+              <a:t>Initial Condition for finding key node in each layer</a:t>
+            </a:r>
+          </a:p>
+          <a:p>
+            <a:pPr lvl="0">
+              <a:spcBef>
+                <a:spcPts val="600"/>
+              </a:spcBef>
+              <a:buClr>
+                <a:srgbClr val="004098"/>
+              </a:buClr>
+              <a:buSzPct val="100000"/>
+            </a:pPr>
+            <a:r>
+              <a:rPr lang="en-US" altLang="zh-CN" dirty="0" smtClean="0">
+                <a:solidFill>
+                  <a:srgbClr val="000000"/>
+                </a:solidFill>
+                <a:latin typeface="Arial" panose="020B0604020202020204" pitchFamily="34" charset="0"/>
+                <a:cs typeface="Arial" panose="020B0604020202020204" pitchFamily="34" charset="0"/>
+              </a:rPr>
+              <a:t>    - Two layers are made of BA networks with 2048 nodes and 1 external edge.  </a:t>
+            </a:r>
+          </a:p>
+          <a:p>
+            <a:pPr lvl="0">
+              <a:spcBef>
+                <a:spcPts val="600"/>
+              </a:spcBef>
+              <a:buClr>
+                <a:srgbClr val="004098"/>
+              </a:buClr>
+              <a:buSzPct val="100000"/>
+            </a:pPr>
+            <a:r>
+              <a:rPr lang="en-US" altLang="zh-CN" dirty="0">
+                <a:solidFill>
+                  <a:srgbClr val="000000"/>
+                </a:solidFill>
+                <a:latin typeface="Arial" panose="020B0604020202020204" pitchFamily="34" charset="0"/>
+                <a:cs typeface="Arial" panose="020B0604020202020204" pitchFamily="34" charset="0"/>
+              </a:rPr>
+              <a:t> </a:t>
+            </a:r>
+            <a:r>
+              <a:rPr lang="en-US" altLang="zh-CN" dirty="0" smtClean="0">
+                <a:solidFill>
+                  <a:srgbClr val="000000"/>
+                </a:solidFill>
+                <a:latin typeface="Arial" panose="020B0604020202020204" pitchFamily="34" charset="0"/>
+                <a:cs typeface="Arial" panose="020B0604020202020204" pitchFamily="34" charset="0"/>
+              </a:rPr>
+              <a:t>   - Parameters : </a:t>
+            </a:r>
+          </a:p>
+          <a:p>
+            <a:pPr lvl="0">
+              <a:spcBef>
+                <a:spcPts val="600"/>
+              </a:spcBef>
+              <a:buClr>
+                <a:srgbClr val="004098"/>
+              </a:buClr>
+              <a:buSzPct val="100000"/>
+            </a:pPr>
+            <a:r>
+              <a:rPr lang="en-US" altLang="zh-CN" dirty="0">
+                <a:solidFill>
+                  <a:srgbClr val="000000"/>
+                </a:solidFill>
+                <a:latin typeface="Arial" panose="020B0604020202020204" pitchFamily="34" charset="0"/>
+                <a:cs typeface="Arial" panose="020B0604020202020204" pitchFamily="34" charset="0"/>
+              </a:rPr>
+              <a:t> </a:t>
+            </a:r>
+            <a:r>
+              <a:rPr lang="en-US" altLang="zh-CN" dirty="0" smtClean="0">
+                <a:solidFill>
+                  <a:srgbClr val="000000"/>
+                </a:solidFill>
+                <a:latin typeface="Arial" panose="020B0604020202020204" pitchFamily="34" charset="0"/>
+                <a:cs typeface="Arial" panose="020B0604020202020204" pitchFamily="34" charset="0"/>
+              </a:rPr>
+              <a:t>     Layer A : p = </a:t>
+            </a:r>
+            <a:r>
+              <a:rPr lang="en-US" altLang="zh-CN" dirty="0" smtClean="0">
+                <a:solidFill>
+                  <a:srgbClr val="000000"/>
+                </a:solidFill>
+                <a:latin typeface="Arial" panose="020B0604020202020204" pitchFamily="34" charset="0"/>
+                <a:cs typeface="Arial" panose="020B0604020202020204" pitchFamily="34" charset="0"/>
+              </a:rPr>
+              <a:t>0.2, </a:t>
+            </a:r>
+            <a:r>
+              <a:rPr lang="en-US" altLang="zh-CN" dirty="0" smtClean="0">
+                <a:solidFill>
+                  <a:srgbClr val="000000"/>
+                </a:solidFill>
+                <a:latin typeface="Arial" panose="020B0604020202020204" pitchFamily="34" charset="0"/>
+                <a:cs typeface="Arial" panose="020B0604020202020204" pitchFamily="34" charset="0"/>
+              </a:rPr>
+              <a:t>v = </a:t>
+            </a:r>
+            <a:r>
+              <a:rPr lang="en-US" altLang="zh-CN" dirty="0" smtClean="0">
+                <a:solidFill>
+                  <a:srgbClr val="000000"/>
+                </a:solidFill>
+                <a:latin typeface="Arial" panose="020B0604020202020204" pitchFamily="34" charset="0"/>
+                <a:cs typeface="Arial" panose="020B0604020202020204" pitchFamily="34" charset="0"/>
+              </a:rPr>
+              <a:t>0.4(originally, negative </a:t>
+            </a:r>
+            <a:r>
+              <a:rPr lang="en-US" altLang="zh-CN" dirty="0" smtClean="0">
+                <a:solidFill>
+                  <a:srgbClr val="000000"/>
+                </a:solidFill>
+                <a:latin typeface="Arial" panose="020B0604020202020204" pitchFamily="34" charset="0"/>
+                <a:cs typeface="Arial" panose="020B0604020202020204" pitchFamily="34" charset="0"/>
+              </a:rPr>
+              <a:t>consensus)</a:t>
+            </a:r>
+          </a:p>
+          <a:p>
+            <a:pPr lvl="0">
+              <a:spcBef>
+                <a:spcPts val="600"/>
+              </a:spcBef>
+              <a:buClr>
+                <a:srgbClr val="004098"/>
+              </a:buClr>
+              <a:buSzPct val="100000"/>
+            </a:pPr>
+            <a:r>
+              <a:rPr lang="en-US" altLang="zh-CN" dirty="0">
+                <a:solidFill>
+                  <a:srgbClr val="000000"/>
+                </a:solidFill>
+                <a:latin typeface="Arial" panose="020B0604020202020204" pitchFamily="34" charset="0"/>
+                <a:cs typeface="Arial" panose="020B0604020202020204" pitchFamily="34" charset="0"/>
+              </a:rPr>
+              <a:t> </a:t>
+            </a:r>
+            <a:r>
+              <a:rPr lang="en-US" altLang="zh-CN" dirty="0" smtClean="0">
+                <a:solidFill>
+                  <a:srgbClr val="000000"/>
+                </a:solidFill>
+                <a:latin typeface="Arial" panose="020B0604020202020204" pitchFamily="34" charset="0"/>
+                <a:cs typeface="Arial" panose="020B0604020202020204" pitchFamily="34" charset="0"/>
+              </a:rPr>
+              <a:t>     Layer B : p = 0.5, v = </a:t>
+            </a:r>
+            <a:r>
+              <a:rPr lang="en-US" altLang="zh-CN" dirty="0" smtClean="0">
+                <a:solidFill>
+                  <a:srgbClr val="000000"/>
+                </a:solidFill>
+                <a:latin typeface="Arial" panose="020B0604020202020204" pitchFamily="34" charset="0"/>
+                <a:cs typeface="Arial" panose="020B0604020202020204" pitchFamily="34" charset="0"/>
+              </a:rPr>
+              <a:t>0.5(originally, positive </a:t>
+            </a:r>
+            <a:r>
+              <a:rPr lang="en-US" altLang="zh-CN" dirty="0" smtClean="0">
+                <a:solidFill>
+                  <a:srgbClr val="000000"/>
+                </a:solidFill>
+                <a:latin typeface="Arial" panose="020B0604020202020204" pitchFamily="34" charset="0"/>
+                <a:cs typeface="Arial" panose="020B0604020202020204" pitchFamily="34" charset="0"/>
+              </a:rPr>
+              <a:t>consensus)</a:t>
+            </a:r>
+          </a:p>
+          <a:p>
+            <a:pPr lvl="0">
+              <a:spcBef>
+                <a:spcPts val="600"/>
+              </a:spcBef>
+              <a:buClr>
+                <a:srgbClr val="004098"/>
+              </a:buClr>
+              <a:buSzPct val="100000"/>
+            </a:pPr>
+            <a:endParaRPr lang="en-US" altLang="zh-CN" dirty="0" smtClean="0">
+              <a:solidFill>
+                <a:srgbClr val="000000"/>
+              </a:solidFill>
+              <a:latin typeface="Arial" panose="020B0604020202020204" pitchFamily="34" charset="0"/>
+              <a:cs typeface="Arial" panose="020B0604020202020204" pitchFamily="34" charset="0"/>
+            </a:endParaRPr>
+          </a:p>
+          <a:p>
+            <a:pPr lvl="0">
+              <a:spcBef>
+                <a:spcPts val="600"/>
+              </a:spcBef>
+              <a:buClr>
+                <a:srgbClr val="004098"/>
+              </a:buClr>
+              <a:buSzPct val="100000"/>
+            </a:pPr>
+            <a:r>
+              <a:rPr lang="en-US" altLang="zh-CN" dirty="0">
+                <a:solidFill>
+                  <a:srgbClr val="000000"/>
+                </a:solidFill>
+                <a:latin typeface="Arial" panose="020B0604020202020204" pitchFamily="34" charset="0"/>
+                <a:cs typeface="Arial" panose="020B0604020202020204" pitchFamily="34" charset="0"/>
+              </a:rPr>
+              <a:t> </a:t>
+            </a:r>
+            <a:r>
+              <a:rPr lang="en-US" altLang="zh-CN" dirty="0" smtClean="0">
+                <a:solidFill>
+                  <a:srgbClr val="000000"/>
+                </a:solidFill>
+                <a:latin typeface="Arial" panose="020B0604020202020204" pitchFamily="34" charset="0"/>
+                <a:cs typeface="Arial" panose="020B0604020202020204" pitchFamily="34" charset="0"/>
+              </a:rPr>
+              <a:t>   </a:t>
+            </a:r>
+            <a:endParaRPr lang="en-US" altLang="zh-CN" dirty="0" smtClean="0">
+              <a:solidFill>
+                <a:schemeClr val="accent1"/>
+              </a:solidFill>
+              <a:latin typeface="Arial" panose="020B0604020202020204" pitchFamily="34" charset="0"/>
+              <a:cs typeface="Arial" panose="020B0604020202020204" pitchFamily="34" charset="0"/>
+            </a:endParaRPr>
+          </a:p>
+        </p:txBody>
+      </p:sp>
+      <p:sp>
+        <p:nvSpPr>
+          <p:cNvPr id="2" name="모서리가 둥근 직사각형 1"/>
+          <p:cNvSpPr/>
+          <p:nvPr/>
+        </p:nvSpPr>
+        <p:spPr>
+          <a:xfrm>
+            <a:off x="331470" y="2057400"/>
+            <a:ext cx="8652510" cy="2308860"/>
+          </a:xfrm>
+          <a:prstGeom prst="roundRect">
+            <a:avLst/>
+          </a:prstGeom>
+          <a:solidFill>
+            <a:schemeClr val="accent5">
+              <a:lumMod val="20000"/>
+              <a:lumOff val="80000"/>
+            </a:schemeClr>
+          </a:solidFill>
+          <a:ln>
+            <a:solidFill>
+              <a:schemeClr val="accent1"/>
+            </a:solidFill>
+          </a:ln>
+        </p:spPr>
+        <p:style>
+          <a:lnRef idx="2">
+            <a:schemeClr val="accent1">
+              <a:shade val="50000"/>
+            </a:schemeClr>
+          </a:lnRef>
+          <a:fillRef idx="1">
+            <a:schemeClr val="accent1"/>
+          </a:fillRef>
+          <a:effectRef idx="0">
+            <a:schemeClr val="accent1"/>
+          </a:effectRef>
+          <a:fontRef idx="minor">
+            <a:schemeClr val="lt1"/>
+          </a:fontRef>
+        </p:style>
+        <p:txBody>
+          <a:bodyPr rtlCol="0" anchor="ctr"/>
+          <a:lstStyle/>
+          <a:p>
+            <a:pPr algn="just">
+              <a:lnSpc>
+                <a:spcPct val="150000"/>
+              </a:lnSpc>
+            </a:pPr>
+            <a:r>
+              <a:rPr lang="zh-CN" altLang="en-US" dirty="0" smtClean="0">
+                <a:solidFill>
+                  <a:schemeClr val="tx1"/>
+                </a:solidFill>
+                <a:latin typeface="Arial" panose="020B0604020202020204" pitchFamily="34" charset="0"/>
+                <a:cs typeface="Arial" panose="020B0604020202020204" pitchFamily="34" charset="0"/>
+              </a:rPr>
+              <a:t>①</a:t>
+            </a:r>
+            <a:r>
+              <a:rPr lang="en-US" altLang="zh-CN" dirty="0">
+                <a:solidFill>
+                  <a:schemeClr val="tx1"/>
+                </a:solidFill>
+                <a:latin typeface="Arial" panose="020B0604020202020204" pitchFamily="34" charset="0"/>
+                <a:cs typeface="Arial" panose="020B0604020202020204" pitchFamily="34" charset="0"/>
+              </a:rPr>
+              <a:t> As initial conditions, </a:t>
+            </a:r>
+            <a:r>
+              <a:rPr lang="en-US" altLang="zh-CN" dirty="0" smtClean="0">
+                <a:solidFill>
+                  <a:schemeClr val="tx1"/>
+                </a:solidFill>
+                <a:latin typeface="Arial" panose="020B0604020202020204" pitchFamily="34" charset="0"/>
+                <a:cs typeface="Arial" panose="020B0604020202020204" pitchFamily="34" charset="0"/>
+              </a:rPr>
+              <a:t>layer is selected to find key nodes and parameters are</a:t>
+            </a:r>
+          </a:p>
+          <a:p>
+            <a:pPr algn="just">
+              <a:lnSpc>
+                <a:spcPct val="150000"/>
+              </a:lnSpc>
+            </a:pPr>
+            <a:r>
+              <a:rPr lang="en-US" altLang="zh-CN" dirty="0">
+                <a:solidFill>
+                  <a:schemeClr val="tx1"/>
+                </a:solidFill>
+                <a:latin typeface="Arial" panose="020B0604020202020204" pitchFamily="34" charset="0"/>
+                <a:cs typeface="Arial" panose="020B0604020202020204" pitchFamily="34" charset="0"/>
+              </a:rPr>
+              <a:t> </a:t>
+            </a:r>
+            <a:r>
+              <a:rPr lang="en-US" altLang="zh-CN" dirty="0" smtClean="0">
+                <a:solidFill>
+                  <a:schemeClr val="tx1"/>
+                </a:solidFill>
+                <a:latin typeface="Arial" panose="020B0604020202020204" pitchFamily="34" charset="0"/>
+                <a:cs typeface="Arial" panose="020B0604020202020204" pitchFamily="34" charset="0"/>
+              </a:rPr>
+              <a:t>   also selected that simulation result is opposite state with layer. </a:t>
+            </a:r>
+          </a:p>
+          <a:p>
+            <a:pPr algn="just">
+              <a:lnSpc>
+                <a:spcPct val="150000"/>
+              </a:lnSpc>
+            </a:pPr>
+            <a:r>
+              <a:rPr lang="zh-CN" altLang="zh-CN" dirty="0" smtClean="0">
+                <a:solidFill>
+                  <a:schemeClr val="tx1"/>
+                </a:solidFill>
+                <a:latin typeface="Arial" panose="020B0604020202020204" pitchFamily="34" charset="0"/>
+                <a:cs typeface="Arial" panose="020B0604020202020204" pitchFamily="34" charset="0"/>
+              </a:rPr>
+              <a:t>②</a:t>
+            </a:r>
+            <a:r>
+              <a:rPr lang="en-US" altLang="zh-CN" dirty="0" smtClean="0">
+                <a:solidFill>
+                  <a:schemeClr val="tx1"/>
+                </a:solidFill>
+                <a:latin typeface="Arial" panose="020B0604020202020204" pitchFamily="34" charset="0"/>
+                <a:cs typeface="Arial" panose="020B0604020202020204" pitchFamily="34" charset="0"/>
+              </a:rPr>
+              <a:t> The </a:t>
+            </a:r>
+            <a:r>
+              <a:rPr lang="en-US" altLang="zh-CN" dirty="0">
+                <a:solidFill>
+                  <a:schemeClr val="tx1"/>
+                </a:solidFill>
+                <a:latin typeface="Arial" panose="020B0604020202020204" pitchFamily="34" charset="0"/>
+                <a:cs typeface="Arial" panose="020B0604020202020204" pitchFamily="34" charset="0"/>
+              </a:rPr>
+              <a:t>centralities of all nodes are calculated and ranked as orders.</a:t>
+            </a:r>
+            <a:r>
+              <a:rPr lang="en-US" altLang="zh-CN" dirty="0" smtClean="0">
+                <a:solidFill>
+                  <a:schemeClr val="tx1"/>
+                </a:solidFill>
+                <a:latin typeface="Arial" panose="020B0604020202020204" pitchFamily="34" charset="0"/>
+                <a:cs typeface="Arial" panose="020B0604020202020204" pitchFamily="34" charset="0"/>
+              </a:rPr>
+              <a:t> </a:t>
+            </a:r>
+          </a:p>
+          <a:p>
+            <a:pPr algn="just">
+              <a:lnSpc>
+                <a:spcPct val="150000"/>
+              </a:lnSpc>
+            </a:pPr>
+            <a:r>
+              <a:rPr lang="zh-CN" altLang="en-US" dirty="0" smtClean="0">
+                <a:solidFill>
+                  <a:schemeClr val="tx1"/>
+                </a:solidFill>
+                <a:latin typeface="Arial" panose="020B0604020202020204" pitchFamily="34" charset="0"/>
+                <a:cs typeface="Arial" panose="020B0604020202020204" pitchFamily="34" charset="0"/>
+              </a:rPr>
+              <a:t>③ </a:t>
+            </a:r>
+            <a:r>
+              <a:rPr lang="en-US" altLang="zh-CN" dirty="0" smtClean="0">
+                <a:solidFill>
+                  <a:schemeClr val="tx1"/>
+                </a:solidFill>
+                <a:latin typeface="Arial" panose="020B0604020202020204" pitchFamily="34" charset="0"/>
+                <a:cs typeface="Arial" panose="020B0604020202020204" pitchFamily="34" charset="0"/>
+              </a:rPr>
+              <a:t>The ratio of unchanged nodes are increased according to ranked order </a:t>
+            </a:r>
+          </a:p>
+          <a:p>
+            <a:pPr algn="just">
+              <a:lnSpc>
+                <a:spcPct val="150000"/>
+              </a:lnSpc>
+            </a:pPr>
+            <a:r>
+              <a:rPr lang="en-US" altLang="zh-CN" dirty="0">
+                <a:solidFill>
+                  <a:schemeClr val="tx1"/>
+                </a:solidFill>
+                <a:latin typeface="Arial" panose="020B0604020202020204" pitchFamily="34" charset="0"/>
+                <a:cs typeface="Arial" panose="020B0604020202020204" pitchFamily="34" charset="0"/>
+              </a:rPr>
+              <a:t> </a:t>
+            </a:r>
+            <a:r>
+              <a:rPr lang="en-US" altLang="zh-CN" dirty="0" smtClean="0">
+                <a:solidFill>
+                  <a:schemeClr val="tx1"/>
+                </a:solidFill>
+                <a:latin typeface="Arial" panose="020B0604020202020204" pitchFamily="34" charset="0"/>
+                <a:cs typeface="Arial" panose="020B0604020202020204" pitchFamily="34" charset="0"/>
+              </a:rPr>
+              <a:t>    until the average state of network have different states. </a:t>
+            </a:r>
+          </a:p>
+        </p:txBody>
+      </p:sp>
+    </p:spTree>
+    <p:extLst>
+      <p:ext uri="{BB962C8B-B14F-4D97-AF65-F5344CB8AC3E}">
+        <p14:creationId xmlns:p14="http://schemas.microsoft.com/office/powerpoint/2010/main" val="423589315"/>
+      </p:ext>
+    </p:extLst>
+  </p:cSld>
+  <p:clrMapOvr>
+    <a:masterClrMapping/>
+  </p:clrMapOvr>
+  <p:timing>
+    <p:tnLst>
+      <p:par>
+        <p:cTn id="1" dur="indefinite" restart="never" nodeType="tmRoot"/>
+      </p:par>
+    </p:tnLst>
+  </p:timing>
+</p:sld>
+</file>
+
+<file path=ppt/slides/slide7.xml><?xml version="1.0" encoding="utf-8"?>
+<p:sld xmlns:a="http://schemas.openxmlformats.org/drawingml/2006/main" xmlns:r="http://schemas.openxmlformats.org/officeDocument/2006/relationships" xmlns:p="http://schemas.openxmlformats.org/presentationml/2006/main">
+  <p:cSld>
+    <p:spTree>
+      <p:nvGrpSpPr>
+        <p:cNvPr id="1" name=""/>
+        <p:cNvGrpSpPr/>
+        <p:nvPr/>
+      </p:nvGrpSpPr>
+      <p:grpSpPr>
+        <a:xfrm>
+          <a:off x="0" y="0"/>
+          <a:ext cx="0" cy="0"/>
+          <a:chOff x="0" y="0"/>
+          <a:chExt cx="0" cy="0"/>
+        </a:xfrm>
+      </p:grpSpPr>
+      <p:sp>
+        <p:nvSpPr>
           <p:cNvPr id="10" name="제목 2"/>
           <p:cNvSpPr>
             <a:spLocks noGrp="1"/>
@@ -12730,7 +16427,7 @@
 </p:sld>
 </file>
 
-<file path=ppt/slides/slide7.xml><?xml version="1.0" encoding="utf-8"?>
+<file path=ppt/slides/slide8.xml><?xml version="1.0" encoding="utf-8"?>
 <p:sld xmlns:a="http://schemas.openxmlformats.org/drawingml/2006/main" xmlns:r="http://schemas.openxmlformats.org/officeDocument/2006/relationships" xmlns:p="http://schemas.openxmlformats.org/presentationml/2006/main">
   <p:cSld>
     <p:spTree>
@@ -12901,7 +16598,7 @@
 </p:sld>
 </file>
 
-<file path=ppt/slides/slide8.xml><?xml version="1.0" encoding="utf-8"?>
+<file path=ppt/slides/slide9.xml><?xml version="1.0" encoding="utf-8"?>
 <p:sld xmlns:a="http://schemas.openxmlformats.org/drawingml/2006/main" xmlns:r="http://schemas.openxmlformats.org/officeDocument/2006/relationships" xmlns:p="http://schemas.openxmlformats.org/presentationml/2006/main">
   <p:cSld>
     <p:spTree>
@@ -13069,552 +16766,6 @@
   <p:clrMapOvr>
     <a:masterClrMapping/>
   </p:clrMapOvr>
-</p:sld>
-</file>
-
-<file path=ppt/slides/slide9.xml><?xml version="1.0" encoding="utf-8"?>
-<p:sld xmlns:a="http://schemas.openxmlformats.org/drawingml/2006/main" xmlns:r="http://schemas.openxmlformats.org/officeDocument/2006/relationships" xmlns:p="http://schemas.openxmlformats.org/presentationml/2006/main">
-  <p:cSld>
-    <p:spTree>
-      <p:nvGrpSpPr>
-        <p:cNvPr id="1" name=""/>
-        <p:cNvGrpSpPr/>
-        <p:nvPr/>
-      </p:nvGrpSpPr>
-      <p:grpSpPr>
-        <a:xfrm>
-          <a:off x="0" y="0"/>
-          <a:ext cx="0" cy="0"/>
-          <a:chOff x="0" y="0"/>
-          <a:chExt cx="0" cy="0"/>
-        </a:xfrm>
-      </p:grpSpPr>
-      <p:sp>
-        <p:nvSpPr>
-          <p:cNvPr id="3" name="제목 2"/>
-          <p:cNvSpPr>
-            <a:spLocks noGrp="1"/>
-          </p:cNvSpPr>
-          <p:nvPr>
-            <p:ph type="title"/>
-          </p:nvPr>
-        </p:nvSpPr>
-        <p:spPr>
-          <a:xfrm>
-            <a:off x="0" y="986977"/>
-            <a:ext cx="8372163" cy="574183"/>
-          </a:xfrm>
-        </p:spPr>
-        <p:txBody>
-          <a:bodyPr/>
-          <a:lstStyle/>
-          <a:p>
-            <a:r>
-              <a:rPr lang="en-US" altLang="zh-CN" dirty="0" smtClean="0"/>
-              <a:t>Analysis for finding key nodes</a:t>
-            </a:r>
-            <a:endParaRPr lang="zh-CN" altLang="en-US" dirty="0"/>
-          </a:p>
-        </p:txBody>
-      </p:sp>
-      <p:sp>
-        <p:nvSpPr>
-          <p:cNvPr id="4" name="직사각형 3"/>
-          <p:cNvSpPr/>
-          <p:nvPr/>
-        </p:nvSpPr>
-        <p:spPr>
-          <a:xfrm>
-            <a:off x="0" y="1796976"/>
-            <a:ext cx="9144000" cy="4796185"/>
-          </a:xfrm>
-          <a:prstGeom prst="rect">
-            <a:avLst/>
-          </a:prstGeom>
-        </p:spPr>
-        <p:txBody>
-          <a:bodyPr wrap="square">
-            <a:spAutoFit/>
-          </a:bodyPr>
-          <a:lstStyle/>
-          <a:p>
-            <a:pPr marL="228600" lvl="0" indent="-228600">
-              <a:spcBef>
-                <a:spcPts val="1000"/>
-              </a:spcBef>
-              <a:buClr>
-                <a:srgbClr val="004098"/>
-              </a:buClr>
-              <a:buSzPct val="100000"/>
-              <a:buFont typeface="Calibri" panose="020F0502020204030204" pitchFamily="34" charset="0"/>
-              <a:buChar char="▪"/>
-            </a:pPr>
-            <a:r>
-              <a:rPr lang="en-US" altLang="zh-CN" sz="2000" dirty="0" smtClean="0">
-                <a:solidFill>
-                  <a:srgbClr val="000000"/>
-                </a:solidFill>
-                <a:latin typeface="Arial" panose="020B0604020202020204" pitchFamily="34" charset="0"/>
-                <a:cs typeface="Arial" panose="020B0604020202020204" pitchFamily="34" charset="0"/>
-              </a:rPr>
-              <a:t>Relation between key nodes and the number of edges</a:t>
-            </a:r>
-          </a:p>
-          <a:p>
-            <a:pPr lvl="0">
-              <a:spcBef>
-                <a:spcPts val="1000"/>
-              </a:spcBef>
-              <a:buClr>
-                <a:srgbClr val="004098"/>
-              </a:buClr>
-              <a:buSzPct val="100000"/>
-            </a:pPr>
-            <a:r>
-              <a:rPr lang="en-US" altLang="zh-CN" sz="2000" dirty="0" smtClean="0">
-                <a:solidFill>
-                  <a:srgbClr val="000000"/>
-                </a:solidFill>
-                <a:latin typeface="Arial" panose="020B0604020202020204" pitchFamily="34" charset="0"/>
-                <a:cs typeface="Arial" panose="020B0604020202020204" pitchFamily="34" charset="0"/>
-              </a:rPr>
-              <a:t> </a:t>
-            </a:r>
-            <a:r>
-              <a:rPr lang="en-US" altLang="zh-CN" dirty="0" smtClean="0">
-                <a:solidFill>
-                  <a:srgbClr val="000000"/>
-                </a:solidFill>
-                <a:latin typeface="Arial" panose="020B0604020202020204" pitchFamily="34" charset="0"/>
-                <a:cs typeface="Arial" panose="020B0604020202020204" pitchFamily="34" charset="0"/>
-              </a:rPr>
-              <a:t>   - As the number of edges on layers increases, the orientation of layer is easy to </a:t>
-            </a:r>
-          </a:p>
-          <a:p>
-            <a:pPr lvl="0">
-              <a:spcBef>
-                <a:spcPts val="1000"/>
-              </a:spcBef>
-              <a:buClr>
-                <a:srgbClr val="004098"/>
-              </a:buClr>
-              <a:buSzPct val="100000"/>
-            </a:pPr>
-            <a:r>
-              <a:rPr lang="en-US" altLang="zh-CN" dirty="0">
-                <a:solidFill>
-                  <a:srgbClr val="000000"/>
-                </a:solidFill>
-                <a:latin typeface="Arial" panose="020B0604020202020204" pitchFamily="34" charset="0"/>
-                <a:cs typeface="Arial" panose="020B0604020202020204" pitchFamily="34" charset="0"/>
-              </a:rPr>
-              <a:t> </a:t>
-            </a:r>
-            <a:r>
-              <a:rPr lang="en-US" altLang="zh-CN" dirty="0" smtClean="0">
-                <a:solidFill>
-                  <a:srgbClr val="000000"/>
-                </a:solidFill>
-                <a:latin typeface="Arial" panose="020B0604020202020204" pitchFamily="34" charset="0"/>
-                <a:cs typeface="Arial" panose="020B0604020202020204" pitchFamily="34" charset="0"/>
-              </a:rPr>
-              <a:t>     </a:t>
-            </a:r>
-            <a:r>
-              <a:rPr lang="en-US" altLang="zh-CN" dirty="0" smtClean="0">
-                <a:solidFill>
-                  <a:srgbClr val="000000"/>
-                </a:solidFill>
-                <a:latin typeface="Arial" panose="020B0604020202020204" pitchFamily="34" charset="0"/>
-                <a:cs typeface="Arial" panose="020B0604020202020204" pitchFamily="34" charset="0"/>
-              </a:rPr>
-              <a:t>change though the ratio of unchanged node is small. </a:t>
-            </a:r>
-          </a:p>
-          <a:p>
-            <a:pPr lvl="0">
-              <a:spcBef>
-                <a:spcPts val="1000"/>
-              </a:spcBef>
-              <a:buClr>
-                <a:srgbClr val="004098"/>
-              </a:buClr>
-              <a:buSzPct val="100000"/>
-            </a:pPr>
-            <a:r>
-              <a:rPr lang="en-US" altLang="zh-CN" sz="1600" dirty="0" smtClean="0">
-                <a:solidFill>
-                  <a:srgbClr val="338D27"/>
-                </a:solidFill>
-                <a:latin typeface="Arial" panose="020B0604020202020204" pitchFamily="34" charset="0"/>
-                <a:cs typeface="Arial" panose="020B0604020202020204" pitchFamily="34" charset="0"/>
-              </a:rPr>
-              <a:t>      </a:t>
-            </a:r>
-            <a:r>
-              <a:rPr lang="en-US" altLang="zh-CN" sz="1600" dirty="0" smtClean="0">
-                <a:solidFill>
-                  <a:srgbClr val="338D27"/>
-                </a:solidFill>
-                <a:latin typeface="Arial" panose="020B0604020202020204" pitchFamily="34" charset="0"/>
-                <a:cs typeface="Arial" panose="020B0604020202020204" pitchFamily="34" charset="0"/>
-              </a:rPr>
-              <a:t>* </a:t>
-            </a:r>
-            <a:r>
-              <a:rPr lang="en-US" altLang="zh-CN" sz="1600" dirty="0" smtClean="0">
-                <a:solidFill>
-                  <a:srgbClr val="338D27"/>
-                </a:solidFill>
-                <a:latin typeface="Arial" panose="020B0604020202020204" pitchFamily="34" charset="0"/>
-                <a:cs typeface="Arial" panose="020B0604020202020204" pitchFamily="34" charset="0"/>
-              </a:rPr>
-              <a:t>the number of edges : 8,176 </a:t>
-            </a:r>
-            <a:r>
-              <a:rPr lang="en-US" altLang="zh-CN" sz="1600" dirty="0" smtClean="0">
-                <a:solidFill>
-                  <a:srgbClr val="338D27"/>
-                </a:solidFill>
-                <a:latin typeface="맑은 고딕" panose="020B0503020000020004" pitchFamily="50" charset="-127"/>
-                <a:ea typeface="맑은 고딕" panose="020B0503020000020004" pitchFamily="50" charset="-127"/>
-                <a:cs typeface="Arial" panose="020B0604020202020204" pitchFamily="34" charset="0"/>
-              </a:rPr>
-              <a:t>→ the ratio of unchanged node = 0.01, orientation changed</a:t>
-            </a:r>
-          </a:p>
-          <a:p>
-            <a:pPr lvl="0">
-              <a:spcBef>
-                <a:spcPts val="1000"/>
-              </a:spcBef>
-              <a:buClr>
-                <a:srgbClr val="004098"/>
-              </a:buClr>
-              <a:buSzPct val="100000"/>
-            </a:pPr>
-            <a:r>
-              <a:rPr lang="en-US" altLang="zh-CN" sz="1600" dirty="0">
-                <a:solidFill>
-                  <a:srgbClr val="338D27"/>
-                </a:solidFill>
-                <a:latin typeface="Arial" panose="020B0604020202020204" pitchFamily="34" charset="0"/>
-                <a:cs typeface="Arial" panose="020B0604020202020204" pitchFamily="34" charset="0"/>
-              </a:rPr>
-              <a:t> </a:t>
-            </a:r>
-            <a:r>
-              <a:rPr lang="en-US" altLang="zh-CN" sz="1600" dirty="0" smtClean="0">
-                <a:solidFill>
-                  <a:srgbClr val="338D27"/>
-                </a:solidFill>
-                <a:latin typeface="Arial" panose="020B0604020202020204" pitchFamily="34" charset="0"/>
-                <a:cs typeface="Arial" panose="020B0604020202020204" pitchFamily="34" charset="0"/>
-              </a:rPr>
-              <a:t>     * </a:t>
-            </a:r>
-            <a:r>
-              <a:rPr lang="en-US" altLang="zh-CN" sz="1600" dirty="0">
-                <a:solidFill>
-                  <a:srgbClr val="338D27"/>
-                </a:solidFill>
-                <a:latin typeface="Arial" panose="020B0604020202020204" pitchFamily="34" charset="0"/>
-                <a:cs typeface="Arial" panose="020B0604020202020204" pitchFamily="34" charset="0"/>
-              </a:rPr>
-              <a:t>the number of edges : </a:t>
-            </a:r>
-            <a:r>
-              <a:rPr lang="en-US" altLang="zh-CN" sz="1600" dirty="0" smtClean="0">
-                <a:solidFill>
-                  <a:srgbClr val="338D27"/>
-                </a:solidFill>
-                <a:latin typeface="Arial" panose="020B0604020202020204" pitchFamily="34" charset="0"/>
-                <a:cs typeface="Arial" panose="020B0604020202020204" pitchFamily="34" charset="0"/>
-              </a:rPr>
-              <a:t>6,136 </a:t>
-            </a:r>
-            <a:r>
-              <a:rPr lang="en-US" altLang="zh-CN" sz="1600" dirty="0">
-                <a:solidFill>
-                  <a:srgbClr val="338D27"/>
-                </a:solidFill>
-                <a:latin typeface="맑은 고딕" panose="020B0503020000020004" pitchFamily="50" charset="-127"/>
-                <a:ea typeface="맑은 고딕" panose="020B0503020000020004" pitchFamily="50" charset="-127"/>
-                <a:cs typeface="Arial" panose="020B0604020202020204" pitchFamily="34" charset="0"/>
-              </a:rPr>
-              <a:t>→ the ratio of unchanged node = </a:t>
-            </a:r>
-            <a:r>
-              <a:rPr lang="en-US" altLang="zh-CN" sz="1600" dirty="0" smtClean="0">
-                <a:solidFill>
-                  <a:srgbClr val="338D27"/>
-                </a:solidFill>
-                <a:latin typeface="맑은 고딕" panose="020B0503020000020004" pitchFamily="50" charset="-127"/>
-                <a:ea typeface="맑은 고딕" panose="020B0503020000020004" pitchFamily="50" charset="-127"/>
-                <a:cs typeface="Arial" panose="020B0604020202020204" pitchFamily="34" charset="0"/>
-              </a:rPr>
-              <a:t>0.07, </a:t>
-            </a:r>
-            <a:r>
-              <a:rPr lang="en-US" altLang="zh-CN" sz="1600" dirty="0">
-                <a:solidFill>
-                  <a:srgbClr val="338D27"/>
-                </a:solidFill>
-                <a:latin typeface="맑은 고딕" panose="020B0503020000020004" pitchFamily="50" charset="-127"/>
-                <a:ea typeface="맑은 고딕" panose="020B0503020000020004" pitchFamily="50" charset="-127"/>
-                <a:cs typeface="Arial" panose="020B0604020202020204" pitchFamily="34" charset="0"/>
-              </a:rPr>
-              <a:t>orientation </a:t>
-            </a:r>
-            <a:r>
-              <a:rPr lang="en-US" altLang="zh-CN" sz="1600" dirty="0" smtClean="0">
-                <a:solidFill>
-                  <a:srgbClr val="338D27"/>
-                </a:solidFill>
-                <a:latin typeface="맑은 고딕" panose="020B0503020000020004" pitchFamily="50" charset="-127"/>
-                <a:ea typeface="맑은 고딕" panose="020B0503020000020004" pitchFamily="50" charset="-127"/>
-                <a:cs typeface="Arial" panose="020B0604020202020204" pitchFamily="34" charset="0"/>
-              </a:rPr>
-              <a:t>changed</a:t>
-            </a:r>
-          </a:p>
-          <a:p>
-            <a:pPr lvl="0">
-              <a:spcBef>
-                <a:spcPts val="1000"/>
-              </a:spcBef>
-              <a:buClr>
-                <a:srgbClr val="004098"/>
-              </a:buClr>
-              <a:buSzPct val="100000"/>
-            </a:pPr>
-            <a:endParaRPr lang="en-US" altLang="zh-CN" dirty="0" smtClean="0">
-              <a:solidFill>
-                <a:srgbClr val="000000"/>
-              </a:solidFill>
-              <a:latin typeface="Arial" panose="020B0604020202020204" pitchFamily="34" charset="0"/>
-              <a:cs typeface="Arial" panose="020B0604020202020204" pitchFamily="34" charset="0"/>
-            </a:endParaRPr>
-          </a:p>
-          <a:p>
-            <a:pPr marL="228600" lvl="0" indent="-228600">
-              <a:spcBef>
-                <a:spcPts val="1000"/>
-              </a:spcBef>
-              <a:buClr>
-                <a:srgbClr val="004098"/>
-              </a:buClr>
-              <a:buSzPct val="100000"/>
-              <a:buFont typeface="Calibri" panose="020F0502020204030204" pitchFamily="34" charset="0"/>
-              <a:buChar char="▪"/>
-            </a:pPr>
-            <a:r>
-              <a:rPr lang="en-US" altLang="zh-CN" sz="2000" dirty="0" smtClean="0">
-                <a:solidFill>
-                  <a:srgbClr val="000000"/>
-                </a:solidFill>
-                <a:latin typeface="Arial" panose="020B0604020202020204" pitchFamily="34" charset="0"/>
-                <a:cs typeface="Arial" panose="020B0604020202020204" pitchFamily="34" charset="0"/>
-              </a:rPr>
-              <a:t>Efficient Method for finding key nodes</a:t>
-            </a:r>
-            <a:endParaRPr lang="en-US" altLang="zh-CN" sz="2000" dirty="0" smtClean="0">
-              <a:solidFill>
-                <a:srgbClr val="000000"/>
-              </a:solidFill>
-              <a:latin typeface="Arial" panose="020B0604020202020204" pitchFamily="34" charset="0"/>
-              <a:cs typeface="Arial" panose="020B0604020202020204" pitchFamily="34" charset="0"/>
-            </a:endParaRPr>
-          </a:p>
-          <a:p>
-            <a:pPr lvl="0">
-              <a:spcBef>
-                <a:spcPts val="1000"/>
-              </a:spcBef>
-              <a:buClr>
-                <a:srgbClr val="004098"/>
-              </a:buClr>
-              <a:buSzPct val="100000"/>
-            </a:pPr>
-            <a:r>
-              <a:rPr lang="en-US" altLang="zh-CN" dirty="0">
-                <a:solidFill>
-                  <a:srgbClr val="000000"/>
-                </a:solidFill>
-                <a:latin typeface="Arial" panose="020B0604020202020204" pitchFamily="34" charset="0"/>
-                <a:cs typeface="Arial" panose="020B0604020202020204" pitchFamily="34" charset="0"/>
-              </a:rPr>
-              <a:t> </a:t>
-            </a:r>
-            <a:r>
-              <a:rPr lang="en-US" altLang="zh-CN" dirty="0" smtClean="0">
-                <a:solidFill>
-                  <a:srgbClr val="000000"/>
-                </a:solidFill>
-                <a:latin typeface="Arial" panose="020B0604020202020204" pitchFamily="34" charset="0"/>
-                <a:cs typeface="Arial" panose="020B0604020202020204" pitchFamily="34" charset="0"/>
-              </a:rPr>
-              <a:t>   - </a:t>
-            </a:r>
-            <a:r>
-              <a:rPr lang="en-US" altLang="zh-CN" dirty="0" err="1" smtClean="0">
-                <a:solidFill>
-                  <a:srgbClr val="000000"/>
-                </a:solidFill>
-                <a:latin typeface="Arial" panose="020B0604020202020204" pitchFamily="34" charset="0"/>
-                <a:cs typeface="Arial" panose="020B0604020202020204" pitchFamily="34" charset="0"/>
-              </a:rPr>
-              <a:t>Pagerank</a:t>
-            </a:r>
-            <a:r>
-              <a:rPr lang="en-US" altLang="zh-CN" dirty="0" smtClean="0">
-                <a:solidFill>
-                  <a:srgbClr val="000000"/>
-                </a:solidFill>
-                <a:latin typeface="Arial" panose="020B0604020202020204" pitchFamily="34" charset="0"/>
-                <a:cs typeface="Arial" panose="020B0604020202020204" pitchFamily="34" charset="0"/>
-              </a:rPr>
-              <a:t> &gt; degree &gt; eigenvector &gt; random</a:t>
-            </a:r>
-          </a:p>
-          <a:p>
-            <a:pPr lvl="0">
-              <a:spcBef>
-                <a:spcPts val="1000"/>
-              </a:spcBef>
-              <a:buClr>
-                <a:srgbClr val="004098"/>
-              </a:buClr>
-              <a:buSzPct val="100000"/>
-            </a:pPr>
-            <a:r>
-              <a:rPr lang="en-US" altLang="zh-CN" sz="1600" dirty="0">
-                <a:solidFill>
-                  <a:srgbClr val="338D27"/>
-                </a:solidFill>
-                <a:latin typeface="Arial" panose="020B0604020202020204" pitchFamily="34" charset="0"/>
-                <a:cs typeface="Arial" panose="020B0604020202020204" pitchFamily="34" charset="0"/>
-              </a:rPr>
-              <a:t> </a:t>
-            </a:r>
-            <a:r>
-              <a:rPr lang="en-US" altLang="zh-CN" sz="1600" dirty="0" smtClean="0">
-                <a:solidFill>
-                  <a:srgbClr val="338D27"/>
-                </a:solidFill>
-                <a:latin typeface="Arial" panose="020B0604020202020204" pitchFamily="34" charset="0"/>
-                <a:cs typeface="Arial" panose="020B0604020202020204" pitchFamily="34" charset="0"/>
-              </a:rPr>
-              <a:t>     * when the number of edges is very large, all methods have the same influence.</a:t>
-            </a:r>
-          </a:p>
-          <a:p>
-            <a:pPr lvl="0">
-              <a:spcBef>
-                <a:spcPts val="1000"/>
-              </a:spcBef>
-              <a:buClr>
-                <a:srgbClr val="004098"/>
-              </a:buClr>
-              <a:buSzPct val="100000"/>
-            </a:pPr>
-            <a:r>
-              <a:rPr lang="en-US" altLang="zh-CN" sz="1600" dirty="0" smtClean="0">
-                <a:solidFill>
-                  <a:srgbClr val="338D27"/>
-                </a:solidFill>
-                <a:latin typeface="Arial" panose="020B0604020202020204" pitchFamily="34" charset="0"/>
-                <a:cs typeface="Arial" panose="020B0604020202020204" pitchFamily="34" charset="0"/>
-              </a:rPr>
-              <a:t>        (except </a:t>
-            </a:r>
-            <a:r>
-              <a:rPr lang="en-US" altLang="zh-CN" sz="1600" dirty="0">
-                <a:solidFill>
-                  <a:srgbClr val="338D27"/>
-                </a:solidFill>
-                <a:latin typeface="Arial" panose="020B0604020202020204" pitchFamily="34" charset="0"/>
-                <a:cs typeface="Arial" panose="020B0604020202020204" pitchFamily="34" charset="0"/>
-              </a:rPr>
-              <a:t>random </a:t>
-            </a:r>
-            <a:r>
-              <a:rPr lang="en-US" altLang="zh-CN" sz="1600" dirty="0" smtClean="0">
-                <a:solidFill>
-                  <a:srgbClr val="338D27"/>
-                </a:solidFill>
-                <a:latin typeface="Arial" panose="020B0604020202020204" pitchFamily="34" charset="0"/>
-                <a:cs typeface="Arial" panose="020B0604020202020204" pitchFamily="34" charset="0"/>
-              </a:rPr>
-              <a:t>method) </a:t>
-            </a:r>
-            <a:endParaRPr lang="en-US" altLang="zh-CN" dirty="0" smtClean="0">
-              <a:solidFill>
-                <a:srgbClr val="000000"/>
-              </a:solidFill>
-              <a:latin typeface="Arial" panose="020B0604020202020204" pitchFamily="34" charset="0"/>
-              <a:cs typeface="Arial" panose="020B0604020202020204" pitchFamily="34" charset="0"/>
-            </a:endParaRPr>
-          </a:p>
-          <a:p>
-            <a:pPr lvl="0">
-              <a:spcBef>
-                <a:spcPts val="1000"/>
-              </a:spcBef>
-              <a:buClr>
-                <a:srgbClr val="004098"/>
-              </a:buClr>
-              <a:buSzPct val="100000"/>
-            </a:pPr>
-            <a:endParaRPr lang="en-US" altLang="zh-CN" sz="2000" b="1" dirty="0" smtClean="0">
-              <a:solidFill>
-                <a:srgbClr val="000000"/>
-              </a:solidFill>
-              <a:latin typeface="Arial" panose="020B0604020202020204" pitchFamily="34" charset="0"/>
-              <a:cs typeface="Arial" panose="020B0604020202020204" pitchFamily="34" charset="0"/>
-            </a:endParaRPr>
-          </a:p>
-          <a:p>
-            <a:pPr lvl="0">
-              <a:spcBef>
-                <a:spcPts val="1000"/>
-              </a:spcBef>
-              <a:buClr>
-                <a:srgbClr val="004098"/>
-              </a:buClr>
-              <a:buSzPct val="100000"/>
-            </a:pPr>
-            <a:endParaRPr lang="en-US" altLang="zh-CN" sz="1600" dirty="0">
-              <a:solidFill>
-                <a:schemeClr val="accent3"/>
-              </a:solidFill>
-              <a:latin typeface="Arial" panose="020B0604020202020204" pitchFamily="34" charset="0"/>
-              <a:cs typeface="Arial" panose="020B0604020202020204" pitchFamily="34" charset="0"/>
-            </a:endParaRPr>
-          </a:p>
-        </p:txBody>
-      </p:sp>
-    </p:spTree>
-    <p:extLst>
-      <p:ext uri="{BB962C8B-B14F-4D97-AF65-F5344CB8AC3E}">
-        <p14:creationId xmlns:p14="http://schemas.microsoft.com/office/powerpoint/2010/main" val="4114110291"/>
-      </p:ext>
-    </p:extLst>
-  </p:cSld>
-  <p:clrMapOvr>
-    <a:masterClrMapping/>
-  </p:clrMapOvr>
-  <p:transition spd="med">
-    <p:push/>
-  </p:transition>
-  <p:timing>
-    <p:tnLst>
-      <p:par>
-        <p:cTn id="1" dur="indefinite" restart="never" nodeType="tmRoot"/>
-      </p:par>
-    </p:tnLst>
-  </p:timing>
 </p:sld>
 </file>
 

--- a/progress12.pptx
+++ b/progress12.pptx
@@ -222,7 +222,7 @@
           <a:p>
             <a:fld id="{202C1FBA-CF23-45CA-A289-03E32D160964}" type="datetimeFigureOut">
               <a:rPr lang="zh-CN" altLang="en-US" smtClean="0"/>
-              <a:t>2019/9/18</a:t>
+              <a:t>2019/9/19</a:t>
             </a:fld>
             <a:endParaRPr lang="zh-CN" altLang="en-US"/>
           </a:p>
@@ -387,7 +387,7 @@
           <a:p>
             <a:fld id="{6D966BD8-0FC1-456F-BDC6-7D0CA8E36566}" type="datetimeFigureOut">
               <a:rPr lang="zh-CN" altLang="en-US" smtClean="0"/>
-              <a:t>2019/9/18</a:t>
+              <a:t>2019/9/19</a:t>
             </a:fld>
             <a:endParaRPr lang="zh-CN" altLang="en-US"/>
           </a:p>
@@ -701,11 +701,7 @@
             <a:pPr fontAlgn="t"/>
             <a:r>
               <a:rPr lang="en-US" altLang="zh-CN" baseline="0" dirty="0" smtClean="0"/>
-              <a:t>Today</a:t>
-            </a:r>
-            <a:r>
-              <a:rPr lang="en-US" altLang="zh-CN" baseline="0" dirty="0" smtClean="0"/>
-              <a:t>, I would </a:t>
+              <a:t>Today, I would </a:t>
             </a:r>
             <a:r>
               <a:rPr lang="en-US" altLang="ko-KR" sz="1200" b="0" i="0" kern="1200" dirty="0" smtClean="0">
@@ -717,10 +713,10 @@
                 <a:ea typeface="+mn-ea"/>
                 <a:cs typeface="+mn-cs"/>
               </a:rPr>
-              <a:t>give </a:t>
-            </a:r>
-            <a:r>
-              <a:rPr lang="en-US" altLang="ko-KR" sz="1200" b="0" i="0" kern="1200" dirty="0" smtClean="0">
+              <a:t>give a explanation about</a:t>
+            </a:r>
+            <a:r>
+              <a:rPr lang="en-US" altLang="ko-KR" sz="1200" b="0" i="0" kern="1200" baseline="0" dirty="0" smtClean="0">
                 <a:solidFill>
                   <a:schemeClr val="tx1"/>
                 </a:solidFill>
@@ -729,67 +725,7 @@
                 <a:ea typeface="+mn-ea"/>
                 <a:cs typeface="+mn-cs"/>
               </a:rPr>
-              <a:t>a </a:t>
-            </a:r>
-            <a:r>
-              <a:rPr lang="en-US" altLang="ko-KR" sz="1200" b="0" i="0" kern="1200" dirty="0" smtClean="0">
-                <a:solidFill>
-                  <a:schemeClr val="tx1"/>
-                </a:solidFill>
-                <a:effectLst/>
-                <a:latin typeface="+mn-lt"/>
-                <a:ea typeface="+mn-ea"/>
-                <a:cs typeface="+mn-cs"/>
-              </a:rPr>
-              <a:t>explanation about</a:t>
-            </a:r>
-            <a:r>
-              <a:rPr lang="en-US" altLang="ko-KR" sz="1200" b="0" i="0" kern="1200" baseline="0" dirty="0" smtClean="0">
-                <a:solidFill>
-                  <a:schemeClr val="tx1"/>
-                </a:solidFill>
-                <a:effectLst/>
-                <a:latin typeface="+mn-lt"/>
-                <a:ea typeface="+mn-ea"/>
-                <a:cs typeface="+mn-cs"/>
-              </a:rPr>
-              <a:t> </a:t>
-            </a:r>
-            <a:r>
-              <a:rPr lang="en-US" altLang="ko-KR" sz="1200" b="0" i="0" kern="1200" baseline="0" dirty="0" smtClean="0">
-                <a:solidFill>
-                  <a:schemeClr val="tx1"/>
-                </a:solidFill>
-                <a:effectLst/>
-                <a:latin typeface="+mn-lt"/>
-                <a:ea typeface="+mn-ea"/>
-                <a:cs typeface="+mn-cs"/>
-              </a:rPr>
-              <a:t>my total research progress </a:t>
-            </a:r>
-            <a:r>
-              <a:rPr lang="en-US" altLang="ko-KR" sz="1200" b="0" i="0" kern="1200" baseline="0" dirty="0" smtClean="0">
-                <a:solidFill>
-                  <a:schemeClr val="tx1"/>
-                </a:solidFill>
-                <a:effectLst/>
-                <a:latin typeface="+mn-lt"/>
-                <a:ea typeface="+mn-ea"/>
-                <a:cs typeface="+mn-cs"/>
-              </a:rPr>
-              <a:t>and </a:t>
-            </a:r>
-            <a:r>
-              <a:rPr lang="en-US" altLang="ko-KR" sz="1200" b="0" i="0" kern="1200" baseline="0" dirty="0" smtClean="0">
-                <a:solidFill>
-                  <a:schemeClr val="tx1"/>
-                </a:solidFill>
-                <a:effectLst/>
-                <a:latin typeface="+mn-lt"/>
-                <a:ea typeface="+mn-ea"/>
-                <a:cs typeface="+mn-cs"/>
-              </a:rPr>
-              <a:t>talk about finding key nodes on two layers</a:t>
+              <a:t> my total research progress and talk about finding key nodes on two layers</a:t>
             </a:r>
           </a:p>
         </p:txBody>
@@ -880,8 +816,13 @@
             </a:r>
             <a:r>
               <a:rPr lang="en-US" altLang="zh-CN" baseline="0" dirty="0" smtClean="0"/>
-              <a:t> for finding key nodes in layer A</a:t>
-            </a:r>
+              <a:t> for finding key nodes in layer </a:t>
+            </a:r>
+            <a:r>
+              <a:rPr lang="en-US" altLang="zh-CN" baseline="0" dirty="0" smtClean="0"/>
+              <a:t>B</a:t>
+            </a:r>
+            <a:endParaRPr lang="en-US" altLang="zh-CN" baseline="0" dirty="0" smtClean="0"/>
           </a:p>
           <a:p>
             <a:endParaRPr lang="en-US" altLang="zh-CN" baseline="0" dirty="0" smtClean="0"/>
@@ -899,7 +840,6 @@
               <a:rPr lang="en-US" altLang="zh-CN" baseline="0" dirty="0" smtClean="0"/>
               <a:t>, degree, eigenvector, random. </a:t>
             </a:r>
-            <a:endParaRPr lang="en-US" altLang="zh-CN" baseline="0" dirty="0" smtClean="0"/>
           </a:p>
         </p:txBody>
       </p:sp>
@@ -984,21 +924,20 @@
           <a:lstStyle/>
           <a:p>
             <a:r>
-              <a:rPr lang="en-US" altLang="zh-CN" dirty="0" smtClean="0"/>
-              <a:t>This is the result</a:t>
-            </a:r>
-            <a:r>
               <a:rPr lang="en-US" altLang="zh-CN" baseline="0" dirty="0" smtClean="0"/>
-              <a:t> for finding key nodes in layer A</a:t>
-            </a:r>
-          </a:p>
-          <a:p>
-            <a:endParaRPr lang="en-US" altLang="zh-CN" baseline="0" dirty="0" smtClean="0"/>
-          </a:p>
-          <a:p>
+              <a:t>When </a:t>
+            </a:r>
             <a:r>
               <a:rPr lang="en-US" altLang="zh-CN" baseline="0" dirty="0" smtClean="0"/>
-              <a:t>When the number of total edges is 4,092, the efficient method is ranked as </a:t>
+              <a:t>the number of total edges is </a:t>
+            </a:r>
+            <a:r>
+              <a:rPr lang="en-US" altLang="zh-CN" baseline="0" dirty="0" smtClean="0"/>
+              <a:t>6,135, </a:t>
+            </a:r>
+            <a:r>
+              <a:rPr lang="en-US" altLang="zh-CN" baseline="0" dirty="0" smtClean="0"/>
+              <a:t>the efficient method is ranked as </a:t>
             </a:r>
             <a:r>
               <a:rPr lang="en-US" altLang="zh-CN" baseline="0" dirty="0" err="1" smtClean="0"/>
@@ -1007,6 +946,16 @@
             <a:r>
               <a:rPr lang="en-US" altLang="zh-CN" baseline="0" dirty="0" smtClean="0"/>
               <a:t>, degree, eigenvector, random. </a:t>
+            </a:r>
+            <a:endParaRPr lang="en-US" altLang="zh-CN" baseline="0" dirty="0" smtClean="0"/>
+          </a:p>
+          <a:p>
+            <a:endParaRPr lang="en-US" altLang="zh-CN" baseline="0" dirty="0" smtClean="0"/>
+          </a:p>
+          <a:p>
+            <a:r>
+              <a:rPr lang="en-US" altLang="zh-CN" baseline="0" dirty="0" smtClean="0"/>
+              <a:t>This chart is more curved than previous one. </a:t>
             </a:r>
             <a:endParaRPr lang="en-US" altLang="zh-CN" baseline="0" dirty="0" smtClean="0"/>
           </a:p>
@@ -1093,21 +1042,20 @@
           <a:lstStyle/>
           <a:p>
             <a:r>
-              <a:rPr lang="en-US" altLang="zh-CN" dirty="0" smtClean="0"/>
-              <a:t>This is the result</a:t>
-            </a:r>
-            <a:r>
               <a:rPr lang="en-US" altLang="zh-CN" baseline="0" dirty="0" smtClean="0"/>
-              <a:t> for finding key nodes in layer A</a:t>
-            </a:r>
-          </a:p>
-          <a:p>
-            <a:endParaRPr lang="en-US" altLang="zh-CN" baseline="0" dirty="0" smtClean="0"/>
-          </a:p>
-          <a:p>
+              <a:t>When </a:t>
+            </a:r>
             <a:r>
               <a:rPr lang="en-US" altLang="zh-CN" baseline="0" dirty="0" smtClean="0"/>
-              <a:t>When the number of total edges is 4,092, the efficient method is ranked as </a:t>
+              <a:t>the number of total edges is </a:t>
+            </a:r>
+            <a:r>
+              <a:rPr lang="en-US" altLang="zh-CN" baseline="0" dirty="0" smtClean="0"/>
+              <a:t>8,176, </a:t>
+            </a:r>
+            <a:r>
+              <a:rPr lang="en-US" altLang="zh-CN" baseline="0" dirty="0" smtClean="0"/>
+              <a:t>the efficient method is ranked as </a:t>
             </a:r>
             <a:r>
               <a:rPr lang="en-US" altLang="zh-CN" baseline="0" dirty="0" err="1" smtClean="0"/>
@@ -1117,6 +1065,35 @@
               <a:rPr lang="en-US" altLang="zh-CN" baseline="0" dirty="0" smtClean="0"/>
               <a:t>, degree, eigenvector, random. </a:t>
             </a:r>
+            <a:endParaRPr lang="en-US" altLang="zh-CN" baseline="0" dirty="0" smtClean="0"/>
+          </a:p>
+          <a:p>
+            <a:endParaRPr lang="en-US" altLang="zh-CN" baseline="0" dirty="0" smtClean="0"/>
+          </a:p>
+          <a:p>
+            <a:pPr marL="0" marR="0" indent="0" algn="l" defTabSz="914400" rtl="0" eaLnBrk="1" fontAlgn="auto" latinLnBrk="0" hangingPunct="1">
+              <a:lnSpc>
+                <a:spcPct val="100000"/>
+              </a:lnSpc>
+              <a:spcBef>
+                <a:spcPts val="0"/>
+              </a:spcBef>
+              <a:spcAft>
+                <a:spcPts val="0"/>
+              </a:spcAft>
+              <a:buClrTx/>
+              <a:buSzTx/>
+              <a:buFontTx/>
+              <a:buNone/>
+              <a:tabLst/>
+              <a:defRPr/>
+            </a:pPr>
+            <a:r>
+              <a:rPr lang="en-US" altLang="zh-CN" baseline="0" dirty="0" smtClean="0"/>
+              <a:t>This chart is much more curved than previous one. </a:t>
+            </a:r>
+          </a:p>
+          <a:p>
             <a:endParaRPr lang="en-US" altLang="zh-CN" baseline="0" dirty="0" smtClean="0"/>
           </a:p>
         </p:txBody>
@@ -1360,7 +1337,6 @@
               <a:rPr lang="en-US" altLang="zh-CN" baseline="0" dirty="0" smtClean="0"/>
               <a:t>So to speak, though it has group for unchanged state, total orientation is not easy to change.  </a:t>
             </a:r>
-            <a:endParaRPr lang="en-US" altLang="zh-CN" baseline="0" dirty="0" smtClean="0"/>
           </a:p>
         </p:txBody>
       </p:sp>
@@ -1459,11 +1435,7 @@
           <a:p>
             <a:r>
               <a:rPr lang="en-US" altLang="zh-CN" baseline="0" dirty="0" smtClean="0"/>
-              <a:t>Next, I try to find </a:t>
-            </a:r>
-            <a:r>
-              <a:rPr lang="en-US" altLang="zh-CN" baseline="0" dirty="0" smtClean="0"/>
-              <a:t>key node with different conditions such as two-layer network with different edges, hierarchical models, and consider other methods like </a:t>
+              <a:t>Next, I try to find key node with different conditions such as two-layer network with different edges, hierarchical models, and consider other methods like </a:t>
             </a:r>
             <a:r>
               <a:rPr lang="en-US" altLang="zh-CN" baseline="0" dirty="0" err="1" smtClean="0"/>
@@ -1482,7 +1454,6 @@
               <a:rPr lang="en-US" altLang="zh-CN" baseline="0" dirty="0" smtClean="0"/>
               <a:t>Next, If I find better algorithms, I will provide more efficient method for finding key nodes. </a:t>
             </a:r>
-            <a:endParaRPr lang="en-US" altLang="zh-CN" baseline="0" dirty="0" smtClean="0"/>
           </a:p>
           <a:p>
             <a:endParaRPr lang="en-US" altLang="zh-CN" baseline="0" dirty="0" smtClean="0"/>
@@ -2013,25 +1984,13 @@
             </a:r>
             <a:r>
               <a:rPr lang="en-US" altLang="zh-CN" baseline="0" dirty="0" smtClean="0"/>
-              <a:t> </a:t>
-            </a:r>
+              <a:t> results are researched like this figure. </a:t>
+            </a:r>
+          </a:p>
+          <a:p>
             <a:r>
               <a:rPr lang="en-US" altLang="zh-CN" baseline="0" dirty="0" smtClean="0"/>
-              <a:t>results are researched like this figure. </a:t>
-            </a:r>
-          </a:p>
-          <a:p>
-            <a:r>
-              <a:rPr lang="en-US" altLang="zh-CN" baseline="0" dirty="0" smtClean="0"/>
-              <a:t>We </a:t>
-            </a:r>
-            <a:r>
-              <a:rPr lang="en-US" altLang="zh-CN" baseline="0" dirty="0" smtClean="0"/>
-              <a:t>can </a:t>
-            </a:r>
-            <a:r>
-              <a:rPr lang="en-US" altLang="zh-CN" baseline="0" dirty="0" smtClean="0"/>
-              <a:t>find out 3 branch points. The results are very clear to analyze.  </a:t>
+              <a:t>We can find out 3 branch points. The results are very clear to analyze.  </a:t>
             </a:r>
             <a:endParaRPr lang="zh-CN" altLang="en-US" dirty="0"/>
           </a:p>
@@ -2579,19 +2538,7 @@
                 <a:ea typeface="+mn-ea"/>
                 <a:cs typeface="+mn-cs"/>
               </a:rPr>
-              <a:t>To </a:t>
-            </a:r>
-            <a:r>
-              <a:rPr lang="en-US" altLang="zh-CN" sz="1200" kern="1200" dirty="0" smtClean="0">
-                <a:solidFill>
-                  <a:schemeClr val="tx1"/>
-                </a:solidFill>
-                <a:effectLst/>
-                <a:latin typeface="+mn-lt"/>
-                <a:ea typeface="+mn-ea"/>
-                <a:cs typeface="+mn-cs"/>
-              </a:rPr>
-              <a:t>find important nodes on two-layer networks, it is investigated which nodes have more influence on changing average states of network by unchanging the nodes states. </a:t>
+              <a:t>To find important nodes on two-layer networks, it is investigated which nodes have more influence on changing average states of network by unchanging the nodes states. </a:t>
             </a:r>
           </a:p>
           <a:p>
@@ -2668,7 +2615,7 @@
                 <a:ea typeface="+mn-ea"/>
                 <a:cs typeface="+mn-cs"/>
               </a:rPr>
-              <a:t>As initial condition for finding key node in layer A, each layer is made of BA network with 2048 nodes and 1 external edge. Parameter values are like </a:t>
+              <a:t>As initial condition for finding key </a:t>
             </a:r>
             <a:r>
               <a:rPr lang="en-US" altLang="zh-CN" sz="1200" kern="1200" dirty="0" smtClean="0">
@@ -2680,8 +2627,104 @@
                 <a:ea typeface="+mn-ea"/>
                 <a:cs typeface="+mn-cs"/>
               </a:rPr>
-              <a:t>p=0.2, v=0.4. </a:t>
-            </a:r>
+              <a:t>nodes, </a:t>
+            </a:r>
+            <a:r>
+              <a:rPr lang="en-US" altLang="zh-CN" sz="1200" kern="1200" dirty="0" smtClean="0">
+                <a:solidFill>
+                  <a:schemeClr val="tx1"/>
+                </a:solidFill>
+                <a:effectLst/>
+                <a:latin typeface="+mn-lt"/>
+                <a:ea typeface="+mn-ea"/>
+                <a:cs typeface="+mn-cs"/>
+              </a:rPr>
+              <a:t>each layer is made of BA network with 2048 nodes and 1 external edge. </a:t>
+            </a:r>
+            <a:endParaRPr lang="en-US" altLang="zh-CN" sz="1200" kern="1200" dirty="0" smtClean="0">
+              <a:solidFill>
+                <a:schemeClr val="tx1"/>
+              </a:solidFill>
+              <a:effectLst/>
+              <a:latin typeface="+mn-lt"/>
+              <a:ea typeface="+mn-ea"/>
+              <a:cs typeface="+mn-cs"/>
+            </a:endParaRPr>
+          </a:p>
+          <a:p>
+            <a:r>
+              <a:rPr lang="en-US" altLang="zh-CN" sz="1200" kern="1200" dirty="0" smtClean="0">
+                <a:solidFill>
+                  <a:schemeClr val="tx1"/>
+                </a:solidFill>
+                <a:effectLst/>
+                <a:latin typeface="+mn-lt"/>
+                <a:ea typeface="+mn-ea"/>
+                <a:cs typeface="+mn-cs"/>
+              </a:rPr>
+              <a:t>For</a:t>
+            </a:r>
+            <a:r>
+              <a:rPr lang="en-US" altLang="zh-CN" sz="1200" kern="1200" baseline="0" dirty="0" smtClean="0">
+                <a:solidFill>
+                  <a:schemeClr val="tx1"/>
+                </a:solidFill>
+                <a:effectLst/>
+                <a:latin typeface="+mn-lt"/>
+                <a:ea typeface="+mn-ea"/>
+                <a:cs typeface="+mn-cs"/>
+              </a:rPr>
+              <a:t> finding key nodes on layer A, p</a:t>
+            </a:r>
+            <a:r>
+              <a:rPr lang="en-US" altLang="zh-CN" sz="1200" kern="1200" dirty="0" smtClean="0">
+                <a:solidFill>
+                  <a:schemeClr val="tx1"/>
+                </a:solidFill>
+                <a:effectLst/>
+                <a:latin typeface="+mn-lt"/>
+                <a:ea typeface="+mn-ea"/>
+                <a:cs typeface="+mn-cs"/>
+              </a:rPr>
+              <a:t>arameter </a:t>
+            </a:r>
+            <a:r>
+              <a:rPr lang="en-US" altLang="zh-CN" sz="1200" kern="1200" dirty="0" smtClean="0">
+                <a:solidFill>
+                  <a:schemeClr val="tx1"/>
+                </a:solidFill>
+                <a:effectLst/>
+                <a:latin typeface="+mn-lt"/>
+                <a:ea typeface="+mn-ea"/>
+                <a:cs typeface="+mn-cs"/>
+              </a:rPr>
+              <a:t>values are like p=0.2, v=0.4. </a:t>
+            </a:r>
+            <a:endParaRPr lang="en-US" altLang="zh-CN" sz="1200" kern="1200" dirty="0" smtClean="0">
+              <a:solidFill>
+                <a:schemeClr val="tx1"/>
+              </a:solidFill>
+              <a:effectLst/>
+              <a:latin typeface="+mn-lt"/>
+              <a:ea typeface="+mn-ea"/>
+              <a:cs typeface="+mn-cs"/>
+            </a:endParaRPr>
+          </a:p>
+          <a:p>
+            <a:r>
+              <a:rPr lang="en-US" altLang="zh-CN" sz="1200" kern="1200" dirty="0" smtClean="0">
+                <a:solidFill>
+                  <a:schemeClr val="tx1"/>
+                </a:solidFill>
+                <a:effectLst/>
+                <a:latin typeface="+mn-lt"/>
+                <a:ea typeface="+mn-ea"/>
+                <a:cs typeface="+mn-cs"/>
+              </a:rPr>
+              <a:t>For finding key nodes on layer B, parameter values are like p=0.5, v=0.5.</a:t>
+            </a:r>
+          </a:p>
+          <a:p>
             <a:endParaRPr lang="en-US" altLang="zh-CN" sz="1200" kern="1200" dirty="0" smtClean="0">
               <a:solidFill>
                 <a:schemeClr val="tx1"/>
@@ -3003,7 +3046,6 @@
               <a:rPr lang="en-US" altLang="zh-CN" baseline="0" dirty="0" smtClean="0"/>
               <a:t>, degree, and eigenvector method is almost same. And total orientation is much easier to change than previous one.</a:t>
             </a:r>
-            <a:endParaRPr lang="en-US" altLang="zh-CN" baseline="0" dirty="0" smtClean="0"/>
           </a:p>
         </p:txBody>
       </p:sp>
@@ -9557,6 +9599,35 @@
           <a:chExt cx="0" cy="0"/>
         </a:xfrm>
       </p:grpSpPr>
+      <p:pic>
+        <p:nvPicPr>
+          <p:cNvPr id="2" name="그림 1"/>
+          <p:cNvPicPr>
+            <a:picLocks noChangeAspect="1"/>
+          </p:cNvPicPr>
+          <p:nvPr/>
+        </p:nvPicPr>
+        <p:blipFill rotWithShape="1">
+          <a:blip r:embed="rId3">
+            <a:extLst>
+              <a:ext uri="{28A0092B-C50C-407E-A947-70E740481C1C}">
+                <a14:useLocalDpi xmlns:a14="http://schemas.microsoft.com/office/drawing/2010/main" val="0"/>
+              </a:ext>
+            </a:extLst>
+          </a:blip>
+          <a:srcRect l="8181" t="10294" r="8409" b="5281"/>
+          <a:stretch/>
+        </p:blipFill>
+        <p:spPr>
+          <a:xfrm>
+            <a:off x="422140" y="1718431"/>
+            <a:ext cx="8191924" cy="4698637"/>
+          </a:xfrm>
+          <a:prstGeom prst="rect">
+            <a:avLst/>
+          </a:prstGeom>
+        </p:spPr>
+      </p:pic>
       <p:sp>
         <p:nvSpPr>
           <p:cNvPr id="10" name="제목 2"/>
@@ -9582,11 +9653,7 @@
             <a:pPr lvl="0"/>
             <a:r>
               <a:rPr lang="en-US" altLang="zh-CN" sz="2400" dirty="0" smtClean="0"/>
-              <a:t>Finding key nodes in layer </a:t>
-            </a:r>
-            <a:r>
-              <a:rPr lang="en-US" altLang="zh-CN" sz="2400" dirty="0" smtClean="0"/>
-              <a:t>B</a:t>
+              <a:t>Finding key nodes in layer B</a:t>
             </a:r>
             <a:endParaRPr lang="zh-CN" altLang="en-US" sz="2800" dirty="0"/>
           </a:p>
@@ -9620,28 +9687,7 @@
                 <a:latin typeface="Arial" panose="020B0604020202020204" pitchFamily="34" charset="0"/>
                 <a:cs typeface="Arial" panose="020B0604020202020204" pitchFamily="34" charset="0"/>
               </a:rPr>
-              <a:t>BA(4,092)-BA(4,092) network, </a:t>
-            </a:r>
-            <a:r>
-              <a:rPr lang="en-US" altLang="zh-CN" sz="1200" b="1" dirty="0" smtClean="0">
-                <a:latin typeface="Arial" panose="020B0604020202020204" pitchFamily="34" charset="0"/>
-                <a:cs typeface="Arial" panose="020B0604020202020204" pitchFamily="34" charset="0"/>
-              </a:rPr>
-              <a:t>p=0.5, </a:t>
-            </a:r>
-            <a:r>
-              <a:rPr lang="en-US" altLang="zh-CN" sz="1200" b="1" dirty="0" smtClean="0">
-                <a:latin typeface="Arial" panose="020B0604020202020204" pitchFamily="34" charset="0"/>
-                <a:cs typeface="Arial" panose="020B0604020202020204" pitchFamily="34" charset="0"/>
-              </a:rPr>
-              <a:t>v= </a:t>
-            </a:r>
-            <a:r>
-              <a:rPr lang="en-US" altLang="zh-CN" sz="1200" b="1" dirty="0" smtClean="0">
-                <a:latin typeface="Arial" panose="020B0604020202020204" pitchFamily="34" charset="0"/>
-                <a:cs typeface="Arial" panose="020B0604020202020204" pitchFamily="34" charset="0"/>
-              </a:rPr>
-              <a:t>0.5 </a:t>
+              <a:t>BA(4,092)-BA(4,092) network, p=0.5, v= 0.5 </a:t>
             </a:r>
             <a:endParaRPr lang="zh-CN" altLang="en-US" sz="1200" b="1" dirty="0">
               <a:latin typeface="Arial" panose="020B0604020202020204" pitchFamily="34" charset="0"/>
@@ -9685,7 +9731,21 @@
                 <a:latin typeface="Arial" panose="020B0604020202020204" pitchFamily="34" charset="0"/>
                 <a:cs typeface="Arial" panose="020B0604020202020204" pitchFamily="34" charset="0"/>
               </a:rPr>
-              <a:t> &gt; degree &gt; eigenvector &gt; random</a:t>
+              <a:t> </a:t>
+            </a:r>
+            <a:r>
+              <a:rPr lang="en-US" altLang="zh-CN" sz="1400" b="1" dirty="0" smtClean="0">
+                <a:latin typeface="Arial" panose="020B0604020202020204" pitchFamily="34" charset="0"/>
+                <a:cs typeface="Arial" panose="020B0604020202020204" pitchFamily="34" charset="0"/>
+              </a:rPr>
+              <a:t>= </a:t>
+            </a:r>
+            <a:r>
+              <a:rPr lang="en-US" altLang="zh-CN" sz="1400" b="1" dirty="0" smtClean="0">
+                <a:latin typeface="Arial" panose="020B0604020202020204" pitchFamily="34" charset="0"/>
+                <a:cs typeface="Arial" panose="020B0604020202020204" pitchFamily="34" charset="0"/>
+              </a:rPr>
+              <a:t>degree &gt; eigenvector &gt; random</a:t>
             </a:r>
             <a:endParaRPr lang="zh-CN" altLang="en-US" sz="1400" b="1" dirty="0">
               <a:latin typeface="Arial" panose="020B0604020202020204" pitchFamily="34" charset="0"/>
@@ -9778,11 +9838,7 @@
             <a:pPr lvl="0"/>
             <a:r>
               <a:rPr lang="en-US" altLang="zh-CN" sz="2400" dirty="0" smtClean="0"/>
-              <a:t>Finding key nodes in layer </a:t>
-            </a:r>
-            <a:r>
-              <a:rPr lang="en-US" altLang="zh-CN" sz="2400" dirty="0" smtClean="0"/>
-              <a:t>B</a:t>
+              <a:t>Finding key nodes in layer B</a:t>
             </a:r>
             <a:endParaRPr lang="zh-CN" altLang="en-US" sz="2800" dirty="0"/>
           </a:p>
@@ -9816,28 +9872,7 @@
                 <a:latin typeface="Arial" panose="020B0604020202020204" pitchFamily="34" charset="0"/>
                 <a:cs typeface="Arial" panose="020B0604020202020204" pitchFamily="34" charset="0"/>
               </a:rPr>
-              <a:t>BA(6,135)-BA(6,135) network, </a:t>
-            </a:r>
-            <a:r>
-              <a:rPr lang="en-US" altLang="zh-CN" sz="1200" b="1" dirty="0" smtClean="0">
-                <a:latin typeface="Arial" panose="020B0604020202020204" pitchFamily="34" charset="0"/>
-                <a:cs typeface="Arial" panose="020B0604020202020204" pitchFamily="34" charset="0"/>
-              </a:rPr>
-              <a:t>p=0.5, </a:t>
-            </a:r>
-            <a:r>
-              <a:rPr lang="en-US" altLang="zh-CN" sz="1200" b="1" dirty="0" smtClean="0">
-                <a:latin typeface="Arial" panose="020B0604020202020204" pitchFamily="34" charset="0"/>
-                <a:cs typeface="Arial" panose="020B0604020202020204" pitchFamily="34" charset="0"/>
-              </a:rPr>
-              <a:t>v= </a:t>
-            </a:r>
-            <a:r>
-              <a:rPr lang="en-US" altLang="zh-CN" sz="1200" b="1" dirty="0" smtClean="0">
-                <a:latin typeface="Arial" panose="020B0604020202020204" pitchFamily="34" charset="0"/>
-                <a:cs typeface="Arial" panose="020B0604020202020204" pitchFamily="34" charset="0"/>
-              </a:rPr>
-              <a:t>0.5 </a:t>
+              <a:t>BA(6,135)-BA(6,135) network, p=0.5, v= 0.5 </a:t>
             </a:r>
             <a:endParaRPr lang="zh-CN" altLang="en-US" sz="1200" b="1" dirty="0">
               <a:latin typeface="Arial" panose="020B0604020202020204" pitchFamily="34" charset="0"/>
@@ -9945,11 +9980,7 @@
             <a:pPr lvl="0"/>
             <a:r>
               <a:rPr lang="en-US" altLang="zh-CN" sz="2400" dirty="0" smtClean="0"/>
-              <a:t>Finding key nodes in layer </a:t>
-            </a:r>
-            <a:r>
-              <a:rPr lang="en-US" altLang="zh-CN" sz="2400" dirty="0" smtClean="0"/>
-              <a:t>B</a:t>
+              <a:t>Finding key nodes in layer B</a:t>
             </a:r>
             <a:endParaRPr lang="zh-CN" altLang="en-US" sz="2800" dirty="0"/>
           </a:p>
@@ -9983,28 +10014,7 @@
                 <a:latin typeface="Arial" panose="020B0604020202020204" pitchFamily="34" charset="0"/>
                 <a:cs typeface="Arial" panose="020B0604020202020204" pitchFamily="34" charset="0"/>
               </a:rPr>
-              <a:t>BA(8,176)-BA(8,176) network, </a:t>
-            </a:r>
-            <a:r>
-              <a:rPr lang="en-US" altLang="zh-CN" sz="1200" b="1" dirty="0" smtClean="0">
-                <a:latin typeface="Arial" panose="020B0604020202020204" pitchFamily="34" charset="0"/>
-                <a:cs typeface="Arial" panose="020B0604020202020204" pitchFamily="34" charset="0"/>
-              </a:rPr>
-              <a:t>p=0.5, </a:t>
-            </a:r>
-            <a:r>
-              <a:rPr lang="en-US" altLang="zh-CN" sz="1200" b="1" dirty="0" smtClean="0">
-                <a:latin typeface="Arial" panose="020B0604020202020204" pitchFamily="34" charset="0"/>
-                <a:cs typeface="Arial" panose="020B0604020202020204" pitchFamily="34" charset="0"/>
-              </a:rPr>
-              <a:t>v= </a:t>
-            </a:r>
-            <a:r>
-              <a:rPr lang="en-US" altLang="zh-CN" sz="1200" b="1" dirty="0" smtClean="0">
-                <a:latin typeface="Arial" panose="020B0604020202020204" pitchFamily="34" charset="0"/>
-                <a:cs typeface="Arial" panose="020B0604020202020204" pitchFamily="34" charset="0"/>
-              </a:rPr>
-              <a:t>0.5 </a:t>
+              <a:t>BA(8,176)-BA(8,176) network, p=0.5, v= 0.5 </a:t>
             </a:r>
             <a:endParaRPr lang="zh-CN" altLang="en-US" sz="1200" b="1" dirty="0">
               <a:latin typeface="Arial" panose="020B0604020202020204" pitchFamily="34" charset="0"/>
@@ -15872,47 +15882,7 @@
                 <a:latin typeface="Arial" panose="020B0604020202020204" pitchFamily="34" charset="0"/>
                 <a:cs typeface="Arial" panose="020B0604020202020204" pitchFamily="34" charset="0"/>
               </a:rPr>
-              <a:t>     Layer A : p = </a:t>
-            </a:r>
-            <a:r>
-              <a:rPr lang="en-US" altLang="zh-CN" dirty="0" smtClean="0">
-                <a:solidFill>
-                  <a:srgbClr val="000000"/>
-                </a:solidFill>
-                <a:latin typeface="Arial" panose="020B0604020202020204" pitchFamily="34" charset="0"/>
-                <a:cs typeface="Arial" panose="020B0604020202020204" pitchFamily="34" charset="0"/>
-              </a:rPr>
-              <a:t>0.2, </a:t>
-            </a:r>
-            <a:r>
-              <a:rPr lang="en-US" altLang="zh-CN" dirty="0" smtClean="0">
-                <a:solidFill>
-                  <a:srgbClr val="000000"/>
-                </a:solidFill>
-                <a:latin typeface="Arial" panose="020B0604020202020204" pitchFamily="34" charset="0"/>
-                <a:cs typeface="Arial" panose="020B0604020202020204" pitchFamily="34" charset="0"/>
-              </a:rPr>
-              <a:t>v = </a:t>
-            </a:r>
-            <a:r>
-              <a:rPr lang="en-US" altLang="zh-CN" dirty="0" smtClean="0">
-                <a:solidFill>
-                  <a:srgbClr val="000000"/>
-                </a:solidFill>
-                <a:latin typeface="Arial" panose="020B0604020202020204" pitchFamily="34" charset="0"/>
-                <a:cs typeface="Arial" panose="020B0604020202020204" pitchFamily="34" charset="0"/>
-              </a:rPr>
-              <a:t>0.4(originally, negative </a:t>
-            </a:r>
-            <a:r>
-              <a:rPr lang="en-US" altLang="zh-CN" dirty="0" smtClean="0">
-                <a:solidFill>
-                  <a:srgbClr val="000000"/>
-                </a:solidFill>
-                <a:latin typeface="Arial" panose="020B0604020202020204" pitchFamily="34" charset="0"/>
-                <a:cs typeface="Arial" panose="020B0604020202020204" pitchFamily="34" charset="0"/>
-              </a:rPr>
-              <a:t>consensus)</a:t>
+              <a:t>     Layer A : p = 0.2, v = 0.4(originally, negative consensus)</a:t>
             </a:r>
           </a:p>
           <a:p>
@@ -15943,27 +15913,7 @@
                 <a:latin typeface="Arial" panose="020B0604020202020204" pitchFamily="34" charset="0"/>
                 <a:cs typeface="Arial" panose="020B0604020202020204" pitchFamily="34" charset="0"/>
               </a:rPr>
-              <a:t>     Layer B : p = 0.5, v = </a:t>
-            </a:r>
-            <a:r>
-              <a:rPr lang="en-US" altLang="zh-CN" dirty="0" smtClean="0">
-                <a:solidFill>
-                  <a:srgbClr val="000000"/>
-                </a:solidFill>
-                <a:latin typeface="Arial" panose="020B0604020202020204" pitchFamily="34" charset="0"/>
-                <a:cs typeface="Arial" panose="020B0604020202020204" pitchFamily="34" charset="0"/>
-              </a:rPr>
-              <a:t>0.5(originally, positive </a:t>
-            </a:r>
-            <a:r>
-              <a:rPr lang="en-US" altLang="zh-CN" dirty="0" smtClean="0">
-                <a:solidFill>
-                  <a:srgbClr val="000000"/>
-                </a:solidFill>
-                <a:latin typeface="Arial" panose="020B0604020202020204" pitchFamily="34" charset="0"/>
-                <a:cs typeface="Arial" panose="020B0604020202020204" pitchFamily="34" charset="0"/>
-              </a:rPr>
-              <a:t>consensus)</a:t>
+              <a:t>     Layer B : p = 0.5, v = 0.5(originally, positive consensus)</a:t>
             </a:r>
           </a:p>
           <a:p>

--- a/progress12.pptx
+++ b/progress12.pptx
@@ -222,7 +222,7 @@
           <a:p>
             <a:fld id="{202C1FBA-CF23-45CA-A289-03E32D160964}" type="datetimeFigureOut">
               <a:rPr lang="zh-CN" altLang="en-US" smtClean="0"/>
-              <a:t>2019/9/19</a:t>
+              <a:t>2019/9/24</a:t>
             </a:fld>
             <a:endParaRPr lang="zh-CN" altLang="en-US"/>
           </a:p>
@@ -387,7 +387,7 @@
           <a:p>
             <a:fld id="{6D966BD8-0FC1-456F-BDC6-7D0CA8E36566}" type="datetimeFigureOut">
               <a:rPr lang="zh-CN" altLang="en-US" smtClean="0"/>
-              <a:t>2019/9/19</a:t>
+              <a:t>2019/9/24</a:t>
             </a:fld>
             <a:endParaRPr lang="zh-CN" altLang="en-US"/>
           </a:p>
@@ -816,13 +816,8 @@
             </a:r>
             <a:r>
               <a:rPr lang="en-US" altLang="zh-CN" baseline="0" dirty="0" smtClean="0"/>
-              <a:t> for finding key nodes in layer </a:t>
-            </a:r>
-            <a:r>
-              <a:rPr lang="en-US" altLang="zh-CN" baseline="0" dirty="0" smtClean="0"/>
-              <a:t>B</a:t>
-            </a:r>
-            <a:endParaRPr lang="en-US" altLang="zh-CN" baseline="0" dirty="0" smtClean="0"/>
+              <a:t> for finding key nodes in layer B</a:t>
+            </a:r>
           </a:p>
           <a:p>
             <a:endParaRPr lang="en-US" altLang="zh-CN" baseline="0" dirty="0" smtClean="0"/>
@@ -925,19 +920,7 @@
           <a:p>
             <a:r>
               <a:rPr lang="en-US" altLang="zh-CN" baseline="0" dirty="0" smtClean="0"/>
-              <a:t>When </a:t>
-            </a:r>
-            <a:r>
-              <a:rPr lang="en-US" altLang="zh-CN" baseline="0" dirty="0" smtClean="0"/>
-              <a:t>the number of total edges is </a:t>
-            </a:r>
-            <a:r>
-              <a:rPr lang="en-US" altLang="zh-CN" baseline="0" dirty="0" smtClean="0"/>
-              <a:t>6,135, </a:t>
-            </a:r>
-            <a:r>
-              <a:rPr lang="en-US" altLang="zh-CN" baseline="0" dirty="0" smtClean="0"/>
-              <a:t>the efficient method is ranked as </a:t>
+              <a:t>When the number of total edges is 6,135, the efficient method is ranked as </a:t>
             </a:r>
             <a:r>
               <a:rPr lang="en-US" altLang="zh-CN" baseline="0" dirty="0" err="1" smtClean="0"/>
@@ -947,7 +930,6 @@
               <a:rPr lang="en-US" altLang="zh-CN" baseline="0" dirty="0" smtClean="0"/>
               <a:t>, degree, eigenvector, random. </a:t>
             </a:r>
-            <a:endParaRPr lang="en-US" altLang="zh-CN" baseline="0" dirty="0" smtClean="0"/>
           </a:p>
           <a:p>
             <a:endParaRPr lang="en-US" altLang="zh-CN" baseline="0" dirty="0" smtClean="0"/>
@@ -957,7 +939,6 @@
               <a:rPr lang="en-US" altLang="zh-CN" baseline="0" dirty="0" smtClean="0"/>
               <a:t>This chart is more curved than previous one. </a:t>
             </a:r>
-            <a:endParaRPr lang="en-US" altLang="zh-CN" baseline="0" dirty="0" smtClean="0"/>
           </a:p>
         </p:txBody>
       </p:sp>
@@ -1043,19 +1024,7 @@
           <a:p>
             <a:r>
               <a:rPr lang="en-US" altLang="zh-CN" baseline="0" dirty="0" smtClean="0"/>
-              <a:t>When </a:t>
-            </a:r>
-            <a:r>
-              <a:rPr lang="en-US" altLang="zh-CN" baseline="0" dirty="0" smtClean="0"/>
-              <a:t>the number of total edges is </a:t>
-            </a:r>
-            <a:r>
-              <a:rPr lang="en-US" altLang="zh-CN" baseline="0" dirty="0" smtClean="0"/>
-              <a:t>8,176, </a:t>
-            </a:r>
-            <a:r>
-              <a:rPr lang="en-US" altLang="zh-CN" baseline="0" dirty="0" smtClean="0"/>
-              <a:t>the efficient method is ranked as </a:t>
+              <a:t>When the number of total edges is 8,176, the efficient method is ranked as </a:t>
             </a:r>
             <a:r>
               <a:rPr lang="en-US" altLang="zh-CN" baseline="0" dirty="0" err="1" smtClean="0"/>
@@ -1065,7 +1034,6 @@
               <a:rPr lang="en-US" altLang="zh-CN" baseline="0" dirty="0" smtClean="0"/>
               <a:t>, degree, eigenvector, random. </a:t>
             </a:r>
-            <a:endParaRPr lang="en-US" altLang="zh-CN" baseline="0" dirty="0" smtClean="0"/>
           </a:p>
           <a:p>
             <a:endParaRPr lang="en-US" altLang="zh-CN" baseline="0" dirty="0" smtClean="0"/>
@@ -2615,8 +2583,10 @@
                 <a:ea typeface="+mn-ea"/>
                 <a:cs typeface="+mn-cs"/>
               </a:rPr>
-              <a:t>As initial condition for finding key </a:t>
-            </a:r>
+              <a:t>As initial condition for finding key nodes, each layer is made of BA network with 2048 nodes and 1 external edge. </a:t>
+            </a:r>
+          </a:p>
+          <a:p>
             <a:r>
               <a:rPr lang="en-US" altLang="zh-CN" sz="1200" kern="1200" dirty="0" smtClean="0">
                 <a:solidFill>
@@ -2627,10 +2597,10 @@
                 <a:ea typeface="+mn-ea"/>
                 <a:cs typeface="+mn-cs"/>
               </a:rPr>
-              <a:t>nodes, </a:t>
-            </a:r>
-            <a:r>
-              <a:rPr lang="en-US" altLang="zh-CN" sz="1200" kern="1200" dirty="0" smtClean="0">
+              <a:t>For</a:t>
+            </a:r>
+            <a:r>
+              <a:rPr lang="en-US" altLang="zh-CN" sz="1200" kern="1200" baseline="0" dirty="0" smtClean="0">
                 <a:solidFill>
                   <a:schemeClr val="tx1"/>
                 </a:solidFill>
@@ -2639,19 +2609,8 @@
                 <a:ea typeface="+mn-ea"/>
                 <a:cs typeface="+mn-cs"/>
               </a:rPr>
-              <a:t>each layer is made of BA network with 2048 nodes and 1 external edge. </a:t>
-            </a:r>
-            <a:endParaRPr lang="en-US" altLang="zh-CN" sz="1200" kern="1200" dirty="0" smtClean="0">
-              <a:solidFill>
-                <a:schemeClr val="tx1"/>
-              </a:solidFill>
-              <a:effectLst/>
-              <a:latin typeface="+mn-lt"/>
-              <a:ea typeface="+mn-ea"/>
-              <a:cs typeface="+mn-cs"/>
-            </a:endParaRPr>
-          </a:p>
-          <a:p>
+              <a:t> finding key nodes on layer A, p</a:t>
+            </a:r>
             <a:r>
               <a:rPr lang="en-US" altLang="zh-CN" sz="1200" kern="1200" dirty="0" smtClean="0">
                 <a:solidFill>
@@ -2662,53 +2621,8 @@
                 <a:ea typeface="+mn-ea"/>
                 <a:cs typeface="+mn-cs"/>
               </a:rPr>
-              <a:t>For</a:t>
-            </a:r>
-            <a:r>
-              <a:rPr lang="en-US" altLang="zh-CN" sz="1200" kern="1200" baseline="0" dirty="0" smtClean="0">
-                <a:solidFill>
-                  <a:schemeClr val="tx1"/>
-                </a:solidFill>
-                <a:effectLst/>
-                <a:latin typeface="+mn-lt"/>
-                <a:ea typeface="+mn-ea"/>
-                <a:cs typeface="+mn-cs"/>
-              </a:rPr>
-              <a:t> finding key nodes on layer A, p</a:t>
-            </a:r>
-            <a:r>
-              <a:rPr lang="en-US" altLang="zh-CN" sz="1200" kern="1200" dirty="0" smtClean="0">
-                <a:solidFill>
-                  <a:schemeClr val="tx1"/>
-                </a:solidFill>
-                <a:effectLst/>
-                <a:latin typeface="+mn-lt"/>
-                <a:ea typeface="+mn-ea"/>
-                <a:cs typeface="+mn-cs"/>
-              </a:rPr>
-              <a:t>arameter </a:t>
-            </a:r>
-            <a:r>
-              <a:rPr lang="en-US" altLang="zh-CN" sz="1200" kern="1200" dirty="0" smtClean="0">
-                <a:solidFill>
-                  <a:schemeClr val="tx1"/>
-                </a:solidFill>
-                <a:effectLst/>
-                <a:latin typeface="+mn-lt"/>
-                <a:ea typeface="+mn-ea"/>
-                <a:cs typeface="+mn-cs"/>
-              </a:rPr>
-              <a:t>values are like p=0.2, v=0.4. </a:t>
-            </a:r>
-            <a:endParaRPr lang="en-US" altLang="zh-CN" sz="1200" kern="1200" dirty="0" smtClean="0">
-              <a:solidFill>
-                <a:schemeClr val="tx1"/>
-              </a:solidFill>
-              <a:effectLst/>
-              <a:latin typeface="+mn-lt"/>
-              <a:ea typeface="+mn-ea"/>
-              <a:cs typeface="+mn-cs"/>
-            </a:endParaRPr>
+              <a:t>arameter values are like p=0.2, v=0.4. </a:t>
+            </a:r>
           </a:p>
           <a:p>
             <a:r>
@@ -9731,21 +9645,7 @@
                 <a:latin typeface="Arial" panose="020B0604020202020204" pitchFamily="34" charset="0"/>
                 <a:cs typeface="Arial" panose="020B0604020202020204" pitchFamily="34" charset="0"/>
               </a:rPr>
-              <a:t> </a:t>
-            </a:r>
-            <a:r>
-              <a:rPr lang="en-US" altLang="zh-CN" sz="1400" b="1" dirty="0" smtClean="0">
-                <a:latin typeface="Arial" panose="020B0604020202020204" pitchFamily="34" charset="0"/>
-                <a:cs typeface="Arial" panose="020B0604020202020204" pitchFamily="34" charset="0"/>
-              </a:rPr>
-              <a:t>= </a:t>
-            </a:r>
-            <a:r>
-              <a:rPr lang="en-US" altLang="zh-CN" sz="1400" b="1" dirty="0" smtClean="0">
-                <a:latin typeface="Arial" panose="020B0604020202020204" pitchFamily="34" charset="0"/>
-                <a:cs typeface="Arial" panose="020B0604020202020204" pitchFamily="34" charset="0"/>
-              </a:rPr>
-              <a:t>degree &gt; eigenvector &gt; random</a:t>
+              <a:t> = degree &gt; eigenvector &gt; random</a:t>
             </a:r>
             <a:endParaRPr lang="zh-CN" altLang="en-US" sz="1400" b="1" dirty="0">
               <a:latin typeface="Arial" panose="020B0604020202020204" pitchFamily="34" charset="0"/>
@@ -9764,6 +9664,13 @@
   <p:clrMapOvr>
     <a:masterClrMapping/>
   </p:clrMapOvr>
+  <p:timing>
+    <p:tnLst>
+      <p:par>
+        <p:cTn id="1" dur="indefinite" restart="never" nodeType="tmRoot"/>
+      </p:par>
+    </p:tnLst>
+  </p:timing>
 </p:sld>
 </file>
 
@@ -9935,6 +9842,13 @@
   <p:clrMapOvr>
     <a:masterClrMapping/>
   </p:clrMapOvr>
+  <p:timing>
+    <p:tnLst>
+      <p:par>
+        <p:cTn id="1" dur="indefinite" restart="never" nodeType="tmRoot"/>
+      </p:par>
+    </p:tnLst>
+  </p:timing>
 </p:sld>
 </file>
 
@@ -9955,6 +9869,35 @@
           <a:chExt cx="0" cy="0"/>
         </a:xfrm>
       </p:grpSpPr>
+      <p:pic>
+        <p:nvPicPr>
+          <p:cNvPr id="2" name="그림 1"/>
+          <p:cNvPicPr>
+            <a:picLocks noChangeAspect="1"/>
+          </p:cNvPicPr>
+          <p:nvPr/>
+        </p:nvPicPr>
+        <p:blipFill rotWithShape="1">
+          <a:blip r:embed="rId3">
+            <a:extLst>
+              <a:ext uri="{28A0092B-C50C-407E-A947-70E740481C1C}">
+                <a14:useLocalDpi xmlns:a14="http://schemas.microsoft.com/office/drawing/2010/main" val="0"/>
+              </a:ext>
+            </a:extLst>
+          </a:blip>
+          <a:srcRect l="8181" t="10495" r="8637" b="5080"/>
+          <a:stretch/>
+        </p:blipFill>
+        <p:spPr>
+          <a:xfrm>
+            <a:off x="353289" y="1705420"/>
+            <a:ext cx="8291947" cy="4769003"/>
+          </a:xfrm>
+          <a:prstGeom prst="rect">
+            <a:avLst/>
+          </a:prstGeom>
+        </p:spPr>
+      </p:pic>
       <p:sp>
         <p:nvSpPr>
           <p:cNvPr id="10" name="제목 2"/>
@@ -10077,6 +10020,13 @@
   <p:clrMapOvr>
     <a:masterClrMapping/>
   </p:clrMapOvr>
+  <p:timing>
+    <p:tnLst>
+      <p:par>
+        <p:cTn id="1" dur="indefinite" restart="never" nodeType="tmRoot"/>
+      </p:par>
+    </p:tnLst>
+  </p:timing>
 </p:sld>
 </file>
 
@@ -16545,6 +16495,13 @@
   <p:clrMapOvr>
     <a:masterClrMapping/>
   </p:clrMapOvr>
+  <p:timing>
+    <p:tnLst>
+      <p:par>
+        <p:cTn id="1" dur="indefinite" restart="never" nodeType="tmRoot"/>
+      </p:par>
+    </p:tnLst>
+  </p:timing>
 </p:sld>
 </file>
 
@@ -16716,6 +16673,13 @@
   <p:clrMapOvr>
     <a:masterClrMapping/>
   </p:clrMapOvr>
+  <p:timing>
+    <p:tnLst>
+      <p:par>
+        <p:cTn id="1" dur="indefinite" restart="never" nodeType="tmRoot"/>
+      </p:par>
+    </p:tnLst>
+  </p:timing>
 </p:sld>
 </file>
 

--- a/progress12.pptx
+++ b/progress12.pptx
@@ -222,7 +222,7 @@
           <a:p>
             <a:fld id="{202C1FBA-CF23-45CA-A289-03E32D160964}" type="datetimeFigureOut">
               <a:rPr lang="zh-CN" altLang="en-US" smtClean="0"/>
-              <a:t>2019/9/24</a:t>
+              <a:t>2019/9/25</a:t>
             </a:fld>
             <a:endParaRPr lang="zh-CN" altLang="en-US"/>
           </a:p>
@@ -387,7 +387,7 @@
           <a:p>
             <a:fld id="{6D966BD8-0FC1-456F-BDC6-7D0CA8E36566}" type="datetimeFigureOut">
               <a:rPr lang="zh-CN" altLang="en-US" smtClean="0"/>
-              <a:t>2019/9/24</a:t>
+              <a:t>2019/9/25</a:t>
             </a:fld>
             <a:endParaRPr lang="zh-CN" altLang="en-US"/>
           </a:p>

--- a/progress12.pptx
+++ b/progress12.pptx
@@ -222,7 +222,7 @@
           <a:p>
             <a:fld id="{202C1FBA-CF23-45CA-A289-03E32D160964}" type="datetimeFigureOut">
               <a:rPr lang="zh-CN" altLang="en-US" smtClean="0"/>
-              <a:t>2019/9/25</a:t>
+              <a:t>2019/10/9</a:t>
             </a:fld>
             <a:endParaRPr lang="zh-CN" altLang="en-US"/>
           </a:p>
@@ -387,7 +387,7 @@
           <a:p>
             <a:fld id="{6D966BD8-0FC1-456F-BDC6-7D0CA8E36566}" type="datetimeFigureOut">
               <a:rPr lang="zh-CN" altLang="en-US" smtClean="0"/>
-              <a:t>2019/9/25</a:t>
+              <a:t>2019/10/9</a:t>
             </a:fld>
             <a:endParaRPr lang="zh-CN" altLang="en-US"/>
           </a:p>
@@ -11786,7 +11786,7 @@
         <p:spPr>
           <a:xfrm>
             <a:off x="-3567" y="1610421"/>
-            <a:ext cx="10265167" cy="10710624"/>
+            <a:ext cx="10265167" cy="5237331"/>
           </a:xfrm>
           <a:prstGeom prst="rect">
             <a:avLst/>
@@ -11800,7 +11800,7 @@
           <a:p>
             <a:pPr marL="228600" lvl="0" indent="-228600">
               <a:spcBef>
-                <a:spcPts val="600"/>
+                <a:spcPts val="200"/>
               </a:spcBef>
               <a:buClr>
                 <a:srgbClr val="004098"/>
@@ -11833,7 +11833,7 @@
           <a:p>
             <a:pPr lvl="0">
               <a:spcBef>
-                <a:spcPts val="600"/>
+                <a:spcPts val="200"/>
               </a:spcBef>
               <a:buClr>
                 <a:srgbClr val="004098"/>
@@ -11854,7 +11854,7 @@
           <a:p>
             <a:pPr lvl="0">
               <a:spcBef>
-                <a:spcPts val="600"/>
+                <a:spcPts val="200"/>
               </a:spcBef>
               <a:buClr>
                 <a:srgbClr val="004098"/>
@@ -11885,7 +11885,7 @@
           <a:p>
             <a:pPr lvl="0">
               <a:spcBef>
-                <a:spcPts val="600"/>
+                <a:spcPts val="200"/>
               </a:spcBef>
               <a:buClr>
                 <a:srgbClr val="004098"/>
@@ -11936,7 +11936,7 @@
           <a:p>
             <a:pPr lvl="0">
               <a:spcBef>
-                <a:spcPts val="600"/>
+                <a:spcPts val="200"/>
               </a:spcBef>
               <a:buClr>
                 <a:srgbClr val="004098"/>
@@ -11954,7 +11954,7 @@
           <a:p>
             <a:pPr marL="228600" lvl="0" indent="-228600">
               <a:spcBef>
-                <a:spcPts val="600"/>
+                <a:spcPts val="200"/>
               </a:spcBef>
               <a:buClr>
                 <a:srgbClr val="004098"/>
@@ -11977,7 +11977,7 @@
           <a:p>
             <a:pPr lvl="0">
               <a:spcBef>
-                <a:spcPts val="600"/>
+                <a:spcPts val="200"/>
               </a:spcBef>
               <a:buClr>
                 <a:srgbClr val="004098"/>
@@ -12008,7 +12008,7 @@
           <a:p>
             <a:pPr lvl="0">
               <a:spcBef>
-                <a:spcPts val="600"/>
+                <a:spcPts val="200"/>
               </a:spcBef>
               <a:buClr>
                 <a:srgbClr val="004098"/>
@@ -12039,7 +12039,7 @@
           <a:p>
             <a:pPr lvl="0">
               <a:spcBef>
-                <a:spcPts val="600"/>
+                <a:spcPts val="200"/>
               </a:spcBef>
               <a:buClr>
                 <a:srgbClr val="004098"/>
@@ -12067,7 +12067,7 @@
           <a:p>
             <a:pPr marL="228600" lvl="0" indent="-228600">
               <a:spcBef>
-                <a:spcPts val="600"/>
+                <a:spcPts val="200"/>
               </a:spcBef>
               <a:buClr>
                 <a:srgbClr val="004098"/>
@@ -12087,7 +12087,7 @@
           <a:p>
             <a:pPr marL="228600" lvl="0" indent="-228600">
               <a:spcBef>
-                <a:spcPts val="600"/>
+                <a:spcPts val="200"/>
               </a:spcBef>
               <a:buClr>
                 <a:srgbClr val="004098"/>
@@ -12110,7 +12110,7 @@
           <a:p>
             <a:pPr lvl="0">
               <a:spcBef>
-                <a:spcPts val="600"/>
+                <a:spcPts val="200"/>
               </a:spcBef>
               <a:buClr>
                 <a:srgbClr val="004098"/>
@@ -12141,7 +12141,7 @@
           <a:p>
             <a:pPr lvl="0">
               <a:spcBef>
-                <a:spcPts val="600"/>
+                <a:spcPts val="200"/>
               </a:spcBef>
               <a:buClr>
                 <a:srgbClr val="004098"/>
@@ -12169,7 +12169,7 @@
           <a:p>
             <a:pPr marL="228600" lvl="0" indent="-228600">
               <a:spcBef>
-                <a:spcPts val="600"/>
+                <a:spcPts val="200"/>
               </a:spcBef>
               <a:buClr>
                 <a:srgbClr val="004098"/>
@@ -12189,7 +12189,7 @@
           <a:p>
             <a:pPr marL="228600" lvl="0" indent="-228600">
               <a:spcBef>
-                <a:spcPts val="600"/>
+                <a:spcPts val="200"/>
               </a:spcBef>
               <a:buClr>
                 <a:srgbClr val="004098"/>
@@ -12206,235 +12206,103 @@
                 <a:latin typeface="Arial" panose="020B0604020202020204" pitchFamily="34" charset="0"/>
                 <a:cs typeface="Arial" panose="020B0604020202020204" pitchFamily="34" charset="0"/>
               </a:rPr>
-              <a:t>Finding key nodes on two-layer networks</a:t>
-            </a:r>
-          </a:p>
-          <a:p>
-            <a:pPr marL="228600" lvl="0" indent="-228600">
-              <a:spcBef>
-                <a:spcPts val="600"/>
-              </a:spcBef>
-              <a:buClr>
-                <a:srgbClr val="004098"/>
-              </a:buClr>
-              <a:buSzPct val="100000"/>
-              <a:buFont typeface="Calibri" panose="020F0502020204030204" pitchFamily="34" charset="0"/>
-              <a:buChar char="▪"/>
-            </a:pPr>
-            <a:endParaRPr lang="en-US" altLang="zh-CN" b="1" dirty="0" smtClean="0">
-              <a:solidFill>
-                <a:srgbClr val="000000"/>
-              </a:solidFill>
-              <a:latin typeface="Arial" panose="020B0604020202020204" pitchFamily="34" charset="0"/>
-              <a:cs typeface="Arial" panose="020B0604020202020204" pitchFamily="34" charset="0"/>
-            </a:endParaRPr>
+              <a:t>Finding key nodes on two-layer </a:t>
+            </a:r>
+            <a:r>
+              <a:rPr lang="en-US" altLang="zh-CN" b="1" dirty="0" smtClean="0">
+                <a:solidFill>
+                  <a:schemeClr val="accent1"/>
+                </a:solidFill>
+                <a:latin typeface="Arial" panose="020B0604020202020204" pitchFamily="34" charset="0"/>
+                <a:cs typeface="Arial" panose="020B0604020202020204" pitchFamily="34" charset="0"/>
+              </a:rPr>
+              <a:t>networks</a:t>
+            </a:r>
           </a:p>
           <a:p>
             <a:pPr lvl="0">
               <a:spcBef>
-                <a:spcPts val="600"/>
+                <a:spcPts val="200"/>
               </a:spcBef>
               <a:buClr>
                 <a:srgbClr val="004098"/>
               </a:buClr>
               <a:buSzPct val="100000"/>
             </a:pPr>
-            <a:endParaRPr lang="en-US" altLang="zh-CN" dirty="0">
-              <a:solidFill>
-                <a:srgbClr val="000000"/>
-              </a:solidFill>
-              <a:latin typeface="Arial" panose="020B0604020202020204" pitchFamily="34" charset="0"/>
-              <a:cs typeface="Arial" panose="020B0604020202020204" pitchFamily="34" charset="0"/>
-            </a:endParaRPr>
+            <a:r>
+              <a:rPr lang="en-US" altLang="zh-CN" dirty="0">
+                <a:solidFill>
+                  <a:srgbClr val="000000"/>
+                </a:solidFill>
+                <a:latin typeface="Arial" panose="020B0604020202020204" pitchFamily="34" charset="0"/>
+                <a:cs typeface="Arial" panose="020B0604020202020204" pitchFamily="34" charset="0"/>
+              </a:rPr>
+              <a:t> </a:t>
+            </a:r>
+            <a:r>
+              <a:rPr lang="en-US" altLang="zh-CN" dirty="0" smtClean="0">
+                <a:solidFill>
+                  <a:srgbClr val="000000"/>
+                </a:solidFill>
+                <a:latin typeface="Arial" panose="020B0604020202020204" pitchFamily="34" charset="0"/>
+                <a:cs typeface="Arial" panose="020B0604020202020204" pitchFamily="34" charset="0"/>
+              </a:rPr>
+              <a:t>   - Key nodes on layer A </a:t>
+            </a:r>
           </a:p>
           <a:p>
             <a:pPr lvl="0">
               <a:spcBef>
-                <a:spcPts val="600"/>
+                <a:spcPts val="200"/>
               </a:spcBef>
               <a:buClr>
                 <a:srgbClr val="004098"/>
               </a:buClr>
               <a:buSzPct val="100000"/>
             </a:pPr>
-            <a:endParaRPr lang="en-US" altLang="zh-CN" dirty="0" smtClean="0">
-              <a:solidFill>
-                <a:srgbClr val="000000"/>
-              </a:solidFill>
-              <a:latin typeface="Arial" panose="020B0604020202020204" pitchFamily="34" charset="0"/>
-              <a:cs typeface="Arial" panose="020B0604020202020204" pitchFamily="34" charset="0"/>
-            </a:endParaRPr>
+            <a:r>
+              <a:rPr lang="en-US" altLang="zh-CN" dirty="0" smtClean="0">
+                <a:solidFill>
+                  <a:srgbClr val="000000"/>
+                </a:solidFill>
+                <a:latin typeface="Arial" panose="020B0604020202020204" pitchFamily="34" charset="0"/>
+                <a:cs typeface="Arial" panose="020B0604020202020204" pitchFamily="34" charset="0"/>
+              </a:rPr>
+              <a:t>    - Key nodes on layer B</a:t>
+            </a:r>
           </a:p>
           <a:p>
             <a:pPr lvl="0">
               <a:spcBef>
-                <a:spcPts val="600"/>
+                <a:spcPts val="200"/>
               </a:spcBef>
               <a:buClr>
                 <a:srgbClr val="004098"/>
               </a:buClr>
               <a:buSzPct val="100000"/>
             </a:pPr>
-            <a:endParaRPr lang="en-US" altLang="zh-CN" dirty="0" smtClean="0">
-              <a:solidFill>
-                <a:srgbClr val="000000"/>
-              </a:solidFill>
-              <a:latin typeface="Arial" panose="020B0604020202020204" pitchFamily="34" charset="0"/>
-              <a:cs typeface="Arial" panose="020B0604020202020204" pitchFamily="34" charset="0"/>
-            </a:endParaRPr>
-          </a:p>
-          <a:p>
-            <a:pPr lvl="0">
-              <a:spcBef>
-                <a:spcPts val="600"/>
-              </a:spcBef>
-              <a:buClr>
-                <a:srgbClr val="004098"/>
-              </a:buClr>
-              <a:buSzPct val="100000"/>
-            </a:pPr>
-            <a:endParaRPr lang="en-US" altLang="zh-CN" dirty="0">
-              <a:solidFill>
-                <a:srgbClr val="000000"/>
-              </a:solidFill>
-              <a:latin typeface="Arial" panose="020B0604020202020204" pitchFamily="34" charset="0"/>
-              <a:cs typeface="Arial" panose="020B0604020202020204" pitchFamily="34" charset="0"/>
-            </a:endParaRPr>
-          </a:p>
-          <a:p>
-            <a:pPr lvl="0">
-              <a:spcBef>
-                <a:spcPts val="600"/>
-              </a:spcBef>
-              <a:buClr>
-                <a:srgbClr val="004098"/>
-              </a:buClr>
-              <a:buSzPct val="100000"/>
-            </a:pPr>
-            <a:endParaRPr lang="en-US" altLang="zh-CN" dirty="0" smtClean="0">
-              <a:solidFill>
-                <a:srgbClr val="000000"/>
-              </a:solidFill>
-              <a:latin typeface="Arial" panose="020B0604020202020204" pitchFamily="34" charset="0"/>
-              <a:cs typeface="Arial" panose="020B0604020202020204" pitchFamily="34" charset="0"/>
-            </a:endParaRPr>
-          </a:p>
-          <a:p>
-            <a:pPr marL="228600" lvl="0" indent="-228600">
-              <a:spcBef>
-                <a:spcPts val="600"/>
-              </a:spcBef>
-              <a:buClr>
-                <a:srgbClr val="004098"/>
-              </a:buClr>
-              <a:buSzPct val="100000"/>
-              <a:buFont typeface="Calibri" panose="020F0502020204030204" pitchFamily="34" charset="0"/>
-              <a:buChar char="▪"/>
-            </a:pPr>
-            <a:endParaRPr lang="en-US" altLang="zh-CN" b="1" dirty="0" smtClean="0">
-              <a:solidFill>
-                <a:srgbClr val="000000"/>
-              </a:solidFill>
-              <a:latin typeface="Arial" panose="020B0604020202020204" pitchFamily="34" charset="0"/>
-              <a:cs typeface="Arial" panose="020B0604020202020204" pitchFamily="34" charset="0"/>
-            </a:endParaRPr>
-          </a:p>
-          <a:p>
-            <a:pPr marL="228600" lvl="0" indent="-228600">
-              <a:spcBef>
-                <a:spcPts val="600"/>
-              </a:spcBef>
-              <a:buClr>
-                <a:srgbClr val="004098"/>
-              </a:buClr>
-              <a:buSzPct val="100000"/>
-              <a:buFont typeface="Calibri" panose="020F0502020204030204" pitchFamily="34" charset="0"/>
-              <a:buChar char="▪"/>
-            </a:pPr>
-            <a:endParaRPr lang="en-US" altLang="zh-CN" b="1" dirty="0">
-              <a:solidFill>
-                <a:srgbClr val="000000"/>
-              </a:solidFill>
-              <a:latin typeface="Arial" panose="020B0604020202020204" pitchFamily="34" charset="0"/>
-              <a:cs typeface="Arial" panose="020B0604020202020204" pitchFamily="34" charset="0"/>
-            </a:endParaRPr>
-          </a:p>
-          <a:p>
-            <a:pPr marL="228600" lvl="0" indent="-228600">
-              <a:spcBef>
-                <a:spcPts val="600"/>
-              </a:spcBef>
-              <a:buClr>
-                <a:srgbClr val="004098"/>
-              </a:buClr>
-              <a:buSzPct val="100000"/>
-              <a:buFont typeface="Calibri" panose="020F0502020204030204" pitchFamily="34" charset="0"/>
-              <a:buChar char="▪"/>
-            </a:pPr>
-            <a:endParaRPr lang="en-US" altLang="zh-CN" b="1" dirty="0" smtClean="0">
-              <a:solidFill>
-                <a:srgbClr val="000000"/>
-              </a:solidFill>
-              <a:latin typeface="Arial" panose="020B0604020202020204" pitchFamily="34" charset="0"/>
-              <a:cs typeface="Arial" panose="020B0604020202020204" pitchFamily="34" charset="0"/>
-            </a:endParaRPr>
-          </a:p>
-          <a:p>
-            <a:pPr marL="228600" lvl="0" indent="-228600">
-              <a:spcBef>
-                <a:spcPts val="600"/>
-              </a:spcBef>
-              <a:buClr>
-                <a:srgbClr val="004098"/>
-              </a:buClr>
-              <a:buSzPct val="100000"/>
-              <a:buFont typeface="Calibri" panose="020F0502020204030204" pitchFamily="34" charset="0"/>
-              <a:buChar char="▪"/>
-            </a:pPr>
-            <a:r>
-              <a:rPr lang="en-US" altLang="zh-CN" b="1" dirty="0" smtClean="0">
+            <a:r>
+              <a:rPr lang="en-US" altLang="zh-CN" b="1" dirty="0">
                 <a:solidFill>
                   <a:srgbClr val="000000"/>
                 </a:solidFill>
                 <a:latin typeface="Arial" panose="020B0604020202020204" pitchFamily="34" charset="0"/>
                 <a:cs typeface="Arial" panose="020B0604020202020204" pitchFamily="34" charset="0"/>
               </a:rPr>
-              <a:t>Initial Condition for finding key node in each layer</a:t>
-            </a:r>
-          </a:p>
-          <a:p>
-            <a:pPr lvl="0">
-              <a:spcBef>
-                <a:spcPts val="600"/>
-              </a:spcBef>
-              <a:buClr>
-                <a:srgbClr val="004098"/>
-              </a:buClr>
-              <a:buSzPct val="100000"/>
-            </a:pPr>
-            <a:r>
-              <a:rPr lang="en-US" altLang="zh-CN" dirty="0" smtClean="0">
+              <a:t> </a:t>
+            </a:r>
+            <a:r>
+              <a:rPr lang="en-US" altLang="zh-CN" b="1" dirty="0" smtClean="0">
                 <a:solidFill>
                   <a:srgbClr val="000000"/>
                 </a:solidFill>
                 <a:latin typeface="Arial" panose="020B0604020202020204" pitchFamily="34" charset="0"/>
                 <a:cs typeface="Arial" panose="020B0604020202020204" pitchFamily="34" charset="0"/>
               </a:rPr>
-              <a:t>    - Two layers are made of BA networks with 2048 nodes and 1 external edge.  </a:t>
-            </a:r>
-          </a:p>
-          <a:p>
-            <a:pPr lvl="0">
-              <a:spcBef>
-                <a:spcPts val="600"/>
-              </a:spcBef>
-              <a:buClr>
-                <a:srgbClr val="004098"/>
-              </a:buClr>
-              <a:buSzPct val="100000"/>
-            </a:pPr>
-            <a:r>
-              <a:rPr lang="en-US" altLang="zh-CN" dirty="0">
+              <a:t>  </a:t>
+            </a:r>
+            <a:r>
+              <a:rPr lang="en-US" altLang="zh-CN" dirty="0" smtClean="0">
                 <a:solidFill>
                   <a:srgbClr val="000000"/>
                 </a:solidFill>
@@ -12444,127 +12312,46 @@
               <a:t> </a:t>
             </a:r>
             <a:r>
-              <a:rPr lang="en-US" altLang="zh-CN" dirty="0" smtClean="0">
+              <a:rPr lang="en-US" altLang="zh-CN" dirty="0">
                 <a:solidFill>
                   <a:srgbClr val="000000"/>
                 </a:solidFill>
                 <a:latin typeface="Arial" panose="020B0604020202020204" pitchFamily="34" charset="0"/>
                 <a:cs typeface="Arial" panose="020B0604020202020204" pitchFamily="34" charset="0"/>
               </a:rPr>
-              <a:t>   - Parameters : </a:t>
-            </a:r>
-          </a:p>
-          <a:p>
-            <a:pPr lvl="0">
-              <a:spcBef>
-                <a:spcPts val="600"/>
-              </a:spcBef>
-              <a:buClr>
-                <a:srgbClr val="004098"/>
-              </a:buClr>
-              <a:buSzPct val="100000"/>
-            </a:pPr>
-            <a:r>
-              <a:rPr lang="en-US" altLang="zh-CN" dirty="0">
+              <a:t>- Key nodes </a:t>
+            </a:r>
+            <a:r>
+              <a:rPr lang="en-US" altLang="zh-CN" dirty="0" smtClean="0">
                 <a:solidFill>
                   <a:srgbClr val="000000"/>
                 </a:solidFill>
                 <a:latin typeface="Arial" panose="020B0604020202020204" pitchFamily="34" charset="0"/>
                 <a:cs typeface="Arial" panose="020B0604020202020204" pitchFamily="34" charset="0"/>
               </a:rPr>
-              <a:t> </a:t>
-            </a:r>
-            <a:r>
-              <a:rPr lang="en-US" altLang="zh-CN" dirty="0" smtClean="0">
+              <a:t>on different structural network(</a:t>
+            </a:r>
+            <a:r>
+              <a:rPr lang="en-US" altLang="zh-CN" dirty="0" err="1" smtClean="0">
                 <a:solidFill>
                   <a:srgbClr val="000000"/>
                 </a:solidFill>
                 <a:latin typeface="Arial" panose="020B0604020202020204" pitchFamily="34" charset="0"/>
                 <a:cs typeface="Arial" panose="020B0604020202020204" pitchFamily="34" charset="0"/>
               </a:rPr>
-              <a:t>     Layer A : p = 0.3(0.2), v = 0.3(0.4)(negative consensus)</a:t>
-            </a:r>
-          </a:p>
-          <a:p>
-            <a:pPr lvl="0">
-              <a:spcBef>
-                <a:spcPts val="600"/>
-              </a:spcBef>
-              <a:buClr>
-                <a:srgbClr val="004098"/>
-              </a:buClr>
-              <a:buSzPct val="100000"/>
-            </a:pPr>
-            <a:r>
-              <a:rPr lang="en-US" altLang="zh-CN" dirty="0">
+              <a:t>hierachical</a:t>
+            </a:r>
+            <a:r>
+              <a:rPr lang="en-US" altLang="zh-CN" dirty="0" smtClean="0">
                 <a:solidFill>
                   <a:srgbClr val="000000"/>
                 </a:solidFill>
                 <a:latin typeface="Arial" panose="020B0604020202020204" pitchFamily="34" charset="0"/>
                 <a:cs typeface="Arial" panose="020B0604020202020204" pitchFamily="34" charset="0"/>
               </a:rPr>
-              <a:t> </a:t>
-            </a:r>
-            <a:r>
-              <a:rPr lang="en-US" altLang="zh-CN" dirty="0" smtClean="0">
-                <a:solidFill>
-                  <a:srgbClr val="000000"/>
-                </a:solidFill>
-                <a:latin typeface="Arial" panose="020B0604020202020204" pitchFamily="34" charset="0"/>
-                <a:cs typeface="Arial" panose="020B0604020202020204" pitchFamily="34" charset="0"/>
-              </a:rPr>
-              <a:t>     Layer B : p = 0.5, v = 0.5(positive consensus)</a:t>
-            </a:r>
-          </a:p>
-          <a:p>
-            <a:pPr lvl="0">
-              <a:spcBef>
-                <a:spcPts val="600"/>
-              </a:spcBef>
-              <a:buClr>
-                <a:srgbClr val="004098"/>
-              </a:buClr>
-              <a:buSzPct val="100000"/>
-            </a:pPr>
-            <a:endParaRPr lang="en-US" altLang="zh-CN" dirty="0" smtClean="0">
-              <a:solidFill>
-                <a:srgbClr val="000000"/>
-              </a:solidFill>
-              <a:latin typeface="Arial" panose="020B0604020202020204" pitchFamily="34" charset="0"/>
-              <a:cs typeface="Arial" panose="020B0604020202020204" pitchFamily="34" charset="0"/>
-            </a:endParaRPr>
-          </a:p>
-          <a:p>
-            <a:pPr lvl="0">
-              <a:spcBef>
-                <a:spcPts val="600"/>
-              </a:spcBef>
-              <a:buClr>
-                <a:srgbClr val="004098"/>
-              </a:buClr>
-              <a:buSzPct val="100000"/>
-            </a:pPr>
-            <a:r>
-              <a:rPr lang="en-US" altLang="zh-CN" dirty="0">
-                <a:solidFill>
-                  <a:srgbClr val="000000"/>
-                </a:solidFill>
-                <a:latin typeface="Arial" panose="020B0604020202020204" pitchFamily="34" charset="0"/>
-                <a:cs typeface="Arial" panose="020B0604020202020204" pitchFamily="34" charset="0"/>
-              </a:rPr>
-              <a:t> </a:t>
-            </a:r>
-            <a:r>
-              <a:rPr lang="en-US" altLang="zh-CN" dirty="0" smtClean="0">
-                <a:solidFill>
-                  <a:srgbClr val="000000"/>
-                </a:solidFill>
-                <a:latin typeface="Arial" panose="020B0604020202020204" pitchFamily="34" charset="0"/>
-                <a:cs typeface="Arial" panose="020B0604020202020204" pitchFamily="34" charset="0"/>
-              </a:rPr>
-              <a:t>   </a:t>
-            </a:r>
-            <a:endParaRPr lang="en-US" altLang="zh-CN" dirty="0" smtClean="0">
+              <a:t> model)</a:t>
+            </a:r>
+            <a:endParaRPr lang="en-US" altLang="zh-CN" b="1" dirty="0" smtClean="0">
               <a:solidFill>
                 <a:schemeClr val="accent1"/>
               </a:solidFill>
@@ -15008,7 +14795,7 @@
         <p:spPr>
           <a:xfrm>
             <a:off x="-3567" y="1631203"/>
-            <a:ext cx="10265167" cy="4970591"/>
+            <a:ext cx="10265167" cy="4616648"/>
           </a:xfrm>
           <a:prstGeom prst="rect">
             <a:avLst/>
@@ -15329,7 +15116,17 @@
                 <a:latin typeface="Arial" panose="020B0604020202020204" pitchFamily="34" charset="0"/>
                 <a:cs typeface="Arial" panose="020B0604020202020204" pitchFamily="34" charset="0"/>
               </a:rPr>
-              <a:t>Orders between edges of each node in layer A</a:t>
+              <a:t>Orders between edges of each node in layer </a:t>
+            </a:r>
+            <a:r>
+              <a:rPr lang="en-US" altLang="zh-CN" b="1" dirty="0" smtClean="0">
+                <a:solidFill>
+                  <a:srgbClr val="000000"/>
+                </a:solidFill>
+                <a:latin typeface="Arial" panose="020B0604020202020204" pitchFamily="34" charset="0"/>
+                <a:cs typeface="Arial" panose="020B0604020202020204" pitchFamily="34" charset="0"/>
+              </a:rPr>
+              <a:t>A</a:t>
             </a:r>
           </a:p>
           <a:p>
@@ -15350,17 +15147,17 @@
                 <a:latin typeface="Arial" panose="020B0604020202020204" pitchFamily="34" charset="0"/>
                 <a:cs typeface="Arial" panose="020B0604020202020204" pitchFamily="34" charset="0"/>
               </a:rPr>
-              <a:t>    </a:t>
-            </a:r>
-            <a:r>
-              <a:rPr lang="en-US" altLang="zh-CN" dirty="0">
-                <a:solidFill>
-                  <a:srgbClr val="000000"/>
+              <a:t>   - Orders of edges can be analyzed as </a:t>
+            </a:r>
+            <a:r>
+              <a:rPr lang="en-US" altLang="zh-CN" dirty="0" smtClean="0">
+                <a:solidFill>
+                  <a:schemeClr val="accent1"/>
                 </a:solidFill>
                 <a:latin typeface="Arial" panose="020B0604020202020204" pitchFamily="34" charset="0"/>
                 <a:cs typeface="Arial" panose="020B0604020202020204" pitchFamily="34" charset="0"/>
               </a:rPr>
-              <a:t>- As future work, the key nodes and edges are investigated</a:t>
+              <a:t>characteristics of nodes. </a:t>
             </a:r>
           </a:p>
           <a:p>
@@ -15374,65 +15171,24 @@
               <a:buSzPct val="100000"/>
             </a:pPr>
             <a:r>
-              <a:rPr lang="en-US" altLang="zh-CN" dirty="0">
-                <a:solidFill>
-                  <a:srgbClr val="000000"/>
+              <a:rPr lang="en-US" altLang="zh-CN" dirty="0" smtClean="0">
+                <a:solidFill>
+                  <a:schemeClr val="accent1"/>
                 </a:solidFill>
                 <a:latin typeface="Arial" panose="020B0604020202020204" pitchFamily="34" charset="0"/>
                 <a:cs typeface="Arial" panose="020B0604020202020204" pitchFamily="34" charset="0"/>
               </a:rPr>
-              <a:t>    - </a:t>
+              <a:t>      </a:t>
             </a:r>
             <a:r>
               <a:rPr lang="en-US" altLang="zh-CN" dirty="0" smtClean="0">
                 <a:solidFill>
-                  <a:srgbClr val="000000"/>
+                  <a:schemeClr val="accent1"/>
                 </a:solidFill>
                 <a:latin typeface="Arial" panose="020B0604020202020204" pitchFamily="34" charset="0"/>
                 <a:cs typeface="Arial" panose="020B0604020202020204" pitchFamily="34" charset="0"/>
               </a:rPr>
-              <a:t>Orders of edges can be analyzed as </a:t>
-            </a:r>
-            <a:r>
-              <a:rPr lang="en-US" altLang="zh-CN" dirty="0" smtClean="0">
-                <a:solidFill>
-                  <a:schemeClr val="accent1"/>
-                </a:solidFill>
-                <a:latin typeface="Arial" panose="020B0604020202020204" pitchFamily="34" charset="0"/>
-                <a:cs typeface="Arial" panose="020B0604020202020204" pitchFamily="34" charset="0"/>
-              </a:rPr>
-              <a:t>characteristics of nodes. </a:t>
-            </a:r>
-          </a:p>
-          <a:p>
-            <a:pPr lvl="0">
-              <a:spcBef>
-                <a:spcPts val="600"/>
-              </a:spcBef>
-              <a:buClr>
-                <a:srgbClr val="004098"/>
-              </a:buClr>
-              <a:buSzPct val="100000"/>
-            </a:pPr>
-            <a:r>
-              <a:rPr lang="en-US" altLang="zh-CN" dirty="0">
-                <a:solidFill>
-                  <a:schemeClr val="accent1"/>
-                </a:solidFill>
-                <a:latin typeface="Arial" panose="020B0604020202020204" pitchFamily="34" charset="0"/>
-                <a:cs typeface="Arial" panose="020B0604020202020204" pitchFamily="34" charset="0"/>
-              </a:rPr>
-              <a:t> </a:t>
-            </a:r>
-            <a:r>
-              <a:rPr lang="en-US" altLang="zh-CN" dirty="0" smtClean="0">
-                <a:solidFill>
-                  <a:schemeClr val="accent1"/>
-                </a:solidFill>
-                <a:latin typeface="Arial" panose="020B0604020202020204" pitchFamily="34" charset="0"/>
-                <a:cs typeface="Arial" panose="020B0604020202020204" pitchFamily="34" charset="0"/>
-              </a:rPr>
-              <a:t>     Sequential :  rash nodes(changing states whenever edges are activated)</a:t>
+              <a:t>Sequential :  rash nodes(changing states whenever edges are activated)</a:t>
             </a:r>
           </a:p>
           <a:p>
